--- a/2018-06-14-ChiPy/Presentation.pptx
+++ b/2018-06-14-ChiPy/Presentation.pptx
@@ -7,6 +7,12 @@
   <p:sldIdLst>
     <p:sldId id="256" r:id="rId2"/>
     <p:sldId id="257" r:id="rId3"/>
+    <p:sldId id="259" r:id="rId4"/>
+    <p:sldId id="258" r:id="rId5"/>
+    <p:sldId id="261" r:id="rId6"/>
+    <p:sldId id="260" r:id="rId7"/>
+    <p:sldId id="262" r:id="rId8"/>
+    <p:sldId id="263" r:id="rId9"/>
   </p:sldIdLst>
   <p:sldSz cx="12192000" cy="6858000"/>
   <p:notesSz cx="6858000" cy="9144000"/>
@@ -105,11 +111,3141 @@
       </a:defRPr>
     </a:lvl9pPr>
   </p:defaultTextStyle>
+  <p:extLst>
+    <p:ext uri="{EFAFB233-063F-42B5-8137-9DF3F51BA10A}">
+      <p15:sldGuideLst xmlns:p15="http://schemas.microsoft.com/office/powerpoint/2012/main"/>
+    </p:ext>
+  </p:extLst>
 </p:presentation>
 </file>
 
 <file path=ppt/revisionInfo.xml><?xml version="1.0" encoding="utf-8"?>
 <p1510:revInfo xmlns:a="http://schemas.openxmlformats.org/drawingml/2006/main" xmlns:r="http://schemas.openxmlformats.org/officeDocument/2006/relationships" xmlns:p1510="http://schemas.microsoft.com/office/powerpoint/2015/10/main"/>
+</file>
+
+<file path=ppt/diagrams/colors1.xml><?xml version="1.0" encoding="utf-8"?>
+<dgm:colorsDef xmlns:dgm="http://schemas.openxmlformats.org/drawingml/2006/diagram" xmlns:a="http://schemas.openxmlformats.org/drawingml/2006/main" uniqueId="urn:microsoft.com/office/officeart/2005/8/colors/accent0_3">
+  <dgm:title val=""/>
+  <dgm:desc val=""/>
+  <dgm:catLst>
+    <dgm:cat type="mainScheme" pri="10300"/>
+  </dgm:catLst>
+  <dgm:styleLbl name="node0">
+    <dgm:fillClrLst meth="repeat">
+      <a:schemeClr val="dk2"/>
+    </dgm:fillClrLst>
+    <dgm:linClrLst meth="repeat">
+      <a:schemeClr val="lt2"/>
+    </dgm:linClrLst>
+    <dgm:effectClrLst/>
+    <dgm:txLinClrLst/>
+    <dgm:txFillClrLst/>
+    <dgm:txEffectClrLst/>
+  </dgm:styleLbl>
+  <dgm:styleLbl name="alignNode1">
+    <dgm:fillClrLst meth="repeat">
+      <a:schemeClr val="dk2"/>
+    </dgm:fillClrLst>
+    <dgm:linClrLst meth="repeat">
+      <a:schemeClr val="dk2"/>
+    </dgm:linClrLst>
+    <dgm:effectClrLst/>
+    <dgm:txLinClrLst/>
+    <dgm:txFillClrLst/>
+    <dgm:txEffectClrLst/>
+  </dgm:styleLbl>
+  <dgm:styleLbl name="node1">
+    <dgm:fillClrLst meth="repeat">
+      <a:schemeClr val="dk2"/>
+    </dgm:fillClrLst>
+    <dgm:linClrLst meth="repeat">
+      <a:schemeClr val="lt2"/>
+    </dgm:linClrLst>
+    <dgm:effectClrLst/>
+    <dgm:txLinClrLst/>
+    <dgm:txFillClrLst/>
+    <dgm:txEffectClrLst/>
+  </dgm:styleLbl>
+  <dgm:styleLbl name="lnNode1">
+    <dgm:fillClrLst meth="repeat">
+      <a:schemeClr val="dk2"/>
+    </dgm:fillClrLst>
+    <dgm:linClrLst meth="repeat">
+      <a:schemeClr val="lt2"/>
+    </dgm:linClrLst>
+    <dgm:effectClrLst/>
+    <dgm:txLinClrLst/>
+    <dgm:txFillClrLst/>
+    <dgm:txEffectClrLst/>
+  </dgm:styleLbl>
+  <dgm:styleLbl name="vennNode1">
+    <dgm:fillClrLst meth="repeat">
+      <a:schemeClr val="dk2">
+        <a:alpha val="50000"/>
+      </a:schemeClr>
+    </dgm:fillClrLst>
+    <dgm:linClrLst meth="repeat">
+      <a:schemeClr val="lt2"/>
+    </dgm:linClrLst>
+    <dgm:effectClrLst/>
+    <dgm:txLinClrLst/>
+    <dgm:txFillClrLst/>
+    <dgm:txEffectClrLst/>
+  </dgm:styleLbl>
+  <dgm:styleLbl name="node2">
+    <dgm:fillClrLst meth="repeat">
+      <a:schemeClr val="dk2"/>
+    </dgm:fillClrLst>
+    <dgm:linClrLst meth="repeat">
+      <a:schemeClr val="lt2"/>
+    </dgm:linClrLst>
+    <dgm:effectClrLst/>
+    <dgm:txLinClrLst/>
+    <dgm:txFillClrLst/>
+    <dgm:txEffectClrLst/>
+  </dgm:styleLbl>
+  <dgm:styleLbl name="node3">
+    <dgm:fillClrLst meth="repeat">
+      <a:schemeClr val="dk2"/>
+    </dgm:fillClrLst>
+    <dgm:linClrLst meth="repeat">
+      <a:schemeClr val="lt2"/>
+    </dgm:linClrLst>
+    <dgm:effectClrLst/>
+    <dgm:txLinClrLst/>
+    <dgm:txFillClrLst/>
+    <dgm:txEffectClrLst/>
+  </dgm:styleLbl>
+  <dgm:styleLbl name="node4">
+    <dgm:fillClrLst meth="repeat">
+      <a:schemeClr val="dk2"/>
+    </dgm:fillClrLst>
+    <dgm:linClrLst meth="repeat">
+      <a:schemeClr val="lt2"/>
+    </dgm:linClrLst>
+    <dgm:effectClrLst/>
+    <dgm:txLinClrLst/>
+    <dgm:txFillClrLst/>
+    <dgm:txEffectClrLst/>
+  </dgm:styleLbl>
+  <dgm:styleLbl name="fgImgPlace1">
+    <dgm:fillClrLst meth="repeat">
+      <a:schemeClr val="dk2">
+        <a:tint val="50000"/>
+      </a:schemeClr>
+    </dgm:fillClrLst>
+    <dgm:linClrLst meth="repeat">
+      <a:schemeClr val="lt2"/>
+    </dgm:linClrLst>
+    <dgm:effectClrLst/>
+    <dgm:txLinClrLst/>
+    <dgm:txFillClrLst meth="repeat">
+      <a:schemeClr val="lt2"/>
+    </dgm:txFillClrLst>
+    <dgm:txEffectClrLst/>
+  </dgm:styleLbl>
+  <dgm:styleLbl name="alignImgPlace1">
+    <dgm:fillClrLst meth="repeat">
+      <a:schemeClr val="dk2">
+        <a:tint val="50000"/>
+      </a:schemeClr>
+    </dgm:fillClrLst>
+    <dgm:linClrLst meth="repeat">
+      <a:schemeClr val="dk2">
+        <a:shade val="80000"/>
+      </a:schemeClr>
+    </dgm:linClrLst>
+    <dgm:effectClrLst/>
+    <dgm:txLinClrLst/>
+    <dgm:txFillClrLst meth="repeat">
+      <a:schemeClr val="lt2"/>
+    </dgm:txFillClrLst>
+    <dgm:txEffectClrLst/>
+  </dgm:styleLbl>
+  <dgm:styleLbl name="bgImgPlace1">
+    <dgm:fillClrLst meth="repeat">
+      <a:schemeClr val="dk2">
+        <a:tint val="50000"/>
+      </a:schemeClr>
+    </dgm:fillClrLst>
+    <dgm:linClrLst meth="repeat">
+      <a:schemeClr val="dk2">
+        <a:shade val="80000"/>
+      </a:schemeClr>
+    </dgm:linClrLst>
+    <dgm:effectClrLst/>
+    <dgm:txLinClrLst/>
+    <dgm:txFillClrLst meth="repeat">
+      <a:schemeClr val="lt2"/>
+    </dgm:txFillClrLst>
+    <dgm:txEffectClrLst/>
+  </dgm:styleLbl>
+  <dgm:styleLbl name="sibTrans2D1">
+    <dgm:fillClrLst meth="repeat">
+      <a:schemeClr val="dk2">
+        <a:tint val="60000"/>
+      </a:schemeClr>
+    </dgm:fillClrLst>
+    <dgm:linClrLst meth="repeat">
+      <a:schemeClr val="dk2">
+        <a:tint val="60000"/>
+      </a:schemeClr>
+    </dgm:linClrLst>
+    <dgm:effectClrLst/>
+    <dgm:txLinClrLst/>
+    <dgm:txFillClrLst/>
+    <dgm:txEffectClrLst/>
+  </dgm:styleLbl>
+  <dgm:styleLbl name="fgSibTrans2D1">
+    <dgm:fillClrLst meth="repeat">
+      <a:schemeClr val="dk2">
+        <a:tint val="60000"/>
+      </a:schemeClr>
+    </dgm:fillClrLst>
+    <dgm:linClrLst meth="repeat">
+      <a:schemeClr val="dk2">
+        <a:tint val="60000"/>
+      </a:schemeClr>
+    </dgm:linClrLst>
+    <dgm:effectClrLst/>
+    <dgm:txLinClrLst/>
+    <dgm:txFillClrLst/>
+    <dgm:txEffectClrLst/>
+  </dgm:styleLbl>
+  <dgm:styleLbl name="bgSibTrans2D1">
+    <dgm:fillClrLst meth="repeat">
+      <a:schemeClr val="dk2">
+        <a:tint val="60000"/>
+      </a:schemeClr>
+    </dgm:fillClrLst>
+    <dgm:linClrLst meth="repeat">
+      <a:schemeClr val="dk2">
+        <a:tint val="60000"/>
+      </a:schemeClr>
+    </dgm:linClrLst>
+    <dgm:effectClrLst/>
+    <dgm:txLinClrLst/>
+    <dgm:txFillClrLst/>
+    <dgm:txEffectClrLst/>
+  </dgm:styleLbl>
+  <dgm:styleLbl name="sibTrans1D1">
+    <dgm:fillClrLst meth="repeat">
+      <a:schemeClr val="dk2"/>
+    </dgm:fillClrLst>
+    <dgm:linClrLst meth="repeat">
+      <a:schemeClr val="dk2"/>
+    </dgm:linClrLst>
+    <dgm:effectClrLst/>
+    <dgm:txLinClrLst/>
+    <dgm:txFillClrLst meth="repeat">
+      <a:schemeClr val="lt2"/>
+    </dgm:txFillClrLst>
+    <dgm:txEffectClrLst/>
+  </dgm:styleLbl>
+  <dgm:styleLbl name="callout">
+    <dgm:fillClrLst meth="repeat">
+      <a:schemeClr val="dk2"/>
+    </dgm:fillClrLst>
+    <dgm:linClrLst meth="repeat">
+      <a:schemeClr val="dk2">
+        <a:tint val="50000"/>
+      </a:schemeClr>
+    </dgm:linClrLst>
+    <dgm:effectClrLst/>
+    <dgm:txLinClrLst/>
+    <dgm:txFillClrLst meth="repeat">
+      <a:schemeClr val="lt2"/>
+    </dgm:txFillClrLst>
+    <dgm:txEffectClrLst/>
+  </dgm:styleLbl>
+  <dgm:styleLbl name="asst0">
+    <dgm:fillClrLst meth="repeat">
+      <a:schemeClr val="dk2"/>
+    </dgm:fillClrLst>
+    <dgm:linClrLst meth="repeat">
+      <a:schemeClr val="lt2"/>
+    </dgm:linClrLst>
+    <dgm:effectClrLst/>
+    <dgm:txLinClrLst/>
+    <dgm:txFillClrLst/>
+    <dgm:txEffectClrLst/>
+  </dgm:styleLbl>
+  <dgm:styleLbl name="asst1">
+    <dgm:fillClrLst meth="repeat">
+      <a:schemeClr val="dk2"/>
+    </dgm:fillClrLst>
+    <dgm:linClrLst meth="repeat">
+      <a:schemeClr val="lt2"/>
+    </dgm:linClrLst>
+    <dgm:effectClrLst/>
+    <dgm:txLinClrLst/>
+    <dgm:txFillClrLst/>
+    <dgm:txEffectClrLst/>
+  </dgm:styleLbl>
+  <dgm:styleLbl name="asst2">
+    <dgm:fillClrLst meth="repeat">
+      <a:schemeClr val="dk2"/>
+    </dgm:fillClrLst>
+    <dgm:linClrLst meth="repeat">
+      <a:schemeClr val="lt2"/>
+    </dgm:linClrLst>
+    <dgm:effectClrLst/>
+    <dgm:txLinClrLst/>
+    <dgm:txFillClrLst/>
+    <dgm:txEffectClrLst/>
+  </dgm:styleLbl>
+  <dgm:styleLbl name="asst3">
+    <dgm:fillClrLst meth="repeat">
+      <a:schemeClr val="dk2"/>
+    </dgm:fillClrLst>
+    <dgm:linClrLst meth="repeat">
+      <a:schemeClr val="lt2"/>
+    </dgm:linClrLst>
+    <dgm:effectClrLst/>
+    <dgm:txLinClrLst/>
+    <dgm:txFillClrLst/>
+    <dgm:txEffectClrLst/>
+  </dgm:styleLbl>
+  <dgm:styleLbl name="asst4">
+    <dgm:fillClrLst meth="repeat">
+      <a:schemeClr val="dk2"/>
+    </dgm:fillClrLst>
+    <dgm:linClrLst meth="repeat">
+      <a:schemeClr val="lt2"/>
+    </dgm:linClrLst>
+    <dgm:effectClrLst/>
+    <dgm:txLinClrLst/>
+    <dgm:txFillClrLst/>
+    <dgm:txEffectClrLst/>
+  </dgm:styleLbl>
+  <dgm:styleLbl name="parChTrans2D1">
+    <dgm:fillClrLst meth="repeat">
+      <a:schemeClr val="dk2">
+        <a:tint val="60000"/>
+      </a:schemeClr>
+    </dgm:fillClrLst>
+    <dgm:linClrLst meth="repeat">
+      <a:schemeClr val="dk2">
+        <a:tint val="60000"/>
+      </a:schemeClr>
+    </dgm:linClrLst>
+    <dgm:effectClrLst/>
+    <dgm:txLinClrLst/>
+    <dgm:txFillClrLst meth="repeat">
+      <a:schemeClr val="lt2"/>
+    </dgm:txFillClrLst>
+    <dgm:txEffectClrLst/>
+  </dgm:styleLbl>
+  <dgm:styleLbl name="parChTrans2D2">
+    <dgm:fillClrLst meth="repeat">
+      <a:schemeClr val="dk2"/>
+    </dgm:fillClrLst>
+    <dgm:linClrLst meth="repeat">
+      <a:schemeClr val="dk2"/>
+    </dgm:linClrLst>
+    <dgm:effectClrLst/>
+    <dgm:txLinClrLst/>
+    <dgm:txFillClrLst meth="repeat">
+      <a:schemeClr val="lt2"/>
+    </dgm:txFillClrLst>
+    <dgm:txEffectClrLst/>
+  </dgm:styleLbl>
+  <dgm:styleLbl name="parChTrans2D3">
+    <dgm:fillClrLst meth="repeat">
+      <a:schemeClr val="dk2"/>
+    </dgm:fillClrLst>
+    <dgm:linClrLst meth="repeat">
+      <a:schemeClr val="dk2"/>
+    </dgm:linClrLst>
+    <dgm:effectClrLst/>
+    <dgm:txLinClrLst/>
+    <dgm:txFillClrLst meth="repeat">
+      <a:schemeClr val="lt2"/>
+    </dgm:txFillClrLst>
+    <dgm:txEffectClrLst/>
+  </dgm:styleLbl>
+  <dgm:styleLbl name="parChTrans2D4">
+    <dgm:fillClrLst meth="repeat">
+      <a:schemeClr val="dk2"/>
+    </dgm:fillClrLst>
+    <dgm:linClrLst meth="repeat">
+      <a:schemeClr val="dk2"/>
+    </dgm:linClrLst>
+    <dgm:effectClrLst/>
+    <dgm:txLinClrLst/>
+    <dgm:txFillClrLst meth="repeat">
+      <a:schemeClr val="lt2"/>
+    </dgm:txFillClrLst>
+    <dgm:txEffectClrLst/>
+  </dgm:styleLbl>
+  <dgm:styleLbl name="parChTrans1D1">
+    <dgm:fillClrLst meth="repeat">
+      <a:schemeClr val="dk2"/>
+    </dgm:fillClrLst>
+    <dgm:linClrLst meth="repeat">
+      <a:schemeClr val="dk2">
+        <a:shade val="60000"/>
+      </a:schemeClr>
+    </dgm:linClrLst>
+    <dgm:effectClrLst/>
+    <dgm:txLinClrLst/>
+    <dgm:txFillClrLst meth="repeat">
+      <a:schemeClr val="tx1"/>
+    </dgm:txFillClrLst>
+    <dgm:txEffectClrLst/>
+  </dgm:styleLbl>
+  <dgm:styleLbl name="parChTrans1D2">
+    <dgm:fillClrLst meth="repeat">
+      <a:schemeClr val="dk2"/>
+    </dgm:fillClrLst>
+    <dgm:linClrLst meth="repeat">
+      <a:schemeClr val="dk2">
+        <a:shade val="60000"/>
+      </a:schemeClr>
+    </dgm:linClrLst>
+    <dgm:effectClrLst/>
+    <dgm:txLinClrLst/>
+    <dgm:txFillClrLst meth="repeat">
+      <a:schemeClr val="tx1"/>
+    </dgm:txFillClrLst>
+    <dgm:txEffectClrLst/>
+  </dgm:styleLbl>
+  <dgm:styleLbl name="parChTrans1D3">
+    <dgm:fillClrLst meth="repeat">
+      <a:schemeClr val="dk2"/>
+    </dgm:fillClrLst>
+    <dgm:linClrLst meth="repeat">
+      <a:schemeClr val="dk2">
+        <a:shade val="80000"/>
+      </a:schemeClr>
+    </dgm:linClrLst>
+    <dgm:effectClrLst/>
+    <dgm:txLinClrLst/>
+    <dgm:txFillClrLst meth="repeat">
+      <a:schemeClr val="tx1"/>
+    </dgm:txFillClrLst>
+    <dgm:txEffectClrLst/>
+  </dgm:styleLbl>
+  <dgm:styleLbl name="parChTrans1D4">
+    <dgm:fillClrLst meth="repeat">
+      <a:schemeClr val="dk2"/>
+    </dgm:fillClrLst>
+    <dgm:linClrLst meth="repeat">
+      <a:schemeClr val="dk2">
+        <a:shade val="80000"/>
+      </a:schemeClr>
+    </dgm:linClrLst>
+    <dgm:effectClrLst/>
+    <dgm:txLinClrLst/>
+    <dgm:txFillClrLst meth="repeat">
+      <a:schemeClr val="tx1"/>
+    </dgm:txFillClrLst>
+    <dgm:txEffectClrLst/>
+  </dgm:styleLbl>
+  <dgm:styleLbl name="fgAcc1">
+    <dgm:fillClrLst meth="repeat">
+      <a:schemeClr val="lt2">
+        <a:alpha val="90000"/>
+      </a:schemeClr>
+    </dgm:fillClrLst>
+    <dgm:linClrLst meth="repeat">
+      <a:schemeClr val="dk2"/>
+    </dgm:linClrLst>
+    <dgm:effectClrLst/>
+    <dgm:txLinClrLst/>
+    <dgm:txFillClrLst meth="repeat">
+      <a:schemeClr val="dk1"/>
+    </dgm:txFillClrLst>
+    <dgm:txEffectClrLst/>
+  </dgm:styleLbl>
+  <dgm:styleLbl name="conFgAcc1">
+    <dgm:fillClrLst meth="repeat">
+      <a:schemeClr val="lt2">
+        <a:alpha val="90000"/>
+      </a:schemeClr>
+    </dgm:fillClrLst>
+    <dgm:linClrLst meth="repeat">
+      <a:schemeClr val="dk2"/>
+    </dgm:linClrLst>
+    <dgm:effectClrLst/>
+    <dgm:txLinClrLst/>
+    <dgm:txFillClrLst meth="repeat">
+      <a:schemeClr val="dk1"/>
+    </dgm:txFillClrLst>
+    <dgm:txEffectClrLst/>
+  </dgm:styleLbl>
+  <dgm:styleLbl name="alignAcc1">
+    <dgm:fillClrLst meth="repeat">
+      <a:schemeClr val="lt2">
+        <a:alpha val="90000"/>
+      </a:schemeClr>
+    </dgm:fillClrLst>
+    <dgm:linClrLst meth="repeat">
+      <a:schemeClr val="dk2"/>
+    </dgm:linClrLst>
+    <dgm:effectClrLst/>
+    <dgm:txLinClrLst/>
+    <dgm:txFillClrLst meth="repeat">
+      <a:schemeClr val="dk1"/>
+    </dgm:txFillClrLst>
+    <dgm:txEffectClrLst/>
+  </dgm:styleLbl>
+  <dgm:styleLbl name="trAlignAcc1">
+    <dgm:fillClrLst meth="repeat">
+      <a:schemeClr val="lt2">
+        <a:alpha val="40000"/>
+      </a:schemeClr>
+    </dgm:fillClrLst>
+    <dgm:linClrLst meth="repeat">
+      <a:schemeClr val="dk2"/>
+    </dgm:linClrLst>
+    <dgm:effectClrLst/>
+    <dgm:txLinClrLst/>
+    <dgm:txFillClrLst meth="repeat">
+      <a:schemeClr val="dk1"/>
+    </dgm:txFillClrLst>
+    <dgm:txEffectClrLst/>
+  </dgm:styleLbl>
+  <dgm:styleLbl name="bgAcc1">
+    <dgm:fillClrLst meth="repeat">
+      <a:schemeClr val="lt2">
+        <a:alpha val="90000"/>
+      </a:schemeClr>
+    </dgm:fillClrLst>
+    <dgm:linClrLst meth="repeat">
+      <a:schemeClr val="dk2"/>
+    </dgm:linClrLst>
+    <dgm:effectClrLst/>
+    <dgm:txLinClrLst/>
+    <dgm:txFillClrLst meth="repeat">
+      <a:schemeClr val="dk1"/>
+    </dgm:txFillClrLst>
+    <dgm:txEffectClrLst/>
+  </dgm:styleLbl>
+  <dgm:styleLbl name="solidFgAcc1">
+    <dgm:fillClrLst meth="repeat">
+      <a:schemeClr val="lt2"/>
+    </dgm:fillClrLst>
+    <dgm:linClrLst meth="repeat">
+      <a:schemeClr val="dk2"/>
+    </dgm:linClrLst>
+    <dgm:effectClrLst/>
+    <dgm:txLinClrLst/>
+    <dgm:txFillClrLst meth="repeat">
+      <a:schemeClr val="dk1"/>
+    </dgm:txFillClrLst>
+    <dgm:txEffectClrLst/>
+  </dgm:styleLbl>
+  <dgm:styleLbl name="solidAlignAcc1">
+    <dgm:fillClrLst meth="repeat">
+      <a:schemeClr val="lt2"/>
+    </dgm:fillClrLst>
+    <dgm:linClrLst meth="repeat">
+      <a:schemeClr val="dk2"/>
+    </dgm:linClrLst>
+    <dgm:effectClrLst/>
+    <dgm:txLinClrLst/>
+    <dgm:txFillClrLst meth="repeat">
+      <a:schemeClr val="dk1"/>
+    </dgm:txFillClrLst>
+    <dgm:txEffectClrLst/>
+  </dgm:styleLbl>
+  <dgm:styleLbl name="solidBgAcc1">
+    <dgm:fillClrLst meth="repeat">
+      <a:schemeClr val="lt2"/>
+    </dgm:fillClrLst>
+    <dgm:linClrLst meth="repeat">
+      <a:schemeClr val="dk2"/>
+    </dgm:linClrLst>
+    <dgm:effectClrLst/>
+    <dgm:txLinClrLst/>
+    <dgm:txFillClrLst meth="repeat">
+      <a:schemeClr val="dk1"/>
+    </dgm:txFillClrLst>
+    <dgm:txEffectClrLst/>
+  </dgm:styleLbl>
+  <dgm:styleLbl name="fgAccFollowNode1">
+    <dgm:fillClrLst meth="repeat">
+      <a:schemeClr val="dk2">
+        <a:alpha val="90000"/>
+        <a:tint val="40000"/>
+      </a:schemeClr>
+    </dgm:fillClrLst>
+    <dgm:linClrLst meth="repeat">
+      <a:schemeClr val="dk2">
+        <a:alpha val="90000"/>
+        <a:tint val="40000"/>
+      </a:schemeClr>
+    </dgm:linClrLst>
+    <dgm:effectClrLst/>
+    <dgm:txLinClrLst/>
+    <dgm:txFillClrLst meth="repeat">
+      <a:schemeClr val="dk1"/>
+    </dgm:txFillClrLst>
+    <dgm:txEffectClrLst/>
+  </dgm:styleLbl>
+  <dgm:styleLbl name="alignAccFollowNode1">
+    <dgm:fillClrLst meth="repeat">
+      <a:schemeClr val="dk2">
+        <a:alpha val="90000"/>
+        <a:tint val="40000"/>
+      </a:schemeClr>
+    </dgm:fillClrLst>
+    <dgm:linClrLst meth="repeat">
+      <a:schemeClr val="dk2">
+        <a:alpha val="90000"/>
+        <a:tint val="40000"/>
+      </a:schemeClr>
+    </dgm:linClrLst>
+    <dgm:effectClrLst/>
+    <dgm:txLinClrLst/>
+    <dgm:txFillClrLst meth="repeat">
+      <a:schemeClr val="dk1"/>
+    </dgm:txFillClrLst>
+    <dgm:txEffectClrLst/>
+  </dgm:styleLbl>
+  <dgm:styleLbl name="bgAccFollowNode1">
+    <dgm:fillClrLst meth="repeat">
+      <a:schemeClr val="dk2">
+        <a:alpha val="90000"/>
+        <a:tint val="40000"/>
+      </a:schemeClr>
+    </dgm:fillClrLst>
+    <dgm:linClrLst meth="repeat">
+      <a:schemeClr val="dk2">
+        <a:alpha val="90000"/>
+        <a:tint val="40000"/>
+      </a:schemeClr>
+    </dgm:linClrLst>
+    <dgm:effectClrLst/>
+    <dgm:txLinClrLst/>
+    <dgm:txFillClrLst meth="repeat">
+      <a:schemeClr val="dk1"/>
+    </dgm:txFillClrLst>
+    <dgm:txEffectClrLst/>
+  </dgm:styleLbl>
+  <dgm:styleLbl name="fgAcc0">
+    <dgm:fillClrLst meth="repeat">
+      <a:schemeClr val="lt2">
+        <a:alpha val="90000"/>
+      </a:schemeClr>
+    </dgm:fillClrLst>
+    <dgm:linClrLst meth="repeat">
+      <a:schemeClr val="dk2"/>
+    </dgm:linClrLst>
+    <dgm:effectClrLst/>
+    <dgm:txLinClrLst/>
+    <dgm:txFillClrLst meth="repeat">
+      <a:schemeClr val="dk1"/>
+    </dgm:txFillClrLst>
+    <dgm:txEffectClrLst/>
+  </dgm:styleLbl>
+  <dgm:styleLbl name="fgAcc2">
+    <dgm:fillClrLst meth="repeat">
+      <a:schemeClr val="lt2">
+        <a:alpha val="90000"/>
+      </a:schemeClr>
+    </dgm:fillClrLst>
+    <dgm:linClrLst meth="repeat">
+      <a:schemeClr val="dk2"/>
+    </dgm:linClrLst>
+    <dgm:effectClrLst/>
+    <dgm:txLinClrLst/>
+    <dgm:txFillClrLst meth="repeat">
+      <a:schemeClr val="dk1"/>
+    </dgm:txFillClrLst>
+    <dgm:txEffectClrLst/>
+  </dgm:styleLbl>
+  <dgm:styleLbl name="fgAcc3">
+    <dgm:fillClrLst meth="repeat">
+      <a:schemeClr val="lt2">
+        <a:alpha val="90000"/>
+      </a:schemeClr>
+    </dgm:fillClrLst>
+    <dgm:linClrLst meth="repeat">
+      <a:schemeClr val="dk2"/>
+    </dgm:linClrLst>
+    <dgm:effectClrLst/>
+    <dgm:txLinClrLst/>
+    <dgm:txFillClrLst meth="repeat">
+      <a:schemeClr val="dk1"/>
+    </dgm:txFillClrLst>
+    <dgm:txEffectClrLst/>
+  </dgm:styleLbl>
+  <dgm:styleLbl name="fgAcc4">
+    <dgm:fillClrLst meth="repeat">
+      <a:schemeClr val="lt2">
+        <a:alpha val="90000"/>
+      </a:schemeClr>
+    </dgm:fillClrLst>
+    <dgm:linClrLst meth="repeat">
+      <a:schemeClr val="dk2"/>
+    </dgm:linClrLst>
+    <dgm:effectClrLst/>
+    <dgm:txLinClrLst/>
+    <dgm:txFillClrLst meth="repeat">
+      <a:schemeClr val="dk1"/>
+    </dgm:txFillClrLst>
+    <dgm:txEffectClrLst/>
+  </dgm:styleLbl>
+  <dgm:styleLbl name="bgShp">
+    <dgm:fillClrLst meth="repeat">
+      <a:schemeClr val="dk2">
+        <a:tint val="40000"/>
+      </a:schemeClr>
+    </dgm:fillClrLst>
+    <dgm:linClrLst meth="repeat">
+      <a:schemeClr val="dk2"/>
+    </dgm:linClrLst>
+    <dgm:effectClrLst/>
+    <dgm:txLinClrLst/>
+    <dgm:txFillClrLst meth="repeat">
+      <a:schemeClr val="dk1"/>
+    </dgm:txFillClrLst>
+    <dgm:txEffectClrLst/>
+  </dgm:styleLbl>
+  <dgm:styleLbl name="dkBgShp">
+    <dgm:fillClrLst meth="repeat">
+      <a:schemeClr val="dk2">
+        <a:shade val="80000"/>
+      </a:schemeClr>
+    </dgm:fillClrLst>
+    <dgm:linClrLst meth="repeat">
+      <a:schemeClr val="dk2"/>
+    </dgm:linClrLst>
+    <dgm:effectClrLst/>
+    <dgm:txLinClrLst/>
+    <dgm:txFillClrLst meth="repeat">
+      <a:schemeClr val="lt1"/>
+    </dgm:txFillClrLst>
+    <dgm:txEffectClrLst/>
+  </dgm:styleLbl>
+  <dgm:styleLbl name="trBgShp">
+    <dgm:fillClrLst meth="repeat">
+      <a:schemeClr val="dk2">
+        <a:tint val="50000"/>
+        <a:alpha val="40000"/>
+      </a:schemeClr>
+    </dgm:fillClrLst>
+    <dgm:linClrLst meth="repeat">
+      <a:schemeClr val="dk2"/>
+    </dgm:linClrLst>
+    <dgm:effectClrLst/>
+    <dgm:txLinClrLst/>
+    <dgm:txFillClrLst meth="repeat">
+      <a:schemeClr val="lt1"/>
+    </dgm:txFillClrLst>
+    <dgm:txEffectClrLst/>
+  </dgm:styleLbl>
+  <dgm:styleLbl name="fgShp">
+    <dgm:fillClrLst meth="repeat">
+      <a:schemeClr val="dk2">
+        <a:tint val="60000"/>
+      </a:schemeClr>
+    </dgm:fillClrLst>
+    <dgm:linClrLst meth="repeat">
+      <a:schemeClr val="lt2"/>
+    </dgm:linClrLst>
+    <dgm:effectClrLst/>
+    <dgm:txLinClrLst/>
+    <dgm:txFillClrLst meth="repeat">
+      <a:schemeClr val="dk1"/>
+    </dgm:txFillClrLst>
+    <dgm:txEffectClrLst/>
+  </dgm:styleLbl>
+  <dgm:styleLbl name="revTx">
+    <dgm:fillClrLst meth="repeat">
+      <a:schemeClr val="lt2">
+        <a:alpha val="0"/>
+      </a:schemeClr>
+    </dgm:fillClrLst>
+    <dgm:linClrLst meth="repeat">
+      <a:schemeClr val="dk1">
+        <a:alpha val="0"/>
+      </a:schemeClr>
+    </dgm:linClrLst>
+    <dgm:effectClrLst/>
+    <dgm:txLinClrLst/>
+    <dgm:txFillClrLst meth="repeat">
+      <a:schemeClr val="tx1"/>
+    </dgm:txFillClrLst>
+    <dgm:txEffectClrLst/>
+  </dgm:styleLbl>
+</dgm:colorsDef>
+</file>
+
+<file path=ppt/diagrams/data1.xml><?xml version="1.0" encoding="utf-8"?>
+<dgm:dataModel xmlns:dgm="http://schemas.openxmlformats.org/drawingml/2006/diagram" xmlns:a="http://schemas.openxmlformats.org/drawingml/2006/main">
+  <dgm:ptLst>
+    <dgm:pt modelId="{0FA6FAFC-72B0-49C6-A631-F9D060462530}" type="doc">
+      <dgm:prSet loTypeId="urn:microsoft.com/office/officeart/2008/layout/LinedList" loCatId="list" qsTypeId="urn:microsoft.com/office/officeart/2005/8/quickstyle/simple4" qsCatId="simple" csTypeId="urn:microsoft.com/office/officeart/2005/8/colors/accent0_3" csCatId="mainScheme" phldr="1"/>
+      <dgm:spPr/>
+      <dgm:t>
+        <a:bodyPr/>
+        <a:lstStyle/>
+        <a:p>
+          <a:endParaRPr lang="en-US"/>
+        </a:p>
+      </dgm:t>
+    </dgm:pt>
+    <dgm:pt modelId="{5E702157-9244-477B-AD31-7DC8696D0548}">
+      <dgm:prSet/>
+      <dgm:spPr/>
+      <dgm:t>
+        <a:bodyPr/>
+        <a:lstStyle/>
+        <a:p>
+          <a:r>
+            <a:rPr lang="en-US" dirty="0">
+              <a:solidFill>
+                <a:srgbClr val="404040"/>
+              </a:solidFill>
+            </a:rPr>
+            <a:t>Data intake from the field</a:t>
+          </a:r>
+        </a:p>
+      </dgm:t>
+    </dgm:pt>
+    <dgm:pt modelId="{2127D455-8937-49F4-BD89-BEFE6B39AACC}" type="parTrans" cxnId="{6FCAA6E5-D2B6-4DAE-9CAD-5189AA82CA34}">
+      <dgm:prSet/>
+      <dgm:spPr/>
+      <dgm:t>
+        <a:bodyPr/>
+        <a:lstStyle/>
+        <a:p>
+          <a:endParaRPr lang="en-US"/>
+        </a:p>
+      </dgm:t>
+    </dgm:pt>
+    <dgm:pt modelId="{839F4231-90EF-4B86-8390-4617EE4A5361}" type="sibTrans" cxnId="{6FCAA6E5-D2B6-4DAE-9CAD-5189AA82CA34}">
+      <dgm:prSet/>
+      <dgm:spPr/>
+      <dgm:t>
+        <a:bodyPr/>
+        <a:lstStyle/>
+        <a:p>
+          <a:endParaRPr lang="en-US"/>
+        </a:p>
+      </dgm:t>
+    </dgm:pt>
+    <dgm:pt modelId="{CC4C2A4B-41C7-45B6-A2AA-92B2E9F9993C}">
+      <dgm:prSet/>
+      <dgm:spPr/>
+      <dgm:t>
+        <a:bodyPr/>
+        <a:lstStyle/>
+        <a:p>
+          <a:r>
+            <a:rPr lang="en-US" dirty="0">
+              <a:solidFill>
+                <a:srgbClr val="404040"/>
+              </a:solidFill>
+            </a:rPr>
+            <a:t>Data flow to reporting</a:t>
+          </a:r>
+        </a:p>
+      </dgm:t>
+    </dgm:pt>
+    <dgm:pt modelId="{291B4CFC-910B-44A2-95B1-DFAFC5001CE4}" type="parTrans" cxnId="{7D2E59B5-DAB3-4898-9E89-DF4C182A15ED}">
+      <dgm:prSet/>
+      <dgm:spPr/>
+      <dgm:t>
+        <a:bodyPr/>
+        <a:lstStyle/>
+        <a:p>
+          <a:endParaRPr lang="en-US"/>
+        </a:p>
+      </dgm:t>
+    </dgm:pt>
+    <dgm:pt modelId="{29546249-EB11-441A-B452-41A980F73401}" type="sibTrans" cxnId="{7D2E59B5-DAB3-4898-9E89-DF4C182A15ED}">
+      <dgm:prSet/>
+      <dgm:spPr/>
+      <dgm:t>
+        <a:bodyPr/>
+        <a:lstStyle/>
+        <a:p>
+          <a:endParaRPr lang="en-US"/>
+        </a:p>
+      </dgm:t>
+    </dgm:pt>
+    <dgm:pt modelId="{807A7D3F-0646-4C8A-BC9B-BF7A98AEE227}">
+      <dgm:prSet/>
+      <dgm:spPr/>
+      <dgm:t>
+        <a:bodyPr/>
+        <a:lstStyle/>
+        <a:p>
+          <a:r>
+            <a:rPr lang="en-US" dirty="0">
+              <a:solidFill>
+                <a:srgbClr val="404040"/>
+              </a:solidFill>
+            </a:rPr>
+            <a:t>Data analysis</a:t>
+          </a:r>
+        </a:p>
+      </dgm:t>
+    </dgm:pt>
+    <dgm:pt modelId="{42C0D23E-0D73-45F1-9BC0-CA4AE82D0669}" type="parTrans" cxnId="{6CCA2BF0-65FF-445C-98C7-F07B878B16F5}">
+      <dgm:prSet/>
+      <dgm:spPr/>
+      <dgm:t>
+        <a:bodyPr/>
+        <a:lstStyle/>
+        <a:p>
+          <a:endParaRPr lang="en-US"/>
+        </a:p>
+      </dgm:t>
+    </dgm:pt>
+    <dgm:pt modelId="{1409EA93-D586-425A-BC2A-3A6B96E0C924}" type="sibTrans" cxnId="{6CCA2BF0-65FF-445C-98C7-F07B878B16F5}">
+      <dgm:prSet/>
+      <dgm:spPr/>
+      <dgm:t>
+        <a:bodyPr/>
+        <a:lstStyle/>
+        <a:p>
+          <a:endParaRPr lang="en-US"/>
+        </a:p>
+      </dgm:t>
+    </dgm:pt>
+    <dgm:pt modelId="{CB7D4319-D0E7-46CF-A32C-B6F8A8B8D4FB}">
+      <dgm:prSet/>
+      <dgm:spPr/>
+      <dgm:t>
+        <a:bodyPr/>
+        <a:lstStyle/>
+        <a:p>
+          <a:r>
+            <a:rPr lang="en-US" dirty="0">
+              <a:solidFill>
+                <a:srgbClr val="404040"/>
+              </a:solidFill>
+            </a:rPr>
+            <a:t>Web app for machine learning</a:t>
+          </a:r>
+        </a:p>
+      </dgm:t>
+    </dgm:pt>
+    <dgm:pt modelId="{9DC0AF52-3D1E-4E2E-B875-37CFD185C9D0}" type="parTrans" cxnId="{5661CA84-E717-4387-91E6-FE46E5BC2222}">
+      <dgm:prSet/>
+      <dgm:spPr/>
+      <dgm:t>
+        <a:bodyPr/>
+        <a:lstStyle/>
+        <a:p>
+          <a:endParaRPr lang="en-US"/>
+        </a:p>
+      </dgm:t>
+    </dgm:pt>
+    <dgm:pt modelId="{C620F556-0235-49F2-84B2-D2E7E0B2CA3C}" type="sibTrans" cxnId="{5661CA84-E717-4387-91E6-FE46E5BC2222}">
+      <dgm:prSet/>
+      <dgm:spPr/>
+      <dgm:t>
+        <a:bodyPr/>
+        <a:lstStyle/>
+        <a:p>
+          <a:endParaRPr lang="en-US"/>
+        </a:p>
+      </dgm:t>
+    </dgm:pt>
+    <dgm:pt modelId="{F3F8835E-E00A-4B61-B3E2-5175D3290E1B}" type="pres">
+      <dgm:prSet presAssocID="{0FA6FAFC-72B0-49C6-A631-F9D060462530}" presName="vert0" presStyleCnt="0">
+        <dgm:presLayoutVars>
+          <dgm:dir/>
+          <dgm:animOne val="branch"/>
+          <dgm:animLvl val="lvl"/>
+        </dgm:presLayoutVars>
+      </dgm:prSet>
+      <dgm:spPr/>
+    </dgm:pt>
+    <dgm:pt modelId="{138BAE62-9882-44F3-B0BE-9846ACFB86D3}" type="pres">
+      <dgm:prSet presAssocID="{5E702157-9244-477B-AD31-7DC8696D0548}" presName="thickLine" presStyleLbl="alignNode1" presStyleIdx="0" presStyleCnt="4"/>
+      <dgm:spPr/>
+    </dgm:pt>
+    <dgm:pt modelId="{2F45B962-A64C-49B2-95E8-37CBFEB4F877}" type="pres">
+      <dgm:prSet presAssocID="{5E702157-9244-477B-AD31-7DC8696D0548}" presName="horz1" presStyleCnt="0"/>
+      <dgm:spPr/>
+    </dgm:pt>
+    <dgm:pt modelId="{3FE1D5C8-2EE5-4FC9-A646-0630C1B9A32F}" type="pres">
+      <dgm:prSet presAssocID="{5E702157-9244-477B-AD31-7DC8696D0548}" presName="tx1" presStyleLbl="revTx" presStyleIdx="0" presStyleCnt="4"/>
+      <dgm:spPr/>
+    </dgm:pt>
+    <dgm:pt modelId="{D6B1A0AA-A4E0-4017-982F-A5FBC49610C4}" type="pres">
+      <dgm:prSet presAssocID="{5E702157-9244-477B-AD31-7DC8696D0548}" presName="vert1" presStyleCnt="0"/>
+      <dgm:spPr/>
+    </dgm:pt>
+    <dgm:pt modelId="{02B1498D-CCB7-43B1-BFB0-E88D4C8DE264}" type="pres">
+      <dgm:prSet presAssocID="{CC4C2A4B-41C7-45B6-A2AA-92B2E9F9993C}" presName="thickLine" presStyleLbl="alignNode1" presStyleIdx="1" presStyleCnt="4"/>
+      <dgm:spPr/>
+    </dgm:pt>
+    <dgm:pt modelId="{82FB54ED-0618-4E56-B287-61B49D52D7BD}" type="pres">
+      <dgm:prSet presAssocID="{CC4C2A4B-41C7-45B6-A2AA-92B2E9F9993C}" presName="horz1" presStyleCnt="0"/>
+      <dgm:spPr/>
+    </dgm:pt>
+    <dgm:pt modelId="{2D53F3EB-307A-489C-8905-C068F88284CF}" type="pres">
+      <dgm:prSet presAssocID="{CC4C2A4B-41C7-45B6-A2AA-92B2E9F9993C}" presName="tx1" presStyleLbl="revTx" presStyleIdx="1" presStyleCnt="4"/>
+      <dgm:spPr/>
+    </dgm:pt>
+    <dgm:pt modelId="{1F3DCF88-D7F7-4F51-978B-63659B1C6D62}" type="pres">
+      <dgm:prSet presAssocID="{CC4C2A4B-41C7-45B6-A2AA-92B2E9F9993C}" presName="vert1" presStyleCnt="0"/>
+      <dgm:spPr/>
+    </dgm:pt>
+    <dgm:pt modelId="{13CF9B17-FDA2-48B8-B35C-BCEF76E87C5E}" type="pres">
+      <dgm:prSet presAssocID="{807A7D3F-0646-4C8A-BC9B-BF7A98AEE227}" presName="thickLine" presStyleLbl="alignNode1" presStyleIdx="2" presStyleCnt="4"/>
+      <dgm:spPr/>
+    </dgm:pt>
+    <dgm:pt modelId="{9CFF8596-8D24-4EA6-B184-54E7F008556B}" type="pres">
+      <dgm:prSet presAssocID="{807A7D3F-0646-4C8A-BC9B-BF7A98AEE227}" presName="horz1" presStyleCnt="0"/>
+      <dgm:spPr/>
+    </dgm:pt>
+    <dgm:pt modelId="{18E80B18-9B56-4AEE-BC8E-5C11D46DDD8C}" type="pres">
+      <dgm:prSet presAssocID="{807A7D3F-0646-4C8A-BC9B-BF7A98AEE227}" presName="tx1" presStyleLbl="revTx" presStyleIdx="2" presStyleCnt="4"/>
+      <dgm:spPr/>
+    </dgm:pt>
+    <dgm:pt modelId="{E446630F-88A5-4110-A439-2BD09CA64863}" type="pres">
+      <dgm:prSet presAssocID="{807A7D3F-0646-4C8A-BC9B-BF7A98AEE227}" presName="vert1" presStyleCnt="0"/>
+      <dgm:spPr/>
+    </dgm:pt>
+    <dgm:pt modelId="{9A2D95F5-6473-4123-B0B9-5F3E257895A2}" type="pres">
+      <dgm:prSet presAssocID="{CB7D4319-D0E7-46CF-A32C-B6F8A8B8D4FB}" presName="thickLine" presStyleLbl="alignNode1" presStyleIdx="3" presStyleCnt="4"/>
+      <dgm:spPr/>
+    </dgm:pt>
+    <dgm:pt modelId="{89F50FBD-894A-4073-A05F-7D4BDEF311BA}" type="pres">
+      <dgm:prSet presAssocID="{CB7D4319-D0E7-46CF-A32C-B6F8A8B8D4FB}" presName="horz1" presStyleCnt="0"/>
+      <dgm:spPr/>
+    </dgm:pt>
+    <dgm:pt modelId="{72FFA7D1-BF12-480C-8890-3207D654E77F}" type="pres">
+      <dgm:prSet presAssocID="{CB7D4319-D0E7-46CF-A32C-B6F8A8B8D4FB}" presName="tx1" presStyleLbl="revTx" presStyleIdx="3" presStyleCnt="4"/>
+      <dgm:spPr/>
+    </dgm:pt>
+    <dgm:pt modelId="{51F1B553-2BC1-45A4-B565-7E2DC1663CE0}" type="pres">
+      <dgm:prSet presAssocID="{CB7D4319-D0E7-46CF-A32C-B6F8A8B8D4FB}" presName="vert1" presStyleCnt="0"/>
+      <dgm:spPr/>
+    </dgm:pt>
+  </dgm:ptLst>
+  <dgm:cxnLst>
+    <dgm:cxn modelId="{9829DE13-5E86-469A-AAD5-6D499F10EF4B}" type="presOf" srcId="{CC4C2A4B-41C7-45B6-A2AA-92B2E9F9993C}" destId="{2D53F3EB-307A-489C-8905-C068F88284CF}" srcOrd="0" destOrd="0" presId="urn:microsoft.com/office/officeart/2008/layout/LinedList"/>
+    <dgm:cxn modelId="{5661CA84-E717-4387-91E6-FE46E5BC2222}" srcId="{0FA6FAFC-72B0-49C6-A631-F9D060462530}" destId="{CB7D4319-D0E7-46CF-A32C-B6F8A8B8D4FB}" srcOrd="3" destOrd="0" parTransId="{9DC0AF52-3D1E-4E2E-B875-37CFD185C9D0}" sibTransId="{C620F556-0235-49F2-84B2-D2E7E0B2CA3C}"/>
+    <dgm:cxn modelId="{9A4E4195-7D16-4DF0-BA38-FE13889E04F0}" type="presOf" srcId="{807A7D3F-0646-4C8A-BC9B-BF7A98AEE227}" destId="{18E80B18-9B56-4AEE-BC8E-5C11D46DDD8C}" srcOrd="0" destOrd="0" presId="urn:microsoft.com/office/officeart/2008/layout/LinedList"/>
+    <dgm:cxn modelId="{DBB0FBAA-FA81-4327-8618-2FE15DDB9699}" type="presOf" srcId="{CB7D4319-D0E7-46CF-A32C-B6F8A8B8D4FB}" destId="{72FFA7D1-BF12-480C-8890-3207D654E77F}" srcOrd="0" destOrd="0" presId="urn:microsoft.com/office/officeart/2008/layout/LinedList"/>
+    <dgm:cxn modelId="{7D2E59B5-DAB3-4898-9E89-DF4C182A15ED}" srcId="{0FA6FAFC-72B0-49C6-A631-F9D060462530}" destId="{CC4C2A4B-41C7-45B6-A2AA-92B2E9F9993C}" srcOrd="1" destOrd="0" parTransId="{291B4CFC-910B-44A2-95B1-DFAFC5001CE4}" sibTransId="{29546249-EB11-441A-B452-41A980F73401}"/>
+    <dgm:cxn modelId="{B985A7C6-19CC-4DD3-A685-3FA71F0D6D0B}" type="presOf" srcId="{5E702157-9244-477B-AD31-7DC8696D0548}" destId="{3FE1D5C8-2EE5-4FC9-A646-0630C1B9A32F}" srcOrd="0" destOrd="0" presId="urn:microsoft.com/office/officeart/2008/layout/LinedList"/>
+    <dgm:cxn modelId="{AB0E03DA-2D4E-4CCC-AD47-2BFAEC7FACD7}" type="presOf" srcId="{0FA6FAFC-72B0-49C6-A631-F9D060462530}" destId="{F3F8835E-E00A-4B61-B3E2-5175D3290E1B}" srcOrd="0" destOrd="0" presId="urn:microsoft.com/office/officeart/2008/layout/LinedList"/>
+    <dgm:cxn modelId="{6FCAA6E5-D2B6-4DAE-9CAD-5189AA82CA34}" srcId="{0FA6FAFC-72B0-49C6-A631-F9D060462530}" destId="{5E702157-9244-477B-AD31-7DC8696D0548}" srcOrd="0" destOrd="0" parTransId="{2127D455-8937-49F4-BD89-BEFE6B39AACC}" sibTransId="{839F4231-90EF-4B86-8390-4617EE4A5361}"/>
+    <dgm:cxn modelId="{6CCA2BF0-65FF-445C-98C7-F07B878B16F5}" srcId="{0FA6FAFC-72B0-49C6-A631-F9D060462530}" destId="{807A7D3F-0646-4C8A-BC9B-BF7A98AEE227}" srcOrd="2" destOrd="0" parTransId="{42C0D23E-0D73-45F1-9BC0-CA4AE82D0669}" sibTransId="{1409EA93-D586-425A-BC2A-3A6B96E0C924}"/>
+    <dgm:cxn modelId="{8DB19ED4-B1E6-48D7-AE55-9273A4F2AA01}" type="presParOf" srcId="{F3F8835E-E00A-4B61-B3E2-5175D3290E1B}" destId="{138BAE62-9882-44F3-B0BE-9846ACFB86D3}" srcOrd="0" destOrd="0" presId="urn:microsoft.com/office/officeart/2008/layout/LinedList"/>
+    <dgm:cxn modelId="{9CD8C98D-2799-4596-B76F-76856C1E23D2}" type="presParOf" srcId="{F3F8835E-E00A-4B61-B3E2-5175D3290E1B}" destId="{2F45B962-A64C-49B2-95E8-37CBFEB4F877}" srcOrd="1" destOrd="0" presId="urn:microsoft.com/office/officeart/2008/layout/LinedList"/>
+    <dgm:cxn modelId="{C510CA5F-1CCC-4C9B-AC7E-34171CA31399}" type="presParOf" srcId="{2F45B962-A64C-49B2-95E8-37CBFEB4F877}" destId="{3FE1D5C8-2EE5-4FC9-A646-0630C1B9A32F}" srcOrd="0" destOrd="0" presId="urn:microsoft.com/office/officeart/2008/layout/LinedList"/>
+    <dgm:cxn modelId="{320AB949-C772-480F-A160-37FFD42114E3}" type="presParOf" srcId="{2F45B962-A64C-49B2-95E8-37CBFEB4F877}" destId="{D6B1A0AA-A4E0-4017-982F-A5FBC49610C4}" srcOrd="1" destOrd="0" presId="urn:microsoft.com/office/officeart/2008/layout/LinedList"/>
+    <dgm:cxn modelId="{751A3FC2-541B-49C2-AFAB-72FCAC2B3E19}" type="presParOf" srcId="{F3F8835E-E00A-4B61-B3E2-5175D3290E1B}" destId="{02B1498D-CCB7-43B1-BFB0-E88D4C8DE264}" srcOrd="2" destOrd="0" presId="urn:microsoft.com/office/officeart/2008/layout/LinedList"/>
+    <dgm:cxn modelId="{D2FC90CD-F32C-45E0-A8B5-80B87E588451}" type="presParOf" srcId="{F3F8835E-E00A-4B61-B3E2-5175D3290E1B}" destId="{82FB54ED-0618-4E56-B287-61B49D52D7BD}" srcOrd="3" destOrd="0" presId="urn:microsoft.com/office/officeart/2008/layout/LinedList"/>
+    <dgm:cxn modelId="{AF5BD131-DAC1-4B67-8617-5D6684E4945C}" type="presParOf" srcId="{82FB54ED-0618-4E56-B287-61B49D52D7BD}" destId="{2D53F3EB-307A-489C-8905-C068F88284CF}" srcOrd="0" destOrd="0" presId="urn:microsoft.com/office/officeart/2008/layout/LinedList"/>
+    <dgm:cxn modelId="{7C533F33-5182-44D0-9106-583ED0B9BDE3}" type="presParOf" srcId="{82FB54ED-0618-4E56-B287-61B49D52D7BD}" destId="{1F3DCF88-D7F7-4F51-978B-63659B1C6D62}" srcOrd="1" destOrd="0" presId="urn:microsoft.com/office/officeart/2008/layout/LinedList"/>
+    <dgm:cxn modelId="{E11B54B4-B0D4-44EC-9020-81B9AD53AA28}" type="presParOf" srcId="{F3F8835E-E00A-4B61-B3E2-5175D3290E1B}" destId="{13CF9B17-FDA2-48B8-B35C-BCEF76E87C5E}" srcOrd="4" destOrd="0" presId="urn:microsoft.com/office/officeart/2008/layout/LinedList"/>
+    <dgm:cxn modelId="{9CEC8215-6D72-4722-8F62-05E219EB064E}" type="presParOf" srcId="{F3F8835E-E00A-4B61-B3E2-5175D3290E1B}" destId="{9CFF8596-8D24-4EA6-B184-54E7F008556B}" srcOrd="5" destOrd="0" presId="urn:microsoft.com/office/officeart/2008/layout/LinedList"/>
+    <dgm:cxn modelId="{F066FEF8-2262-4CA6-880D-FF10BD8218E4}" type="presParOf" srcId="{9CFF8596-8D24-4EA6-B184-54E7F008556B}" destId="{18E80B18-9B56-4AEE-BC8E-5C11D46DDD8C}" srcOrd="0" destOrd="0" presId="urn:microsoft.com/office/officeart/2008/layout/LinedList"/>
+    <dgm:cxn modelId="{C6EC21C6-BEC6-40BE-8EF2-33E40AB51A42}" type="presParOf" srcId="{9CFF8596-8D24-4EA6-B184-54E7F008556B}" destId="{E446630F-88A5-4110-A439-2BD09CA64863}" srcOrd="1" destOrd="0" presId="urn:microsoft.com/office/officeart/2008/layout/LinedList"/>
+    <dgm:cxn modelId="{55404FC0-FF5E-420F-9D2A-46539EDC2D60}" type="presParOf" srcId="{F3F8835E-E00A-4B61-B3E2-5175D3290E1B}" destId="{9A2D95F5-6473-4123-B0B9-5F3E257895A2}" srcOrd="6" destOrd="0" presId="urn:microsoft.com/office/officeart/2008/layout/LinedList"/>
+    <dgm:cxn modelId="{EC06F4D4-309F-42D5-9E67-20DA4A4EFCD1}" type="presParOf" srcId="{F3F8835E-E00A-4B61-B3E2-5175D3290E1B}" destId="{89F50FBD-894A-4073-A05F-7D4BDEF311BA}" srcOrd="7" destOrd="0" presId="urn:microsoft.com/office/officeart/2008/layout/LinedList"/>
+    <dgm:cxn modelId="{D02BCCC7-223D-4211-A7FC-44D52B89F948}" type="presParOf" srcId="{89F50FBD-894A-4073-A05F-7D4BDEF311BA}" destId="{72FFA7D1-BF12-480C-8890-3207D654E77F}" srcOrd="0" destOrd="0" presId="urn:microsoft.com/office/officeart/2008/layout/LinedList"/>
+    <dgm:cxn modelId="{9084C83D-FCF4-4088-A05A-1953EAD61124}" type="presParOf" srcId="{89F50FBD-894A-4073-A05F-7D4BDEF311BA}" destId="{51F1B553-2BC1-45A4-B565-7E2DC1663CE0}" srcOrd="1" destOrd="0" presId="urn:microsoft.com/office/officeart/2008/layout/LinedList"/>
+  </dgm:cxnLst>
+  <dgm:bg/>
+  <dgm:whole/>
+  <dgm:extLst>
+    <a:ext uri="http://schemas.microsoft.com/office/drawing/2008/diagram">
+      <dsp:dataModelExt xmlns:dsp="http://schemas.microsoft.com/office/drawing/2008/diagram" relId="rId7" minVer="http://schemas.openxmlformats.org/drawingml/2006/diagram"/>
+    </a:ext>
+  </dgm:extLst>
+</dgm:dataModel>
+</file>
+
+<file path=ppt/diagrams/drawing1.xml><?xml version="1.0" encoding="utf-8"?>
+<dsp:drawing xmlns:dgm="http://schemas.openxmlformats.org/drawingml/2006/diagram" xmlns:dsp="http://schemas.microsoft.com/office/drawing/2008/diagram" xmlns:a="http://schemas.openxmlformats.org/drawingml/2006/main">
+  <dsp:spTree>
+    <dsp:nvGrpSpPr>
+      <dsp:cNvPr id="0" name=""/>
+      <dsp:cNvGrpSpPr/>
+    </dsp:nvGrpSpPr>
+    <dsp:grpSpPr/>
+    <dsp:sp modelId="{138BAE62-9882-44F3-B0BE-9846ACFB86D3}">
+      <dsp:nvSpPr>
+        <dsp:cNvPr id="0" name=""/>
+        <dsp:cNvSpPr/>
+      </dsp:nvSpPr>
+      <dsp:spPr>
+        <a:xfrm>
+          <a:off x="0" y="0"/>
+          <a:ext cx="6457284" cy="0"/>
+        </a:xfrm>
+        <a:prstGeom prst="line">
+          <a:avLst/>
+        </a:prstGeom>
+        <a:gradFill rotWithShape="0">
+          <a:gsLst>
+            <a:gs pos="0">
+              <a:schemeClr val="dk2">
+                <a:hueOff val="0"/>
+                <a:satOff val="0"/>
+                <a:lumOff val="0"/>
+                <a:alphaOff val="0"/>
+                <a:satMod val="103000"/>
+                <a:lumMod val="102000"/>
+                <a:tint val="94000"/>
+              </a:schemeClr>
+            </a:gs>
+            <a:gs pos="50000">
+              <a:schemeClr val="dk2">
+                <a:hueOff val="0"/>
+                <a:satOff val="0"/>
+                <a:lumOff val="0"/>
+                <a:alphaOff val="0"/>
+                <a:satMod val="110000"/>
+                <a:lumMod val="100000"/>
+                <a:shade val="100000"/>
+              </a:schemeClr>
+            </a:gs>
+            <a:gs pos="100000">
+              <a:schemeClr val="dk2">
+                <a:hueOff val="0"/>
+                <a:satOff val="0"/>
+                <a:lumOff val="0"/>
+                <a:alphaOff val="0"/>
+                <a:lumMod val="99000"/>
+                <a:satMod val="120000"/>
+                <a:shade val="78000"/>
+              </a:schemeClr>
+            </a:gs>
+          </a:gsLst>
+          <a:lin ang="5400000" scaled="0"/>
+        </a:gradFill>
+        <a:ln w="6350" cap="flat" cmpd="sng" algn="ctr">
+          <a:solidFill>
+            <a:schemeClr val="dk2">
+              <a:hueOff val="0"/>
+              <a:satOff val="0"/>
+              <a:lumOff val="0"/>
+              <a:alphaOff val="0"/>
+            </a:schemeClr>
+          </a:solidFill>
+          <a:prstDash val="solid"/>
+          <a:miter lim="800000"/>
+        </a:ln>
+        <a:effectLst/>
+      </dsp:spPr>
+      <dsp:style>
+        <a:lnRef idx="1">
+          <a:scrgbClr r="0" g="0" b="0"/>
+        </a:lnRef>
+        <a:fillRef idx="3">
+          <a:scrgbClr r="0" g="0" b="0"/>
+        </a:fillRef>
+        <a:effectRef idx="2">
+          <a:scrgbClr r="0" g="0" b="0"/>
+        </a:effectRef>
+        <a:fontRef idx="minor">
+          <a:schemeClr val="lt1"/>
+        </a:fontRef>
+      </dsp:style>
+    </dsp:sp>
+    <dsp:sp modelId="{3FE1D5C8-2EE5-4FC9-A646-0630C1B9A32F}">
+      <dsp:nvSpPr>
+        <dsp:cNvPr id="0" name=""/>
+        <dsp:cNvSpPr/>
+      </dsp:nvSpPr>
+      <dsp:spPr>
+        <a:xfrm>
+          <a:off x="0" y="0"/>
+          <a:ext cx="6457284" cy="1291021"/>
+        </a:xfrm>
+        <a:prstGeom prst="rect">
+          <a:avLst/>
+        </a:prstGeom>
+        <a:noFill/>
+        <a:ln>
+          <a:noFill/>
+        </a:ln>
+        <a:effectLst/>
+      </dsp:spPr>
+      <dsp:style>
+        <a:lnRef idx="0">
+          <a:scrgbClr r="0" g="0" b="0"/>
+        </a:lnRef>
+        <a:fillRef idx="0">
+          <a:scrgbClr r="0" g="0" b="0"/>
+        </a:fillRef>
+        <a:effectRef idx="0">
+          <a:scrgbClr r="0" g="0" b="0"/>
+        </a:effectRef>
+        <a:fontRef idx="minor"/>
+      </dsp:style>
+      <dsp:txBody>
+        <a:bodyPr spcFirstLastPara="0" vert="horz" wrap="square" lIns="148590" tIns="148590" rIns="148590" bIns="148590" numCol="1" spcCol="1270" anchor="t" anchorCtr="0">
+          <a:noAutofit/>
+        </a:bodyPr>
+        <a:lstStyle/>
+        <a:p>
+          <a:pPr marL="0" lvl="0" indent="0" algn="l" defTabSz="1733550">
+            <a:lnSpc>
+              <a:spcPct val="90000"/>
+            </a:lnSpc>
+            <a:spcBef>
+              <a:spcPct val="0"/>
+            </a:spcBef>
+            <a:spcAft>
+              <a:spcPct val="35000"/>
+            </a:spcAft>
+            <a:buNone/>
+          </a:pPr>
+          <a:r>
+            <a:rPr lang="en-US" sz="3900" kern="1200" dirty="0">
+              <a:solidFill>
+                <a:srgbClr val="404040"/>
+              </a:solidFill>
+            </a:rPr>
+            <a:t>Data intake from the field</a:t>
+          </a:r>
+        </a:p>
+      </dsp:txBody>
+      <dsp:txXfrm>
+        <a:off x="0" y="0"/>
+        <a:ext cx="6457284" cy="1291021"/>
+      </dsp:txXfrm>
+    </dsp:sp>
+    <dsp:sp modelId="{02B1498D-CCB7-43B1-BFB0-E88D4C8DE264}">
+      <dsp:nvSpPr>
+        <dsp:cNvPr id="0" name=""/>
+        <dsp:cNvSpPr/>
+      </dsp:nvSpPr>
+      <dsp:spPr>
+        <a:xfrm>
+          <a:off x="0" y="1291021"/>
+          <a:ext cx="6457284" cy="0"/>
+        </a:xfrm>
+        <a:prstGeom prst="line">
+          <a:avLst/>
+        </a:prstGeom>
+        <a:gradFill rotWithShape="0">
+          <a:gsLst>
+            <a:gs pos="0">
+              <a:schemeClr val="dk2">
+                <a:hueOff val="0"/>
+                <a:satOff val="0"/>
+                <a:lumOff val="0"/>
+                <a:alphaOff val="0"/>
+                <a:satMod val="103000"/>
+                <a:lumMod val="102000"/>
+                <a:tint val="94000"/>
+              </a:schemeClr>
+            </a:gs>
+            <a:gs pos="50000">
+              <a:schemeClr val="dk2">
+                <a:hueOff val="0"/>
+                <a:satOff val="0"/>
+                <a:lumOff val="0"/>
+                <a:alphaOff val="0"/>
+                <a:satMod val="110000"/>
+                <a:lumMod val="100000"/>
+                <a:shade val="100000"/>
+              </a:schemeClr>
+            </a:gs>
+            <a:gs pos="100000">
+              <a:schemeClr val="dk2">
+                <a:hueOff val="0"/>
+                <a:satOff val="0"/>
+                <a:lumOff val="0"/>
+                <a:alphaOff val="0"/>
+                <a:lumMod val="99000"/>
+                <a:satMod val="120000"/>
+                <a:shade val="78000"/>
+              </a:schemeClr>
+            </a:gs>
+          </a:gsLst>
+          <a:lin ang="5400000" scaled="0"/>
+        </a:gradFill>
+        <a:ln w="6350" cap="flat" cmpd="sng" algn="ctr">
+          <a:solidFill>
+            <a:schemeClr val="dk2">
+              <a:hueOff val="0"/>
+              <a:satOff val="0"/>
+              <a:lumOff val="0"/>
+              <a:alphaOff val="0"/>
+            </a:schemeClr>
+          </a:solidFill>
+          <a:prstDash val="solid"/>
+          <a:miter lim="800000"/>
+        </a:ln>
+        <a:effectLst/>
+      </dsp:spPr>
+      <dsp:style>
+        <a:lnRef idx="1">
+          <a:scrgbClr r="0" g="0" b="0"/>
+        </a:lnRef>
+        <a:fillRef idx="3">
+          <a:scrgbClr r="0" g="0" b="0"/>
+        </a:fillRef>
+        <a:effectRef idx="2">
+          <a:scrgbClr r="0" g="0" b="0"/>
+        </a:effectRef>
+        <a:fontRef idx="minor">
+          <a:schemeClr val="lt1"/>
+        </a:fontRef>
+      </dsp:style>
+    </dsp:sp>
+    <dsp:sp modelId="{2D53F3EB-307A-489C-8905-C068F88284CF}">
+      <dsp:nvSpPr>
+        <dsp:cNvPr id="0" name=""/>
+        <dsp:cNvSpPr/>
+      </dsp:nvSpPr>
+      <dsp:spPr>
+        <a:xfrm>
+          <a:off x="0" y="1291021"/>
+          <a:ext cx="6457284" cy="1291021"/>
+        </a:xfrm>
+        <a:prstGeom prst="rect">
+          <a:avLst/>
+        </a:prstGeom>
+        <a:noFill/>
+        <a:ln>
+          <a:noFill/>
+        </a:ln>
+        <a:effectLst/>
+      </dsp:spPr>
+      <dsp:style>
+        <a:lnRef idx="0">
+          <a:scrgbClr r="0" g="0" b="0"/>
+        </a:lnRef>
+        <a:fillRef idx="0">
+          <a:scrgbClr r="0" g="0" b="0"/>
+        </a:fillRef>
+        <a:effectRef idx="0">
+          <a:scrgbClr r="0" g="0" b="0"/>
+        </a:effectRef>
+        <a:fontRef idx="minor"/>
+      </dsp:style>
+      <dsp:txBody>
+        <a:bodyPr spcFirstLastPara="0" vert="horz" wrap="square" lIns="148590" tIns="148590" rIns="148590" bIns="148590" numCol="1" spcCol="1270" anchor="t" anchorCtr="0">
+          <a:noAutofit/>
+        </a:bodyPr>
+        <a:lstStyle/>
+        <a:p>
+          <a:pPr marL="0" lvl="0" indent="0" algn="l" defTabSz="1733550">
+            <a:lnSpc>
+              <a:spcPct val="90000"/>
+            </a:lnSpc>
+            <a:spcBef>
+              <a:spcPct val="0"/>
+            </a:spcBef>
+            <a:spcAft>
+              <a:spcPct val="35000"/>
+            </a:spcAft>
+            <a:buNone/>
+          </a:pPr>
+          <a:r>
+            <a:rPr lang="en-US" sz="3900" kern="1200" dirty="0">
+              <a:solidFill>
+                <a:srgbClr val="404040"/>
+              </a:solidFill>
+            </a:rPr>
+            <a:t>Data flow to reporting</a:t>
+          </a:r>
+        </a:p>
+      </dsp:txBody>
+      <dsp:txXfrm>
+        <a:off x="0" y="1291021"/>
+        <a:ext cx="6457284" cy="1291021"/>
+      </dsp:txXfrm>
+    </dsp:sp>
+    <dsp:sp modelId="{13CF9B17-FDA2-48B8-B35C-BCEF76E87C5E}">
+      <dsp:nvSpPr>
+        <dsp:cNvPr id="0" name=""/>
+        <dsp:cNvSpPr/>
+      </dsp:nvSpPr>
+      <dsp:spPr>
+        <a:xfrm>
+          <a:off x="0" y="2582042"/>
+          <a:ext cx="6457284" cy="0"/>
+        </a:xfrm>
+        <a:prstGeom prst="line">
+          <a:avLst/>
+        </a:prstGeom>
+        <a:gradFill rotWithShape="0">
+          <a:gsLst>
+            <a:gs pos="0">
+              <a:schemeClr val="dk2">
+                <a:hueOff val="0"/>
+                <a:satOff val="0"/>
+                <a:lumOff val="0"/>
+                <a:alphaOff val="0"/>
+                <a:satMod val="103000"/>
+                <a:lumMod val="102000"/>
+                <a:tint val="94000"/>
+              </a:schemeClr>
+            </a:gs>
+            <a:gs pos="50000">
+              <a:schemeClr val="dk2">
+                <a:hueOff val="0"/>
+                <a:satOff val="0"/>
+                <a:lumOff val="0"/>
+                <a:alphaOff val="0"/>
+                <a:satMod val="110000"/>
+                <a:lumMod val="100000"/>
+                <a:shade val="100000"/>
+              </a:schemeClr>
+            </a:gs>
+            <a:gs pos="100000">
+              <a:schemeClr val="dk2">
+                <a:hueOff val="0"/>
+                <a:satOff val="0"/>
+                <a:lumOff val="0"/>
+                <a:alphaOff val="0"/>
+                <a:lumMod val="99000"/>
+                <a:satMod val="120000"/>
+                <a:shade val="78000"/>
+              </a:schemeClr>
+            </a:gs>
+          </a:gsLst>
+          <a:lin ang="5400000" scaled="0"/>
+        </a:gradFill>
+        <a:ln w="6350" cap="flat" cmpd="sng" algn="ctr">
+          <a:solidFill>
+            <a:schemeClr val="dk2">
+              <a:hueOff val="0"/>
+              <a:satOff val="0"/>
+              <a:lumOff val="0"/>
+              <a:alphaOff val="0"/>
+            </a:schemeClr>
+          </a:solidFill>
+          <a:prstDash val="solid"/>
+          <a:miter lim="800000"/>
+        </a:ln>
+        <a:effectLst/>
+      </dsp:spPr>
+      <dsp:style>
+        <a:lnRef idx="1">
+          <a:scrgbClr r="0" g="0" b="0"/>
+        </a:lnRef>
+        <a:fillRef idx="3">
+          <a:scrgbClr r="0" g="0" b="0"/>
+        </a:fillRef>
+        <a:effectRef idx="2">
+          <a:scrgbClr r="0" g="0" b="0"/>
+        </a:effectRef>
+        <a:fontRef idx="minor">
+          <a:schemeClr val="lt1"/>
+        </a:fontRef>
+      </dsp:style>
+    </dsp:sp>
+    <dsp:sp modelId="{18E80B18-9B56-4AEE-BC8E-5C11D46DDD8C}">
+      <dsp:nvSpPr>
+        <dsp:cNvPr id="0" name=""/>
+        <dsp:cNvSpPr/>
+      </dsp:nvSpPr>
+      <dsp:spPr>
+        <a:xfrm>
+          <a:off x="0" y="2582042"/>
+          <a:ext cx="6457284" cy="1291021"/>
+        </a:xfrm>
+        <a:prstGeom prst="rect">
+          <a:avLst/>
+        </a:prstGeom>
+        <a:noFill/>
+        <a:ln>
+          <a:noFill/>
+        </a:ln>
+        <a:effectLst/>
+      </dsp:spPr>
+      <dsp:style>
+        <a:lnRef idx="0">
+          <a:scrgbClr r="0" g="0" b="0"/>
+        </a:lnRef>
+        <a:fillRef idx="0">
+          <a:scrgbClr r="0" g="0" b="0"/>
+        </a:fillRef>
+        <a:effectRef idx="0">
+          <a:scrgbClr r="0" g="0" b="0"/>
+        </a:effectRef>
+        <a:fontRef idx="minor"/>
+      </dsp:style>
+      <dsp:txBody>
+        <a:bodyPr spcFirstLastPara="0" vert="horz" wrap="square" lIns="148590" tIns="148590" rIns="148590" bIns="148590" numCol="1" spcCol="1270" anchor="t" anchorCtr="0">
+          <a:noAutofit/>
+        </a:bodyPr>
+        <a:lstStyle/>
+        <a:p>
+          <a:pPr marL="0" lvl="0" indent="0" algn="l" defTabSz="1733550">
+            <a:lnSpc>
+              <a:spcPct val="90000"/>
+            </a:lnSpc>
+            <a:spcBef>
+              <a:spcPct val="0"/>
+            </a:spcBef>
+            <a:spcAft>
+              <a:spcPct val="35000"/>
+            </a:spcAft>
+            <a:buNone/>
+          </a:pPr>
+          <a:r>
+            <a:rPr lang="en-US" sz="3900" kern="1200" dirty="0">
+              <a:solidFill>
+                <a:srgbClr val="404040"/>
+              </a:solidFill>
+            </a:rPr>
+            <a:t>Data analysis</a:t>
+          </a:r>
+        </a:p>
+      </dsp:txBody>
+      <dsp:txXfrm>
+        <a:off x="0" y="2582042"/>
+        <a:ext cx="6457284" cy="1291021"/>
+      </dsp:txXfrm>
+    </dsp:sp>
+    <dsp:sp modelId="{9A2D95F5-6473-4123-B0B9-5F3E257895A2}">
+      <dsp:nvSpPr>
+        <dsp:cNvPr id="0" name=""/>
+        <dsp:cNvSpPr/>
+      </dsp:nvSpPr>
+      <dsp:spPr>
+        <a:xfrm>
+          <a:off x="0" y="3873063"/>
+          <a:ext cx="6457284" cy="0"/>
+        </a:xfrm>
+        <a:prstGeom prst="line">
+          <a:avLst/>
+        </a:prstGeom>
+        <a:gradFill rotWithShape="0">
+          <a:gsLst>
+            <a:gs pos="0">
+              <a:schemeClr val="dk2">
+                <a:hueOff val="0"/>
+                <a:satOff val="0"/>
+                <a:lumOff val="0"/>
+                <a:alphaOff val="0"/>
+                <a:satMod val="103000"/>
+                <a:lumMod val="102000"/>
+                <a:tint val="94000"/>
+              </a:schemeClr>
+            </a:gs>
+            <a:gs pos="50000">
+              <a:schemeClr val="dk2">
+                <a:hueOff val="0"/>
+                <a:satOff val="0"/>
+                <a:lumOff val="0"/>
+                <a:alphaOff val="0"/>
+                <a:satMod val="110000"/>
+                <a:lumMod val="100000"/>
+                <a:shade val="100000"/>
+              </a:schemeClr>
+            </a:gs>
+            <a:gs pos="100000">
+              <a:schemeClr val="dk2">
+                <a:hueOff val="0"/>
+                <a:satOff val="0"/>
+                <a:lumOff val="0"/>
+                <a:alphaOff val="0"/>
+                <a:lumMod val="99000"/>
+                <a:satMod val="120000"/>
+                <a:shade val="78000"/>
+              </a:schemeClr>
+            </a:gs>
+          </a:gsLst>
+          <a:lin ang="5400000" scaled="0"/>
+        </a:gradFill>
+        <a:ln w="6350" cap="flat" cmpd="sng" algn="ctr">
+          <a:solidFill>
+            <a:schemeClr val="dk2">
+              <a:hueOff val="0"/>
+              <a:satOff val="0"/>
+              <a:lumOff val="0"/>
+              <a:alphaOff val="0"/>
+            </a:schemeClr>
+          </a:solidFill>
+          <a:prstDash val="solid"/>
+          <a:miter lim="800000"/>
+        </a:ln>
+        <a:effectLst/>
+      </dsp:spPr>
+      <dsp:style>
+        <a:lnRef idx="1">
+          <a:scrgbClr r="0" g="0" b="0"/>
+        </a:lnRef>
+        <a:fillRef idx="3">
+          <a:scrgbClr r="0" g="0" b="0"/>
+        </a:fillRef>
+        <a:effectRef idx="2">
+          <a:scrgbClr r="0" g="0" b="0"/>
+        </a:effectRef>
+        <a:fontRef idx="minor">
+          <a:schemeClr val="lt1"/>
+        </a:fontRef>
+      </dsp:style>
+    </dsp:sp>
+    <dsp:sp modelId="{72FFA7D1-BF12-480C-8890-3207D654E77F}">
+      <dsp:nvSpPr>
+        <dsp:cNvPr id="0" name=""/>
+        <dsp:cNvSpPr/>
+      </dsp:nvSpPr>
+      <dsp:spPr>
+        <a:xfrm>
+          <a:off x="0" y="3873063"/>
+          <a:ext cx="6457284" cy="1291021"/>
+        </a:xfrm>
+        <a:prstGeom prst="rect">
+          <a:avLst/>
+        </a:prstGeom>
+        <a:noFill/>
+        <a:ln>
+          <a:noFill/>
+        </a:ln>
+        <a:effectLst/>
+      </dsp:spPr>
+      <dsp:style>
+        <a:lnRef idx="0">
+          <a:scrgbClr r="0" g="0" b="0"/>
+        </a:lnRef>
+        <a:fillRef idx="0">
+          <a:scrgbClr r="0" g="0" b="0"/>
+        </a:fillRef>
+        <a:effectRef idx="0">
+          <a:scrgbClr r="0" g="0" b="0"/>
+        </a:effectRef>
+        <a:fontRef idx="minor"/>
+      </dsp:style>
+      <dsp:txBody>
+        <a:bodyPr spcFirstLastPara="0" vert="horz" wrap="square" lIns="148590" tIns="148590" rIns="148590" bIns="148590" numCol="1" spcCol="1270" anchor="t" anchorCtr="0">
+          <a:noAutofit/>
+        </a:bodyPr>
+        <a:lstStyle/>
+        <a:p>
+          <a:pPr marL="0" lvl="0" indent="0" algn="l" defTabSz="1733550">
+            <a:lnSpc>
+              <a:spcPct val="90000"/>
+            </a:lnSpc>
+            <a:spcBef>
+              <a:spcPct val="0"/>
+            </a:spcBef>
+            <a:spcAft>
+              <a:spcPct val="35000"/>
+            </a:spcAft>
+            <a:buNone/>
+          </a:pPr>
+          <a:r>
+            <a:rPr lang="en-US" sz="3900" kern="1200" dirty="0">
+              <a:solidFill>
+                <a:srgbClr val="404040"/>
+              </a:solidFill>
+            </a:rPr>
+            <a:t>Web app for machine learning</a:t>
+          </a:r>
+        </a:p>
+      </dsp:txBody>
+      <dsp:txXfrm>
+        <a:off x="0" y="3873063"/>
+        <a:ext cx="6457284" cy="1291021"/>
+      </dsp:txXfrm>
+    </dsp:sp>
+  </dsp:spTree>
+</dsp:drawing>
+</file>
+
+<file path=ppt/diagrams/layout1.xml><?xml version="1.0" encoding="utf-8"?>
+<dgm:layoutDef xmlns:dgm="http://schemas.openxmlformats.org/drawingml/2006/diagram" xmlns:a="http://schemas.openxmlformats.org/drawingml/2006/main" uniqueId="urn:microsoft.com/office/officeart/2008/layout/LinedList">
+  <dgm:title val=""/>
+  <dgm:desc val=""/>
+  <dgm:catLst>
+    <dgm:cat type="hierarchy" pri="8000"/>
+    <dgm:cat type="list" pri="2500"/>
+  </dgm:catLst>
+  <dgm:sampData>
+    <dgm:dataModel>
+      <dgm:ptLst>
+        <dgm:pt modelId="0" type="doc"/>
+        <dgm:pt modelId="1">
+          <dgm:prSet phldr="1"/>
+        </dgm:pt>
+        <dgm:pt modelId="11">
+          <dgm:prSet phldr="1"/>
+        </dgm:pt>
+        <dgm:pt modelId="12">
+          <dgm:prSet phldr="1"/>
+        </dgm:pt>
+        <dgm:pt modelId="13">
+          <dgm:prSet phldr="1"/>
+        </dgm:pt>
+      </dgm:ptLst>
+      <dgm:cxnLst>
+        <dgm:cxn modelId="2" srcId="0" destId="1" srcOrd="0" destOrd="0"/>
+        <dgm:cxn modelId="3" srcId="1" destId="11" srcOrd="0" destOrd="0"/>
+        <dgm:cxn modelId="4" srcId="1" destId="12" srcOrd="1" destOrd="0"/>
+        <dgm:cxn modelId="5" srcId="1" destId="13" srcOrd="2" destOrd="0"/>
+      </dgm:cxnLst>
+      <dgm:bg/>
+      <dgm:whole/>
+    </dgm:dataModel>
+  </dgm:sampData>
+  <dgm:styleData>
+    <dgm:dataModel>
+      <dgm:ptLst>
+        <dgm:pt modelId="0" type="doc"/>
+        <dgm:pt modelId="1">
+          <dgm:prSet phldr="1"/>
+        </dgm:pt>
+        <dgm:pt modelId="11">
+          <dgm:prSet phldr="1"/>
+        </dgm:pt>
+        <dgm:pt modelId="12">
+          <dgm:prSet phldr="1"/>
+        </dgm:pt>
+      </dgm:ptLst>
+      <dgm:cxnLst>
+        <dgm:cxn modelId="2" srcId="0" destId="1" srcOrd="0" destOrd="0"/>
+        <dgm:cxn modelId="3" srcId="1" destId="11" srcOrd="0" destOrd="0"/>
+        <dgm:cxn modelId="4" srcId="1" destId="12" srcOrd="1" destOrd="0"/>
+      </dgm:cxnLst>
+      <dgm:bg/>
+      <dgm:whole/>
+    </dgm:dataModel>
+  </dgm:styleData>
+  <dgm:clrData>
+    <dgm:dataModel>
+      <dgm:ptLst>
+        <dgm:pt modelId="0" type="doc"/>
+        <dgm:pt modelId="1">
+          <dgm:prSet phldr="1"/>
+        </dgm:pt>
+        <dgm:pt modelId="11">
+          <dgm:prSet phldr="1"/>
+        </dgm:pt>
+        <dgm:pt modelId="12">
+          <dgm:prSet phldr="1"/>
+        </dgm:pt>
+      </dgm:ptLst>
+      <dgm:cxnLst>
+        <dgm:cxn modelId="2" srcId="0" destId="1" srcOrd="0" destOrd="0"/>
+        <dgm:cxn modelId="3" srcId="1" destId="11" srcOrd="0" destOrd="0"/>
+        <dgm:cxn modelId="4" srcId="1" destId="12" srcOrd="1" destOrd="0"/>
+      </dgm:cxnLst>
+      <dgm:bg/>
+      <dgm:whole/>
+    </dgm:dataModel>
+  </dgm:clrData>
+  <dgm:layoutNode name="vert0">
+    <dgm:varLst>
+      <dgm:dir/>
+      <dgm:animOne val="branch"/>
+      <dgm:animLvl val="lvl"/>
+    </dgm:varLst>
+    <dgm:choose name="Name0">
+      <dgm:if name="Name1" func="var" arg="dir" op="equ" val="norm">
+        <dgm:alg type="lin">
+          <dgm:param type="linDir" val="fromT"/>
+          <dgm:param type="nodeHorzAlign" val="l"/>
+        </dgm:alg>
+      </dgm:if>
+      <dgm:else name="Name2">
+        <dgm:alg type="lin">
+          <dgm:param type="linDir" val="fromT"/>
+          <dgm:param type="nodeHorzAlign" val="r"/>
+        </dgm:alg>
+      </dgm:else>
+    </dgm:choose>
+    <dgm:shape xmlns:r="http://schemas.openxmlformats.org/officeDocument/2006/relationships" r:blip="">
+      <dgm:adjLst/>
+    </dgm:shape>
+    <dgm:presOf/>
+    <dgm:constrLst>
+      <dgm:constr type="w" for="ch" forName="horz1" refType="w"/>
+      <dgm:constr type="h" for="ch" forName="horz1" refType="h"/>
+      <dgm:constr type="h" for="des" forName="vert1" refType="h"/>
+      <dgm:constr type="h" for="des" forName="tx1" refType="h"/>
+      <dgm:constr type="h" for="des" forName="horz2" refType="h"/>
+      <dgm:constr type="h" for="des" forName="vert2" refType="h"/>
+      <dgm:constr type="h" for="des" forName="horz3" refType="h"/>
+      <dgm:constr type="h" for="des" forName="vert3" refType="h"/>
+      <dgm:constr type="h" for="des" forName="horz4" refType="h"/>
+      <dgm:constr type="h" for="des" ptType="node" refType="h"/>
+      <dgm:constr type="primFontSz" for="des" forName="tx1" op="equ" val="65"/>
+      <dgm:constr type="primFontSz" for="des" forName="tx2" op="equ" val="65"/>
+      <dgm:constr type="primFontSz" for="des" forName="tx3" op="equ" val="65"/>
+      <dgm:constr type="primFontSz" for="des" forName="tx4" op="equ" val="65"/>
+      <dgm:constr type="w" for="des" forName="thickLine" refType="w"/>
+      <dgm:constr type="h" for="des" forName="thickLine"/>
+      <dgm:constr type="h" for="des" forName="thinLine1"/>
+      <dgm:constr type="h" for="des" forName="thinLine2b"/>
+      <dgm:constr type="h" for="des" forName="thinLine3"/>
+      <dgm:constr type="h" for="des" forName="vertSpace2a" refType="h" fact="0.05"/>
+      <dgm:constr type="h" for="des" forName="vertSpace2b" refType="h" refFor="des" refForName="vertSpace2a"/>
+    </dgm:constrLst>
+    <dgm:forEach name="Name3" axis="ch" ptType="node">
+      <dgm:layoutNode name="thickLine" styleLbl="alignNode1">
+        <dgm:alg type="sp"/>
+        <dgm:shape xmlns:r="http://schemas.openxmlformats.org/officeDocument/2006/relationships" type="line" r:blip="">
+          <dgm:adjLst/>
+        </dgm:shape>
+        <dgm:presOf/>
+      </dgm:layoutNode>
+      <dgm:layoutNode name="horz1">
+        <dgm:choose name="Name4">
+          <dgm:if name="Name5" func="var" arg="dir" op="equ" val="norm">
+            <dgm:alg type="lin">
+              <dgm:param type="linDir" val="fromL"/>
+              <dgm:param type="nodeVertAlign" val="t"/>
+            </dgm:alg>
+          </dgm:if>
+          <dgm:else name="Name6">
+            <dgm:alg type="lin">
+              <dgm:param type="linDir" val="fromR"/>
+              <dgm:param type="nodeVertAlign" val="t"/>
+            </dgm:alg>
+          </dgm:else>
+        </dgm:choose>
+        <dgm:shape xmlns:r="http://schemas.openxmlformats.org/officeDocument/2006/relationships" r:blip="">
+          <dgm:adjLst/>
+        </dgm:shape>
+        <dgm:presOf/>
+        <dgm:choose name="Name7">
+          <dgm:if name="Name8" axis="root des" func="maxDepth" op="equ" val="1">
+            <dgm:constrLst>
+              <dgm:constr type="w" for="ch" forName="tx1" refType="w"/>
+            </dgm:constrLst>
+          </dgm:if>
+          <dgm:if name="Name9" axis="root des" func="maxDepth" op="equ" val="2">
+            <dgm:constrLst>
+              <dgm:constr type="w" for="ch" forName="tx1" refType="w" fact="0.2"/>
+              <dgm:constr type="w" for="des" forName="tx2" refType="w" fact="0.785"/>
+              <dgm:constr type="w" for="des" forName="horzSpace2" refType="w" fact="0.015"/>
+              <dgm:constr type="w" for="des" forName="thinLine2b" refType="w" fact="0.8"/>
+            </dgm:constrLst>
+          </dgm:if>
+          <dgm:if name="Name10" axis="root des" func="maxDepth" op="equ" val="3">
+            <dgm:constrLst>
+              <dgm:constr type="w" for="ch" forName="tx1" refType="w" fact="0.2"/>
+              <dgm:constr type="w" for="des" forName="tx2" refType="w" fact="0.385"/>
+              <dgm:constr type="w" for="des" forName="tx3" refType="w" fact="0.385"/>
+              <dgm:constr type="w" for="des" forName="horzSpace2" refType="w" fact="0.015"/>
+              <dgm:constr type="w" for="des" forName="horzSpace3" refType="w" fact="0.015"/>
+              <dgm:constr type="w" for="des" forName="thinLine2b" refType="w" fact="0.8"/>
+              <dgm:constr type="w" for="des" forName="thinLine3" refType="w" fact="0.385"/>
+            </dgm:constrLst>
+          </dgm:if>
+          <dgm:if name="Name11" axis="root des" func="maxDepth" op="gte" val="4">
+            <dgm:constrLst>
+              <dgm:constr type="w" for="ch" forName="tx1" refType="w" fact="0.2"/>
+              <dgm:constr type="w" for="des" forName="tx2" refType="w" fact="0.2516"/>
+              <dgm:constr type="w" for="des" forName="tx3" refType="w" fact="0.2516"/>
+              <dgm:constr type="w" for="des" forName="tx4" refType="w" fact="0.2516"/>
+              <dgm:constr type="w" for="des" forName="horzSpace2" refType="w" fact="0.015"/>
+              <dgm:constr type="w" for="des" forName="horzSpace3" refType="w" fact="0.015"/>
+              <dgm:constr type="w" for="des" forName="horzSpace4" refType="w" fact="0.015"/>
+              <dgm:constr type="w" for="des" forName="thinLine2b" refType="w" fact="0.8"/>
+              <dgm:constr type="w" for="des" forName="thinLine3" refType="w" fact="0.5332"/>
+            </dgm:constrLst>
+          </dgm:if>
+          <dgm:else name="Name12"/>
+        </dgm:choose>
+        <dgm:layoutNode name="tx1" styleLbl="revTx">
+          <dgm:alg type="tx">
+            <dgm:param type="parTxLTRAlign" val="l"/>
+            <dgm:param type="parTxRTLAlign" val="r"/>
+            <dgm:param type="txAnchorVert" val="t"/>
+          </dgm:alg>
+          <dgm:shape xmlns:r="http://schemas.openxmlformats.org/officeDocument/2006/relationships" type="rect" r:blip="">
+            <dgm:adjLst/>
+          </dgm:shape>
+          <dgm:presOf axis="self"/>
+          <dgm:constrLst>
+            <dgm:constr type="tMarg" refType="primFontSz" fact="0.3"/>
+            <dgm:constr type="bMarg" refType="primFontSz" fact="0.3"/>
+            <dgm:constr type="lMarg" refType="primFontSz" fact="0.3"/>
+            <dgm:constr type="rMarg" refType="primFontSz" fact="0.3"/>
+          </dgm:constrLst>
+          <dgm:ruleLst>
+            <dgm:rule type="primFontSz" val="5" fact="NaN" max="NaN"/>
+          </dgm:ruleLst>
+        </dgm:layoutNode>
+        <dgm:layoutNode name="vert1">
+          <dgm:choose name="Name13">
+            <dgm:if name="Name14" func="var" arg="dir" op="equ" val="norm">
+              <dgm:alg type="lin">
+                <dgm:param type="linDir" val="fromT"/>
+                <dgm:param type="nodeHorzAlign" val="l"/>
+              </dgm:alg>
+            </dgm:if>
+            <dgm:else name="Name15">
+              <dgm:alg type="lin">
+                <dgm:param type="linDir" val="fromT"/>
+                <dgm:param type="nodeHorzAlign" val="r"/>
+              </dgm:alg>
+            </dgm:else>
+          </dgm:choose>
+          <dgm:shape xmlns:r="http://schemas.openxmlformats.org/officeDocument/2006/relationships" r:blip="">
+            <dgm:adjLst/>
+          </dgm:shape>
+          <dgm:presOf/>
+          <dgm:forEach name="Name16" axis="ch" ptType="node">
+            <dgm:choose name="Name17">
+              <dgm:if name="Name18" axis="self" ptType="node" func="pos" op="equ" val="1">
+                <dgm:layoutNode name="vertSpace2a">
+                  <dgm:alg type="sp"/>
+                  <dgm:shape xmlns:r="http://schemas.openxmlformats.org/officeDocument/2006/relationships" r:blip="">
+                    <dgm:adjLst/>
+                  </dgm:shape>
+                  <dgm:presOf/>
+                </dgm:layoutNode>
+              </dgm:if>
+              <dgm:else name="Name19"/>
+            </dgm:choose>
+            <dgm:layoutNode name="horz2">
+              <dgm:choose name="Name20">
+                <dgm:if name="Name21" func="var" arg="dir" op="equ" val="norm">
+                  <dgm:alg type="lin">
+                    <dgm:param type="linDir" val="fromL"/>
+                    <dgm:param type="nodeVertAlign" val="t"/>
+                  </dgm:alg>
+                </dgm:if>
+                <dgm:else name="Name22">
+                  <dgm:alg type="lin">
+                    <dgm:param type="linDir" val="fromR"/>
+                    <dgm:param type="nodeVertAlign" val="t"/>
+                  </dgm:alg>
+                </dgm:else>
+              </dgm:choose>
+              <dgm:shape xmlns:r="http://schemas.openxmlformats.org/officeDocument/2006/relationships" r:blip="">
+                <dgm:adjLst/>
+              </dgm:shape>
+              <dgm:presOf/>
+              <dgm:layoutNode name="horzSpace2">
+                <dgm:alg type="sp"/>
+                <dgm:shape xmlns:r="http://schemas.openxmlformats.org/officeDocument/2006/relationships" r:blip="">
+                  <dgm:adjLst/>
+                </dgm:shape>
+                <dgm:presOf/>
+              </dgm:layoutNode>
+              <dgm:layoutNode name="tx2" styleLbl="revTx">
+                <dgm:alg type="tx">
+                  <dgm:param type="parTxLTRAlign" val="l"/>
+                  <dgm:param type="parTxRTLAlign" val="r"/>
+                  <dgm:param type="txAnchorVert" val="t"/>
+                </dgm:alg>
+                <dgm:shape xmlns:r="http://schemas.openxmlformats.org/officeDocument/2006/relationships" type="rect" r:blip="">
+                  <dgm:adjLst/>
+                </dgm:shape>
+                <dgm:presOf axis="self"/>
+                <dgm:constrLst>
+                  <dgm:constr type="tMarg" refType="primFontSz" fact="0.3"/>
+                  <dgm:constr type="bMarg" refType="primFontSz" fact="0.3"/>
+                  <dgm:constr type="lMarg" refType="primFontSz" fact="0.3"/>
+                  <dgm:constr type="rMarg" refType="primFontSz" fact="0.3"/>
+                </dgm:constrLst>
+                <dgm:ruleLst>
+                  <dgm:rule type="primFontSz" val="5" fact="NaN" max="NaN"/>
+                </dgm:ruleLst>
+              </dgm:layoutNode>
+              <dgm:layoutNode name="vert2">
+                <dgm:choose name="Name23">
+                  <dgm:if name="Name24" func="var" arg="dir" op="equ" val="norm">
+                    <dgm:alg type="lin">
+                      <dgm:param type="linDir" val="fromT"/>
+                      <dgm:param type="nodeHorzAlign" val="l"/>
+                    </dgm:alg>
+                  </dgm:if>
+                  <dgm:else name="Name25">
+                    <dgm:alg type="lin">
+                      <dgm:param type="linDir" val="fromT"/>
+                      <dgm:param type="nodeHorzAlign" val="r"/>
+                    </dgm:alg>
+                  </dgm:else>
+                </dgm:choose>
+                <dgm:shape xmlns:r="http://schemas.openxmlformats.org/officeDocument/2006/relationships" r:blip="">
+                  <dgm:adjLst/>
+                </dgm:shape>
+                <dgm:presOf/>
+                <dgm:forEach name="Name26" axis="ch" ptType="node">
+                  <dgm:layoutNode name="horz3">
+                    <dgm:choose name="Name27">
+                      <dgm:if name="Name28" func="var" arg="dir" op="equ" val="norm">
+                        <dgm:alg type="lin">
+                          <dgm:param type="linDir" val="fromL"/>
+                          <dgm:param type="nodeVertAlign" val="t"/>
+                        </dgm:alg>
+                      </dgm:if>
+                      <dgm:else name="Name29">
+                        <dgm:alg type="lin">
+                          <dgm:param type="linDir" val="fromR"/>
+                          <dgm:param type="nodeVertAlign" val="t"/>
+                        </dgm:alg>
+                      </dgm:else>
+                    </dgm:choose>
+                    <dgm:shape xmlns:r="http://schemas.openxmlformats.org/officeDocument/2006/relationships" r:blip="">
+                      <dgm:adjLst/>
+                    </dgm:shape>
+                    <dgm:presOf/>
+                    <dgm:layoutNode name="horzSpace3">
+                      <dgm:alg type="sp"/>
+                      <dgm:shape xmlns:r="http://schemas.openxmlformats.org/officeDocument/2006/relationships" r:blip="">
+                        <dgm:adjLst/>
+                      </dgm:shape>
+                      <dgm:presOf/>
+                    </dgm:layoutNode>
+                    <dgm:layoutNode name="tx3" styleLbl="revTx">
+                      <dgm:alg type="tx">
+                        <dgm:param type="parTxLTRAlign" val="l"/>
+                        <dgm:param type="parTxRTLAlign" val="r"/>
+                        <dgm:param type="txAnchorVert" val="t"/>
+                      </dgm:alg>
+                      <dgm:shape xmlns:r="http://schemas.openxmlformats.org/officeDocument/2006/relationships" type="rect" r:blip="">
+                        <dgm:adjLst/>
+                      </dgm:shape>
+                      <dgm:presOf axis="self"/>
+                      <dgm:constrLst>
+                        <dgm:constr type="tMarg" refType="primFontSz" fact="0.3"/>
+                        <dgm:constr type="bMarg" refType="primFontSz" fact="0.3"/>
+                        <dgm:constr type="lMarg" refType="primFontSz" fact="0.3"/>
+                        <dgm:constr type="rMarg" refType="primFontSz" fact="0.3"/>
+                      </dgm:constrLst>
+                      <dgm:ruleLst>
+                        <dgm:rule type="primFontSz" val="5" fact="NaN" max="NaN"/>
+                      </dgm:ruleLst>
+                    </dgm:layoutNode>
+                    <dgm:layoutNode name="vert3">
+                      <dgm:choose name="Name30">
+                        <dgm:if name="Name31" func="var" arg="dir" op="equ" val="norm">
+                          <dgm:alg type="lin">
+                            <dgm:param type="linDir" val="fromT"/>
+                            <dgm:param type="nodeHorzAlign" val="l"/>
+                          </dgm:alg>
+                        </dgm:if>
+                        <dgm:else name="Name32">
+                          <dgm:alg type="lin">
+                            <dgm:param type="linDir" val="fromT"/>
+                            <dgm:param type="nodeHorzAlign" val="r"/>
+                          </dgm:alg>
+                        </dgm:else>
+                      </dgm:choose>
+                      <dgm:shape xmlns:r="http://schemas.openxmlformats.org/officeDocument/2006/relationships" r:blip="">
+                        <dgm:adjLst/>
+                      </dgm:shape>
+                      <dgm:presOf/>
+                      <dgm:forEach name="Name33" axis="ch" ptType="node">
+                        <dgm:layoutNode name="horz4">
+                          <dgm:choose name="Name34">
+                            <dgm:if name="Name35" func="var" arg="dir" op="equ" val="norm">
+                              <dgm:alg type="lin">
+                                <dgm:param type="linDir" val="fromL"/>
+                                <dgm:param type="nodeVertAlign" val="t"/>
+                              </dgm:alg>
+                            </dgm:if>
+                            <dgm:else name="Name36">
+                              <dgm:alg type="lin">
+                                <dgm:param type="linDir" val="fromR"/>
+                                <dgm:param type="nodeVertAlign" val="t"/>
+                              </dgm:alg>
+                            </dgm:else>
+                          </dgm:choose>
+                          <dgm:shape xmlns:r="http://schemas.openxmlformats.org/officeDocument/2006/relationships" r:blip="">
+                            <dgm:adjLst/>
+                          </dgm:shape>
+                          <dgm:presOf/>
+                          <dgm:layoutNode name="horzSpace4">
+                            <dgm:alg type="sp"/>
+                            <dgm:shape xmlns:r="http://schemas.openxmlformats.org/officeDocument/2006/relationships" r:blip="">
+                              <dgm:adjLst/>
+                            </dgm:shape>
+                            <dgm:presOf/>
+                          </dgm:layoutNode>
+                          <dgm:layoutNode name="tx4" styleLbl="revTx">
+                            <dgm:varLst>
+                              <dgm:bulletEnabled val="1"/>
+                            </dgm:varLst>
+                            <dgm:alg type="tx">
+                              <dgm:param type="parTxLTRAlign" val="l"/>
+                              <dgm:param type="parTxRTLAlign" val="r"/>
+                              <dgm:param type="txAnchorVert" val="t"/>
+                            </dgm:alg>
+                            <dgm:shape xmlns:r="http://schemas.openxmlformats.org/officeDocument/2006/relationships" type="rect" r:blip="">
+                              <dgm:adjLst/>
+                            </dgm:shape>
+                            <dgm:presOf axis="desOrSelf" ptType="node"/>
+                            <dgm:constrLst>
+                              <dgm:constr type="tMarg" refType="primFontSz" fact="0.3"/>
+                              <dgm:constr type="bMarg" refType="primFontSz" fact="0.3"/>
+                              <dgm:constr type="lMarg" refType="primFontSz" fact="0.3"/>
+                              <dgm:constr type="rMarg" refType="primFontSz" fact="0.3"/>
+                            </dgm:constrLst>
+                            <dgm:ruleLst>
+                              <dgm:rule type="primFontSz" val="5" fact="NaN" max="NaN"/>
+                            </dgm:ruleLst>
+                          </dgm:layoutNode>
+                        </dgm:layoutNode>
+                      </dgm:forEach>
+                    </dgm:layoutNode>
+                  </dgm:layoutNode>
+                  <dgm:forEach name="Name37" axis="followSib" ptType="sibTrans" cnt="1">
+                    <dgm:layoutNode name="thinLine3" styleLbl="callout">
+                      <dgm:alg type="sp"/>
+                      <dgm:shape xmlns:r="http://schemas.openxmlformats.org/officeDocument/2006/relationships" type="line" r:blip="">
+                        <dgm:adjLst/>
+                      </dgm:shape>
+                      <dgm:presOf/>
+                    </dgm:layoutNode>
+                  </dgm:forEach>
+                </dgm:forEach>
+              </dgm:layoutNode>
+            </dgm:layoutNode>
+            <dgm:layoutNode name="thinLine2b" styleLbl="callout">
+              <dgm:alg type="sp"/>
+              <dgm:shape xmlns:r="http://schemas.openxmlformats.org/officeDocument/2006/relationships" type="line" r:blip="">
+                <dgm:adjLst/>
+              </dgm:shape>
+              <dgm:presOf/>
+            </dgm:layoutNode>
+            <dgm:layoutNode name="vertSpace2b">
+              <dgm:alg type="sp"/>
+              <dgm:shape xmlns:r="http://schemas.openxmlformats.org/officeDocument/2006/relationships" r:blip="">
+                <dgm:adjLst/>
+              </dgm:shape>
+              <dgm:presOf/>
+            </dgm:layoutNode>
+          </dgm:forEach>
+        </dgm:layoutNode>
+      </dgm:layoutNode>
+    </dgm:forEach>
+  </dgm:layoutNode>
+</dgm:layoutDef>
+</file>
+
+<file path=ppt/diagrams/quickStyle1.xml><?xml version="1.0" encoding="utf-8"?>
+<dgm:styleDef xmlns:dgm="http://schemas.openxmlformats.org/drawingml/2006/diagram" xmlns:a="http://schemas.openxmlformats.org/drawingml/2006/main" uniqueId="urn:microsoft.com/office/officeart/2005/8/quickstyle/simple4">
+  <dgm:title val=""/>
+  <dgm:desc val=""/>
+  <dgm:catLst>
+    <dgm:cat type="simple" pri="10400"/>
+  </dgm:catLst>
+  <dgm:scene3d>
+    <a:camera prst="orthographicFront"/>
+    <a:lightRig rig="threePt" dir="t"/>
+  </dgm:scene3d>
+  <dgm:styleLbl name="node0">
+    <dgm:scene3d>
+      <a:camera prst="orthographicFront"/>
+      <a:lightRig rig="threePt" dir="t"/>
+    </dgm:scene3d>
+    <dgm:sp3d/>
+    <dgm:txPr/>
+    <dgm:style>
+      <a:lnRef idx="0">
+        <a:scrgbClr r="0" g="0" b="0"/>
+      </a:lnRef>
+      <a:fillRef idx="3">
+        <a:scrgbClr r="0" g="0" b="0"/>
+      </a:fillRef>
+      <a:effectRef idx="2">
+        <a:scrgbClr r="0" g="0" b="0"/>
+      </a:effectRef>
+      <a:fontRef idx="minor">
+        <a:schemeClr val="lt1"/>
+      </a:fontRef>
+    </dgm:style>
+  </dgm:styleLbl>
+  <dgm:styleLbl name="lnNode1">
+    <dgm:scene3d>
+      <a:camera prst="orthographicFront"/>
+      <a:lightRig rig="threePt" dir="t"/>
+    </dgm:scene3d>
+    <dgm:sp3d/>
+    <dgm:txPr/>
+    <dgm:style>
+      <a:lnRef idx="1">
+        <a:scrgbClr r="0" g="0" b="0"/>
+      </a:lnRef>
+      <a:fillRef idx="3">
+        <a:scrgbClr r="0" g="0" b="0"/>
+      </a:fillRef>
+      <a:effectRef idx="2">
+        <a:scrgbClr r="0" g="0" b="0"/>
+      </a:effectRef>
+      <a:fontRef idx="minor">
+        <a:schemeClr val="lt1"/>
+      </a:fontRef>
+    </dgm:style>
+  </dgm:styleLbl>
+  <dgm:styleLbl name="vennNode1">
+    <dgm:scene3d>
+      <a:camera prst="orthographicFront"/>
+      <a:lightRig rig="threePt" dir="t"/>
+    </dgm:scene3d>
+    <dgm:sp3d/>
+    <dgm:txPr/>
+    <dgm:style>
+      <a:lnRef idx="0">
+        <a:scrgbClr r="0" g="0" b="0"/>
+      </a:lnRef>
+      <a:fillRef idx="3">
+        <a:scrgbClr r="0" g="0" b="0"/>
+      </a:fillRef>
+      <a:effectRef idx="0">
+        <a:scrgbClr r="0" g="0" b="0"/>
+      </a:effectRef>
+      <a:fontRef idx="minor">
+        <a:schemeClr val="tx1"/>
+      </a:fontRef>
+    </dgm:style>
+  </dgm:styleLbl>
+  <dgm:styleLbl name="alignNode1">
+    <dgm:scene3d>
+      <a:camera prst="orthographicFront"/>
+      <a:lightRig rig="threePt" dir="t"/>
+    </dgm:scene3d>
+    <dgm:sp3d/>
+    <dgm:txPr/>
+    <dgm:style>
+      <a:lnRef idx="1">
+        <a:scrgbClr r="0" g="0" b="0"/>
+      </a:lnRef>
+      <a:fillRef idx="3">
+        <a:scrgbClr r="0" g="0" b="0"/>
+      </a:fillRef>
+      <a:effectRef idx="2">
+        <a:scrgbClr r="0" g="0" b="0"/>
+      </a:effectRef>
+      <a:fontRef idx="minor">
+        <a:schemeClr val="lt1"/>
+      </a:fontRef>
+    </dgm:style>
+  </dgm:styleLbl>
+  <dgm:styleLbl name="node1">
+    <dgm:scene3d>
+      <a:camera prst="orthographicFront"/>
+      <a:lightRig rig="threePt" dir="t"/>
+    </dgm:scene3d>
+    <dgm:sp3d/>
+    <dgm:txPr/>
+    <dgm:style>
+      <a:lnRef idx="0">
+        <a:scrgbClr r="0" g="0" b="0"/>
+      </a:lnRef>
+      <a:fillRef idx="3">
+        <a:scrgbClr r="0" g="0" b="0"/>
+      </a:fillRef>
+      <a:effectRef idx="2">
+        <a:scrgbClr r="0" g="0" b="0"/>
+      </a:effectRef>
+      <a:fontRef idx="minor">
+        <a:schemeClr val="lt1"/>
+      </a:fontRef>
+    </dgm:style>
+  </dgm:styleLbl>
+  <dgm:styleLbl name="node2">
+    <dgm:scene3d>
+      <a:camera prst="orthographicFront"/>
+      <a:lightRig rig="threePt" dir="t"/>
+    </dgm:scene3d>
+    <dgm:sp3d/>
+    <dgm:txPr/>
+    <dgm:style>
+      <a:lnRef idx="0">
+        <a:scrgbClr r="0" g="0" b="0"/>
+      </a:lnRef>
+      <a:fillRef idx="3">
+        <a:scrgbClr r="0" g="0" b="0"/>
+      </a:fillRef>
+      <a:effectRef idx="2">
+        <a:scrgbClr r="0" g="0" b="0"/>
+      </a:effectRef>
+      <a:fontRef idx="minor">
+        <a:schemeClr val="lt1"/>
+      </a:fontRef>
+    </dgm:style>
+  </dgm:styleLbl>
+  <dgm:styleLbl name="node3">
+    <dgm:scene3d>
+      <a:camera prst="orthographicFront"/>
+      <a:lightRig rig="threePt" dir="t"/>
+    </dgm:scene3d>
+    <dgm:sp3d/>
+    <dgm:txPr/>
+    <dgm:style>
+      <a:lnRef idx="0">
+        <a:scrgbClr r="0" g="0" b="0"/>
+      </a:lnRef>
+      <a:fillRef idx="3">
+        <a:scrgbClr r="0" g="0" b="0"/>
+      </a:fillRef>
+      <a:effectRef idx="2">
+        <a:scrgbClr r="0" g="0" b="0"/>
+      </a:effectRef>
+      <a:fontRef idx="minor">
+        <a:schemeClr val="lt1"/>
+      </a:fontRef>
+    </dgm:style>
+  </dgm:styleLbl>
+  <dgm:styleLbl name="node4">
+    <dgm:scene3d>
+      <a:camera prst="orthographicFront"/>
+      <a:lightRig rig="threePt" dir="t"/>
+    </dgm:scene3d>
+    <dgm:sp3d/>
+    <dgm:txPr/>
+    <dgm:style>
+      <a:lnRef idx="0">
+        <a:scrgbClr r="0" g="0" b="0"/>
+      </a:lnRef>
+      <a:fillRef idx="3">
+        <a:scrgbClr r="0" g="0" b="0"/>
+      </a:fillRef>
+      <a:effectRef idx="2">
+        <a:scrgbClr r="0" g="0" b="0"/>
+      </a:effectRef>
+      <a:fontRef idx="minor">
+        <a:schemeClr val="lt1"/>
+      </a:fontRef>
+    </dgm:style>
+  </dgm:styleLbl>
+  <dgm:styleLbl name="fgImgPlace1">
+    <dgm:scene3d>
+      <a:camera prst="orthographicFront"/>
+      <a:lightRig rig="threePt" dir="t"/>
+    </dgm:scene3d>
+    <dgm:sp3d/>
+    <dgm:txPr/>
+    <dgm:style>
+      <a:lnRef idx="0">
+        <a:scrgbClr r="0" g="0" b="0"/>
+      </a:lnRef>
+      <a:fillRef idx="1">
+        <a:scrgbClr r="0" g="0" b="0"/>
+      </a:fillRef>
+      <a:effectRef idx="2">
+        <a:scrgbClr r="0" g="0" b="0"/>
+      </a:effectRef>
+      <a:fontRef idx="minor"/>
+    </dgm:style>
+  </dgm:styleLbl>
+  <dgm:styleLbl name="alignImgPlace1">
+    <dgm:scene3d>
+      <a:camera prst="orthographicFront"/>
+      <a:lightRig rig="threePt" dir="t"/>
+    </dgm:scene3d>
+    <dgm:sp3d/>
+    <dgm:txPr/>
+    <dgm:style>
+      <a:lnRef idx="0">
+        <a:scrgbClr r="0" g="0" b="0"/>
+      </a:lnRef>
+      <a:fillRef idx="1">
+        <a:scrgbClr r="0" g="0" b="0"/>
+      </a:fillRef>
+      <a:effectRef idx="2">
+        <a:scrgbClr r="0" g="0" b="0"/>
+      </a:effectRef>
+      <a:fontRef idx="minor"/>
+    </dgm:style>
+  </dgm:styleLbl>
+  <dgm:styleLbl name="bgImgPlace1">
+    <dgm:scene3d>
+      <a:camera prst="orthographicFront"/>
+      <a:lightRig rig="threePt" dir="t"/>
+    </dgm:scene3d>
+    <dgm:sp3d/>
+    <dgm:txPr/>
+    <dgm:style>
+      <a:lnRef idx="0">
+        <a:scrgbClr r="0" g="0" b="0"/>
+      </a:lnRef>
+      <a:fillRef idx="1">
+        <a:scrgbClr r="0" g="0" b="0"/>
+      </a:fillRef>
+      <a:effectRef idx="2">
+        <a:scrgbClr r="0" g="0" b="0"/>
+      </a:effectRef>
+      <a:fontRef idx="minor"/>
+    </dgm:style>
+  </dgm:styleLbl>
+  <dgm:styleLbl name="sibTrans2D1">
+    <dgm:scene3d>
+      <a:camera prst="orthographicFront"/>
+      <a:lightRig rig="threePt" dir="t"/>
+    </dgm:scene3d>
+    <dgm:sp3d/>
+    <dgm:txPr/>
+    <dgm:style>
+      <a:lnRef idx="0">
+        <a:scrgbClr r="0" g="0" b="0"/>
+      </a:lnRef>
+      <a:fillRef idx="3">
+        <a:scrgbClr r="0" g="0" b="0"/>
+      </a:fillRef>
+      <a:effectRef idx="2">
+        <a:scrgbClr r="0" g="0" b="0"/>
+      </a:effectRef>
+      <a:fontRef idx="minor">
+        <a:schemeClr val="lt1"/>
+      </a:fontRef>
+    </dgm:style>
+  </dgm:styleLbl>
+  <dgm:styleLbl name="fgSibTrans2D1">
+    <dgm:scene3d>
+      <a:camera prst="orthographicFront"/>
+      <a:lightRig rig="threePt" dir="t"/>
+    </dgm:scene3d>
+    <dgm:sp3d/>
+    <dgm:txPr/>
+    <dgm:style>
+      <a:lnRef idx="0">
+        <a:scrgbClr r="0" g="0" b="0"/>
+      </a:lnRef>
+      <a:fillRef idx="3">
+        <a:scrgbClr r="0" g="0" b="0"/>
+      </a:fillRef>
+      <a:effectRef idx="2">
+        <a:scrgbClr r="0" g="0" b="0"/>
+      </a:effectRef>
+      <a:fontRef idx="minor">
+        <a:schemeClr val="lt1"/>
+      </a:fontRef>
+    </dgm:style>
+  </dgm:styleLbl>
+  <dgm:styleLbl name="bgSibTrans2D1">
+    <dgm:scene3d>
+      <a:camera prst="orthographicFront"/>
+      <a:lightRig rig="threePt" dir="t"/>
+    </dgm:scene3d>
+    <dgm:sp3d/>
+    <dgm:txPr/>
+    <dgm:style>
+      <a:lnRef idx="0">
+        <a:scrgbClr r="0" g="0" b="0"/>
+      </a:lnRef>
+      <a:fillRef idx="3">
+        <a:scrgbClr r="0" g="0" b="0"/>
+      </a:fillRef>
+      <a:effectRef idx="2">
+        <a:scrgbClr r="0" g="0" b="0"/>
+      </a:effectRef>
+      <a:fontRef idx="minor">
+        <a:schemeClr val="lt1"/>
+      </a:fontRef>
+    </dgm:style>
+  </dgm:styleLbl>
+  <dgm:styleLbl name="sibTrans1D1">
+    <dgm:scene3d>
+      <a:camera prst="orthographicFront"/>
+      <a:lightRig rig="threePt" dir="t"/>
+    </dgm:scene3d>
+    <dgm:sp3d/>
+    <dgm:txPr/>
+    <dgm:style>
+      <a:lnRef idx="1">
+        <a:scrgbClr r="0" g="0" b="0"/>
+      </a:lnRef>
+      <a:fillRef idx="0">
+        <a:scrgbClr r="0" g="0" b="0"/>
+      </a:fillRef>
+      <a:effectRef idx="0">
+        <a:scrgbClr r="0" g="0" b="0"/>
+      </a:effectRef>
+      <a:fontRef idx="minor"/>
+    </dgm:style>
+  </dgm:styleLbl>
+  <dgm:styleLbl name="callout">
+    <dgm:scene3d>
+      <a:camera prst="orthographicFront"/>
+      <a:lightRig rig="threePt" dir="t"/>
+    </dgm:scene3d>
+    <dgm:sp3d/>
+    <dgm:txPr/>
+    <dgm:style>
+      <a:lnRef idx="2">
+        <a:scrgbClr r="0" g="0" b="0"/>
+      </a:lnRef>
+      <a:fillRef idx="1">
+        <a:scrgbClr r="0" g="0" b="0"/>
+      </a:fillRef>
+      <a:effectRef idx="1">
+        <a:scrgbClr r="0" g="0" b="0"/>
+      </a:effectRef>
+      <a:fontRef idx="minor"/>
+    </dgm:style>
+  </dgm:styleLbl>
+  <dgm:styleLbl name="asst0">
+    <dgm:scene3d>
+      <a:camera prst="orthographicFront"/>
+      <a:lightRig rig="threePt" dir="t"/>
+    </dgm:scene3d>
+    <dgm:sp3d/>
+    <dgm:txPr/>
+    <dgm:style>
+      <a:lnRef idx="0">
+        <a:scrgbClr r="0" g="0" b="0"/>
+      </a:lnRef>
+      <a:fillRef idx="3">
+        <a:scrgbClr r="0" g="0" b="0"/>
+      </a:fillRef>
+      <a:effectRef idx="2">
+        <a:scrgbClr r="0" g="0" b="0"/>
+      </a:effectRef>
+      <a:fontRef idx="minor">
+        <a:schemeClr val="lt1"/>
+      </a:fontRef>
+    </dgm:style>
+  </dgm:styleLbl>
+  <dgm:styleLbl name="asst1">
+    <dgm:scene3d>
+      <a:camera prst="orthographicFront"/>
+      <a:lightRig rig="threePt" dir="t"/>
+    </dgm:scene3d>
+    <dgm:sp3d/>
+    <dgm:txPr/>
+    <dgm:style>
+      <a:lnRef idx="0">
+        <a:scrgbClr r="0" g="0" b="0"/>
+      </a:lnRef>
+      <a:fillRef idx="3">
+        <a:scrgbClr r="0" g="0" b="0"/>
+      </a:fillRef>
+      <a:effectRef idx="2">
+        <a:scrgbClr r="0" g="0" b="0"/>
+      </a:effectRef>
+      <a:fontRef idx="minor">
+        <a:schemeClr val="lt1"/>
+      </a:fontRef>
+    </dgm:style>
+  </dgm:styleLbl>
+  <dgm:styleLbl name="asst2">
+    <dgm:scene3d>
+      <a:camera prst="orthographicFront"/>
+      <a:lightRig rig="threePt" dir="t"/>
+    </dgm:scene3d>
+    <dgm:sp3d/>
+    <dgm:txPr/>
+    <dgm:style>
+      <a:lnRef idx="0">
+        <a:scrgbClr r="0" g="0" b="0"/>
+      </a:lnRef>
+      <a:fillRef idx="3">
+        <a:scrgbClr r="0" g="0" b="0"/>
+      </a:fillRef>
+      <a:effectRef idx="2">
+        <a:scrgbClr r="0" g="0" b="0"/>
+      </a:effectRef>
+      <a:fontRef idx="minor">
+        <a:schemeClr val="lt1"/>
+      </a:fontRef>
+    </dgm:style>
+  </dgm:styleLbl>
+  <dgm:styleLbl name="asst3">
+    <dgm:scene3d>
+      <a:camera prst="orthographicFront"/>
+      <a:lightRig rig="threePt" dir="t"/>
+    </dgm:scene3d>
+    <dgm:sp3d/>
+    <dgm:txPr/>
+    <dgm:style>
+      <a:lnRef idx="0">
+        <a:scrgbClr r="0" g="0" b="0"/>
+      </a:lnRef>
+      <a:fillRef idx="3">
+        <a:scrgbClr r="0" g="0" b="0"/>
+      </a:fillRef>
+      <a:effectRef idx="2">
+        <a:scrgbClr r="0" g="0" b="0"/>
+      </a:effectRef>
+      <a:fontRef idx="minor">
+        <a:schemeClr val="lt1"/>
+      </a:fontRef>
+    </dgm:style>
+  </dgm:styleLbl>
+  <dgm:styleLbl name="asst4">
+    <dgm:scene3d>
+      <a:camera prst="orthographicFront"/>
+      <a:lightRig rig="threePt" dir="t"/>
+    </dgm:scene3d>
+    <dgm:sp3d/>
+    <dgm:txPr/>
+    <dgm:style>
+      <a:lnRef idx="0">
+        <a:scrgbClr r="0" g="0" b="0"/>
+      </a:lnRef>
+      <a:fillRef idx="3">
+        <a:scrgbClr r="0" g="0" b="0"/>
+      </a:fillRef>
+      <a:effectRef idx="2">
+        <a:scrgbClr r="0" g="0" b="0"/>
+      </a:effectRef>
+      <a:fontRef idx="minor">
+        <a:schemeClr val="lt1"/>
+      </a:fontRef>
+    </dgm:style>
+  </dgm:styleLbl>
+  <dgm:styleLbl name="parChTrans2D1">
+    <dgm:scene3d>
+      <a:camera prst="orthographicFront"/>
+      <a:lightRig rig="threePt" dir="t"/>
+    </dgm:scene3d>
+    <dgm:sp3d/>
+    <dgm:txPr/>
+    <dgm:style>
+      <a:lnRef idx="0">
+        <a:scrgbClr r="0" g="0" b="0"/>
+      </a:lnRef>
+      <a:fillRef idx="3">
+        <a:scrgbClr r="0" g="0" b="0"/>
+      </a:fillRef>
+      <a:effectRef idx="2">
+        <a:scrgbClr r="0" g="0" b="0"/>
+      </a:effectRef>
+      <a:fontRef idx="minor">
+        <a:schemeClr val="lt1"/>
+      </a:fontRef>
+    </dgm:style>
+  </dgm:styleLbl>
+  <dgm:styleLbl name="parChTrans2D2">
+    <dgm:scene3d>
+      <a:camera prst="orthographicFront"/>
+      <a:lightRig rig="threePt" dir="t"/>
+    </dgm:scene3d>
+    <dgm:sp3d/>
+    <dgm:txPr/>
+    <dgm:style>
+      <a:lnRef idx="0">
+        <a:scrgbClr r="0" g="0" b="0"/>
+      </a:lnRef>
+      <a:fillRef idx="3">
+        <a:scrgbClr r="0" g="0" b="0"/>
+      </a:fillRef>
+      <a:effectRef idx="2">
+        <a:scrgbClr r="0" g="0" b="0"/>
+      </a:effectRef>
+      <a:fontRef idx="minor">
+        <a:schemeClr val="lt1"/>
+      </a:fontRef>
+    </dgm:style>
+  </dgm:styleLbl>
+  <dgm:styleLbl name="parChTrans2D3">
+    <dgm:scene3d>
+      <a:camera prst="orthographicFront"/>
+      <a:lightRig rig="threePt" dir="t"/>
+    </dgm:scene3d>
+    <dgm:sp3d/>
+    <dgm:txPr/>
+    <dgm:style>
+      <a:lnRef idx="1">
+        <a:scrgbClr r="0" g="0" b="0"/>
+      </a:lnRef>
+      <a:fillRef idx="3">
+        <a:scrgbClr r="0" g="0" b="0"/>
+      </a:fillRef>
+      <a:effectRef idx="2">
+        <a:scrgbClr r="0" g="0" b="0"/>
+      </a:effectRef>
+      <a:fontRef idx="minor">
+        <a:schemeClr val="lt1"/>
+      </a:fontRef>
+    </dgm:style>
+  </dgm:styleLbl>
+  <dgm:styleLbl name="parChTrans2D4">
+    <dgm:scene3d>
+      <a:camera prst="orthographicFront"/>
+      <a:lightRig rig="threePt" dir="t"/>
+    </dgm:scene3d>
+    <dgm:sp3d/>
+    <dgm:txPr/>
+    <dgm:style>
+      <a:lnRef idx="1">
+        <a:scrgbClr r="0" g="0" b="0"/>
+      </a:lnRef>
+      <a:fillRef idx="3">
+        <a:scrgbClr r="0" g="0" b="0"/>
+      </a:fillRef>
+      <a:effectRef idx="2">
+        <a:scrgbClr r="0" g="0" b="0"/>
+      </a:effectRef>
+      <a:fontRef idx="minor">
+        <a:schemeClr val="lt1"/>
+      </a:fontRef>
+    </dgm:style>
+  </dgm:styleLbl>
+  <dgm:styleLbl name="parChTrans1D1">
+    <dgm:scene3d>
+      <a:camera prst="orthographicFront"/>
+      <a:lightRig rig="threePt" dir="t"/>
+    </dgm:scene3d>
+    <dgm:sp3d/>
+    <dgm:txPr/>
+    <dgm:style>
+      <a:lnRef idx="1">
+        <a:scrgbClr r="0" g="0" b="0"/>
+      </a:lnRef>
+      <a:fillRef idx="0">
+        <a:scrgbClr r="0" g="0" b="0"/>
+      </a:fillRef>
+      <a:effectRef idx="0">
+        <a:scrgbClr r="0" g="0" b="0"/>
+      </a:effectRef>
+      <a:fontRef idx="minor"/>
+    </dgm:style>
+  </dgm:styleLbl>
+  <dgm:styleLbl name="parChTrans1D2">
+    <dgm:scene3d>
+      <a:camera prst="orthographicFront"/>
+      <a:lightRig rig="threePt" dir="t"/>
+    </dgm:scene3d>
+    <dgm:sp3d/>
+    <dgm:txPr/>
+    <dgm:style>
+      <a:lnRef idx="1">
+        <a:scrgbClr r="0" g="0" b="0"/>
+      </a:lnRef>
+      <a:fillRef idx="0">
+        <a:scrgbClr r="0" g="0" b="0"/>
+      </a:fillRef>
+      <a:effectRef idx="0">
+        <a:scrgbClr r="0" g="0" b="0"/>
+      </a:effectRef>
+      <a:fontRef idx="minor"/>
+    </dgm:style>
+  </dgm:styleLbl>
+  <dgm:styleLbl name="parChTrans1D3">
+    <dgm:scene3d>
+      <a:camera prst="orthographicFront"/>
+      <a:lightRig rig="threePt" dir="t"/>
+    </dgm:scene3d>
+    <dgm:sp3d/>
+    <dgm:txPr/>
+    <dgm:style>
+      <a:lnRef idx="1">
+        <a:scrgbClr r="0" g="0" b="0"/>
+      </a:lnRef>
+      <a:fillRef idx="0">
+        <a:scrgbClr r="0" g="0" b="0"/>
+      </a:fillRef>
+      <a:effectRef idx="0">
+        <a:scrgbClr r="0" g="0" b="0"/>
+      </a:effectRef>
+      <a:fontRef idx="minor"/>
+    </dgm:style>
+  </dgm:styleLbl>
+  <dgm:styleLbl name="parChTrans1D4">
+    <dgm:scene3d>
+      <a:camera prst="orthographicFront"/>
+      <a:lightRig rig="threePt" dir="t"/>
+    </dgm:scene3d>
+    <dgm:sp3d/>
+    <dgm:txPr/>
+    <dgm:style>
+      <a:lnRef idx="1">
+        <a:scrgbClr r="0" g="0" b="0"/>
+      </a:lnRef>
+      <a:fillRef idx="0">
+        <a:scrgbClr r="0" g="0" b="0"/>
+      </a:fillRef>
+      <a:effectRef idx="0">
+        <a:scrgbClr r="0" g="0" b="0"/>
+      </a:effectRef>
+      <a:fontRef idx="minor"/>
+    </dgm:style>
+  </dgm:styleLbl>
+  <dgm:styleLbl name="fgAcc1">
+    <dgm:scene3d>
+      <a:camera prst="orthographicFront"/>
+      <a:lightRig rig="threePt" dir="t"/>
+    </dgm:scene3d>
+    <dgm:sp3d/>
+    <dgm:txPr/>
+    <dgm:style>
+      <a:lnRef idx="1">
+        <a:scrgbClr r="0" g="0" b="0"/>
+      </a:lnRef>
+      <a:fillRef idx="1">
+        <a:scrgbClr r="0" g="0" b="0"/>
+      </a:fillRef>
+      <a:effectRef idx="0">
+        <a:scrgbClr r="0" g="0" b="0"/>
+      </a:effectRef>
+      <a:fontRef idx="minor"/>
+    </dgm:style>
+  </dgm:styleLbl>
+  <dgm:styleLbl name="conFgAcc1">
+    <dgm:scene3d>
+      <a:camera prst="orthographicFront"/>
+      <a:lightRig rig="threePt" dir="t"/>
+    </dgm:scene3d>
+    <dgm:sp3d/>
+    <dgm:txPr/>
+    <dgm:style>
+      <a:lnRef idx="1">
+        <a:scrgbClr r="0" g="0" b="0"/>
+      </a:lnRef>
+      <a:fillRef idx="1">
+        <a:scrgbClr r="0" g="0" b="0"/>
+      </a:fillRef>
+      <a:effectRef idx="0">
+        <a:scrgbClr r="0" g="0" b="0"/>
+      </a:effectRef>
+      <a:fontRef idx="minor"/>
+    </dgm:style>
+  </dgm:styleLbl>
+  <dgm:styleLbl name="alignAcc1">
+    <dgm:scene3d>
+      <a:camera prst="orthographicFront"/>
+      <a:lightRig rig="threePt" dir="t"/>
+    </dgm:scene3d>
+    <dgm:sp3d/>
+    <dgm:txPr/>
+    <dgm:style>
+      <a:lnRef idx="1">
+        <a:scrgbClr r="0" g="0" b="0"/>
+      </a:lnRef>
+      <a:fillRef idx="1">
+        <a:scrgbClr r="0" g="0" b="0"/>
+      </a:fillRef>
+      <a:effectRef idx="0">
+        <a:scrgbClr r="0" g="0" b="0"/>
+      </a:effectRef>
+      <a:fontRef idx="minor"/>
+    </dgm:style>
+  </dgm:styleLbl>
+  <dgm:styleLbl name="trAlignAcc1">
+    <dgm:scene3d>
+      <a:camera prst="orthographicFront"/>
+      <a:lightRig rig="threePt" dir="t"/>
+    </dgm:scene3d>
+    <dgm:sp3d/>
+    <dgm:txPr/>
+    <dgm:style>
+      <a:lnRef idx="1">
+        <a:scrgbClr r="0" g="0" b="0"/>
+      </a:lnRef>
+      <a:fillRef idx="1">
+        <a:scrgbClr r="0" g="0" b="0"/>
+      </a:fillRef>
+      <a:effectRef idx="0">
+        <a:scrgbClr r="0" g="0" b="0"/>
+      </a:effectRef>
+      <a:fontRef idx="minor"/>
+    </dgm:style>
+  </dgm:styleLbl>
+  <dgm:styleLbl name="bgAcc1">
+    <dgm:scene3d>
+      <a:camera prst="orthographicFront"/>
+      <a:lightRig rig="threePt" dir="t"/>
+    </dgm:scene3d>
+    <dgm:sp3d/>
+    <dgm:txPr/>
+    <dgm:style>
+      <a:lnRef idx="1">
+        <a:scrgbClr r="0" g="0" b="0"/>
+      </a:lnRef>
+      <a:fillRef idx="1">
+        <a:scrgbClr r="0" g="0" b="0"/>
+      </a:fillRef>
+      <a:effectRef idx="0">
+        <a:scrgbClr r="0" g="0" b="0"/>
+      </a:effectRef>
+      <a:fontRef idx="minor"/>
+    </dgm:style>
+  </dgm:styleLbl>
+  <dgm:styleLbl name="solidFgAcc1">
+    <dgm:scene3d>
+      <a:camera prst="orthographicFront"/>
+      <a:lightRig rig="threePt" dir="t"/>
+    </dgm:scene3d>
+    <dgm:sp3d/>
+    <dgm:txPr/>
+    <dgm:style>
+      <a:lnRef idx="1">
+        <a:scrgbClr r="0" g="0" b="0"/>
+      </a:lnRef>
+      <a:fillRef idx="1">
+        <a:scrgbClr r="0" g="0" b="0"/>
+      </a:fillRef>
+      <a:effectRef idx="0">
+        <a:scrgbClr r="0" g="0" b="0"/>
+      </a:effectRef>
+      <a:fontRef idx="minor"/>
+    </dgm:style>
+  </dgm:styleLbl>
+  <dgm:styleLbl name="solidAlignAcc1">
+    <dgm:scene3d>
+      <a:camera prst="orthographicFront"/>
+      <a:lightRig rig="threePt" dir="t"/>
+    </dgm:scene3d>
+    <dgm:sp3d/>
+    <dgm:txPr/>
+    <dgm:style>
+      <a:lnRef idx="1">
+        <a:scrgbClr r="0" g="0" b="0"/>
+      </a:lnRef>
+      <a:fillRef idx="1">
+        <a:scrgbClr r="0" g="0" b="0"/>
+      </a:fillRef>
+      <a:effectRef idx="0">
+        <a:scrgbClr r="0" g="0" b="0"/>
+      </a:effectRef>
+      <a:fontRef idx="minor"/>
+    </dgm:style>
+  </dgm:styleLbl>
+  <dgm:styleLbl name="solidBgAcc1">
+    <dgm:scene3d>
+      <a:camera prst="orthographicFront"/>
+      <a:lightRig rig="threePt" dir="t"/>
+    </dgm:scene3d>
+    <dgm:sp3d/>
+    <dgm:txPr/>
+    <dgm:style>
+      <a:lnRef idx="1">
+        <a:scrgbClr r="0" g="0" b="0"/>
+      </a:lnRef>
+      <a:fillRef idx="1">
+        <a:scrgbClr r="0" g="0" b="0"/>
+      </a:fillRef>
+      <a:effectRef idx="0">
+        <a:scrgbClr r="0" g="0" b="0"/>
+      </a:effectRef>
+      <a:fontRef idx="minor"/>
+    </dgm:style>
+  </dgm:styleLbl>
+  <dgm:styleLbl name="fgAccFollowNode1">
+    <dgm:scene3d>
+      <a:camera prst="orthographicFront"/>
+      <a:lightRig rig="threePt" dir="t"/>
+    </dgm:scene3d>
+    <dgm:sp3d/>
+    <dgm:txPr/>
+    <dgm:style>
+      <a:lnRef idx="1">
+        <a:scrgbClr r="0" g="0" b="0"/>
+      </a:lnRef>
+      <a:fillRef idx="1">
+        <a:scrgbClr r="0" g="0" b="0"/>
+      </a:fillRef>
+      <a:effectRef idx="0">
+        <a:scrgbClr r="0" g="0" b="0"/>
+      </a:effectRef>
+      <a:fontRef idx="minor"/>
+    </dgm:style>
+  </dgm:styleLbl>
+  <dgm:styleLbl name="alignAccFollowNode1">
+    <dgm:scene3d>
+      <a:camera prst="orthographicFront"/>
+      <a:lightRig rig="threePt" dir="t"/>
+    </dgm:scene3d>
+    <dgm:sp3d/>
+    <dgm:txPr/>
+    <dgm:style>
+      <a:lnRef idx="1">
+        <a:scrgbClr r="0" g="0" b="0"/>
+      </a:lnRef>
+      <a:fillRef idx="1">
+        <a:scrgbClr r="0" g="0" b="0"/>
+      </a:fillRef>
+      <a:effectRef idx="0">
+        <a:scrgbClr r="0" g="0" b="0"/>
+      </a:effectRef>
+      <a:fontRef idx="minor"/>
+    </dgm:style>
+  </dgm:styleLbl>
+  <dgm:styleLbl name="bgAccFollowNode1">
+    <dgm:scene3d>
+      <a:camera prst="orthographicFront"/>
+      <a:lightRig rig="threePt" dir="t"/>
+    </dgm:scene3d>
+    <dgm:sp3d/>
+    <dgm:txPr/>
+    <dgm:style>
+      <a:lnRef idx="1">
+        <a:scrgbClr r="0" g="0" b="0"/>
+      </a:lnRef>
+      <a:fillRef idx="1">
+        <a:scrgbClr r="0" g="0" b="0"/>
+      </a:fillRef>
+      <a:effectRef idx="0">
+        <a:scrgbClr r="0" g="0" b="0"/>
+      </a:effectRef>
+      <a:fontRef idx="minor"/>
+    </dgm:style>
+  </dgm:styleLbl>
+  <dgm:styleLbl name="fgAcc0">
+    <dgm:scene3d>
+      <a:camera prst="orthographicFront"/>
+      <a:lightRig rig="threePt" dir="t"/>
+    </dgm:scene3d>
+    <dgm:sp3d/>
+    <dgm:txPr/>
+    <dgm:style>
+      <a:lnRef idx="1">
+        <a:scrgbClr r="0" g="0" b="0"/>
+      </a:lnRef>
+      <a:fillRef idx="1">
+        <a:scrgbClr r="0" g="0" b="0"/>
+      </a:fillRef>
+      <a:effectRef idx="0">
+        <a:scrgbClr r="0" g="0" b="0"/>
+      </a:effectRef>
+      <a:fontRef idx="minor"/>
+    </dgm:style>
+  </dgm:styleLbl>
+  <dgm:styleLbl name="fgAcc2">
+    <dgm:scene3d>
+      <a:camera prst="orthographicFront"/>
+      <a:lightRig rig="threePt" dir="t"/>
+    </dgm:scene3d>
+    <dgm:sp3d/>
+    <dgm:txPr/>
+    <dgm:style>
+      <a:lnRef idx="1">
+        <a:scrgbClr r="0" g="0" b="0"/>
+      </a:lnRef>
+      <a:fillRef idx="1">
+        <a:scrgbClr r="0" g="0" b="0"/>
+      </a:fillRef>
+      <a:effectRef idx="0">
+        <a:scrgbClr r="0" g="0" b="0"/>
+      </a:effectRef>
+      <a:fontRef idx="minor"/>
+    </dgm:style>
+  </dgm:styleLbl>
+  <dgm:styleLbl name="fgAcc3">
+    <dgm:scene3d>
+      <a:camera prst="orthographicFront"/>
+      <a:lightRig rig="threePt" dir="t"/>
+    </dgm:scene3d>
+    <dgm:sp3d/>
+    <dgm:txPr/>
+    <dgm:style>
+      <a:lnRef idx="1">
+        <a:scrgbClr r="0" g="0" b="0"/>
+      </a:lnRef>
+      <a:fillRef idx="1">
+        <a:scrgbClr r="0" g="0" b="0"/>
+      </a:fillRef>
+      <a:effectRef idx="0">
+        <a:scrgbClr r="0" g="0" b="0"/>
+      </a:effectRef>
+      <a:fontRef idx="minor"/>
+    </dgm:style>
+  </dgm:styleLbl>
+  <dgm:styleLbl name="fgAcc4">
+    <dgm:scene3d>
+      <a:camera prst="orthographicFront"/>
+      <a:lightRig rig="threePt" dir="t"/>
+    </dgm:scene3d>
+    <dgm:sp3d/>
+    <dgm:txPr/>
+    <dgm:style>
+      <a:lnRef idx="1">
+        <a:scrgbClr r="0" g="0" b="0"/>
+      </a:lnRef>
+      <a:fillRef idx="1">
+        <a:scrgbClr r="0" g="0" b="0"/>
+      </a:fillRef>
+      <a:effectRef idx="0">
+        <a:scrgbClr r="0" g="0" b="0"/>
+      </a:effectRef>
+      <a:fontRef idx="minor"/>
+    </dgm:style>
+  </dgm:styleLbl>
+  <dgm:styleLbl name="bgShp">
+    <dgm:scene3d>
+      <a:camera prst="orthographicFront"/>
+      <a:lightRig rig="threePt" dir="t"/>
+    </dgm:scene3d>
+    <dgm:sp3d/>
+    <dgm:txPr/>
+    <dgm:style>
+      <a:lnRef idx="0">
+        <a:scrgbClr r="0" g="0" b="0"/>
+      </a:lnRef>
+      <a:fillRef idx="1">
+        <a:scrgbClr r="0" g="0" b="0"/>
+      </a:fillRef>
+      <a:effectRef idx="2">
+        <a:scrgbClr r="0" g="0" b="0"/>
+      </a:effectRef>
+      <a:fontRef idx="minor"/>
+    </dgm:style>
+  </dgm:styleLbl>
+  <dgm:styleLbl name="dkBgShp">
+    <dgm:scene3d>
+      <a:camera prst="orthographicFront"/>
+      <a:lightRig rig="threePt" dir="t"/>
+    </dgm:scene3d>
+    <dgm:sp3d/>
+    <dgm:txPr/>
+    <dgm:style>
+      <a:lnRef idx="0">
+        <a:scrgbClr r="0" g="0" b="0"/>
+      </a:lnRef>
+      <a:fillRef idx="1">
+        <a:scrgbClr r="0" g="0" b="0"/>
+      </a:fillRef>
+      <a:effectRef idx="2">
+        <a:scrgbClr r="0" g="0" b="0"/>
+      </a:effectRef>
+      <a:fontRef idx="minor"/>
+    </dgm:style>
+  </dgm:styleLbl>
+  <dgm:styleLbl name="trBgShp">
+    <dgm:scene3d>
+      <a:camera prst="orthographicFront"/>
+      <a:lightRig rig="threePt" dir="t"/>
+    </dgm:scene3d>
+    <dgm:sp3d/>
+    <dgm:txPr/>
+    <dgm:style>
+      <a:lnRef idx="0">
+        <a:scrgbClr r="0" g="0" b="0"/>
+      </a:lnRef>
+      <a:fillRef idx="1">
+        <a:scrgbClr r="0" g="0" b="0"/>
+      </a:fillRef>
+      <a:effectRef idx="0">
+        <a:scrgbClr r="0" g="0" b="0"/>
+      </a:effectRef>
+      <a:fontRef idx="minor"/>
+    </dgm:style>
+  </dgm:styleLbl>
+  <dgm:styleLbl name="fgShp">
+    <dgm:scene3d>
+      <a:camera prst="orthographicFront"/>
+      <a:lightRig rig="threePt" dir="t"/>
+    </dgm:scene3d>
+    <dgm:sp3d/>
+    <dgm:txPr/>
+    <dgm:style>
+      <a:lnRef idx="0">
+        <a:scrgbClr r="0" g="0" b="0"/>
+      </a:lnRef>
+      <a:fillRef idx="3">
+        <a:scrgbClr r="0" g="0" b="0"/>
+      </a:fillRef>
+      <a:effectRef idx="2">
+        <a:scrgbClr r="0" g="0" b="0"/>
+      </a:effectRef>
+      <a:fontRef idx="minor"/>
+    </dgm:style>
+  </dgm:styleLbl>
+  <dgm:styleLbl name="revTx">
+    <dgm:scene3d>
+      <a:camera prst="orthographicFront"/>
+      <a:lightRig rig="threePt" dir="t"/>
+    </dgm:scene3d>
+    <dgm:sp3d/>
+    <dgm:txPr/>
+    <dgm:style>
+      <a:lnRef idx="0">
+        <a:scrgbClr r="0" g="0" b="0"/>
+      </a:lnRef>
+      <a:fillRef idx="0">
+        <a:scrgbClr r="0" g="0" b="0"/>
+      </a:fillRef>
+      <a:effectRef idx="0">
+        <a:scrgbClr r="0" g="0" b="0"/>
+      </a:effectRef>
+      <a:fontRef idx="minor"/>
+    </dgm:style>
+  </dgm:styleLbl>
+</dgm:styleDef>
 </file>
 
 <file path=ppt/slideLayouts/slideLayout1.xml><?xml version="1.0" encoding="utf-8"?>
@@ -259,7 +3395,7 @@
           <a:p>
             <a:fld id="{EDD89B22-A068-4CBA-8252-CF19AF47419C}" type="datetimeFigureOut">
               <a:rPr lang="en-US" smtClean="0"/>
-              <a:t>6/5/2018</a:t>
+              <a:t>6/9/2018</a:t>
             </a:fld>
             <a:endParaRPr lang="en-US"/>
           </a:p>
@@ -457,7 +3593,7 @@
           <a:p>
             <a:fld id="{EDD89B22-A068-4CBA-8252-CF19AF47419C}" type="datetimeFigureOut">
               <a:rPr lang="en-US" smtClean="0"/>
-              <a:t>6/5/2018</a:t>
+              <a:t>6/9/2018</a:t>
             </a:fld>
             <a:endParaRPr lang="en-US"/>
           </a:p>
@@ -665,7 +3801,7 @@
           <a:p>
             <a:fld id="{EDD89B22-A068-4CBA-8252-CF19AF47419C}" type="datetimeFigureOut">
               <a:rPr lang="en-US" smtClean="0"/>
-              <a:t>6/5/2018</a:t>
+              <a:t>6/9/2018</a:t>
             </a:fld>
             <a:endParaRPr lang="en-US"/>
           </a:p>
@@ -863,7 +3999,7 @@
           <a:p>
             <a:fld id="{EDD89B22-A068-4CBA-8252-CF19AF47419C}" type="datetimeFigureOut">
               <a:rPr lang="en-US" smtClean="0"/>
-              <a:t>6/5/2018</a:t>
+              <a:t>6/9/2018</a:t>
             </a:fld>
             <a:endParaRPr lang="en-US"/>
           </a:p>
@@ -1138,7 +4274,7 @@
           <a:p>
             <a:fld id="{EDD89B22-A068-4CBA-8252-CF19AF47419C}" type="datetimeFigureOut">
               <a:rPr lang="en-US" smtClean="0"/>
-              <a:t>6/5/2018</a:t>
+              <a:t>6/9/2018</a:t>
             </a:fld>
             <a:endParaRPr lang="en-US"/>
           </a:p>
@@ -1403,7 +4539,7 @@
           <a:p>
             <a:fld id="{EDD89B22-A068-4CBA-8252-CF19AF47419C}" type="datetimeFigureOut">
               <a:rPr lang="en-US" smtClean="0"/>
-              <a:t>6/5/2018</a:t>
+              <a:t>6/9/2018</a:t>
             </a:fld>
             <a:endParaRPr lang="en-US"/>
           </a:p>
@@ -1815,7 +4951,7 @@
           <a:p>
             <a:fld id="{EDD89B22-A068-4CBA-8252-CF19AF47419C}" type="datetimeFigureOut">
               <a:rPr lang="en-US" smtClean="0"/>
-              <a:t>6/5/2018</a:t>
+              <a:t>6/9/2018</a:t>
             </a:fld>
             <a:endParaRPr lang="en-US"/>
           </a:p>
@@ -1956,7 +5092,7 @@
           <a:p>
             <a:fld id="{EDD89B22-A068-4CBA-8252-CF19AF47419C}" type="datetimeFigureOut">
               <a:rPr lang="en-US" smtClean="0"/>
-              <a:t>6/5/2018</a:t>
+              <a:t>6/9/2018</a:t>
             </a:fld>
             <a:endParaRPr lang="en-US"/>
           </a:p>
@@ -2069,7 +5205,7 @@
           <a:p>
             <a:fld id="{EDD89B22-A068-4CBA-8252-CF19AF47419C}" type="datetimeFigureOut">
               <a:rPr lang="en-US" smtClean="0"/>
-              <a:t>6/5/2018</a:t>
+              <a:t>6/9/2018</a:t>
             </a:fld>
             <a:endParaRPr lang="en-US"/>
           </a:p>
@@ -2380,7 +5516,7 @@
           <a:p>
             <a:fld id="{EDD89B22-A068-4CBA-8252-CF19AF47419C}" type="datetimeFigureOut">
               <a:rPr lang="en-US" smtClean="0"/>
-              <a:t>6/5/2018</a:t>
+              <a:t>6/9/2018</a:t>
             </a:fld>
             <a:endParaRPr lang="en-US"/>
           </a:p>
@@ -2668,7 +5804,7 @@
           <a:p>
             <a:fld id="{EDD89B22-A068-4CBA-8252-CF19AF47419C}" type="datetimeFigureOut">
               <a:rPr lang="en-US" smtClean="0"/>
-              <a:t>6/5/2018</a:t>
+              <a:t>6/9/2018</a:t>
             </a:fld>
             <a:endParaRPr lang="en-US"/>
           </a:p>
@@ -2909,7 +6045,7 @@
           <a:p>
             <a:fld id="{EDD89B22-A068-4CBA-8252-CF19AF47419C}" type="datetimeFigureOut">
               <a:rPr lang="en-US" smtClean="0"/>
-              <a:t>6/5/2018</a:t>
+              <a:t>6/9/2018</a:t>
             </a:fld>
             <a:endParaRPr lang="en-US"/>
           </a:p>
@@ -3334,6 +6470,60 @@
           <a:chExt cx="0" cy="0"/>
         </a:xfrm>
       </p:grpSpPr>
+      <p:sp>
+        <p:nvSpPr>
+          <p:cNvPr id="6" name="Rectangle 5">
+            <a:extLst>
+              <a:ext uri="{FF2B5EF4-FFF2-40B4-BE49-F238E27FC236}">
+                <a16:creationId xmlns:a16="http://schemas.microsoft.com/office/drawing/2014/main" id="{74B4B9B7-AD1E-4F1B-8DB4-DA46CEAE0F61}"/>
+              </a:ext>
+            </a:extLst>
+          </p:cNvPr>
+          <p:cNvSpPr/>
+          <p:nvPr/>
+        </p:nvSpPr>
+        <p:spPr>
+          <a:xfrm>
+            <a:off x="0" y="4827639"/>
+            <a:ext cx="12192000" cy="2030361"/>
+          </a:xfrm>
+          <a:prstGeom prst="rect">
+            <a:avLst/>
+          </a:prstGeom>
+          <a:solidFill>
+            <a:srgbClr val="404040"/>
+          </a:solidFill>
+          <a:ln>
+            <a:solidFill>
+              <a:srgbClr val="404040"/>
+            </a:solidFill>
+          </a:ln>
+        </p:spPr>
+        <p:style>
+          <a:lnRef idx="2">
+            <a:schemeClr val="accent1">
+              <a:shade val="50000"/>
+            </a:schemeClr>
+          </a:lnRef>
+          <a:fillRef idx="1">
+            <a:schemeClr val="accent1"/>
+          </a:fillRef>
+          <a:effectRef idx="0">
+            <a:schemeClr val="accent1"/>
+          </a:effectRef>
+          <a:fontRef idx="minor">
+            <a:schemeClr val="lt1"/>
+          </a:fontRef>
+        </p:style>
+        <p:txBody>
+          <a:bodyPr rtlCol="0" anchor="ctr"/>
+          <a:lstStyle/>
+          <a:p>
+            <a:pPr algn="ctr"/>
+            <a:endParaRPr lang="en-US" dirty="0"/>
+          </a:p>
+        </p:txBody>
+      </p:sp>
       <p:pic>
         <p:nvPicPr>
           <p:cNvPr id="1026" name="Picture 2" descr="ChiPy">
@@ -3381,69 +6571,6 @@
           </a:extLst>
         </p:spPr>
       </p:pic>
-      <p:sp>
-        <p:nvSpPr>
-          <p:cNvPr id="71" name="Rectangle 70">
-            <a:extLst>
-              <a:ext uri="{FF2B5EF4-FFF2-40B4-BE49-F238E27FC236}">
-                <a16:creationId xmlns:a16="http://schemas.microsoft.com/office/drawing/2014/main" id="{72257994-BD97-4691-8B89-198A6D2BABDC}"/>
-              </a:ext>
-              <a:ext uri="{C183D7F6-B498-43B3-948B-1728B52AA6E4}">
-                <adec:decorative xmlns="" xmlns:adec="http://schemas.microsoft.com/office/drawing/2017/decorative" val="1"/>
-              </a:ext>
-            </a:extLst>
-          </p:cNvPr>
-          <p:cNvSpPr>
-            <a:spLocks noGrp="1" noRot="1" noChangeAspect="1" noMove="1" noResize="1" noEditPoints="1" noAdjustHandles="1" noChangeArrowheads="1" noChangeShapeType="1" noTextEdit="1"/>
-          </p:cNvSpPr>
-          <p:nvPr>
-            <p:extLst>
-              <p:ext uri="{386F3935-93C4-4BCD-93E2-E3B085C9AB24}">
-                <p16:designElem xmlns:p16="http://schemas.microsoft.com/office/powerpoint/2015/main" val="1"/>
-              </p:ext>
-            </p:extLst>
-          </p:nvPr>
-        </p:nvSpPr>
-        <p:spPr>
-          <a:xfrm>
-            <a:off x="0" y="4918509"/>
-            <a:ext cx="12192000" cy="1939491"/>
-          </a:xfrm>
-          <a:prstGeom prst="rect">
-            <a:avLst/>
-          </a:prstGeom>
-          <a:solidFill>
-            <a:srgbClr val="404040"/>
-          </a:solidFill>
-          <a:ln>
-            <a:noFill/>
-          </a:ln>
-        </p:spPr>
-        <p:style>
-          <a:lnRef idx="2">
-            <a:schemeClr val="accent1">
-              <a:shade val="50000"/>
-            </a:schemeClr>
-          </a:lnRef>
-          <a:fillRef idx="1">
-            <a:schemeClr val="accent1"/>
-          </a:fillRef>
-          <a:effectRef idx="0">
-            <a:schemeClr val="accent1"/>
-          </a:effectRef>
-          <a:fontRef idx="minor">
-            <a:schemeClr val="lt1"/>
-          </a:fontRef>
-        </p:style>
-        <p:txBody>
-          <a:bodyPr rtlCol="0" anchor="ctr"/>
-          <a:lstStyle/>
-          <a:p>
-            <a:pPr algn="ctr"/>
-            <a:endParaRPr lang="en-US"/>
-          </a:p>
-        </p:txBody>
-      </p:sp>
       <p:sp>
         <p:nvSpPr>
           <p:cNvPr id="2" name="Title 1">
@@ -3583,7 +6710,7 @@
         </p:nvSpPr>
         <p:spPr>
           <a:xfrm>
-            <a:off x="-1" y="0"/>
+            <a:off x="0" y="0"/>
             <a:ext cx="4175761" cy="6858000"/>
           </a:xfrm>
           <a:prstGeom prst="rect">
@@ -3689,8 +6816,8 @@
         </p:blipFill>
         <p:spPr>
           <a:xfrm>
-            <a:off x="4306624" y="1128785"/>
-            <a:ext cx="7824086" cy="4794494"/>
+            <a:off x="4437340" y="1264919"/>
+            <a:ext cx="7601929" cy="4658359"/>
           </a:xfrm>
           <a:prstGeom prst="rect">
             <a:avLst/>
@@ -3711,8 +6838,8 @@
         </p:nvSpPr>
         <p:spPr>
           <a:xfrm>
-            <a:off x="20319" y="3293481"/>
-            <a:ext cx="4044895" cy="1015663"/>
+            <a:off x="130866" y="3302988"/>
+            <a:ext cx="4175758" cy="1938992"/>
           </a:xfrm>
           <a:prstGeom prst="rect">
             <a:avLst/>
@@ -3725,9 +6852,10 @@
           </a:bodyPr>
           <a:lstStyle/>
           <a:p>
-            <a:pPr marL="173038" indent="-173038">
-              <a:buFont typeface="Arial" panose="020B0604020202020204" pitchFamily="34" charset="0"/>
-              <a:buChar char="•"/>
+            <a:pPr>
+              <a:lnSpc>
+                <a:spcPct val="150000"/>
+              </a:lnSpc>
             </a:pPr>
             <a:r>
               <a:rPr lang="en-US" sz="2000" dirty="0">
@@ -3735,13 +6863,29 @@
                   <a:schemeClr val="bg1"/>
                 </a:solidFill>
               </a:rPr>
-              <a:t>Enlist 1,500+ AmeriCorps Members</a:t>
+              <a:t>1,500+ AmeriCorps Members yearly</a:t>
             </a:r>
           </a:p>
           <a:p>
-            <a:pPr marL="173038" indent="-173038">
-              <a:buFont typeface="Arial" panose="020B0604020202020204" pitchFamily="34" charset="0"/>
-              <a:buChar char="•"/>
+            <a:pPr>
+              <a:lnSpc>
+                <a:spcPct val="150000"/>
+              </a:lnSpc>
+            </a:pPr>
+            <a:r>
+              <a:rPr lang="en-US" sz="2000" dirty="0">
+                <a:solidFill>
+                  <a:schemeClr val="bg1"/>
+                </a:solidFill>
+              </a:rPr>
+              <a:t>29 city locations</a:t>
+            </a:r>
+          </a:p>
+          <a:p>
+            <a:pPr>
+              <a:lnSpc>
+                <a:spcPct val="150000"/>
+              </a:lnSpc>
             </a:pPr>
             <a:r>
               <a:rPr lang="en-US" sz="2000" dirty="0">
@@ -3753,9 +6897,10 @@
             </a:r>
           </a:p>
           <a:p>
-            <a:pPr marL="173038" indent="-173038">
-              <a:buFont typeface="Arial" panose="020B0604020202020204" pitchFamily="34" charset="0"/>
-              <a:buChar char="•"/>
+            <a:pPr>
+              <a:lnSpc>
+                <a:spcPct val="150000"/>
+              </a:lnSpc>
             </a:pPr>
             <a:r>
               <a:rPr lang="en-US" sz="2000" dirty="0">
@@ -3763,7 +6908,7 @@
                   <a:schemeClr val="bg1"/>
                 </a:solidFill>
               </a:rPr>
-              <a:t>28 city locations</a:t>
+              <a:t>Grades 3-9</a:t>
             </a:r>
           </a:p>
         </p:txBody>
@@ -3772,6 +6917,2813 @@
     <p:extLst>
       <p:ext uri="{BB962C8B-B14F-4D97-AF65-F5344CB8AC3E}">
         <p14:creationId xmlns:p14="http://schemas.microsoft.com/office/powerpoint/2010/main" val="578141587"/>
+      </p:ext>
+    </p:extLst>
+  </p:cSld>
+  <p:clrMapOvr>
+    <a:masterClrMapping/>
+  </p:clrMapOvr>
+</p:sld>
+</file>
+
+<file path=ppt/slides/slide3.xml><?xml version="1.0" encoding="utf-8"?>
+<p:sld xmlns:a="http://schemas.openxmlformats.org/drawingml/2006/main" xmlns:r="http://schemas.openxmlformats.org/officeDocument/2006/relationships" xmlns:p="http://schemas.openxmlformats.org/presentationml/2006/main">
+  <p:cSld>
+    <p:spTree>
+      <p:nvGrpSpPr>
+        <p:cNvPr id="1" name=""/>
+        <p:cNvGrpSpPr/>
+        <p:nvPr/>
+      </p:nvGrpSpPr>
+      <p:grpSpPr>
+        <a:xfrm>
+          <a:off x="0" y="0"/>
+          <a:ext cx="0" cy="0"/>
+          <a:chOff x="0" y="0"/>
+          <a:chExt cx="0" cy="0"/>
+        </a:xfrm>
+      </p:grpSpPr>
+      <p:sp>
+        <p:nvSpPr>
+          <p:cNvPr id="5" name="Rectangle 4">
+            <a:extLst>
+              <a:ext uri="{FF2B5EF4-FFF2-40B4-BE49-F238E27FC236}">
+                <a16:creationId xmlns:a16="http://schemas.microsoft.com/office/drawing/2014/main" id="{321B3E3A-83CC-4829-903B-6A862DBF9C13}"/>
+              </a:ext>
+            </a:extLst>
+          </p:cNvPr>
+          <p:cNvSpPr/>
+          <p:nvPr/>
+        </p:nvSpPr>
+        <p:spPr>
+          <a:xfrm>
+            <a:off x="0" y="0"/>
+            <a:ext cx="4175761" cy="6858000"/>
+          </a:xfrm>
+          <a:prstGeom prst="rect">
+            <a:avLst/>
+          </a:prstGeom>
+          <a:solidFill>
+            <a:srgbClr val="404040"/>
+          </a:solidFill>
+        </p:spPr>
+        <p:style>
+          <a:lnRef idx="2">
+            <a:schemeClr val="accent1">
+              <a:shade val="50000"/>
+            </a:schemeClr>
+          </a:lnRef>
+          <a:fillRef idx="1">
+            <a:schemeClr val="accent1"/>
+          </a:fillRef>
+          <a:effectRef idx="0">
+            <a:schemeClr val="accent1"/>
+          </a:effectRef>
+          <a:fontRef idx="minor">
+            <a:schemeClr val="lt1"/>
+          </a:fontRef>
+        </p:style>
+        <p:txBody>
+          <a:bodyPr rtlCol="0" anchor="ctr"/>
+          <a:lstStyle/>
+          <a:p>
+            <a:pPr algn="ctr"/>
+            <a:endParaRPr lang="en-US" dirty="0"/>
+          </a:p>
+        </p:txBody>
+      </p:sp>
+      <p:pic>
+        <p:nvPicPr>
+          <p:cNvPr id="7" name="Picture 10" descr="https://www.python.org/static/community_logos/python-logo-master-v3-TM.png">
+            <a:extLst>
+              <a:ext uri="{FF2B5EF4-FFF2-40B4-BE49-F238E27FC236}">
+                <a16:creationId xmlns:a16="http://schemas.microsoft.com/office/drawing/2014/main" id="{DCEA7BFC-BAD0-4FAF-A9B1-5A411165CFD7}"/>
+              </a:ext>
+            </a:extLst>
+          </p:cNvPr>
+          <p:cNvPicPr>
+            <a:picLocks noChangeAspect="1" noChangeArrowheads="1"/>
+          </p:cNvPicPr>
+          <p:nvPr/>
+        </p:nvPicPr>
+        <p:blipFill rotWithShape="1">
+          <a:blip r:embed="rId2">
+            <a:extLst>
+              <a:ext uri="{28A0092B-C50C-407E-A947-70E740481C1C}">
+                <a14:useLocalDpi xmlns:a14="http://schemas.microsoft.com/office/drawing/2010/main" val="0"/>
+              </a:ext>
+            </a:extLst>
+          </a:blip>
+          <a:srcRect l="10953" t="12824" r="6706" b="9866"/>
+          <a:stretch/>
+        </p:blipFill>
+        <p:spPr bwMode="auto">
+          <a:xfrm>
+            <a:off x="4815344" y="363789"/>
+            <a:ext cx="3286436" cy="1042221"/>
+          </a:xfrm>
+          <a:prstGeom prst="rect">
+            <a:avLst/>
+          </a:prstGeom>
+          <a:noFill/>
+          <a:extLst>
+            <a:ext uri="{909E8E84-426E-40DD-AFC4-6F175D3DCCD1}">
+              <a14:hiddenFill xmlns:a14="http://schemas.microsoft.com/office/drawing/2010/main">
+                <a:solidFill>
+                  <a:srgbClr val="FFFFFF"/>
+                </a:solidFill>
+              </a14:hiddenFill>
+            </a:ext>
+          </a:extLst>
+        </p:spPr>
+      </p:pic>
+      <p:sp>
+        <p:nvSpPr>
+          <p:cNvPr id="9" name="Title 1">
+            <a:extLst>
+              <a:ext uri="{FF2B5EF4-FFF2-40B4-BE49-F238E27FC236}">
+                <a16:creationId xmlns:a16="http://schemas.microsoft.com/office/drawing/2014/main" id="{F43340BE-D77F-4EB8-85CB-1C0D2E2178FF}"/>
+              </a:ext>
+            </a:extLst>
+          </p:cNvPr>
+          <p:cNvSpPr>
+            <a:spLocks noGrp="1"/>
+          </p:cNvSpPr>
+          <p:nvPr>
+            <p:ph type="title"/>
+          </p:nvPr>
+        </p:nvSpPr>
+        <p:spPr>
+          <a:xfrm>
+            <a:off x="325447" y="727315"/>
+            <a:ext cx="3524865" cy="5403370"/>
+          </a:xfrm>
+        </p:spPr>
+        <p:txBody>
+          <a:bodyPr>
+            <a:normAutofit/>
+          </a:bodyPr>
+          <a:lstStyle/>
+          <a:p>
+            <a:pPr algn="ctr"/>
+            <a:r>
+              <a:rPr lang="en-US" dirty="0">
+                <a:solidFill>
+                  <a:srgbClr val="FFFFFF"/>
+                </a:solidFill>
+              </a:rPr>
+              <a:t>How I’ve Used</a:t>
+            </a:r>
+            <a:br>
+              <a:rPr lang="en-US" dirty="0">
+                <a:solidFill>
+                  <a:srgbClr val="FFFFFF"/>
+                </a:solidFill>
+              </a:rPr>
+            </a:br>
+            <a:r>
+              <a:rPr lang="en-US" dirty="0">
+                <a:solidFill>
+                  <a:srgbClr val="FFFFFF"/>
+                </a:solidFill>
+              </a:rPr>
+              <a:t>Python</a:t>
+            </a:r>
+          </a:p>
+        </p:txBody>
+      </p:sp>
+      <p:graphicFrame>
+        <p:nvGraphicFramePr>
+          <p:cNvPr id="8" name="Content Placeholder 2">
+            <a:extLst>
+              <a:ext uri="{FF2B5EF4-FFF2-40B4-BE49-F238E27FC236}">
+                <a16:creationId xmlns:a16="http://schemas.microsoft.com/office/drawing/2014/main" id="{D8D63603-368A-4333-AD84-53F1457DB024}"/>
+              </a:ext>
+            </a:extLst>
+          </p:cNvPr>
+          <p:cNvGraphicFramePr>
+            <a:graphicFrameLocks noGrp="1"/>
+          </p:cNvGraphicFramePr>
+          <p:nvPr>
+            <p:ph idx="1"/>
+            <p:extLst>
+              <p:ext uri="{D42A27DB-BD31-4B8C-83A1-F6EECF244321}">
+                <p14:modId xmlns:p14="http://schemas.microsoft.com/office/powerpoint/2010/main" val="200004914"/>
+              </p:ext>
+            </p:extLst>
+          </p:nvPr>
+        </p:nvGraphicFramePr>
+        <p:xfrm>
+          <a:off x="4953981" y="1666849"/>
+          <a:ext cx="6457284" cy="5164085"/>
+        </p:xfrm>
+        <a:graphic>
+          <a:graphicData uri="http://schemas.openxmlformats.org/drawingml/2006/diagram">
+            <dgm:relIds xmlns:dgm="http://schemas.openxmlformats.org/drawingml/2006/diagram" xmlns:r="http://schemas.openxmlformats.org/officeDocument/2006/relationships" r:dm="rId3" r:lo="rId4" r:qs="rId5" r:cs="rId6"/>
+          </a:graphicData>
+        </a:graphic>
+      </p:graphicFrame>
+    </p:spTree>
+    <p:extLst>
+      <p:ext uri="{BB962C8B-B14F-4D97-AF65-F5344CB8AC3E}">
+        <p14:creationId xmlns:p14="http://schemas.microsoft.com/office/powerpoint/2010/main" val="2036758994"/>
+      </p:ext>
+    </p:extLst>
+  </p:cSld>
+  <p:clrMapOvr>
+    <a:masterClrMapping/>
+  </p:clrMapOvr>
+</p:sld>
+</file>
+
+<file path=ppt/slides/slide4.xml><?xml version="1.0" encoding="utf-8"?>
+<p:sld xmlns:a="http://schemas.openxmlformats.org/drawingml/2006/main" xmlns:r="http://schemas.openxmlformats.org/officeDocument/2006/relationships" xmlns:p="http://schemas.openxmlformats.org/presentationml/2006/main">
+  <p:cSld>
+    <p:bg>
+      <p:bgPr>
+        <a:solidFill>
+          <a:schemeClr val="bg1"/>
+        </a:solidFill>
+        <a:effectLst/>
+      </p:bgPr>
+    </p:bg>
+    <p:spTree>
+      <p:nvGrpSpPr>
+        <p:cNvPr id="1" name=""/>
+        <p:cNvGrpSpPr/>
+        <p:nvPr/>
+      </p:nvGrpSpPr>
+      <p:grpSpPr>
+        <a:xfrm>
+          <a:off x="0" y="0"/>
+          <a:ext cx="0" cy="0"/>
+          <a:chOff x="0" y="0"/>
+          <a:chExt cx="0" cy="0"/>
+        </a:xfrm>
+      </p:grpSpPr>
+      <p:sp>
+        <p:nvSpPr>
+          <p:cNvPr id="29" name="Rectangle 28">
+            <a:extLst>
+              <a:ext uri="{FF2B5EF4-FFF2-40B4-BE49-F238E27FC236}">
+                <a16:creationId xmlns:a16="http://schemas.microsoft.com/office/drawing/2014/main" id="{3A6EED04-84B6-4C41-88FB-B2A903AA4914}"/>
+              </a:ext>
+            </a:extLst>
+          </p:cNvPr>
+          <p:cNvSpPr/>
+          <p:nvPr/>
+        </p:nvSpPr>
+        <p:spPr>
+          <a:xfrm>
+            <a:off x="0" y="0"/>
+            <a:ext cx="12192000" cy="1809135"/>
+          </a:xfrm>
+          <a:prstGeom prst="rect">
+            <a:avLst/>
+          </a:prstGeom>
+          <a:solidFill>
+            <a:srgbClr val="404040"/>
+          </a:solidFill>
+          <a:ln>
+            <a:solidFill>
+              <a:srgbClr val="404040"/>
+            </a:solidFill>
+          </a:ln>
+        </p:spPr>
+        <p:style>
+          <a:lnRef idx="2">
+            <a:schemeClr val="accent1">
+              <a:shade val="50000"/>
+            </a:schemeClr>
+          </a:lnRef>
+          <a:fillRef idx="1">
+            <a:schemeClr val="accent1"/>
+          </a:fillRef>
+          <a:effectRef idx="0">
+            <a:schemeClr val="accent1"/>
+          </a:effectRef>
+          <a:fontRef idx="minor">
+            <a:schemeClr val="lt1"/>
+          </a:fontRef>
+        </p:style>
+        <p:txBody>
+          <a:bodyPr rtlCol="0" anchor="ctr"/>
+          <a:lstStyle/>
+          <a:p>
+            <a:pPr algn="ctr"/>
+            <a:endParaRPr lang="en-US" dirty="0"/>
+          </a:p>
+        </p:txBody>
+      </p:sp>
+      <p:pic>
+        <p:nvPicPr>
+          <p:cNvPr id="1036" name="Picture 12" descr="File:Salesforce.svg">
+            <a:extLst>
+              <a:ext uri="{FF2B5EF4-FFF2-40B4-BE49-F238E27FC236}">
+                <a16:creationId xmlns:a16="http://schemas.microsoft.com/office/drawing/2014/main" id="{FC63F90B-40B7-4C90-8C40-6111AB66CA45}"/>
+              </a:ext>
+            </a:extLst>
+          </p:cNvPr>
+          <p:cNvPicPr>
+            <a:picLocks noChangeAspect="1" noChangeArrowheads="1"/>
+          </p:cNvPicPr>
+          <p:nvPr/>
+        </p:nvPicPr>
+        <p:blipFill>
+          <a:blip r:embed="rId2">
+            <a:extLst>
+              <a:ext uri="{28A0092B-C50C-407E-A947-70E740481C1C}">
+                <a14:useLocalDpi xmlns:a14="http://schemas.microsoft.com/office/drawing/2010/main" val="0"/>
+              </a:ext>
+            </a:extLst>
+          </a:blip>
+          <a:srcRect/>
+          <a:stretch>
+            <a:fillRect/>
+          </a:stretch>
+        </p:blipFill>
+        <p:spPr bwMode="auto">
+          <a:xfrm>
+            <a:off x="1630404" y="3006083"/>
+            <a:ext cx="2814151" cy="1969906"/>
+          </a:xfrm>
+          <a:prstGeom prst="rect">
+            <a:avLst/>
+          </a:prstGeom>
+          <a:noFill/>
+          <a:extLst>
+            <a:ext uri="{909E8E84-426E-40DD-AFC4-6F175D3DCCD1}">
+              <a14:hiddenFill xmlns:a14="http://schemas.microsoft.com/office/drawing/2010/main">
+                <a:solidFill>
+                  <a:srgbClr val="FFFFFF"/>
+                </a:solidFill>
+              </a14:hiddenFill>
+            </a:ext>
+          </a:extLst>
+        </p:spPr>
+      </p:pic>
+      <p:grpSp>
+        <p:nvGrpSpPr>
+          <p:cNvPr id="9" name="Group 8">
+            <a:extLst>
+              <a:ext uri="{FF2B5EF4-FFF2-40B4-BE49-F238E27FC236}">
+                <a16:creationId xmlns:a16="http://schemas.microsoft.com/office/drawing/2014/main" id="{ECE22578-868E-43A4-BE65-C46DFA94D6B8}"/>
+              </a:ext>
+            </a:extLst>
+          </p:cNvPr>
+          <p:cNvGrpSpPr/>
+          <p:nvPr/>
+        </p:nvGrpSpPr>
+        <p:grpSpPr>
+          <a:xfrm>
+            <a:off x="7297011" y="2453516"/>
+            <a:ext cx="3563611" cy="3345648"/>
+            <a:chOff x="6476519" y="2306962"/>
+            <a:chExt cx="3770574" cy="3470183"/>
+          </a:xfrm>
+        </p:grpSpPr>
+        <p:pic>
+          <p:nvPicPr>
+            <p:cNvPr id="1040" name="Picture 16" descr="Image result for sharepoint logo">
+              <a:extLst>
+                <a:ext uri="{FF2B5EF4-FFF2-40B4-BE49-F238E27FC236}">
+                  <a16:creationId xmlns:a16="http://schemas.microsoft.com/office/drawing/2014/main" id="{55DF44B0-6F62-46EC-95E3-83412BB513B5}"/>
+                </a:ext>
+              </a:extLst>
+            </p:cNvPr>
+            <p:cNvPicPr>
+              <a:picLocks noChangeAspect="1" noChangeArrowheads="1"/>
+            </p:cNvPicPr>
+            <p:nvPr/>
+          </p:nvPicPr>
+          <p:blipFill>
+            <a:blip r:embed="rId3">
+              <a:extLst>
+                <a:ext uri="{28A0092B-C50C-407E-A947-70E740481C1C}">
+                  <a14:useLocalDpi xmlns:a14="http://schemas.microsoft.com/office/drawing/2010/main" val="0"/>
+                </a:ext>
+              </a:extLst>
+            </a:blip>
+            <a:srcRect/>
+            <a:stretch>
+              <a:fillRect/>
+            </a:stretch>
+          </p:blipFill>
+          <p:spPr bwMode="auto">
+            <a:xfrm>
+              <a:off x="6938635" y="3318296"/>
+              <a:ext cx="3308458" cy="658383"/>
+            </a:xfrm>
+            <a:prstGeom prst="rect">
+              <a:avLst/>
+            </a:prstGeom>
+            <a:noFill/>
+            <a:extLst>
+              <a:ext uri="{909E8E84-426E-40DD-AFC4-6F175D3DCCD1}">
+                <a14:hiddenFill xmlns:a14="http://schemas.microsoft.com/office/drawing/2010/main">
+                  <a:solidFill>
+                    <a:srgbClr val="FFFFFF"/>
+                  </a:solidFill>
+                </a14:hiddenFill>
+              </a:ext>
+            </a:extLst>
+          </p:spPr>
+        </p:pic>
+        <p:pic>
+          <p:nvPicPr>
+            <p:cNvPr id="1042" name="Picture 18" descr="Image result for excel logo">
+              <a:extLst>
+                <a:ext uri="{FF2B5EF4-FFF2-40B4-BE49-F238E27FC236}">
+                  <a16:creationId xmlns:a16="http://schemas.microsoft.com/office/drawing/2014/main" id="{153D1226-E582-4B16-A4CF-631E17B5FB84}"/>
+                </a:ext>
+              </a:extLst>
+            </p:cNvPr>
+            <p:cNvPicPr>
+              <a:picLocks noChangeAspect="1" noChangeArrowheads="1"/>
+            </p:cNvPicPr>
+            <p:nvPr/>
+          </p:nvPicPr>
+          <p:blipFill>
+            <a:blip r:embed="rId4">
+              <a:extLst>
+                <a:ext uri="{28A0092B-C50C-407E-A947-70E740481C1C}">
+                  <a14:useLocalDpi xmlns:a14="http://schemas.microsoft.com/office/drawing/2010/main" val="0"/>
+                </a:ext>
+              </a:extLst>
+            </a:blip>
+            <a:srcRect/>
+            <a:stretch>
+              <a:fillRect/>
+            </a:stretch>
+          </p:blipFill>
+          <p:spPr bwMode="auto">
+            <a:xfrm>
+              <a:off x="6938634" y="4140277"/>
+              <a:ext cx="1886768" cy="683140"/>
+            </a:xfrm>
+            <a:prstGeom prst="rect">
+              <a:avLst/>
+            </a:prstGeom>
+            <a:noFill/>
+            <a:extLst>
+              <a:ext uri="{909E8E84-426E-40DD-AFC4-6F175D3DCCD1}">
+                <a14:hiddenFill xmlns:a14="http://schemas.microsoft.com/office/drawing/2010/main">
+                  <a:solidFill>
+                    <a:srgbClr val="FFFFFF"/>
+                  </a:solidFill>
+                </a14:hiddenFill>
+              </a:ext>
+            </a:extLst>
+          </p:spPr>
+        </p:pic>
+        <p:pic>
+          <p:nvPicPr>
+            <p:cNvPr id="1046" name="Picture 22" descr="Image result for power bi logo">
+              <a:extLst>
+                <a:ext uri="{FF2B5EF4-FFF2-40B4-BE49-F238E27FC236}">
+                  <a16:creationId xmlns:a16="http://schemas.microsoft.com/office/drawing/2014/main" id="{7A81418D-81CF-44B6-9512-04749489209F}"/>
+                </a:ext>
+              </a:extLst>
+            </p:cNvPr>
+            <p:cNvPicPr>
+              <a:picLocks noChangeAspect="1" noChangeArrowheads="1"/>
+            </p:cNvPicPr>
+            <p:nvPr/>
+          </p:nvPicPr>
+          <p:blipFill rotWithShape="1">
+            <a:blip r:embed="rId5">
+              <a:extLst>
+                <a:ext uri="{28A0092B-C50C-407E-A947-70E740481C1C}">
+                  <a14:useLocalDpi xmlns:a14="http://schemas.microsoft.com/office/drawing/2010/main" val="0"/>
+                </a:ext>
+              </a:extLst>
+            </a:blip>
+            <a:srcRect l="1905"/>
+            <a:stretch/>
+          </p:blipFill>
+          <p:spPr bwMode="auto">
+            <a:xfrm>
+              <a:off x="6938634" y="4987015"/>
+              <a:ext cx="2922213" cy="790130"/>
+            </a:xfrm>
+            <a:prstGeom prst="rect">
+              <a:avLst/>
+            </a:prstGeom>
+            <a:noFill/>
+            <a:extLst>
+              <a:ext uri="{909E8E84-426E-40DD-AFC4-6F175D3DCCD1}">
+                <a14:hiddenFill xmlns:a14="http://schemas.microsoft.com/office/drawing/2010/main">
+                  <a:solidFill>
+                    <a:srgbClr val="FFFFFF"/>
+                  </a:solidFill>
+                </a14:hiddenFill>
+              </a:ext>
+            </a:extLst>
+          </p:spPr>
+        </p:pic>
+        <p:pic>
+          <p:nvPicPr>
+            <p:cNvPr id="1048" name="Picture 24" descr="Image result for office 365 logo">
+              <a:extLst>
+                <a:ext uri="{FF2B5EF4-FFF2-40B4-BE49-F238E27FC236}">
+                  <a16:creationId xmlns:a16="http://schemas.microsoft.com/office/drawing/2014/main" id="{0437B1EB-C4A4-4FF1-99A5-DDCE19AE3FCF}"/>
+                </a:ext>
+              </a:extLst>
+            </p:cNvPr>
+            <p:cNvPicPr>
+              <a:picLocks noChangeAspect="1" noChangeArrowheads="1"/>
+            </p:cNvPicPr>
+            <p:nvPr/>
+          </p:nvPicPr>
+          <p:blipFill>
+            <a:blip r:embed="rId6">
+              <a:extLst>
+                <a:ext uri="{28A0092B-C50C-407E-A947-70E740481C1C}">
+                  <a14:useLocalDpi xmlns:a14="http://schemas.microsoft.com/office/drawing/2010/main" val="0"/>
+                </a:ext>
+              </a:extLst>
+            </a:blip>
+            <a:srcRect/>
+            <a:stretch>
+              <a:fillRect/>
+            </a:stretch>
+          </p:blipFill>
+          <p:spPr bwMode="auto">
+            <a:xfrm>
+              <a:off x="6476519" y="2306962"/>
+              <a:ext cx="2922212" cy="672718"/>
+            </a:xfrm>
+            <a:prstGeom prst="rect">
+              <a:avLst/>
+            </a:prstGeom>
+            <a:noFill/>
+            <a:extLst>
+              <a:ext uri="{909E8E84-426E-40DD-AFC4-6F175D3DCCD1}">
+                <a14:hiddenFill xmlns:a14="http://schemas.microsoft.com/office/drawing/2010/main">
+                  <a:solidFill>
+                    <a:srgbClr val="FFFFFF"/>
+                  </a:solidFill>
+                </a14:hiddenFill>
+              </a:ext>
+            </a:extLst>
+          </p:spPr>
+        </p:pic>
+      </p:grpSp>
+      <p:sp>
+        <p:nvSpPr>
+          <p:cNvPr id="8" name="TextBox 7">
+            <a:extLst>
+              <a:ext uri="{FF2B5EF4-FFF2-40B4-BE49-F238E27FC236}">
+                <a16:creationId xmlns:a16="http://schemas.microsoft.com/office/drawing/2014/main" id="{F3A98BF4-466C-43BA-A663-15CFFE076340}"/>
+              </a:ext>
+            </a:extLst>
+          </p:cNvPr>
+          <p:cNvSpPr txBox="1"/>
+          <p:nvPr/>
+        </p:nvSpPr>
+        <p:spPr>
+          <a:xfrm>
+            <a:off x="738168" y="519846"/>
+            <a:ext cx="7412774" cy="769441"/>
+          </a:xfrm>
+          <a:prstGeom prst="rect">
+            <a:avLst/>
+          </a:prstGeom>
+          <a:noFill/>
+        </p:spPr>
+        <p:txBody>
+          <a:bodyPr wrap="square" rtlCol="0">
+            <a:spAutoFit/>
+          </a:bodyPr>
+          <a:lstStyle/>
+          <a:p>
+            <a:r>
+              <a:rPr lang="en-US" sz="4400" dirty="0">
+                <a:solidFill>
+                  <a:schemeClr val="bg1"/>
+                </a:solidFill>
+                <a:latin typeface="+mj-lt"/>
+              </a:rPr>
+              <a:t>Software Ecosystem</a:t>
+            </a:r>
+          </a:p>
+        </p:txBody>
+      </p:sp>
+      <p:cxnSp>
+        <p:nvCxnSpPr>
+          <p:cNvPr id="34" name="Straight Connector 33">
+            <a:extLst>
+              <a:ext uri="{FF2B5EF4-FFF2-40B4-BE49-F238E27FC236}">
+                <a16:creationId xmlns:a16="http://schemas.microsoft.com/office/drawing/2014/main" id="{B86C66D9-DF8D-4133-B672-AEEC0720E3AC}"/>
+              </a:ext>
+            </a:extLst>
+          </p:cNvPr>
+          <p:cNvCxnSpPr>
+            <a:cxnSpLocks/>
+          </p:cNvCxnSpPr>
+          <p:nvPr/>
+        </p:nvCxnSpPr>
+        <p:spPr>
+          <a:xfrm>
+            <a:off x="6053721" y="2453516"/>
+            <a:ext cx="0" cy="3165987"/>
+          </a:xfrm>
+          <a:prstGeom prst="line">
+            <a:avLst/>
+          </a:prstGeom>
+          <a:ln w="38100">
+            <a:solidFill>
+              <a:srgbClr val="404040"/>
+            </a:solidFill>
+          </a:ln>
+        </p:spPr>
+        <p:style>
+          <a:lnRef idx="1">
+            <a:schemeClr val="dk1"/>
+          </a:lnRef>
+          <a:fillRef idx="0">
+            <a:schemeClr val="dk1"/>
+          </a:fillRef>
+          <a:effectRef idx="0">
+            <a:schemeClr val="dk1"/>
+          </a:effectRef>
+          <a:fontRef idx="minor">
+            <a:schemeClr val="tx1"/>
+          </a:fontRef>
+        </p:style>
+      </p:cxnSp>
+    </p:spTree>
+    <p:extLst>
+      <p:ext uri="{BB962C8B-B14F-4D97-AF65-F5344CB8AC3E}">
+        <p14:creationId xmlns:p14="http://schemas.microsoft.com/office/powerpoint/2010/main" val="1644225230"/>
+      </p:ext>
+    </p:extLst>
+  </p:cSld>
+  <p:clrMapOvr>
+    <a:masterClrMapping/>
+  </p:clrMapOvr>
+</p:sld>
+</file>
+
+<file path=ppt/slides/slide5.xml><?xml version="1.0" encoding="utf-8"?>
+<p:sld xmlns:a="http://schemas.openxmlformats.org/drawingml/2006/main" xmlns:r="http://schemas.openxmlformats.org/officeDocument/2006/relationships" xmlns:p="http://schemas.openxmlformats.org/presentationml/2006/main">
+  <p:cSld>
+    <p:spTree>
+      <p:nvGrpSpPr>
+        <p:cNvPr id="1" name=""/>
+        <p:cNvGrpSpPr/>
+        <p:nvPr/>
+      </p:nvGrpSpPr>
+      <p:grpSpPr>
+        <a:xfrm>
+          <a:off x="0" y="0"/>
+          <a:ext cx="0" cy="0"/>
+          <a:chOff x="0" y="0"/>
+          <a:chExt cx="0" cy="0"/>
+        </a:xfrm>
+      </p:grpSpPr>
+      <p:sp>
+        <p:nvSpPr>
+          <p:cNvPr id="29" name="Rectangle 28">
+            <a:extLst>
+              <a:ext uri="{FF2B5EF4-FFF2-40B4-BE49-F238E27FC236}">
+                <a16:creationId xmlns:a16="http://schemas.microsoft.com/office/drawing/2014/main" id="{3A6EED04-84B6-4C41-88FB-B2A903AA4914}"/>
+              </a:ext>
+            </a:extLst>
+          </p:cNvPr>
+          <p:cNvSpPr/>
+          <p:nvPr/>
+        </p:nvSpPr>
+        <p:spPr>
+          <a:xfrm>
+            <a:off x="0" y="0"/>
+            <a:ext cx="12192000" cy="1809135"/>
+          </a:xfrm>
+          <a:prstGeom prst="rect">
+            <a:avLst/>
+          </a:prstGeom>
+          <a:solidFill>
+            <a:srgbClr val="404040"/>
+          </a:solidFill>
+          <a:ln>
+            <a:solidFill>
+              <a:srgbClr val="404040"/>
+            </a:solidFill>
+          </a:ln>
+        </p:spPr>
+        <p:style>
+          <a:lnRef idx="2">
+            <a:schemeClr val="accent1">
+              <a:shade val="50000"/>
+            </a:schemeClr>
+          </a:lnRef>
+          <a:fillRef idx="1">
+            <a:schemeClr val="accent1"/>
+          </a:fillRef>
+          <a:effectRef idx="0">
+            <a:schemeClr val="accent1"/>
+          </a:effectRef>
+          <a:fontRef idx="minor">
+            <a:schemeClr val="lt1"/>
+          </a:fontRef>
+        </p:style>
+        <p:txBody>
+          <a:bodyPr rtlCol="0" anchor="ctr"/>
+          <a:lstStyle/>
+          <a:p>
+            <a:pPr algn="ctr"/>
+            <a:endParaRPr lang="en-US" dirty="0"/>
+          </a:p>
+        </p:txBody>
+      </p:sp>
+      <p:sp>
+        <p:nvSpPr>
+          <p:cNvPr id="8" name="TextBox 7">
+            <a:extLst>
+              <a:ext uri="{FF2B5EF4-FFF2-40B4-BE49-F238E27FC236}">
+                <a16:creationId xmlns:a16="http://schemas.microsoft.com/office/drawing/2014/main" id="{F3A98BF4-466C-43BA-A663-15CFFE076340}"/>
+              </a:ext>
+            </a:extLst>
+          </p:cNvPr>
+          <p:cNvSpPr txBox="1"/>
+          <p:nvPr/>
+        </p:nvSpPr>
+        <p:spPr>
+          <a:xfrm>
+            <a:off x="738168" y="519846"/>
+            <a:ext cx="7412774" cy="769441"/>
+          </a:xfrm>
+          <a:prstGeom prst="rect">
+            <a:avLst/>
+          </a:prstGeom>
+          <a:noFill/>
+        </p:spPr>
+        <p:txBody>
+          <a:bodyPr wrap="square" rtlCol="0">
+            <a:spAutoFit/>
+          </a:bodyPr>
+          <a:lstStyle/>
+          <a:p>
+            <a:r>
+              <a:rPr lang="en-US" sz="4400" dirty="0">
+                <a:solidFill>
+                  <a:schemeClr val="bg1"/>
+                </a:solidFill>
+                <a:latin typeface="+mj-lt"/>
+              </a:rPr>
+              <a:t>Data intake from the field</a:t>
+            </a:r>
+          </a:p>
+        </p:txBody>
+      </p:sp>
+      <p:cxnSp>
+        <p:nvCxnSpPr>
+          <p:cNvPr id="48" name="Straight Connector 47">
+            <a:extLst>
+              <a:ext uri="{FF2B5EF4-FFF2-40B4-BE49-F238E27FC236}">
+                <a16:creationId xmlns:a16="http://schemas.microsoft.com/office/drawing/2014/main" id="{5B8E034E-00DC-4DF3-93DA-A7132774ECDC}"/>
+              </a:ext>
+            </a:extLst>
+          </p:cNvPr>
+          <p:cNvCxnSpPr>
+            <a:cxnSpLocks/>
+          </p:cNvCxnSpPr>
+          <p:nvPr/>
+        </p:nvCxnSpPr>
+        <p:spPr>
+          <a:xfrm>
+            <a:off x="6053721" y="2453516"/>
+            <a:ext cx="0" cy="3165987"/>
+          </a:xfrm>
+          <a:prstGeom prst="line">
+            <a:avLst/>
+          </a:prstGeom>
+          <a:ln w="38100">
+            <a:solidFill>
+              <a:srgbClr val="404040"/>
+            </a:solidFill>
+          </a:ln>
+        </p:spPr>
+        <p:style>
+          <a:lnRef idx="1">
+            <a:schemeClr val="dk1"/>
+          </a:lnRef>
+          <a:fillRef idx="0">
+            <a:schemeClr val="dk1"/>
+          </a:fillRef>
+          <a:effectRef idx="0">
+            <a:schemeClr val="dk1"/>
+          </a:effectRef>
+          <a:fontRef idx="minor">
+            <a:schemeClr val="tx1"/>
+          </a:fontRef>
+        </p:style>
+      </p:cxnSp>
+      <p:grpSp>
+        <p:nvGrpSpPr>
+          <p:cNvPr id="23" name="Group 22">
+            <a:extLst>
+              <a:ext uri="{FF2B5EF4-FFF2-40B4-BE49-F238E27FC236}">
+                <a16:creationId xmlns:a16="http://schemas.microsoft.com/office/drawing/2014/main" id="{A42A41C0-BB24-4C90-9B82-559326305D74}"/>
+              </a:ext>
+            </a:extLst>
+          </p:cNvPr>
+          <p:cNvGrpSpPr/>
+          <p:nvPr/>
+        </p:nvGrpSpPr>
+        <p:grpSpPr>
+          <a:xfrm>
+            <a:off x="8652542" y="5279691"/>
+            <a:ext cx="899231" cy="874517"/>
+            <a:chOff x="10367749" y="3779321"/>
+            <a:chExt cx="1190579" cy="1169322"/>
+          </a:xfrm>
+        </p:grpSpPr>
+        <p:grpSp>
+          <p:nvGrpSpPr>
+            <p:cNvPr id="50" name="Group 49">
+              <a:extLst>
+                <a:ext uri="{FF2B5EF4-FFF2-40B4-BE49-F238E27FC236}">
+                  <a16:creationId xmlns:a16="http://schemas.microsoft.com/office/drawing/2014/main" id="{27D37B1A-50CC-42A3-AE2B-1FAC8B46D6B2}"/>
+                </a:ext>
+              </a:extLst>
+            </p:cNvPr>
+            <p:cNvGrpSpPr/>
+            <p:nvPr/>
+          </p:nvGrpSpPr>
+          <p:grpSpPr>
+            <a:xfrm>
+              <a:off x="10646042" y="4036509"/>
+              <a:ext cx="633994" cy="668702"/>
+              <a:chOff x="5553732" y="2647210"/>
+              <a:chExt cx="633994" cy="668702"/>
+            </a:xfrm>
+          </p:grpSpPr>
+          <p:pic>
+            <p:nvPicPr>
+              <p:cNvPr id="51" name="Picture 8" descr="Related image">
+                <a:extLst>
+                  <a:ext uri="{FF2B5EF4-FFF2-40B4-BE49-F238E27FC236}">
+                    <a16:creationId xmlns:a16="http://schemas.microsoft.com/office/drawing/2014/main" id="{8C140D2A-765B-47BD-8198-99D0B759086E}"/>
+                  </a:ext>
+                </a:extLst>
+              </p:cNvPr>
+              <p:cNvPicPr>
+                <a:picLocks noChangeAspect="1" noChangeArrowheads="1"/>
+              </p:cNvPicPr>
+              <p:nvPr/>
+            </p:nvPicPr>
+            <p:blipFill rotWithShape="1">
+              <a:blip r:embed="rId2">
+                <a:extLst>
+                  <a:ext uri="{28A0092B-C50C-407E-A947-70E740481C1C}">
+                    <a14:useLocalDpi xmlns:a14="http://schemas.microsoft.com/office/drawing/2010/main" val="0"/>
+                  </a:ext>
+                </a:extLst>
+              </a:blip>
+              <a:srcRect t="17147"/>
+              <a:stretch/>
+            </p:blipFill>
+            <p:spPr bwMode="auto">
+              <a:xfrm>
+                <a:off x="5589176" y="2647210"/>
+                <a:ext cx="572464" cy="423978"/>
+              </a:xfrm>
+              <a:prstGeom prst="rect">
+                <a:avLst/>
+              </a:prstGeom>
+              <a:noFill/>
+              <a:extLst>
+                <a:ext uri="{909E8E84-426E-40DD-AFC4-6F175D3DCCD1}">
+                  <a14:hiddenFill xmlns:a14="http://schemas.microsoft.com/office/drawing/2010/main">
+                    <a:solidFill>
+                      <a:srgbClr val="FFFFFF"/>
+                    </a:solidFill>
+                  </a14:hiddenFill>
+                </a:ext>
+              </a:extLst>
+            </p:spPr>
+          </p:pic>
+          <p:pic>
+            <p:nvPicPr>
+              <p:cNvPr id="52" name="Picture 6" descr="Related image">
+                <a:extLst>
+                  <a:ext uri="{FF2B5EF4-FFF2-40B4-BE49-F238E27FC236}">
+                    <a16:creationId xmlns:a16="http://schemas.microsoft.com/office/drawing/2014/main" id="{A223E64B-D83B-464B-A6A8-DDAF77DDBF0C}"/>
+                  </a:ext>
+                </a:extLst>
+              </p:cNvPr>
+              <p:cNvPicPr>
+                <a:picLocks noChangeAspect="1" noChangeArrowheads="1"/>
+              </p:cNvPicPr>
+              <p:nvPr/>
+            </p:nvPicPr>
+            <p:blipFill>
+              <a:blip r:embed="rId3">
+                <a:extLst>
+                  <a:ext uri="{BEBA8EAE-BF5A-486C-A8C5-ECC9F3942E4B}">
+                    <a14:imgProps xmlns:a14="http://schemas.microsoft.com/office/drawing/2010/main">
+                      <a14:imgLayer r:embed="rId4">
+                        <a14:imgEffect>
+                          <a14:backgroundRemoval t="9961" b="95508" l="586" r="95703">
+                            <a14:foregroundMark x1="6836" y1="66211" x2="5469" y2="30859"/>
+                            <a14:foregroundMark x1="5469" y1="30859" x2="8984" y2="70117"/>
+                            <a14:foregroundMark x1="8984" y1="70117" x2="14258" y2="61719"/>
+                            <a14:foregroundMark x1="33984" y1="90820" x2="7031" y2="60742"/>
+                            <a14:foregroundMark x1="7031" y1="60742" x2="8594" y2="81445"/>
+                            <a14:foregroundMark x1="13477" y1="25586" x2="195" y2="67188"/>
+                            <a14:foregroundMark x1="195" y1="67188" x2="24609" y2="95703"/>
+                            <a14:foregroundMark x1="24609" y1="95703" x2="57813" y2="70898"/>
+                            <a14:foregroundMark x1="57813" y1="70898" x2="89453" y2="23633"/>
+                            <a14:foregroundMark x1="89453" y1="23633" x2="75977" y2="21875"/>
+                            <a14:foregroundMark x1="9961" y1="25977" x2="586" y2="50000"/>
+                            <a14:foregroundMark x1="1367" y1="49609" x2="8789" y2="85547"/>
+                            <a14:foregroundMark x1="8789" y1="85547" x2="45313" y2="94727"/>
+                            <a14:foregroundMark x1="45313" y1="94727" x2="81641" y2="91406"/>
+                            <a14:foregroundMark x1="81641" y1="91406" x2="95703" y2="58789"/>
+                            <a14:foregroundMark x1="95703" y1="58789" x2="57422" y2="36719"/>
+                            <a14:foregroundMark x1="57422" y1="36719" x2="10742" y2="36133"/>
+                            <a14:foregroundMark x1="10742" y1="36133" x2="1367" y2="50000"/>
+                          </a14:backgroundRemoval>
+                        </a14:imgEffect>
+                      </a14:imgLayer>
+                    </a14:imgProps>
+                  </a:ext>
+                  <a:ext uri="{28A0092B-C50C-407E-A947-70E740481C1C}">
+                    <a14:useLocalDpi xmlns:a14="http://schemas.microsoft.com/office/drawing/2010/main" val="0"/>
+                  </a:ext>
+                </a:extLst>
+              </a:blip>
+              <a:srcRect/>
+              <a:stretch>
+                <a:fillRect/>
+              </a:stretch>
+            </p:blipFill>
+            <p:spPr bwMode="auto">
+              <a:xfrm>
+                <a:off x="5553732" y="2749182"/>
+                <a:ext cx="633994" cy="566730"/>
+              </a:xfrm>
+              <a:prstGeom prst="rect">
+                <a:avLst/>
+              </a:prstGeom>
+              <a:noFill/>
+              <a:extLst>
+                <a:ext uri="{909E8E84-426E-40DD-AFC4-6F175D3DCCD1}">
+                  <a14:hiddenFill xmlns:a14="http://schemas.microsoft.com/office/drawing/2010/main">
+                    <a:solidFill>
+                      <a:srgbClr val="FFFFFF"/>
+                    </a:solidFill>
+                  </a14:hiddenFill>
+                </a:ext>
+              </a:extLst>
+            </p:spPr>
+          </p:pic>
+        </p:grpSp>
+        <p:sp>
+          <p:nvSpPr>
+            <p:cNvPr id="20" name="&quot;Not Allowed&quot; Symbol 19">
+              <a:extLst>
+                <a:ext uri="{FF2B5EF4-FFF2-40B4-BE49-F238E27FC236}">
+                  <a16:creationId xmlns:a16="http://schemas.microsoft.com/office/drawing/2014/main" id="{21F37D2B-2B8B-473D-BA40-8DF1FC1E3C2E}"/>
+                </a:ext>
+              </a:extLst>
+            </p:cNvPr>
+            <p:cNvSpPr/>
+            <p:nvPr/>
+          </p:nvSpPr>
+          <p:spPr>
+            <a:xfrm>
+              <a:off x="10367749" y="3779321"/>
+              <a:ext cx="1190579" cy="1169322"/>
+            </a:xfrm>
+            <a:prstGeom prst="noSmoking">
+              <a:avLst/>
+            </a:prstGeom>
+            <a:solidFill>
+              <a:srgbClr val="C00000">
+                <a:alpha val="48000"/>
+              </a:srgbClr>
+            </a:solidFill>
+            <a:ln>
+              <a:noFill/>
+            </a:ln>
+          </p:spPr>
+          <p:style>
+            <a:lnRef idx="2">
+              <a:schemeClr val="accent1">
+                <a:shade val="50000"/>
+              </a:schemeClr>
+            </a:lnRef>
+            <a:fillRef idx="1">
+              <a:schemeClr val="accent1"/>
+            </a:fillRef>
+            <a:effectRef idx="0">
+              <a:schemeClr val="accent1"/>
+            </a:effectRef>
+            <a:fontRef idx="minor">
+              <a:schemeClr val="lt1"/>
+            </a:fontRef>
+          </p:style>
+          <p:txBody>
+            <a:bodyPr rtlCol="0" anchor="ctr"/>
+            <a:lstStyle/>
+            <a:p>
+              <a:pPr algn="ctr"/>
+              <a:endParaRPr lang="en-US" dirty="0">
+                <a:solidFill>
+                  <a:schemeClr val="tx1"/>
+                </a:solidFill>
+              </a:endParaRPr>
+            </a:p>
+          </p:txBody>
+        </p:sp>
+      </p:grpSp>
+      <p:sp>
+        <p:nvSpPr>
+          <p:cNvPr id="2" name="TextBox 1">
+            <a:extLst>
+              <a:ext uri="{FF2B5EF4-FFF2-40B4-BE49-F238E27FC236}">
+                <a16:creationId xmlns:a16="http://schemas.microsoft.com/office/drawing/2014/main" id="{58BFCE76-57C2-4380-B13D-1CAA6E20C7A1}"/>
+              </a:ext>
+            </a:extLst>
+          </p:cNvPr>
+          <p:cNvSpPr txBox="1"/>
+          <p:nvPr/>
+        </p:nvSpPr>
+        <p:spPr>
+          <a:xfrm>
+            <a:off x="3286765" y="3663710"/>
+            <a:ext cx="3670226" cy="1384995"/>
+          </a:xfrm>
+          <a:prstGeom prst="rect">
+            <a:avLst/>
+          </a:prstGeom>
+          <a:noFill/>
+        </p:spPr>
+        <p:txBody>
+          <a:bodyPr wrap="square" rtlCol="0">
+            <a:spAutoFit/>
+          </a:bodyPr>
+          <a:lstStyle/>
+          <a:p>
+            <a:r>
+              <a:rPr lang="en-US" sz="2800" b="1" dirty="0">
+                <a:solidFill>
+                  <a:srgbClr val="404040"/>
+                </a:solidFill>
+              </a:rPr>
+              <a:t>x 26 schools</a:t>
+            </a:r>
+          </a:p>
+          <a:p>
+            <a:r>
+              <a:rPr lang="en-US" sz="2800" b="1" dirty="0">
+                <a:solidFill>
+                  <a:srgbClr val="404040"/>
+                </a:solidFill>
+              </a:rPr>
+              <a:t>x 250 staff</a:t>
+            </a:r>
+          </a:p>
+          <a:p>
+            <a:r>
+              <a:rPr lang="en-US" sz="2800" b="1" dirty="0">
+                <a:solidFill>
+                  <a:srgbClr val="404040"/>
+                </a:solidFill>
+              </a:rPr>
+              <a:t>x 2,000 students</a:t>
+            </a:r>
+          </a:p>
+        </p:txBody>
+      </p:sp>
+      <p:sp>
+        <p:nvSpPr>
+          <p:cNvPr id="5" name="Right Brace 4">
+            <a:extLst>
+              <a:ext uri="{FF2B5EF4-FFF2-40B4-BE49-F238E27FC236}">
+                <a16:creationId xmlns:a16="http://schemas.microsoft.com/office/drawing/2014/main" id="{9A3C84A4-A1F3-4F26-A243-98FDBFC028FA}"/>
+              </a:ext>
+            </a:extLst>
+          </p:cNvPr>
+          <p:cNvSpPr/>
+          <p:nvPr/>
+        </p:nvSpPr>
+        <p:spPr>
+          <a:xfrm>
+            <a:off x="2688921" y="2453516"/>
+            <a:ext cx="557770" cy="3880843"/>
+          </a:xfrm>
+          <a:custGeom>
+            <a:avLst/>
+            <a:gdLst>
+              <a:gd name="connsiteX0" fmla="*/ 0 w 557769"/>
+              <a:gd name="connsiteY0" fmla="*/ 0 h 3880843"/>
+              <a:gd name="connsiteX1" fmla="*/ 278885 w 557769"/>
+              <a:gd name="connsiteY1" fmla="*/ 46479 h 3880843"/>
+              <a:gd name="connsiteX2" fmla="*/ 278885 w 557769"/>
+              <a:gd name="connsiteY2" fmla="*/ 1893943 h 3880843"/>
+              <a:gd name="connsiteX3" fmla="*/ 557770 w 557769"/>
+              <a:gd name="connsiteY3" fmla="*/ 1940422 h 3880843"/>
+              <a:gd name="connsiteX4" fmla="*/ 278885 w 557769"/>
+              <a:gd name="connsiteY4" fmla="*/ 1986901 h 3880843"/>
+              <a:gd name="connsiteX5" fmla="*/ 278885 w 557769"/>
+              <a:gd name="connsiteY5" fmla="*/ 3834364 h 3880843"/>
+              <a:gd name="connsiteX6" fmla="*/ 0 w 557769"/>
+              <a:gd name="connsiteY6" fmla="*/ 3880843 h 3880843"/>
+              <a:gd name="connsiteX7" fmla="*/ 0 w 557769"/>
+              <a:gd name="connsiteY7" fmla="*/ 0 h 3880843"/>
+              <a:gd name="connsiteX0" fmla="*/ 0 w 557769"/>
+              <a:gd name="connsiteY0" fmla="*/ 0 h 3880843"/>
+              <a:gd name="connsiteX1" fmla="*/ 278885 w 557769"/>
+              <a:gd name="connsiteY1" fmla="*/ 46479 h 3880843"/>
+              <a:gd name="connsiteX2" fmla="*/ 278885 w 557769"/>
+              <a:gd name="connsiteY2" fmla="*/ 1893943 h 3880843"/>
+              <a:gd name="connsiteX3" fmla="*/ 557770 w 557769"/>
+              <a:gd name="connsiteY3" fmla="*/ 1940422 h 3880843"/>
+              <a:gd name="connsiteX4" fmla="*/ 278885 w 557769"/>
+              <a:gd name="connsiteY4" fmla="*/ 1986901 h 3880843"/>
+              <a:gd name="connsiteX5" fmla="*/ 278885 w 557769"/>
+              <a:gd name="connsiteY5" fmla="*/ 3834364 h 3880843"/>
+              <a:gd name="connsiteX6" fmla="*/ 0 w 557769"/>
+              <a:gd name="connsiteY6" fmla="*/ 3880843 h 3880843"/>
+              <a:gd name="connsiteX0" fmla="*/ 0 w 557770"/>
+              <a:gd name="connsiteY0" fmla="*/ 0 h 3880843"/>
+              <a:gd name="connsiteX1" fmla="*/ 278885 w 557770"/>
+              <a:gd name="connsiteY1" fmla="*/ 46479 h 3880843"/>
+              <a:gd name="connsiteX2" fmla="*/ 278885 w 557770"/>
+              <a:gd name="connsiteY2" fmla="*/ 1893943 h 3880843"/>
+              <a:gd name="connsiteX3" fmla="*/ 557770 w 557770"/>
+              <a:gd name="connsiteY3" fmla="*/ 1940422 h 3880843"/>
+              <a:gd name="connsiteX4" fmla="*/ 278885 w 557770"/>
+              <a:gd name="connsiteY4" fmla="*/ 1986901 h 3880843"/>
+              <a:gd name="connsiteX5" fmla="*/ 278885 w 557770"/>
+              <a:gd name="connsiteY5" fmla="*/ 3834364 h 3880843"/>
+              <a:gd name="connsiteX6" fmla="*/ 0 w 557770"/>
+              <a:gd name="connsiteY6" fmla="*/ 3880843 h 3880843"/>
+              <a:gd name="connsiteX7" fmla="*/ 0 w 557770"/>
+              <a:gd name="connsiteY7" fmla="*/ 0 h 3880843"/>
+              <a:gd name="connsiteX0" fmla="*/ 0 w 557770"/>
+              <a:gd name="connsiteY0" fmla="*/ 0 h 3880843"/>
+              <a:gd name="connsiteX1" fmla="*/ 278885 w 557770"/>
+              <a:gd name="connsiteY1" fmla="*/ 46479 h 3880843"/>
+              <a:gd name="connsiteX2" fmla="*/ 278885 w 557770"/>
+              <a:gd name="connsiteY2" fmla="*/ 1893943 h 3880843"/>
+              <a:gd name="connsiteX3" fmla="*/ 425690 w 557770"/>
+              <a:gd name="connsiteY3" fmla="*/ 1940422 h 3880843"/>
+              <a:gd name="connsiteX4" fmla="*/ 278885 w 557770"/>
+              <a:gd name="connsiteY4" fmla="*/ 1986901 h 3880843"/>
+              <a:gd name="connsiteX5" fmla="*/ 278885 w 557770"/>
+              <a:gd name="connsiteY5" fmla="*/ 3834364 h 3880843"/>
+              <a:gd name="connsiteX6" fmla="*/ 0 w 557770"/>
+              <a:gd name="connsiteY6" fmla="*/ 3880843 h 3880843"/>
+            </a:gdLst>
+            <a:ahLst/>
+            <a:cxnLst>
+              <a:cxn ang="0">
+                <a:pos x="connsiteX0" y="connsiteY0"/>
+              </a:cxn>
+              <a:cxn ang="0">
+                <a:pos x="connsiteX1" y="connsiteY1"/>
+              </a:cxn>
+              <a:cxn ang="0">
+                <a:pos x="connsiteX2" y="connsiteY2"/>
+              </a:cxn>
+              <a:cxn ang="0">
+                <a:pos x="connsiteX3" y="connsiteY3"/>
+              </a:cxn>
+              <a:cxn ang="0">
+                <a:pos x="connsiteX4" y="connsiteY4"/>
+              </a:cxn>
+              <a:cxn ang="0">
+                <a:pos x="connsiteX5" y="connsiteY5"/>
+              </a:cxn>
+              <a:cxn ang="0">
+                <a:pos x="connsiteX6" y="connsiteY6"/>
+              </a:cxn>
+            </a:cxnLst>
+            <a:rect l="l" t="t" r="r" b="b"/>
+            <a:pathLst>
+              <a:path w="557770" h="3880843" stroke="0" extrusionOk="0">
+                <a:moveTo>
+                  <a:pt x="0" y="0"/>
+                </a:moveTo>
+                <a:cubicBezTo>
+                  <a:pt x="154024" y="0"/>
+                  <a:pt x="278885" y="20809"/>
+                  <a:pt x="278885" y="46479"/>
+                </a:cubicBezTo>
+                <a:lnTo>
+                  <a:pt x="278885" y="1893943"/>
+                </a:lnTo>
+                <a:cubicBezTo>
+                  <a:pt x="278885" y="1919613"/>
+                  <a:pt x="403746" y="1940422"/>
+                  <a:pt x="557770" y="1940422"/>
+                </a:cubicBezTo>
+                <a:cubicBezTo>
+                  <a:pt x="403746" y="1940422"/>
+                  <a:pt x="278885" y="1961231"/>
+                  <a:pt x="278885" y="1986901"/>
+                </a:cubicBezTo>
+                <a:lnTo>
+                  <a:pt x="278885" y="3834364"/>
+                </a:lnTo>
+                <a:cubicBezTo>
+                  <a:pt x="278885" y="3860034"/>
+                  <a:pt x="154024" y="3880843"/>
+                  <a:pt x="0" y="3880843"/>
+                </a:cubicBezTo>
+                <a:lnTo>
+                  <a:pt x="0" y="0"/>
+                </a:lnTo>
+                <a:close/>
+              </a:path>
+              <a:path w="557770" h="3880843" fill="none">
+                <a:moveTo>
+                  <a:pt x="0" y="0"/>
+                </a:moveTo>
+                <a:cubicBezTo>
+                  <a:pt x="154024" y="0"/>
+                  <a:pt x="278885" y="20809"/>
+                  <a:pt x="278885" y="46479"/>
+                </a:cubicBezTo>
+                <a:lnTo>
+                  <a:pt x="278885" y="1893943"/>
+                </a:lnTo>
+                <a:cubicBezTo>
+                  <a:pt x="278885" y="1919613"/>
+                  <a:pt x="271666" y="1940422"/>
+                  <a:pt x="425690" y="1940422"/>
+                </a:cubicBezTo>
+                <a:cubicBezTo>
+                  <a:pt x="271666" y="1940422"/>
+                  <a:pt x="278885" y="1961231"/>
+                  <a:pt x="278885" y="1986901"/>
+                </a:cubicBezTo>
+                <a:lnTo>
+                  <a:pt x="278885" y="3834364"/>
+                </a:lnTo>
+                <a:cubicBezTo>
+                  <a:pt x="278885" y="3860034"/>
+                  <a:pt x="154024" y="3880843"/>
+                  <a:pt x="0" y="3880843"/>
+                </a:cubicBezTo>
+              </a:path>
+            </a:pathLst>
+          </a:custGeom>
+          <a:ln w="38100">
+            <a:solidFill>
+              <a:srgbClr val="404040"/>
+            </a:solidFill>
+          </a:ln>
+        </p:spPr>
+        <p:style>
+          <a:lnRef idx="1">
+            <a:schemeClr val="dk1"/>
+          </a:lnRef>
+          <a:fillRef idx="0">
+            <a:schemeClr val="dk1"/>
+          </a:fillRef>
+          <a:effectRef idx="0">
+            <a:schemeClr val="dk1"/>
+          </a:effectRef>
+          <a:fontRef idx="minor">
+            <a:schemeClr val="tx1"/>
+          </a:fontRef>
+        </p:style>
+        <p:txBody>
+          <a:bodyPr rtlCol="0" anchor="ctr"/>
+          <a:lstStyle/>
+          <a:p>
+            <a:pPr algn="ctr"/>
+            <a:endParaRPr lang="en-US" dirty="0"/>
+          </a:p>
+        </p:txBody>
+      </p:sp>
+      <p:grpSp>
+        <p:nvGrpSpPr>
+          <p:cNvPr id="6" name="Group 5">
+            <a:extLst>
+              <a:ext uri="{FF2B5EF4-FFF2-40B4-BE49-F238E27FC236}">
+                <a16:creationId xmlns:a16="http://schemas.microsoft.com/office/drawing/2014/main" id="{18E64A18-97F3-4F91-B61A-5B78C7FCC1D6}"/>
+              </a:ext>
+            </a:extLst>
+          </p:cNvPr>
+          <p:cNvGrpSpPr/>
+          <p:nvPr/>
+        </p:nvGrpSpPr>
+        <p:grpSpPr>
+          <a:xfrm>
+            <a:off x="249748" y="2523952"/>
+            <a:ext cx="2531179" cy="3733622"/>
+            <a:chOff x="117668" y="2523952"/>
+            <a:chExt cx="2531179" cy="3733622"/>
+          </a:xfrm>
+        </p:grpSpPr>
+        <p:pic>
+          <p:nvPicPr>
+            <p:cNvPr id="28" name="Picture 18" descr="Image result for excel logo">
+              <a:extLst>
+                <a:ext uri="{FF2B5EF4-FFF2-40B4-BE49-F238E27FC236}">
+                  <a16:creationId xmlns:a16="http://schemas.microsoft.com/office/drawing/2014/main" id="{9A693169-18C8-4B79-BDBD-60D852B6444E}"/>
+                </a:ext>
+              </a:extLst>
+            </p:cNvPr>
+            <p:cNvPicPr>
+              <a:picLocks noChangeAspect="1" noChangeArrowheads="1"/>
+            </p:cNvPicPr>
+            <p:nvPr/>
+          </p:nvPicPr>
+          <p:blipFill>
+            <a:blip r:embed="rId5">
+              <a:extLst>
+                <a:ext uri="{28A0092B-C50C-407E-A947-70E740481C1C}">
+                  <a14:useLocalDpi xmlns:a14="http://schemas.microsoft.com/office/drawing/2010/main" val="0"/>
+                </a:ext>
+              </a:extLst>
+            </a:blip>
+            <a:srcRect/>
+            <a:stretch>
+              <a:fillRect/>
+            </a:stretch>
+          </p:blipFill>
+          <p:spPr bwMode="auto">
+            <a:xfrm>
+              <a:off x="1340129" y="2643737"/>
+              <a:ext cx="1308718" cy="473846"/>
+            </a:xfrm>
+            <a:prstGeom prst="rect">
+              <a:avLst/>
+            </a:prstGeom>
+            <a:noFill/>
+            <a:extLst>
+              <a:ext uri="{909E8E84-426E-40DD-AFC4-6F175D3DCCD1}">
+                <a14:hiddenFill xmlns:a14="http://schemas.microsoft.com/office/drawing/2010/main">
+                  <a:solidFill>
+                    <a:srgbClr val="FFFFFF"/>
+                  </a:solidFill>
+                </a14:hiddenFill>
+              </a:ext>
+            </a:extLst>
+          </p:spPr>
+        </p:pic>
+        <p:grpSp>
+          <p:nvGrpSpPr>
+            <p:cNvPr id="44" name="Group 43">
+              <a:extLst>
+                <a:ext uri="{FF2B5EF4-FFF2-40B4-BE49-F238E27FC236}">
+                  <a16:creationId xmlns:a16="http://schemas.microsoft.com/office/drawing/2014/main" id="{526C9EAE-6534-411E-834A-BC31A3A72D0A}"/>
+                </a:ext>
+              </a:extLst>
+            </p:cNvPr>
+            <p:cNvGrpSpPr/>
+            <p:nvPr/>
+          </p:nvGrpSpPr>
+          <p:grpSpPr>
+            <a:xfrm>
+              <a:off x="117668" y="2523952"/>
+              <a:ext cx="633994" cy="668702"/>
+              <a:chOff x="6063534" y="2005236"/>
+              <a:chExt cx="633994" cy="668702"/>
+            </a:xfrm>
+          </p:grpSpPr>
+          <p:pic>
+            <p:nvPicPr>
+              <p:cNvPr id="45" name="Picture 8" descr="Related image">
+                <a:extLst>
+                  <a:ext uri="{FF2B5EF4-FFF2-40B4-BE49-F238E27FC236}">
+                    <a16:creationId xmlns:a16="http://schemas.microsoft.com/office/drawing/2014/main" id="{79E7DDAA-7F10-4C71-BB09-3EB60E5EE997}"/>
+                  </a:ext>
+                </a:extLst>
+              </p:cNvPr>
+              <p:cNvPicPr>
+                <a:picLocks noChangeAspect="1" noChangeArrowheads="1"/>
+              </p:cNvPicPr>
+              <p:nvPr/>
+            </p:nvPicPr>
+            <p:blipFill rotWithShape="1">
+              <a:blip r:embed="rId2">
+                <a:extLst>
+                  <a:ext uri="{28A0092B-C50C-407E-A947-70E740481C1C}">
+                    <a14:useLocalDpi xmlns:a14="http://schemas.microsoft.com/office/drawing/2010/main" val="0"/>
+                  </a:ext>
+                </a:extLst>
+              </a:blip>
+              <a:srcRect t="17147"/>
+              <a:stretch/>
+            </p:blipFill>
+            <p:spPr bwMode="auto">
+              <a:xfrm>
+                <a:off x="6098978" y="2005236"/>
+                <a:ext cx="572464" cy="423978"/>
+              </a:xfrm>
+              <a:prstGeom prst="rect">
+                <a:avLst/>
+              </a:prstGeom>
+              <a:noFill/>
+              <a:extLst>
+                <a:ext uri="{909E8E84-426E-40DD-AFC4-6F175D3DCCD1}">
+                  <a14:hiddenFill xmlns:a14="http://schemas.microsoft.com/office/drawing/2010/main">
+                    <a:solidFill>
+                      <a:srgbClr val="FFFFFF"/>
+                    </a:solidFill>
+                  </a14:hiddenFill>
+                </a:ext>
+              </a:extLst>
+            </p:spPr>
+          </p:pic>
+          <p:pic>
+            <p:nvPicPr>
+              <p:cNvPr id="46" name="Picture 6" descr="Related image">
+                <a:extLst>
+                  <a:ext uri="{FF2B5EF4-FFF2-40B4-BE49-F238E27FC236}">
+                    <a16:creationId xmlns:a16="http://schemas.microsoft.com/office/drawing/2014/main" id="{7523B49D-2F42-4D45-9F40-20CB6FCD6639}"/>
+                  </a:ext>
+                </a:extLst>
+              </p:cNvPr>
+              <p:cNvPicPr>
+                <a:picLocks noChangeAspect="1" noChangeArrowheads="1"/>
+              </p:cNvPicPr>
+              <p:nvPr/>
+            </p:nvPicPr>
+            <p:blipFill>
+              <a:blip r:embed="rId3">
+                <a:extLst>
+                  <a:ext uri="{BEBA8EAE-BF5A-486C-A8C5-ECC9F3942E4B}">
+                    <a14:imgProps xmlns:a14="http://schemas.microsoft.com/office/drawing/2010/main">
+                      <a14:imgLayer r:embed="rId4">
+                        <a14:imgEffect>
+                          <a14:backgroundRemoval t="9961" b="95508" l="586" r="95703">
+                            <a14:foregroundMark x1="6836" y1="66211" x2="5469" y2="30859"/>
+                            <a14:foregroundMark x1="5469" y1="30859" x2="8984" y2="70117"/>
+                            <a14:foregroundMark x1="8984" y1="70117" x2="14258" y2="61719"/>
+                            <a14:foregroundMark x1="33984" y1="90820" x2="7031" y2="60742"/>
+                            <a14:foregroundMark x1="7031" y1="60742" x2="8594" y2="81445"/>
+                            <a14:foregroundMark x1="13477" y1="25586" x2="195" y2="67188"/>
+                            <a14:foregroundMark x1="195" y1="67188" x2="24609" y2="95703"/>
+                            <a14:foregroundMark x1="24609" y1="95703" x2="57813" y2="70898"/>
+                            <a14:foregroundMark x1="57813" y1="70898" x2="89453" y2="23633"/>
+                            <a14:foregroundMark x1="89453" y1="23633" x2="75977" y2="21875"/>
+                            <a14:foregroundMark x1="9961" y1="25977" x2="586" y2="50000"/>
+                            <a14:foregroundMark x1="1367" y1="49609" x2="8789" y2="85547"/>
+                            <a14:foregroundMark x1="8789" y1="85547" x2="45313" y2="94727"/>
+                            <a14:foregroundMark x1="45313" y1="94727" x2="81641" y2="91406"/>
+                            <a14:foregroundMark x1="81641" y1="91406" x2="95703" y2="58789"/>
+                            <a14:foregroundMark x1="95703" y1="58789" x2="57422" y2="36719"/>
+                            <a14:foregroundMark x1="57422" y1="36719" x2="10742" y2="36133"/>
+                            <a14:foregroundMark x1="10742" y1="36133" x2="1367" y2="50000"/>
+                          </a14:backgroundRemoval>
+                        </a14:imgEffect>
+                      </a14:imgLayer>
+                    </a14:imgProps>
+                  </a:ext>
+                  <a:ext uri="{28A0092B-C50C-407E-A947-70E740481C1C}">
+                    <a14:useLocalDpi xmlns:a14="http://schemas.microsoft.com/office/drawing/2010/main" val="0"/>
+                  </a:ext>
+                </a:extLst>
+              </a:blip>
+              <a:srcRect/>
+              <a:stretch>
+                <a:fillRect/>
+              </a:stretch>
+            </p:blipFill>
+            <p:spPr bwMode="auto">
+              <a:xfrm>
+                <a:off x="6063534" y="2107208"/>
+                <a:ext cx="633994" cy="566730"/>
+              </a:xfrm>
+              <a:prstGeom prst="rect">
+                <a:avLst/>
+              </a:prstGeom>
+              <a:noFill/>
+              <a:extLst>
+                <a:ext uri="{909E8E84-426E-40DD-AFC4-6F175D3DCCD1}">
+                  <a14:hiddenFill xmlns:a14="http://schemas.microsoft.com/office/drawing/2010/main">
+                    <a:solidFill>
+                      <a:srgbClr val="FFFFFF"/>
+                    </a:solidFill>
+                  </a14:hiddenFill>
+                </a:ext>
+              </a:extLst>
+            </p:spPr>
+          </p:pic>
+        </p:grpSp>
+        <p:sp>
+          <p:nvSpPr>
+            <p:cNvPr id="31" name="Arrow: Down 30">
+              <a:extLst>
+                <a:ext uri="{FF2B5EF4-FFF2-40B4-BE49-F238E27FC236}">
+                  <a16:creationId xmlns:a16="http://schemas.microsoft.com/office/drawing/2014/main" id="{7D3250EE-4216-470B-A5CE-F5C567B88980}"/>
+                </a:ext>
+              </a:extLst>
+            </p:cNvPr>
+            <p:cNvSpPr/>
+            <p:nvPr/>
+          </p:nvSpPr>
+          <p:spPr>
+            <a:xfrm>
+              <a:off x="1020964" y="3416902"/>
+              <a:ext cx="492815" cy="1239214"/>
+            </a:xfrm>
+            <a:prstGeom prst="downArrow">
+              <a:avLst/>
+            </a:prstGeom>
+            <a:solidFill>
+              <a:srgbClr val="404040"/>
+            </a:solidFill>
+            <a:ln>
+              <a:noFill/>
+            </a:ln>
+          </p:spPr>
+          <p:style>
+            <a:lnRef idx="2">
+              <a:schemeClr val="accent1">
+                <a:shade val="50000"/>
+              </a:schemeClr>
+            </a:lnRef>
+            <a:fillRef idx="1">
+              <a:schemeClr val="accent1"/>
+            </a:fillRef>
+            <a:effectRef idx="0">
+              <a:schemeClr val="accent1"/>
+            </a:effectRef>
+            <a:fontRef idx="minor">
+              <a:schemeClr val="lt1"/>
+            </a:fontRef>
+          </p:style>
+          <p:txBody>
+            <a:bodyPr rtlCol="0" anchor="ctr"/>
+            <a:lstStyle/>
+            <a:p>
+              <a:pPr algn="ctr"/>
+              <a:endParaRPr lang="en-US"/>
+            </a:p>
+          </p:txBody>
+        </p:sp>
+        <p:pic>
+          <p:nvPicPr>
+            <p:cNvPr id="14" name="Picture 12" descr="File:Salesforce.svg">
+              <a:extLst>
+                <a:ext uri="{FF2B5EF4-FFF2-40B4-BE49-F238E27FC236}">
+                  <a16:creationId xmlns:a16="http://schemas.microsoft.com/office/drawing/2014/main" id="{AC820B31-8FFF-4B00-BF43-52E03DB434D3}"/>
+                </a:ext>
+              </a:extLst>
+            </p:cNvPr>
+            <p:cNvPicPr>
+              <a:picLocks noChangeAspect="1" noChangeArrowheads="1"/>
+            </p:cNvPicPr>
+            <p:nvPr/>
+          </p:nvPicPr>
+          <p:blipFill>
+            <a:blip r:embed="rId6">
+              <a:extLst>
+                <a:ext uri="{28A0092B-C50C-407E-A947-70E740481C1C}">
+                  <a14:useLocalDpi xmlns:a14="http://schemas.microsoft.com/office/drawing/2010/main" val="0"/>
+                </a:ext>
+              </a:extLst>
+            </a:blip>
+            <a:srcRect/>
+            <a:stretch>
+              <a:fillRect/>
+            </a:stretch>
+          </p:blipFill>
+          <p:spPr bwMode="auto">
+            <a:xfrm>
+              <a:off x="203308" y="4767886"/>
+              <a:ext cx="2128126" cy="1489688"/>
+            </a:xfrm>
+            <a:prstGeom prst="rect">
+              <a:avLst/>
+            </a:prstGeom>
+            <a:noFill/>
+            <a:extLst>
+              <a:ext uri="{909E8E84-426E-40DD-AFC4-6F175D3DCCD1}">
+                <a14:hiddenFill xmlns:a14="http://schemas.microsoft.com/office/drawing/2010/main">
+                  <a:solidFill>
+                    <a:srgbClr val="FFFFFF"/>
+                  </a:solidFill>
+                </a14:hiddenFill>
+              </a:ext>
+            </a:extLst>
+          </p:spPr>
+        </p:pic>
+        <p:sp>
+          <p:nvSpPr>
+            <p:cNvPr id="25" name="TextBox 24">
+              <a:extLst>
+                <a:ext uri="{FF2B5EF4-FFF2-40B4-BE49-F238E27FC236}">
+                  <a16:creationId xmlns:a16="http://schemas.microsoft.com/office/drawing/2014/main" id="{09F31183-954A-4228-A4FD-0A2D889568D4}"/>
+                </a:ext>
+              </a:extLst>
+            </p:cNvPr>
+            <p:cNvSpPr txBox="1"/>
+            <p:nvPr/>
+          </p:nvSpPr>
+          <p:spPr>
+            <a:xfrm>
+              <a:off x="858075" y="2594363"/>
+              <a:ext cx="380066" cy="523220"/>
+            </a:xfrm>
+            <a:prstGeom prst="rect">
+              <a:avLst/>
+            </a:prstGeom>
+            <a:noFill/>
+          </p:spPr>
+          <p:txBody>
+            <a:bodyPr wrap="square" rtlCol="0">
+              <a:spAutoFit/>
+            </a:bodyPr>
+            <a:lstStyle/>
+            <a:p>
+              <a:r>
+                <a:rPr lang="en-US" sz="2800" b="1" dirty="0">
+                  <a:solidFill>
+                    <a:srgbClr val="404040"/>
+                  </a:solidFill>
+                </a:rPr>
+                <a:t>+</a:t>
+              </a:r>
+            </a:p>
+          </p:txBody>
+        </p:sp>
+      </p:grpSp>
+      <p:pic>
+        <p:nvPicPr>
+          <p:cNvPr id="27" name="Picture 10" descr="https://www.python.org/static/community_logos/python-logo-master-v3-TM.png">
+            <a:extLst>
+              <a:ext uri="{FF2B5EF4-FFF2-40B4-BE49-F238E27FC236}">
+                <a16:creationId xmlns:a16="http://schemas.microsoft.com/office/drawing/2014/main" id="{02E8835F-A924-4868-8A57-CE3C58029097}"/>
+              </a:ext>
+            </a:extLst>
+          </p:cNvPr>
+          <p:cNvPicPr>
+            <a:picLocks noChangeAspect="1" noChangeArrowheads="1"/>
+          </p:cNvPicPr>
+          <p:nvPr/>
+        </p:nvPicPr>
+        <p:blipFill rotWithShape="1">
+          <a:blip r:embed="rId7">
+            <a:extLst>
+              <a:ext uri="{28A0092B-C50C-407E-A947-70E740481C1C}">
+                <a14:useLocalDpi xmlns:a14="http://schemas.microsoft.com/office/drawing/2010/main" val="0"/>
+              </a:ext>
+            </a:extLst>
+          </a:blip>
+          <a:srcRect l="10953" t="12824" r="6706" b="9866"/>
+          <a:stretch/>
+        </p:blipFill>
+        <p:spPr bwMode="auto">
+          <a:xfrm>
+            <a:off x="7346116" y="3024862"/>
+            <a:ext cx="3286436" cy="1042221"/>
+          </a:xfrm>
+          <a:prstGeom prst="rect">
+            <a:avLst/>
+          </a:prstGeom>
+          <a:noFill/>
+          <a:extLst>
+            <a:ext uri="{909E8E84-426E-40DD-AFC4-6F175D3DCCD1}">
+              <a14:hiddenFill xmlns:a14="http://schemas.microsoft.com/office/drawing/2010/main">
+                <a:solidFill>
+                  <a:srgbClr val="FFFFFF"/>
+                </a:solidFill>
+              </a14:hiddenFill>
+            </a:ext>
+          </a:extLst>
+        </p:spPr>
+      </p:pic>
+      <p:sp>
+        <p:nvSpPr>
+          <p:cNvPr id="30" name="TextBox 29">
+            <a:extLst>
+              <a:ext uri="{FF2B5EF4-FFF2-40B4-BE49-F238E27FC236}">
+                <a16:creationId xmlns:a16="http://schemas.microsoft.com/office/drawing/2014/main" id="{5D8EDEA3-BD96-427E-B2E2-AA340EA48BAC}"/>
+              </a:ext>
+            </a:extLst>
+          </p:cNvPr>
+          <p:cNvSpPr txBox="1"/>
+          <p:nvPr/>
+        </p:nvSpPr>
+        <p:spPr>
+          <a:xfrm>
+            <a:off x="6975637" y="4136113"/>
+            <a:ext cx="4531023" cy="954107"/>
+          </a:xfrm>
+          <a:prstGeom prst="rect">
+            <a:avLst/>
+          </a:prstGeom>
+          <a:noFill/>
+        </p:spPr>
+        <p:txBody>
+          <a:bodyPr wrap="square" rtlCol="0">
+            <a:spAutoFit/>
+          </a:bodyPr>
+          <a:lstStyle/>
+          <a:p>
+            <a:pPr marL="285750" indent="-285750">
+              <a:buFont typeface="Arial" panose="020B0604020202020204" pitchFamily="34" charset="0"/>
+              <a:buChar char="•"/>
+            </a:pPr>
+            <a:r>
+              <a:rPr lang="en-US" sz="2800" dirty="0">
+                <a:solidFill>
+                  <a:srgbClr val="404040"/>
+                </a:solidFill>
+              </a:rPr>
+              <a:t>Automated Publishing</a:t>
+            </a:r>
+          </a:p>
+          <a:p>
+            <a:pPr marL="285750" indent="-285750">
+              <a:buFont typeface="Arial" panose="020B0604020202020204" pitchFamily="34" charset="0"/>
+              <a:buChar char="•"/>
+            </a:pPr>
+            <a:r>
+              <a:rPr lang="en-US" sz="2800" dirty="0">
+                <a:solidFill>
+                  <a:srgbClr val="404040"/>
+                </a:solidFill>
+              </a:rPr>
+              <a:t>Selenium WebDriver</a:t>
+            </a:r>
+          </a:p>
+        </p:txBody>
+      </p:sp>
+    </p:spTree>
+    <p:extLst>
+      <p:ext uri="{BB962C8B-B14F-4D97-AF65-F5344CB8AC3E}">
+        <p14:creationId xmlns:p14="http://schemas.microsoft.com/office/powerpoint/2010/main" val="3300833273"/>
+      </p:ext>
+    </p:extLst>
+  </p:cSld>
+  <p:clrMapOvr>
+    <a:masterClrMapping/>
+  </p:clrMapOvr>
+</p:sld>
+</file>
+
+<file path=ppt/slides/slide6.xml><?xml version="1.0" encoding="utf-8"?>
+<p:sld xmlns:a="http://schemas.openxmlformats.org/drawingml/2006/main" xmlns:r="http://schemas.openxmlformats.org/officeDocument/2006/relationships" xmlns:p="http://schemas.openxmlformats.org/presentationml/2006/main">
+  <p:cSld>
+    <p:bg>
+      <p:bgPr>
+        <a:solidFill>
+          <a:schemeClr val="bg1"/>
+        </a:solidFill>
+        <a:effectLst/>
+      </p:bgPr>
+    </p:bg>
+    <p:spTree>
+      <p:nvGrpSpPr>
+        <p:cNvPr id="1" name=""/>
+        <p:cNvGrpSpPr/>
+        <p:nvPr/>
+      </p:nvGrpSpPr>
+      <p:grpSpPr>
+        <a:xfrm>
+          <a:off x="0" y="0"/>
+          <a:ext cx="0" cy="0"/>
+          <a:chOff x="0" y="0"/>
+          <a:chExt cx="0" cy="0"/>
+        </a:xfrm>
+      </p:grpSpPr>
+      <p:sp>
+        <p:nvSpPr>
+          <p:cNvPr id="29" name="Rectangle 28">
+            <a:extLst>
+              <a:ext uri="{FF2B5EF4-FFF2-40B4-BE49-F238E27FC236}">
+                <a16:creationId xmlns:a16="http://schemas.microsoft.com/office/drawing/2014/main" id="{3A6EED04-84B6-4C41-88FB-B2A903AA4914}"/>
+              </a:ext>
+            </a:extLst>
+          </p:cNvPr>
+          <p:cNvSpPr/>
+          <p:nvPr/>
+        </p:nvSpPr>
+        <p:spPr>
+          <a:xfrm>
+            <a:off x="0" y="0"/>
+            <a:ext cx="12192000" cy="1809135"/>
+          </a:xfrm>
+          <a:prstGeom prst="rect">
+            <a:avLst/>
+          </a:prstGeom>
+          <a:solidFill>
+            <a:srgbClr val="404040"/>
+          </a:solidFill>
+          <a:ln>
+            <a:solidFill>
+              <a:srgbClr val="404040"/>
+            </a:solidFill>
+          </a:ln>
+        </p:spPr>
+        <p:style>
+          <a:lnRef idx="2">
+            <a:schemeClr val="accent1">
+              <a:shade val="50000"/>
+            </a:schemeClr>
+          </a:lnRef>
+          <a:fillRef idx="1">
+            <a:schemeClr val="accent1"/>
+          </a:fillRef>
+          <a:effectRef idx="0">
+            <a:schemeClr val="accent1"/>
+          </a:effectRef>
+          <a:fontRef idx="minor">
+            <a:schemeClr val="lt1"/>
+          </a:fontRef>
+        </p:style>
+        <p:txBody>
+          <a:bodyPr rtlCol="0" anchor="ctr"/>
+          <a:lstStyle/>
+          <a:p>
+            <a:pPr algn="ctr"/>
+            <a:endParaRPr lang="en-US" dirty="0"/>
+          </a:p>
+        </p:txBody>
+      </p:sp>
+      <p:sp>
+        <p:nvSpPr>
+          <p:cNvPr id="8" name="TextBox 7">
+            <a:extLst>
+              <a:ext uri="{FF2B5EF4-FFF2-40B4-BE49-F238E27FC236}">
+                <a16:creationId xmlns:a16="http://schemas.microsoft.com/office/drawing/2014/main" id="{F3A98BF4-466C-43BA-A663-15CFFE076340}"/>
+              </a:ext>
+            </a:extLst>
+          </p:cNvPr>
+          <p:cNvSpPr txBox="1"/>
+          <p:nvPr/>
+        </p:nvSpPr>
+        <p:spPr>
+          <a:xfrm>
+            <a:off x="738168" y="519846"/>
+            <a:ext cx="7412774" cy="769441"/>
+          </a:xfrm>
+          <a:prstGeom prst="rect">
+            <a:avLst/>
+          </a:prstGeom>
+          <a:noFill/>
+        </p:spPr>
+        <p:txBody>
+          <a:bodyPr wrap="square" rtlCol="0">
+            <a:spAutoFit/>
+          </a:bodyPr>
+          <a:lstStyle/>
+          <a:p>
+            <a:r>
+              <a:rPr lang="en-US" sz="4400" dirty="0">
+                <a:solidFill>
+                  <a:schemeClr val="bg1"/>
+                </a:solidFill>
+                <a:latin typeface="+mj-lt"/>
+              </a:rPr>
+              <a:t>Data flow to reporting</a:t>
+            </a:r>
+          </a:p>
+        </p:txBody>
+      </p:sp>
+      <p:cxnSp>
+        <p:nvCxnSpPr>
+          <p:cNvPr id="48" name="Straight Connector 47">
+            <a:extLst>
+              <a:ext uri="{FF2B5EF4-FFF2-40B4-BE49-F238E27FC236}">
+                <a16:creationId xmlns:a16="http://schemas.microsoft.com/office/drawing/2014/main" id="{5B8E034E-00DC-4DF3-93DA-A7132774ECDC}"/>
+              </a:ext>
+            </a:extLst>
+          </p:cNvPr>
+          <p:cNvCxnSpPr>
+            <a:cxnSpLocks/>
+          </p:cNvCxnSpPr>
+          <p:nvPr/>
+        </p:nvCxnSpPr>
+        <p:spPr>
+          <a:xfrm>
+            <a:off x="6053721" y="2453516"/>
+            <a:ext cx="0" cy="3165987"/>
+          </a:xfrm>
+          <a:prstGeom prst="line">
+            <a:avLst/>
+          </a:prstGeom>
+          <a:ln w="38100">
+            <a:solidFill>
+              <a:srgbClr val="404040"/>
+            </a:solidFill>
+          </a:ln>
+        </p:spPr>
+        <p:style>
+          <a:lnRef idx="1">
+            <a:schemeClr val="dk1"/>
+          </a:lnRef>
+          <a:fillRef idx="0">
+            <a:schemeClr val="dk1"/>
+          </a:fillRef>
+          <a:effectRef idx="0">
+            <a:schemeClr val="dk1"/>
+          </a:effectRef>
+          <a:fontRef idx="minor">
+            <a:schemeClr val="tx1"/>
+          </a:fontRef>
+        </p:style>
+      </p:cxnSp>
+      <p:pic>
+        <p:nvPicPr>
+          <p:cNvPr id="49" name="Picture 10" descr="https://www.python.org/static/community_logos/python-logo-master-v3-TM.png">
+            <a:extLst>
+              <a:ext uri="{FF2B5EF4-FFF2-40B4-BE49-F238E27FC236}">
+                <a16:creationId xmlns:a16="http://schemas.microsoft.com/office/drawing/2014/main" id="{B8E7B030-C99F-42E3-B1BA-31AA4F7D2381}"/>
+              </a:ext>
+            </a:extLst>
+          </p:cNvPr>
+          <p:cNvPicPr>
+            <a:picLocks noChangeAspect="1" noChangeArrowheads="1"/>
+          </p:cNvPicPr>
+          <p:nvPr/>
+        </p:nvPicPr>
+        <p:blipFill rotWithShape="1">
+          <a:blip r:embed="rId2">
+            <a:extLst>
+              <a:ext uri="{28A0092B-C50C-407E-A947-70E740481C1C}">
+                <a14:useLocalDpi xmlns:a14="http://schemas.microsoft.com/office/drawing/2010/main" val="0"/>
+              </a:ext>
+            </a:extLst>
+          </a:blip>
+          <a:srcRect l="10953" t="12824" r="6706" b="9866"/>
+          <a:stretch/>
+        </p:blipFill>
+        <p:spPr bwMode="auto">
+          <a:xfrm>
+            <a:off x="7346116" y="3024862"/>
+            <a:ext cx="3286436" cy="1042221"/>
+          </a:xfrm>
+          <a:prstGeom prst="rect">
+            <a:avLst/>
+          </a:prstGeom>
+          <a:noFill/>
+          <a:extLst>
+            <a:ext uri="{909E8E84-426E-40DD-AFC4-6F175D3DCCD1}">
+              <a14:hiddenFill xmlns:a14="http://schemas.microsoft.com/office/drawing/2010/main">
+                <a:solidFill>
+                  <a:srgbClr val="FFFFFF"/>
+                </a:solidFill>
+              </a14:hiddenFill>
+            </a:ext>
+          </a:extLst>
+        </p:spPr>
+      </p:pic>
+      <p:grpSp>
+        <p:nvGrpSpPr>
+          <p:cNvPr id="37" name="Group 36">
+            <a:extLst>
+              <a:ext uri="{FF2B5EF4-FFF2-40B4-BE49-F238E27FC236}">
+                <a16:creationId xmlns:a16="http://schemas.microsoft.com/office/drawing/2014/main" id="{FA4947FB-8A08-49AD-B443-4BB80112DC03}"/>
+              </a:ext>
+            </a:extLst>
+          </p:cNvPr>
+          <p:cNvGrpSpPr/>
+          <p:nvPr/>
+        </p:nvGrpSpPr>
+        <p:grpSpPr>
+          <a:xfrm>
+            <a:off x="738168" y="2377440"/>
+            <a:ext cx="4308190" cy="3607077"/>
+            <a:chOff x="870248" y="1999148"/>
+            <a:chExt cx="4308190" cy="3607077"/>
+          </a:xfrm>
+        </p:grpSpPr>
+        <p:pic>
+          <p:nvPicPr>
+            <p:cNvPr id="28" name="Picture 18" descr="Image result for excel logo">
+              <a:extLst>
+                <a:ext uri="{FF2B5EF4-FFF2-40B4-BE49-F238E27FC236}">
+                  <a16:creationId xmlns:a16="http://schemas.microsoft.com/office/drawing/2014/main" id="{9A693169-18C8-4B79-BDBD-60D852B6444E}"/>
+                </a:ext>
+              </a:extLst>
+            </p:cNvPr>
+            <p:cNvPicPr>
+              <a:picLocks noChangeAspect="1" noChangeArrowheads="1"/>
+            </p:cNvPicPr>
+            <p:nvPr/>
+          </p:nvPicPr>
+          <p:blipFill>
+            <a:blip r:embed="rId3">
+              <a:extLst>
+                <a:ext uri="{28A0092B-C50C-407E-A947-70E740481C1C}">
+                  <a14:useLocalDpi xmlns:a14="http://schemas.microsoft.com/office/drawing/2010/main" val="0"/>
+                </a:ext>
+              </a:extLst>
+            </a:blip>
+            <a:srcRect/>
+            <a:stretch>
+              <a:fillRect/>
+            </a:stretch>
+          </p:blipFill>
+          <p:spPr bwMode="auto">
+            <a:xfrm>
+              <a:off x="2785014" y="3603782"/>
+              <a:ext cx="1743019" cy="631093"/>
+            </a:xfrm>
+            <a:prstGeom prst="rect">
+              <a:avLst/>
+            </a:prstGeom>
+            <a:noFill/>
+            <a:extLst>
+              <a:ext uri="{909E8E84-426E-40DD-AFC4-6F175D3DCCD1}">
+                <a14:hiddenFill xmlns:a14="http://schemas.microsoft.com/office/drawing/2010/main">
+                  <a:solidFill>
+                    <a:srgbClr val="FFFFFF"/>
+                  </a:solidFill>
+                </a14:hiddenFill>
+              </a:ext>
+            </a:extLst>
+          </p:spPr>
+        </p:pic>
+        <p:sp>
+          <p:nvSpPr>
+            <p:cNvPr id="18" name="Arrow: Bent 17">
+              <a:extLst>
+                <a:ext uri="{FF2B5EF4-FFF2-40B4-BE49-F238E27FC236}">
+                  <a16:creationId xmlns:a16="http://schemas.microsoft.com/office/drawing/2014/main" id="{0229360A-ED8A-46F3-B75D-B6E298548905}"/>
+                </a:ext>
+              </a:extLst>
+            </p:cNvPr>
+            <p:cNvSpPr/>
+            <p:nvPr/>
+          </p:nvSpPr>
+          <p:spPr>
+            <a:xfrm rot="10800000" flipH="1">
+              <a:off x="1776345" y="3234053"/>
+              <a:ext cx="913677" cy="890173"/>
+            </a:xfrm>
+            <a:prstGeom prst="bentArrow">
+              <a:avLst/>
+            </a:prstGeom>
+            <a:solidFill>
+              <a:srgbClr val="404040"/>
+            </a:solidFill>
+            <a:ln>
+              <a:noFill/>
+            </a:ln>
+          </p:spPr>
+          <p:style>
+            <a:lnRef idx="2">
+              <a:schemeClr val="accent1">
+                <a:shade val="50000"/>
+              </a:schemeClr>
+            </a:lnRef>
+            <a:fillRef idx="1">
+              <a:schemeClr val="accent1"/>
+            </a:fillRef>
+            <a:effectRef idx="0">
+              <a:schemeClr val="accent1"/>
+            </a:effectRef>
+            <a:fontRef idx="minor">
+              <a:schemeClr val="lt1"/>
+            </a:fontRef>
+          </p:style>
+          <p:txBody>
+            <a:bodyPr rtlCol="0" anchor="ctr"/>
+            <a:lstStyle/>
+            <a:p>
+              <a:pPr algn="ctr"/>
+              <a:endParaRPr lang="en-US" dirty="0">
+                <a:solidFill>
+                  <a:schemeClr val="tx1"/>
+                </a:solidFill>
+              </a:endParaRPr>
+            </a:p>
+          </p:txBody>
+        </p:sp>
+        <p:sp>
+          <p:nvSpPr>
+            <p:cNvPr id="62" name="Arrow: Bent 61">
+              <a:extLst>
+                <a:ext uri="{FF2B5EF4-FFF2-40B4-BE49-F238E27FC236}">
+                  <a16:creationId xmlns:a16="http://schemas.microsoft.com/office/drawing/2014/main" id="{271AAC57-0ED9-4FB2-91A8-16F9F12F804E}"/>
+                </a:ext>
+              </a:extLst>
+            </p:cNvPr>
+            <p:cNvSpPr/>
+            <p:nvPr/>
+          </p:nvSpPr>
+          <p:spPr>
+            <a:xfrm rot="10800000" flipH="1">
+              <a:off x="1755914" y="3222490"/>
+              <a:ext cx="913677" cy="2271933"/>
+            </a:xfrm>
+            <a:custGeom>
+              <a:avLst/>
+              <a:gdLst>
+                <a:gd name="connsiteX0" fmla="*/ 0 w 913677"/>
+                <a:gd name="connsiteY0" fmla="*/ 890173 h 890173"/>
+                <a:gd name="connsiteX1" fmla="*/ 0 w 913677"/>
+                <a:gd name="connsiteY1" fmla="*/ 500722 h 890173"/>
+                <a:gd name="connsiteX2" fmla="*/ 389451 w 913677"/>
+                <a:gd name="connsiteY2" fmla="*/ 111271 h 890173"/>
+                <a:gd name="connsiteX3" fmla="*/ 691134 w 913677"/>
+                <a:gd name="connsiteY3" fmla="*/ 111272 h 890173"/>
+                <a:gd name="connsiteX4" fmla="*/ 691134 w 913677"/>
+                <a:gd name="connsiteY4" fmla="*/ 0 h 890173"/>
+                <a:gd name="connsiteX5" fmla="*/ 913677 w 913677"/>
+                <a:gd name="connsiteY5" fmla="*/ 222543 h 890173"/>
+                <a:gd name="connsiteX6" fmla="*/ 691134 w 913677"/>
+                <a:gd name="connsiteY6" fmla="*/ 445087 h 890173"/>
+                <a:gd name="connsiteX7" fmla="*/ 691134 w 913677"/>
+                <a:gd name="connsiteY7" fmla="*/ 333815 h 890173"/>
+                <a:gd name="connsiteX8" fmla="*/ 389451 w 913677"/>
+                <a:gd name="connsiteY8" fmla="*/ 333815 h 890173"/>
+                <a:gd name="connsiteX9" fmla="*/ 222544 w 913677"/>
+                <a:gd name="connsiteY9" fmla="*/ 500722 h 890173"/>
+                <a:gd name="connsiteX10" fmla="*/ 222543 w 913677"/>
+                <a:gd name="connsiteY10" fmla="*/ 890173 h 890173"/>
+                <a:gd name="connsiteX11" fmla="*/ 0 w 913677"/>
+                <a:gd name="connsiteY11" fmla="*/ 890173 h 890173"/>
+                <a:gd name="connsiteX0" fmla="*/ 20320 w 913677"/>
+                <a:gd name="connsiteY0" fmla="*/ 2241453 h 2241453"/>
+                <a:gd name="connsiteX1" fmla="*/ 0 w 913677"/>
+                <a:gd name="connsiteY1" fmla="*/ 500722 h 2241453"/>
+                <a:gd name="connsiteX2" fmla="*/ 389451 w 913677"/>
+                <a:gd name="connsiteY2" fmla="*/ 111271 h 2241453"/>
+                <a:gd name="connsiteX3" fmla="*/ 691134 w 913677"/>
+                <a:gd name="connsiteY3" fmla="*/ 111272 h 2241453"/>
+                <a:gd name="connsiteX4" fmla="*/ 691134 w 913677"/>
+                <a:gd name="connsiteY4" fmla="*/ 0 h 2241453"/>
+                <a:gd name="connsiteX5" fmla="*/ 913677 w 913677"/>
+                <a:gd name="connsiteY5" fmla="*/ 222543 h 2241453"/>
+                <a:gd name="connsiteX6" fmla="*/ 691134 w 913677"/>
+                <a:gd name="connsiteY6" fmla="*/ 445087 h 2241453"/>
+                <a:gd name="connsiteX7" fmla="*/ 691134 w 913677"/>
+                <a:gd name="connsiteY7" fmla="*/ 333815 h 2241453"/>
+                <a:gd name="connsiteX8" fmla="*/ 389451 w 913677"/>
+                <a:gd name="connsiteY8" fmla="*/ 333815 h 2241453"/>
+                <a:gd name="connsiteX9" fmla="*/ 222544 w 913677"/>
+                <a:gd name="connsiteY9" fmla="*/ 500722 h 2241453"/>
+                <a:gd name="connsiteX10" fmla="*/ 222543 w 913677"/>
+                <a:gd name="connsiteY10" fmla="*/ 890173 h 2241453"/>
+                <a:gd name="connsiteX11" fmla="*/ 20320 w 913677"/>
+                <a:gd name="connsiteY11" fmla="*/ 2241453 h 2241453"/>
+                <a:gd name="connsiteX0" fmla="*/ 20320 w 913677"/>
+                <a:gd name="connsiteY0" fmla="*/ 2241453 h 2271933"/>
+                <a:gd name="connsiteX1" fmla="*/ 0 w 913677"/>
+                <a:gd name="connsiteY1" fmla="*/ 500722 h 2271933"/>
+                <a:gd name="connsiteX2" fmla="*/ 389451 w 913677"/>
+                <a:gd name="connsiteY2" fmla="*/ 111271 h 2271933"/>
+                <a:gd name="connsiteX3" fmla="*/ 691134 w 913677"/>
+                <a:gd name="connsiteY3" fmla="*/ 111272 h 2271933"/>
+                <a:gd name="connsiteX4" fmla="*/ 691134 w 913677"/>
+                <a:gd name="connsiteY4" fmla="*/ 0 h 2271933"/>
+                <a:gd name="connsiteX5" fmla="*/ 913677 w 913677"/>
+                <a:gd name="connsiteY5" fmla="*/ 222543 h 2271933"/>
+                <a:gd name="connsiteX6" fmla="*/ 691134 w 913677"/>
+                <a:gd name="connsiteY6" fmla="*/ 445087 h 2271933"/>
+                <a:gd name="connsiteX7" fmla="*/ 691134 w 913677"/>
+                <a:gd name="connsiteY7" fmla="*/ 333815 h 2271933"/>
+                <a:gd name="connsiteX8" fmla="*/ 389451 w 913677"/>
+                <a:gd name="connsiteY8" fmla="*/ 333815 h 2271933"/>
+                <a:gd name="connsiteX9" fmla="*/ 222544 w 913677"/>
+                <a:gd name="connsiteY9" fmla="*/ 500722 h 2271933"/>
+                <a:gd name="connsiteX10" fmla="*/ 232703 w 913677"/>
+                <a:gd name="connsiteY10" fmla="*/ 2271933 h 2271933"/>
+                <a:gd name="connsiteX11" fmla="*/ 20320 w 913677"/>
+                <a:gd name="connsiteY11" fmla="*/ 2241453 h 2271933"/>
+              </a:gdLst>
+              <a:ahLst/>
+              <a:cxnLst>
+                <a:cxn ang="0">
+                  <a:pos x="connsiteX0" y="connsiteY0"/>
+                </a:cxn>
+                <a:cxn ang="0">
+                  <a:pos x="connsiteX1" y="connsiteY1"/>
+                </a:cxn>
+                <a:cxn ang="0">
+                  <a:pos x="connsiteX2" y="connsiteY2"/>
+                </a:cxn>
+                <a:cxn ang="0">
+                  <a:pos x="connsiteX3" y="connsiteY3"/>
+                </a:cxn>
+                <a:cxn ang="0">
+                  <a:pos x="connsiteX4" y="connsiteY4"/>
+                </a:cxn>
+                <a:cxn ang="0">
+                  <a:pos x="connsiteX5" y="connsiteY5"/>
+                </a:cxn>
+                <a:cxn ang="0">
+                  <a:pos x="connsiteX6" y="connsiteY6"/>
+                </a:cxn>
+                <a:cxn ang="0">
+                  <a:pos x="connsiteX7" y="connsiteY7"/>
+                </a:cxn>
+                <a:cxn ang="0">
+                  <a:pos x="connsiteX8" y="connsiteY8"/>
+                </a:cxn>
+                <a:cxn ang="0">
+                  <a:pos x="connsiteX9" y="connsiteY9"/>
+                </a:cxn>
+                <a:cxn ang="0">
+                  <a:pos x="connsiteX10" y="connsiteY10"/>
+                </a:cxn>
+                <a:cxn ang="0">
+                  <a:pos x="connsiteX11" y="connsiteY11"/>
+                </a:cxn>
+              </a:cxnLst>
+              <a:rect l="l" t="t" r="r" b="b"/>
+              <a:pathLst>
+                <a:path w="913677" h="2271933">
+                  <a:moveTo>
+                    <a:pt x="20320" y="2241453"/>
+                  </a:moveTo>
+                  <a:cubicBezTo>
+                    <a:pt x="20320" y="2111636"/>
+                    <a:pt x="0" y="630539"/>
+                    <a:pt x="0" y="500722"/>
+                  </a:cubicBezTo>
+                  <a:cubicBezTo>
+                    <a:pt x="0" y="285634"/>
+                    <a:pt x="174363" y="111271"/>
+                    <a:pt x="389451" y="111271"/>
+                  </a:cubicBezTo>
+                  <a:lnTo>
+                    <a:pt x="691134" y="111272"/>
+                  </a:lnTo>
+                  <a:lnTo>
+                    <a:pt x="691134" y="0"/>
+                  </a:lnTo>
+                  <a:lnTo>
+                    <a:pt x="913677" y="222543"/>
+                  </a:lnTo>
+                  <a:lnTo>
+                    <a:pt x="691134" y="445087"/>
+                  </a:lnTo>
+                  <a:lnTo>
+                    <a:pt x="691134" y="333815"/>
+                  </a:lnTo>
+                  <a:lnTo>
+                    <a:pt x="389451" y="333815"/>
+                  </a:lnTo>
+                  <a:cubicBezTo>
+                    <a:pt x="297271" y="333815"/>
+                    <a:pt x="222544" y="408542"/>
+                    <a:pt x="222544" y="500722"/>
+                  </a:cubicBezTo>
+                  <a:cubicBezTo>
+                    <a:pt x="222544" y="630539"/>
+                    <a:pt x="232703" y="2142116"/>
+                    <a:pt x="232703" y="2271933"/>
+                  </a:cubicBezTo>
+                  <a:lnTo>
+                    <a:pt x="20320" y="2241453"/>
+                  </a:lnTo>
+                  <a:close/>
+                </a:path>
+              </a:pathLst>
+            </a:custGeom>
+            <a:solidFill>
+              <a:srgbClr val="404040"/>
+            </a:solidFill>
+            <a:ln>
+              <a:noFill/>
+            </a:ln>
+          </p:spPr>
+          <p:style>
+            <a:lnRef idx="2">
+              <a:schemeClr val="accent1">
+                <a:shade val="50000"/>
+              </a:schemeClr>
+            </a:lnRef>
+            <a:fillRef idx="1">
+              <a:schemeClr val="accent1"/>
+            </a:fillRef>
+            <a:effectRef idx="0">
+              <a:schemeClr val="accent1"/>
+            </a:effectRef>
+            <a:fontRef idx="minor">
+              <a:schemeClr val="lt1"/>
+            </a:fontRef>
+          </p:style>
+          <p:txBody>
+            <a:bodyPr rtlCol="0" anchor="ctr"/>
+            <a:lstStyle/>
+            <a:p>
+              <a:pPr algn="ctr"/>
+              <a:endParaRPr lang="en-US" dirty="0">
+                <a:solidFill>
+                  <a:schemeClr val="tx1"/>
+                </a:solidFill>
+              </a:endParaRPr>
+            </a:p>
+          </p:txBody>
+        </p:sp>
+        <p:pic>
+          <p:nvPicPr>
+            <p:cNvPr id="63" name="Picture 22" descr="Image result for power bi logo">
+              <a:extLst>
+                <a:ext uri="{FF2B5EF4-FFF2-40B4-BE49-F238E27FC236}">
+                  <a16:creationId xmlns:a16="http://schemas.microsoft.com/office/drawing/2014/main" id="{7CA5FE75-CA25-4554-B471-370402B213DA}"/>
+                </a:ext>
+              </a:extLst>
+            </p:cNvPr>
+            <p:cNvPicPr>
+              <a:picLocks noChangeAspect="1" noChangeArrowheads="1"/>
+            </p:cNvPicPr>
+            <p:nvPr/>
+          </p:nvPicPr>
+          <p:blipFill rotWithShape="1">
+            <a:blip r:embed="rId4">
+              <a:extLst>
+                <a:ext uri="{28A0092B-C50C-407E-A947-70E740481C1C}">
+                  <a14:useLocalDpi xmlns:a14="http://schemas.microsoft.com/office/drawing/2010/main" val="0"/>
+                </a:ext>
+              </a:extLst>
+            </a:blip>
+            <a:srcRect l="1905"/>
+            <a:stretch/>
+          </p:blipFill>
+          <p:spPr bwMode="auto">
+            <a:xfrm>
+              <a:off x="2759595" y="4952200"/>
+              <a:ext cx="2418843" cy="654025"/>
+            </a:xfrm>
+            <a:prstGeom prst="rect">
+              <a:avLst/>
+            </a:prstGeom>
+            <a:noFill/>
+            <a:extLst>
+              <a:ext uri="{909E8E84-426E-40DD-AFC4-6F175D3DCCD1}">
+                <a14:hiddenFill xmlns:a14="http://schemas.microsoft.com/office/drawing/2010/main">
+                  <a:solidFill>
+                    <a:srgbClr val="FFFFFF"/>
+                  </a:solidFill>
+                </a14:hiddenFill>
+              </a:ext>
+            </a:extLst>
+          </p:spPr>
+        </p:pic>
+        <p:sp>
+          <p:nvSpPr>
+            <p:cNvPr id="31" name="Arrow: Down 30">
+              <a:extLst>
+                <a:ext uri="{FF2B5EF4-FFF2-40B4-BE49-F238E27FC236}">
+                  <a16:creationId xmlns:a16="http://schemas.microsoft.com/office/drawing/2014/main" id="{7D3250EE-4216-470B-A5CE-F5C567B88980}"/>
+                </a:ext>
+              </a:extLst>
+            </p:cNvPr>
+            <p:cNvSpPr/>
+            <p:nvPr/>
+          </p:nvSpPr>
+          <p:spPr>
+            <a:xfrm>
+              <a:off x="3544874" y="4337397"/>
+              <a:ext cx="449338" cy="542760"/>
+            </a:xfrm>
+            <a:prstGeom prst="downArrow">
+              <a:avLst/>
+            </a:prstGeom>
+            <a:solidFill>
+              <a:srgbClr val="404040"/>
+            </a:solidFill>
+            <a:ln>
+              <a:noFill/>
+            </a:ln>
+          </p:spPr>
+          <p:style>
+            <a:lnRef idx="2">
+              <a:schemeClr val="accent1">
+                <a:shade val="50000"/>
+              </a:schemeClr>
+            </a:lnRef>
+            <a:fillRef idx="1">
+              <a:schemeClr val="accent1"/>
+            </a:fillRef>
+            <a:effectRef idx="0">
+              <a:schemeClr val="accent1"/>
+            </a:effectRef>
+            <a:fontRef idx="minor">
+              <a:schemeClr val="lt1"/>
+            </a:fontRef>
+          </p:style>
+          <p:txBody>
+            <a:bodyPr rtlCol="0" anchor="ctr"/>
+            <a:lstStyle/>
+            <a:p>
+              <a:pPr algn="ctr"/>
+              <a:endParaRPr lang="en-US"/>
+            </a:p>
+          </p:txBody>
+        </p:sp>
+        <p:pic>
+          <p:nvPicPr>
+            <p:cNvPr id="14" name="Picture 12" descr="File:Salesforce.svg">
+              <a:extLst>
+                <a:ext uri="{FF2B5EF4-FFF2-40B4-BE49-F238E27FC236}">
+                  <a16:creationId xmlns:a16="http://schemas.microsoft.com/office/drawing/2014/main" id="{AC820B31-8FFF-4B00-BF43-52E03DB434D3}"/>
+                </a:ext>
+              </a:extLst>
+            </p:cNvPr>
+            <p:cNvPicPr>
+              <a:picLocks noChangeAspect="1" noChangeArrowheads="1"/>
+            </p:cNvPicPr>
+            <p:nvPr/>
+          </p:nvPicPr>
+          <p:blipFill>
+            <a:blip r:embed="rId5">
+              <a:extLst>
+                <a:ext uri="{28A0092B-C50C-407E-A947-70E740481C1C}">
+                  <a14:useLocalDpi xmlns:a14="http://schemas.microsoft.com/office/drawing/2010/main" val="0"/>
+                </a:ext>
+              </a:extLst>
+            </a:blip>
+            <a:srcRect/>
+            <a:stretch>
+              <a:fillRect/>
+            </a:stretch>
+          </p:blipFill>
+          <p:spPr bwMode="auto">
+            <a:xfrm>
+              <a:off x="870248" y="1999148"/>
+              <a:ext cx="2128126" cy="1489688"/>
+            </a:xfrm>
+            <a:prstGeom prst="rect">
+              <a:avLst/>
+            </a:prstGeom>
+            <a:noFill/>
+            <a:extLst>
+              <a:ext uri="{909E8E84-426E-40DD-AFC4-6F175D3DCCD1}">
+                <a14:hiddenFill xmlns:a14="http://schemas.microsoft.com/office/drawing/2010/main">
+                  <a:solidFill>
+                    <a:srgbClr val="FFFFFF"/>
+                  </a:solidFill>
+                </a14:hiddenFill>
+              </a:ext>
+            </a:extLst>
+          </p:spPr>
+        </p:pic>
+      </p:grpSp>
+      <p:sp>
+        <p:nvSpPr>
+          <p:cNvPr id="42" name="TextBox 41">
+            <a:extLst>
+              <a:ext uri="{FF2B5EF4-FFF2-40B4-BE49-F238E27FC236}">
+                <a16:creationId xmlns:a16="http://schemas.microsoft.com/office/drawing/2014/main" id="{7100D148-7890-4E2F-BE9D-464DA2B70781}"/>
+              </a:ext>
+            </a:extLst>
+          </p:cNvPr>
+          <p:cNvSpPr txBox="1"/>
+          <p:nvPr/>
+        </p:nvSpPr>
+        <p:spPr>
+          <a:xfrm>
+            <a:off x="6975637" y="4136113"/>
+            <a:ext cx="4531023" cy="954107"/>
+          </a:xfrm>
+          <a:prstGeom prst="rect">
+            <a:avLst/>
+          </a:prstGeom>
+          <a:noFill/>
+        </p:spPr>
+        <p:txBody>
+          <a:bodyPr wrap="square" rtlCol="0">
+            <a:spAutoFit/>
+          </a:bodyPr>
+          <a:lstStyle/>
+          <a:p>
+            <a:pPr marL="285750" indent="-285750">
+              <a:buFont typeface="Arial" panose="020B0604020202020204" pitchFamily="34" charset="0"/>
+              <a:buChar char="•"/>
+            </a:pPr>
+            <a:r>
+              <a:rPr lang="en-US" sz="2800" dirty="0">
+                <a:solidFill>
+                  <a:srgbClr val="404040"/>
+                </a:solidFill>
+              </a:rPr>
+              <a:t>Automated PDF distribution</a:t>
+            </a:r>
+          </a:p>
+          <a:p>
+            <a:pPr marL="285750" indent="-285750">
+              <a:buFont typeface="Arial" panose="020B0604020202020204" pitchFamily="34" charset="0"/>
+              <a:buChar char="•"/>
+            </a:pPr>
+            <a:r>
+              <a:rPr lang="en-US" sz="2800" dirty="0">
+                <a:solidFill>
+                  <a:srgbClr val="404040"/>
+                </a:solidFill>
+              </a:rPr>
+              <a:t>Powerful Analytics</a:t>
+            </a:r>
+          </a:p>
+        </p:txBody>
+      </p:sp>
+    </p:spTree>
+    <p:extLst>
+      <p:ext uri="{BB962C8B-B14F-4D97-AF65-F5344CB8AC3E}">
+        <p14:creationId xmlns:p14="http://schemas.microsoft.com/office/powerpoint/2010/main" val="224124944"/>
+      </p:ext>
+    </p:extLst>
+  </p:cSld>
+  <p:clrMapOvr>
+    <a:masterClrMapping/>
+  </p:clrMapOvr>
+</p:sld>
+</file>
+
+<file path=ppt/slides/slide7.xml><?xml version="1.0" encoding="utf-8"?>
+<p:sld xmlns:a="http://schemas.openxmlformats.org/drawingml/2006/main" xmlns:r="http://schemas.openxmlformats.org/officeDocument/2006/relationships" xmlns:p="http://schemas.openxmlformats.org/presentationml/2006/main">
+  <p:cSld>
+    <p:spTree>
+      <p:nvGrpSpPr>
+        <p:cNvPr id="1" name=""/>
+        <p:cNvGrpSpPr/>
+        <p:nvPr/>
+      </p:nvGrpSpPr>
+      <p:grpSpPr>
+        <a:xfrm>
+          <a:off x="0" y="0"/>
+          <a:ext cx="0" cy="0"/>
+          <a:chOff x="0" y="0"/>
+          <a:chExt cx="0" cy="0"/>
+        </a:xfrm>
+      </p:grpSpPr>
+      <p:sp>
+        <p:nvSpPr>
+          <p:cNvPr id="29" name="Rectangle 28">
+            <a:extLst>
+              <a:ext uri="{FF2B5EF4-FFF2-40B4-BE49-F238E27FC236}">
+                <a16:creationId xmlns:a16="http://schemas.microsoft.com/office/drawing/2014/main" id="{3A6EED04-84B6-4C41-88FB-B2A903AA4914}"/>
+              </a:ext>
+            </a:extLst>
+          </p:cNvPr>
+          <p:cNvSpPr/>
+          <p:nvPr/>
+        </p:nvSpPr>
+        <p:spPr>
+          <a:xfrm>
+            <a:off x="0" y="0"/>
+            <a:ext cx="12192000" cy="1809135"/>
+          </a:xfrm>
+          <a:prstGeom prst="rect">
+            <a:avLst/>
+          </a:prstGeom>
+          <a:solidFill>
+            <a:srgbClr val="404040"/>
+          </a:solidFill>
+          <a:ln>
+            <a:solidFill>
+              <a:srgbClr val="404040"/>
+            </a:solidFill>
+          </a:ln>
+        </p:spPr>
+        <p:style>
+          <a:lnRef idx="2">
+            <a:schemeClr val="accent1">
+              <a:shade val="50000"/>
+            </a:schemeClr>
+          </a:lnRef>
+          <a:fillRef idx="1">
+            <a:schemeClr val="accent1"/>
+          </a:fillRef>
+          <a:effectRef idx="0">
+            <a:schemeClr val="accent1"/>
+          </a:effectRef>
+          <a:fontRef idx="minor">
+            <a:schemeClr val="lt1"/>
+          </a:fontRef>
+        </p:style>
+        <p:txBody>
+          <a:bodyPr rtlCol="0" anchor="ctr"/>
+          <a:lstStyle/>
+          <a:p>
+            <a:pPr algn="ctr"/>
+            <a:endParaRPr lang="en-US" dirty="0"/>
+          </a:p>
+        </p:txBody>
+      </p:sp>
+      <p:sp>
+        <p:nvSpPr>
+          <p:cNvPr id="8" name="TextBox 7">
+            <a:extLst>
+              <a:ext uri="{FF2B5EF4-FFF2-40B4-BE49-F238E27FC236}">
+                <a16:creationId xmlns:a16="http://schemas.microsoft.com/office/drawing/2014/main" id="{F3A98BF4-466C-43BA-A663-15CFFE076340}"/>
+              </a:ext>
+            </a:extLst>
+          </p:cNvPr>
+          <p:cNvSpPr txBox="1"/>
+          <p:nvPr/>
+        </p:nvSpPr>
+        <p:spPr>
+          <a:xfrm>
+            <a:off x="738168" y="519846"/>
+            <a:ext cx="7412774" cy="769441"/>
+          </a:xfrm>
+          <a:prstGeom prst="rect">
+            <a:avLst/>
+          </a:prstGeom>
+          <a:noFill/>
+        </p:spPr>
+        <p:txBody>
+          <a:bodyPr wrap="square" rtlCol="0">
+            <a:spAutoFit/>
+          </a:bodyPr>
+          <a:lstStyle/>
+          <a:p>
+            <a:r>
+              <a:rPr lang="en-US" sz="4400" dirty="0">
+                <a:solidFill>
+                  <a:schemeClr val="bg1"/>
+                </a:solidFill>
+                <a:latin typeface="+mj-lt"/>
+              </a:rPr>
+              <a:t>Data Analysis</a:t>
+            </a:r>
+          </a:p>
+        </p:txBody>
+      </p:sp>
+      <p:sp>
+        <p:nvSpPr>
+          <p:cNvPr id="3" name="TextBox 2">
+            <a:extLst>
+              <a:ext uri="{FF2B5EF4-FFF2-40B4-BE49-F238E27FC236}">
+                <a16:creationId xmlns:a16="http://schemas.microsoft.com/office/drawing/2014/main" id="{5CDA026E-6567-4215-B7D3-FE89F9C847A3}"/>
+              </a:ext>
+            </a:extLst>
+          </p:cNvPr>
+          <p:cNvSpPr txBox="1"/>
+          <p:nvPr/>
+        </p:nvSpPr>
+        <p:spPr>
+          <a:xfrm>
+            <a:off x="738168" y="2438400"/>
+            <a:ext cx="10737552" cy="2554545"/>
+          </a:xfrm>
+          <a:prstGeom prst="rect">
+            <a:avLst/>
+          </a:prstGeom>
+          <a:noFill/>
+        </p:spPr>
+        <p:txBody>
+          <a:bodyPr wrap="square" rtlCol="0">
+            <a:spAutoFit/>
+          </a:bodyPr>
+          <a:lstStyle/>
+          <a:p>
+            <a:pPr marL="285750" indent="-285750">
+              <a:buFont typeface="Arial" panose="020B0604020202020204" pitchFamily="34" charset="0"/>
+              <a:buChar char="•"/>
+            </a:pPr>
+            <a:r>
+              <a:rPr lang="en-US" sz="3200" dirty="0">
+                <a:solidFill>
+                  <a:srgbClr val="404040"/>
+                </a:solidFill>
+              </a:rPr>
+              <a:t>How do attributes of tutors and schools relate to our various measurements of success?</a:t>
+            </a:r>
+          </a:p>
+          <a:p>
+            <a:pPr marL="285750" indent="-285750">
+              <a:buFont typeface="Arial" panose="020B0604020202020204" pitchFamily="34" charset="0"/>
+              <a:buChar char="•"/>
+            </a:pPr>
+            <a:r>
+              <a:rPr lang="en-US" sz="3200" dirty="0">
+                <a:solidFill>
+                  <a:srgbClr val="404040"/>
+                </a:solidFill>
+              </a:rPr>
+              <a:t>Can we combine our disparate metrics into a model of successful program implementation to inform actionable intervention?</a:t>
+            </a:r>
+          </a:p>
+        </p:txBody>
+      </p:sp>
+    </p:spTree>
+    <p:extLst>
+      <p:ext uri="{BB962C8B-B14F-4D97-AF65-F5344CB8AC3E}">
+        <p14:creationId xmlns:p14="http://schemas.microsoft.com/office/powerpoint/2010/main" val="96547170"/>
+      </p:ext>
+    </p:extLst>
+  </p:cSld>
+  <p:clrMapOvr>
+    <a:masterClrMapping/>
+  </p:clrMapOvr>
+</p:sld>
+</file>
+
+<file path=ppt/slides/slide8.xml><?xml version="1.0" encoding="utf-8"?>
+<p:sld xmlns:a="http://schemas.openxmlformats.org/drawingml/2006/main" xmlns:r="http://schemas.openxmlformats.org/officeDocument/2006/relationships" xmlns:p="http://schemas.openxmlformats.org/presentationml/2006/main">
+  <p:cSld>
+    <p:spTree>
+      <p:nvGrpSpPr>
+        <p:cNvPr id="1" name=""/>
+        <p:cNvGrpSpPr/>
+        <p:nvPr/>
+      </p:nvGrpSpPr>
+      <p:grpSpPr>
+        <a:xfrm>
+          <a:off x="0" y="0"/>
+          <a:ext cx="0" cy="0"/>
+          <a:chOff x="0" y="0"/>
+          <a:chExt cx="0" cy="0"/>
+        </a:xfrm>
+      </p:grpSpPr>
+      <p:sp>
+        <p:nvSpPr>
+          <p:cNvPr id="29" name="Rectangle 28">
+            <a:extLst>
+              <a:ext uri="{FF2B5EF4-FFF2-40B4-BE49-F238E27FC236}">
+                <a16:creationId xmlns:a16="http://schemas.microsoft.com/office/drawing/2014/main" id="{3A6EED04-84B6-4C41-88FB-B2A903AA4914}"/>
+              </a:ext>
+            </a:extLst>
+          </p:cNvPr>
+          <p:cNvSpPr/>
+          <p:nvPr/>
+        </p:nvSpPr>
+        <p:spPr>
+          <a:xfrm>
+            <a:off x="0" y="0"/>
+            <a:ext cx="12192000" cy="1809135"/>
+          </a:xfrm>
+          <a:prstGeom prst="rect">
+            <a:avLst/>
+          </a:prstGeom>
+          <a:solidFill>
+            <a:srgbClr val="404040"/>
+          </a:solidFill>
+          <a:ln>
+            <a:solidFill>
+              <a:srgbClr val="404040"/>
+            </a:solidFill>
+          </a:ln>
+        </p:spPr>
+        <p:style>
+          <a:lnRef idx="2">
+            <a:schemeClr val="accent1">
+              <a:shade val="50000"/>
+            </a:schemeClr>
+          </a:lnRef>
+          <a:fillRef idx="1">
+            <a:schemeClr val="accent1"/>
+          </a:fillRef>
+          <a:effectRef idx="0">
+            <a:schemeClr val="accent1"/>
+          </a:effectRef>
+          <a:fontRef idx="minor">
+            <a:schemeClr val="lt1"/>
+          </a:fontRef>
+        </p:style>
+        <p:txBody>
+          <a:bodyPr rtlCol="0" anchor="ctr"/>
+          <a:lstStyle/>
+          <a:p>
+            <a:pPr algn="ctr"/>
+            <a:endParaRPr lang="en-US" dirty="0"/>
+          </a:p>
+        </p:txBody>
+      </p:sp>
+      <p:sp>
+        <p:nvSpPr>
+          <p:cNvPr id="8" name="TextBox 7">
+            <a:extLst>
+              <a:ext uri="{FF2B5EF4-FFF2-40B4-BE49-F238E27FC236}">
+                <a16:creationId xmlns:a16="http://schemas.microsoft.com/office/drawing/2014/main" id="{F3A98BF4-466C-43BA-A663-15CFFE076340}"/>
+              </a:ext>
+            </a:extLst>
+          </p:cNvPr>
+          <p:cNvSpPr txBox="1"/>
+          <p:nvPr/>
+        </p:nvSpPr>
+        <p:spPr>
+          <a:xfrm>
+            <a:off x="738168" y="519846"/>
+            <a:ext cx="7412774" cy="769441"/>
+          </a:xfrm>
+          <a:prstGeom prst="rect">
+            <a:avLst/>
+          </a:prstGeom>
+          <a:noFill/>
+        </p:spPr>
+        <p:txBody>
+          <a:bodyPr wrap="square" rtlCol="0">
+            <a:spAutoFit/>
+          </a:bodyPr>
+          <a:lstStyle/>
+          <a:p>
+            <a:r>
+              <a:rPr lang="en-US" sz="4400" dirty="0">
+                <a:solidFill>
+                  <a:schemeClr val="bg1"/>
+                </a:solidFill>
+                <a:latin typeface="+mj-lt"/>
+              </a:rPr>
+              <a:t>Web App</a:t>
+            </a:r>
+          </a:p>
+        </p:txBody>
+      </p:sp>
+    </p:spTree>
+    <p:extLst>
+      <p:ext uri="{BB962C8B-B14F-4D97-AF65-F5344CB8AC3E}">
+        <p14:creationId xmlns:p14="http://schemas.microsoft.com/office/powerpoint/2010/main" val="3523406383"/>
       </p:ext>
     </p:extLst>
   </p:cSld>

--- a/2018-06-14-ChiPy/Presentation.pptx
+++ b/2018-06-14-ChiPy/Presentation.pptx
@@ -4,6 +4,9 @@
   <p:sldMasterIdLst>
     <p:sldMasterId id="2147483648" r:id="rId1"/>
   </p:sldMasterIdLst>
+  <p:notesMasterIdLst>
+    <p:notesMasterId r:id="rId18"/>
+  </p:notesMasterIdLst>
   <p:sldIdLst>
     <p:sldId id="256" r:id="rId2"/>
     <p:sldId id="257" r:id="rId3"/>
@@ -12,7 +15,15 @@
     <p:sldId id="261" r:id="rId6"/>
     <p:sldId id="260" r:id="rId7"/>
     <p:sldId id="262" r:id="rId8"/>
-    <p:sldId id="263" r:id="rId9"/>
+    <p:sldId id="269" r:id="rId9"/>
+    <p:sldId id="266" r:id="rId10"/>
+    <p:sldId id="267" r:id="rId11"/>
+    <p:sldId id="265" r:id="rId12"/>
+    <p:sldId id="273" r:id="rId13"/>
+    <p:sldId id="263" r:id="rId14"/>
+    <p:sldId id="270" r:id="rId15"/>
+    <p:sldId id="274" r:id="rId16"/>
+    <p:sldId id="272" r:id="rId17"/>
   </p:sldIdLst>
   <p:sldSz cx="12192000" cy="6858000"/>
   <p:notesSz cx="6858000" cy="9144000"/>
@@ -124,6 +135,757 @@
 </file>
 
 <file path=ppt/diagrams/colors1.xml><?xml version="1.0" encoding="utf-8"?>
+<dgm:colorsDef xmlns:dgm="http://schemas.openxmlformats.org/drawingml/2006/diagram" xmlns:a="http://schemas.openxmlformats.org/drawingml/2006/main" uniqueId="urn:microsoft.com/office/officeart/2005/8/colors/accent0_3">
+  <dgm:title val=""/>
+  <dgm:desc val=""/>
+  <dgm:catLst>
+    <dgm:cat type="mainScheme" pri="10300"/>
+  </dgm:catLst>
+  <dgm:styleLbl name="node0">
+    <dgm:fillClrLst meth="repeat">
+      <a:schemeClr val="dk2"/>
+    </dgm:fillClrLst>
+    <dgm:linClrLst meth="repeat">
+      <a:schemeClr val="lt2"/>
+    </dgm:linClrLst>
+    <dgm:effectClrLst/>
+    <dgm:txLinClrLst/>
+    <dgm:txFillClrLst/>
+    <dgm:txEffectClrLst/>
+  </dgm:styleLbl>
+  <dgm:styleLbl name="alignNode1">
+    <dgm:fillClrLst meth="repeat">
+      <a:schemeClr val="dk2"/>
+    </dgm:fillClrLst>
+    <dgm:linClrLst meth="repeat">
+      <a:schemeClr val="dk2"/>
+    </dgm:linClrLst>
+    <dgm:effectClrLst/>
+    <dgm:txLinClrLst/>
+    <dgm:txFillClrLst/>
+    <dgm:txEffectClrLst/>
+  </dgm:styleLbl>
+  <dgm:styleLbl name="node1">
+    <dgm:fillClrLst meth="repeat">
+      <a:schemeClr val="dk2"/>
+    </dgm:fillClrLst>
+    <dgm:linClrLst meth="repeat">
+      <a:schemeClr val="lt2"/>
+    </dgm:linClrLst>
+    <dgm:effectClrLst/>
+    <dgm:txLinClrLst/>
+    <dgm:txFillClrLst/>
+    <dgm:txEffectClrLst/>
+  </dgm:styleLbl>
+  <dgm:styleLbl name="lnNode1">
+    <dgm:fillClrLst meth="repeat">
+      <a:schemeClr val="dk2"/>
+    </dgm:fillClrLst>
+    <dgm:linClrLst meth="repeat">
+      <a:schemeClr val="lt2"/>
+    </dgm:linClrLst>
+    <dgm:effectClrLst/>
+    <dgm:txLinClrLst/>
+    <dgm:txFillClrLst/>
+    <dgm:txEffectClrLst/>
+  </dgm:styleLbl>
+  <dgm:styleLbl name="vennNode1">
+    <dgm:fillClrLst meth="repeat">
+      <a:schemeClr val="dk2">
+        <a:alpha val="50000"/>
+      </a:schemeClr>
+    </dgm:fillClrLst>
+    <dgm:linClrLst meth="repeat">
+      <a:schemeClr val="lt2"/>
+    </dgm:linClrLst>
+    <dgm:effectClrLst/>
+    <dgm:txLinClrLst/>
+    <dgm:txFillClrLst/>
+    <dgm:txEffectClrLst/>
+  </dgm:styleLbl>
+  <dgm:styleLbl name="node2">
+    <dgm:fillClrLst meth="repeat">
+      <a:schemeClr val="dk2"/>
+    </dgm:fillClrLst>
+    <dgm:linClrLst meth="repeat">
+      <a:schemeClr val="lt2"/>
+    </dgm:linClrLst>
+    <dgm:effectClrLst/>
+    <dgm:txLinClrLst/>
+    <dgm:txFillClrLst/>
+    <dgm:txEffectClrLst/>
+  </dgm:styleLbl>
+  <dgm:styleLbl name="node3">
+    <dgm:fillClrLst meth="repeat">
+      <a:schemeClr val="dk2"/>
+    </dgm:fillClrLst>
+    <dgm:linClrLst meth="repeat">
+      <a:schemeClr val="lt2"/>
+    </dgm:linClrLst>
+    <dgm:effectClrLst/>
+    <dgm:txLinClrLst/>
+    <dgm:txFillClrLst/>
+    <dgm:txEffectClrLst/>
+  </dgm:styleLbl>
+  <dgm:styleLbl name="node4">
+    <dgm:fillClrLst meth="repeat">
+      <a:schemeClr val="dk2"/>
+    </dgm:fillClrLst>
+    <dgm:linClrLst meth="repeat">
+      <a:schemeClr val="lt2"/>
+    </dgm:linClrLst>
+    <dgm:effectClrLst/>
+    <dgm:txLinClrLst/>
+    <dgm:txFillClrLst/>
+    <dgm:txEffectClrLst/>
+  </dgm:styleLbl>
+  <dgm:styleLbl name="fgImgPlace1">
+    <dgm:fillClrLst meth="repeat">
+      <a:schemeClr val="dk2">
+        <a:tint val="50000"/>
+      </a:schemeClr>
+    </dgm:fillClrLst>
+    <dgm:linClrLst meth="repeat">
+      <a:schemeClr val="lt2"/>
+    </dgm:linClrLst>
+    <dgm:effectClrLst/>
+    <dgm:txLinClrLst/>
+    <dgm:txFillClrLst meth="repeat">
+      <a:schemeClr val="lt2"/>
+    </dgm:txFillClrLst>
+    <dgm:txEffectClrLst/>
+  </dgm:styleLbl>
+  <dgm:styleLbl name="alignImgPlace1">
+    <dgm:fillClrLst meth="repeat">
+      <a:schemeClr val="dk2">
+        <a:tint val="50000"/>
+      </a:schemeClr>
+    </dgm:fillClrLst>
+    <dgm:linClrLst meth="repeat">
+      <a:schemeClr val="dk2">
+        <a:shade val="80000"/>
+      </a:schemeClr>
+    </dgm:linClrLst>
+    <dgm:effectClrLst/>
+    <dgm:txLinClrLst/>
+    <dgm:txFillClrLst meth="repeat">
+      <a:schemeClr val="lt2"/>
+    </dgm:txFillClrLst>
+    <dgm:txEffectClrLst/>
+  </dgm:styleLbl>
+  <dgm:styleLbl name="bgImgPlace1">
+    <dgm:fillClrLst meth="repeat">
+      <a:schemeClr val="dk2">
+        <a:tint val="50000"/>
+      </a:schemeClr>
+    </dgm:fillClrLst>
+    <dgm:linClrLst meth="repeat">
+      <a:schemeClr val="dk2">
+        <a:shade val="80000"/>
+      </a:schemeClr>
+    </dgm:linClrLst>
+    <dgm:effectClrLst/>
+    <dgm:txLinClrLst/>
+    <dgm:txFillClrLst meth="repeat">
+      <a:schemeClr val="lt2"/>
+    </dgm:txFillClrLst>
+    <dgm:txEffectClrLst/>
+  </dgm:styleLbl>
+  <dgm:styleLbl name="sibTrans2D1">
+    <dgm:fillClrLst meth="repeat">
+      <a:schemeClr val="dk2">
+        <a:tint val="60000"/>
+      </a:schemeClr>
+    </dgm:fillClrLst>
+    <dgm:linClrLst meth="repeat">
+      <a:schemeClr val="dk2">
+        <a:tint val="60000"/>
+      </a:schemeClr>
+    </dgm:linClrLst>
+    <dgm:effectClrLst/>
+    <dgm:txLinClrLst/>
+    <dgm:txFillClrLst/>
+    <dgm:txEffectClrLst/>
+  </dgm:styleLbl>
+  <dgm:styleLbl name="fgSibTrans2D1">
+    <dgm:fillClrLst meth="repeat">
+      <a:schemeClr val="dk2">
+        <a:tint val="60000"/>
+      </a:schemeClr>
+    </dgm:fillClrLst>
+    <dgm:linClrLst meth="repeat">
+      <a:schemeClr val="dk2">
+        <a:tint val="60000"/>
+      </a:schemeClr>
+    </dgm:linClrLst>
+    <dgm:effectClrLst/>
+    <dgm:txLinClrLst/>
+    <dgm:txFillClrLst/>
+    <dgm:txEffectClrLst/>
+  </dgm:styleLbl>
+  <dgm:styleLbl name="bgSibTrans2D1">
+    <dgm:fillClrLst meth="repeat">
+      <a:schemeClr val="dk2">
+        <a:tint val="60000"/>
+      </a:schemeClr>
+    </dgm:fillClrLst>
+    <dgm:linClrLst meth="repeat">
+      <a:schemeClr val="dk2">
+        <a:tint val="60000"/>
+      </a:schemeClr>
+    </dgm:linClrLst>
+    <dgm:effectClrLst/>
+    <dgm:txLinClrLst/>
+    <dgm:txFillClrLst/>
+    <dgm:txEffectClrLst/>
+  </dgm:styleLbl>
+  <dgm:styleLbl name="sibTrans1D1">
+    <dgm:fillClrLst meth="repeat">
+      <a:schemeClr val="dk2"/>
+    </dgm:fillClrLst>
+    <dgm:linClrLst meth="repeat">
+      <a:schemeClr val="dk2"/>
+    </dgm:linClrLst>
+    <dgm:effectClrLst/>
+    <dgm:txLinClrLst/>
+    <dgm:txFillClrLst meth="repeat">
+      <a:schemeClr val="lt2"/>
+    </dgm:txFillClrLst>
+    <dgm:txEffectClrLst/>
+  </dgm:styleLbl>
+  <dgm:styleLbl name="callout">
+    <dgm:fillClrLst meth="repeat">
+      <a:schemeClr val="dk2"/>
+    </dgm:fillClrLst>
+    <dgm:linClrLst meth="repeat">
+      <a:schemeClr val="dk2">
+        <a:tint val="50000"/>
+      </a:schemeClr>
+    </dgm:linClrLst>
+    <dgm:effectClrLst/>
+    <dgm:txLinClrLst/>
+    <dgm:txFillClrLst meth="repeat">
+      <a:schemeClr val="lt2"/>
+    </dgm:txFillClrLst>
+    <dgm:txEffectClrLst/>
+  </dgm:styleLbl>
+  <dgm:styleLbl name="asst0">
+    <dgm:fillClrLst meth="repeat">
+      <a:schemeClr val="dk2"/>
+    </dgm:fillClrLst>
+    <dgm:linClrLst meth="repeat">
+      <a:schemeClr val="lt2"/>
+    </dgm:linClrLst>
+    <dgm:effectClrLst/>
+    <dgm:txLinClrLst/>
+    <dgm:txFillClrLst/>
+    <dgm:txEffectClrLst/>
+  </dgm:styleLbl>
+  <dgm:styleLbl name="asst1">
+    <dgm:fillClrLst meth="repeat">
+      <a:schemeClr val="dk2"/>
+    </dgm:fillClrLst>
+    <dgm:linClrLst meth="repeat">
+      <a:schemeClr val="lt2"/>
+    </dgm:linClrLst>
+    <dgm:effectClrLst/>
+    <dgm:txLinClrLst/>
+    <dgm:txFillClrLst/>
+    <dgm:txEffectClrLst/>
+  </dgm:styleLbl>
+  <dgm:styleLbl name="asst2">
+    <dgm:fillClrLst meth="repeat">
+      <a:schemeClr val="dk2"/>
+    </dgm:fillClrLst>
+    <dgm:linClrLst meth="repeat">
+      <a:schemeClr val="lt2"/>
+    </dgm:linClrLst>
+    <dgm:effectClrLst/>
+    <dgm:txLinClrLst/>
+    <dgm:txFillClrLst/>
+    <dgm:txEffectClrLst/>
+  </dgm:styleLbl>
+  <dgm:styleLbl name="asst3">
+    <dgm:fillClrLst meth="repeat">
+      <a:schemeClr val="dk2"/>
+    </dgm:fillClrLst>
+    <dgm:linClrLst meth="repeat">
+      <a:schemeClr val="lt2"/>
+    </dgm:linClrLst>
+    <dgm:effectClrLst/>
+    <dgm:txLinClrLst/>
+    <dgm:txFillClrLst/>
+    <dgm:txEffectClrLst/>
+  </dgm:styleLbl>
+  <dgm:styleLbl name="asst4">
+    <dgm:fillClrLst meth="repeat">
+      <a:schemeClr val="dk2"/>
+    </dgm:fillClrLst>
+    <dgm:linClrLst meth="repeat">
+      <a:schemeClr val="lt2"/>
+    </dgm:linClrLst>
+    <dgm:effectClrLst/>
+    <dgm:txLinClrLst/>
+    <dgm:txFillClrLst/>
+    <dgm:txEffectClrLst/>
+  </dgm:styleLbl>
+  <dgm:styleLbl name="parChTrans2D1">
+    <dgm:fillClrLst meth="repeat">
+      <a:schemeClr val="dk2">
+        <a:tint val="60000"/>
+      </a:schemeClr>
+    </dgm:fillClrLst>
+    <dgm:linClrLst meth="repeat">
+      <a:schemeClr val="dk2">
+        <a:tint val="60000"/>
+      </a:schemeClr>
+    </dgm:linClrLst>
+    <dgm:effectClrLst/>
+    <dgm:txLinClrLst/>
+    <dgm:txFillClrLst meth="repeat">
+      <a:schemeClr val="lt2"/>
+    </dgm:txFillClrLst>
+    <dgm:txEffectClrLst/>
+  </dgm:styleLbl>
+  <dgm:styleLbl name="parChTrans2D2">
+    <dgm:fillClrLst meth="repeat">
+      <a:schemeClr val="dk2"/>
+    </dgm:fillClrLst>
+    <dgm:linClrLst meth="repeat">
+      <a:schemeClr val="dk2"/>
+    </dgm:linClrLst>
+    <dgm:effectClrLst/>
+    <dgm:txLinClrLst/>
+    <dgm:txFillClrLst meth="repeat">
+      <a:schemeClr val="lt2"/>
+    </dgm:txFillClrLst>
+    <dgm:txEffectClrLst/>
+  </dgm:styleLbl>
+  <dgm:styleLbl name="parChTrans2D3">
+    <dgm:fillClrLst meth="repeat">
+      <a:schemeClr val="dk2"/>
+    </dgm:fillClrLst>
+    <dgm:linClrLst meth="repeat">
+      <a:schemeClr val="dk2"/>
+    </dgm:linClrLst>
+    <dgm:effectClrLst/>
+    <dgm:txLinClrLst/>
+    <dgm:txFillClrLst meth="repeat">
+      <a:schemeClr val="lt2"/>
+    </dgm:txFillClrLst>
+    <dgm:txEffectClrLst/>
+  </dgm:styleLbl>
+  <dgm:styleLbl name="parChTrans2D4">
+    <dgm:fillClrLst meth="repeat">
+      <a:schemeClr val="dk2"/>
+    </dgm:fillClrLst>
+    <dgm:linClrLst meth="repeat">
+      <a:schemeClr val="dk2"/>
+    </dgm:linClrLst>
+    <dgm:effectClrLst/>
+    <dgm:txLinClrLst/>
+    <dgm:txFillClrLst meth="repeat">
+      <a:schemeClr val="lt2"/>
+    </dgm:txFillClrLst>
+    <dgm:txEffectClrLst/>
+  </dgm:styleLbl>
+  <dgm:styleLbl name="parChTrans1D1">
+    <dgm:fillClrLst meth="repeat">
+      <a:schemeClr val="dk2"/>
+    </dgm:fillClrLst>
+    <dgm:linClrLst meth="repeat">
+      <a:schemeClr val="dk2">
+        <a:shade val="60000"/>
+      </a:schemeClr>
+    </dgm:linClrLst>
+    <dgm:effectClrLst/>
+    <dgm:txLinClrLst/>
+    <dgm:txFillClrLst meth="repeat">
+      <a:schemeClr val="tx1"/>
+    </dgm:txFillClrLst>
+    <dgm:txEffectClrLst/>
+  </dgm:styleLbl>
+  <dgm:styleLbl name="parChTrans1D2">
+    <dgm:fillClrLst meth="repeat">
+      <a:schemeClr val="dk2"/>
+    </dgm:fillClrLst>
+    <dgm:linClrLst meth="repeat">
+      <a:schemeClr val="dk2">
+        <a:shade val="60000"/>
+      </a:schemeClr>
+    </dgm:linClrLst>
+    <dgm:effectClrLst/>
+    <dgm:txLinClrLst/>
+    <dgm:txFillClrLst meth="repeat">
+      <a:schemeClr val="tx1"/>
+    </dgm:txFillClrLst>
+    <dgm:txEffectClrLst/>
+  </dgm:styleLbl>
+  <dgm:styleLbl name="parChTrans1D3">
+    <dgm:fillClrLst meth="repeat">
+      <a:schemeClr val="dk2"/>
+    </dgm:fillClrLst>
+    <dgm:linClrLst meth="repeat">
+      <a:schemeClr val="dk2">
+        <a:shade val="80000"/>
+      </a:schemeClr>
+    </dgm:linClrLst>
+    <dgm:effectClrLst/>
+    <dgm:txLinClrLst/>
+    <dgm:txFillClrLst meth="repeat">
+      <a:schemeClr val="tx1"/>
+    </dgm:txFillClrLst>
+    <dgm:txEffectClrLst/>
+  </dgm:styleLbl>
+  <dgm:styleLbl name="parChTrans1D4">
+    <dgm:fillClrLst meth="repeat">
+      <a:schemeClr val="dk2"/>
+    </dgm:fillClrLst>
+    <dgm:linClrLst meth="repeat">
+      <a:schemeClr val="dk2">
+        <a:shade val="80000"/>
+      </a:schemeClr>
+    </dgm:linClrLst>
+    <dgm:effectClrLst/>
+    <dgm:txLinClrLst/>
+    <dgm:txFillClrLst meth="repeat">
+      <a:schemeClr val="tx1"/>
+    </dgm:txFillClrLst>
+    <dgm:txEffectClrLst/>
+  </dgm:styleLbl>
+  <dgm:styleLbl name="fgAcc1">
+    <dgm:fillClrLst meth="repeat">
+      <a:schemeClr val="lt2">
+        <a:alpha val="90000"/>
+      </a:schemeClr>
+    </dgm:fillClrLst>
+    <dgm:linClrLst meth="repeat">
+      <a:schemeClr val="dk2"/>
+    </dgm:linClrLst>
+    <dgm:effectClrLst/>
+    <dgm:txLinClrLst/>
+    <dgm:txFillClrLst meth="repeat">
+      <a:schemeClr val="dk1"/>
+    </dgm:txFillClrLst>
+    <dgm:txEffectClrLst/>
+  </dgm:styleLbl>
+  <dgm:styleLbl name="conFgAcc1">
+    <dgm:fillClrLst meth="repeat">
+      <a:schemeClr val="lt2">
+        <a:alpha val="90000"/>
+      </a:schemeClr>
+    </dgm:fillClrLst>
+    <dgm:linClrLst meth="repeat">
+      <a:schemeClr val="dk2"/>
+    </dgm:linClrLst>
+    <dgm:effectClrLst/>
+    <dgm:txLinClrLst/>
+    <dgm:txFillClrLst meth="repeat">
+      <a:schemeClr val="dk1"/>
+    </dgm:txFillClrLst>
+    <dgm:txEffectClrLst/>
+  </dgm:styleLbl>
+  <dgm:styleLbl name="alignAcc1">
+    <dgm:fillClrLst meth="repeat">
+      <a:schemeClr val="lt2">
+        <a:alpha val="90000"/>
+      </a:schemeClr>
+    </dgm:fillClrLst>
+    <dgm:linClrLst meth="repeat">
+      <a:schemeClr val="dk2"/>
+    </dgm:linClrLst>
+    <dgm:effectClrLst/>
+    <dgm:txLinClrLst/>
+    <dgm:txFillClrLst meth="repeat">
+      <a:schemeClr val="dk1"/>
+    </dgm:txFillClrLst>
+    <dgm:txEffectClrLst/>
+  </dgm:styleLbl>
+  <dgm:styleLbl name="trAlignAcc1">
+    <dgm:fillClrLst meth="repeat">
+      <a:schemeClr val="lt2">
+        <a:alpha val="40000"/>
+      </a:schemeClr>
+    </dgm:fillClrLst>
+    <dgm:linClrLst meth="repeat">
+      <a:schemeClr val="dk2"/>
+    </dgm:linClrLst>
+    <dgm:effectClrLst/>
+    <dgm:txLinClrLst/>
+    <dgm:txFillClrLst meth="repeat">
+      <a:schemeClr val="dk1"/>
+    </dgm:txFillClrLst>
+    <dgm:txEffectClrLst/>
+  </dgm:styleLbl>
+  <dgm:styleLbl name="bgAcc1">
+    <dgm:fillClrLst meth="repeat">
+      <a:schemeClr val="lt2">
+        <a:alpha val="90000"/>
+      </a:schemeClr>
+    </dgm:fillClrLst>
+    <dgm:linClrLst meth="repeat">
+      <a:schemeClr val="dk2"/>
+    </dgm:linClrLst>
+    <dgm:effectClrLst/>
+    <dgm:txLinClrLst/>
+    <dgm:txFillClrLst meth="repeat">
+      <a:schemeClr val="dk1"/>
+    </dgm:txFillClrLst>
+    <dgm:txEffectClrLst/>
+  </dgm:styleLbl>
+  <dgm:styleLbl name="solidFgAcc1">
+    <dgm:fillClrLst meth="repeat">
+      <a:schemeClr val="lt2"/>
+    </dgm:fillClrLst>
+    <dgm:linClrLst meth="repeat">
+      <a:schemeClr val="dk2"/>
+    </dgm:linClrLst>
+    <dgm:effectClrLst/>
+    <dgm:txLinClrLst/>
+    <dgm:txFillClrLst meth="repeat">
+      <a:schemeClr val="dk1"/>
+    </dgm:txFillClrLst>
+    <dgm:txEffectClrLst/>
+  </dgm:styleLbl>
+  <dgm:styleLbl name="solidAlignAcc1">
+    <dgm:fillClrLst meth="repeat">
+      <a:schemeClr val="lt2"/>
+    </dgm:fillClrLst>
+    <dgm:linClrLst meth="repeat">
+      <a:schemeClr val="dk2"/>
+    </dgm:linClrLst>
+    <dgm:effectClrLst/>
+    <dgm:txLinClrLst/>
+    <dgm:txFillClrLst meth="repeat">
+      <a:schemeClr val="dk1"/>
+    </dgm:txFillClrLst>
+    <dgm:txEffectClrLst/>
+  </dgm:styleLbl>
+  <dgm:styleLbl name="solidBgAcc1">
+    <dgm:fillClrLst meth="repeat">
+      <a:schemeClr val="lt2"/>
+    </dgm:fillClrLst>
+    <dgm:linClrLst meth="repeat">
+      <a:schemeClr val="dk2"/>
+    </dgm:linClrLst>
+    <dgm:effectClrLst/>
+    <dgm:txLinClrLst/>
+    <dgm:txFillClrLst meth="repeat">
+      <a:schemeClr val="dk1"/>
+    </dgm:txFillClrLst>
+    <dgm:txEffectClrLst/>
+  </dgm:styleLbl>
+  <dgm:styleLbl name="fgAccFollowNode1">
+    <dgm:fillClrLst meth="repeat">
+      <a:schemeClr val="dk2">
+        <a:alpha val="90000"/>
+        <a:tint val="40000"/>
+      </a:schemeClr>
+    </dgm:fillClrLst>
+    <dgm:linClrLst meth="repeat">
+      <a:schemeClr val="dk2">
+        <a:alpha val="90000"/>
+        <a:tint val="40000"/>
+      </a:schemeClr>
+    </dgm:linClrLst>
+    <dgm:effectClrLst/>
+    <dgm:txLinClrLst/>
+    <dgm:txFillClrLst meth="repeat">
+      <a:schemeClr val="dk1"/>
+    </dgm:txFillClrLst>
+    <dgm:txEffectClrLst/>
+  </dgm:styleLbl>
+  <dgm:styleLbl name="alignAccFollowNode1">
+    <dgm:fillClrLst meth="repeat">
+      <a:schemeClr val="dk2">
+        <a:alpha val="90000"/>
+        <a:tint val="40000"/>
+      </a:schemeClr>
+    </dgm:fillClrLst>
+    <dgm:linClrLst meth="repeat">
+      <a:schemeClr val="dk2">
+        <a:alpha val="90000"/>
+        <a:tint val="40000"/>
+      </a:schemeClr>
+    </dgm:linClrLst>
+    <dgm:effectClrLst/>
+    <dgm:txLinClrLst/>
+    <dgm:txFillClrLst meth="repeat">
+      <a:schemeClr val="dk1"/>
+    </dgm:txFillClrLst>
+    <dgm:txEffectClrLst/>
+  </dgm:styleLbl>
+  <dgm:styleLbl name="bgAccFollowNode1">
+    <dgm:fillClrLst meth="repeat">
+      <a:schemeClr val="dk2">
+        <a:alpha val="90000"/>
+        <a:tint val="40000"/>
+      </a:schemeClr>
+    </dgm:fillClrLst>
+    <dgm:linClrLst meth="repeat">
+      <a:schemeClr val="dk2">
+        <a:alpha val="90000"/>
+        <a:tint val="40000"/>
+      </a:schemeClr>
+    </dgm:linClrLst>
+    <dgm:effectClrLst/>
+    <dgm:txLinClrLst/>
+    <dgm:txFillClrLst meth="repeat">
+      <a:schemeClr val="dk1"/>
+    </dgm:txFillClrLst>
+    <dgm:txEffectClrLst/>
+  </dgm:styleLbl>
+  <dgm:styleLbl name="fgAcc0">
+    <dgm:fillClrLst meth="repeat">
+      <a:schemeClr val="lt2">
+        <a:alpha val="90000"/>
+      </a:schemeClr>
+    </dgm:fillClrLst>
+    <dgm:linClrLst meth="repeat">
+      <a:schemeClr val="dk2"/>
+    </dgm:linClrLst>
+    <dgm:effectClrLst/>
+    <dgm:txLinClrLst/>
+    <dgm:txFillClrLst meth="repeat">
+      <a:schemeClr val="dk1"/>
+    </dgm:txFillClrLst>
+    <dgm:txEffectClrLst/>
+  </dgm:styleLbl>
+  <dgm:styleLbl name="fgAcc2">
+    <dgm:fillClrLst meth="repeat">
+      <a:schemeClr val="lt2">
+        <a:alpha val="90000"/>
+      </a:schemeClr>
+    </dgm:fillClrLst>
+    <dgm:linClrLst meth="repeat">
+      <a:schemeClr val="dk2"/>
+    </dgm:linClrLst>
+    <dgm:effectClrLst/>
+    <dgm:txLinClrLst/>
+    <dgm:txFillClrLst meth="repeat">
+      <a:schemeClr val="dk1"/>
+    </dgm:txFillClrLst>
+    <dgm:txEffectClrLst/>
+  </dgm:styleLbl>
+  <dgm:styleLbl name="fgAcc3">
+    <dgm:fillClrLst meth="repeat">
+      <a:schemeClr val="lt2">
+        <a:alpha val="90000"/>
+      </a:schemeClr>
+    </dgm:fillClrLst>
+    <dgm:linClrLst meth="repeat">
+      <a:schemeClr val="dk2"/>
+    </dgm:linClrLst>
+    <dgm:effectClrLst/>
+    <dgm:txLinClrLst/>
+    <dgm:txFillClrLst meth="repeat">
+      <a:schemeClr val="dk1"/>
+    </dgm:txFillClrLst>
+    <dgm:txEffectClrLst/>
+  </dgm:styleLbl>
+  <dgm:styleLbl name="fgAcc4">
+    <dgm:fillClrLst meth="repeat">
+      <a:schemeClr val="lt2">
+        <a:alpha val="90000"/>
+      </a:schemeClr>
+    </dgm:fillClrLst>
+    <dgm:linClrLst meth="repeat">
+      <a:schemeClr val="dk2"/>
+    </dgm:linClrLst>
+    <dgm:effectClrLst/>
+    <dgm:txLinClrLst/>
+    <dgm:txFillClrLst meth="repeat">
+      <a:schemeClr val="dk1"/>
+    </dgm:txFillClrLst>
+    <dgm:txEffectClrLst/>
+  </dgm:styleLbl>
+  <dgm:styleLbl name="bgShp">
+    <dgm:fillClrLst meth="repeat">
+      <a:schemeClr val="dk2">
+        <a:tint val="40000"/>
+      </a:schemeClr>
+    </dgm:fillClrLst>
+    <dgm:linClrLst meth="repeat">
+      <a:schemeClr val="dk2"/>
+    </dgm:linClrLst>
+    <dgm:effectClrLst/>
+    <dgm:txLinClrLst/>
+    <dgm:txFillClrLst meth="repeat">
+      <a:schemeClr val="dk1"/>
+    </dgm:txFillClrLst>
+    <dgm:txEffectClrLst/>
+  </dgm:styleLbl>
+  <dgm:styleLbl name="dkBgShp">
+    <dgm:fillClrLst meth="repeat">
+      <a:schemeClr val="dk2">
+        <a:shade val="80000"/>
+      </a:schemeClr>
+    </dgm:fillClrLst>
+    <dgm:linClrLst meth="repeat">
+      <a:schemeClr val="dk2"/>
+    </dgm:linClrLst>
+    <dgm:effectClrLst/>
+    <dgm:txLinClrLst/>
+    <dgm:txFillClrLst meth="repeat">
+      <a:schemeClr val="lt1"/>
+    </dgm:txFillClrLst>
+    <dgm:txEffectClrLst/>
+  </dgm:styleLbl>
+  <dgm:styleLbl name="trBgShp">
+    <dgm:fillClrLst meth="repeat">
+      <a:schemeClr val="dk2">
+        <a:tint val="50000"/>
+        <a:alpha val="40000"/>
+      </a:schemeClr>
+    </dgm:fillClrLst>
+    <dgm:linClrLst meth="repeat">
+      <a:schemeClr val="dk2"/>
+    </dgm:linClrLst>
+    <dgm:effectClrLst/>
+    <dgm:txLinClrLst/>
+    <dgm:txFillClrLst meth="repeat">
+      <a:schemeClr val="lt1"/>
+    </dgm:txFillClrLst>
+    <dgm:txEffectClrLst/>
+  </dgm:styleLbl>
+  <dgm:styleLbl name="fgShp">
+    <dgm:fillClrLst meth="repeat">
+      <a:schemeClr val="dk2">
+        <a:tint val="60000"/>
+      </a:schemeClr>
+    </dgm:fillClrLst>
+    <dgm:linClrLst meth="repeat">
+      <a:schemeClr val="lt2"/>
+    </dgm:linClrLst>
+    <dgm:effectClrLst/>
+    <dgm:txLinClrLst/>
+    <dgm:txFillClrLst meth="repeat">
+      <a:schemeClr val="dk1"/>
+    </dgm:txFillClrLst>
+    <dgm:txEffectClrLst/>
+  </dgm:styleLbl>
+  <dgm:styleLbl name="revTx">
+    <dgm:fillClrLst meth="repeat">
+      <a:schemeClr val="lt2">
+        <a:alpha val="0"/>
+      </a:schemeClr>
+    </dgm:fillClrLst>
+    <dgm:linClrLst meth="repeat">
+      <a:schemeClr val="dk1">
+        <a:alpha val="0"/>
+      </a:schemeClr>
+    </dgm:linClrLst>
+    <dgm:effectClrLst/>
+    <dgm:txLinClrLst/>
+    <dgm:txFillClrLst meth="repeat">
+      <a:schemeClr val="tx1"/>
+    </dgm:txFillClrLst>
+    <dgm:txEffectClrLst/>
+  </dgm:styleLbl>
+</dgm:colorsDef>
+</file>
+
+<file path=ppt/diagrams/colors2.xml><?xml version="1.0" encoding="utf-8"?>
 <dgm:colorsDef xmlns:dgm="http://schemas.openxmlformats.org/drawingml/2006/diagram" xmlns:a="http://schemas.openxmlformats.org/drawingml/2006/main" uniqueId="urn:microsoft.com/office/officeart/2005/8/colors/accent0_3">
   <dgm:title val=""/>
   <dgm:desc val=""/>
@@ -1155,6 +1917,289 @@
   <dgm:extLst>
     <a:ext uri="http://schemas.microsoft.com/office/drawing/2008/diagram">
       <dsp:dataModelExt xmlns:dsp="http://schemas.microsoft.com/office/drawing/2008/diagram" relId="rId7" minVer="http://schemas.openxmlformats.org/drawingml/2006/diagram"/>
+    </a:ext>
+  </dgm:extLst>
+</dgm:dataModel>
+</file>
+
+<file path=ppt/diagrams/data2.xml><?xml version="1.0" encoding="utf-8"?>
+<dgm:dataModel xmlns:dgm="http://schemas.openxmlformats.org/drawingml/2006/diagram" xmlns:a="http://schemas.openxmlformats.org/drawingml/2006/main">
+  <dgm:ptLst>
+    <dgm:pt modelId="{0FA6FAFC-72B0-49C6-A631-F9D060462530}" type="doc">
+      <dgm:prSet loTypeId="urn:microsoft.com/office/officeart/2008/layout/LinedList" loCatId="list" qsTypeId="urn:microsoft.com/office/officeart/2005/8/quickstyle/simple4" qsCatId="simple" csTypeId="urn:microsoft.com/office/officeart/2005/8/colors/accent0_3" csCatId="mainScheme" phldr="1"/>
+      <dgm:spPr/>
+      <dgm:t>
+        <a:bodyPr/>
+        <a:lstStyle/>
+        <a:p>
+          <a:endParaRPr lang="en-US"/>
+        </a:p>
+      </dgm:t>
+    </dgm:pt>
+    <dgm:pt modelId="{5E702157-9244-477B-AD31-7DC8696D0548}">
+      <dgm:prSet custT="1"/>
+      <dgm:spPr/>
+      <dgm:t>
+        <a:bodyPr/>
+        <a:lstStyle/>
+        <a:p>
+          <a:r>
+            <a:rPr lang="en-US" sz="3900" dirty="0">
+              <a:solidFill>
+                <a:srgbClr val="404040"/>
+              </a:solidFill>
+            </a:rPr>
+            <a:t>Full-year context</a:t>
+          </a:r>
+        </a:p>
+      </dgm:t>
+    </dgm:pt>
+    <dgm:pt modelId="{2127D455-8937-49F4-BD89-BEFE6B39AACC}" type="parTrans" cxnId="{6FCAA6E5-D2B6-4DAE-9CAD-5189AA82CA34}">
+      <dgm:prSet/>
+      <dgm:spPr/>
+      <dgm:t>
+        <a:bodyPr/>
+        <a:lstStyle/>
+        <a:p>
+          <a:endParaRPr lang="en-US"/>
+        </a:p>
+      </dgm:t>
+    </dgm:pt>
+    <dgm:pt modelId="{839F4231-90EF-4B86-8390-4617EE4A5361}" type="sibTrans" cxnId="{6FCAA6E5-D2B6-4DAE-9CAD-5189AA82CA34}">
+      <dgm:prSet/>
+      <dgm:spPr/>
+      <dgm:t>
+        <a:bodyPr/>
+        <a:lstStyle/>
+        <a:p>
+          <a:endParaRPr lang="en-US"/>
+        </a:p>
+      </dgm:t>
+    </dgm:pt>
+    <dgm:pt modelId="{CC4C2A4B-41C7-45B6-A2AA-92B2E9F9993C}">
+      <dgm:prSet custT="1"/>
+      <dgm:spPr/>
+      <dgm:t>
+        <a:bodyPr/>
+        <a:lstStyle/>
+        <a:p>
+          <a:r>
+            <a:rPr lang="en-US" sz="3900" dirty="0">
+              <a:solidFill>
+                <a:srgbClr val="404040"/>
+              </a:solidFill>
+            </a:rPr>
+            <a:t>Longitudinal data</a:t>
+          </a:r>
+        </a:p>
+      </dgm:t>
+    </dgm:pt>
+    <dgm:pt modelId="{291B4CFC-910B-44A2-95B1-DFAFC5001CE4}" type="parTrans" cxnId="{7D2E59B5-DAB3-4898-9E89-DF4C182A15ED}">
+      <dgm:prSet/>
+      <dgm:spPr/>
+      <dgm:t>
+        <a:bodyPr/>
+        <a:lstStyle/>
+        <a:p>
+          <a:endParaRPr lang="en-US"/>
+        </a:p>
+      </dgm:t>
+    </dgm:pt>
+    <dgm:pt modelId="{29546249-EB11-441A-B452-41A980F73401}" type="sibTrans" cxnId="{7D2E59B5-DAB3-4898-9E89-DF4C182A15ED}">
+      <dgm:prSet/>
+      <dgm:spPr/>
+      <dgm:t>
+        <a:bodyPr/>
+        <a:lstStyle/>
+        <a:p>
+          <a:endParaRPr lang="en-US"/>
+        </a:p>
+      </dgm:t>
+    </dgm:pt>
+    <dgm:pt modelId="{807A7D3F-0646-4C8A-BC9B-BF7A98AEE227}">
+      <dgm:prSet custT="1"/>
+      <dgm:spPr/>
+      <dgm:t>
+        <a:bodyPr/>
+        <a:lstStyle/>
+        <a:p>
+          <a:r>
+            <a:rPr lang="en-US" sz="3900" dirty="0">
+              <a:solidFill>
+                <a:srgbClr val="404040"/>
+              </a:solidFill>
+            </a:rPr>
+            <a:t>Direct data from CPS</a:t>
+          </a:r>
+        </a:p>
+      </dgm:t>
+    </dgm:pt>
+    <dgm:pt modelId="{42C0D23E-0D73-45F1-9BC0-CA4AE82D0669}" type="parTrans" cxnId="{6CCA2BF0-65FF-445C-98C7-F07B878B16F5}">
+      <dgm:prSet/>
+      <dgm:spPr/>
+      <dgm:t>
+        <a:bodyPr/>
+        <a:lstStyle/>
+        <a:p>
+          <a:endParaRPr lang="en-US"/>
+        </a:p>
+      </dgm:t>
+    </dgm:pt>
+    <dgm:pt modelId="{1409EA93-D586-425A-BC2A-3A6B96E0C924}" type="sibTrans" cxnId="{6CCA2BF0-65FF-445C-98C7-F07B878B16F5}">
+      <dgm:prSet/>
+      <dgm:spPr/>
+      <dgm:t>
+        <a:bodyPr/>
+        <a:lstStyle/>
+        <a:p>
+          <a:endParaRPr lang="en-US"/>
+        </a:p>
+      </dgm:t>
+    </dgm:pt>
+    <dgm:pt modelId="{CB7D4319-D0E7-46CF-A32C-B6F8A8B8D4FB}">
+      <dgm:prSet/>
+      <dgm:spPr/>
+      <dgm:t>
+        <a:bodyPr/>
+        <a:lstStyle/>
+        <a:p>
+          <a:endParaRPr lang="en-US" dirty="0">
+            <a:solidFill>
+              <a:srgbClr val="404040"/>
+            </a:solidFill>
+          </a:endParaRPr>
+        </a:p>
+      </dgm:t>
+    </dgm:pt>
+    <dgm:pt modelId="{9DC0AF52-3D1E-4E2E-B875-37CFD185C9D0}" type="parTrans" cxnId="{5661CA84-E717-4387-91E6-FE46E5BC2222}">
+      <dgm:prSet/>
+      <dgm:spPr/>
+      <dgm:t>
+        <a:bodyPr/>
+        <a:lstStyle/>
+        <a:p>
+          <a:endParaRPr lang="en-US"/>
+        </a:p>
+      </dgm:t>
+    </dgm:pt>
+    <dgm:pt modelId="{C620F556-0235-49F2-84B2-D2E7E0B2CA3C}" type="sibTrans" cxnId="{5661CA84-E717-4387-91E6-FE46E5BC2222}">
+      <dgm:prSet/>
+      <dgm:spPr/>
+      <dgm:t>
+        <a:bodyPr/>
+        <a:lstStyle/>
+        <a:p>
+          <a:endParaRPr lang="en-US"/>
+        </a:p>
+      </dgm:t>
+    </dgm:pt>
+    <dgm:pt modelId="{F3F8835E-E00A-4B61-B3E2-5175D3290E1B}" type="pres">
+      <dgm:prSet presAssocID="{0FA6FAFC-72B0-49C6-A631-F9D060462530}" presName="vert0" presStyleCnt="0">
+        <dgm:presLayoutVars>
+          <dgm:dir/>
+          <dgm:animOne val="branch"/>
+          <dgm:animLvl val="lvl"/>
+        </dgm:presLayoutVars>
+      </dgm:prSet>
+      <dgm:spPr/>
+    </dgm:pt>
+    <dgm:pt modelId="{138BAE62-9882-44F3-B0BE-9846ACFB86D3}" type="pres">
+      <dgm:prSet presAssocID="{5E702157-9244-477B-AD31-7DC8696D0548}" presName="thickLine" presStyleLbl="alignNode1" presStyleIdx="0" presStyleCnt="4"/>
+      <dgm:spPr/>
+    </dgm:pt>
+    <dgm:pt modelId="{2F45B962-A64C-49B2-95E8-37CBFEB4F877}" type="pres">
+      <dgm:prSet presAssocID="{5E702157-9244-477B-AD31-7DC8696D0548}" presName="horz1" presStyleCnt="0"/>
+      <dgm:spPr/>
+    </dgm:pt>
+    <dgm:pt modelId="{3FE1D5C8-2EE5-4FC9-A646-0630C1B9A32F}" type="pres">
+      <dgm:prSet presAssocID="{5E702157-9244-477B-AD31-7DC8696D0548}" presName="tx1" presStyleLbl="revTx" presStyleIdx="0" presStyleCnt="4"/>
+      <dgm:spPr/>
+    </dgm:pt>
+    <dgm:pt modelId="{D6B1A0AA-A4E0-4017-982F-A5FBC49610C4}" type="pres">
+      <dgm:prSet presAssocID="{5E702157-9244-477B-AD31-7DC8696D0548}" presName="vert1" presStyleCnt="0"/>
+      <dgm:spPr/>
+    </dgm:pt>
+    <dgm:pt modelId="{02B1498D-CCB7-43B1-BFB0-E88D4C8DE264}" type="pres">
+      <dgm:prSet presAssocID="{CC4C2A4B-41C7-45B6-A2AA-92B2E9F9993C}" presName="thickLine" presStyleLbl="alignNode1" presStyleIdx="1" presStyleCnt="4"/>
+      <dgm:spPr/>
+    </dgm:pt>
+    <dgm:pt modelId="{82FB54ED-0618-4E56-B287-61B49D52D7BD}" type="pres">
+      <dgm:prSet presAssocID="{CC4C2A4B-41C7-45B6-A2AA-92B2E9F9993C}" presName="horz1" presStyleCnt="0"/>
+      <dgm:spPr/>
+    </dgm:pt>
+    <dgm:pt modelId="{2D53F3EB-307A-489C-8905-C068F88284CF}" type="pres">
+      <dgm:prSet presAssocID="{CC4C2A4B-41C7-45B6-A2AA-92B2E9F9993C}" presName="tx1" presStyleLbl="revTx" presStyleIdx="1" presStyleCnt="4"/>
+      <dgm:spPr/>
+    </dgm:pt>
+    <dgm:pt modelId="{1F3DCF88-D7F7-4F51-978B-63659B1C6D62}" type="pres">
+      <dgm:prSet presAssocID="{CC4C2A4B-41C7-45B6-A2AA-92B2E9F9993C}" presName="vert1" presStyleCnt="0"/>
+      <dgm:spPr/>
+    </dgm:pt>
+    <dgm:pt modelId="{13CF9B17-FDA2-48B8-B35C-BCEF76E87C5E}" type="pres">
+      <dgm:prSet presAssocID="{807A7D3F-0646-4C8A-BC9B-BF7A98AEE227}" presName="thickLine" presStyleLbl="alignNode1" presStyleIdx="2" presStyleCnt="4"/>
+      <dgm:spPr/>
+    </dgm:pt>
+    <dgm:pt modelId="{9CFF8596-8D24-4EA6-B184-54E7F008556B}" type="pres">
+      <dgm:prSet presAssocID="{807A7D3F-0646-4C8A-BC9B-BF7A98AEE227}" presName="horz1" presStyleCnt="0"/>
+      <dgm:spPr/>
+    </dgm:pt>
+    <dgm:pt modelId="{18E80B18-9B56-4AEE-BC8E-5C11D46DDD8C}" type="pres">
+      <dgm:prSet presAssocID="{807A7D3F-0646-4C8A-BC9B-BF7A98AEE227}" presName="tx1" presStyleLbl="revTx" presStyleIdx="2" presStyleCnt="4"/>
+      <dgm:spPr/>
+    </dgm:pt>
+    <dgm:pt modelId="{E446630F-88A5-4110-A439-2BD09CA64863}" type="pres">
+      <dgm:prSet presAssocID="{807A7D3F-0646-4C8A-BC9B-BF7A98AEE227}" presName="vert1" presStyleCnt="0"/>
+      <dgm:spPr/>
+    </dgm:pt>
+    <dgm:pt modelId="{9A2D95F5-6473-4123-B0B9-5F3E257895A2}" type="pres">
+      <dgm:prSet presAssocID="{CB7D4319-D0E7-46CF-A32C-B6F8A8B8D4FB}" presName="thickLine" presStyleLbl="alignNode1" presStyleIdx="3" presStyleCnt="4"/>
+      <dgm:spPr/>
+    </dgm:pt>
+    <dgm:pt modelId="{89F50FBD-894A-4073-A05F-7D4BDEF311BA}" type="pres">
+      <dgm:prSet presAssocID="{CB7D4319-D0E7-46CF-A32C-B6F8A8B8D4FB}" presName="horz1" presStyleCnt="0"/>
+      <dgm:spPr/>
+    </dgm:pt>
+    <dgm:pt modelId="{72FFA7D1-BF12-480C-8890-3207D654E77F}" type="pres">
+      <dgm:prSet presAssocID="{CB7D4319-D0E7-46CF-A32C-B6F8A8B8D4FB}" presName="tx1" presStyleLbl="revTx" presStyleIdx="3" presStyleCnt="4"/>
+      <dgm:spPr/>
+    </dgm:pt>
+    <dgm:pt modelId="{51F1B553-2BC1-45A4-B565-7E2DC1663CE0}" type="pres">
+      <dgm:prSet presAssocID="{CB7D4319-D0E7-46CF-A32C-B6F8A8B8D4FB}" presName="vert1" presStyleCnt="0"/>
+      <dgm:spPr/>
+    </dgm:pt>
+  </dgm:ptLst>
+  <dgm:cxnLst>
+    <dgm:cxn modelId="{9829DE13-5E86-469A-AAD5-6D499F10EF4B}" type="presOf" srcId="{CC4C2A4B-41C7-45B6-A2AA-92B2E9F9993C}" destId="{2D53F3EB-307A-489C-8905-C068F88284CF}" srcOrd="0" destOrd="0" presId="urn:microsoft.com/office/officeart/2008/layout/LinedList"/>
+    <dgm:cxn modelId="{5661CA84-E717-4387-91E6-FE46E5BC2222}" srcId="{0FA6FAFC-72B0-49C6-A631-F9D060462530}" destId="{CB7D4319-D0E7-46CF-A32C-B6F8A8B8D4FB}" srcOrd="3" destOrd="0" parTransId="{9DC0AF52-3D1E-4E2E-B875-37CFD185C9D0}" sibTransId="{C620F556-0235-49F2-84B2-D2E7E0B2CA3C}"/>
+    <dgm:cxn modelId="{9A4E4195-7D16-4DF0-BA38-FE13889E04F0}" type="presOf" srcId="{807A7D3F-0646-4C8A-BC9B-BF7A98AEE227}" destId="{18E80B18-9B56-4AEE-BC8E-5C11D46DDD8C}" srcOrd="0" destOrd="0" presId="urn:microsoft.com/office/officeart/2008/layout/LinedList"/>
+    <dgm:cxn modelId="{DBB0FBAA-FA81-4327-8618-2FE15DDB9699}" type="presOf" srcId="{CB7D4319-D0E7-46CF-A32C-B6F8A8B8D4FB}" destId="{72FFA7D1-BF12-480C-8890-3207D654E77F}" srcOrd="0" destOrd="0" presId="urn:microsoft.com/office/officeart/2008/layout/LinedList"/>
+    <dgm:cxn modelId="{7D2E59B5-DAB3-4898-9E89-DF4C182A15ED}" srcId="{0FA6FAFC-72B0-49C6-A631-F9D060462530}" destId="{CC4C2A4B-41C7-45B6-A2AA-92B2E9F9993C}" srcOrd="1" destOrd="0" parTransId="{291B4CFC-910B-44A2-95B1-DFAFC5001CE4}" sibTransId="{29546249-EB11-441A-B452-41A980F73401}"/>
+    <dgm:cxn modelId="{B985A7C6-19CC-4DD3-A685-3FA71F0D6D0B}" type="presOf" srcId="{5E702157-9244-477B-AD31-7DC8696D0548}" destId="{3FE1D5C8-2EE5-4FC9-A646-0630C1B9A32F}" srcOrd="0" destOrd="0" presId="urn:microsoft.com/office/officeart/2008/layout/LinedList"/>
+    <dgm:cxn modelId="{AB0E03DA-2D4E-4CCC-AD47-2BFAEC7FACD7}" type="presOf" srcId="{0FA6FAFC-72B0-49C6-A631-F9D060462530}" destId="{F3F8835E-E00A-4B61-B3E2-5175D3290E1B}" srcOrd="0" destOrd="0" presId="urn:microsoft.com/office/officeart/2008/layout/LinedList"/>
+    <dgm:cxn modelId="{6FCAA6E5-D2B6-4DAE-9CAD-5189AA82CA34}" srcId="{0FA6FAFC-72B0-49C6-A631-F9D060462530}" destId="{5E702157-9244-477B-AD31-7DC8696D0548}" srcOrd="0" destOrd="0" parTransId="{2127D455-8937-49F4-BD89-BEFE6B39AACC}" sibTransId="{839F4231-90EF-4B86-8390-4617EE4A5361}"/>
+    <dgm:cxn modelId="{6CCA2BF0-65FF-445C-98C7-F07B878B16F5}" srcId="{0FA6FAFC-72B0-49C6-A631-F9D060462530}" destId="{807A7D3F-0646-4C8A-BC9B-BF7A98AEE227}" srcOrd="2" destOrd="0" parTransId="{42C0D23E-0D73-45F1-9BC0-CA4AE82D0669}" sibTransId="{1409EA93-D586-425A-BC2A-3A6B96E0C924}"/>
+    <dgm:cxn modelId="{8DB19ED4-B1E6-48D7-AE55-9273A4F2AA01}" type="presParOf" srcId="{F3F8835E-E00A-4B61-B3E2-5175D3290E1B}" destId="{138BAE62-9882-44F3-B0BE-9846ACFB86D3}" srcOrd="0" destOrd="0" presId="urn:microsoft.com/office/officeart/2008/layout/LinedList"/>
+    <dgm:cxn modelId="{9CD8C98D-2799-4596-B76F-76856C1E23D2}" type="presParOf" srcId="{F3F8835E-E00A-4B61-B3E2-5175D3290E1B}" destId="{2F45B962-A64C-49B2-95E8-37CBFEB4F877}" srcOrd="1" destOrd="0" presId="urn:microsoft.com/office/officeart/2008/layout/LinedList"/>
+    <dgm:cxn modelId="{C510CA5F-1CCC-4C9B-AC7E-34171CA31399}" type="presParOf" srcId="{2F45B962-A64C-49B2-95E8-37CBFEB4F877}" destId="{3FE1D5C8-2EE5-4FC9-A646-0630C1B9A32F}" srcOrd="0" destOrd="0" presId="urn:microsoft.com/office/officeart/2008/layout/LinedList"/>
+    <dgm:cxn modelId="{320AB949-C772-480F-A160-37FFD42114E3}" type="presParOf" srcId="{2F45B962-A64C-49B2-95E8-37CBFEB4F877}" destId="{D6B1A0AA-A4E0-4017-982F-A5FBC49610C4}" srcOrd="1" destOrd="0" presId="urn:microsoft.com/office/officeart/2008/layout/LinedList"/>
+    <dgm:cxn modelId="{751A3FC2-541B-49C2-AFAB-72FCAC2B3E19}" type="presParOf" srcId="{F3F8835E-E00A-4B61-B3E2-5175D3290E1B}" destId="{02B1498D-CCB7-43B1-BFB0-E88D4C8DE264}" srcOrd="2" destOrd="0" presId="urn:microsoft.com/office/officeart/2008/layout/LinedList"/>
+    <dgm:cxn modelId="{D2FC90CD-F32C-45E0-A8B5-80B87E588451}" type="presParOf" srcId="{F3F8835E-E00A-4B61-B3E2-5175D3290E1B}" destId="{82FB54ED-0618-4E56-B287-61B49D52D7BD}" srcOrd="3" destOrd="0" presId="urn:microsoft.com/office/officeart/2008/layout/LinedList"/>
+    <dgm:cxn modelId="{AF5BD131-DAC1-4B67-8617-5D6684E4945C}" type="presParOf" srcId="{82FB54ED-0618-4E56-B287-61B49D52D7BD}" destId="{2D53F3EB-307A-489C-8905-C068F88284CF}" srcOrd="0" destOrd="0" presId="urn:microsoft.com/office/officeart/2008/layout/LinedList"/>
+    <dgm:cxn modelId="{7C533F33-5182-44D0-9106-583ED0B9BDE3}" type="presParOf" srcId="{82FB54ED-0618-4E56-B287-61B49D52D7BD}" destId="{1F3DCF88-D7F7-4F51-978B-63659B1C6D62}" srcOrd="1" destOrd="0" presId="urn:microsoft.com/office/officeart/2008/layout/LinedList"/>
+    <dgm:cxn modelId="{E11B54B4-B0D4-44EC-9020-81B9AD53AA28}" type="presParOf" srcId="{F3F8835E-E00A-4B61-B3E2-5175D3290E1B}" destId="{13CF9B17-FDA2-48B8-B35C-BCEF76E87C5E}" srcOrd="4" destOrd="0" presId="urn:microsoft.com/office/officeart/2008/layout/LinedList"/>
+    <dgm:cxn modelId="{9CEC8215-6D72-4722-8F62-05E219EB064E}" type="presParOf" srcId="{F3F8835E-E00A-4B61-B3E2-5175D3290E1B}" destId="{9CFF8596-8D24-4EA6-B184-54E7F008556B}" srcOrd="5" destOrd="0" presId="urn:microsoft.com/office/officeart/2008/layout/LinedList"/>
+    <dgm:cxn modelId="{F066FEF8-2262-4CA6-880D-FF10BD8218E4}" type="presParOf" srcId="{9CFF8596-8D24-4EA6-B184-54E7F008556B}" destId="{18E80B18-9B56-4AEE-BC8E-5C11D46DDD8C}" srcOrd="0" destOrd="0" presId="urn:microsoft.com/office/officeart/2008/layout/LinedList"/>
+    <dgm:cxn modelId="{C6EC21C6-BEC6-40BE-8EF2-33E40AB51A42}" type="presParOf" srcId="{9CFF8596-8D24-4EA6-B184-54E7F008556B}" destId="{E446630F-88A5-4110-A439-2BD09CA64863}" srcOrd="1" destOrd="0" presId="urn:microsoft.com/office/officeart/2008/layout/LinedList"/>
+    <dgm:cxn modelId="{55404FC0-FF5E-420F-9D2A-46539EDC2D60}" type="presParOf" srcId="{F3F8835E-E00A-4B61-B3E2-5175D3290E1B}" destId="{9A2D95F5-6473-4123-B0B9-5F3E257895A2}" srcOrd="6" destOrd="0" presId="urn:microsoft.com/office/officeart/2008/layout/LinedList"/>
+    <dgm:cxn modelId="{EC06F4D4-309F-42D5-9E67-20DA4A4EFCD1}" type="presParOf" srcId="{F3F8835E-E00A-4B61-B3E2-5175D3290E1B}" destId="{89F50FBD-894A-4073-A05F-7D4BDEF311BA}" srcOrd="7" destOrd="0" presId="urn:microsoft.com/office/officeart/2008/layout/LinedList"/>
+    <dgm:cxn modelId="{D02BCCC7-223D-4211-A7FC-44D52B89F948}" type="presParOf" srcId="{89F50FBD-894A-4073-A05F-7D4BDEF311BA}" destId="{72FFA7D1-BF12-480C-8890-3207D654E77F}" srcOrd="0" destOrd="0" presId="urn:microsoft.com/office/officeart/2008/layout/LinedList"/>
+    <dgm:cxn modelId="{9084C83D-FCF4-4088-A05A-1953EAD61124}" type="presParOf" srcId="{89F50FBD-894A-4073-A05F-7D4BDEF311BA}" destId="{51F1B553-2BC1-45A4-B565-7E2DC1663CE0}" srcOrd="1" destOrd="0" presId="urn:microsoft.com/office/officeart/2008/layout/LinedList"/>
+  </dgm:cxnLst>
+  <dgm:bg/>
+  <dgm:whole/>
+  <dgm:extLst>
+    <a:ext uri="http://schemas.microsoft.com/office/drawing/2008/diagram">
+      <dsp:dataModelExt xmlns:dsp="http://schemas.microsoft.com/office/drawing/2008/diagram" relId="rId6" minVer="http://schemas.openxmlformats.org/drawingml/2006/diagram"/>
     </a:ext>
   </dgm:extLst>
 </dgm:dataModel>
@@ -1748,7 +2793,1058 @@
 </dsp:drawing>
 </file>
 
+<file path=ppt/diagrams/drawing2.xml><?xml version="1.0" encoding="utf-8"?>
+<dsp:drawing xmlns:dgm="http://schemas.openxmlformats.org/drawingml/2006/diagram" xmlns:dsp="http://schemas.microsoft.com/office/drawing/2008/diagram" xmlns:a="http://schemas.openxmlformats.org/drawingml/2006/main">
+  <dsp:spTree>
+    <dsp:nvGrpSpPr>
+      <dsp:cNvPr id="0" name=""/>
+      <dsp:cNvGrpSpPr/>
+    </dsp:nvGrpSpPr>
+    <dsp:grpSpPr/>
+    <dsp:sp modelId="{138BAE62-9882-44F3-B0BE-9846ACFB86D3}">
+      <dsp:nvSpPr>
+        <dsp:cNvPr id="0" name=""/>
+        <dsp:cNvSpPr/>
+      </dsp:nvSpPr>
+      <dsp:spPr>
+        <a:xfrm>
+          <a:off x="0" y="0"/>
+          <a:ext cx="6457284" cy="0"/>
+        </a:xfrm>
+        <a:prstGeom prst="line">
+          <a:avLst/>
+        </a:prstGeom>
+        <a:gradFill rotWithShape="0">
+          <a:gsLst>
+            <a:gs pos="0">
+              <a:schemeClr val="dk2">
+                <a:hueOff val="0"/>
+                <a:satOff val="0"/>
+                <a:lumOff val="0"/>
+                <a:alphaOff val="0"/>
+                <a:satMod val="103000"/>
+                <a:lumMod val="102000"/>
+                <a:tint val="94000"/>
+              </a:schemeClr>
+            </a:gs>
+            <a:gs pos="50000">
+              <a:schemeClr val="dk2">
+                <a:hueOff val="0"/>
+                <a:satOff val="0"/>
+                <a:lumOff val="0"/>
+                <a:alphaOff val="0"/>
+                <a:satMod val="110000"/>
+                <a:lumMod val="100000"/>
+                <a:shade val="100000"/>
+              </a:schemeClr>
+            </a:gs>
+            <a:gs pos="100000">
+              <a:schemeClr val="dk2">
+                <a:hueOff val="0"/>
+                <a:satOff val="0"/>
+                <a:lumOff val="0"/>
+                <a:alphaOff val="0"/>
+                <a:lumMod val="99000"/>
+                <a:satMod val="120000"/>
+                <a:shade val="78000"/>
+              </a:schemeClr>
+            </a:gs>
+          </a:gsLst>
+          <a:lin ang="5400000" scaled="0"/>
+        </a:gradFill>
+        <a:ln w="6350" cap="flat" cmpd="sng" algn="ctr">
+          <a:solidFill>
+            <a:schemeClr val="dk2">
+              <a:hueOff val="0"/>
+              <a:satOff val="0"/>
+              <a:lumOff val="0"/>
+              <a:alphaOff val="0"/>
+            </a:schemeClr>
+          </a:solidFill>
+          <a:prstDash val="solid"/>
+          <a:miter lim="800000"/>
+        </a:ln>
+        <a:effectLst/>
+      </dsp:spPr>
+      <dsp:style>
+        <a:lnRef idx="1">
+          <a:scrgbClr r="0" g="0" b="0"/>
+        </a:lnRef>
+        <a:fillRef idx="3">
+          <a:scrgbClr r="0" g="0" b="0"/>
+        </a:fillRef>
+        <a:effectRef idx="2">
+          <a:scrgbClr r="0" g="0" b="0"/>
+        </a:effectRef>
+        <a:fontRef idx="minor">
+          <a:schemeClr val="lt1"/>
+        </a:fontRef>
+      </dsp:style>
+    </dsp:sp>
+    <dsp:sp modelId="{3FE1D5C8-2EE5-4FC9-A646-0630C1B9A32F}">
+      <dsp:nvSpPr>
+        <dsp:cNvPr id="0" name=""/>
+        <dsp:cNvSpPr/>
+      </dsp:nvSpPr>
+      <dsp:spPr>
+        <a:xfrm>
+          <a:off x="0" y="0"/>
+          <a:ext cx="6457284" cy="1291021"/>
+        </a:xfrm>
+        <a:prstGeom prst="rect">
+          <a:avLst/>
+        </a:prstGeom>
+        <a:noFill/>
+        <a:ln>
+          <a:noFill/>
+        </a:ln>
+        <a:effectLst/>
+      </dsp:spPr>
+      <dsp:style>
+        <a:lnRef idx="0">
+          <a:scrgbClr r="0" g="0" b="0"/>
+        </a:lnRef>
+        <a:fillRef idx="0">
+          <a:scrgbClr r="0" g="0" b="0"/>
+        </a:fillRef>
+        <a:effectRef idx="0">
+          <a:scrgbClr r="0" g="0" b="0"/>
+        </a:effectRef>
+        <a:fontRef idx="minor"/>
+      </dsp:style>
+      <dsp:txBody>
+        <a:bodyPr spcFirstLastPara="0" vert="horz" wrap="square" lIns="148590" tIns="148590" rIns="148590" bIns="148590" numCol="1" spcCol="1270" anchor="t" anchorCtr="0">
+          <a:noAutofit/>
+        </a:bodyPr>
+        <a:lstStyle/>
+        <a:p>
+          <a:pPr marL="0" lvl="0" indent="0" algn="l" defTabSz="1733550">
+            <a:lnSpc>
+              <a:spcPct val="90000"/>
+            </a:lnSpc>
+            <a:spcBef>
+              <a:spcPct val="0"/>
+            </a:spcBef>
+            <a:spcAft>
+              <a:spcPct val="35000"/>
+            </a:spcAft>
+            <a:buNone/>
+          </a:pPr>
+          <a:r>
+            <a:rPr lang="en-US" sz="3900" kern="1200" dirty="0">
+              <a:solidFill>
+                <a:srgbClr val="404040"/>
+              </a:solidFill>
+            </a:rPr>
+            <a:t>Full-year context</a:t>
+          </a:r>
+        </a:p>
+      </dsp:txBody>
+      <dsp:txXfrm>
+        <a:off x="0" y="0"/>
+        <a:ext cx="6457284" cy="1291021"/>
+      </dsp:txXfrm>
+    </dsp:sp>
+    <dsp:sp modelId="{02B1498D-CCB7-43B1-BFB0-E88D4C8DE264}">
+      <dsp:nvSpPr>
+        <dsp:cNvPr id="0" name=""/>
+        <dsp:cNvSpPr/>
+      </dsp:nvSpPr>
+      <dsp:spPr>
+        <a:xfrm>
+          <a:off x="0" y="1291021"/>
+          <a:ext cx="6457284" cy="0"/>
+        </a:xfrm>
+        <a:prstGeom prst="line">
+          <a:avLst/>
+        </a:prstGeom>
+        <a:gradFill rotWithShape="0">
+          <a:gsLst>
+            <a:gs pos="0">
+              <a:schemeClr val="dk2">
+                <a:hueOff val="0"/>
+                <a:satOff val="0"/>
+                <a:lumOff val="0"/>
+                <a:alphaOff val="0"/>
+                <a:satMod val="103000"/>
+                <a:lumMod val="102000"/>
+                <a:tint val="94000"/>
+              </a:schemeClr>
+            </a:gs>
+            <a:gs pos="50000">
+              <a:schemeClr val="dk2">
+                <a:hueOff val="0"/>
+                <a:satOff val="0"/>
+                <a:lumOff val="0"/>
+                <a:alphaOff val="0"/>
+                <a:satMod val="110000"/>
+                <a:lumMod val="100000"/>
+                <a:shade val="100000"/>
+              </a:schemeClr>
+            </a:gs>
+            <a:gs pos="100000">
+              <a:schemeClr val="dk2">
+                <a:hueOff val="0"/>
+                <a:satOff val="0"/>
+                <a:lumOff val="0"/>
+                <a:alphaOff val="0"/>
+                <a:lumMod val="99000"/>
+                <a:satMod val="120000"/>
+                <a:shade val="78000"/>
+              </a:schemeClr>
+            </a:gs>
+          </a:gsLst>
+          <a:lin ang="5400000" scaled="0"/>
+        </a:gradFill>
+        <a:ln w="6350" cap="flat" cmpd="sng" algn="ctr">
+          <a:solidFill>
+            <a:schemeClr val="dk2">
+              <a:hueOff val="0"/>
+              <a:satOff val="0"/>
+              <a:lumOff val="0"/>
+              <a:alphaOff val="0"/>
+            </a:schemeClr>
+          </a:solidFill>
+          <a:prstDash val="solid"/>
+          <a:miter lim="800000"/>
+        </a:ln>
+        <a:effectLst/>
+      </dsp:spPr>
+      <dsp:style>
+        <a:lnRef idx="1">
+          <a:scrgbClr r="0" g="0" b="0"/>
+        </a:lnRef>
+        <a:fillRef idx="3">
+          <a:scrgbClr r="0" g="0" b="0"/>
+        </a:fillRef>
+        <a:effectRef idx="2">
+          <a:scrgbClr r="0" g="0" b="0"/>
+        </a:effectRef>
+        <a:fontRef idx="minor">
+          <a:schemeClr val="lt1"/>
+        </a:fontRef>
+      </dsp:style>
+    </dsp:sp>
+    <dsp:sp modelId="{2D53F3EB-307A-489C-8905-C068F88284CF}">
+      <dsp:nvSpPr>
+        <dsp:cNvPr id="0" name=""/>
+        <dsp:cNvSpPr/>
+      </dsp:nvSpPr>
+      <dsp:spPr>
+        <a:xfrm>
+          <a:off x="0" y="1291021"/>
+          <a:ext cx="6457284" cy="1291021"/>
+        </a:xfrm>
+        <a:prstGeom prst="rect">
+          <a:avLst/>
+        </a:prstGeom>
+        <a:noFill/>
+        <a:ln>
+          <a:noFill/>
+        </a:ln>
+        <a:effectLst/>
+      </dsp:spPr>
+      <dsp:style>
+        <a:lnRef idx="0">
+          <a:scrgbClr r="0" g="0" b="0"/>
+        </a:lnRef>
+        <a:fillRef idx="0">
+          <a:scrgbClr r="0" g="0" b="0"/>
+        </a:fillRef>
+        <a:effectRef idx="0">
+          <a:scrgbClr r="0" g="0" b="0"/>
+        </a:effectRef>
+        <a:fontRef idx="minor"/>
+      </dsp:style>
+      <dsp:txBody>
+        <a:bodyPr spcFirstLastPara="0" vert="horz" wrap="square" lIns="148590" tIns="148590" rIns="148590" bIns="148590" numCol="1" spcCol="1270" anchor="t" anchorCtr="0">
+          <a:noAutofit/>
+        </a:bodyPr>
+        <a:lstStyle/>
+        <a:p>
+          <a:pPr marL="0" lvl="0" indent="0" algn="l" defTabSz="1733550">
+            <a:lnSpc>
+              <a:spcPct val="90000"/>
+            </a:lnSpc>
+            <a:spcBef>
+              <a:spcPct val="0"/>
+            </a:spcBef>
+            <a:spcAft>
+              <a:spcPct val="35000"/>
+            </a:spcAft>
+            <a:buNone/>
+          </a:pPr>
+          <a:r>
+            <a:rPr lang="en-US" sz="3900" kern="1200" dirty="0">
+              <a:solidFill>
+                <a:srgbClr val="404040"/>
+              </a:solidFill>
+            </a:rPr>
+            <a:t>Longitudinal data</a:t>
+          </a:r>
+        </a:p>
+      </dsp:txBody>
+      <dsp:txXfrm>
+        <a:off x="0" y="1291021"/>
+        <a:ext cx="6457284" cy="1291021"/>
+      </dsp:txXfrm>
+    </dsp:sp>
+    <dsp:sp modelId="{13CF9B17-FDA2-48B8-B35C-BCEF76E87C5E}">
+      <dsp:nvSpPr>
+        <dsp:cNvPr id="0" name=""/>
+        <dsp:cNvSpPr/>
+      </dsp:nvSpPr>
+      <dsp:spPr>
+        <a:xfrm>
+          <a:off x="0" y="2582042"/>
+          <a:ext cx="6457284" cy="0"/>
+        </a:xfrm>
+        <a:prstGeom prst="line">
+          <a:avLst/>
+        </a:prstGeom>
+        <a:gradFill rotWithShape="0">
+          <a:gsLst>
+            <a:gs pos="0">
+              <a:schemeClr val="dk2">
+                <a:hueOff val="0"/>
+                <a:satOff val="0"/>
+                <a:lumOff val="0"/>
+                <a:alphaOff val="0"/>
+                <a:satMod val="103000"/>
+                <a:lumMod val="102000"/>
+                <a:tint val="94000"/>
+              </a:schemeClr>
+            </a:gs>
+            <a:gs pos="50000">
+              <a:schemeClr val="dk2">
+                <a:hueOff val="0"/>
+                <a:satOff val="0"/>
+                <a:lumOff val="0"/>
+                <a:alphaOff val="0"/>
+                <a:satMod val="110000"/>
+                <a:lumMod val="100000"/>
+                <a:shade val="100000"/>
+              </a:schemeClr>
+            </a:gs>
+            <a:gs pos="100000">
+              <a:schemeClr val="dk2">
+                <a:hueOff val="0"/>
+                <a:satOff val="0"/>
+                <a:lumOff val="0"/>
+                <a:alphaOff val="0"/>
+                <a:lumMod val="99000"/>
+                <a:satMod val="120000"/>
+                <a:shade val="78000"/>
+              </a:schemeClr>
+            </a:gs>
+          </a:gsLst>
+          <a:lin ang="5400000" scaled="0"/>
+        </a:gradFill>
+        <a:ln w="6350" cap="flat" cmpd="sng" algn="ctr">
+          <a:solidFill>
+            <a:schemeClr val="dk2">
+              <a:hueOff val="0"/>
+              <a:satOff val="0"/>
+              <a:lumOff val="0"/>
+              <a:alphaOff val="0"/>
+            </a:schemeClr>
+          </a:solidFill>
+          <a:prstDash val="solid"/>
+          <a:miter lim="800000"/>
+        </a:ln>
+        <a:effectLst/>
+      </dsp:spPr>
+      <dsp:style>
+        <a:lnRef idx="1">
+          <a:scrgbClr r="0" g="0" b="0"/>
+        </a:lnRef>
+        <a:fillRef idx="3">
+          <a:scrgbClr r="0" g="0" b="0"/>
+        </a:fillRef>
+        <a:effectRef idx="2">
+          <a:scrgbClr r="0" g="0" b="0"/>
+        </a:effectRef>
+        <a:fontRef idx="minor">
+          <a:schemeClr val="lt1"/>
+        </a:fontRef>
+      </dsp:style>
+    </dsp:sp>
+    <dsp:sp modelId="{18E80B18-9B56-4AEE-BC8E-5C11D46DDD8C}">
+      <dsp:nvSpPr>
+        <dsp:cNvPr id="0" name=""/>
+        <dsp:cNvSpPr/>
+      </dsp:nvSpPr>
+      <dsp:spPr>
+        <a:xfrm>
+          <a:off x="0" y="2582042"/>
+          <a:ext cx="6457284" cy="1291021"/>
+        </a:xfrm>
+        <a:prstGeom prst="rect">
+          <a:avLst/>
+        </a:prstGeom>
+        <a:noFill/>
+        <a:ln>
+          <a:noFill/>
+        </a:ln>
+        <a:effectLst/>
+      </dsp:spPr>
+      <dsp:style>
+        <a:lnRef idx="0">
+          <a:scrgbClr r="0" g="0" b="0"/>
+        </a:lnRef>
+        <a:fillRef idx="0">
+          <a:scrgbClr r="0" g="0" b="0"/>
+        </a:fillRef>
+        <a:effectRef idx="0">
+          <a:scrgbClr r="0" g="0" b="0"/>
+        </a:effectRef>
+        <a:fontRef idx="minor"/>
+      </dsp:style>
+      <dsp:txBody>
+        <a:bodyPr spcFirstLastPara="0" vert="horz" wrap="square" lIns="148590" tIns="148590" rIns="148590" bIns="148590" numCol="1" spcCol="1270" anchor="t" anchorCtr="0">
+          <a:noAutofit/>
+        </a:bodyPr>
+        <a:lstStyle/>
+        <a:p>
+          <a:pPr marL="0" lvl="0" indent="0" algn="l" defTabSz="1733550">
+            <a:lnSpc>
+              <a:spcPct val="90000"/>
+            </a:lnSpc>
+            <a:spcBef>
+              <a:spcPct val="0"/>
+            </a:spcBef>
+            <a:spcAft>
+              <a:spcPct val="35000"/>
+            </a:spcAft>
+            <a:buNone/>
+          </a:pPr>
+          <a:r>
+            <a:rPr lang="en-US" sz="3900" kern="1200" dirty="0">
+              <a:solidFill>
+                <a:srgbClr val="404040"/>
+              </a:solidFill>
+            </a:rPr>
+            <a:t>Direct data from CPS</a:t>
+          </a:r>
+        </a:p>
+      </dsp:txBody>
+      <dsp:txXfrm>
+        <a:off x="0" y="2582042"/>
+        <a:ext cx="6457284" cy="1291021"/>
+      </dsp:txXfrm>
+    </dsp:sp>
+    <dsp:sp modelId="{9A2D95F5-6473-4123-B0B9-5F3E257895A2}">
+      <dsp:nvSpPr>
+        <dsp:cNvPr id="0" name=""/>
+        <dsp:cNvSpPr/>
+      </dsp:nvSpPr>
+      <dsp:spPr>
+        <a:xfrm>
+          <a:off x="0" y="3873063"/>
+          <a:ext cx="6457284" cy="0"/>
+        </a:xfrm>
+        <a:prstGeom prst="line">
+          <a:avLst/>
+        </a:prstGeom>
+        <a:gradFill rotWithShape="0">
+          <a:gsLst>
+            <a:gs pos="0">
+              <a:schemeClr val="dk2">
+                <a:hueOff val="0"/>
+                <a:satOff val="0"/>
+                <a:lumOff val="0"/>
+                <a:alphaOff val="0"/>
+                <a:satMod val="103000"/>
+                <a:lumMod val="102000"/>
+                <a:tint val="94000"/>
+              </a:schemeClr>
+            </a:gs>
+            <a:gs pos="50000">
+              <a:schemeClr val="dk2">
+                <a:hueOff val="0"/>
+                <a:satOff val="0"/>
+                <a:lumOff val="0"/>
+                <a:alphaOff val="0"/>
+                <a:satMod val="110000"/>
+                <a:lumMod val="100000"/>
+                <a:shade val="100000"/>
+              </a:schemeClr>
+            </a:gs>
+            <a:gs pos="100000">
+              <a:schemeClr val="dk2">
+                <a:hueOff val="0"/>
+                <a:satOff val="0"/>
+                <a:lumOff val="0"/>
+                <a:alphaOff val="0"/>
+                <a:lumMod val="99000"/>
+                <a:satMod val="120000"/>
+                <a:shade val="78000"/>
+              </a:schemeClr>
+            </a:gs>
+          </a:gsLst>
+          <a:lin ang="5400000" scaled="0"/>
+        </a:gradFill>
+        <a:ln w="6350" cap="flat" cmpd="sng" algn="ctr">
+          <a:solidFill>
+            <a:schemeClr val="dk2">
+              <a:hueOff val="0"/>
+              <a:satOff val="0"/>
+              <a:lumOff val="0"/>
+              <a:alphaOff val="0"/>
+            </a:schemeClr>
+          </a:solidFill>
+          <a:prstDash val="solid"/>
+          <a:miter lim="800000"/>
+        </a:ln>
+        <a:effectLst/>
+      </dsp:spPr>
+      <dsp:style>
+        <a:lnRef idx="1">
+          <a:scrgbClr r="0" g="0" b="0"/>
+        </a:lnRef>
+        <a:fillRef idx="3">
+          <a:scrgbClr r="0" g="0" b="0"/>
+        </a:fillRef>
+        <a:effectRef idx="2">
+          <a:scrgbClr r="0" g="0" b="0"/>
+        </a:effectRef>
+        <a:fontRef idx="minor">
+          <a:schemeClr val="lt1"/>
+        </a:fontRef>
+      </dsp:style>
+    </dsp:sp>
+    <dsp:sp modelId="{72FFA7D1-BF12-480C-8890-3207D654E77F}">
+      <dsp:nvSpPr>
+        <dsp:cNvPr id="0" name=""/>
+        <dsp:cNvSpPr/>
+      </dsp:nvSpPr>
+      <dsp:spPr>
+        <a:xfrm>
+          <a:off x="0" y="3873063"/>
+          <a:ext cx="6457284" cy="1291021"/>
+        </a:xfrm>
+        <a:prstGeom prst="rect">
+          <a:avLst/>
+        </a:prstGeom>
+        <a:noFill/>
+        <a:ln>
+          <a:noFill/>
+        </a:ln>
+        <a:effectLst/>
+      </dsp:spPr>
+      <dsp:style>
+        <a:lnRef idx="0">
+          <a:scrgbClr r="0" g="0" b="0"/>
+        </a:lnRef>
+        <a:fillRef idx="0">
+          <a:scrgbClr r="0" g="0" b="0"/>
+        </a:fillRef>
+        <a:effectRef idx="0">
+          <a:scrgbClr r="0" g="0" b="0"/>
+        </a:effectRef>
+        <a:fontRef idx="minor"/>
+      </dsp:style>
+      <dsp:txBody>
+        <a:bodyPr spcFirstLastPara="0" vert="horz" wrap="square" lIns="224790" tIns="224790" rIns="224790" bIns="224790" numCol="1" spcCol="1270" anchor="t" anchorCtr="0">
+          <a:noAutofit/>
+        </a:bodyPr>
+        <a:lstStyle/>
+        <a:p>
+          <a:pPr marL="0" lvl="0" indent="0" algn="l" defTabSz="2622550">
+            <a:lnSpc>
+              <a:spcPct val="90000"/>
+            </a:lnSpc>
+            <a:spcBef>
+              <a:spcPct val="0"/>
+            </a:spcBef>
+            <a:spcAft>
+              <a:spcPct val="35000"/>
+            </a:spcAft>
+            <a:buNone/>
+          </a:pPr>
+          <a:endParaRPr lang="en-US" sz="5900" kern="1200" dirty="0">
+            <a:solidFill>
+              <a:srgbClr val="404040"/>
+            </a:solidFill>
+          </a:endParaRPr>
+        </a:p>
+      </dsp:txBody>
+      <dsp:txXfrm>
+        <a:off x="0" y="3873063"/>
+        <a:ext cx="6457284" cy="1291021"/>
+      </dsp:txXfrm>
+    </dsp:sp>
+  </dsp:spTree>
+</dsp:drawing>
+</file>
+
 <file path=ppt/diagrams/layout1.xml><?xml version="1.0" encoding="utf-8"?>
+<dgm:layoutDef xmlns:dgm="http://schemas.openxmlformats.org/drawingml/2006/diagram" xmlns:a="http://schemas.openxmlformats.org/drawingml/2006/main" uniqueId="urn:microsoft.com/office/officeart/2008/layout/LinedList">
+  <dgm:title val=""/>
+  <dgm:desc val=""/>
+  <dgm:catLst>
+    <dgm:cat type="hierarchy" pri="8000"/>
+    <dgm:cat type="list" pri="2500"/>
+  </dgm:catLst>
+  <dgm:sampData>
+    <dgm:dataModel>
+      <dgm:ptLst>
+        <dgm:pt modelId="0" type="doc"/>
+        <dgm:pt modelId="1">
+          <dgm:prSet phldr="1"/>
+        </dgm:pt>
+        <dgm:pt modelId="11">
+          <dgm:prSet phldr="1"/>
+        </dgm:pt>
+        <dgm:pt modelId="12">
+          <dgm:prSet phldr="1"/>
+        </dgm:pt>
+        <dgm:pt modelId="13">
+          <dgm:prSet phldr="1"/>
+        </dgm:pt>
+      </dgm:ptLst>
+      <dgm:cxnLst>
+        <dgm:cxn modelId="2" srcId="0" destId="1" srcOrd="0" destOrd="0"/>
+        <dgm:cxn modelId="3" srcId="1" destId="11" srcOrd="0" destOrd="0"/>
+        <dgm:cxn modelId="4" srcId="1" destId="12" srcOrd="1" destOrd="0"/>
+        <dgm:cxn modelId="5" srcId="1" destId="13" srcOrd="2" destOrd="0"/>
+      </dgm:cxnLst>
+      <dgm:bg/>
+      <dgm:whole/>
+    </dgm:dataModel>
+  </dgm:sampData>
+  <dgm:styleData>
+    <dgm:dataModel>
+      <dgm:ptLst>
+        <dgm:pt modelId="0" type="doc"/>
+        <dgm:pt modelId="1">
+          <dgm:prSet phldr="1"/>
+        </dgm:pt>
+        <dgm:pt modelId="11">
+          <dgm:prSet phldr="1"/>
+        </dgm:pt>
+        <dgm:pt modelId="12">
+          <dgm:prSet phldr="1"/>
+        </dgm:pt>
+      </dgm:ptLst>
+      <dgm:cxnLst>
+        <dgm:cxn modelId="2" srcId="0" destId="1" srcOrd="0" destOrd="0"/>
+        <dgm:cxn modelId="3" srcId="1" destId="11" srcOrd="0" destOrd="0"/>
+        <dgm:cxn modelId="4" srcId="1" destId="12" srcOrd="1" destOrd="0"/>
+      </dgm:cxnLst>
+      <dgm:bg/>
+      <dgm:whole/>
+    </dgm:dataModel>
+  </dgm:styleData>
+  <dgm:clrData>
+    <dgm:dataModel>
+      <dgm:ptLst>
+        <dgm:pt modelId="0" type="doc"/>
+        <dgm:pt modelId="1">
+          <dgm:prSet phldr="1"/>
+        </dgm:pt>
+        <dgm:pt modelId="11">
+          <dgm:prSet phldr="1"/>
+        </dgm:pt>
+        <dgm:pt modelId="12">
+          <dgm:prSet phldr="1"/>
+        </dgm:pt>
+      </dgm:ptLst>
+      <dgm:cxnLst>
+        <dgm:cxn modelId="2" srcId="0" destId="1" srcOrd="0" destOrd="0"/>
+        <dgm:cxn modelId="3" srcId="1" destId="11" srcOrd="0" destOrd="0"/>
+        <dgm:cxn modelId="4" srcId="1" destId="12" srcOrd="1" destOrd="0"/>
+      </dgm:cxnLst>
+      <dgm:bg/>
+      <dgm:whole/>
+    </dgm:dataModel>
+  </dgm:clrData>
+  <dgm:layoutNode name="vert0">
+    <dgm:varLst>
+      <dgm:dir/>
+      <dgm:animOne val="branch"/>
+      <dgm:animLvl val="lvl"/>
+    </dgm:varLst>
+    <dgm:choose name="Name0">
+      <dgm:if name="Name1" func="var" arg="dir" op="equ" val="norm">
+        <dgm:alg type="lin">
+          <dgm:param type="linDir" val="fromT"/>
+          <dgm:param type="nodeHorzAlign" val="l"/>
+        </dgm:alg>
+      </dgm:if>
+      <dgm:else name="Name2">
+        <dgm:alg type="lin">
+          <dgm:param type="linDir" val="fromT"/>
+          <dgm:param type="nodeHorzAlign" val="r"/>
+        </dgm:alg>
+      </dgm:else>
+    </dgm:choose>
+    <dgm:shape xmlns:r="http://schemas.openxmlformats.org/officeDocument/2006/relationships" r:blip="">
+      <dgm:adjLst/>
+    </dgm:shape>
+    <dgm:presOf/>
+    <dgm:constrLst>
+      <dgm:constr type="w" for="ch" forName="horz1" refType="w"/>
+      <dgm:constr type="h" for="ch" forName="horz1" refType="h"/>
+      <dgm:constr type="h" for="des" forName="vert1" refType="h"/>
+      <dgm:constr type="h" for="des" forName="tx1" refType="h"/>
+      <dgm:constr type="h" for="des" forName="horz2" refType="h"/>
+      <dgm:constr type="h" for="des" forName="vert2" refType="h"/>
+      <dgm:constr type="h" for="des" forName="horz3" refType="h"/>
+      <dgm:constr type="h" for="des" forName="vert3" refType="h"/>
+      <dgm:constr type="h" for="des" forName="horz4" refType="h"/>
+      <dgm:constr type="h" for="des" ptType="node" refType="h"/>
+      <dgm:constr type="primFontSz" for="des" forName="tx1" op="equ" val="65"/>
+      <dgm:constr type="primFontSz" for="des" forName="tx2" op="equ" val="65"/>
+      <dgm:constr type="primFontSz" for="des" forName="tx3" op="equ" val="65"/>
+      <dgm:constr type="primFontSz" for="des" forName="tx4" op="equ" val="65"/>
+      <dgm:constr type="w" for="des" forName="thickLine" refType="w"/>
+      <dgm:constr type="h" for="des" forName="thickLine"/>
+      <dgm:constr type="h" for="des" forName="thinLine1"/>
+      <dgm:constr type="h" for="des" forName="thinLine2b"/>
+      <dgm:constr type="h" for="des" forName="thinLine3"/>
+      <dgm:constr type="h" for="des" forName="vertSpace2a" refType="h" fact="0.05"/>
+      <dgm:constr type="h" for="des" forName="vertSpace2b" refType="h" refFor="des" refForName="vertSpace2a"/>
+    </dgm:constrLst>
+    <dgm:forEach name="Name3" axis="ch" ptType="node">
+      <dgm:layoutNode name="thickLine" styleLbl="alignNode1">
+        <dgm:alg type="sp"/>
+        <dgm:shape xmlns:r="http://schemas.openxmlformats.org/officeDocument/2006/relationships" type="line" r:blip="">
+          <dgm:adjLst/>
+        </dgm:shape>
+        <dgm:presOf/>
+      </dgm:layoutNode>
+      <dgm:layoutNode name="horz1">
+        <dgm:choose name="Name4">
+          <dgm:if name="Name5" func="var" arg="dir" op="equ" val="norm">
+            <dgm:alg type="lin">
+              <dgm:param type="linDir" val="fromL"/>
+              <dgm:param type="nodeVertAlign" val="t"/>
+            </dgm:alg>
+          </dgm:if>
+          <dgm:else name="Name6">
+            <dgm:alg type="lin">
+              <dgm:param type="linDir" val="fromR"/>
+              <dgm:param type="nodeVertAlign" val="t"/>
+            </dgm:alg>
+          </dgm:else>
+        </dgm:choose>
+        <dgm:shape xmlns:r="http://schemas.openxmlformats.org/officeDocument/2006/relationships" r:blip="">
+          <dgm:adjLst/>
+        </dgm:shape>
+        <dgm:presOf/>
+        <dgm:choose name="Name7">
+          <dgm:if name="Name8" axis="root des" func="maxDepth" op="equ" val="1">
+            <dgm:constrLst>
+              <dgm:constr type="w" for="ch" forName="tx1" refType="w"/>
+            </dgm:constrLst>
+          </dgm:if>
+          <dgm:if name="Name9" axis="root des" func="maxDepth" op="equ" val="2">
+            <dgm:constrLst>
+              <dgm:constr type="w" for="ch" forName="tx1" refType="w" fact="0.2"/>
+              <dgm:constr type="w" for="des" forName="tx2" refType="w" fact="0.785"/>
+              <dgm:constr type="w" for="des" forName="horzSpace2" refType="w" fact="0.015"/>
+              <dgm:constr type="w" for="des" forName="thinLine2b" refType="w" fact="0.8"/>
+            </dgm:constrLst>
+          </dgm:if>
+          <dgm:if name="Name10" axis="root des" func="maxDepth" op="equ" val="3">
+            <dgm:constrLst>
+              <dgm:constr type="w" for="ch" forName="tx1" refType="w" fact="0.2"/>
+              <dgm:constr type="w" for="des" forName="tx2" refType="w" fact="0.385"/>
+              <dgm:constr type="w" for="des" forName="tx3" refType="w" fact="0.385"/>
+              <dgm:constr type="w" for="des" forName="horzSpace2" refType="w" fact="0.015"/>
+              <dgm:constr type="w" for="des" forName="horzSpace3" refType="w" fact="0.015"/>
+              <dgm:constr type="w" for="des" forName="thinLine2b" refType="w" fact="0.8"/>
+              <dgm:constr type="w" for="des" forName="thinLine3" refType="w" fact="0.385"/>
+            </dgm:constrLst>
+          </dgm:if>
+          <dgm:if name="Name11" axis="root des" func="maxDepth" op="gte" val="4">
+            <dgm:constrLst>
+              <dgm:constr type="w" for="ch" forName="tx1" refType="w" fact="0.2"/>
+              <dgm:constr type="w" for="des" forName="tx2" refType="w" fact="0.2516"/>
+              <dgm:constr type="w" for="des" forName="tx3" refType="w" fact="0.2516"/>
+              <dgm:constr type="w" for="des" forName="tx4" refType="w" fact="0.2516"/>
+              <dgm:constr type="w" for="des" forName="horzSpace2" refType="w" fact="0.015"/>
+              <dgm:constr type="w" for="des" forName="horzSpace3" refType="w" fact="0.015"/>
+              <dgm:constr type="w" for="des" forName="horzSpace4" refType="w" fact="0.015"/>
+              <dgm:constr type="w" for="des" forName="thinLine2b" refType="w" fact="0.8"/>
+              <dgm:constr type="w" for="des" forName="thinLine3" refType="w" fact="0.5332"/>
+            </dgm:constrLst>
+          </dgm:if>
+          <dgm:else name="Name12"/>
+        </dgm:choose>
+        <dgm:layoutNode name="tx1" styleLbl="revTx">
+          <dgm:alg type="tx">
+            <dgm:param type="parTxLTRAlign" val="l"/>
+            <dgm:param type="parTxRTLAlign" val="r"/>
+            <dgm:param type="txAnchorVert" val="t"/>
+          </dgm:alg>
+          <dgm:shape xmlns:r="http://schemas.openxmlformats.org/officeDocument/2006/relationships" type="rect" r:blip="">
+            <dgm:adjLst/>
+          </dgm:shape>
+          <dgm:presOf axis="self"/>
+          <dgm:constrLst>
+            <dgm:constr type="tMarg" refType="primFontSz" fact="0.3"/>
+            <dgm:constr type="bMarg" refType="primFontSz" fact="0.3"/>
+            <dgm:constr type="lMarg" refType="primFontSz" fact="0.3"/>
+            <dgm:constr type="rMarg" refType="primFontSz" fact="0.3"/>
+          </dgm:constrLst>
+          <dgm:ruleLst>
+            <dgm:rule type="primFontSz" val="5" fact="NaN" max="NaN"/>
+          </dgm:ruleLst>
+        </dgm:layoutNode>
+        <dgm:layoutNode name="vert1">
+          <dgm:choose name="Name13">
+            <dgm:if name="Name14" func="var" arg="dir" op="equ" val="norm">
+              <dgm:alg type="lin">
+                <dgm:param type="linDir" val="fromT"/>
+                <dgm:param type="nodeHorzAlign" val="l"/>
+              </dgm:alg>
+            </dgm:if>
+            <dgm:else name="Name15">
+              <dgm:alg type="lin">
+                <dgm:param type="linDir" val="fromT"/>
+                <dgm:param type="nodeHorzAlign" val="r"/>
+              </dgm:alg>
+            </dgm:else>
+          </dgm:choose>
+          <dgm:shape xmlns:r="http://schemas.openxmlformats.org/officeDocument/2006/relationships" r:blip="">
+            <dgm:adjLst/>
+          </dgm:shape>
+          <dgm:presOf/>
+          <dgm:forEach name="Name16" axis="ch" ptType="node">
+            <dgm:choose name="Name17">
+              <dgm:if name="Name18" axis="self" ptType="node" func="pos" op="equ" val="1">
+                <dgm:layoutNode name="vertSpace2a">
+                  <dgm:alg type="sp"/>
+                  <dgm:shape xmlns:r="http://schemas.openxmlformats.org/officeDocument/2006/relationships" r:blip="">
+                    <dgm:adjLst/>
+                  </dgm:shape>
+                  <dgm:presOf/>
+                </dgm:layoutNode>
+              </dgm:if>
+              <dgm:else name="Name19"/>
+            </dgm:choose>
+            <dgm:layoutNode name="horz2">
+              <dgm:choose name="Name20">
+                <dgm:if name="Name21" func="var" arg="dir" op="equ" val="norm">
+                  <dgm:alg type="lin">
+                    <dgm:param type="linDir" val="fromL"/>
+                    <dgm:param type="nodeVertAlign" val="t"/>
+                  </dgm:alg>
+                </dgm:if>
+                <dgm:else name="Name22">
+                  <dgm:alg type="lin">
+                    <dgm:param type="linDir" val="fromR"/>
+                    <dgm:param type="nodeVertAlign" val="t"/>
+                  </dgm:alg>
+                </dgm:else>
+              </dgm:choose>
+              <dgm:shape xmlns:r="http://schemas.openxmlformats.org/officeDocument/2006/relationships" r:blip="">
+                <dgm:adjLst/>
+              </dgm:shape>
+              <dgm:presOf/>
+              <dgm:layoutNode name="horzSpace2">
+                <dgm:alg type="sp"/>
+                <dgm:shape xmlns:r="http://schemas.openxmlformats.org/officeDocument/2006/relationships" r:blip="">
+                  <dgm:adjLst/>
+                </dgm:shape>
+                <dgm:presOf/>
+              </dgm:layoutNode>
+              <dgm:layoutNode name="tx2" styleLbl="revTx">
+                <dgm:alg type="tx">
+                  <dgm:param type="parTxLTRAlign" val="l"/>
+                  <dgm:param type="parTxRTLAlign" val="r"/>
+                  <dgm:param type="txAnchorVert" val="t"/>
+                </dgm:alg>
+                <dgm:shape xmlns:r="http://schemas.openxmlformats.org/officeDocument/2006/relationships" type="rect" r:blip="">
+                  <dgm:adjLst/>
+                </dgm:shape>
+                <dgm:presOf axis="self"/>
+                <dgm:constrLst>
+                  <dgm:constr type="tMarg" refType="primFontSz" fact="0.3"/>
+                  <dgm:constr type="bMarg" refType="primFontSz" fact="0.3"/>
+                  <dgm:constr type="lMarg" refType="primFontSz" fact="0.3"/>
+                  <dgm:constr type="rMarg" refType="primFontSz" fact="0.3"/>
+                </dgm:constrLst>
+                <dgm:ruleLst>
+                  <dgm:rule type="primFontSz" val="5" fact="NaN" max="NaN"/>
+                </dgm:ruleLst>
+              </dgm:layoutNode>
+              <dgm:layoutNode name="vert2">
+                <dgm:choose name="Name23">
+                  <dgm:if name="Name24" func="var" arg="dir" op="equ" val="norm">
+                    <dgm:alg type="lin">
+                      <dgm:param type="linDir" val="fromT"/>
+                      <dgm:param type="nodeHorzAlign" val="l"/>
+                    </dgm:alg>
+                  </dgm:if>
+                  <dgm:else name="Name25">
+                    <dgm:alg type="lin">
+                      <dgm:param type="linDir" val="fromT"/>
+                      <dgm:param type="nodeHorzAlign" val="r"/>
+                    </dgm:alg>
+                  </dgm:else>
+                </dgm:choose>
+                <dgm:shape xmlns:r="http://schemas.openxmlformats.org/officeDocument/2006/relationships" r:blip="">
+                  <dgm:adjLst/>
+                </dgm:shape>
+                <dgm:presOf/>
+                <dgm:forEach name="Name26" axis="ch" ptType="node">
+                  <dgm:layoutNode name="horz3">
+                    <dgm:choose name="Name27">
+                      <dgm:if name="Name28" func="var" arg="dir" op="equ" val="norm">
+                        <dgm:alg type="lin">
+                          <dgm:param type="linDir" val="fromL"/>
+                          <dgm:param type="nodeVertAlign" val="t"/>
+                        </dgm:alg>
+                      </dgm:if>
+                      <dgm:else name="Name29">
+                        <dgm:alg type="lin">
+                          <dgm:param type="linDir" val="fromR"/>
+                          <dgm:param type="nodeVertAlign" val="t"/>
+                        </dgm:alg>
+                      </dgm:else>
+                    </dgm:choose>
+                    <dgm:shape xmlns:r="http://schemas.openxmlformats.org/officeDocument/2006/relationships" r:blip="">
+                      <dgm:adjLst/>
+                    </dgm:shape>
+                    <dgm:presOf/>
+                    <dgm:layoutNode name="horzSpace3">
+                      <dgm:alg type="sp"/>
+                      <dgm:shape xmlns:r="http://schemas.openxmlformats.org/officeDocument/2006/relationships" r:blip="">
+                        <dgm:adjLst/>
+                      </dgm:shape>
+                      <dgm:presOf/>
+                    </dgm:layoutNode>
+                    <dgm:layoutNode name="tx3" styleLbl="revTx">
+                      <dgm:alg type="tx">
+                        <dgm:param type="parTxLTRAlign" val="l"/>
+                        <dgm:param type="parTxRTLAlign" val="r"/>
+                        <dgm:param type="txAnchorVert" val="t"/>
+                      </dgm:alg>
+                      <dgm:shape xmlns:r="http://schemas.openxmlformats.org/officeDocument/2006/relationships" type="rect" r:blip="">
+                        <dgm:adjLst/>
+                      </dgm:shape>
+                      <dgm:presOf axis="self"/>
+                      <dgm:constrLst>
+                        <dgm:constr type="tMarg" refType="primFontSz" fact="0.3"/>
+                        <dgm:constr type="bMarg" refType="primFontSz" fact="0.3"/>
+                        <dgm:constr type="lMarg" refType="primFontSz" fact="0.3"/>
+                        <dgm:constr type="rMarg" refType="primFontSz" fact="0.3"/>
+                      </dgm:constrLst>
+                      <dgm:ruleLst>
+                        <dgm:rule type="primFontSz" val="5" fact="NaN" max="NaN"/>
+                      </dgm:ruleLst>
+                    </dgm:layoutNode>
+                    <dgm:layoutNode name="vert3">
+                      <dgm:choose name="Name30">
+                        <dgm:if name="Name31" func="var" arg="dir" op="equ" val="norm">
+                          <dgm:alg type="lin">
+                            <dgm:param type="linDir" val="fromT"/>
+                            <dgm:param type="nodeHorzAlign" val="l"/>
+                          </dgm:alg>
+                        </dgm:if>
+                        <dgm:else name="Name32">
+                          <dgm:alg type="lin">
+                            <dgm:param type="linDir" val="fromT"/>
+                            <dgm:param type="nodeHorzAlign" val="r"/>
+                          </dgm:alg>
+                        </dgm:else>
+                      </dgm:choose>
+                      <dgm:shape xmlns:r="http://schemas.openxmlformats.org/officeDocument/2006/relationships" r:blip="">
+                        <dgm:adjLst/>
+                      </dgm:shape>
+                      <dgm:presOf/>
+                      <dgm:forEach name="Name33" axis="ch" ptType="node">
+                        <dgm:layoutNode name="horz4">
+                          <dgm:choose name="Name34">
+                            <dgm:if name="Name35" func="var" arg="dir" op="equ" val="norm">
+                              <dgm:alg type="lin">
+                                <dgm:param type="linDir" val="fromL"/>
+                                <dgm:param type="nodeVertAlign" val="t"/>
+                              </dgm:alg>
+                            </dgm:if>
+                            <dgm:else name="Name36">
+                              <dgm:alg type="lin">
+                                <dgm:param type="linDir" val="fromR"/>
+                                <dgm:param type="nodeVertAlign" val="t"/>
+                              </dgm:alg>
+                            </dgm:else>
+                          </dgm:choose>
+                          <dgm:shape xmlns:r="http://schemas.openxmlformats.org/officeDocument/2006/relationships" r:blip="">
+                            <dgm:adjLst/>
+                          </dgm:shape>
+                          <dgm:presOf/>
+                          <dgm:layoutNode name="horzSpace4">
+                            <dgm:alg type="sp"/>
+                            <dgm:shape xmlns:r="http://schemas.openxmlformats.org/officeDocument/2006/relationships" r:blip="">
+                              <dgm:adjLst/>
+                            </dgm:shape>
+                            <dgm:presOf/>
+                          </dgm:layoutNode>
+                          <dgm:layoutNode name="tx4" styleLbl="revTx">
+                            <dgm:varLst>
+                              <dgm:bulletEnabled val="1"/>
+                            </dgm:varLst>
+                            <dgm:alg type="tx">
+                              <dgm:param type="parTxLTRAlign" val="l"/>
+                              <dgm:param type="parTxRTLAlign" val="r"/>
+                              <dgm:param type="txAnchorVert" val="t"/>
+                            </dgm:alg>
+                            <dgm:shape xmlns:r="http://schemas.openxmlformats.org/officeDocument/2006/relationships" type="rect" r:blip="">
+                              <dgm:adjLst/>
+                            </dgm:shape>
+                            <dgm:presOf axis="desOrSelf" ptType="node"/>
+                            <dgm:constrLst>
+                              <dgm:constr type="tMarg" refType="primFontSz" fact="0.3"/>
+                              <dgm:constr type="bMarg" refType="primFontSz" fact="0.3"/>
+                              <dgm:constr type="lMarg" refType="primFontSz" fact="0.3"/>
+                              <dgm:constr type="rMarg" refType="primFontSz" fact="0.3"/>
+                            </dgm:constrLst>
+                            <dgm:ruleLst>
+                              <dgm:rule type="primFontSz" val="5" fact="NaN" max="NaN"/>
+                            </dgm:ruleLst>
+                          </dgm:layoutNode>
+                        </dgm:layoutNode>
+                      </dgm:forEach>
+                    </dgm:layoutNode>
+                  </dgm:layoutNode>
+                  <dgm:forEach name="Name37" axis="followSib" ptType="sibTrans" cnt="1">
+                    <dgm:layoutNode name="thinLine3" styleLbl="callout">
+                      <dgm:alg type="sp"/>
+                      <dgm:shape xmlns:r="http://schemas.openxmlformats.org/officeDocument/2006/relationships" type="line" r:blip="">
+                        <dgm:adjLst/>
+                      </dgm:shape>
+                      <dgm:presOf/>
+                    </dgm:layoutNode>
+                  </dgm:forEach>
+                </dgm:forEach>
+              </dgm:layoutNode>
+            </dgm:layoutNode>
+            <dgm:layoutNode name="thinLine2b" styleLbl="callout">
+              <dgm:alg type="sp"/>
+              <dgm:shape xmlns:r="http://schemas.openxmlformats.org/officeDocument/2006/relationships" type="line" r:blip="">
+                <dgm:adjLst/>
+              </dgm:shape>
+              <dgm:presOf/>
+            </dgm:layoutNode>
+            <dgm:layoutNode name="vertSpace2b">
+              <dgm:alg type="sp"/>
+              <dgm:shape xmlns:r="http://schemas.openxmlformats.org/officeDocument/2006/relationships" r:blip="">
+                <dgm:adjLst/>
+              </dgm:shape>
+              <dgm:presOf/>
+            </dgm:layoutNode>
+          </dgm:forEach>
+        </dgm:layoutNode>
+      </dgm:layoutNode>
+    </dgm:forEach>
+  </dgm:layoutNode>
+</dgm:layoutDef>
+</file>
+
+<file path=ppt/diagrams/layout2.xml><?xml version="1.0" encoding="utf-8"?>
 <dgm:layoutDef xmlns:dgm="http://schemas.openxmlformats.org/drawingml/2006/diagram" xmlns:a="http://schemas.openxmlformats.org/drawingml/2006/main" uniqueId="urn:microsoft.com/office/officeart/2008/layout/LinedList">
   <dgm:title val=""/>
   <dgm:desc val=""/>
@@ -3248,6 +5344,1473 @@
 </dgm:styleDef>
 </file>
 
+<file path=ppt/diagrams/quickStyle2.xml><?xml version="1.0" encoding="utf-8"?>
+<dgm:styleDef xmlns:dgm="http://schemas.openxmlformats.org/drawingml/2006/diagram" xmlns:a="http://schemas.openxmlformats.org/drawingml/2006/main" uniqueId="urn:microsoft.com/office/officeart/2005/8/quickstyle/simple4">
+  <dgm:title val=""/>
+  <dgm:desc val=""/>
+  <dgm:catLst>
+    <dgm:cat type="simple" pri="10400"/>
+  </dgm:catLst>
+  <dgm:scene3d>
+    <a:camera prst="orthographicFront"/>
+    <a:lightRig rig="threePt" dir="t"/>
+  </dgm:scene3d>
+  <dgm:styleLbl name="node0">
+    <dgm:scene3d>
+      <a:camera prst="orthographicFront"/>
+      <a:lightRig rig="threePt" dir="t"/>
+    </dgm:scene3d>
+    <dgm:sp3d/>
+    <dgm:txPr/>
+    <dgm:style>
+      <a:lnRef idx="0">
+        <a:scrgbClr r="0" g="0" b="0"/>
+      </a:lnRef>
+      <a:fillRef idx="3">
+        <a:scrgbClr r="0" g="0" b="0"/>
+      </a:fillRef>
+      <a:effectRef idx="2">
+        <a:scrgbClr r="0" g="0" b="0"/>
+      </a:effectRef>
+      <a:fontRef idx="minor">
+        <a:schemeClr val="lt1"/>
+      </a:fontRef>
+    </dgm:style>
+  </dgm:styleLbl>
+  <dgm:styleLbl name="lnNode1">
+    <dgm:scene3d>
+      <a:camera prst="orthographicFront"/>
+      <a:lightRig rig="threePt" dir="t"/>
+    </dgm:scene3d>
+    <dgm:sp3d/>
+    <dgm:txPr/>
+    <dgm:style>
+      <a:lnRef idx="1">
+        <a:scrgbClr r="0" g="0" b="0"/>
+      </a:lnRef>
+      <a:fillRef idx="3">
+        <a:scrgbClr r="0" g="0" b="0"/>
+      </a:fillRef>
+      <a:effectRef idx="2">
+        <a:scrgbClr r="0" g="0" b="0"/>
+      </a:effectRef>
+      <a:fontRef idx="minor">
+        <a:schemeClr val="lt1"/>
+      </a:fontRef>
+    </dgm:style>
+  </dgm:styleLbl>
+  <dgm:styleLbl name="vennNode1">
+    <dgm:scene3d>
+      <a:camera prst="orthographicFront"/>
+      <a:lightRig rig="threePt" dir="t"/>
+    </dgm:scene3d>
+    <dgm:sp3d/>
+    <dgm:txPr/>
+    <dgm:style>
+      <a:lnRef idx="0">
+        <a:scrgbClr r="0" g="0" b="0"/>
+      </a:lnRef>
+      <a:fillRef idx="3">
+        <a:scrgbClr r="0" g="0" b="0"/>
+      </a:fillRef>
+      <a:effectRef idx="0">
+        <a:scrgbClr r="0" g="0" b="0"/>
+      </a:effectRef>
+      <a:fontRef idx="minor">
+        <a:schemeClr val="tx1"/>
+      </a:fontRef>
+    </dgm:style>
+  </dgm:styleLbl>
+  <dgm:styleLbl name="alignNode1">
+    <dgm:scene3d>
+      <a:camera prst="orthographicFront"/>
+      <a:lightRig rig="threePt" dir="t"/>
+    </dgm:scene3d>
+    <dgm:sp3d/>
+    <dgm:txPr/>
+    <dgm:style>
+      <a:lnRef idx="1">
+        <a:scrgbClr r="0" g="0" b="0"/>
+      </a:lnRef>
+      <a:fillRef idx="3">
+        <a:scrgbClr r="0" g="0" b="0"/>
+      </a:fillRef>
+      <a:effectRef idx="2">
+        <a:scrgbClr r="0" g="0" b="0"/>
+      </a:effectRef>
+      <a:fontRef idx="minor">
+        <a:schemeClr val="lt1"/>
+      </a:fontRef>
+    </dgm:style>
+  </dgm:styleLbl>
+  <dgm:styleLbl name="node1">
+    <dgm:scene3d>
+      <a:camera prst="orthographicFront"/>
+      <a:lightRig rig="threePt" dir="t"/>
+    </dgm:scene3d>
+    <dgm:sp3d/>
+    <dgm:txPr/>
+    <dgm:style>
+      <a:lnRef idx="0">
+        <a:scrgbClr r="0" g="0" b="0"/>
+      </a:lnRef>
+      <a:fillRef idx="3">
+        <a:scrgbClr r="0" g="0" b="0"/>
+      </a:fillRef>
+      <a:effectRef idx="2">
+        <a:scrgbClr r="0" g="0" b="0"/>
+      </a:effectRef>
+      <a:fontRef idx="minor">
+        <a:schemeClr val="lt1"/>
+      </a:fontRef>
+    </dgm:style>
+  </dgm:styleLbl>
+  <dgm:styleLbl name="node2">
+    <dgm:scene3d>
+      <a:camera prst="orthographicFront"/>
+      <a:lightRig rig="threePt" dir="t"/>
+    </dgm:scene3d>
+    <dgm:sp3d/>
+    <dgm:txPr/>
+    <dgm:style>
+      <a:lnRef idx="0">
+        <a:scrgbClr r="0" g="0" b="0"/>
+      </a:lnRef>
+      <a:fillRef idx="3">
+        <a:scrgbClr r="0" g="0" b="0"/>
+      </a:fillRef>
+      <a:effectRef idx="2">
+        <a:scrgbClr r="0" g="0" b="0"/>
+      </a:effectRef>
+      <a:fontRef idx="minor">
+        <a:schemeClr val="lt1"/>
+      </a:fontRef>
+    </dgm:style>
+  </dgm:styleLbl>
+  <dgm:styleLbl name="node3">
+    <dgm:scene3d>
+      <a:camera prst="orthographicFront"/>
+      <a:lightRig rig="threePt" dir="t"/>
+    </dgm:scene3d>
+    <dgm:sp3d/>
+    <dgm:txPr/>
+    <dgm:style>
+      <a:lnRef idx="0">
+        <a:scrgbClr r="0" g="0" b="0"/>
+      </a:lnRef>
+      <a:fillRef idx="3">
+        <a:scrgbClr r="0" g="0" b="0"/>
+      </a:fillRef>
+      <a:effectRef idx="2">
+        <a:scrgbClr r="0" g="0" b="0"/>
+      </a:effectRef>
+      <a:fontRef idx="minor">
+        <a:schemeClr val="lt1"/>
+      </a:fontRef>
+    </dgm:style>
+  </dgm:styleLbl>
+  <dgm:styleLbl name="node4">
+    <dgm:scene3d>
+      <a:camera prst="orthographicFront"/>
+      <a:lightRig rig="threePt" dir="t"/>
+    </dgm:scene3d>
+    <dgm:sp3d/>
+    <dgm:txPr/>
+    <dgm:style>
+      <a:lnRef idx="0">
+        <a:scrgbClr r="0" g="0" b="0"/>
+      </a:lnRef>
+      <a:fillRef idx="3">
+        <a:scrgbClr r="0" g="0" b="0"/>
+      </a:fillRef>
+      <a:effectRef idx="2">
+        <a:scrgbClr r="0" g="0" b="0"/>
+      </a:effectRef>
+      <a:fontRef idx="minor">
+        <a:schemeClr val="lt1"/>
+      </a:fontRef>
+    </dgm:style>
+  </dgm:styleLbl>
+  <dgm:styleLbl name="fgImgPlace1">
+    <dgm:scene3d>
+      <a:camera prst="orthographicFront"/>
+      <a:lightRig rig="threePt" dir="t"/>
+    </dgm:scene3d>
+    <dgm:sp3d/>
+    <dgm:txPr/>
+    <dgm:style>
+      <a:lnRef idx="0">
+        <a:scrgbClr r="0" g="0" b="0"/>
+      </a:lnRef>
+      <a:fillRef idx="1">
+        <a:scrgbClr r="0" g="0" b="0"/>
+      </a:fillRef>
+      <a:effectRef idx="2">
+        <a:scrgbClr r="0" g="0" b="0"/>
+      </a:effectRef>
+      <a:fontRef idx="minor"/>
+    </dgm:style>
+  </dgm:styleLbl>
+  <dgm:styleLbl name="alignImgPlace1">
+    <dgm:scene3d>
+      <a:camera prst="orthographicFront"/>
+      <a:lightRig rig="threePt" dir="t"/>
+    </dgm:scene3d>
+    <dgm:sp3d/>
+    <dgm:txPr/>
+    <dgm:style>
+      <a:lnRef idx="0">
+        <a:scrgbClr r="0" g="0" b="0"/>
+      </a:lnRef>
+      <a:fillRef idx="1">
+        <a:scrgbClr r="0" g="0" b="0"/>
+      </a:fillRef>
+      <a:effectRef idx="2">
+        <a:scrgbClr r="0" g="0" b="0"/>
+      </a:effectRef>
+      <a:fontRef idx="minor"/>
+    </dgm:style>
+  </dgm:styleLbl>
+  <dgm:styleLbl name="bgImgPlace1">
+    <dgm:scene3d>
+      <a:camera prst="orthographicFront"/>
+      <a:lightRig rig="threePt" dir="t"/>
+    </dgm:scene3d>
+    <dgm:sp3d/>
+    <dgm:txPr/>
+    <dgm:style>
+      <a:lnRef idx="0">
+        <a:scrgbClr r="0" g="0" b="0"/>
+      </a:lnRef>
+      <a:fillRef idx="1">
+        <a:scrgbClr r="0" g="0" b="0"/>
+      </a:fillRef>
+      <a:effectRef idx="2">
+        <a:scrgbClr r="0" g="0" b="0"/>
+      </a:effectRef>
+      <a:fontRef idx="minor"/>
+    </dgm:style>
+  </dgm:styleLbl>
+  <dgm:styleLbl name="sibTrans2D1">
+    <dgm:scene3d>
+      <a:camera prst="orthographicFront"/>
+      <a:lightRig rig="threePt" dir="t"/>
+    </dgm:scene3d>
+    <dgm:sp3d/>
+    <dgm:txPr/>
+    <dgm:style>
+      <a:lnRef idx="0">
+        <a:scrgbClr r="0" g="0" b="0"/>
+      </a:lnRef>
+      <a:fillRef idx="3">
+        <a:scrgbClr r="0" g="0" b="0"/>
+      </a:fillRef>
+      <a:effectRef idx="2">
+        <a:scrgbClr r="0" g="0" b="0"/>
+      </a:effectRef>
+      <a:fontRef idx="minor">
+        <a:schemeClr val="lt1"/>
+      </a:fontRef>
+    </dgm:style>
+  </dgm:styleLbl>
+  <dgm:styleLbl name="fgSibTrans2D1">
+    <dgm:scene3d>
+      <a:camera prst="orthographicFront"/>
+      <a:lightRig rig="threePt" dir="t"/>
+    </dgm:scene3d>
+    <dgm:sp3d/>
+    <dgm:txPr/>
+    <dgm:style>
+      <a:lnRef idx="0">
+        <a:scrgbClr r="0" g="0" b="0"/>
+      </a:lnRef>
+      <a:fillRef idx="3">
+        <a:scrgbClr r="0" g="0" b="0"/>
+      </a:fillRef>
+      <a:effectRef idx="2">
+        <a:scrgbClr r="0" g="0" b="0"/>
+      </a:effectRef>
+      <a:fontRef idx="minor">
+        <a:schemeClr val="lt1"/>
+      </a:fontRef>
+    </dgm:style>
+  </dgm:styleLbl>
+  <dgm:styleLbl name="bgSibTrans2D1">
+    <dgm:scene3d>
+      <a:camera prst="orthographicFront"/>
+      <a:lightRig rig="threePt" dir="t"/>
+    </dgm:scene3d>
+    <dgm:sp3d/>
+    <dgm:txPr/>
+    <dgm:style>
+      <a:lnRef idx="0">
+        <a:scrgbClr r="0" g="0" b="0"/>
+      </a:lnRef>
+      <a:fillRef idx="3">
+        <a:scrgbClr r="0" g="0" b="0"/>
+      </a:fillRef>
+      <a:effectRef idx="2">
+        <a:scrgbClr r="0" g="0" b="0"/>
+      </a:effectRef>
+      <a:fontRef idx="minor">
+        <a:schemeClr val="lt1"/>
+      </a:fontRef>
+    </dgm:style>
+  </dgm:styleLbl>
+  <dgm:styleLbl name="sibTrans1D1">
+    <dgm:scene3d>
+      <a:camera prst="orthographicFront"/>
+      <a:lightRig rig="threePt" dir="t"/>
+    </dgm:scene3d>
+    <dgm:sp3d/>
+    <dgm:txPr/>
+    <dgm:style>
+      <a:lnRef idx="1">
+        <a:scrgbClr r="0" g="0" b="0"/>
+      </a:lnRef>
+      <a:fillRef idx="0">
+        <a:scrgbClr r="0" g="0" b="0"/>
+      </a:fillRef>
+      <a:effectRef idx="0">
+        <a:scrgbClr r="0" g="0" b="0"/>
+      </a:effectRef>
+      <a:fontRef idx="minor"/>
+    </dgm:style>
+  </dgm:styleLbl>
+  <dgm:styleLbl name="callout">
+    <dgm:scene3d>
+      <a:camera prst="orthographicFront"/>
+      <a:lightRig rig="threePt" dir="t"/>
+    </dgm:scene3d>
+    <dgm:sp3d/>
+    <dgm:txPr/>
+    <dgm:style>
+      <a:lnRef idx="2">
+        <a:scrgbClr r="0" g="0" b="0"/>
+      </a:lnRef>
+      <a:fillRef idx="1">
+        <a:scrgbClr r="0" g="0" b="0"/>
+      </a:fillRef>
+      <a:effectRef idx="1">
+        <a:scrgbClr r="0" g="0" b="0"/>
+      </a:effectRef>
+      <a:fontRef idx="minor"/>
+    </dgm:style>
+  </dgm:styleLbl>
+  <dgm:styleLbl name="asst0">
+    <dgm:scene3d>
+      <a:camera prst="orthographicFront"/>
+      <a:lightRig rig="threePt" dir="t"/>
+    </dgm:scene3d>
+    <dgm:sp3d/>
+    <dgm:txPr/>
+    <dgm:style>
+      <a:lnRef idx="0">
+        <a:scrgbClr r="0" g="0" b="0"/>
+      </a:lnRef>
+      <a:fillRef idx="3">
+        <a:scrgbClr r="0" g="0" b="0"/>
+      </a:fillRef>
+      <a:effectRef idx="2">
+        <a:scrgbClr r="0" g="0" b="0"/>
+      </a:effectRef>
+      <a:fontRef idx="minor">
+        <a:schemeClr val="lt1"/>
+      </a:fontRef>
+    </dgm:style>
+  </dgm:styleLbl>
+  <dgm:styleLbl name="asst1">
+    <dgm:scene3d>
+      <a:camera prst="orthographicFront"/>
+      <a:lightRig rig="threePt" dir="t"/>
+    </dgm:scene3d>
+    <dgm:sp3d/>
+    <dgm:txPr/>
+    <dgm:style>
+      <a:lnRef idx="0">
+        <a:scrgbClr r="0" g="0" b="0"/>
+      </a:lnRef>
+      <a:fillRef idx="3">
+        <a:scrgbClr r="0" g="0" b="0"/>
+      </a:fillRef>
+      <a:effectRef idx="2">
+        <a:scrgbClr r="0" g="0" b="0"/>
+      </a:effectRef>
+      <a:fontRef idx="minor">
+        <a:schemeClr val="lt1"/>
+      </a:fontRef>
+    </dgm:style>
+  </dgm:styleLbl>
+  <dgm:styleLbl name="asst2">
+    <dgm:scene3d>
+      <a:camera prst="orthographicFront"/>
+      <a:lightRig rig="threePt" dir="t"/>
+    </dgm:scene3d>
+    <dgm:sp3d/>
+    <dgm:txPr/>
+    <dgm:style>
+      <a:lnRef idx="0">
+        <a:scrgbClr r="0" g="0" b="0"/>
+      </a:lnRef>
+      <a:fillRef idx="3">
+        <a:scrgbClr r="0" g="0" b="0"/>
+      </a:fillRef>
+      <a:effectRef idx="2">
+        <a:scrgbClr r="0" g="0" b="0"/>
+      </a:effectRef>
+      <a:fontRef idx="minor">
+        <a:schemeClr val="lt1"/>
+      </a:fontRef>
+    </dgm:style>
+  </dgm:styleLbl>
+  <dgm:styleLbl name="asst3">
+    <dgm:scene3d>
+      <a:camera prst="orthographicFront"/>
+      <a:lightRig rig="threePt" dir="t"/>
+    </dgm:scene3d>
+    <dgm:sp3d/>
+    <dgm:txPr/>
+    <dgm:style>
+      <a:lnRef idx="0">
+        <a:scrgbClr r="0" g="0" b="0"/>
+      </a:lnRef>
+      <a:fillRef idx="3">
+        <a:scrgbClr r="0" g="0" b="0"/>
+      </a:fillRef>
+      <a:effectRef idx="2">
+        <a:scrgbClr r="0" g="0" b="0"/>
+      </a:effectRef>
+      <a:fontRef idx="minor">
+        <a:schemeClr val="lt1"/>
+      </a:fontRef>
+    </dgm:style>
+  </dgm:styleLbl>
+  <dgm:styleLbl name="asst4">
+    <dgm:scene3d>
+      <a:camera prst="orthographicFront"/>
+      <a:lightRig rig="threePt" dir="t"/>
+    </dgm:scene3d>
+    <dgm:sp3d/>
+    <dgm:txPr/>
+    <dgm:style>
+      <a:lnRef idx="0">
+        <a:scrgbClr r="0" g="0" b="0"/>
+      </a:lnRef>
+      <a:fillRef idx="3">
+        <a:scrgbClr r="0" g="0" b="0"/>
+      </a:fillRef>
+      <a:effectRef idx="2">
+        <a:scrgbClr r="0" g="0" b="0"/>
+      </a:effectRef>
+      <a:fontRef idx="minor">
+        <a:schemeClr val="lt1"/>
+      </a:fontRef>
+    </dgm:style>
+  </dgm:styleLbl>
+  <dgm:styleLbl name="parChTrans2D1">
+    <dgm:scene3d>
+      <a:camera prst="orthographicFront"/>
+      <a:lightRig rig="threePt" dir="t"/>
+    </dgm:scene3d>
+    <dgm:sp3d/>
+    <dgm:txPr/>
+    <dgm:style>
+      <a:lnRef idx="0">
+        <a:scrgbClr r="0" g="0" b="0"/>
+      </a:lnRef>
+      <a:fillRef idx="3">
+        <a:scrgbClr r="0" g="0" b="0"/>
+      </a:fillRef>
+      <a:effectRef idx="2">
+        <a:scrgbClr r="0" g="0" b="0"/>
+      </a:effectRef>
+      <a:fontRef idx="minor">
+        <a:schemeClr val="lt1"/>
+      </a:fontRef>
+    </dgm:style>
+  </dgm:styleLbl>
+  <dgm:styleLbl name="parChTrans2D2">
+    <dgm:scene3d>
+      <a:camera prst="orthographicFront"/>
+      <a:lightRig rig="threePt" dir="t"/>
+    </dgm:scene3d>
+    <dgm:sp3d/>
+    <dgm:txPr/>
+    <dgm:style>
+      <a:lnRef idx="0">
+        <a:scrgbClr r="0" g="0" b="0"/>
+      </a:lnRef>
+      <a:fillRef idx="3">
+        <a:scrgbClr r="0" g="0" b="0"/>
+      </a:fillRef>
+      <a:effectRef idx="2">
+        <a:scrgbClr r="0" g="0" b="0"/>
+      </a:effectRef>
+      <a:fontRef idx="minor">
+        <a:schemeClr val="lt1"/>
+      </a:fontRef>
+    </dgm:style>
+  </dgm:styleLbl>
+  <dgm:styleLbl name="parChTrans2D3">
+    <dgm:scene3d>
+      <a:camera prst="orthographicFront"/>
+      <a:lightRig rig="threePt" dir="t"/>
+    </dgm:scene3d>
+    <dgm:sp3d/>
+    <dgm:txPr/>
+    <dgm:style>
+      <a:lnRef idx="1">
+        <a:scrgbClr r="0" g="0" b="0"/>
+      </a:lnRef>
+      <a:fillRef idx="3">
+        <a:scrgbClr r="0" g="0" b="0"/>
+      </a:fillRef>
+      <a:effectRef idx="2">
+        <a:scrgbClr r="0" g="0" b="0"/>
+      </a:effectRef>
+      <a:fontRef idx="minor">
+        <a:schemeClr val="lt1"/>
+      </a:fontRef>
+    </dgm:style>
+  </dgm:styleLbl>
+  <dgm:styleLbl name="parChTrans2D4">
+    <dgm:scene3d>
+      <a:camera prst="orthographicFront"/>
+      <a:lightRig rig="threePt" dir="t"/>
+    </dgm:scene3d>
+    <dgm:sp3d/>
+    <dgm:txPr/>
+    <dgm:style>
+      <a:lnRef idx="1">
+        <a:scrgbClr r="0" g="0" b="0"/>
+      </a:lnRef>
+      <a:fillRef idx="3">
+        <a:scrgbClr r="0" g="0" b="0"/>
+      </a:fillRef>
+      <a:effectRef idx="2">
+        <a:scrgbClr r="0" g="0" b="0"/>
+      </a:effectRef>
+      <a:fontRef idx="minor">
+        <a:schemeClr val="lt1"/>
+      </a:fontRef>
+    </dgm:style>
+  </dgm:styleLbl>
+  <dgm:styleLbl name="parChTrans1D1">
+    <dgm:scene3d>
+      <a:camera prst="orthographicFront"/>
+      <a:lightRig rig="threePt" dir="t"/>
+    </dgm:scene3d>
+    <dgm:sp3d/>
+    <dgm:txPr/>
+    <dgm:style>
+      <a:lnRef idx="1">
+        <a:scrgbClr r="0" g="0" b="0"/>
+      </a:lnRef>
+      <a:fillRef idx="0">
+        <a:scrgbClr r="0" g="0" b="0"/>
+      </a:fillRef>
+      <a:effectRef idx="0">
+        <a:scrgbClr r="0" g="0" b="0"/>
+      </a:effectRef>
+      <a:fontRef idx="minor"/>
+    </dgm:style>
+  </dgm:styleLbl>
+  <dgm:styleLbl name="parChTrans1D2">
+    <dgm:scene3d>
+      <a:camera prst="orthographicFront"/>
+      <a:lightRig rig="threePt" dir="t"/>
+    </dgm:scene3d>
+    <dgm:sp3d/>
+    <dgm:txPr/>
+    <dgm:style>
+      <a:lnRef idx="1">
+        <a:scrgbClr r="0" g="0" b="0"/>
+      </a:lnRef>
+      <a:fillRef idx="0">
+        <a:scrgbClr r="0" g="0" b="0"/>
+      </a:fillRef>
+      <a:effectRef idx="0">
+        <a:scrgbClr r="0" g="0" b="0"/>
+      </a:effectRef>
+      <a:fontRef idx="minor"/>
+    </dgm:style>
+  </dgm:styleLbl>
+  <dgm:styleLbl name="parChTrans1D3">
+    <dgm:scene3d>
+      <a:camera prst="orthographicFront"/>
+      <a:lightRig rig="threePt" dir="t"/>
+    </dgm:scene3d>
+    <dgm:sp3d/>
+    <dgm:txPr/>
+    <dgm:style>
+      <a:lnRef idx="1">
+        <a:scrgbClr r="0" g="0" b="0"/>
+      </a:lnRef>
+      <a:fillRef idx="0">
+        <a:scrgbClr r="0" g="0" b="0"/>
+      </a:fillRef>
+      <a:effectRef idx="0">
+        <a:scrgbClr r="0" g="0" b="0"/>
+      </a:effectRef>
+      <a:fontRef idx="minor"/>
+    </dgm:style>
+  </dgm:styleLbl>
+  <dgm:styleLbl name="parChTrans1D4">
+    <dgm:scene3d>
+      <a:camera prst="orthographicFront"/>
+      <a:lightRig rig="threePt" dir="t"/>
+    </dgm:scene3d>
+    <dgm:sp3d/>
+    <dgm:txPr/>
+    <dgm:style>
+      <a:lnRef idx="1">
+        <a:scrgbClr r="0" g="0" b="0"/>
+      </a:lnRef>
+      <a:fillRef idx="0">
+        <a:scrgbClr r="0" g="0" b="0"/>
+      </a:fillRef>
+      <a:effectRef idx="0">
+        <a:scrgbClr r="0" g="0" b="0"/>
+      </a:effectRef>
+      <a:fontRef idx="minor"/>
+    </dgm:style>
+  </dgm:styleLbl>
+  <dgm:styleLbl name="fgAcc1">
+    <dgm:scene3d>
+      <a:camera prst="orthographicFront"/>
+      <a:lightRig rig="threePt" dir="t"/>
+    </dgm:scene3d>
+    <dgm:sp3d/>
+    <dgm:txPr/>
+    <dgm:style>
+      <a:lnRef idx="1">
+        <a:scrgbClr r="0" g="0" b="0"/>
+      </a:lnRef>
+      <a:fillRef idx="1">
+        <a:scrgbClr r="0" g="0" b="0"/>
+      </a:fillRef>
+      <a:effectRef idx="0">
+        <a:scrgbClr r="0" g="0" b="0"/>
+      </a:effectRef>
+      <a:fontRef idx="minor"/>
+    </dgm:style>
+  </dgm:styleLbl>
+  <dgm:styleLbl name="conFgAcc1">
+    <dgm:scene3d>
+      <a:camera prst="orthographicFront"/>
+      <a:lightRig rig="threePt" dir="t"/>
+    </dgm:scene3d>
+    <dgm:sp3d/>
+    <dgm:txPr/>
+    <dgm:style>
+      <a:lnRef idx="1">
+        <a:scrgbClr r="0" g="0" b="0"/>
+      </a:lnRef>
+      <a:fillRef idx="1">
+        <a:scrgbClr r="0" g="0" b="0"/>
+      </a:fillRef>
+      <a:effectRef idx="0">
+        <a:scrgbClr r="0" g="0" b="0"/>
+      </a:effectRef>
+      <a:fontRef idx="minor"/>
+    </dgm:style>
+  </dgm:styleLbl>
+  <dgm:styleLbl name="alignAcc1">
+    <dgm:scene3d>
+      <a:camera prst="orthographicFront"/>
+      <a:lightRig rig="threePt" dir="t"/>
+    </dgm:scene3d>
+    <dgm:sp3d/>
+    <dgm:txPr/>
+    <dgm:style>
+      <a:lnRef idx="1">
+        <a:scrgbClr r="0" g="0" b="0"/>
+      </a:lnRef>
+      <a:fillRef idx="1">
+        <a:scrgbClr r="0" g="0" b="0"/>
+      </a:fillRef>
+      <a:effectRef idx="0">
+        <a:scrgbClr r="0" g="0" b="0"/>
+      </a:effectRef>
+      <a:fontRef idx="minor"/>
+    </dgm:style>
+  </dgm:styleLbl>
+  <dgm:styleLbl name="trAlignAcc1">
+    <dgm:scene3d>
+      <a:camera prst="orthographicFront"/>
+      <a:lightRig rig="threePt" dir="t"/>
+    </dgm:scene3d>
+    <dgm:sp3d/>
+    <dgm:txPr/>
+    <dgm:style>
+      <a:lnRef idx="1">
+        <a:scrgbClr r="0" g="0" b="0"/>
+      </a:lnRef>
+      <a:fillRef idx="1">
+        <a:scrgbClr r="0" g="0" b="0"/>
+      </a:fillRef>
+      <a:effectRef idx="0">
+        <a:scrgbClr r="0" g="0" b="0"/>
+      </a:effectRef>
+      <a:fontRef idx="minor"/>
+    </dgm:style>
+  </dgm:styleLbl>
+  <dgm:styleLbl name="bgAcc1">
+    <dgm:scene3d>
+      <a:camera prst="orthographicFront"/>
+      <a:lightRig rig="threePt" dir="t"/>
+    </dgm:scene3d>
+    <dgm:sp3d/>
+    <dgm:txPr/>
+    <dgm:style>
+      <a:lnRef idx="1">
+        <a:scrgbClr r="0" g="0" b="0"/>
+      </a:lnRef>
+      <a:fillRef idx="1">
+        <a:scrgbClr r="0" g="0" b="0"/>
+      </a:fillRef>
+      <a:effectRef idx="0">
+        <a:scrgbClr r="0" g="0" b="0"/>
+      </a:effectRef>
+      <a:fontRef idx="minor"/>
+    </dgm:style>
+  </dgm:styleLbl>
+  <dgm:styleLbl name="solidFgAcc1">
+    <dgm:scene3d>
+      <a:camera prst="orthographicFront"/>
+      <a:lightRig rig="threePt" dir="t"/>
+    </dgm:scene3d>
+    <dgm:sp3d/>
+    <dgm:txPr/>
+    <dgm:style>
+      <a:lnRef idx="1">
+        <a:scrgbClr r="0" g="0" b="0"/>
+      </a:lnRef>
+      <a:fillRef idx="1">
+        <a:scrgbClr r="0" g="0" b="0"/>
+      </a:fillRef>
+      <a:effectRef idx="0">
+        <a:scrgbClr r="0" g="0" b="0"/>
+      </a:effectRef>
+      <a:fontRef idx="minor"/>
+    </dgm:style>
+  </dgm:styleLbl>
+  <dgm:styleLbl name="solidAlignAcc1">
+    <dgm:scene3d>
+      <a:camera prst="orthographicFront"/>
+      <a:lightRig rig="threePt" dir="t"/>
+    </dgm:scene3d>
+    <dgm:sp3d/>
+    <dgm:txPr/>
+    <dgm:style>
+      <a:lnRef idx="1">
+        <a:scrgbClr r="0" g="0" b="0"/>
+      </a:lnRef>
+      <a:fillRef idx="1">
+        <a:scrgbClr r="0" g="0" b="0"/>
+      </a:fillRef>
+      <a:effectRef idx="0">
+        <a:scrgbClr r="0" g="0" b="0"/>
+      </a:effectRef>
+      <a:fontRef idx="minor"/>
+    </dgm:style>
+  </dgm:styleLbl>
+  <dgm:styleLbl name="solidBgAcc1">
+    <dgm:scene3d>
+      <a:camera prst="orthographicFront"/>
+      <a:lightRig rig="threePt" dir="t"/>
+    </dgm:scene3d>
+    <dgm:sp3d/>
+    <dgm:txPr/>
+    <dgm:style>
+      <a:lnRef idx="1">
+        <a:scrgbClr r="0" g="0" b="0"/>
+      </a:lnRef>
+      <a:fillRef idx="1">
+        <a:scrgbClr r="0" g="0" b="0"/>
+      </a:fillRef>
+      <a:effectRef idx="0">
+        <a:scrgbClr r="0" g="0" b="0"/>
+      </a:effectRef>
+      <a:fontRef idx="minor"/>
+    </dgm:style>
+  </dgm:styleLbl>
+  <dgm:styleLbl name="fgAccFollowNode1">
+    <dgm:scene3d>
+      <a:camera prst="orthographicFront"/>
+      <a:lightRig rig="threePt" dir="t"/>
+    </dgm:scene3d>
+    <dgm:sp3d/>
+    <dgm:txPr/>
+    <dgm:style>
+      <a:lnRef idx="1">
+        <a:scrgbClr r="0" g="0" b="0"/>
+      </a:lnRef>
+      <a:fillRef idx="1">
+        <a:scrgbClr r="0" g="0" b="0"/>
+      </a:fillRef>
+      <a:effectRef idx="0">
+        <a:scrgbClr r="0" g="0" b="0"/>
+      </a:effectRef>
+      <a:fontRef idx="minor"/>
+    </dgm:style>
+  </dgm:styleLbl>
+  <dgm:styleLbl name="alignAccFollowNode1">
+    <dgm:scene3d>
+      <a:camera prst="orthographicFront"/>
+      <a:lightRig rig="threePt" dir="t"/>
+    </dgm:scene3d>
+    <dgm:sp3d/>
+    <dgm:txPr/>
+    <dgm:style>
+      <a:lnRef idx="1">
+        <a:scrgbClr r="0" g="0" b="0"/>
+      </a:lnRef>
+      <a:fillRef idx="1">
+        <a:scrgbClr r="0" g="0" b="0"/>
+      </a:fillRef>
+      <a:effectRef idx="0">
+        <a:scrgbClr r="0" g="0" b="0"/>
+      </a:effectRef>
+      <a:fontRef idx="minor"/>
+    </dgm:style>
+  </dgm:styleLbl>
+  <dgm:styleLbl name="bgAccFollowNode1">
+    <dgm:scene3d>
+      <a:camera prst="orthographicFront"/>
+      <a:lightRig rig="threePt" dir="t"/>
+    </dgm:scene3d>
+    <dgm:sp3d/>
+    <dgm:txPr/>
+    <dgm:style>
+      <a:lnRef idx="1">
+        <a:scrgbClr r="0" g="0" b="0"/>
+      </a:lnRef>
+      <a:fillRef idx="1">
+        <a:scrgbClr r="0" g="0" b="0"/>
+      </a:fillRef>
+      <a:effectRef idx="0">
+        <a:scrgbClr r="0" g="0" b="0"/>
+      </a:effectRef>
+      <a:fontRef idx="minor"/>
+    </dgm:style>
+  </dgm:styleLbl>
+  <dgm:styleLbl name="fgAcc0">
+    <dgm:scene3d>
+      <a:camera prst="orthographicFront"/>
+      <a:lightRig rig="threePt" dir="t"/>
+    </dgm:scene3d>
+    <dgm:sp3d/>
+    <dgm:txPr/>
+    <dgm:style>
+      <a:lnRef idx="1">
+        <a:scrgbClr r="0" g="0" b="0"/>
+      </a:lnRef>
+      <a:fillRef idx="1">
+        <a:scrgbClr r="0" g="0" b="0"/>
+      </a:fillRef>
+      <a:effectRef idx="0">
+        <a:scrgbClr r="0" g="0" b="0"/>
+      </a:effectRef>
+      <a:fontRef idx="minor"/>
+    </dgm:style>
+  </dgm:styleLbl>
+  <dgm:styleLbl name="fgAcc2">
+    <dgm:scene3d>
+      <a:camera prst="orthographicFront"/>
+      <a:lightRig rig="threePt" dir="t"/>
+    </dgm:scene3d>
+    <dgm:sp3d/>
+    <dgm:txPr/>
+    <dgm:style>
+      <a:lnRef idx="1">
+        <a:scrgbClr r="0" g="0" b="0"/>
+      </a:lnRef>
+      <a:fillRef idx="1">
+        <a:scrgbClr r="0" g="0" b="0"/>
+      </a:fillRef>
+      <a:effectRef idx="0">
+        <a:scrgbClr r="0" g="0" b="0"/>
+      </a:effectRef>
+      <a:fontRef idx="minor"/>
+    </dgm:style>
+  </dgm:styleLbl>
+  <dgm:styleLbl name="fgAcc3">
+    <dgm:scene3d>
+      <a:camera prst="orthographicFront"/>
+      <a:lightRig rig="threePt" dir="t"/>
+    </dgm:scene3d>
+    <dgm:sp3d/>
+    <dgm:txPr/>
+    <dgm:style>
+      <a:lnRef idx="1">
+        <a:scrgbClr r="0" g="0" b="0"/>
+      </a:lnRef>
+      <a:fillRef idx="1">
+        <a:scrgbClr r="0" g="0" b="0"/>
+      </a:fillRef>
+      <a:effectRef idx="0">
+        <a:scrgbClr r="0" g="0" b="0"/>
+      </a:effectRef>
+      <a:fontRef idx="minor"/>
+    </dgm:style>
+  </dgm:styleLbl>
+  <dgm:styleLbl name="fgAcc4">
+    <dgm:scene3d>
+      <a:camera prst="orthographicFront"/>
+      <a:lightRig rig="threePt" dir="t"/>
+    </dgm:scene3d>
+    <dgm:sp3d/>
+    <dgm:txPr/>
+    <dgm:style>
+      <a:lnRef idx="1">
+        <a:scrgbClr r="0" g="0" b="0"/>
+      </a:lnRef>
+      <a:fillRef idx="1">
+        <a:scrgbClr r="0" g="0" b="0"/>
+      </a:fillRef>
+      <a:effectRef idx="0">
+        <a:scrgbClr r="0" g="0" b="0"/>
+      </a:effectRef>
+      <a:fontRef idx="minor"/>
+    </dgm:style>
+  </dgm:styleLbl>
+  <dgm:styleLbl name="bgShp">
+    <dgm:scene3d>
+      <a:camera prst="orthographicFront"/>
+      <a:lightRig rig="threePt" dir="t"/>
+    </dgm:scene3d>
+    <dgm:sp3d/>
+    <dgm:txPr/>
+    <dgm:style>
+      <a:lnRef idx="0">
+        <a:scrgbClr r="0" g="0" b="0"/>
+      </a:lnRef>
+      <a:fillRef idx="1">
+        <a:scrgbClr r="0" g="0" b="0"/>
+      </a:fillRef>
+      <a:effectRef idx="2">
+        <a:scrgbClr r="0" g="0" b="0"/>
+      </a:effectRef>
+      <a:fontRef idx="minor"/>
+    </dgm:style>
+  </dgm:styleLbl>
+  <dgm:styleLbl name="dkBgShp">
+    <dgm:scene3d>
+      <a:camera prst="orthographicFront"/>
+      <a:lightRig rig="threePt" dir="t"/>
+    </dgm:scene3d>
+    <dgm:sp3d/>
+    <dgm:txPr/>
+    <dgm:style>
+      <a:lnRef idx="0">
+        <a:scrgbClr r="0" g="0" b="0"/>
+      </a:lnRef>
+      <a:fillRef idx="1">
+        <a:scrgbClr r="0" g="0" b="0"/>
+      </a:fillRef>
+      <a:effectRef idx="2">
+        <a:scrgbClr r="0" g="0" b="0"/>
+      </a:effectRef>
+      <a:fontRef idx="minor"/>
+    </dgm:style>
+  </dgm:styleLbl>
+  <dgm:styleLbl name="trBgShp">
+    <dgm:scene3d>
+      <a:camera prst="orthographicFront"/>
+      <a:lightRig rig="threePt" dir="t"/>
+    </dgm:scene3d>
+    <dgm:sp3d/>
+    <dgm:txPr/>
+    <dgm:style>
+      <a:lnRef idx="0">
+        <a:scrgbClr r="0" g="0" b="0"/>
+      </a:lnRef>
+      <a:fillRef idx="1">
+        <a:scrgbClr r="0" g="0" b="0"/>
+      </a:fillRef>
+      <a:effectRef idx="0">
+        <a:scrgbClr r="0" g="0" b="0"/>
+      </a:effectRef>
+      <a:fontRef idx="minor"/>
+    </dgm:style>
+  </dgm:styleLbl>
+  <dgm:styleLbl name="fgShp">
+    <dgm:scene3d>
+      <a:camera prst="orthographicFront"/>
+      <a:lightRig rig="threePt" dir="t"/>
+    </dgm:scene3d>
+    <dgm:sp3d/>
+    <dgm:txPr/>
+    <dgm:style>
+      <a:lnRef idx="0">
+        <a:scrgbClr r="0" g="0" b="0"/>
+      </a:lnRef>
+      <a:fillRef idx="3">
+        <a:scrgbClr r="0" g="0" b="0"/>
+      </a:fillRef>
+      <a:effectRef idx="2">
+        <a:scrgbClr r="0" g="0" b="0"/>
+      </a:effectRef>
+      <a:fontRef idx="minor"/>
+    </dgm:style>
+  </dgm:styleLbl>
+  <dgm:styleLbl name="revTx">
+    <dgm:scene3d>
+      <a:camera prst="orthographicFront"/>
+      <a:lightRig rig="threePt" dir="t"/>
+    </dgm:scene3d>
+    <dgm:sp3d/>
+    <dgm:txPr/>
+    <dgm:style>
+      <a:lnRef idx="0">
+        <a:scrgbClr r="0" g="0" b="0"/>
+      </a:lnRef>
+      <a:fillRef idx="0">
+        <a:scrgbClr r="0" g="0" b="0"/>
+      </a:fillRef>
+      <a:effectRef idx="0">
+        <a:scrgbClr r="0" g="0" b="0"/>
+      </a:effectRef>
+      <a:fontRef idx="minor"/>
+    </dgm:style>
+  </dgm:styleLbl>
+</dgm:styleDef>
+</file>
+
+<file path=ppt/notesMasters/notesMaster1.xml><?xml version="1.0" encoding="utf-8"?>
+<p:notesMaster xmlns:a="http://schemas.openxmlformats.org/drawingml/2006/main" xmlns:r="http://schemas.openxmlformats.org/officeDocument/2006/relationships" xmlns:p="http://schemas.openxmlformats.org/presentationml/2006/main">
+  <p:cSld>
+    <p:bg>
+      <p:bgRef idx="1001">
+        <a:schemeClr val="bg1"/>
+      </p:bgRef>
+    </p:bg>
+    <p:spTree>
+      <p:nvGrpSpPr>
+        <p:cNvPr id="1" name=""/>
+        <p:cNvGrpSpPr/>
+        <p:nvPr/>
+      </p:nvGrpSpPr>
+      <p:grpSpPr>
+        <a:xfrm>
+          <a:off x="0" y="0"/>
+          <a:ext cx="0" cy="0"/>
+          <a:chOff x="0" y="0"/>
+          <a:chExt cx="0" cy="0"/>
+        </a:xfrm>
+      </p:grpSpPr>
+      <p:sp>
+        <p:nvSpPr>
+          <p:cNvPr id="2" name="Header Placeholder 1"/>
+          <p:cNvSpPr>
+            <a:spLocks noGrp="1"/>
+          </p:cNvSpPr>
+          <p:nvPr>
+            <p:ph type="hdr" sz="quarter"/>
+          </p:nvPr>
+        </p:nvSpPr>
+        <p:spPr>
+          <a:xfrm>
+            <a:off x="0" y="0"/>
+            <a:ext cx="2971800" cy="458788"/>
+          </a:xfrm>
+          <a:prstGeom prst="rect">
+            <a:avLst/>
+          </a:prstGeom>
+        </p:spPr>
+        <p:txBody>
+          <a:bodyPr vert="horz" lIns="91440" tIns="45720" rIns="91440" bIns="45720" rtlCol="0"/>
+          <a:lstStyle>
+            <a:lvl1pPr algn="l">
+              <a:defRPr sz="1200"/>
+            </a:lvl1pPr>
+          </a:lstStyle>
+          <a:p>
+            <a:endParaRPr lang="en-US"/>
+          </a:p>
+        </p:txBody>
+      </p:sp>
+      <p:sp>
+        <p:nvSpPr>
+          <p:cNvPr id="3" name="Date Placeholder 2"/>
+          <p:cNvSpPr>
+            <a:spLocks noGrp="1"/>
+          </p:cNvSpPr>
+          <p:nvPr>
+            <p:ph type="dt" idx="1"/>
+          </p:nvPr>
+        </p:nvSpPr>
+        <p:spPr>
+          <a:xfrm>
+            <a:off x="3884613" y="0"/>
+            <a:ext cx="2971800" cy="458788"/>
+          </a:xfrm>
+          <a:prstGeom prst="rect">
+            <a:avLst/>
+          </a:prstGeom>
+        </p:spPr>
+        <p:txBody>
+          <a:bodyPr vert="horz" lIns="91440" tIns="45720" rIns="91440" bIns="45720" rtlCol="0"/>
+          <a:lstStyle>
+            <a:lvl1pPr algn="r">
+              <a:defRPr sz="1200"/>
+            </a:lvl1pPr>
+          </a:lstStyle>
+          <a:p>
+            <a:fld id="{8F51CBC3-C0B7-4EA1-B810-2B3BBDE8021F}" type="datetimeFigureOut">
+              <a:rPr lang="en-US" smtClean="0"/>
+              <a:t>6/10/2018</a:t>
+            </a:fld>
+            <a:endParaRPr lang="en-US"/>
+          </a:p>
+        </p:txBody>
+      </p:sp>
+      <p:sp>
+        <p:nvSpPr>
+          <p:cNvPr id="4" name="Slide Image Placeholder 3"/>
+          <p:cNvSpPr>
+            <a:spLocks noGrp="1" noRot="1" noChangeAspect="1"/>
+          </p:cNvSpPr>
+          <p:nvPr>
+            <p:ph type="sldImg" idx="2"/>
+          </p:nvPr>
+        </p:nvSpPr>
+        <p:spPr>
+          <a:xfrm>
+            <a:off x="685800" y="1143000"/>
+            <a:ext cx="5486400" cy="3086100"/>
+          </a:xfrm>
+          <a:prstGeom prst="rect">
+            <a:avLst/>
+          </a:prstGeom>
+          <a:noFill/>
+          <a:ln w="12700">
+            <a:solidFill>
+              <a:prstClr val="black"/>
+            </a:solidFill>
+          </a:ln>
+        </p:spPr>
+        <p:txBody>
+          <a:bodyPr vert="horz" lIns="91440" tIns="45720" rIns="91440" bIns="45720" rtlCol="0" anchor="ctr"/>
+          <a:lstStyle/>
+          <a:p>
+            <a:endParaRPr lang="en-US"/>
+          </a:p>
+        </p:txBody>
+      </p:sp>
+      <p:sp>
+        <p:nvSpPr>
+          <p:cNvPr id="5" name="Notes Placeholder 4"/>
+          <p:cNvSpPr>
+            <a:spLocks noGrp="1"/>
+          </p:cNvSpPr>
+          <p:nvPr>
+            <p:ph type="body" sz="quarter" idx="3"/>
+          </p:nvPr>
+        </p:nvSpPr>
+        <p:spPr>
+          <a:xfrm>
+            <a:off x="685800" y="4400550"/>
+            <a:ext cx="5486400" cy="3600450"/>
+          </a:xfrm>
+          <a:prstGeom prst="rect">
+            <a:avLst/>
+          </a:prstGeom>
+        </p:spPr>
+        <p:txBody>
+          <a:bodyPr vert="horz" lIns="91440" tIns="45720" rIns="91440" bIns="45720" rtlCol="0"/>
+          <a:lstStyle/>
+          <a:p>
+            <a:pPr lvl="0"/>
+            <a:r>
+              <a:rPr lang="en-US"/>
+              <a:t>Edit Master text styles</a:t>
+            </a:r>
+          </a:p>
+          <a:p>
+            <a:pPr lvl="1"/>
+            <a:r>
+              <a:rPr lang="en-US"/>
+              <a:t>Second level</a:t>
+            </a:r>
+          </a:p>
+          <a:p>
+            <a:pPr lvl="2"/>
+            <a:r>
+              <a:rPr lang="en-US"/>
+              <a:t>Third level</a:t>
+            </a:r>
+          </a:p>
+          <a:p>
+            <a:pPr lvl="3"/>
+            <a:r>
+              <a:rPr lang="en-US"/>
+              <a:t>Fourth level</a:t>
+            </a:r>
+          </a:p>
+          <a:p>
+            <a:pPr lvl="4"/>
+            <a:r>
+              <a:rPr lang="en-US"/>
+              <a:t>Fifth level</a:t>
+            </a:r>
+          </a:p>
+        </p:txBody>
+      </p:sp>
+      <p:sp>
+        <p:nvSpPr>
+          <p:cNvPr id="6" name="Footer Placeholder 5"/>
+          <p:cNvSpPr>
+            <a:spLocks noGrp="1"/>
+          </p:cNvSpPr>
+          <p:nvPr>
+            <p:ph type="ftr" sz="quarter" idx="4"/>
+          </p:nvPr>
+        </p:nvSpPr>
+        <p:spPr>
+          <a:xfrm>
+            <a:off x="0" y="8685213"/>
+            <a:ext cx="2971800" cy="458787"/>
+          </a:xfrm>
+          <a:prstGeom prst="rect">
+            <a:avLst/>
+          </a:prstGeom>
+        </p:spPr>
+        <p:txBody>
+          <a:bodyPr vert="horz" lIns="91440" tIns="45720" rIns="91440" bIns="45720" rtlCol="0" anchor="b"/>
+          <a:lstStyle>
+            <a:lvl1pPr algn="l">
+              <a:defRPr sz="1200"/>
+            </a:lvl1pPr>
+          </a:lstStyle>
+          <a:p>
+            <a:endParaRPr lang="en-US"/>
+          </a:p>
+        </p:txBody>
+      </p:sp>
+      <p:sp>
+        <p:nvSpPr>
+          <p:cNvPr id="7" name="Slide Number Placeholder 6"/>
+          <p:cNvSpPr>
+            <a:spLocks noGrp="1"/>
+          </p:cNvSpPr>
+          <p:nvPr>
+            <p:ph type="sldNum" sz="quarter" idx="5"/>
+          </p:nvPr>
+        </p:nvSpPr>
+        <p:spPr>
+          <a:xfrm>
+            <a:off x="3884613" y="8685213"/>
+            <a:ext cx="2971800" cy="458787"/>
+          </a:xfrm>
+          <a:prstGeom prst="rect">
+            <a:avLst/>
+          </a:prstGeom>
+        </p:spPr>
+        <p:txBody>
+          <a:bodyPr vert="horz" lIns="91440" tIns="45720" rIns="91440" bIns="45720" rtlCol="0" anchor="b"/>
+          <a:lstStyle>
+            <a:lvl1pPr algn="r">
+              <a:defRPr sz="1200"/>
+            </a:lvl1pPr>
+          </a:lstStyle>
+          <a:p>
+            <a:fld id="{2A022E2E-B9C5-4DDF-9464-9A4F038075AD}" type="slidenum">
+              <a:rPr lang="en-US" smtClean="0"/>
+              <a:t>‹#›</a:t>
+            </a:fld>
+            <a:endParaRPr lang="en-US"/>
+          </a:p>
+        </p:txBody>
+      </p:sp>
+    </p:spTree>
+    <p:extLst>
+      <p:ext uri="{BB962C8B-B14F-4D97-AF65-F5344CB8AC3E}">
+        <p14:creationId xmlns:p14="http://schemas.microsoft.com/office/powerpoint/2010/main" val="2409009663"/>
+      </p:ext>
+    </p:extLst>
+  </p:cSld>
+  <p:clrMap bg1="lt1" tx1="dk1" bg2="lt2" tx2="dk2" accent1="accent1" accent2="accent2" accent3="accent3" accent4="accent4" accent5="accent5" accent6="accent6" hlink="hlink" folHlink="folHlink"/>
+  <p:notesStyle>
+    <a:lvl1pPr marL="0" algn="l" defTabSz="914400" rtl="0" eaLnBrk="1" latinLnBrk="0" hangingPunct="1">
+      <a:defRPr sz="1200" kern="1200">
+        <a:solidFill>
+          <a:schemeClr val="tx1"/>
+        </a:solidFill>
+        <a:latin typeface="+mn-lt"/>
+        <a:ea typeface="+mn-ea"/>
+        <a:cs typeface="+mn-cs"/>
+      </a:defRPr>
+    </a:lvl1pPr>
+    <a:lvl2pPr marL="457200" algn="l" defTabSz="914400" rtl="0" eaLnBrk="1" latinLnBrk="0" hangingPunct="1">
+      <a:defRPr sz="1200" kern="1200">
+        <a:solidFill>
+          <a:schemeClr val="tx1"/>
+        </a:solidFill>
+        <a:latin typeface="+mn-lt"/>
+        <a:ea typeface="+mn-ea"/>
+        <a:cs typeface="+mn-cs"/>
+      </a:defRPr>
+    </a:lvl2pPr>
+    <a:lvl3pPr marL="914400" algn="l" defTabSz="914400" rtl="0" eaLnBrk="1" latinLnBrk="0" hangingPunct="1">
+      <a:defRPr sz="1200" kern="1200">
+        <a:solidFill>
+          <a:schemeClr val="tx1"/>
+        </a:solidFill>
+        <a:latin typeface="+mn-lt"/>
+        <a:ea typeface="+mn-ea"/>
+        <a:cs typeface="+mn-cs"/>
+      </a:defRPr>
+    </a:lvl3pPr>
+    <a:lvl4pPr marL="1371600" algn="l" defTabSz="914400" rtl="0" eaLnBrk="1" latinLnBrk="0" hangingPunct="1">
+      <a:defRPr sz="1200" kern="1200">
+        <a:solidFill>
+          <a:schemeClr val="tx1"/>
+        </a:solidFill>
+        <a:latin typeface="+mn-lt"/>
+        <a:ea typeface="+mn-ea"/>
+        <a:cs typeface="+mn-cs"/>
+      </a:defRPr>
+    </a:lvl4pPr>
+    <a:lvl5pPr marL="1828800" algn="l" defTabSz="914400" rtl="0" eaLnBrk="1" latinLnBrk="0" hangingPunct="1">
+      <a:defRPr sz="1200" kern="1200">
+        <a:solidFill>
+          <a:schemeClr val="tx1"/>
+        </a:solidFill>
+        <a:latin typeface="+mn-lt"/>
+        <a:ea typeface="+mn-ea"/>
+        <a:cs typeface="+mn-cs"/>
+      </a:defRPr>
+    </a:lvl5pPr>
+    <a:lvl6pPr marL="2286000" algn="l" defTabSz="914400" rtl="0" eaLnBrk="1" latinLnBrk="0" hangingPunct="1">
+      <a:defRPr sz="1200" kern="1200">
+        <a:solidFill>
+          <a:schemeClr val="tx1"/>
+        </a:solidFill>
+        <a:latin typeface="+mn-lt"/>
+        <a:ea typeface="+mn-ea"/>
+        <a:cs typeface="+mn-cs"/>
+      </a:defRPr>
+    </a:lvl6pPr>
+    <a:lvl7pPr marL="2743200" algn="l" defTabSz="914400" rtl="0" eaLnBrk="1" latinLnBrk="0" hangingPunct="1">
+      <a:defRPr sz="1200" kern="1200">
+        <a:solidFill>
+          <a:schemeClr val="tx1"/>
+        </a:solidFill>
+        <a:latin typeface="+mn-lt"/>
+        <a:ea typeface="+mn-ea"/>
+        <a:cs typeface="+mn-cs"/>
+      </a:defRPr>
+    </a:lvl7pPr>
+    <a:lvl8pPr marL="3200400" algn="l" defTabSz="914400" rtl="0" eaLnBrk="1" latinLnBrk="0" hangingPunct="1">
+      <a:defRPr sz="1200" kern="1200">
+        <a:solidFill>
+          <a:schemeClr val="tx1"/>
+        </a:solidFill>
+        <a:latin typeface="+mn-lt"/>
+        <a:ea typeface="+mn-ea"/>
+        <a:cs typeface="+mn-cs"/>
+      </a:defRPr>
+    </a:lvl8pPr>
+    <a:lvl9pPr marL="3657600" algn="l" defTabSz="914400" rtl="0" eaLnBrk="1" latinLnBrk="0" hangingPunct="1">
+      <a:defRPr sz="1200" kern="1200">
+        <a:solidFill>
+          <a:schemeClr val="tx1"/>
+        </a:solidFill>
+        <a:latin typeface="+mn-lt"/>
+        <a:ea typeface="+mn-ea"/>
+        <a:cs typeface="+mn-cs"/>
+      </a:defRPr>
+    </a:lvl9pPr>
+  </p:notesStyle>
+</p:notesMaster>
+</file>
+
+<file path=ppt/notesSlides/notesSlide1.xml><?xml version="1.0" encoding="utf-8"?>
+<p:notes xmlns:a="http://schemas.openxmlformats.org/drawingml/2006/main" xmlns:r="http://schemas.openxmlformats.org/officeDocument/2006/relationships" xmlns:p="http://schemas.openxmlformats.org/presentationml/2006/main">
+  <p:cSld>
+    <p:spTree>
+      <p:nvGrpSpPr>
+        <p:cNvPr id="1" name=""/>
+        <p:cNvGrpSpPr/>
+        <p:nvPr/>
+      </p:nvGrpSpPr>
+      <p:grpSpPr>
+        <a:xfrm>
+          <a:off x="0" y="0"/>
+          <a:ext cx="0" cy="0"/>
+          <a:chOff x="0" y="0"/>
+          <a:chExt cx="0" cy="0"/>
+        </a:xfrm>
+      </p:grpSpPr>
+      <p:sp>
+        <p:nvSpPr>
+          <p:cNvPr id="2" name="Slide Image Placeholder 1"/>
+          <p:cNvSpPr>
+            <a:spLocks noGrp="1" noRot="1" noChangeAspect="1"/>
+          </p:cNvSpPr>
+          <p:nvPr>
+            <p:ph type="sldImg"/>
+          </p:nvPr>
+        </p:nvSpPr>
+        <p:spPr/>
+      </p:sp>
+      <p:sp>
+        <p:nvSpPr>
+          <p:cNvPr id="3" name="Notes Placeholder 2"/>
+          <p:cNvSpPr>
+            <a:spLocks noGrp="1"/>
+          </p:cNvSpPr>
+          <p:nvPr>
+            <p:ph type="body" idx="1"/>
+          </p:nvPr>
+        </p:nvSpPr>
+        <p:spPr/>
+        <p:txBody>
+          <a:bodyPr/>
+          <a:lstStyle/>
+          <a:p>
+            <a:endParaRPr lang="en-US" dirty="0"/>
+          </a:p>
+        </p:txBody>
+      </p:sp>
+      <p:sp>
+        <p:nvSpPr>
+          <p:cNvPr id="4" name="Slide Number Placeholder 3"/>
+          <p:cNvSpPr>
+            <a:spLocks noGrp="1"/>
+          </p:cNvSpPr>
+          <p:nvPr>
+            <p:ph type="sldNum" sz="quarter" idx="10"/>
+          </p:nvPr>
+        </p:nvSpPr>
+        <p:spPr/>
+        <p:txBody>
+          <a:bodyPr/>
+          <a:lstStyle/>
+          <a:p>
+            <a:fld id="{2A022E2E-B9C5-4DDF-9464-9A4F038075AD}" type="slidenum">
+              <a:rPr lang="en-US" smtClean="0"/>
+              <a:t>9</a:t>
+            </a:fld>
+            <a:endParaRPr lang="en-US"/>
+          </a:p>
+        </p:txBody>
+      </p:sp>
+    </p:spTree>
+    <p:extLst>
+      <p:ext uri="{BB962C8B-B14F-4D97-AF65-F5344CB8AC3E}">
+        <p14:creationId xmlns:p14="http://schemas.microsoft.com/office/powerpoint/2010/main" val="716092823"/>
+      </p:ext>
+    </p:extLst>
+  </p:cSld>
+  <p:clrMapOvr>
+    <a:masterClrMapping/>
+  </p:clrMapOvr>
+</p:notes>
+</file>
+
 <file path=ppt/slideLayouts/slideLayout1.xml><?xml version="1.0" encoding="utf-8"?>
 <p:sldLayout xmlns:a="http://schemas.openxmlformats.org/drawingml/2006/main" xmlns:r="http://schemas.openxmlformats.org/officeDocument/2006/relationships" xmlns:p="http://schemas.openxmlformats.org/presentationml/2006/main" type="title" preserve="1">
   <p:cSld name="Title Slide">
@@ -3395,7 +6958,7 @@
           <a:p>
             <a:fld id="{EDD89B22-A068-4CBA-8252-CF19AF47419C}" type="datetimeFigureOut">
               <a:rPr lang="en-US" smtClean="0"/>
-              <a:t>6/9/2018</a:t>
+              <a:t>6/10/2018</a:t>
             </a:fld>
             <a:endParaRPr lang="en-US"/>
           </a:p>
@@ -3593,7 +7156,7 @@
           <a:p>
             <a:fld id="{EDD89B22-A068-4CBA-8252-CF19AF47419C}" type="datetimeFigureOut">
               <a:rPr lang="en-US" smtClean="0"/>
-              <a:t>6/9/2018</a:t>
+              <a:t>6/10/2018</a:t>
             </a:fld>
             <a:endParaRPr lang="en-US"/>
           </a:p>
@@ -3801,7 +7364,7 @@
           <a:p>
             <a:fld id="{EDD89B22-A068-4CBA-8252-CF19AF47419C}" type="datetimeFigureOut">
               <a:rPr lang="en-US" smtClean="0"/>
-              <a:t>6/9/2018</a:t>
+              <a:t>6/10/2018</a:t>
             </a:fld>
             <a:endParaRPr lang="en-US"/>
           </a:p>
@@ -3999,7 +7562,7 @@
           <a:p>
             <a:fld id="{EDD89B22-A068-4CBA-8252-CF19AF47419C}" type="datetimeFigureOut">
               <a:rPr lang="en-US" smtClean="0"/>
-              <a:t>6/9/2018</a:t>
+              <a:t>6/10/2018</a:t>
             </a:fld>
             <a:endParaRPr lang="en-US"/>
           </a:p>
@@ -4274,7 +7837,7 @@
           <a:p>
             <a:fld id="{EDD89B22-A068-4CBA-8252-CF19AF47419C}" type="datetimeFigureOut">
               <a:rPr lang="en-US" smtClean="0"/>
-              <a:t>6/9/2018</a:t>
+              <a:t>6/10/2018</a:t>
             </a:fld>
             <a:endParaRPr lang="en-US"/>
           </a:p>
@@ -4539,7 +8102,7 @@
           <a:p>
             <a:fld id="{EDD89B22-A068-4CBA-8252-CF19AF47419C}" type="datetimeFigureOut">
               <a:rPr lang="en-US" smtClean="0"/>
-              <a:t>6/9/2018</a:t>
+              <a:t>6/10/2018</a:t>
             </a:fld>
             <a:endParaRPr lang="en-US"/>
           </a:p>
@@ -4951,7 +8514,7 @@
           <a:p>
             <a:fld id="{EDD89B22-A068-4CBA-8252-CF19AF47419C}" type="datetimeFigureOut">
               <a:rPr lang="en-US" smtClean="0"/>
-              <a:t>6/9/2018</a:t>
+              <a:t>6/10/2018</a:t>
             </a:fld>
             <a:endParaRPr lang="en-US"/>
           </a:p>
@@ -5092,7 +8655,7 @@
           <a:p>
             <a:fld id="{EDD89B22-A068-4CBA-8252-CF19AF47419C}" type="datetimeFigureOut">
               <a:rPr lang="en-US" smtClean="0"/>
-              <a:t>6/9/2018</a:t>
+              <a:t>6/10/2018</a:t>
             </a:fld>
             <a:endParaRPr lang="en-US"/>
           </a:p>
@@ -5205,7 +8768,7 @@
           <a:p>
             <a:fld id="{EDD89B22-A068-4CBA-8252-CF19AF47419C}" type="datetimeFigureOut">
               <a:rPr lang="en-US" smtClean="0"/>
-              <a:t>6/9/2018</a:t>
+              <a:t>6/10/2018</a:t>
             </a:fld>
             <a:endParaRPr lang="en-US"/>
           </a:p>
@@ -5516,7 +9079,7 @@
           <a:p>
             <a:fld id="{EDD89B22-A068-4CBA-8252-CF19AF47419C}" type="datetimeFigureOut">
               <a:rPr lang="en-US" smtClean="0"/>
-              <a:t>6/9/2018</a:t>
+              <a:t>6/10/2018</a:t>
             </a:fld>
             <a:endParaRPr lang="en-US"/>
           </a:p>
@@ -5804,7 +9367,7 @@
           <a:p>
             <a:fld id="{EDD89B22-A068-4CBA-8252-CF19AF47419C}" type="datetimeFigureOut">
               <a:rPr lang="en-US" smtClean="0"/>
-              <a:t>6/9/2018</a:t>
+              <a:t>6/10/2018</a:t>
             </a:fld>
             <a:endParaRPr lang="en-US"/>
           </a:p>
@@ -6045,7 +9608,7 @@
           <a:p>
             <a:fld id="{EDD89B22-A068-4CBA-8252-CF19AF47419C}" type="datetimeFigureOut">
               <a:rPr lang="en-US" smtClean="0"/>
-              <a:t>6/9/2018</a:t>
+              <a:t>6/10/2018</a:t>
             </a:fld>
             <a:endParaRPr lang="en-US"/>
           </a:p>
@@ -6609,12 +10172,20 @@
           <a:lstStyle/>
           <a:p>
             <a:r>
+              <a:rPr lang="en-US" sz="4000">
+                <a:solidFill>
+                  <a:srgbClr val="404040"/>
+                </a:solidFill>
+              </a:rPr>
+              <a:t>Double </a:t>
+            </a:r>
+            <a:r>
               <a:rPr lang="en-US" sz="4000" dirty="0">
                 <a:solidFill>
                   <a:srgbClr val="404040"/>
                 </a:solidFill>
               </a:rPr>
-              <a:t>Python for Nonprofits</a:t>
+              <a:t>Down on Python</a:t>
             </a:r>
           </a:p>
         </p:txBody>
@@ -6648,13 +10219,26 @@
           <a:lstStyle/>
           <a:p>
             <a:r>
-              <a:rPr lang="en-US" sz="1800">
+              <a:rPr lang="en-US" sz="1800" dirty="0">
                 <a:solidFill>
                   <a:srgbClr val="FFFFFF"/>
                 </a:solidFill>
               </a:rPr>
-              <a:t>Chris Luedtke, Mentored by Aly Sivji</a:t>
+              <a:t>Chris Luedtke, Mentored by Aly </a:t>
             </a:r>
+            <a:r>
+              <a:rPr lang="en-US" sz="1800" dirty="0" err="1">
+                <a:solidFill>
+                  <a:srgbClr val="FFFFFF"/>
+                </a:solidFill>
+              </a:rPr>
+              <a:t>Sivji</a:t>
+            </a:r>
+            <a:endParaRPr lang="en-US" sz="1800" dirty="0">
+              <a:solidFill>
+                <a:srgbClr val="FFFFFF"/>
+              </a:solidFill>
+            </a:endParaRPr>
           </a:p>
         </p:txBody>
       </p:sp>
@@ -6662,6 +10246,2245 @@
     <p:extLst>
       <p:ext uri="{BB962C8B-B14F-4D97-AF65-F5344CB8AC3E}">
         <p14:creationId xmlns:p14="http://schemas.microsoft.com/office/powerpoint/2010/main" val="1562297230"/>
+      </p:ext>
+    </p:extLst>
+  </p:cSld>
+  <p:clrMapOvr>
+    <a:masterClrMapping/>
+  </p:clrMapOvr>
+</p:sld>
+</file>
+
+<file path=ppt/slides/slide10.xml><?xml version="1.0" encoding="utf-8"?>
+<p:sld xmlns:a="http://schemas.openxmlformats.org/drawingml/2006/main" xmlns:r="http://schemas.openxmlformats.org/officeDocument/2006/relationships" xmlns:p="http://schemas.openxmlformats.org/presentationml/2006/main">
+  <p:cSld>
+    <p:spTree>
+      <p:nvGrpSpPr>
+        <p:cNvPr id="1" name=""/>
+        <p:cNvGrpSpPr/>
+        <p:nvPr/>
+      </p:nvGrpSpPr>
+      <p:grpSpPr>
+        <a:xfrm>
+          <a:off x="0" y="0"/>
+          <a:ext cx="0" cy="0"/>
+          <a:chOff x="0" y="0"/>
+          <a:chExt cx="0" cy="0"/>
+        </a:xfrm>
+      </p:grpSpPr>
+      <p:sp>
+        <p:nvSpPr>
+          <p:cNvPr id="29" name="Rectangle 28">
+            <a:extLst>
+              <a:ext uri="{FF2B5EF4-FFF2-40B4-BE49-F238E27FC236}">
+                <a16:creationId xmlns:a16="http://schemas.microsoft.com/office/drawing/2014/main" id="{3A6EED04-84B6-4C41-88FB-B2A903AA4914}"/>
+              </a:ext>
+            </a:extLst>
+          </p:cNvPr>
+          <p:cNvSpPr/>
+          <p:nvPr/>
+        </p:nvSpPr>
+        <p:spPr>
+          <a:xfrm>
+            <a:off x="0" y="0"/>
+            <a:ext cx="12192000" cy="1809135"/>
+          </a:xfrm>
+          <a:prstGeom prst="rect">
+            <a:avLst/>
+          </a:prstGeom>
+          <a:solidFill>
+            <a:srgbClr val="404040"/>
+          </a:solidFill>
+          <a:ln>
+            <a:solidFill>
+              <a:srgbClr val="404040"/>
+            </a:solidFill>
+          </a:ln>
+        </p:spPr>
+        <p:style>
+          <a:lnRef idx="2">
+            <a:schemeClr val="accent1">
+              <a:shade val="50000"/>
+            </a:schemeClr>
+          </a:lnRef>
+          <a:fillRef idx="1">
+            <a:schemeClr val="accent1"/>
+          </a:fillRef>
+          <a:effectRef idx="0">
+            <a:schemeClr val="accent1"/>
+          </a:effectRef>
+          <a:fontRef idx="minor">
+            <a:schemeClr val="lt1"/>
+          </a:fontRef>
+        </p:style>
+        <p:txBody>
+          <a:bodyPr rtlCol="0" anchor="ctr"/>
+          <a:lstStyle/>
+          <a:p>
+            <a:pPr algn="ctr"/>
+            <a:endParaRPr lang="en-US" dirty="0"/>
+          </a:p>
+        </p:txBody>
+      </p:sp>
+      <p:sp>
+        <p:nvSpPr>
+          <p:cNvPr id="8" name="TextBox 7">
+            <a:extLst>
+              <a:ext uri="{FF2B5EF4-FFF2-40B4-BE49-F238E27FC236}">
+                <a16:creationId xmlns:a16="http://schemas.microsoft.com/office/drawing/2014/main" id="{F3A98BF4-466C-43BA-A663-15CFFE076340}"/>
+              </a:ext>
+            </a:extLst>
+          </p:cNvPr>
+          <p:cNvSpPr txBox="1"/>
+          <p:nvPr/>
+        </p:nvSpPr>
+        <p:spPr>
+          <a:xfrm>
+            <a:off x="738168" y="519846"/>
+            <a:ext cx="7412774" cy="769441"/>
+          </a:xfrm>
+          <a:prstGeom prst="rect">
+            <a:avLst/>
+          </a:prstGeom>
+          <a:noFill/>
+        </p:spPr>
+        <p:txBody>
+          <a:bodyPr wrap="square" rtlCol="0">
+            <a:spAutoFit/>
+          </a:bodyPr>
+          <a:lstStyle/>
+          <a:p>
+            <a:r>
+              <a:rPr lang="en-US" sz="4400" dirty="0">
+                <a:solidFill>
+                  <a:schemeClr val="bg1"/>
+                </a:solidFill>
+                <a:latin typeface="+mj-lt"/>
+              </a:rPr>
+              <a:t>Data Analysis</a:t>
+            </a:r>
+          </a:p>
+        </p:txBody>
+      </p:sp>
+      <p:pic>
+        <p:nvPicPr>
+          <p:cNvPr id="3" name="Picture 2">
+            <a:extLst>
+              <a:ext uri="{FF2B5EF4-FFF2-40B4-BE49-F238E27FC236}">
+                <a16:creationId xmlns:a16="http://schemas.microsoft.com/office/drawing/2014/main" id="{F3791E40-31BB-45E3-B5AD-2FEF8716F057}"/>
+              </a:ext>
+            </a:extLst>
+          </p:cNvPr>
+          <p:cNvPicPr>
+            <a:picLocks noChangeAspect="1"/>
+          </p:cNvPicPr>
+          <p:nvPr/>
+        </p:nvPicPr>
+        <p:blipFill rotWithShape="1">
+          <a:blip r:embed="rId2">
+            <a:extLst>
+              <a:ext uri="{28A0092B-C50C-407E-A947-70E740481C1C}">
+                <a14:useLocalDpi xmlns:a14="http://schemas.microsoft.com/office/drawing/2010/main" val="0"/>
+              </a:ext>
+            </a:extLst>
+          </a:blip>
+          <a:srcRect l="985" r="1" b="4709"/>
+          <a:stretch/>
+        </p:blipFill>
+        <p:spPr>
+          <a:xfrm>
+            <a:off x="64656" y="3021029"/>
+            <a:ext cx="12071927" cy="2308350"/>
+          </a:xfrm>
+          <a:prstGeom prst="rect">
+            <a:avLst/>
+          </a:prstGeom>
+        </p:spPr>
+      </p:pic>
+      <p:sp>
+        <p:nvSpPr>
+          <p:cNvPr id="13" name="TextBox 12">
+            <a:extLst>
+              <a:ext uri="{FF2B5EF4-FFF2-40B4-BE49-F238E27FC236}">
+                <a16:creationId xmlns:a16="http://schemas.microsoft.com/office/drawing/2014/main" id="{C4DEBAAB-AB0B-4890-BD54-75CD5458641C}"/>
+              </a:ext>
+            </a:extLst>
+          </p:cNvPr>
+          <p:cNvSpPr txBox="1"/>
+          <p:nvPr/>
+        </p:nvSpPr>
+        <p:spPr>
+          <a:xfrm>
+            <a:off x="184729" y="5357098"/>
+            <a:ext cx="2272145" cy="369332"/>
+          </a:xfrm>
+          <a:prstGeom prst="rect">
+            <a:avLst/>
+          </a:prstGeom>
+          <a:noFill/>
+        </p:spPr>
+        <p:txBody>
+          <a:bodyPr wrap="square" rtlCol="0">
+            <a:spAutoFit/>
+          </a:bodyPr>
+          <a:lstStyle/>
+          <a:p>
+            <a:pPr algn="ctr"/>
+            <a:r>
+              <a:rPr lang="en-US" dirty="0">
+                <a:latin typeface="+mj-lt"/>
+              </a:rPr>
+              <a:t>Planning</a:t>
+            </a:r>
+          </a:p>
+        </p:txBody>
+      </p:sp>
+      <p:sp>
+        <p:nvSpPr>
+          <p:cNvPr id="14" name="TextBox 13">
+            <a:extLst>
+              <a:ext uri="{FF2B5EF4-FFF2-40B4-BE49-F238E27FC236}">
+                <a16:creationId xmlns:a16="http://schemas.microsoft.com/office/drawing/2014/main" id="{34DE7A78-35B2-45A2-9FBB-874DC849A95D}"/>
+              </a:ext>
+            </a:extLst>
+          </p:cNvPr>
+          <p:cNvSpPr txBox="1"/>
+          <p:nvPr/>
+        </p:nvSpPr>
+        <p:spPr>
+          <a:xfrm>
+            <a:off x="2590802" y="5357098"/>
+            <a:ext cx="2272145" cy="369332"/>
+          </a:xfrm>
+          <a:prstGeom prst="rect">
+            <a:avLst/>
+          </a:prstGeom>
+          <a:noFill/>
+        </p:spPr>
+        <p:txBody>
+          <a:bodyPr wrap="square" rtlCol="0">
+            <a:spAutoFit/>
+          </a:bodyPr>
+          <a:lstStyle/>
+          <a:p>
+            <a:pPr algn="ctr"/>
+            <a:r>
+              <a:rPr lang="en-US" dirty="0">
+                <a:latin typeface="+mj-lt"/>
+              </a:rPr>
+              <a:t>Tutoring Strategy</a:t>
+            </a:r>
+          </a:p>
+        </p:txBody>
+      </p:sp>
+      <p:sp>
+        <p:nvSpPr>
+          <p:cNvPr id="15" name="TextBox 14">
+            <a:extLst>
+              <a:ext uri="{FF2B5EF4-FFF2-40B4-BE49-F238E27FC236}">
+                <a16:creationId xmlns:a16="http://schemas.microsoft.com/office/drawing/2014/main" id="{A75D4FF4-E3A4-4510-8788-7B0C12B0B02B}"/>
+              </a:ext>
+            </a:extLst>
+          </p:cNvPr>
+          <p:cNvSpPr txBox="1"/>
+          <p:nvPr/>
+        </p:nvSpPr>
+        <p:spPr>
+          <a:xfrm>
+            <a:off x="4996875" y="5357098"/>
+            <a:ext cx="2274009" cy="369332"/>
+          </a:xfrm>
+          <a:prstGeom prst="rect">
+            <a:avLst/>
+          </a:prstGeom>
+          <a:noFill/>
+        </p:spPr>
+        <p:txBody>
+          <a:bodyPr wrap="square" rtlCol="0">
+            <a:spAutoFit/>
+          </a:bodyPr>
+          <a:lstStyle/>
+          <a:p>
+            <a:pPr algn="ctr"/>
+            <a:r>
+              <a:rPr lang="en-US" dirty="0">
+                <a:latin typeface="+mj-lt"/>
+              </a:rPr>
+              <a:t>Student Engagement</a:t>
+            </a:r>
+          </a:p>
+        </p:txBody>
+      </p:sp>
+      <p:sp>
+        <p:nvSpPr>
+          <p:cNvPr id="16" name="TextBox 15">
+            <a:extLst>
+              <a:ext uri="{FF2B5EF4-FFF2-40B4-BE49-F238E27FC236}">
+                <a16:creationId xmlns:a16="http://schemas.microsoft.com/office/drawing/2014/main" id="{35CEDA90-5EE1-498F-94C0-4C505E741D61}"/>
+              </a:ext>
+            </a:extLst>
+          </p:cNvPr>
+          <p:cNvSpPr txBox="1"/>
+          <p:nvPr/>
+        </p:nvSpPr>
+        <p:spPr>
+          <a:xfrm>
+            <a:off x="7478703" y="5357098"/>
+            <a:ext cx="2272145" cy="369332"/>
+          </a:xfrm>
+          <a:prstGeom prst="rect">
+            <a:avLst/>
+          </a:prstGeom>
+          <a:noFill/>
+        </p:spPr>
+        <p:txBody>
+          <a:bodyPr wrap="square" rtlCol="0">
+            <a:spAutoFit/>
+          </a:bodyPr>
+          <a:lstStyle/>
+          <a:p>
+            <a:pPr algn="ctr"/>
+            <a:r>
+              <a:rPr lang="en-US" dirty="0">
+                <a:latin typeface="+mj-lt"/>
+              </a:rPr>
+              <a:t>Progress Monitoring</a:t>
+            </a:r>
+          </a:p>
+        </p:txBody>
+      </p:sp>
+      <p:sp>
+        <p:nvSpPr>
+          <p:cNvPr id="17" name="TextBox 16">
+            <a:extLst>
+              <a:ext uri="{FF2B5EF4-FFF2-40B4-BE49-F238E27FC236}">
+                <a16:creationId xmlns:a16="http://schemas.microsoft.com/office/drawing/2014/main" id="{29B096D1-52BA-4BAC-A28F-9062792430A1}"/>
+              </a:ext>
+            </a:extLst>
+          </p:cNvPr>
+          <p:cNvSpPr txBox="1"/>
+          <p:nvPr/>
+        </p:nvSpPr>
+        <p:spPr>
+          <a:xfrm>
+            <a:off x="9845967" y="5357098"/>
+            <a:ext cx="2290618" cy="646331"/>
+          </a:xfrm>
+          <a:prstGeom prst="rect">
+            <a:avLst/>
+          </a:prstGeom>
+          <a:noFill/>
+        </p:spPr>
+        <p:txBody>
+          <a:bodyPr wrap="square" rtlCol="0">
+            <a:spAutoFit/>
+          </a:bodyPr>
+          <a:lstStyle/>
+          <a:p>
+            <a:pPr algn="ctr"/>
+            <a:r>
+              <a:rPr lang="en-US" dirty="0">
+                <a:latin typeface="+mj-lt"/>
+              </a:rPr>
+              <a:t>Implementation of Training</a:t>
+            </a:r>
+          </a:p>
+        </p:txBody>
+      </p:sp>
+      <p:sp>
+        <p:nvSpPr>
+          <p:cNvPr id="18" name="TextBox 17">
+            <a:extLst>
+              <a:ext uri="{FF2B5EF4-FFF2-40B4-BE49-F238E27FC236}">
+                <a16:creationId xmlns:a16="http://schemas.microsoft.com/office/drawing/2014/main" id="{4EC5A6EE-4C4E-46D0-982F-590120F9956C}"/>
+              </a:ext>
+            </a:extLst>
+          </p:cNvPr>
+          <p:cNvSpPr txBox="1"/>
+          <p:nvPr/>
+        </p:nvSpPr>
+        <p:spPr>
+          <a:xfrm>
+            <a:off x="387926" y="2127353"/>
+            <a:ext cx="11804073" cy="584775"/>
+          </a:xfrm>
+          <a:prstGeom prst="rect">
+            <a:avLst/>
+          </a:prstGeom>
+          <a:noFill/>
+        </p:spPr>
+        <p:txBody>
+          <a:bodyPr wrap="square" rtlCol="0">
+            <a:spAutoFit/>
+          </a:bodyPr>
+          <a:lstStyle/>
+          <a:p>
+            <a:r>
+              <a:rPr lang="en-US" sz="3200" dirty="0">
+                <a:latin typeface="+mj-lt"/>
+              </a:rPr>
+              <a:t>Tutoring Quality and Student Performance</a:t>
+            </a:r>
+          </a:p>
+        </p:txBody>
+      </p:sp>
+    </p:spTree>
+    <p:extLst>
+      <p:ext uri="{BB962C8B-B14F-4D97-AF65-F5344CB8AC3E}">
+        <p14:creationId xmlns:p14="http://schemas.microsoft.com/office/powerpoint/2010/main" val="549830037"/>
+      </p:ext>
+    </p:extLst>
+  </p:cSld>
+  <p:clrMapOvr>
+    <a:masterClrMapping/>
+  </p:clrMapOvr>
+</p:sld>
+</file>
+
+<file path=ppt/slides/slide11.xml><?xml version="1.0" encoding="utf-8"?>
+<p:sld xmlns:a="http://schemas.openxmlformats.org/drawingml/2006/main" xmlns:r="http://schemas.openxmlformats.org/officeDocument/2006/relationships" xmlns:p="http://schemas.openxmlformats.org/presentationml/2006/main">
+  <p:cSld>
+    <p:spTree>
+      <p:nvGrpSpPr>
+        <p:cNvPr id="1" name=""/>
+        <p:cNvGrpSpPr/>
+        <p:nvPr/>
+      </p:nvGrpSpPr>
+      <p:grpSpPr>
+        <a:xfrm>
+          <a:off x="0" y="0"/>
+          <a:ext cx="0" cy="0"/>
+          <a:chOff x="0" y="0"/>
+          <a:chExt cx="0" cy="0"/>
+        </a:xfrm>
+      </p:grpSpPr>
+      <p:sp>
+        <p:nvSpPr>
+          <p:cNvPr id="29" name="Rectangle 28">
+            <a:extLst>
+              <a:ext uri="{FF2B5EF4-FFF2-40B4-BE49-F238E27FC236}">
+                <a16:creationId xmlns:a16="http://schemas.microsoft.com/office/drawing/2014/main" id="{3A6EED04-84B6-4C41-88FB-B2A903AA4914}"/>
+              </a:ext>
+            </a:extLst>
+          </p:cNvPr>
+          <p:cNvSpPr/>
+          <p:nvPr/>
+        </p:nvSpPr>
+        <p:spPr>
+          <a:xfrm>
+            <a:off x="0" y="0"/>
+            <a:ext cx="12192000" cy="1809135"/>
+          </a:xfrm>
+          <a:prstGeom prst="rect">
+            <a:avLst/>
+          </a:prstGeom>
+          <a:solidFill>
+            <a:srgbClr val="404040"/>
+          </a:solidFill>
+          <a:ln>
+            <a:solidFill>
+              <a:srgbClr val="404040"/>
+            </a:solidFill>
+          </a:ln>
+        </p:spPr>
+        <p:style>
+          <a:lnRef idx="2">
+            <a:schemeClr val="accent1">
+              <a:shade val="50000"/>
+            </a:schemeClr>
+          </a:lnRef>
+          <a:fillRef idx="1">
+            <a:schemeClr val="accent1"/>
+          </a:fillRef>
+          <a:effectRef idx="0">
+            <a:schemeClr val="accent1"/>
+          </a:effectRef>
+          <a:fontRef idx="minor">
+            <a:schemeClr val="lt1"/>
+          </a:fontRef>
+        </p:style>
+        <p:txBody>
+          <a:bodyPr rtlCol="0" anchor="ctr"/>
+          <a:lstStyle/>
+          <a:p>
+            <a:pPr algn="ctr"/>
+            <a:endParaRPr lang="en-US" dirty="0"/>
+          </a:p>
+        </p:txBody>
+      </p:sp>
+      <p:sp>
+        <p:nvSpPr>
+          <p:cNvPr id="8" name="TextBox 7">
+            <a:extLst>
+              <a:ext uri="{FF2B5EF4-FFF2-40B4-BE49-F238E27FC236}">
+                <a16:creationId xmlns:a16="http://schemas.microsoft.com/office/drawing/2014/main" id="{F3A98BF4-466C-43BA-A663-15CFFE076340}"/>
+              </a:ext>
+            </a:extLst>
+          </p:cNvPr>
+          <p:cNvSpPr txBox="1"/>
+          <p:nvPr/>
+        </p:nvSpPr>
+        <p:spPr>
+          <a:xfrm>
+            <a:off x="738168" y="519846"/>
+            <a:ext cx="7412774" cy="769441"/>
+          </a:xfrm>
+          <a:prstGeom prst="rect">
+            <a:avLst/>
+          </a:prstGeom>
+          <a:noFill/>
+        </p:spPr>
+        <p:txBody>
+          <a:bodyPr wrap="square" rtlCol="0">
+            <a:spAutoFit/>
+          </a:bodyPr>
+          <a:lstStyle/>
+          <a:p>
+            <a:r>
+              <a:rPr lang="en-US" sz="4400">
+                <a:solidFill>
+                  <a:schemeClr val="bg1"/>
+                </a:solidFill>
+                <a:latin typeface="+mj-lt"/>
+              </a:rPr>
+              <a:t>Data Analysis</a:t>
+            </a:r>
+            <a:endParaRPr lang="en-US" sz="4400" dirty="0">
+              <a:solidFill>
+                <a:schemeClr val="bg1"/>
+              </a:solidFill>
+              <a:latin typeface="+mj-lt"/>
+            </a:endParaRPr>
+          </a:p>
+        </p:txBody>
+      </p:sp>
+      <p:grpSp>
+        <p:nvGrpSpPr>
+          <p:cNvPr id="5" name="Group 4">
+            <a:extLst>
+              <a:ext uri="{FF2B5EF4-FFF2-40B4-BE49-F238E27FC236}">
+                <a16:creationId xmlns:a16="http://schemas.microsoft.com/office/drawing/2014/main" id="{43E696BB-1B00-426D-90F5-3D03C7E8BCB2}"/>
+              </a:ext>
+            </a:extLst>
+          </p:cNvPr>
+          <p:cNvGrpSpPr/>
+          <p:nvPr/>
+        </p:nvGrpSpPr>
+        <p:grpSpPr>
+          <a:xfrm>
+            <a:off x="4135490" y="2712129"/>
+            <a:ext cx="3904492" cy="3899006"/>
+            <a:chOff x="3527765" y="2177637"/>
+            <a:chExt cx="4288178" cy="4282153"/>
+          </a:xfrm>
+        </p:grpSpPr>
+        <p:pic>
+          <p:nvPicPr>
+            <p:cNvPr id="1026" name="Picture 2" descr="https://attachment.outlook.office.net/owa/CLuedtke@cityyear.org/service.svc/s/GetFileAttachment?id=AAMkADFhM2QwYTVkLWQ5OTItNGVhZC05OWIyLWQyZDg4YTk4ZTBkNABGAAAAAABplpEPW9SqTrn9Pjs051S3BwAo1NcU7syeQKGYibt8JRuFAAAAAAEMAAAo1NcU7syeQKGYibt8JRuFAAEkDUZ1AAABEgAQAFeVW6AKbEBJnIBqmGcZGf4%3D&amp;X-OWA-CANARY=Dq4My72dFk6A3RAjM5bT37CkD_LzztUYdGt3P_iOvewrB4MRqpiROfygkVNe3EZr85jvnt4Q-dU.&amp;token=eyJhbGciOiJSUzI1NiIsImtpZCI6IjA2MDBGOUY2NzQ2MjA3MzdFNzM0MDRFMjg3QzQ1QTgxOENCN0NFQjgiLCJ4NXQiOiJCZ0Q1OW5SaUJ6Zm5OQVRpaDhSYWdZeTN6cmciLCJ0eXAiOiJKV1QifQ.eyJ2ZXIiOiJFeGNoYW5nZS5DYWxsYmFjay5WMSIsImFwcGN0eHNlbmRlciI6Ik93YURvd25sb2FkQGE1Yzc4OTlmLWQxMjktNDhmNi1hYzg4LThmOTdmMzY2ZGE3NCIsImFwcGN0eCI6IntcIm1zZXhjaHByb3RcIjpcIm93YVwiLFwicHJpbWFyeXNpZFwiOlwiUy0xLTUtMjEtMjUwMzYxMzY1MS01NTYyOTE2ODItMzgxNzI3MDA0LTE0OTExOTg2XCIsXCJwdWlkXCI6XCIxMTUzOTA2NjYxMDg0NDgwMjkyXCIsXCJvaWRcIjpcImY3YzNjYTY1LTg4ZWYtNGY5Ny04ZjE5LWQ5ZmZhMzUyMGYxMlwiLFwic2NvcGVcIjpcIk93YURvd25sb2FkXCJ9IiwibmJmIjoxNTI4NjUwMTI2LCJleHAiOjE1Mjg2NTA3MjYsImlzcyI6IjAwMDAwMDAyLTAwMDAtMGZmMS1jZTAwLTAwMDAwMDAwMDAwMEBhNWM3ODk5Zi1kMTI5LTQ4ZjYtYWM4OC04Zjk3ZjM2NmRhNzQiLCJhdWQiOiIwMDAwMDAwMi0wMDAwLTBmZjEtY2UwMC0wMDAwMDAwMDAwMDAvYXR0YWNobWVudC5vdXRsb29rLm9mZmljZS5uZXRAYTVjNzg5OWYtZDEyOS00OGY2LWFjODgtOGY5N2YzNjZkYTc0In0.O0myewv0EHM0-Y2Ws8-pdVvAXrFTmIAJnvfNCbByH7jT-PL1ahI98kNnQuu2BkIQ3rlhZdWdfZyqwFBQwuQ5iqrfN1yDYabFcv0zYm7F3EKBiddm1UrOB4GzRDI5SPR_p9DxRT-d13XiKQGyJ7vPC202KpDKJIyzKKkWSjl6649CJRzSiS1l0J6pYihDEEdudJBt1tZCWSUMvjPZQpblhjusjCm79Oq-py1SDktg9_zuh9zBi35S7WEOBCZZCaCVQMBn7mmw0w_aeXC5XIH7GyCxr_qo7h95zHiLpfdK_xbrgqr2CafGBHe_azLrTRqsadXoC0QtbGqG1IGVwtCMhw&amp;owa=outlook.office.com&amp;isImagePreview=True">
+              <a:extLst>
+                <a:ext uri="{FF2B5EF4-FFF2-40B4-BE49-F238E27FC236}">
+                  <a16:creationId xmlns:a16="http://schemas.microsoft.com/office/drawing/2014/main" id="{ED12235C-FA94-4657-8600-11B96C26DF2A}"/>
+                </a:ext>
+              </a:extLst>
+            </p:cNvPr>
+            <p:cNvPicPr>
+              <a:picLocks noChangeAspect="1" noChangeArrowheads="1"/>
+            </p:cNvPicPr>
+            <p:nvPr/>
+          </p:nvPicPr>
+          <p:blipFill rotWithShape="1">
+            <a:blip r:embed="rId2">
+              <a:extLst>
+                <a:ext uri="{28A0092B-C50C-407E-A947-70E740481C1C}">
+                  <a14:useLocalDpi xmlns:a14="http://schemas.microsoft.com/office/drawing/2010/main" val="0"/>
+                </a:ext>
+              </a:extLst>
+            </a:blip>
+            <a:srcRect l="4152" r="2315" b="5942"/>
+            <a:stretch/>
+          </p:blipFill>
+          <p:spPr bwMode="auto">
+            <a:xfrm>
+              <a:off x="4027715" y="2188523"/>
+              <a:ext cx="3788228" cy="3820576"/>
+            </a:xfrm>
+            <a:prstGeom prst="rect">
+              <a:avLst/>
+            </a:prstGeom>
+            <a:noFill/>
+            <a:extLst>
+              <a:ext uri="{909E8E84-426E-40DD-AFC4-6F175D3DCCD1}">
+                <a14:hiddenFill xmlns:a14="http://schemas.microsoft.com/office/drawing/2010/main">
+                  <a:solidFill>
+                    <a:srgbClr val="FFFFFF"/>
+                  </a:solidFill>
+                </a14:hiddenFill>
+              </a:ext>
+            </a:extLst>
+          </p:spPr>
+        </p:pic>
+        <p:sp>
+          <p:nvSpPr>
+            <p:cNvPr id="2" name="TextBox 1">
+              <a:extLst>
+                <a:ext uri="{FF2B5EF4-FFF2-40B4-BE49-F238E27FC236}">
+                  <a16:creationId xmlns:a16="http://schemas.microsoft.com/office/drawing/2014/main" id="{89D91BBD-59B2-48AB-A82F-18C945F886C9}"/>
+                </a:ext>
+              </a:extLst>
+            </p:cNvPr>
+            <p:cNvSpPr txBox="1"/>
+            <p:nvPr/>
+          </p:nvSpPr>
+          <p:spPr>
+            <a:xfrm rot="16200000">
+              <a:off x="1934682" y="3770720"/>
+              <a:ext cx="3591792" cy="405625"/>
+            </a:xfrm>
+            <a:prstGeom prst="rect">
+              <a:avLst/>
+            </a:prstGeom>
+            <a:noFill/>
+          </p:spPr>
+          <p:txBody>
+            <a:bodyPr wrap="square" rtlCol="0">
+              <a:spAutoFit/>
+            </a:bodyPr>
+            <a:lstStyle/>
+            <a:p>
+              <a:pPr algn="ctr"/>
+              <a:r>
+                <a:rPr lang="en-US" dirty="0">
+                  <a:latin typeface="+mj-lt"/>
+                </a:rPr>
+                <a:t>Challenge Likelihood</a:t>
+              </a:r>
+            </a:p>
+          </p:txBody>
+        </p:sp>
+        <p:sp>
+          <p:nvSpPr>
+            <p:cNvPr id="7" name="TextBox 6">
+              <a:extLst>
+                <a:ext uri="{FF2B5EF4-FFF2-40B4-BE49-F238E27FC236}">
+                  <a16:creationId xmlns:a16="http://schemas.microsoft.com/office/drawing/2014/main" id="{26385E5E-272C-427D-B286-85B243BDCD37}"/>
+                </a:ext>
+              </a:extLst>
+            </p:cNvPr>
+            <p:cNvSpPr txBox="1"/>
+            <p:nvPr/>
+          </p:nvSpPr>
+          <p:spPr>
+            <a:xfrm>
+              <a:off x="4343400" y="6090458"/>
+              <a:ext cx="3472543" cy="369332"/>
+            </a:xfrm>
+            <a:prstGeom prst="rect">
+              <a:avLst/>
+            </a:prstGeom>
+            <a:noFill/>
+          </p:spPr>
+          <p:txBody>
+            <a:bodyPr wrap="square" rtlCol="0">
+              <a:spAutoFit/>
+            </a:bodyPr>
+            <a:lstStyle/>
+            <a:p>
+              <a:pPr algn="ctr"/>
+              <a:r>
+                <a:rPr lang="en-US" dirty="0">
+                  <a:latin typeface="+mj-lt"/>
+                </a:rPr>
+                <a:t>One-Way Commute (mins)</a:t>
+              </a:r>
+            </a:p>
+          </p:txBody>
+        </p:sp>
+      </p:grpSp>
+      <p:sp>
+        <p:nvSpPr>
+          <p:cNvPr id="11" name="TextBox 10">
+            <a:extLst>
+              <a:ext uri="{FF2B5EF4-FFF2-40B4-BE49-F238E27FC236}">
+                <a16:creationId xmlns:a16="http://schemas.microsoft.com/office/drawing/2014/main" id="{57455065-EEB1-48AA-BBF3-BA429374FD46}"/>
+              </a:ext>
+            </a:extLst>
+          </p:cNvPr>
+          <p:cNvSpPr txBox="1"/>
+          <p:nvPr/>
+        </p:nvSpPr>
+        <p:spPr>
+          <a:xfrm>
+            <a:off x="0" y="2127353"/>
+            <a:ext cx="12191999" cy="584775"/>
+          </a:xfrm>
+          <a:prstGeom prst="rect">
+            <a:avLst/>
+          </a:prstGeom>
+          <a:noFill/>
+        </p:spPr>
+        <p:txBody>
+          <a:bodyPr wrap="square" rtlCol="0">
+            <a:spAutoFit/>
+          </a:bodyPr>
+          <a:lstStyle/>
+          <a:p>
+            <a:pPr algn="ctr"/>
+            <a:r>
+              <a:rPr lang="en-US" sz="3200" dirty="0">
+                <a:latin typeface="+mj-lt"/>
+              </a:rPr>
+              <a:t>Commuting Challenge</a:t>
+            </a:r>
+          </a:p>
+        </p:txBody>
+      </p:sp>
+    </p:spTree>
+    <p:extLst>
+      <p:ext uri="{BB962C8B-B14F-4D97-AF65-F5344CB8AC3E}">
+        <p14:creationId xmlns:p14="http://schemas.microsoft.com/office/powerpoint/2010/main" val="952486940"/>
+      </p:ext>
+    </p:extLst>
+  </p:cSld>
+  <p:clrMapOvr>
+    <a:masterClrMapping/>
+  </p:clrMapOvr>
+</p:sld>
+</file>
+
+<file path=ppt/slides/slide12.xml><?xml version="1.0" encoding="utf-8"?>
+<p:sld xmlns:a="http://schemas.openxmlformats.org/drawingml/2006/main" xmlns:r="http://schemas.openxmlformats.org/officeDocument/2006/relationships" xmlns:p="http://schemas.openxmlformats.org/presentationml/2006/main">
+  <p:cSld>
+    <p:spTree>
+      <p:nvGrpSpPr>
+        <p:cNvPr id="1" name=""/>
+        <p:cNvGrpSpPr/>
+        <p:nvPr/>
+      </p:nvGrpSpPr>
+      <p:grpSpPr>
+        <a:xfrm>
+          <a:off x="0" y="0"/>
+          <a:ext cx="0" cy="0"/>
+          <a:chOff x="0" y="0"/>
+          <a:chExt cx="0" cy="0"/>
+        </a:xfrm>
+      </p:grpSpPr>
+      <p:sp>
+        <p:nvSpPr>
+          <p:cNvPr id="5" name="Rectangle 4">
+            <a:extLst>
+              <a:ext uri="{FF2B5EF4-FFF2-40B4-BE49-F238E27FC236}">
+                <a16:creationId xmlns:a16="http://schemas.microsoft.com/office/drawing/2014/main" id="{321B3E3A-83CC-4829-903B-6A862DBF9C13}"/>
+              </a:ext>
+            </a:extLst>
+          </p:cNvPr>
+          <p:cNvSpPr/>
+          <p:nvPr/>
+        </p:nvSpPr>
+        <p:spPr>
+          <a:xfrm>
+            <a:off x="0" y="0"/>
+            <a:ext cx="4175761" cy="6858000"/>
+          </a:xfrm>
+          <a:prstGeom prst="rect">
+            <a:avLst/>
+          </a:prstGeom>
+          <a:solidFill>
+            <a:srgbClr val="404040"/>
+          </a:solidFill>
+        </p:spPr>
+        <p:style>
+          <a:lnRef idx="2">
+            <a:schemeClr val="accent1">
+              <a:shade val="50000"/>
+            </a:schemeClr>
+          </a:lnRef>
+          <a:fillRef idx="1">
+            <a:schemeClr val="accent1"/>
+          </a:fillRef>
+          <a:effectRef idx="0">
+            <a:schemeClr val="accent1"/>
+          </a:effectRef>
+          <a:fontRef idx="minor">
+            <a:schemeClr val="lt1"/>
+          </a:fontRef>
+        </p:style>
+        <p:txBody>
+          <a:bodyPr rtlCol="0" anchor="ctr"/>
+          <a:lstStyle/>
+          <a:p>
+            <a:pPr algn="ctr"/>
+            <a:endParaRPr lang="en-US" dirty="0"/>
+          </a:p>
+        </p:txBody>
+      </p:sp>
+      <p:sp>
+        <p:nvSpPr>
+          <p:cNvPr id="9" name="Title 1">
+            <a:extLst>
+              <a:ext uri="{FF2B5EF4-FFF2-40B4-BE49-F238E27FC236}">
+                <a16:creationId xmlns:a16="http://schemas.microsoft.com/office/drawing/2014/main" id="{F43340BE-D77F-4EB8-85CB-1C0D2E2178FF}"/>
+              </a:ext>
+            </a:extLst>
+          </p:cNvPr>
+          <p:cNvSpPr>
+            <a:spLocks noGrp="1"/>
+          </p:cNvSpPr>
+          <p:nvPr>
+            <p:ph type="title"/>
+          </p:nvPr>
+        </p:nvSpPr>
+        <p:spPr>
+          <a:xfrm>
+            <a:off x="325447" y="727315"/>
+            <a:ext cx="3524865" cy="5403370"/>
+          </a:xfrm>
+        </p:spPr>
+        <p:txBody>
+          <a:bodyPr>
+            <a:normAutofit/>
+          </a:bodyPr>
+          <a:lstStyle/>
+          <a:p>
+            <a:pPr algn="ctr"/>
+            <a:r>
+              <a:rPr lang="en-US" dirty="0">
+                <a:solidFill>
+                  <a:srgbClr val="FFFFFF"/>
+                </a:solidFill>
+              </a:rPr>
+              <a:t>Next Steps</a:t>
+            </a:r>
+          </a:p>
+        </p:txBody>
+      </p:sp>
+      <p:graphicFrame>
+        <p:nvGraphicFramePr>
+          <p:cNvPr id="8" name="Content Placeholder 2">
+            <a:extLst>
+              <a:ext uri="{FF2B5EF4-FFF2-40B4-BE49-F238E27FC236}">
+                <a16:creationId xmlns:a16="http://schemas.microsoft.com/office/drawing/2014/main" id="{D8D63603-368A-4333-AD84-53F1457DB024}"/>
+              </a:ext>
+            </a:extLst>
+          </p:cNvPr>
+          <p:cNvGraphicFramePr>
+            <a:graphicFrameLocks noGrp="1"/>
+          </p:cNvGraphicFramePr>
+          <p:nvPr>
+            <p:ph idx="1"/>
+            <p:extLst>
+              <p:ext uri="{D42A27DB-BD31-4B8C-83A1-F6EECF244321}">
+                <p14:modId xmlns:p14="http://schemas.microsoft.com/office/powerpoint/2010/main" val="3538957919"/>
+              </p:ext>
+            </p:extLst>
+          </p:nvPr>
+        </p:nvGraphicFramePr>
+        <p:xfrm>
+          <a:off x="4972455" y="1463649"/>
+          <a:ext cx="6457284" cy="5164085"/>
+        </p:xfrm>
+        <a:graphic>
+          <a:graphicData uri="http://schemas.openxmlformats.org/drawingml/2006/diagram">
+            <dgm:relIds xmlns:dgm="http://schemas.openxmlformats.org/drawingml/2006/diagram" xmlns:r="http://schemas.openxmlformats.org/officeDocument/2006/relationships" r:dm="rId2" r:lo="rId3" r:qs="rId4" r:cs="rId5"/>
+          </a:graphicData>
+        </a:graphic>
+      </p:graphicFrame>
+    </p:spTree>
+    <p:extLst>
+      <p:ext uri="{BB962C8B-B14F-4D97-AF65-F5344CB8AC3E}">
+        <p14:creationId xmlns:p14="http://schemas.microsoft.com/office/powerpoint/2010/main" val="2805341445"/>
+      </p:ext>
+    </p:extLst>
+  </p:cSld>
+  <p:clrMapOvr>
+    <a:masterClrMapping/>
+  </p:clrMapOvr>
+</p:sld>
+</file>
+
+<file path=ppt/slides/slide13.xml><?xml version="1.0" encoding="utf-8"?>
+<p:sld xmlns:a="http://schemas.openxmlformats.org/drawingml/2006/main" xmlns:r="http://schemas.openxmlformats.org/officeDocument/2006/relationships" xmlns:p="http://schemas.openxmlformats.org/presentationml/2006/main">
+  <p:cSld>
+    <p:spTree>
+      <p:nvGrpSpPr>
+        <p:cNvPr id="1" name=""/>
+        <p:cNvGrpSpPr/>
+        <p:nvPr/>
+      </p:nvGrpSpPr>
+      <p:grpSpPr>
+        <a:xfrm>
+          <a:off x="0" y="0"/>
+          <a:ext cx="0" cy="0"/>
+          <a:chOff x="0" y="0"/>
+          <a:chExt cx="0" cy="0"/>
+        </a:xfrm>
+      </p:grpSpPr>
+      <p:sp>
+        <p:nvSpPr>
+          <p:cNvPr id="29" name="Rectangle 28">
+            <a:extLst>
+              <a:ext uri="{FF2B5EF4-FFF2-40B4-BE49-F238E27FC236}">
+                <a16:creationId xmlns:a16="http://schemas.microsoft.com/office/drawing/2014/main" id="{3A6EED04-84B6-4C41-88FB-B2A903AA4914}"/>
+              </a:ext>
+            </a:extLst>
+          </p:cNvPr>
+          <p:cNvSpPr/>
+          <p:nvPr/>
+        </p:nvSpPr>
+        <p:spPr>
+          <a:xfrm>
+            <a:off x="0" y="0"/>
+            <a:ext cx="12192000" cy="1809135"/>
+          </a:xfrm>
+          <a:prstGeom prst="rect">
+            <a:avLst/>
+          </a:prstGeom>
+          <a:solidFill>
+            <a:srgbClr val="404040"/>
+          </a:solidFill>
+          <a:ln>
+            <a:solidFill>
+              <a:srgbClr val="404040"/>
+            </a:solidFill>
+          </a:ln>
+        </p:spPr>
+        <p:style>
+          <a:lnRef idx="2">
+            <a:schemeClr val="accent1">
+              <a:shade val="50000"/>
+            </a:schemeClr>
+          </a:lnRef>
+          <a:fillRef idx="1">
+            <a:schemeClr val="accent1"/>
+          </a:fillRef>
+          <a:effectRef idx="0">
+            <a:schemeClr val="accent1"/>
+          </a:effectRef>
+          <a:fontRef idx="minor">
+            <a:schemeClr val="lt1"/>
+          </a:fontRef>
+        </p:style>
+        <p:txBody>
+          <a:bodyPr rtlCol="0" anchor="ctr"/>
+          <a:lstStyle/>
+          <a:p>
+            <a:pPr algn="ctr"/>
+            <a:endParaRPr lang="en-US" dirty="0"/>
+          </a:p>
+        </p:txBody>
+      </p:sp>
+      <p:sp>
+        <p:nvSpPr>
+          <p:cNvPr id="8" name="TextBox 7">
+            <a:extLst>
+              <a:ext uri="{FF2B5EF4-FFF2-40B4-BE49-F238E27FC236}">
+                <a16:creationId xmlns:a16="http://schemas.microsoft.com/office/drawing/2014/main" id="{F3A98BF4-466C-43BA-A663-15CFFE076340}"/>
+              </a:ext>
+            </a:extLst>
+          </p:cNvPr>
+          <p:cNvSpPr txBox="1"/>
+          <p:nvPr/>
+        </p:nvSpPr>
+        <p:spPr>
+          <a:xfrm>
+            <a:off x="738168" y="519846"/>
+            <a:ext cx="7412774" cy="769441"/>
+          </a:xfrm>
+          <a:prstGeom prst="rect">
+            <a:avLst/>
+          </a:prstGeom>
+          <a:noFill/>
+        </p:spPr>
+        <p:txBody>
+          <a:bodyPr wrap="square" rtlCol="0">
+            <a:spAutoFit/>
+          </a:bodyPr>
+          <a:lstStyle/>
+          <a:p>
+            <a:r>
+              <a:rPr lang="en-US" sz="4400" dirty="0">
+                <a:solidFill>
+                  <a:schemeClr val="bg1"/>
+                </a:solidFill>
+                <a:latin typeface="+mj-lt"/>
+              </a:rPr>
+              <a:t>Web App</a:t>
+            </a:r>
+          </a:p>
+        </p:txBody>
+      </p:sp>
+      <p:sp>
+        <p:nvSpPr>
+          <p:cNvPr id="4" name="TextBox 3">
+            <a:extLst>
+              <a:ext uri="{FF2B5EF4-FFF2-40B4-BE49-F238E27FC236}">
+                <a16:creationId xmlns:a16="http://schemas.microsoft.com/office/drawing/2014/main" id="{E3360AF1-34A5-479A-B560-F6EB817F0DDD}"/>
+              </a:ext>
+            </a:extLst>
+          </p:cNvPr>
+          <p:cNvSpPr txBox="1"/>
+          <p:nvPr/>
+        </p:nvSpPr>
+        <p:spPr>
+          <a:xfrm>
+            <a:off x="738168" y="2090542"/>
+            <a:ext cx="10737552" cy="1569660"/>
+          </a:xfrm>
+          <a:prstGeom prst="rect">
+            <a:avLst/>
+          </a:prstGeom>
+          <a:noFill/>
+        </p:spPr>
+        <p:txBody>
+          <a:bodyPr wrap="square" rtlCol="0">
+            <a:spAutoFit/>
+          </a:bodyPr>
+          <a:lstStyle/>
+          <a:p>
+            <a:r>
+              <a:rPr lang="en-US" sz="3200" u="sng" dirty="0">
+                <a:solidFill>
+                  <a:srgbClr val="404040"/>
+                </a:solidFill>
+              </a:rPr>
+              <a:t>Placement Algorithm</a:t>
+            </a:r>
+          </a:p>
+          <a:p>
+            <a:pPr marL="285750" indent="-285750">
+              <a:buFont typeface="Arial" panose="020B0604020202020204" pitchFamily="34" charset="0"/>
+              <a:buChar char="•"/>
+            </a:pPr>
+            <a:r>
+              <a:rPr lang="en-US" sz="3200" dirty="0">
+                <a:solidFill>
+                  <a:srgbClr val="404040"/>
+                </a:solidFill>
+              </a:rPr>
+              <a:t>Place tutors into schools at start of year</a:t>
+            </a:r>
+          </a:p>
+          <a:p>
+            <a:pPr marL="285750" indent="-285750">
+              <a:buFont typeface="Arial" panose="020B0604020202020204" pitchFamily="34" charset="0"/>
+              <a:buChar char="•"/>
+            </a:pPr>
+            <a:r>
+              <a:rPr lang="en-US" sz="3200" dirty="0">
+                <a:solidFill>
+                  <a:srgbClr val="404040"/>
+                </a:solidFill>
+              </a:rPr>
+              <a:t>Balance for diversity, commuting, language speaking ability</a:t>
+            </a:r>
+          </a:p>
+        </p:txBody>
+      </p:sp>
+      <p:pic>
+        <p:nvPicPr>
+          <p:cNvPr id="3" name="Picture 2">
+            <a:extLst>
+              <a:ext uri="{FF2B5EF4-FFF2-40B4-BE49-F238E27FC236}">
+                <a16:creationId xmlns:a16="http://schemas.microsoft.com/office/drawing/2014/main" id="{91B4E7AF-51D7-40BB-B63F-81E8AADF191C}"/>
+              </a:ext>
+            </a:extLst>
+          </p:cNvPr>
+          <p:cNvPicPr>
+            <a:picLocks noChangeAspect="1"/>
+          </p:cNvPicPr>
+          <p:nvPr/>
+        </p:nvPicPr>
+        <p:blipFill>
+          <a:blip r:embed="rId2">
+            <a:extLst>
+              <a:ext uri="{28A0092B-C50C-407E-A947-70E740481C1C}">
+                <a14:useLocalDpi xmlns:a14="http://schemas.microsoft.com/office/drawing/2010/main" val="0"/>
+              </a:ext>
+            </a:extLst>
+          </a:blip>
+          <a:stretch>
+            <a:fillRect/>
+          </a:stretch>
+        </p:blipFill>
+        <p:spPr>
+          <a:xfrm>
+            <a:off x="877456" y="3693004"/>
+            <a:ext cx="4288223" cy="2818290"/>
+          </a:xfrm>
+          <a:prstGeom prst="rect">
+            <a:avLst/>
+          </a:prstGeom>
+        </p:spPr>
+      </p:pic>
+      <p:sp>
+        <p:nvSpPr>
+          <p:cNvPr id="9" name="TextBox 8">
+            <a:extLst>
+              <a:ext uri="{FF2B5EF4-FFF2-40B4-BE49-F238E27FC236}">
+                <a16:creationId xmlns:a16="http://schemas.microsoft.com/office/drawing/2014/main" id="{3AEE66F6-ADB9-42B0-B480-11637126DEED}"/>
+              </a:ext>
+            </a:extLst>
+          </p:cNvPr>
+          <p:cNvSpPr txBox="1"/>
+          <p:nvPr/>
+        </p:nvSpPr>
+        <p:spPr>
+          <a:xfrm>
+            <a:off x="1339273" y="6428937"/>
+            <a:ext cx="3722254" cy="369332"/>
+          </a:xfrm>
+          <a:prstGeom prst="rect">
+            <a:avLst/>
+          </a:prstGeom>
+          <a:noFill/>
+        </p:spPr>
+        <p:txBody>
+          <a:bodyPr wrap="square" rtlCol="0">
+            <a:spAutoFit/>
+          </a:bodyPr>
+          <a:lstStyle/>
+          <a:p>
+            <a:pPr algn="ctr"/>
+            <a:r>
+              <a:rPr lang="en-US" dirty="0">
+                <a:latin typeface="+mj-lt"/>
+              </a:rPr>
+              <a:t>One-Way Commute (mins)</a:t>
+            </a:r>
+          </a:p>
+        </p:txBody>
+      </p:sp>
+      <p:sp>
+        <p:nvSpPr>
+          <p:cNvPr id="7" name="Rectangle 6">
+            <a:extLst>
+              <a:ext uri="{FF2B5EF4-FFF2-40B4-BE49-F238E27FC236}">
+                <a16:creationId xmlns:a16="http://schemas.microsoft.com/office/drawing/2014/main" id="{7A3EE16F-824D-40C6-B292-CB4FD5474400}"/>
+              </a:ext>
+            </a:extLst>
+          </p:cNvPr>
+          <p:cNvSpPr/>
+          <p:nvPr/>
+        </p:nvSpPr>
+        <p:spPr>
+          <a:xfrm>
+            <a:off x="5190840" y="4359564"/>
+            <a:ext cx="230910" cy="258618"/>
+          </a:xfrm>
+          <a:prstGeom prst="rect">
+            <a:avLst/>
+          </a:prstGeom>
+          <a:solidFill>
+            <a:srgbClr val="FFB26E"/>
+          </a:solidFill>
+          <a:ln>
+            <a:noFill/>
+          </a:ln>
+        </p:spPr>
+        <p:style>
+          <a:lnRef idx="2">
+            <a:schemeClr val="accent1">
+              <a:shade val="50000"/>
+            </a:schemeClr>
+          </a:lnRef>
+          <a:fillRef idx="1">
+            <a:schemeClr val="accent1"/>
+          </a:fillRef>
+          <a:effectRef idx="0">
+            <a:schemeClr val="accent1"/>
+          </a:effectRef>
+          <a:fontRef idx="minor">
+            <a:schemeClr val="lt1"/>
+          </a:fontRef>
+        </p:style>
+        <p:txBody>
+          <a:bodyPr rtlCol="0" anchor="ctr"/>
+          <a:lstStyle/>
+          <a:p>
+            <a:pPr algn="ctr"/>
+            <a:endParaRPr lang="en-US"/>
+          </a:p>
+        </p:txBody>
+      </p:sp>
+      <p:sp>
+        <p:nvSpPr>
+          <p:cNvPr id="11" name="Rectangle 10">
+            <a:extLst>
+              <a:ext uri="{FF2B5EF4-FFF2-40B4-BE49-F238E27FC236}">
+                <a16:creationId xmlns:a16="http://schemas.microsoft.com/office/drawing/2014/main" id="{21EAC6C0-F75B-445C-BF23-88BC2C16F851}"/>
+              </a:ext>
+            </a:extLst>
+          </p:cNvPr>
+          <p:cNvSpPr/>
+          <p:nvPr/>
+        </p:nvSpPr>
+        <p:spPr>
+          <a:xfrm>
+            <a:off x="5190840" y="4880475"/>
+            <a:ext cx="230910" cy="258618"/>
+          </a:xfrm>
+          <a:prstGeom prst="rect">
+            <a:avLst/>
+          </a:prstGeom>
+          <a:solidFill>
+            <a:srgbClr val="1F77B4"/>
+          </a:solidFill>
+          <a:ln>
+            <a:noFill/>
+          </a:ln>
+        </p:spPr>
+        <p:style>
+          <a:lnRef idx="2">
+            <a:schemeClr val="accent1">
+              <a:shade val="50000"/>
+            </a:schemeClr>
+          </a:lnRef>
+          <a:fillRef idx="1">
+            <a:schemeClr val="accent1"/>
+          </a:fillRef>
+          <a:effectRef idx="0">
+            <a:schemeClr val="accent1"/>
+          </a:effectRef>
+          <a:fontRef idx="minor">
+            <a:schemeClr val="lt1"/>
+          </a:fontRef>
+        </p:style>
+        <p:txBody>
+          <a:bodyPr rtlCol="0" anchor="ctr"/>
+          <a:lstStyle/>
+          <a:p>
+            <a:pPr algn="ctr"/>
+            <a:endParaRPr lang="en-US" dirty="0"/>
+          </a:p>
+        </p:txBody>
+      </p:sp>
+      <p:sp>
+        <p:nvSpPr>
+          <p:cNvPr id="12" name="TextBox 11">
+            <a:extLst>
+              <a:ext uri="{FF2B5EF4-FFF2-40B4-BE49-F238E27FC236}">
+                <a16:creationId xmlns:a16="http://schemas.microsoft.com/office/drawing/2014/main" id="{B67C4ED8-7BCD-4CFB-854E-513AA96EC00A}"/>
+              </a:ext>
+            </a:extLst>
+          </p:cNvPr>
+          <p:cNvSpPr txBox="1"/>
+          <p:nvPr/>
+        </p:nvSpPr>
+        <p:spPr>
+          <a:xfrm>
+            <a:off x="5421750" y="4304207"/>
+            <a:ext cx="1764145" cy="369332"/>
+          </a:xfrm>
+          <a:prstGeom prst="rect">
+            <a:avLst/>
+          </a:prstGeom>
+          <a:noFill/>
+        </p:spPr>
+        <p:txBody>
+          <a:bodyPr wrap="square" rtlCol="0">
+            <a:spAutoFit/>
+          </a:bodyPr>
+          <a:lstStyle/>
+          <a:p>
+            <a:r>
+              <a:rPr lang="en-US" dirty="0">
+                <a:latin typeface="+mj-lt"/>
+              </a:rPr>
+              <a:t>School Year 2017</a:t>
+            </a:r>
+          </a:p>
+        </p:txBody>
+      </p:sp>
+      <p:sp>
+        <p:nvSpPr>
+          <p:cNvPr id="13" name="TextBox 12">
+            <a:extLst>
+              <a:ext uri="{FF2B5EF4-FFF2-40B4-BE49-F238E27FC236}">
+                <a16:creationId xmlns:a16="http://schemas.microsoft.com/office/drawing/2014/main" id="{B0D3EB4E-7003-4407-87E6-A706D08CCC9A}"/>
+              </a:ext>
+            </a:extLst>
+          </p:cNvPr>
+          <p:cNvSpPr txBox="1"/>
+          <p:nvPr/>
+        </p:nvSpPr>
+        <p:spPr>
+          <a:xfrm>
+            <a:off x="5421750" y="4825118"/>
+            <a:ext cx="1764145" cy="369332"/>
+          </a:xfrm>
+          <a:prstGeom prst="rect">
+            <a:avLst/>
+          </a:prstGeom>
+          <a:noFill/>
+        </p:spPr>
+        <p:txBody>
+          <a:bodyPr wrap="square" rtlCol="0">
+            <a:spAutoFit/>
+          </a:bodyPr>
+          <a:lstStyle/>
+          <a:p>
+            <a:r>
+              <a:rPr lang="en-US" dirty="0">
+                <a:latin typeface="+mj-lt"/>
+              </a:rPr>
+              <a:t>School Year 2018</a:t>
+            </a:r>
+          </a:p>
+        </p:txBody>
+      </p:sp>
+      <p:pic>
+        <p:nvPicPr>
+          <p:cNvPr id="14" name="Picture 13">
+            <a:extLst>
+              <a:ext uri="{FF2B5EF4-FFF2-40B4-BE49-F238E27FC236}">
+                <a16:creationId xmlns:a16="http://schemas.microsoft.com/office/drawing/2014/main" id="{69C6FD22-712B-4865-A5F0-1E379E254187}"/>
+              </a:ext>
+            </a:extLst>
+          </p:cNvPr>
+          <p:cNvPicPr>
+            <a:picLocks noChangeAspect="1"/>
+          </p:cNvPicPr>
+          <p:nvPr/>
+        </p:nvPicPr>
+        <p:blipFill>
+          <a:blip r:embed="rId3">
+            <a:extLst>
+              <a:ext uri="{28A0092B-C50C-407E-A947-70E740481C1C}">
+                <a14:useLocalDpi xmlns:a14="http://schemas.microsoft.com/office/drawing/2010/main" val="0"/>
+              </a:ext>
+            </a:extLst>
+          </a:blip>
+          <a:stretch>
+            <a:fillRect/>
+          </a:stretch>
+        </p:blipFill>
+        <p:spPr>
+          <a:xfrm>
+            <a:off x="8026401" y="4261639"/>
+            <a:ext cx="3249212" cy="2485736"/>
+          </a:xfrm>
+          <a:prstGeom prst="rect">
+            <a:avLst/>
+          </a:prstGeom>
+        </p:spPr>
+      </p:pic>
+      <p:pic>
+        <p:nvPicPr>
+          <p:cNvPr id="5122" name="Picture 2" descr="R">
+            <a:extLst>
+              <a:ext uri="{FF2B5EF4-FFF2-40B4-BE49-F238E27FC236}">
+                <a16:creationId xmlns:a16="http://schemas.microsoft.com/office/drawing/2014/main" id="{EC957812-507F-4407-93FF-64BFC562FCDD}"/>
+              </a:ext>
+            </a:extLst>
+          </p:cNvPr>
+          <p:cNvPicPr>
+            <a:picLocks noChangeAspect="1" noChangeArrowheads="1"/>
+          </p:cNvPicPr>
+          <p:nvPr/>
+        </p:nvPicPr>
+        <p:blipFill>
+          <a:blip r:embed="rId4">
+            <a:extLst>
+              <a:ext uri="{28A0092B-C50C-407E-A947-70E740481C1C}">
+                <a14:useLocalDpi xmlns:a14="http://schemas.microsoft.com/office/drawing/2010/main" val="0"/>
+              </a:ext>
+            </a:extLst>
+          </a:blip>
+          <a:srcRect/>
+          <a:stretch>
+            <a:fillRect/>
+          </a:stretch>
+        </p:blipFill>
+        <p:spPr bwMode="auto">
+          <a:xfrm>
+            <a:off x="8026401" y="3754339"/>
+            <a:ext cx="947786" cy="734534"/>
+          </a:xfrm>
+          <a:prstGeom prst="rect">
+            <a:avLst/>
+          </a:prstGeom>
+          <a:noFill/>
+          <a:extLst>
+            <a:ext uri="{909E8E84-426E-40DD-AFC4-6F175D3DCCD1}">
+              <a14:hiddenFill xmlns:a14="http://schemas.microsoft.com/office/drawing/2010/main">
+                <a:solidFill>
+                  <a:srgbClr val="FFFFFF"/>
+                </a:solidFill>
+              </a14:hiddenFill>
+            </a:ext>
+          </a:extLst>
+        </p:spPr>
+      </p:pic>
+    </p:spTree>
+    <p:extLst>
+      <p:ext uri="{BB962C8B-B14F-4D97-AF65-F5344CB8AC3E}">
+        <p14:creationId xmlns:p14="http://schemas.microsoft.com/office/powerpoint/2010/main" val="3523406383"/>
+      </p:ext>
+    </p:extLst>
+  </p:cSld>
+  <p:clrMapOvr>
+    <a:masterClrMapping/>
+  </p:clrMapOvr>
+</p:sld>
+</file>
+
+<file path=ppt/slides/slide14.xml><?xml version="1.0" encoding="utf-8"?>
+<p:sld xmlns:a="http://schemas.openxmlformats.org/drawingml/2006/main" xmlns:r="http://schemas.openxmlformats.org/officeDocument/2006/relationships" xmlns:p="http://schemas.openxmlformats.org/presentationml/2006/main">
+  <p:cSld>
+    <p:spTree>
+      <p:nvGrpSpPr>
+        <p:cNvPr id="1" name=""/>
+        <p:cNvGrpSpPr/>
+        <p:nvPr/>
+      </p:nvGrpSpPr>
+      <p:grpSpPr>
+        <a:xfrm>
+          <a:off x="0" y="0"/>
+          <a:ext cx="0" cy="0"/>
+          <a:chOff x="0" y="0"/>
+          <a:chExt cx="0" cy="0"/>
+        </a:xfrm>
+      </p:grpSpPr>
+      <p:sp>
+        <p:nvSpPr>
+          <p:cNvPr id="29" name="Rectangle 28">
+            <a:extLst>
+              <a:ext uri="{FF2B5EF4-FFF2-40B4-BE49-F238E27FC236}">
+                <a16:creationId xmlns:a16="http://schemas.microsoft.com/office/drawing/2014/main" id="{3A6EED04-84B6-4C41-88FB-B2A903AA4914}"/>
+              </a:ext>
+            </a:extLst>
+          </p:cNvPr>
+          <p:cNvSpPr/>
+          <p:nvPr/>
+        </p:nvSpPr>
+        <p:spPr>
+          <a:xfrm>
+            <a:off x="0" y="0"/>
+            <a:ext cx="12192000" cy="1809135"/>
+          </a:xfrm>
+          <a:prstGeom prst="rect">
+            <a:avLst/>
+          </a:prstGeom>
+          <a:solidFill>
+            <a:srgbClr val="404040"/>
+          </a:solidFill>
+          <a:ln>
+            <a:solidFill>
+              <a:srgbClr val="404040"/>
+            </a:solidFill>
+          </a:ln>
+        </p:spPr>
+        <p:style>
+          <a:lnRef idx="2">
+            <a:schemeClr val="accent1">
+              <a:shade val="50000"/>
+            </a:schemeClr>
+          </a:lnRef>
+          <a:fillRef idx="1">
+            <a:schemeClr val="accent1"/>
+          </a:fillRef>
+          <a:effectRef idx="0">
+            <a:schemeClr val="accent1"/>
+          </a:effectRef>
+          <a:fontRef idx="minor">
+            <a:schemeClr val="lt1"/>
+          </a:fontRef>
+        </p:style>
+        <p:txBody>
+          <a:bodyPr rtlCol="0" anchor="ctr"/>
+          <a:lstStyle/>
+          <a:p>
+            <a:pPr algn="ctr"/>
+            <a:endParaRPr lang="en-US" dirty="0"/>
+          </a:p>
+        </p:txBody>
+      </p:sp>
+      <p:sp>
+        <p:nvSpPr>
+          <p:cNvPr id="8" name="TextBox 7">
+            <a:extLst>
+              <a:ext uri="{FF2B5EF4-FFF2-40B4-BE49-F238E27FC236}">
+                <a16:creationId xmlns:a16="http://schemas.microsoft.com/office/drawing/2014/main" id="{F3A98BF4-466C-43BA-A663-15CFFE076340}"/>
+              </a:ext>
+            </a:extLst>
+          </p:cNvPr>
+          <p:cNvSpPr txBox="1"/>
+          <p:nvPr/>
+        </p:nvSpPr>
+        <p:spPr>
+          <a:xfrm>
+            <a:off x="738168" y="519846"/>
+            <a:ext cx="7412774" cy="769441"/>
+          </a:xfrm>
+          <a:prstGeom prst="rect">
+            <a:avLst/>
+          </a:prstGeom>
+          <a:noFill/>
+        </p:spPr>
+        <p:txBody>
+          <a:bodyPr wrap="square" rtlCol="0">
+            <a:spAutoFit/>
+          </a:bodyPr>
+          <a:lstStyle/>
+          <a:p>
+            <a:r>
+              <a:rPr lang="en-US" sz="4400" dirty="0">
+                <a:solidFill>
+                  <a:schemeClr val="bg1"/>
+                </a:solidFill>
+                <a:latin typeface="+mj-lt"/>
+              </a:rPr>
+              <a:t>Web App</a:t>
+            </a:r>
+          </a:p>
+        </p:txBody>
+      </p:sp>
+      <p:pic>
+        <p:nvPicPr>
+          <p:cNvPr id="6146" name="Picture 2" descr="Image result for django logo">
+            <a:extLst>
+              <a:ext uri="{FF2B5EF4-FFF2-40B4-BE49-F238E27FC236}">
+                <a16:creationId xmlns:a16="http://schemas.microsoft.com/office/drawing/2014/main" id="{24F3F541-052F-4D4E-B662-2B5080A0D4E9}"/>
+              </a:ext>
+            </a:extLst>
+          </p:cNvPr>
+          <p:cNvPicPr>
+            <a:picLocks noChangeAspect="1" noChangeArrowheads="1"/>
+          </p:cNvPicPr>
+          <p:nvPr/>
+        </p:nvPicPr>
+        <p:blipFill>
+          <a:blip r:embed="rId2">
+            <a:extLst>
+              <a:ext uri="{28A0092B-C50C-407E-A947-70E740481C1C}">
+                <a14:useLocalDpi xmlns:a14="http://schemas.microsoft.com/office/drawing/2010/main" val="0"/>
+              </a:ext>
+            </a:extLst>
+          </a:blip>
+          <a:srcRect/>
+          <a:stretch>
+            <a:fillRect/>
+          </a:stretch>
+        </p:blipFill>
+        <p:spPr bwMode="auto">
+          <a:xfrm>
+            <a:off x="575242" y="3525548"/>
+            <a:ext cx="2685193" cy="935342"/>
+          </a:xfrm>
+          <a:prstGeom prst="rect">
+            <a:avLst/>
+          </a:prstGeom>
+          <a:noFill/>
+          <a:extLst>
+            <a:ext uri="{909E8E84-426E-40DD-AFC4-6F175D3DCCD1}">
+              <a14:hiddenFill xmlns:a14="http://schemas.microsoft.com/office/drawing/2010/main">
+                <a:solidFill>
+                  <a:srgbClr val="FFFFFF"/>
+                </a:solidFill>
+              </a14:hiddenFill>
+            </a:ext>
+          </a:extLst>
+        </p:spPr>
+      </p:pic>
+      <p:pic>
+        <p:nvPicPr>
+          <p:cNvPr id="6148" name="Picture 4" descr="Image result for docker logo">
+            <a:extLst>
+              <a:ext uri="{FF2B5EF4-FFF2-40B4-BE49-F238E27FC236}">
+                <a16:creationId xmlns:a16="http://schemas.microsoft.com/office/drawing/2014/main" id="{EC819EED-2FE2-4694-90E7-D7930BACAE60}"/>
+              </a:ext>
+            </a:extLst>
+          </p:cNvPr>
+          <p:cNvPicPr>
+            <a:picLocks noChangeAspect="1" noChangeArrowheads="1"/>
+          </p:cNvPicPr>
+          <p:nvPr/>
+        </p:nvPicPr>
+        <p:blipFill>
+          <a:blip r:embed="rId3">
+            <a:extLst>
+              <a:ext uri="{28A0092B-C50C-407E-A947-70E740481C1C}">
+                <a14:useLocalDpi xmlns:a14="http://schemas.microsoft.com/office/drawing/2010/main" val="0"/>
+              </a:ext>
+            </a:extLst>
+          </a:blip>
+          <a:srcRect/>
+          <a:stretch>
+            <a:fillRect/>
+          </a:stretch>
+        </p:blipFill>
+        <p:spPr bwMode="auto">
+          <a:xfrm>
+            <a:off x="4775859" y="3195706"/>
+            <a:ext cx="2039813" cy="1710893"/>
+          </a:xfrm>
+          <a:prstGeom prst="rect">
+            <a:avLst/>
+          </a:prstGeom>
+          <a:noFill/>
+          <a:extLst>
+            <a:ext uri="{909E8E84-426E-40DD-AFC4-6F175D3DCCD1}">
+              <a14:hiddenFill xmlns:a14="http://schemas.microsoft.com/office/drawing/2010/main">
+                <a:solidFill>
+                  <a:srgbClr val="FFFFFF"/>
+                </a:solidFill>
+              </a14:hiddenFill>
+            </a:ext>
+          </a:extLst>
+        </p:spPr>
+      </p:pic>
+      <p:pic>
+        <p:nvPicPr>
+          <p:cNvPr id="6" name="Picture 5">
+            <a:extLst>
+              <a:ext uri="{FF2B5EF4-FFF2-40B4-BE49-F238E27FC236}">
+                <a16:creationId xmlns:a16="http://schemas.microsoft.com/office/drawing/2014/main" id="{D5D44B8A-282D-474D-917E-18C41DB6830A}"/>
+              </a:ext>
+            </a:extLst>
+          </p:cNvPr>
+          <p:cNvPicPr>
+            <a:picLocks noChangeAspect="1"/>
+          </p:cNvPicPr>
+          <p:nvPr/>
+        </p:nvPicPr>
+        <p:blipFill>
+          <a:blip r:embed="rId4"/>
+          <a:stretch>
+            <a:fillRect/>
+          </a:stretch>
+        </p:blipFill>
+        <p:spPr>
+          <a:xfrm>
+            <a:off x="8289489" y="3757481"/>
+            <a:ext cx="3459167" cy="991069"/>
+          </a:xfrm>
+          <a:prstGeom prst="rect">
+            <a:avLst/>
+          </a:prstGeom>
+        </p:spPr>
+      </p:pic>
+      <p:pic>
+        <p:nvPicPr>
+          <p:cNvPr id="18" name="Picture 10" descr="https://www.python.org/static/community_logos/python-logo-master-v3-TM.png">
+            <a:extLst>
+              <a:ext uri="{FF2B5EF4-FFF2-40B4-BE49-F238E27FC236}">
+                <a16:creationId xmlns:a16="http://schemas.microsoft.com/office/drawing/2014/main" id="{69504361-3200-4956-A6D8-6AB1A61725AF}"/>
+              </a:ext>
+            </a:extLst>
+          </p:cNvPr>
+          <p:cNvPicPr>
+            <a:picLocks noChangeAspect="1" noChangeArrowheads="1"/>
+          </p:cNvPicPr>
+          <p:nvPr/>
+        </p:nvPicPr>
+        <p:blipFill rotWithShape="1">
+          <a:blip r:embed="rId5">
+            <a:extLst>
+              <a:ext uri="{28A0092B-C50C-407E-A947-70E740481C1C}">
+                <a14:useLocalDpi xmlns:a14="http://schemas.microsoft.com/office/drawing/2010/main" val="0"/>
+              </a:ext>
+            </a:extLst>
+          </a:blip>
+          <a:srcRect l="10953" t="12824" r="6706" b="9866"/>
+          <a:stretch/>
+        </p:blipFill>
+        <p:spPr bwMode="auto">
+          <a:xfrm>
+            <a:off x="349892" y="2542310"/>
+            <a:ext cx="3124472" cy="990858"/>
+          </a:xfrm>
+          <a:prstGeom prst="rect">
+            <a:avLst/>
+          </a:prstGeom>
+          <a:noFill/>
+          <a:extLst>
+            <a:ext uri="{909E8E84-426E-40DD-AFC4-6F175D3DCCD1}">
+              <a14:hiddenFill xmlns:a14="http://schemas.microsoft.com/office/drawing/2010/main">
+                <a:solidFill>
+                  <a:srgbClr val="FFFFFF"/>
+                </a:solidFill>
+              </a14:hiddenFill>
+            </a:ext>
+          </a:extLst>
+        </p:spPr>
+      </p:pic>
+      <p:sp>
+        <p:nvSpPr>
+          <p:cNvPr id="20" name="Arrow: Down 19">
+            <a:extLst>
+              <a:ext uri="{FF2B5EF4-FFF2-40B4-BE49-F238E27FC236}">
+                <a16:creationId xmlns:a16="http://schemas.microsoft.com/office/drawing/2014/main" id="{EA0E44F6-BF4F-456E-9810-1E200F7E2E38}"/>
+              </a:ext>
+            </a:extLst>
+          </p:cNvPr>
+          <p:cNvSpPr/>
+          <p:nvPr/>
+        </p:nvSpPr>
+        <p:spPr>
+          <a:xfrm rot="16200000">
+            <a:off x="7253402" y="3991764"/>
+            <a:ext cx="492815" cy="609361"/>
+          </a:xfrm>
+          <a:prstGeom prst="downArrow">
+            <a:avLst/>
+          </a:prstGeom>
+          <a:solidFill>
+            <a:srgbClr val="404040"/>
+          </a:solidFill>
+          <a:ln>
+            <a:noFill/>
+          </a:ln>
+        </p:spPr>
+        <p:style>
+          <a:lnRef idx="2">
+            <a:schemeClr val="accent1">
+              <a:shade val="50000"/>
+            </a:schemeClr>
+          </a:lnRef>
+          <a:fillRef idx="1">
+            <a:schemeClr val="accent1"/>
+          </a:fillRef>
+          <a:effectRef idx="0">
+            <a:schemeClr val="accent1"/>
+          </a:effectRef>
+          <a:fontRef idx="minor">
+            <a:schemeClr val="lt1"/>
+          </a:fontRef>
+        </p:style>
+        <p:txBody>
+          <a:bodyPr rtlCol="0" anchor="ctr"/>
+          <a:lstStyle/>
+          <a:p>
+            <a:pPr algn="ctr"/>
+            <a:endParaRPr lang="en-US" dirty="0"/>
+          </a:p>
+        </p:txBody>
+      </p:sp>
+      <p:sp>
+        <p:nvSpPr>
+          <p:cNvPr id="23" name="Arrow: Down 22">
+            <a:extLst>
+              <a:ext uri="{FF2B5EF4-FFF2-40B4-BE49-F238E27FC236}">
+                <a16:creationId xmlns:a16="http://schemas.microsoft.com/office/drawing/2014/main" id="{08438500-F139-4F05-A382-5660E035669A}"/>
+              </a:ext>
+            </a:extLst>
+          </p:cNvPr>
+          <p:cNvSpPr/>
+          <p:nvPr/>
+        </p:nvSpPr>
+        <p:spPr>
+          <a:xfrm rot="16200000">
+            <a:off x="3884395" y="3993299"/>
+            <a:ext cx="492815" cy="609361"/>
+          </a:xfrm>
+          <a:prstGeom prst="downArrow">
+            <a:avLst/>
+          </a:prstGeom>
+          <a:solidFill>
+            <a:srgbClr val="404040"/>
+          </a:solidFill>
+          <a:ln>
+            <a:noFill/>
+          </a:ln>
+        </p:spPr>
+        <p:style>
+          <a:lnRef idx="2">
+            <a:schemeClr val="accent1">
+              <a:shade val="50000"/>
+            </a:schemeClr>
+          </a:lnRef>
+          <a:fillRef idx="1">
+            <a:schemeClr val="accent1"/>
+          </a:fillRef>
+          <a:effectRef idx="0">
+            <a:schemeClr val="accent1"/>
+          </a:effectRef>
+          <a:fontRef idx="minor">
+            <a:schemeClr val="lt1"/>
+          </a:fontRef>
+        </p:style>
+        <p:txBody>
+          <a:bodyPr rtlCol="0" anchor="ctr"/>
+          <a:lstStyle/>
+          <a:p>
+            <a:pPr algn="ctr"/>
+            <a:endParaRPr lang="en-US" dirty="0"/>
+          </a:p>
+        </p:txBody>
+      </p:sp>
+      <p:grpSp>
+        <p:nvGrpSpPr>
+          <p:cNvPr id="25" name="Group 24">
+            <a:extLst>
+              <a:ext uri="{FF2B5EF4-FFF2-40B4-BE49-F238E27FC236}">
+                <a16:creationId xmlns:a16="http://schemas.microsoft.com/office/drawing/2014/main" id="{D0905CEB-AD00-4ADF-A68D-4B57C08FB5AB}"/>
+              </a:ext>
+            </a:extLst>
+          </p:cNvPr>
+          <p:cNvGrpSpPr/>
+          <p:nvPr/>
+        </p:nvGrpSpPr>
+        <p:grpSpPr>
+          <a:xfrm>
+            <a:off x="575242" y="4556029"/>
+            <a:ext cx="2520408" cy="705721"/>
+            <a:chOff x="591128" y="5463721"/>
+            <a:chExt cx="3139220" cy="878990"/>
+          </a:xfrm>
+        </p:grpSpPr>
+        <p:pic>
+          <p:nvPicPr>
+            <p:cNvPr id="24" name="Picture 23">
+              <a:extLst>
+                <a:ext uri="{FF2B5EF4-FFF2-40B4-BE49-F238E27FC236}">
+                  <a16:creationId xmlns:a16="http://schemas.microsoft.com/office/drawing/2014/main" id="{0D003BD0-A836-43B4-BD6A-B41F63C46F97}"/>
+                </a:ext>
+              </a:extLst>
+            </p:cNvPr>
+            <p:cNvPicPr>
+              <a:picLocks noChangeAspect="1"/>
+            </p:cNvPicPr>
+            <p:nvPr/>
+          </p:nvPicPr>
+          <p:blipFill>
+            <a:blip r:embed="rId6"/>
+            <a:stretch>
+              <a:fillRect/>
+            </a:stretch>
+          </p:blipFill>
+          <p:spPr>
+            <a:xfrm>
+              <a:off x="1611443" y="5720117"/>
+              <a:ext cx="2118905" cy="528259"/>
+            </a:xfrm>
+            <a:prstGeom prst="rect">
+              <a:avLst/>
+            </a:prstGeom>
+          </p:spPr>
+        </p:pic>
+        <p:pic>
+          <p:nvPicPr>
+            <p:cNvPr id="22" name="Picture 21">
+              <a:extLst>
+                <a:ext uri="{FF2B5EF4-FFF2-40B4-BE49-F238E27FC236}">
+                  <a16:creationId xmlns:a16="http://schemas.microsoft.com/office/drawing/2014/main" id="{E8CB7E85-3F63-4D88-BC00-0271AF04F802}"/>
+                </a:ext>
+              </a:extLst>
+            </p:cNvPr>
+            <p:cNvPicPr>
+              <a:picLocks noChangeAspect="1"/>
+            </p:cNvPicPr>
+            <p:nvPr/>
+          </p:nvPicPr>
+          <p:blipFill>
+            <a:blip r:embed="rId7"/>
+            <a:stretch>
+              <a:fillRect/>
+            </a:stretch>
+          </p:blipFill>
+          <p:spPr>
+            <a:xfrm>
+              <a:off x="591128" y="5463721"/>
+              <a:ext cx="980412" cy="878990"/>
+            </a:xfrm>
+            <a:prstGeom prst="rect">
+              <a:avLst/>
+            </a:prstGeom>
+          </p:spPr>
+        </p:pic>
+      </p:grpSp>
+      <p:pic>
+        <p:nvPicPr>
+          <p:cNvPr id="6160" name="Picture 16" descr="SQLite370.svg">
+            <a:extLst>
+              <a:ext uri="{FF2B5EF4-FFF2-40B4-BE49-F238E27FC236}">
+                <a16:creationId xmlns:a16="http://schemas.microsoft.com/office/drawing/2014/main" id="{202E093E-822A-4776-996E-05E14A72607F}"/>
+              </a:ext>
+            </a:extLst>
+          </p:cNvPr>
+          <p:cNvPicPr>
+            <a:picLocks noChangeAspect="1" noChangeArrowheads="1"/>
+          </p:cNvPicPr>
+          <p:nvPr/>
+        </p:nvPicPr>
+        <p:blipFill>
+          <a:blip r:embed="rId8">
+            <a:extLst>
+              <a:ext uri="{28A0092B-C50C-407E-A947-70E740481C1C}">
+                <a14:useLocalDpi xmlns:a14="http://schemas.microsoft.com/office/drawing/2010/main" val="0"/>
+              </a:ext>
+            </a:extLst>
+          </a:blip>
+          <a:srcRect/>
+          <a:stretch>
+            <a:fillRect/>
+          </a:stretch>
+        </p:blipFill>
+        <p:spPr bwMode="auto">
+          <a:xfrm>
+            <a:off x="815388" y="5332329"/>
+            <a:ext cx="1897295" cy="896903"/>
+          </a:xfrm>
+          <a:prstGeom prst="rect">
+            <a:avLst/>
+          </a:prstGeom>
+          <a:noFill/>
+          <a:extLst>
+            <a:ext uri="{909E8E84-426E-40DD-AFC4-6F175D3DCCD1}">
+              <a14:hiddenFill xmlns:a14="http://schemas.microsoft.com/office/drawing/2010/main">
+                <a:solidFill>
+                  <a:srgbClr val="FFFFFF"/>
+                </a:solidFill>
+              </a14:hiddenFill>
+            </a:ext>
+          </a:extLst>
+        </p:spPr>
+      </p:pic>
+    </p:spTree>
+    <p:extLst>
+      <p:ext uri="{BB962C8B-B14F-4D97-AF65-F5344CB8AC3E}">
+        <p14:creationId xmlns:p14="http://schemas.microsoft.com/office/powerpoint/2010/main" val="3063083492"/>
+      </p:ext>
+    </p:extLst>
+  </p:cSld>
+  <p:clrMapOvr>
+    <a:masterClrMapping/>
+  </p:clrMapOvr>
+</p:sld>
+</file>
+
+<file path=ppt/slides/slide15.xml><?xml version="1.0" encoding="utf-8"?>
+<p:sld xmlns:a="http://schemas.openxmlformats.org/drawingml/2006/main" xmlns:r="http://schemas.openxmlformats.org/officeDocument/2006/relationships" xmlns:p="http://schemas.openxmlformats.org/presentationml/2006/main">
+  <p:cSld>
+    <p:spTree>
+      <p:nvGrpSpPr>
+        <p:cNvPr id="1" name=""/>
+        <p:cNvGrpSpPr/>
+        <p:nvPr/>
+      </p:nvGrpSpPr>
+      <p:grpSpPr>
+        <a:xfrm>
+          <a:off x="0" y="0"/>
+          <a:ext cx="0" cy="0"/>
+          <a:chOff x="0" y="0"/>
+          <a:chExt cx="0" cy="0"/>
+        </a:xfrm>
+      </p:grpSpPr>
+      <p:sp>
+        <p:nvSpPr>
+          <p:cNvPr id="5" name="Rectangle 4">
+            <a:extLst>
+              <a:ext uri="{FF2B5EF4-FFF2-40B4-BE49-F238E27FC236}">
+                <a16:creationId xmlns:a16="http://schemas.microsoft.com/office/drawing/2014/main" id="{321B3E3A-83CC-4829-903B-6A862DBF9C13}"/>
+              </a:ext>
+            </a:extLst>
+          </p:cNvPr>
+          <p:cNvSpPr/>
+          <p:nvPr/>
+        </p:nvSpPr>
+        <p:spPr>
+          <a:xfrm>
+            <a:off x="0" y="0"/>
+            <a:ext cx="4175761" cy="6858000"/>
+          </a:xfrm>
+          <a:prstGeom prst="rect">
+            <a:avLst/>
+          </a:prstGeom>
+          <a:solidFill>
+            <a:srgbClr val="404040"/>
+          </a:solidFill>
+        </p:spPr>
+        <p:style>
+          <a:lnRef idx="2">
+            <a:schemeClr val="accent1">
+              <a:shade val="50000"/>
+            </a:schemeClr>
+          </a:lnRef>
+          <a:fillRef idx="1">
+            <a:schemeClr val="accent1"/>
+          </a:fillRef>
+          <a:effectRef idx="0">
+            <a:schemeClr val="accent1"/>
+          </a:effectRef>
+          <a:fontRef idx="minor">
+            <a:schemeClr val="lt1"/>
+          </a:fontRef>
+        </p:style>
+        <p:txBody>
+          <a:bodyPr rtlCol="0" anchor="ctr"/>
+          <a:lstStyle/>
+          <a:p>
+            <a:pPr algn="ctr"/>
+            <a:endParaRPr lang="en-US" dirty="0"/>
+          </a:p>
+        </p:txBody>
+      </p:sp>
+      <p:sp>
+        <p:nvSpPr>
+          <p:cNvPr id="9" name="Title 1">
+            <a:extLst>
+              <a:ext uri="{FF2B5EF4-FFF2-40B4-BE49-F238E27FC236}">
+                <a16:creationId xmlns:a16="http://schemas.microsoft.com/office/drawing/2014/main" id="{F43340BE-D77F-4EB8-85CB-1C0D2E2178FF}"/>
+              </a:ext>
+            </a:extLst>
+          </p:cNvPr>
+          <p:cNvSpPr>
+            <a:spLocks noGrp="1"/>
+          </p:cNvSpPr>
+          <p:nvPr>
+            <p:ph type="title"/>
+          </p:nvPr>
+        </p:nvSpPr>
+        <p:spPr>
+          <a:xfrm>
+            <a:off x="325447" y="727315"/>
+            <a:ext cx="3524865" cy="5403370"/>
+          </a:xfrm>
+        </p:spPr>
+        <p:txBody>
+          <a:bodyPr>
+            <a:normAutofit/>
+          </a:bodyPr>
+          <a:lstStyle/>
+          <a:p>
+            <a:pPr algn="ctr"/>
+            <a:r>
+              <a:rPr lang="en-US" dirty="0">
+                <a:solidFill>
+                  <a:srgbClr val="FFFFFF"/>
+                </a:solidFill>
+              </a:rPr>
+              <a:t>Demo</a:t>
+            </a:r>
+          </a:p>
+        </p:txBody>
+      </p:sp>
+      <p:pic>
+        <p:nvPicPr>
+          <p:cNvPr id="6" name="Picture 5">
+            <a:extLst>
+              <a:ext uri="{FF2B5EF4-FFF2-40B4-BE49-F238E27FC236}">
+                <a16:creationId xmlns:a16="http://schemas.microsoft.com/office/drawing/2014/main" id="{C60EE107-7CCE-4F43-922E-4D9196703517}"/>
+              </a:ext>
+            </a:extLst>
+          </p:cNvPr>
+          <p:cNvPicPr>
+            <a:picLocks noChangeAspect="1"/>
+          </p:cNvPicPr>
+          <p:nvPr/>
+        </p:nvPicPr>
+        <p:blipFill>
+          <a:blip r:embed="rId2">
+            <a:extLst>
+              <a:ext uri="{28A0092B-C50C-407E-A947-70E740481C1C}">
+                <a14:useLocalDpi xmlns:a14="http://schemas.microsoft.com/office/drawing/2010/main" val="0"/>
+              </a:ext>
+            </a:extLst>
+          </a:blip>
+          <a:stretch>
+            <a:fillRect/>
+          </a:stretch>
+        </p:blipFill>
+        <p:spPr>
+          <a:xfrm>
+            <a:off x="4750589" y="139710"/>
+            <a:ext cx="6711737" cy="6607458"/>
+          </a:xfrm>
+          <a:prstGeom prst="rect">
+            <a:avLst/>
+          </a:prstGeom>
+        </p:spPr>
+      </p:pic>
+    </p:spTree>
+    <p:extLst>
+      <p:ext uri="{BB962C8B-B14F-4D97-AF65-F5344CB8AC3E}">
+        <p14:creationId xmlns:p14="http://schemas.microsoft.com/office/powerpoint/2010/main" val="2912478080"/>
+      </p:ext>
+    </p:extLst>
+  </p:cSld>
+  <p:clrMapOvr>
+    <a:masterClrMapping/>
+  </p:clrMapOvr>
+</p:sld>
+</file>
+
+<file path=ppt/slides/slide16.xml><?xml version="1.0" encoding="utf-8"?>
+<p:sld xmlns:a="http://schemas.openxmlformats.org/drawingml/2006/main" xmlns:r="http://schemas.openxmlformats.org/officeDocument/2006/relationships" xmlns:p="http://schemas.openxmlformats.org/presentationml/2006/main">
+  <p:cSld>
+    <p:spTree>
+      <p:nvGrpSpPr>
+        <p:cNvPr id="1" name=""/>
+        <p:cNvGrpSpPr/>
+        <p:nvPr/>
+      </p:nvGrpSpPr>
+      <p:grpSpPr>
+        <a:xfrm>
+          <a:off x="0" y="0"/>
+          <a:ext cx="0" cy="0"/>
+          <a:chOff x="0" y="0"/>
+          <a:chExt cx="0" cy="0"/>
+        </a:xfrm>
+      </p:grpSpPr>
+      <p:sp>
+        <p:nvSpPr>
+          <p:cNvPr id="29" name="Rectangle 28">
+            <a:extLst>
+              <a:ext uri="{FF2B5EF4-FFF2-40B4-BE49-F238E27FC236}">
+                <a16:creationId xmlns:a16="http://schemas.microsoft.com/office/drawing/2014/main" id="{3A6EED04-84B6-4C41-88FB-B2A903AA4914}"/>
+              </a:ext>
+            </a:extLst>
+          </p:cNvPr>
+          <p:cNvSpPr/>
+          <p:nvPr/>
+        </p:nvSpPr>
+        <p:spPr>
+          <a:xfrm>
+            <a:off x="0" y="0"/>
+            <a:ext cx="12192000" cy="6858000"/>
+          </a:xfrm>
+          <a:prstGeom prst="rect">
+            <a:avLst/>
+          </a:prstGeom>
+          <a:solidFill>
+            <a:srgbClr val="404040"/>
+          </a:solidFill>
+          <a:ln>
+            <a:solidFill>
+              <a:srgbClr val="404040"/>
+            </a:solidFill>
+          </a:ln>
+        </p:spPr>
+        <p:style>
+          <a:lnRef idx="2">
+            <a:schemeClr val="accent1">
+              <a:shade val="50000"/>
+            </a:schemeClr>
+          </a:lnRef>
+          <a:fillRef idx="1">
+            <a:schemeClr val="accent1"/>
+          </a:fillRef>
+          <a:effectRef idx="0">
+            <a:schemeClr val="accent1"/>
+          </a:effectRef>
+          <a:fontRef idx="minor">
+            <a:schemeClr val="lt1"/>
+          </a:fontRef>
+        </p:style>
+        <p:txBody>
+          <a:bodyPr rtlCol="0" anchor="ctr"/>
+          <a:lstStyle/>
+          <a:p>
+            <a:pPr algn="ctr"/>
+            <a:endParaRPr lang="en-US" dirty="0"/>
+          </a:p>
+        </p:txBody>
+      </p:sp>
+      <p:sp>
+        <p:nvSpPr>
+          <p:cNvPr id="8" name="TextBox 7">
+            <a:extLst>
+              <a:ext uri="{FF2B5EF4-FFF2-40B4-BE49-F238E27FC236}">
+                <a16:creationId xmlns:a16="http://schemas.microsoft.com/office/drawing/2014/main" id="{F3A98BF4-466C-43BA-A663-15CFFE076340}"/>
+              </a:ext>
+            </a:extLst>
+          </p:cNvPr>
+          <p:cNvSpPr txBox="1"/>
+          <p:nvPr/>
+        </p:nvSpPr>
+        <p:spPr>
+          <a:xfrm>
+            <a:off x="0" y="4112657"/>
+            <a:ext cx="12192000" cy="1015663"/>
+          </a:xfrm>
+          <a:prstGeom prst="rect">
+            <a:avLst/>
+          </a:prstGeom>
+          <a:noFill/>
+        </p:spPr>
+        <p:txBody>
+          <a:bodyPr wrap="square" rtlCol="0">
+            <a:spAutoFit/>
+          </a:bodyPr>
+          <a:lstStyle/>
+          <a:p>
+            <a:pPr algn="ctr"/>
+            <a:r>
+              <a:rPr lang="en-US" sz="6000" dirty="0">
+                <a:solidFill>
+                  <a:schemeClr val="bg1"/>
+                </a:solidFill>
+                <a:latin typeface="+mj-lt"/>
+              </a:rPr>
+              <a:t>Thank You </a:t>
+            </a:r>
+            <a:r>
+              <a:rPr lang="en-US" sz="6000" dirty="0" err="1">
+                <a:solidFill>
+                  <a:schemeClr val="bg1"/>
+                </a:solidFill>
+                <a:latin typeface="+mj-lt"/>
+              </a:rPr>
+              <a:t>ChiPy</a:t>
+            </a:r>
+            <a:endParaRPr lang="en-US" sz="6000" dirty="0">
+              <a:solidFill>
+                <a:schemeClr val="bg1"/>
+              </a:solidFill>
+              <a:latin typeface="+mj-lt"/>
+            </a:endParaRPr>
+          </a:p>
+        </p:txBody>
+      </p:sp>
+      <p:pic>
+        <p:nvPicPr>
+          <p:cNvPr id="11266" name="Picture 2" descr="Celebration clipart emoji - Pencil and in color ...">
+            <a:extLst>
+              <a:ext uri="{FF2B5EF4-FFF2-40B4-BE49-F238E27FC236}">
+                <a16:creationId xmlns:a16="http://schemas.microsoft.com/office/drawing/2014/main" id="{12AAF88E-AF95-40F2-9A4E-2F892EC0B3C9}"/>
+              </a:ext>
+            </a:extLst>
+          </p:cNvPr>
+          <p:cNvPicPr>
+            <a:picLocks noChangeAspect="1" noChangeArrowheads="1"/>
+          </p:cNvPicPr>
+          <p:nvPr/>
+        </p:nvPicPr>
+        <p:blipFill>
+          <a:blip r:embed="rId2">
+            <a:extLst>
+              <a:ext uri="{28A0092B-C50C-407E-A947-70E740481C1C}">
+                <a14:useLocalDpi xmlns:a14="http://schemas.microsoft.com/office/drawing/2010/main" val="0"/>
+              </a:ext>
+            </a:extLst>
+          </a:blip>
+          <a:srcRect/>
+          <a:stretch>
+            <a:fillRect/>
+          </a:stretch>
+        </p:blipFill>
+        <p:spPr bwMode="auto">
+          <a:xfrm>
+            <a:off x="4875730" y="1459513"/>
+            <a:ext cx="2440540" cy="2440540"/>
+          </a:xfrm>
+          <a:prstGeom prst="rect">
+            <a:avLst/>
+          </a:prstGeom>
+          <a:noFill/>
+          <a:extLst>
+            <a:ext uri="{909E8E84-426E-40DD-AFC4-6F175D3DCCD1}">
+              <a14:hiddenFill xmlns:a14="http://schemas.microsoft.com/office/drawing/2010/main">
+                <a:solidFill>
+                  <a:srgbClr val="FFFFFF"/>
+                </a:solidFill>
+              </a14:hiddenFill>
+            </a:ext>
+          </a:extLst>
+        </p:spPr>
+      </p:pic>
+    </p:spTree>
+    <p:extLst>
+      <p:ext uri="{BB962C8B-B14F-4D97-AF65-F5344CB8AC3E}">
+        <p14:creationId xmlns:p14="http://schemas.microsoft.com/office/powerpoint/2010/main" val="2085145819"/>
       </p:ext>
     </p:extLst>
   </p:cSld>
@@ -8458,7 +14281,7 @@
             <a:lstStyle/>
             <a:p>
               <a:pPr algn="ctr"/>
-              <a:endParaRPr lang="en-US"/>
+              <a:endParaRPr lang="en-US" dirty="0"/>
             </a:p>
           </p:txBody>
         </p:sp>
@@ -9539,63 +15362,356 @@
           </a:p>
         </p:txBody>
       </p:sp>
-      <p:sp>
-        <p:nvSpPr>
-          <p:cNvPr id="3" name="TextBox 2">
+      <p:pic>
+        <p:nvPicPr>
+          <p:cNvPr id="6" name="Picture 2" descr="IPython 3.0 Released">
             <a:extLst>
               <a:ext uri="{FF2B5EF4-FFF2-40B4-BE49-F238E27FC236}">
-                <a16:creationId xmlns:a16="http://schemas.microsoft.com/office/drawing/2014/main" id="{5CDA026E-6567-4215-B7D3-FE89F9C847A3}"/>
+                <a16:creationId xmlns:a16="http://schemas.microsoft.com/office/drawing/2014/main" id="{7D25AF2E-4D72-4D25-BEC2-AF60813F0A20}"/>
               </a:ext>
             </a:extLst>
           </p:cNvPr>
-          <p:cNvSpPr txBox="1"/>
+          <p:cNvPicPr>
+            <a:picLocks noChangeAspect="1" noChangeArrowheads="1"/>
+          </p:cNvPicPr>
           <p:nvPr/>
-        </p:nvSpPr>
-        <p:spPr>
+        </p:nvPicPr>
+        <p:blipFill>
+          <a:blip r:embed="rId2">
+            <a:extLst>
+              <a:ext uri="{28A0092B-C50C-407E-A947-70E740481C1C}">
+                <a14:useLocalDpi xmlns:a14="http://schemas.microsoft.com/office/drawing/2010/main" val="0"/>
+              </a:ext>
+            </a:extLst>
+          </a:blip>
+          <a:srcRect/>
+          <a:stretch>
+            <a:fillRect/>
+          </a:stretch>
+        </p:blipFill>
+        <p:spPr bwMode="auto">
           <a:xfrm>
-            <a:off x="738168" y="2438400"/>
-            <a:ext cx="10737552" cy="2554545"/>
+            <a:off x="1443032" y="2328981"/>
+            <a:ext cx="2170546" cy="2027076"/>
           </a:xfrm>
           <a:prstGeom prst="rect">
             <a:avLst/>
           </a:prstGeom>
           <a:noFill/>
+          <a:extLst>
+            <a:ext uri="{909E8E84-426E-40DD-AFC4-6F175D3DCCD1}">
+              <a14:hiddenFill xmlns:a14="http://schemas.microsoft.com/office/drawing/2010/main">
+                <a:solidFill>
+                  <a:srgbClr val="FFFFFF"/>
+                </a:solidFill>
+              </a14:hiddenFill>
+            </a:ext>
+          </a:extLst>
         </p:spPr>
-        <p:txBody>
-          <a:bodyPr wrap="square" rtlCol="0">
-            <a:spAutoFit/>
-          </a:bodyPr>
-          <a:lstStyle/>
-          <a:p>
-            <a:pPr marL="285750" indent="-285750">
-              <a:buFont typeface="Arial" panose="020B0604020202020204" pitchFamily="34" charset="0"/>
-              <a:buChar char="•"/>
-            </a:pPr>
-            <a:r>
-              <a:rPr lang="en-US" sz="3200" dirty="0">
+      </p:pic>
+      <p:grpSp>
+        <p:nvGrpSpPr>
+          <p:cNvPr id="9" name="Group 8">
+            <a:extLst>
+              <a:ext uri="{FF2B5EF4-FFF2-40B4-BE49-F238E27FC236}">
+                <a16:creationId xmlns:a16="http://schemas.microsoft.com/office/drawing/2014/main" id="{D315A586-ACA6-49CA-933F-F76D36FE551A}"/>
+              </a:ext>
+            </a:extLst>
+          </p:cNvPr>
+          <p:cNvGrpSpPr/>
+          <p:nvPr/>
+        </p:nvGrpSpPr>
+        <p:grpSpPr>
+          <a:xfrm>
+            <a:off x="8132470" y="2328981"/>
+            <a:ext cx="1774331" cy="2038942"/>
+            <a:chOff x="3055158" y="1697965"/>
+            <a:chExt cx="1774331" cy="2038942"/>
+          </a:xfrm>
+        </p:grpSpPr>
+        <p:pic>
+          <p:nvPicPr>
+            <p:cNvPr id="2" name="Picture 1">
+              <a:extLst>
+                <a:ext uri="{FF2B5EF4-FFF2-40B4-BE49-F238E27FC236}">
+                  <a16:creationId xmlns:a16="http://schemas.microsoft.com/office/drawing/2014/main" id="{3ED92313-6560-4E8A-8467-BC10AB099A9D}"/>
+                </a:ext>
+              </a:extLst>
+            </p:cNvPr>
+            <p:cNvPicPr>
+              <a:picLocks noChangeAspect="1"/>
+            </p:cNvPicPr>
+            <p:nvPr/>
+          </p:nvPicPr>
+          <p:blipFill>
+            <a:blip r:embed="rId3"/>
+            <a:stretch>
+              <a:fillRect/>
+            </a:stretch>
+          </p:blipFill>
+          <p:spPr>
+            <a:xfrm>
+              <a:off x="3055158" y="1697965"/>
+              <a:ext cx="1774331" cy="513134"/>
+            </a:xfrm>
+            <a:prstGeom prst="rect">
+              <a:avLst/>
+            </a:prstGeom>
+          </p:spPr>
+        </p:pic>
+        <p:pic>
+          <p:nvPicPr>
+            <p:cNvPr id="2056" name="Picture 8" descr="https://seaborn.pydata.org/_static/multiple_regression_thumb.png">
+              <a:extLst>
+                <a:ext uri="{FF2B5EF4-FFF2-40B4-BE49-F238E27FC236}">
+                  <a16:creationId xmlns:a16="http://schemas.microsoft.com/office/drawing/2014/main" id="{633FC0F0-98FF-46AE-9929-EDB5865B3151}"/>
+                </a:ext>
+              </a:extLst>
+            </p:cNvPr>
+            <p:cNvPicPr>
+              <a:picLocks noChangeAspect="1" noChangeArrowheads="1"/>
+            </p:cNvPicPr>
+            <p:nvPr/>
+          </p:nvPicPr>
+          <p:blipFill>
+            <a:blip r:embed="rId4">
+              <a:extLst>
+                <a:ext uri="{28A0092B-C50C-407E-A947-70E740481C1C}">
+                  <a14:useLocalDpi xmlns:a14="http://schemas.microsoft.com/office/drawing/2010/main" val="0"/>
+                </a:ext>
+              </a:extLst>
+            </a:blip>
+            <a:srcRect/>
+            <a:stretch>
+              <a:fillRect/>
+            </a:stretch>
+          </p:blipFill>
+          <p:spPr bwMode="auto">
+            <a:xfrm>
+              <a:off x="3248042" y="2301059"/>
+              <a:ext cx="1435848" cy="1435848"/>
+            </a:xfrm>
+            <a:prstGeom prst="rect">
+              <a:avLst/>
+            </a:prstGeom>
+            <a:noFill/>
+            <a:extLst>
+              <a:ext uri="{909E8E84-426E-40DD-AFC4-6F175D3DCCD1}">
+                <a14:hiddenFill xmlns:a14="http://schemas.microsoft.com/office/drawing/2010/main">
+                  <a:solidFill>
+                    <a:srgbClr val="FFFFFF"/>
+                  </a:solidFill>
+                </a14:hiddenFill>
+              </a:ext>
+            </a:extLst>
+          </p:spPr>
+        </p:pic>
+      </p:grpSp>
+      <p:pic>
+        <p:nvPicPr>
+          <p:cNvPr id="2058" name="Picture 10" descr="Related image">
+            <a:extLst>
+              <a:ext uri="{FF2B5EF4-FFF2-40B4-BE49-F238E27FC236}">
+                <a16:creationId xmlns:a16="http://schemas.microsoft.com/office/drawing/2014/main" id="{317AACBD-28D6-4D70-A675-03F7E23E02E0}"/>
+              </a:ext>
+            </a:extLst>
+          </p:cNvPr>
+          <p:cNvPicPr>
+            <a:picLocks noChangeAspect="1" noChangeArrowheads="1"/>
+          </p:cNvPicPr>
+          <p:nvPr/>
+        </p:nvPicPr>
+        <p:blipFill>
+          <a:blip r:embed="rId5">
+            <a:extLst>
+              <a:ext uri="{28A0092B-C50C-407E-A947-70E740481C1C}">
+                <a14:useLocalDpi xmlns:a14="http://schemas.microsoft.com/office/drawing/2010/main" val="0"/>
+              </a:ext>
+            </a:extLst>
+          </a:blip>
+          <a:srcRect/>
+          <a:stretch>
+            <a:fillRect/>
+          </a:stretch>
+        </p:blipFill>
+        <p:spPr bwMode="auto">
+          <a:xfrm>
+            <a:off x="2344829" y="4356057"/>
+            <a:ext cx="3048000" cy="2286000"/>
+          </a:xfrm>
+          <a:prstGeom prst="rect">
+            <a:avLst/>
+          </a:prstGeom>
+          <a:noFill/>
+          <a:extLst>
+            <a:ext uri="{909E8E84-426E-40DD-AFC4-6F175D3DCCD1}">
+              <a14:hiddenFill xmlns:a14="http://schemas.microsoft.com/office/drawing/2010/main">
                 <a:solidFill>
-                  <a:srgbClr val="404040"/>
+                  <a:srgbClr val="FFFFFF"/>
                 </a:solidFill>
-              </a:rPr>
-              <a:t>How do attributes of tutors and schools relate to our various measurements of success?</a:t>
-            </a:r>
-          </a:p>
-          <a:p>
-            <a:pPr marL="285750" indent="-285750">
-              <a:buFont typeface="Arial" panose="020B0604020202020204" pitchFamily="34" charset="0"/>
-              <a:buChar char="•"/>
-            </a:pPr>
-            <a:r>
-              <a:rPr lang="en-US" sz="3200" dirty="0">
+              </a14:hiddenFill>
+            </a:ext>
+          </a:extLst>
+        </p:spPr>
+      </p:pic>
+      <p:pic>
+        <p:nvPicPr>
+          <p:cNvPr id="2064" name="Picture 16" descr="Logo">
+            <a:extLst>
+              <a:ext uri="{FF2B5EF4-FFF2-40B4-BE49-F238E27FC236}">
+                <a16:creationId xmlns:a16="http://schemas.microsoft.com/office/drawing/2014/main" id="{415496CC-3C3F-40A8-A731-6011096CBEA0}"/>
+              </a:ext>
+            </a:extLst>
+          </p:cNvPr>
+          <p:cNvPicPr>
+            <a:picLocks noChangeAspect="1" noChangeArrowheads="1"/>
+          </p:cNvPicPr>
+          <p:nvPr/>
+        </p:nvPicPr>
+        <p:blipFill>
+          <a:blip r:embed="rId6">
+            <a:extLst>
+              <a:ext uri="{28A0092B-C50C-407E-A947-70E740481C1C}">
+                <a14:useLocalDpi xmlns:a14="http://schemas.microsoft.com/office/drawing/2010/main" val="0"/>
+              </a:ext>
+            </a:extLst>
+          </a:blip>
+          <a:srcRect/>
+          <a:stretch>
+            <a:fillRect/>
+          </a:stretch>
+        </p:blipFill>
+        <p:spPr bwMode="auto">
+          <a:xfrm>
+            <a:off x="6059866" y="4577780"/>
+            <a:ext cx="3069143" cy="1722582"/>
+          </a:xfrm>
+          <a:prstGeom prst="rect">
+            <a:avLst/>
+          </a:prstGeom>
+          <a:noFill/>
+          <a:extLst>
+            <a:ext uri="{909E8E84-426E-40DD-AFC4-6F175D3DCCD1}">
+              <a14:hiddenFill xmlns:a14="http://schemas.microsoft.com/office/drawing/2010/main">
                 <a:solidFill>
-                  <a:srgbClr val="404040"/>
+                  <a:srgbClr val="FFFFFF"/>
                 </a:solidFill>
-              </a:rPr>
-              <a:t>Can we combine our disparate metrics into a model of successful program implementation to inform actionable intervention?</a:t>
-            </a:r>
-          </a:p>
-        </p:txBody>
-      </p:sp>
+              </a14:hiddenFill>
+            </a:ext>
+          </a:extLst>
+        </p:spPr>
+      </p:pic>
+      <p:grpSp>
+        <p:nvGrpSpPr>
+          <p:cNvPr id="7" name="Group 6">
+            <a:extLst>
+              <a:ext uri="{FF2B5EF4-FFF2-40B4-BE49-F238E27FC236}">
+                <a16:creationId xmlns:a16="http://schemas.microsoft.com/office/drawing/2014/main" id="{46633722-F882-4A9D-A76F-4016064A50F6}"/>
+              </a:ext>
+            </a:extLst>
+          </p:cNvPr>
+          <p:cNvGrpSpPr/>
+          <p:nvPr/>
+        </p:nvGrpSpPr>
+        <p:grpSpPr>
+          <a:xfrm>
+            <a:off x="4520848" y="2416466"/>
+            <a:ext cx="2451960" cy="1792167"/>
+            <a:chOff x="4540827" y="346880"/>
+            <a:chExt cx="2451960" cy="1792167"/>
+          </a:xfrm>
+        </p:grpSpPr>
+        <p:pic>
+          <p:nvPicPr>
+            <p:cNvPr id="2054" name="Picture 6" descr="Logo">
+              <a:extLst>
+                <a:ext uri="{FF2B5EF4-FFF2-40B4-BE49-F238E27FC236}">
+                  <a16:creationId xmlns:a16="http://schemas.microsoft.com/office/drawing/2014/main" id="{1836CEE1-7FB4-4E0B-9F09-9DF449ECF3A9}"/>
+                </a:ext>
+              </a:extLst>
+            </p:cNvPr>
+            <p:cNvPicPr>
+              <a:picLocks noChangeAspect="1" noChangeArrowheads="1"/>
+            </p:cNvPicPr>
+            <p:nvPr/>
+          </p:nvPicPr>
+          <p:blipFill rotWithShape="1">
+            <a:blip r:embed="rId7">
+              <a:extLst>
+                <a:ext uri="{28A0092B-C50C-407E-A947-70E740481C1C}">
+                  <a14:useLocalDpi xmlns:a14="http://schemas.microsoft.com/office/drawing/2010/main" val="0"/>
+                </a:ext>
+              </a:extLst>
+            </a:blip>
+            <a:srcRect r="57096"/>
+            <a:stretch/>
+          </p:blipFill>
+          <p:spPr bwMode="auto">
+            <a:xfrm>
+              <a:off x="4540827" y="346880"/>
+              <a:ext cx="2451960" cy="1190625"/>
+            </a:xfrm>
+            <a:prstGeom prst="rect">
+              <a:avLst/>
+            </a:prstGeom>
+            <a:noFill/>
+            <a:extLst>
+              <a:ext uri="{909E8E84-426E-40DD-AFC4-6F175D3DCCD1}">
+                <a14:hiddenFill xmlns:a14="http://schemas.microsoft.com/office/drawing/2010/main">
+                  <a:solidFill>
+                    <a:srgbClr val="FFFFFF"/>
+                  </a:solidFill>
+                </a14:hiddenFill>
+              </a:ext>
+            </a:extLst>
+          </p:spPr>
+        </p:pic>
+        <p:pic>
+          <p:nvPicPr>
+            <p:cNvPr id="15" name="Picture 6" descr="Logo">
+              <a:extLst>
+                <a:ext uri="{FF2B5EF4-FFF2-40B4-BE49-F238E27FC236}">
+                  <a16:creationId xmlns:a16="http://schemas.microsoft.com/office/drawing/2014/main" id="{E78BA7F2-DF8A-4EE8-994C-2E1A288035B9}"/>
+                </a:ext>
+              </a:extLst>
+            </p:cNvPr>
+            <p:cNvPicPr>
+              <a:picLocks noChangeAspect="1" noChangeArrowheads="1"/>
+            </p:cNvPicPr>
+            <p:nvPr/>
+          </p:nvPicPr>
+          <p:blipFill rotWithShape="1">
+            <a:blip r:embed="rId7">
+              <a:extLst>
+                <a:ext uri="{28A0092B-C50C-407E-A947-70E740481C1C}">
+                  <a14:useLocalDpi xmlns:a14="http://schemas.microsoft.com/office/drawing/2010/main" val="0"/>
+                </a:ext>
+              </a:extLst>
+            </a:blip>
+            <a:srcRect l="42086"/>
+            <a:stretch/>
+          </p:blipFill>
+          <p:spPr bwMode="auto">
+            <a:xfrm>
+              <a:off x="4670134" y="1317569"/>
+              <a:ext cx="2283612" cy="821478"/>
+            </a:xfrm>
+            <a:prstGeom prst="rect">
+              <a:avLst/>
+            </a:prstGeom>
+            <a:noFill/>
+            <a:extLst>
+              <a:ext uri="{909E8E84-426E-40DD-AFC4-6F175D3DCCD1}">
+                <a14:hiddenFill xmlns:a14="http://schemas.microsoft.com/office/drawing/2010/main">
+                  <a:solidFill>
+                    <a:srgbClr val="FFFFFF"/>
+                  </a:solidFill>
+                </a14:hiddenFill>
+              </a:ext>
+            </a:extLst>
+          </p:spPr>
+        </p:pic>
+      </p:grpSp>
     </p:spTree>
     <p:extLst>
       <p:ext uri="{BB962C8B-B14F-4D97-AF65-F5344CB8AC3E}">
@@ -9715,7 +15831,74 @@
                 </a:solidFill>
                 <a:latin typeface="+mj-lt"/>
               </a:rPr>
-              <a:t>Web App</a:t>
+              <a:t>Data Analysis</a:t>
+            </a:r>
+          </a:p>
+        </p:txBody>
+      </p:sp>
+      <p:sp>
+        <p:nvSpPr>
+          <p:cNvPr id="3" name="TextBox 2">
+            <a:extLst>
+              <a:ext uri="{FF2B5EF4-FFF2-40B4-BE49-F238E27FC236}">
+                <a16:creationId xmlns:a16="http://schemas.microsoft.com/office/drawing/2014/main" id="{5CDA026E-6567-4215-B7D3-FE89F9C847A3}"/>
+              </a:ext>
+            </a:extLst>
+          </p:cNvPr>
+          <p:cNvSpPr txBox="1"/>
+          <p:nvPr/>
+        </p:nvSpPr>
+        <p:spPr>
+          <a:xfrm>
+            <a:off x="738168" y="2296882"/>
+            <a:ext cx="10737552" cy="2554545"/>
+          </a:xfrm>
+          <a:prstGeom prst="rect">
+            <a:avLst/>
+          </a:prstGeom>
+          <a:noFill/>
+        </p:spPr>
+        <p:txBody>
+          <a:bodyPr wrap="square" rtlCol="0">
+            <a:spAutoFit/>
+          </a:bodyPr>
+          <a:lstStyle/>
+          <a:p>
+            <a:r>
+              <a:rPr lang="en-US" sz="3200" u="sng" dirty="0">
+                <a:solidFill>
+                  <a:srgbClr val="404040"/>
+                </a:solidFill>
+              </a:rPr>
+              <a:t>Investigative Themes</a:t>
+            </a:r>
+          </a:p>
+          <a:p>
+            <a:pPr marL="285750" indent="-285750">
+              <a:buFont typeface="Arial" panose="020B0604020202020204" pitchFamily="34" charset="0"/>
+              <a:buChar char="•"/>
+            </a:pPr>
+            <a:r>
+              <a:rPr lang="en-US" sz="3200" dirty="0">
+                <a:solidFill>
+                  <a:srgbClr val="404040"/>
+                </a:solidFill>
+              </a:rPr>
+              <a:t>Which attributes of tutors and schools relate to our many success metrics?</a:t>
+            </a:r>
+          </a:p>
+          <a:p>
+            <a:pPr marL="285750" indent="-285750">
+              <a:buFont typeface="Arial" panose="020B0604020202020204" pitchFamily="34" charset="0"/>
+              <a:buChar char="•"/>
+            </a:pPr>
+            <a:r>
+              <a:rPr lang="en-US" sz="3200" dirty="0">
+                <a:solidFill>
+                  <a:srgbClr val="404040"/>
+                </a:solidFill>
+              </a:rPr>
+              <a:t>How can we better model program implementation to set realistic expectations and inform actionable intervention</a:t>
             </a:r>
           </a:p>
         </p:txBody>
@@ -9723,7 +15906,393 @@
     </p:spTree>
     <p:extLst>
       <p:ext uri="{BB962C8B-B14F-4D97-AF65-F5344CB8AC3E}">
-        <p14:creationId xmlns:p14="http://schemas.microsoft.com/office/powerpoint/2010/main" val="3523406383"/>
+        <p14:creationId xmlns:p14="http://schemas.microsoft.com/office/powerpoint/2010/main" val="1220724579"/>
+      </p:ext>
+    </p:extLst>
+  </p:cSld>
+  <p:clrMapOvr>
+    <a:masterClrMapping/>
+  </p:clrMapOvr>
+</p:sld>
+</file>
+
+<file path=ppt/slides/slide9.xml><?xml version="1.0" encoding="utf-8"?>
+<p:sld xmlns:a="http://schemas.openxmlformats.org/drawingml/2006/main" xmlns:r="http://schemas.openxmlformats.org/officeDocument/2006/relationships" xmlns:p="http://schemas.openxmlformats.org/presentationml/2006/main">
+  <p:cSld>
+    <p:spTree>
+      <p:nvGrpSpPr>
+        <p:cNvPr id="1" name=""/>
+        <p:cNvGrpSpPr/>
+        <p:nvPr/>
+      </p:nvGrpSpPr>
+      <p:grpSpPr>
+        <a:xfrm>
+          <a:off x="0" y="0"/>
+          <a:ext cx="0" cy="0"/>
+          <a:chOff x="0" y="0"/>
+          <a:chExt cx="0" cy="0"/>
+        </a:xfrm>
+      </p:grpSpPr>
+      <p:sp>
+        <p:nvSpPr>
+          <p:cNvPr id="29" name="Rectangle 28">
+            <a:extLst>
+              <a:ext uri="{FF2B5EF4-FFF2-40B4-BE49-F238E27FC236}">
+                <a16:creationId xmlns:a16="http://schemas.microsoft.com/office/drawing/2014/main" id="{3A6EED04-84B6-4C41-88FB-B2A903AA4914}"/>
+              </a:ext>
+            </a:extLst>
+          </p:cNvPr>
+          <p:cNvSpPr/>
+          <p:nvPr/>
+        </p:nvSpPr>
+        <p:spPr>
+          <a:xfrm>
+            <a:off x="0" y="0"/>
+            <a:ext cx="12192000" cy="1809135"/>
+          </a:xfrm>
+          <a:prstGeom prst="rect">
+            <a:avLst/>
+          </a:prstGeom>
+          <a:solidFill>
+            <a:srgbClr val="404040"/>
+          </a:solidFill>
+          <a:ln>
+            <a:solidFill>
+              <a:srgbClr val="404040"/>
+            </a:solidFill>
+          </a:ln>
+        </p:spPr>
+        <p:style>
+          <a:lnRef idx="2">
+            <a:schemeClr val="accent1">
+              <a:shade val="50000"/>
+            </a:schemeClr>
+          </a:lnRef>
+          <a:fillRef idx="1">
+            <a:schemeClr val="accent1"/>
+          </a:fillRef>
+          <a:effectRef idx="0">
+            <a:schemeClr val="accent1"/>
+          </a:effectRef>
+          <a:fontRef idx="minor">
+            <a:schemeClr val="lt1"/>
+          </a:fontRef>
+        </p:style>
+        <p:txBody>
+          <a:bodyPr rtlCol="0" anchor="ctr"/>
+          <a:lstStyle/>
+          <a:p>
+            <a:pPr algn="ctr"/>
+            <a:endParaRPr lang="en-US" dirty="0"/>
+          </a:p>
+        </p:txBody>
+      </p:sp>
+      <p:sp>
+        <p:nvSpPr>
+          <p:cNvPr id="8" name="TextBox 7">
+            <a:extLst>
+              <a:ext uri="{FF2B5EF4-FFF2-40B4-BE49-F238E27FC236}">
+                <a16:creationId xmlns:a16="http://schemas.microsoft.com/office/drawing/2014/main" id="{F3A98BF4-466C-43BA-A663-15CFFE076340}"/>
+              </a:ext>
+            </a:extLst>
+          </p:cNvPr>
+          <p:cNvSpPr txBox="1"/>
+          <p:nvPr/>
+        </p:nvSpPr>
+        <p:spPr>
+          <a:xfrm>
+            <a:off x="738168" y="519846"/>
+            <a:ext cx="7412774" cy="769441"/>
+          </a:xfrm>
+          <a:prstGeom prst="rect">
+            <a:avLst/>
+          </a:prstGeom>
+          <a:noFill/>
+        </p:spPr>
+        <p:txBody>
+          <a:bodyPr wrap="square" rtlCol="0">
+            <a:spAutoFit/>
+          </a:bodyPr>
+          <a:lstStyle/>
+          <a:p>
+            <a:r>
+              <a:rPr lang="en-US" sz="4400" dirty="0">
+                <a:solidFill>
+                  <a:schemeClr val="bg1"/>
+                </a:solidFill>
+                <a:latin typeface="+mj-lt"/>
+              </a:rPr>
+              <a:t>Data Analysis</a:t>
+            </a:r>
+          </a:p>
+        </p:txBody>
+      </p:sp>
+      <p:pic>
+        <p:nvPicPr>
+          <p:cNvPr id="4" name="Picture 3">
+            <a:extLst>
+              <a:ext uri="{FF2B5EF4-FFF2-40B4-BE49-F238E27FC236}">
+                <a16:creationId xmlns:a16="http://schemas.microsoft.com/office/drawing/2014/main" id="{7F09085F-8522-4094-8B44-E337797F63C0}"/>
+              </a:ext>
+            </a:extLst>
+          </p:cNvPr>
+          <p:cNvPicPr>
+            <a:picLocks noChangeAspect="1"/>
+          </p:cNvPicPr>
+          <p:nvPr/>
+        </p:nvPicPr>
+        <p:blipFill rotWithShape="1">
+          <a:blip r:embed="rId3">
+            <a:extLst>
+              <a:ext uri="{28A0092B-C50C-407E-A947-70E740481C1C}">
+                <a14:useLocalDpi xmlns:a14="http://schemas.microsoft.com/office/drawing/2010/main" val="0"/>
+              </a:ext>
+            </a:extLst>
+          </a:blip>
+          <a:srcRect l="1136" b="4515"/>
+          <a:stretch/>
+        </p:blipFill>
+        <p:spPr>
+          <a:xfrm>
+            <a:off x="83128" y="3030347"/>
+            <a:ext cx="12053455" cy="2299038"/>
+          </a:xfrm>
+          <a:prstGeom prst="rect">
+            <a:avLst/>
+          </a:prstGeom>
+        </p:spPr>
+      </p:pic>
+      <p:sp>
+        <p:nvSpPr>
+          <p:cNvPr id="6" name="TextBox 5">
+            <a:extLst>
+              <a:ext uri="{FF2B5EF4-FFF2-40B4-BE49-F238E27FC236}">
+                <a16:creationId xmlns:a16="http://schemas.microsoft.com/office/drawing/2014/main" id="{AC17D07B-9B93-484A-ABEB-14339AD4F0E3}"/>
+              </a:ext>
+            </a:extLst>
+          </p:cNvPr>
+          <p:cNvSpPr txBox="1"/>
+          <p:nvPr/>
+        </p:nvSpPr>
+        <p:spPr>
+          <a:xfrm>
+            <a:off x="184729" y="5357098"/>
+            <a:ext cx="2272145" cy="369332"/>
+          </a:xfrm>
+          <a:prstGeom prst="rect">
+            <a:avLst/>
+          </a:prstGeom>
+          <a:noFill/>
+        </p:spPr>
+        <p:txBody>
+          <a:bodyPr wrap="square" rtlCol="0">
+            <a:spAutoFit/>
+          </a:bodyPr>
+          <a:lstStyle/>
+          <a:p>
+            <a:pPr algn="ctr"/>
+            <a:r>
+              <a:rPr lang="en-US" dirty="0">
+                <a:latin typeface="+mj-lt"/>
+              </a:rPr>
+              <a:t>Planning</a:t>
+            </a:r>
+          </a:p>
+        </p:txBody>
+      </p:sp>
+      <p:sp>
+        <p:nvSpPr>
+          <p:cNvPr id="11" name="TextBox 10">
+            <a:extLst>
+              <a:ext uri="{FF2B5EF4-FFF2-40B4-BE49-F238E27FC236}">
+                <a16:creationId xmlns:a16="http://schemas.microsoft.com/office/drawing/2014/main" id="{389D3E4C-8F24-4C74-BE66-4F367B0202B9}"/>
+              </a:ext>
+            </a:extLst>
+          </p:cNvPr>
+          <p:cNvSpPr txBox="1"/>
+          <p:nvPr/>
+        </p:nvSpPr>
+        <p:spPr>
+          <a:xfrm>
+            <a:off x="2590802" y="5357098"/>
+            <a:ext cx="2272145" cy="369332"/>
+          </a:xfrm>
+          <a:prstGeom prst="rect">
+            <a:avLst/>
+          </a:prstGeom>
+          <a:noFill/>
+        </p:spPr>
+        <p:txBody>
+          <a:bodyPr wrap="square" rtlCol="0">
+            <a:spAutoFit/>
+          </a:bodyPr>
+          <a:lstStyle/>
+          <a:p>
+            <a:pPr algn="ctr"/>
+            <a:r>
+              <a:rPr lang="en-US" dirty="0">
+                <a:latin typeface="+mj-lt"/>
+              </a:rPr>
+              <a:t>Tutoring Strategy</a:t>
+            </a:r>
+          </a:p>
+        </p:txBody>
+      </p:sp>
+      <p:sp>
+        <p:nvSpPr>
+          <p:cNvPr id="12" name="TextBox 11">
+            <a:extLst>
+              <a:ext uri="{FF2B5EF4-FFF2-40B4-BE49-F238E27FC236}">
+                <a16:creationId xmlns:a16="http://schemas.microsoft.com/office/drawing/2014/main" id="{B3A348BF-CE04-4EAD-AD48-1BBE096A2852}"/>
+              </a:ext>
+            </a:extLst>
+          </p:cNvPr>
+          <p:cNvSpPr txBox="1"/>
+          <p:nvPr/>
+        </p:nvSpPr>
+        <p:spPr>
+          <a:xfrm>
+            <a:off x="4996875" y="5357098"/>
+            <a:ext cx="2274009" cy="369332"/>
+          </a:xfrm>
+          <a:prstGeom prst="rect">
+            <a:avLst/>
+          </a:prstGeom>
+          <a:noFill/>
+        </p:spPr>
+        <p:txBody>
+          <a:bodyPr wrap="square" rtlCol="0">
+            <a:spAutoFit/>
+          </a:bodyPr>
+          <a:lstStyle/>
+          <a:p>
+            <a:pPr algn="ctr"/>
+            <a:r>
+              <a:rPr lang="en-US" dirty="0">
+                <a:latin typeface="+mj-lt"/>
+              </a:rPr>
+              <a:t>Student Engagement</a:t>
+            </a:r>
+          </a:p>
+        </p:txBody>
+      </p:sp>
+      <p:sp>
+        <p:nvSpPr>
+          <p:cNvPr id="13" name="TextBox 12">
+            <a:extLst>
+              <a:ext uri="{FF2B5EF4-FFF2-40B4-BE49-F238E27FC236}">
+                <a16:creationId xmlns:a16="http://schemas.microsoft.com/office/drawing/2014/main" id="{25661A74-E48E-4778-B8FA-2F65CD2272BF}"/>
+              </a:ext>
+            </a:extLst>
+          </p:cNvPr>
+          <p:cNvSpPr txBox="1"/>
+          <p:nvPr/>
+        </p:nvSpPr>
+        <p:spPr>
+          <a:xfrm>
+            <a:off x="7478703" y="5357098"/>
+            <a:ext cx="2272145" cy="369332"/>
+          </a:xfrm>
+          <a:prstGeom prst="rect">
+            <a:avLst/>
+          </a:prstGeom>
+          <a:noFill/>
+        </p:spPr>
+        <p:txBody>
+          <a:bodyPr wrap="square" rtlCol="0">
+            <a:spAutoFit/>
+          </a:bodyPr>
+          <a:lstStyle/>
+          <a:p>
+            <a:pPr algn="ctr"/>
+            <a:r>
+              <a:rPr lang="en-US" dirty="0">
+                <a:latin typeface="+mj-lt"/>
+              </a:rPr>
+              <a:t>Progress Monitoring</a:t>
+            </a:r>
+          </a:p>
+        </p:txBody>
+      </p:sp>
+      <p:sp>
+        <p:nvSpPr>
+          <p:cNvPr id="14" name="TextBox 13">
+            <a:extLst>
+              <a:ext uri="{FF2B5EF4-FFF2-40B4-BE49-F238E27FC236}">
+                <a16:creationId xmlns:a16="http://schemas.microsoft.com/office/drawing/2014/main" id="{CCF77B1B-6994-4DE3-B84F-7E3265E8294D}"/>
+              </a:ext>
+            </a:extLst>
+          </p:cNvPr>
+          <p:cNvSpPr txBox="1"/>
+          <p:nvPr/>
+        </p:nvSpPr>
+        <p:spPr>
+          <a:xfrm>
+            <a:off x="9845967" y="5357098"/>
+            <a:ext cx="2290618" cy="646331"/>
+          </a:xfrm>
+          <a:prstGeom prst="rect">
+            <a:avLst/>
+          </a:prstGeom>
+          <a:noFill/>
+        </p:spPr>
+        <p:txBody>
+          <a:bodyPr wrap="square" rtlCol="0">
+            <a:spAutoFit/>
+          </a:bodyPr>
+          <a:lstStyle/>
+          <a:p>
+            <a:pPr algn="ctr"/>
+            <a:r>
+              <a:rPr lang="en-US" dirty="0">
+                <a:latin typeface="+mj-lt"/>
+              </a:rPr>
+              <a:t>Implementation of Training</a:t>
+            </a:r>
+          </a:p>
+        </p:txBody>
+      </p:sp>
+      <p:sp>
+        <p:nvSpPr>
+          <p:cNvPr id="9" name="TextBox 8">
+            <a:extLst>
+              <a:ext uri="{FF2B5EF4-FFF2-40B4-BE49-F238E27FC236}">
+                <a16:creationId xmlns:a16="http://schemas.microsoft.com/office/drawing/2014/main" id="{2F43362B-16AC-499C-8004-05535DD8C104}"/>
+              </a:ext>
+            </a:extLst>
+          </p:cNvPr>
+          <p:cNvSpPr txBox="1"/>
+          <p:nvPr/>
+        </p:nvSpPr>
+        <p:spPr>
+          <a:xfrm>
+            <a:off x="387926" y="2127353"/>
+            <a:ext cx="11804073" cy="584775"/>
+          </a:xfrm>
+          <a:prstGeom prst="rect">
+            <a:avLst/>
+          </a:prstGeom>
+          <a:noFill/>
+        </p:spPr>
+        <p:txBody>
+          <a:bodyPr wrap="square" rtlCol="0">
+            <a:spAutoFit/>
+          </a:bodyPr>
+          <a:lstStyle/>
+          <a:p>
+            <a:r>
+              <a:rPr lang="en-US" sz="3200" dirty="0">
+                <a:latin typeface="+mj-lt"/>
+              </a:rPr>
+              <a:t>Tutoring Quality and Student Performance</a:t>
+            </a:r>
+          </a:p>
+        </p:txBody>
+      </p:sp>
+    </p:spTree>
+    <p:extLst>
+      <p:ext uri="{BB962C8B-B14F-4D97-AF65-F5344CB8AC3E}">
+        <p14:creationId xmlns:p14="http://schemas.microsoft.com/office/powerpoint/2010/main" val="2804440800"/>
       </p:ext>
     </p:extLst>
   </p:cSld>
@@ -10026,4 +16595,299 @@
     </a:ext>
   </a:extLst>
 </a:theme>
+</file>
+
+<file path=ppt/theme/theme2.xml><?xml version="1.0" encoding="utf-8"?>
+<a:theme xmlns:a="http://schemas.openxmlformats.org/drawingml/2006/main" name="Office Theme">
+  <a:themeElements>
+    <a:clrScheme name="Office">
+      <a:dk1>
+        <a:sysClr val="windowText" lastClr="000000"/>
+      </a:dk1>
+      <a:lt1>
+        <a:sysClr val="window" lastClr="FFFFFF"/>
+      </a:lt1>
+      <a:dk2>
+        <a:srgbClr val="44546A"/>
+      </a:dk2>
+      <a:lt2>
+        <a:srgbClr val="E7E6E6"/>
+      </a:lt2>
+      <a:accent1>
+        <a:srgbClr val="4472C4"/>
+      </a:accent1>
+      <a:accent2>
+        <a:srgbClr val="ED7D31"/>
+      </a:accent2>
+      <a:accent3>
+        <a:srgbClr val="A5A5A5"/>
+      </a:accent3>
+      <a:accent4>
+        <a:srgbClr val="FFC000"/>
+      </a:accent4>
+      <a:accent5>
+        <a:srgbClr val="5B9BD5"/>
+      </a:accent5>
+      <a:accent6>
+        <a:srgbClr val="70AD47"/>
+      </a:accent6>
+      <a:hlink>
+        <a:srgbClr val="0563C1"/>
+      </a:hlink>
+      <a:folHlink>
+        <a:srgbClr val="954F72"/>
+      </a:folHlink>
+    </a:clrScheme>
+    <a:fontScheme name="Office">
+      <a:majorFont>
+        <a:latin typeface="Calibri Light" panose="020F0302020204030204"/>
+        <a:ea typeface=""/>
+        <a:cs typeface=""/>
+        <a:font script="Jpan" typeface="游ゴシック Light"/>
+        <a:font script="Hang" typeface="맑은 고딕"/>
+        <a:font script="Hans" typeface="等线 Light"/>
+        <a:font script="Hant" typeface="新細明體"/>
+        <a:font script="Arab" typeface="Times New Roman"/>
+        <a:font script="Hebr" typeface="Times New Roman"/>
+        <a:font script="Thai" typeface="Angsana New"/>
+        <a:font script="Ethi" typeface="Nyala"/>
+        <a:font script="Beng" typeface="Vrinda"/>
+        <a:font script="Gujr" typeface="Shruti"/>
+        <a:font script="Khmr" typeface="MoolBoran"/>
+        <a:font script="Knda" typeface="Tunga"/>
+        <a:font script="Guru" typeface="Raavi"/>
+        <a:font script="Cans" typeface="Euphemia"/>
+        <a:font script="Cher" typeface="Plantagenet Cherokee"/>
+        <a:font script="Yiii" typeface="Microsoft Yi Baiti"/>
+        <a:font script="Tibt" typeface="Microsoft Himalaya"/>
+        <a:font script="Thaa" typeface="MV Boli"/>
+        <a:font script="Deva" typeface="Mangal"/>
+        <a:font script="Telu" typeface="Gautami"/>
+        <a:font script="Taml" typeface="Latha"/>
+        <a:font script="Syrc" typeface="Estrangelo Edessa"/>
+        <a:font script="Orya" typeface="Kalinga"/>
+        <a:font script="Mlym" typeface="Kartika"/>
+        <a:font script="Laoo" typeface="DokChampa"/>
+        <a:font script="Sinh" typeface="Iskoola Pota"/>
+        <a:font script="Mong" typeface="Mongolian Baiti"/>
+        <a:font script="Viet" typeface="Times New Roman"/>
+        <a:font script="Uigh" typeface="Microsoft Uighur"/>
+        <a:font script="Geor" typeface="Sylfaen"/>
+        <a:font script="Armn" typeface="Arial"/>
+        <a:font script="Bugi" typeface="Leelawadee UI"/>
+        <a:font script="Bopo" typeface="Microsoft JhengHei"/>
+        <a:font script="Java" typeface="Javanese Text"/>
+        <a:font script="Lisu" typeface="Segoe UI"/>
+        <a:font script="Mymr" typeface="Myanmar Text"/>
+        <a:font script="Nkoo" typeface="Ebrima"/>
+        <a:font script="Olck" typeface="Nirmala UI"/>
+        <a:font script="Osma" typeface="Ebrima"/>
+        <a:font script="Phag" typeface="Phagspa"/>
+        <a:font script="Syrn" typeface="Estrangelo Edessa"/>
+        <a:font script="Syrj" typeface="Estrangelo Edessa"/>
+        <a:font script="Syre" typeface="Estrangelo Edessa"/>
+        <a:font script="Sora" typeface="Nirmala UI"/>
+        <a:font script="Tale" typeface="Microsoft Tai Le"/>
+        <a:font script="Talu" typeface="Microsoft New Tai Lue"/>
+        <a:font script="Tfng" typeface="Ebrima"/>
+      </a:majorFont>
+      <a:minorFont>
+        <a:latin typeface="Calibri" panose="020F0502020204030204"/>
+        <a:ea typeface=""/>
+        <a:cs typeface=""/>
+        <a:font script="Jpan" typeface="游ゴシック"/>
+        <a:font script="Hang" typeface="맑은 고딕"/>
+        <a:font script="Hans" typeface="等线"/>
+        <a:font script="Hant" typeface="新細明體"/>
+        <a:font script="Arab" typeface="Arial"/>
+        <a:font script="Hebr" typeface="Arial"/>
+        <a:font script="Thai" typeface="Cordia New"/>
+        <a:font script="Ethi" typeface="Nyala"/>
+        <a:font script="Beng" typeface="Vrinda"/>
+        <a:font script="Gujr" typeface="Shruti"/>
+        <a:font script="Khmr" typeface="DaunPenh"/>
+        <a:font script="Knda" typeface="Tunga"/>
+        <a:font script="Guru" typeface="Raavi"/>
+        <a:font script="Cans" typeface="Euphemia"/>
+        <a:font script="Cher" typeface="Plantagenet Cherokee"/>
+        <a:font script="Yiii" typeface="Microsoft Yi Baiti"/>
+        <a:font script="Tibt" typeface="Microsoft Himalaya"/>
+        <a:font script="Thaa" typeface="MV Boli"/>
+        <a:font script="Deva" typeface="Mangal"/>
+        <a:font script="Telu" typeface="Gautami"/>
+        <a:font script="Taml" typeface="Latha"/>
+        <a:font script="Syrc" typeface="Estrangelo Edessa"/>
+        <a:font script="Orya" typeface="Kalinga"/>
+        <a:font script="Mlym" typeface="Kartika"/>
+        <a:font script="Laoo" typeface="DokChampa"/>
+        <a:font script="Sinh" typeface="Iskoola Pota"/>
+        <a:font script="Mong" typeface="Mongolian Baiti"/>
+        <a:font script="Viet" typeface="Arial"/>
+        <a:font script="Uigh" typeface="Microsoft Uighur"/>
+        <a:font script="Geor" typeface="Sylfaen"/>
+        <a:font script="Armn" typeface="Arial"/>
+        <a:font script="Bugi" typeface="Leelawadee UI"/>
+        <a:font script="Bopo" typeface="Microsoft JhengHei"/>
+        <a:font script="Java" typeface="Javanese Text"/>
+        <a:font script="Lisu" typeface="Segoe UI"/>
+        <a:font script="Mymr" typeface="Myanmar Text"/>
+        <a:font script="Nkoo" typeface="Ebrima"/>
+        <a:font script="Olck" typeface="Nirmala UI"/>
+        <a:font script="Osma" typeface="Ebrima"/>
+        <a:font script="Phag" typeface="Phagspa"/>
+        <a:font script="Syrn" typeface="Estrangelo Edessa"/>
+        <a:font script="Syrj" typeface="Estrangelo Edessa"/>
+        <a:font script="Syre" typeface="Estrangelo Edessa"/>
+        <a:font script="Sora" typeface="Nirmala UI"/>
+        <a:font script="Tale" typeface="Microsoft Tai Le"/>
+        <a:font script="Talu" typeface="Microsoft New Tai Lue"/>
+        <a:font script="Tfng" typeface="Ebrima"/>
+      </a:minorFont>
+    </a:fontScheme>
+    <a:fmtScheme name="Office">
+      <a:fillStyleLst>
+        <a:solidFill>
+          <a:schemeClr val="phClr"/>
+        </a:solidFill>
+        <a:gradFill rotWithShape="1">
+          <a:gsLst>
+            <a:gs pos="0">
+              <a:schemeClr val="phClr">
+                <a:lumMod val="110000"/>
+                <a:satMod val="105000"/>
+                <a:tint val="67000"/>
+              </a:schemeClr>
+            </a:gs>
+            <a:gs pos="50000">
+              <a:schemeClr val="phClr">
+                <a:lumMod val="105000"/>
+                <a:satMod val="103000"/>
+                <a:tint val="73000"/>
+              </a:schemeClr>
+            </a:gs>
+            <a:gs pos="100000">
+              <a:schemeClr val="phClr">
+                <a:lumMod val="105000"/>
+                <a:satMod val="109000"/>
+                <a:tint val="81000"/>
+              </a:schemeClr>
+            </a:gs>
+          </a:gsLst>
+          <a:lin ang="5400000" scaled="0"/>
+        </a:gradFill>
+        <a:gradFill rotWithShape="1">
+          <a:gsLst>
+            <a:gs pos="0">
+              <a:schemeClr val="phClr">
+                <a:satMod val="103000"/>
+                <a:lumMod val="102000"/>
+                <a:tint val="94000"/>
+              </a:schemeClr>
+            </a:gs>
+            <a:gs pos="50000">
+              <a:schemeClr val="phClr">
+                <a:satMod val="110000"/>
+                <a:lumMod val="100000"/>
+                <a:shade val="100000"/>
+              </a:schemeClr>
+            </a:gs>
+            <a:gs pos="100000">
+              <a:schemeClr val="phClr">
+                <a:lumMod val="99000"/>
+                <a:satMod val="120000"/>
+                <a:shade val="78000"/>
+              </a:schemeClr>
+            </a:gs>
+          </a:gsLst>
+          <a:lin ang="5400000" scaled="0"/>
+        </a:gradFill>
+      </a:fillStyleLst>
+      <a:lnStyleLst>
+        <a:ln w="6350" cap="flat" cmpd="sng" algn="ctr">
+          <a:solidFill>
+            <a:schemeClr val="phClr"/>
+          </a:solidFill>
+          <a:prstDash val="solid"/>
+          <a:miter lim="800000"/>
+        </a:ln>
+        <a:ln w="12700" cap="flat" cmpd="sng" algn="ctr">
+          <a:solidFill>
+            <a:schemeClr val="phClr"/>
+          </a:solidFill>
+          <a:prstDash val="solid"/>
+          <a:miter lim="800000"/>
+        </a:ln>
+        <a:ln w="19050" cap="flat" cmpd="sng" algn="ctr">
+          <a:solidFill>
+            <a:schemeClr val="phClr"/>
+          </a:solidFill>
+          <a:prstDash val="solid"/>
+          <a:miter lim="800000"/>
+        </a:ln>
+      </a:lnStyleLst>
+      <a:effectStyleLst>
+        <a:effectStyle>
+          <a:effectLst/>
+        </a:effectStyle>
+        <a:effectStyle>
+          <a:effectLst/>
+        </a:effectStyle>
+        <a:effectStyle>
+          <a:effectLst>
+            <a:outerShdw blurRad="57150" dist="19050" dir="5400000" algn="ctr" rotWithShape="0">
+              <a:srgbClr val="000000">
+                <a:alpha val="63000"/>
+              </a:srgbClr>
+            </a:outerShdw>
+          </a:effectLst>
+        </a:effectStyle>
+      </a:effectStyleLst>
+      <a:bgFillStyleLst>
+        <a:solidFill>
+          <a:schemeClr val="phClr"/>
+        </a:solidFill>
+        <a:solidFill>
+          <a:schemeClr val="phClr">
+            <a:tint val="95000"/>
+            <a:satMod val="170000"/>
+          </a:schemeClr>
+        </a:solidFill>
+        <a:gradFill rotWithShape="1">
+          <a:gsLst>
+            <a:gs pos="0">
+              <a:schemeClr val="phClr">
+                <a:tint val="93000"/>
+                <a:satMod val="150000"/>
+                <a:shade val="98000"/>
+                <a:lumMod val="102000"/>
+              </a:schemeClr>
+            </a:gs>
+            <a:gs pos="50000">
+              <a:schemeClr val="phClr">
+                <a:tint val="98000"/>
+                <a:satMod val="130000"/>
+                <a:shade val="90000"/>
+                <a:lumMod val="103000"/>
+              </a:schemeClr>
+            </a:gs>
+            <a:gs pos="100000">
+              <a:schemeClr val="phClr">
+                <a:shade val="63000"/>
+                <a:satMod val="120000"/>
+              </a:schemeClr>
+            </a:gs>
+          </a:gsLst>
+          <a:lin ang="5400000" scaled="0"/>
+        </a:gradFill>
+      </a:bgFillStyleLst>
+    </a:fmtScheme>
+  </a:themeElements>
+  <a:objectDefaults/>
+  <a:extraClrSchemeLst/>
+  <a:extLst>
+    <a:ext uri="{05A4C25C-085E-4340-85A3-A5531E510DB2}">
+      <thm15:themeFamily xmlns:thm15="http://schemas.microsoft.com/office/thememl/2012/main" name="Office Theme" id="{62F939B6-93AF-4DB8-9C6B-D6C7DFDC589F}" vid="{4A3C46E8-61CC-4603-A589-7422A47A8E4A}"/>
+    </a:ext>
+  </a:extLst>
+</a:theme>
 </file>
--- a/2018-06-14-ChiPy/Presentation.pptx
+++ b/2018-06-14-ChiPy/Presentation.pptx
@@ -5,28 +5,25 @@
     <p:sldMasterId id="2147483648" r:id="rId1"/>
   </p:sldMasterIdLst>
   <p:notesMasterIdLst>
-    <p:notesMasterId r:id="rId18"/>
+    <p:notesMasterId r:id="rId15"/>
   </p:notesMasterIdLst>
   <p:sldIdLst>
     <p:sldId id="256" r:id="rId2"/>
     <p:sldId id="257" r:id="rId3"/>
     <p:sldId id="259" r:id="rId4"/>
-    <p:sldId id="258" r:id="rId5"/>
-    <p:sldId id="261" r:id="rId6"/>
-    <p:sldId id="260" r:id="rId7"/>
-    <p:sldId id="262" r:id="rId8"/>
-    <p:sldId id="269" r:id="rId9"/>
-    <p:sldId id="266" r:id="rId10"/>
-    <p:sldId id="267" r:id="rId11"/>
-    <p:sldId id="265" r:id="rId12"/>
-    <p:sldId id="273" r:id="rId13"/>
-    <p:sldId id="263" r:id="rId14"/>
-    <p:sldId id="270" r:id="rId15"/>
-    <p:sldId id="274" r:id="rId16"/>
-    <p:sldId id="272" r:id="rId17"/>
+    <p:sldId id="261" r:id="rId5"/>
+    <p:sldId id="260" r:id="rId6"/>
+    <p:sldId id="262" r:id="rId7"/>
+    <p:sldId id="269" r:id="rId8"/>
+    <p:sldId id="266" r:id="rId9"/>
+    <p:sldId id="273" r:id="rId10"/>
+    <p:sldId id="263" r:id="rId11"/>
+    <p:sldId id="270" r:id="rId12"/>
+    <p:sldId id="274" r:id="rId13"/>
+    <p:sldId id="272" r:id="rId14"/>
   </p:sldIdLst>
   <p:sldSz cx="12192000" cy="6858000"/>
-  <p:notesSz cx="6858000" cy="9144000"/>
+  <p:notesSz cx="9144000" cy="6858000"/>
   <p:defaultTextStyle>
     <a:defPPr>
       <a:defRPr lang="en-US"/>
@@ -1916,7 +1913,7 @@
   <dgm:whole/>
   <dgm:extLst>
     <a:ext uri="http://schemas.microsoft.com/office/drawing/2008/diagram">
-      <dsp:dataModelExt xmlns:dsp="http://schemas.microsoft.com/office/drawing/2008/diagram" relId="rId7" minVer="http://schemas.openxmlformats.org/drawingml/2006/diagram"/>
+      <dsp:dataModelExt xmlns:dsp="http://schemas.microsoft.com/office/drawing/2008/diagram" relId="rId8" minVer="http://schemas.openxmlformats.org/drawingml/2006/diagram"/>
     </a:ext>
   </dgm:extLst>
 </dgm:dataModel>
@@ -2199,7 +2196,7 @@
   <dgm:whole/>
   <dgm:extLst>
     <a:ext uri="http://schemas.microsoft.com/office/drawing/2008/diagram">
-      <dsp:dataModelExt xmlns:dsp="http://schemas.microsoft.com/office/drawing/2008/diagram" relId="rId6" minVer="http://schemas.openxmlformats.org/drawingml/2006/diagram"/>
+      <dsp:dataModelExt xmlns:dsp="http://schemas.microsoft.com/office/drawing/2008/diagram" relId="rId7" minVer="http://schemas.openxmlformats.org/drawingml/2006/diagram"/>
     </a:ext>
   </dgm:extLst>
 </dgm:dataModel>
@@ -6413,7 +6410,7 @@
         <p:spPr>
           <a:xfrm>
             <a:off x="0" y="0"/>
-            <a:ext cx="2971800" cy="458788"/>
+            <a:ext cx="3962400" cy="344091"/>
           </a:xfrm>
           <a:prstGeom prst="rect">
             <a:avLst/>
@@ -6443,8 +6440,8 @@
         </p:nvSpPr>
         <p:spPr>
           <a:xfrm>
-            <a:off x="3884613" y="0"/>
-            <a:ext cx="2971800" cy="458788"/>
+            <a:off x="5179484" y="0"/>
+            <a:ext cx="3962400" cy="344091"/>
           </a:xfrm>
           <a:prstGeom prst="rect">
             <a:avLst/>
@@ -6460,7 +6457,7 @@
           <a:p>
             <a:fld id="{8F51CBC3-C0B7-4EA1-B810-2B3BBDE8021F}" type="datetimeFigureOut">
               <a:rPr lang="en-US" smtClean="0"/>
-              <a:t>6/10/2018</a:t>
+              <a:t>6/12/2018</a:t>
             </a:fld>
             <a:endParaRPr lang="en-US"/>
           </a:p>
@@ -6478,8 +6475,8 @@
         </p:nvSpPr>
         <p:spPr>
           <a:xfrm>
-            <a:off x="685800" y="1143000"/>
-            <a:ext cx="5486400" cy="3086100"/>
+            <a:off x="2514600" y="857250"/>
+            <a:ext cx="4114800" cy="2314575"/>
           </a:xfrm>
           <a:prstGeom prst="rect">
             <a:avLst/>
@@ -6511,8 +6508,8 @@
         </p:nvSpPr>
         <p:spPr>
           <a:xfrm>
-            <a:off x="685800" y="4400550"/>
-            <a:ext cx="5486400" cy="3600450"/>
+            <a:off x="914400" y="3300412"/>
+            <a:ext cx="7315200" cy="2700338"/>
           </a:xfrm>
           <a:prstGeom prst="rect">
             <a:avLst/>
@@ -6570,8 +6567,8 @@
         </p:nvSpPr>
         <p:spPr>
           <a:xfrm>
-            <a:off x="0" y="8685213"/>
-            <a:ext cx="2971800" cy="458787"/>
+            <a:off x="0" y="6513910"/>
+            <a:ext cx="3962400" cy="344090"/>
           </a:xfrm>
           <a:prstGeom prst="rect">
             <a:avLst/>
@@ -6601,8 +6598,8 @@
         </p:nvSpPr>
         <p:spPr>
           <a:xfrm>
-            <a:off x="3884613" y="8685213"/>
-            <a:ext cx="2971800" cy="458787"/>
+            <a:off x="5179484" y="6513910"/>
+            <a:ext cx="3962400" cy="344090"/>
           </a:xfrm>
           <a:prstGeom prst="rect">
             <a:avLst/>
@@ -6771,7 +6768,7 @@
           <a:bodyPr/>
           <a:lstStyle/>
           <a:p>
-            <a:endParaRPr lang="en-US" dirty="0"/>
+            <a:endParaRPr lang="en-US"/>
           </a:p>
         </p:txBody>
       </p:sp>
@@ -6792,7 +6789,1222 @@
           <a:p>
             <a:fld id="{2A022E2E-B9C5-4DDF-9464-9A4F038075AD}" type="slidenum">
               <a:rPr lang="en-US" smtClean="0"/>
-              <a:t>9</a:t>
+              <a:t>1</a:t>
+            </a:fld>
+            <a:endParaRPr lang="en-US"/>
+          </a:p>
+        </p:txBody>
+      </p:sp>
+    </p:spTree>
+    <p:extLst>
+      <p:ext uri="{BB962C8B-B14F-4D97-AF65-F5344CB8AC3E}">
+        <p14:creationId xmlns:p14="http://schemas.microsoft.com/office/powerpoint/2010/main" val="1799274457"/>
+      </p:ext>
+    </p:extLst>
+  </p:cSld>
+  <p:clrMapOvr>
+    <a:masterClrMapping/>
+  </p:clrMapOvr>
+</p:notes>
+</file>
+
+<file path=ppt/notesSlides/notesSlide10.xml><?xml version="1.0" encoding="utf-8"?>
+<p:notes xmlns:a="http://schemas.openxmlformats.org/drawingml/2006/main" xmlns:r="http://schemas.openxmlformats.org/officeDocument/2006/relationships" xmlns:p="http://schemas.openxmlformats.org/presentationml/2006/main">
+  <p:cSld>
+    <p:spTree>
+      <p:nvGrpSpPr>
+        <p:cNvPr id="1" name=""/>
+        <p:cNvGrpSpPr/>
+        <p:nvPr/>
+      </p:nvGrpSpPr>
+      <p:grpSpPr>
+        <a:xfrm>
+          <a:off x="0" y="0"/>
+          <a:ext cx="0" cy="0"/>
+          <a:chOff x="0" y="0"/>
+          <a:chExt cx="0" cy="0"/>
+        </a:xfrm>
+      </p:grpSpPr>
+      <p:sp>
+        <p:nvSpPr>
+          <p:cNvPr id="2" name="Slide Image Placeholder 1"/>
+          <p:cNvSpPr>
+            <a:spLocks noGrp="1" noRot="1" noChangeAspect="1"/>
+          </p:cNvSpPr>
+          <p:nvPr>
+            <p:ph type="sldImg"/>
+          </p:nvPr>
+        </p:nvSpPr>
+        <p:spPr/>
+      </p:sp>
+      <p:sp>
+        <p:nvSpPr>
+          <p:cNvPr id="3" name="Notes Placeholder 2"/>
+          <p:cNvSpPr>
+            <a:spLocks noGrp="1"/>
+          </p:cNvSpPr>
+          <p:nvPr>
+            <p:ph type="body" idx="1"/>
+          </p:nvPr>
+        </p:nvSpPr>
+        <p:spPr/>
+        <p:txBody>
+          <a:bodyPr/>
+          <a:lstStyle/>
+          <a:p>
+            <a:pPr marL="171450" indent="-171450">
+              <a:buFont typeface="Arial" panose="020B0604020202020204" pitchFamily="34" charset="0"/>
+              <a:buChar char="•"/>
+            </a:pPr>
+            <a:r>
+              <a:rPr lang="en-US" dirty="0"/>
+              <a:t>With the remainder of my mentorship I built a </a:t>
+            </a:r>
+            <a:r>
+              <a:rPr lang="en-US" dirty="0" err="1"/>
+              <a:t>webapp</a:t>
+            </a:r>
+            <a:r>
+              <a:rPr lang="en-US" dirty="0"/>
+              <a:t> to serve one of our most impactful data products</a:t>
+            </a:r>
+          </a:p>
+          <a:p>
+            <a:pPr marL="171450" indent="-171450">
+              <a:buFont typeface="Arial" panose="020B0604020202020204" pitchFamily="34" charset="0"/>
+              <a:buChar char="•"/>
+            </a:pPr>
+            <a:r>
+              <a:rPr lang="en-US" dirty="0"/>
+              <a:t>In the last year and a half I wrote an R-based algorithm to place tutors into schools based on diversity, commuting, and language speaking ability</a:t>
+            </a:r>
+          </a:p>
+          <a:p>
+            <a:pPr marL="171450" indent="-171450">
+              <a:buFont typeface="Arial" panose="020B0604020202020204" pitchFamily="34" charset="0"/>
+              <a:buChar char="•"/>
+            </a:pPr>
+            <a:r>
+              <a:rPr lang="en-US" sz="1200" b="0" i="0" kern="1200" dirty="0">
+                <a:solidFill>
+                  <a:schemeClr val="tx1"/>
+                </a:solidFill>
+                <a:effectLst/>
+                <a:latin typeface="+mn-lt"/>
+                <a:ea typeface="+mn-ea"/>
+                <a:cs typeface="+mn-cs"/>
+              </a:rPr>
+              <a:t>Without this tool, 30% of tutors commuted 60 mins or more one way. That number is just 10% this year</a:t>
+            </a:r>
+          </a:p>
+          <a:p>
+            <a:pPr marL="171450" indent="-171450">
+              <a:buFont typeface="Arial" panose="020B0604020202020204" pitchFamily="34" charset="0"/>
+              <a:buChar char="•"/>
+            </a:pPr>
+            <a:r>
+              <a:rPr lang="en-US" sz="1200" b="0" i="0" kern="1200" dirty="0">
+                <a:solidFill>
+                  <a:schemeClr val="tx1"/>
+                </a:solidFill>
+                <a:effectLst/>
+                <a:latin typeface="+mn-lt"/>
+                <a:ea typeface="+mn-ea"/>
+                <a:cs typeface="+mn-cs"/>
+              </a:rPr>
+              <a:t>In other words the average tutor commutes 90 hours less this year because of this tool</a:t>
+            </a:r>
+            <a:endParaRPr lang="en-US" dirty="0"/>
+          </a:p>
+          <a:p>
+            <a:pPr marL="171450" indent="-171450">
+              <a:buFont typeface="Arial" panose="020B0604020202020204" pitchFamily="34" charset="0"/>
+              <a:buChar char="•"/>
+            </a:pPr>
+            <a:r>
+              <a:rPr lang="en-US" dirty="0"/>
+              <a:t>However, the tool is too technical to implement in cities without analytics staff</a:t>
+            </a:r>
+          </a:p>
+        </p:txBody>
+      </p:sp>
+      <p:sp>
+        <p:nvSpPr>
+          <p:cNvPr id="4" name="Slide Number Placeholder 3"/>
+          <p:cNvSpPr>
+            <a:spLocks noGrp="1"/>
+          </p:cNvSpPr>
+          <p:nvPr>
+            <p:ph type="sldNum" sz="quarter" idx="10"/>
+          </p:nvPr>
+        </p:nvSpPr>
+        <p:spPr/>
+        <p:txBody>
+          <a:bodyPr/>
+          <a:lstStyle/>
+          <a:p>
+            <a:fld id="{2A022E2E-B9C5-4DDF-9464-9A4F038075AD}" type="slidenum">
+              <a:rPr lang="en-US" smtClean="0"/>
+              <a:t>10</a:t>
+            </a:fld>
+            <a:endParaRPr lang="en-US"/>
+          </a:p>
+        </p:txBody>
+      </p:sp>
+    </p:spTree>
+    <p:extLst>
+      <p:ext uri="{BB962C8B-B14F-4D97-AF65-F5344CB8AC3E}">
+        <p14:creationId xmlns:p14="http://schemas.microsoft.com/office/powerpoint/2010/main" val="3852487134"/>
+      </p:ext>
+    </p:extLst>
+  </p:cSld>
+  <p:clrMapOvr>
+    <a:masterClrMapping/>
+  </p:clrMapOvr>
+</p:notes>
+</file>
+
+<file path=ppt/notesSlides/notesSlide11.xml><?xml version="1.0" encoding="utf-8"?>
+<p:notes xmlns:a="http://schemas.openxmlformats.org/drawingml/2006/main" xmlns:r="http://schemas.openxmlformats.org/officeDocument/2006/relationships" xmlns:p="http://schemas.openxmlformats.org/presentationml/2006/main">
+  <p:cSld>
+    <p:spTree>
+      <p:nvGrpSpPr>
+        <p:cNvPr id="1" name=""/>
+        <p:cNvGrpSpPr/>
+        <p:nvPr/>
+      </p:nvGrpSpPr>
+      <p:grpSpPr>
+        <a:xfrm>
+          <a:off x="0" y="0"/>
+          <a:ext cx="0" cy="0"/>
+          <a:chOff x="0" y="0"/>
+          <a:chExt cx="0" cy="0"/>
+        </a:xfrm>
+      </p:grpSpPr>
+      <p:sp>
+        <p:nvSpPr>
+          <p:cNvPr id="2" name="Slide Image Placeholder 1"/>
+          <p:cNvSpPr>
+            <a:spLocks noGrp="1" noRot="1" noChangeAspect="1"/>
+          </p:cNvSpPr>
+          <p:nvPr>
+            <p:ph type="sldImg"/>
+          </p:nvPr>
+        </p:nvSpPr>
+        <p:spPr/>
+      </p:sp>
+      <p:sp>
+        <p:nvSpPr>
+          <p:cNvPr id="3" name="Notes Placeholder 2"/>
+          <p:cNvSpPr>
+            <a:spLocks noGrp="1"/>
+          </p:cNvSpPr>
+          <p:nvPr>
+            <p:ph type="body" idx="1"/>
+          </p:nvPr>
+        </p:nvSpPr>
+        <p:spPr/>
+        <p:txBody>
+          <a:bodyPr/>
+          <a:lstStyle/>
+          <a:p>
+            <a:pPr marL="171450" indent="-171450">
+              <a:buFont typeface="Arial" panose="020B0604020202020204" pitchFamily="34" charset="0"/>
+              <a:buChar char="•"/>
+            </a:pPr>
+            <a:r>
+              <a:rPr lang="en-US" dirty="0"/>
+              <a:t>So I built a Django </a:t>
+            </a:r>
+            <a:r>
+              <a:rPr lang="en-US" dirty="0" err="1"/>
+              <a:t>webapp</a:t>
+            </a:r>
+            <a:r>
+              <a:rPr lang="en-US" dirty="0"/>
+              <a:t> packaged into a docker container and served on azure</a:t>
+            </a:r>
+          </a:p>
+        </p:txBody>
+      </p:sp>
+      <p:sp>
+        <p:nvSpPr>
+          <p:cNvPr id="4" name="Slide Number Placeholder 3"/>
+          <p:cNvSpPr>
+            <a:spLocks noGrp="1"/>
+          </p:cNvSpPr>
+          <p:nvPr>
+            <p:ph type="sldNum" sz="quarter" idx="10"/>
+          </p:nvPr>
+        </p:nvSpPr>
+        <p:spPr/>
+        <p:txBody>
+          <a:bodyPr/>
+          <a:lstStyle/>
+          <a:p>
+            <a:fld id="{2A022E2E-B9C5-4DDF-9464-9A4F038075AD}" type="slidenum">
+              <a:rPr lang="en-US" smtClean="0"/>
+              <a:t>11</a:t>
+            </a:fld>
+            <a:endParaRPr lang="en-US"/>
+          </a:p>
+        </p:txBody>
+      </p:sp>
+    </p:spTree>
+    <p:extLst>
+      <p:ext uri="{BB962C8B-B14F-4D97-AF65-F5344CB8AC3E}">
+        <p14:creationId xmlns:p14="http://schemas.microsoft.com/office/powerpoint/2010/main" val="2891897920"/>
+      </p:ext>
+    </p:extLst>
+  </p:cSld>
+  <p:clrMapOvr>
+    <a:masterClrMapping/>
+  </p:clrMapOvr>
+</p:notes>
+</file>
+
+<file path=ppt/notesSlides/notesSlide12.xml><?xml version="1.0" encoding="utf-8"?>
+<p:notes xmlns:a="http://schemas.openxmlformats.org/drawingml/2006/main" xmlns:r="http://schemas.openxmlformats.org/officeDocument/2006/relationships" xmlns:p="http://schemas.openxmlformats.org/presentationml/2006/main">
+  <p:cSld>
+    <p:spTree>
+      <p:nvGrpSpPr>
+        <p:cNvPr id="1" name=""/>
+        <p:cNvGrpSpPr/>
+        <p:nvPr/>
+      </p:nvGrpSpPr>
+      <p:grpSpPr>
+        <a:xfrm>
+          <a:off x="0" y="0"/>
+          <a:ext cx="0" cy="0"/>
+          <a:chOff x="0" y="0"/>
+          <a:chExt cx="0" cy="0"/>
+        </a:xfrm>
+      </p:grpSpPr>
+      <p:sp>
+        <p:nvSpPr>
+          <p:cNvPr id="2" name="Slide Image Placeholder 1"/>
+          <p:cNvSpPr>
+            <a:spLocks noGrp="1" noRot="1" noChangeAspect="1"/>
+          </p:cNvSpPr>
+          <p:nvPr>
+            <p:ph type="sldImg"/>
+          </p:nvPr>
+        </p:nvSpPr>
+        <p:spPr/>
+      </p:sp>
+      <p:sp>
+        <p:nvSpPr>
+          <p:cNvPr id="3" name="Notes Placeholder 2"/>
+          <p:cNvSpPr>
+            <a:spLocks noGrp="1"/>
+          </p:cNvSpPr>
+          <p:nvPr>
+            <p:ph type="body" idx="1"/>
+          </p:nvPr>
+        </p:nvSpPr>
+        <p:spPr/>
+        <p:txBody>
+          <a:bodyPr/>
+          <a:lstStyle/>
+          <a:p>
+            <a:endParaRPr lang="en-US"/>
+          </a:p>
+        </p:txBody>
+      </p:sp>
+      <p:sp>
+        <p:nvSpPr>
+          <p:cNvPr id="4" name="Slide Number Placeholder 3"/>
+          <p:cNvSpPr>
+            <a:spLocks noGrp="1"/>
+          </p:cNvSpPr>
+          <p:nvPr>
+            <p:ph type="sldNum" sz="quarter" idx="10"/>
+          </p:nvPr>
+        </p:nvSpPr>
+        <p:spPr/>
+        <p:txBody>
+          <a:bodyPr/>
+          <a:lstStyle/>
+          <a:p>
+            <a:fld id="{2A022E2E-B9C5-4DDF-9464-9A4F038075AD}" type="slidenum">
+              <a:rPr lang="en-US" smtClean="0"/>
+              <a:t>12</a:t>
+            </a:fld>
+            <a:endParaRPr lang="en-US"/>
+          </a:p>
+        </p:txBody>
+      </p:sp>
+    </p:spTree>
+    <p:extLst>
+      <p:ext uri="{BB962C8B-B14F-4D97-AF65-F5344CB8AC3E}">
+        <p14:creationId xmlns:p14="http://schemas.microsoft.com/office/powerpoint/2010/main" val="3910557639"/>
+      </p:ext>
+    </p:extLst>
+  </p:cSld>
+  <p:clrMapOvr>
+    <a:masterClrMapping/>
+  </p:clrMapOvr>
+</p:notes>
+</file>
+
+<file path=ppt/notesSlides/notesSlide13.xml><?xml version="1.0" encoding="utf-8"?>
+<p:notes xmlns:a="http://schemas.openxmlformats.org/drawingml/2006/main" xmlns:r="http://schemas.openxmlformats.org/officeDocument/2006/relationships" xmlns:p="http://schemas.openxmlformats.org/presentationml/2006/main">
+  <p:cSld>
+    <p:spTree>
+      <p:nvGrpSpPr>
+        <p:cNvPr id="1" name=""/>
+        <p:cNvGrpSpPr/>
+        <p:nvPr/>
+      </p:nvGrpSpPr>
+      <p:grpSpPr>
+        <a:xfrm>
+          <a:off x="0" y="0"/>
+          <a:ext cx="0" cy="0"/>
+          <a:chOff x="0" y="0"/>
+          <a:chExt cx="0" cy="0"/>
+        </a:xfrm>
+      </p:grpSpPr>
+      <p:sp>
+        <p:nvSpPr>
+          <p:cNvPr id="2" name="Slide Image Placeholder 1"/>
+          <p:cNvSpPr>
+            <a:spLocks noGrp="1" noRot="1" noChangeAspect="1"/>
+          </p:cNvSpPr>
+          <p:nvPr>
+            <p:ph type="sldImg"/>
+          </p:nvPr>
+        </p:nvSpPr>
+        <p:spPr/>
+      </p:sp>
+      <p:sp>
+        <p:nvSpPr>
+          <p:cNvPr id="3" name="Notes Placeholder 2"/>
+          <p:cNvSpPr>
+            <a:spLocks noGrp="1"/>
+          </p:cNvSpPr>
+          <p:nvPr>
+            <p:ph type="body" idx="1"/>
+          </p:nvPr>
+        </p:nvSpPr>
+        <p:spPr/>
+        <p:txBody>
+          <a:bodyPr/>
+          <a:lstStyle/>
+          <a:p>
+            <a:endParaRPr lang="en-US"/>
+          </a:p>
+        </p:txBody>
+      </p:sp>
+      <p:sp>
+        <p:nvSpPr>
+          <p:cNvPr id="4" name="Slide Number Placeholder 3"/>
+          <p:cNvSpPr>
+            <a:spLocks noGrp="1"/>
+          </p:cNvSpPr>
+          <p:nvPr>
+            <p:ph type="sldNum" sz="quarter" idx="10"/>
+          </p:nvPr>
+        </p:nvSpPr>
+        <p:spPr/>
+        <p:txBody>
+          <a:bodyPr/>
+          <a:lstStyle/>
+          <a:p>
+            <a:fld id="{2A022E2E-B9C5-4DDF-9464-9A4F038075AD}" type="slidenum">
+              <a:rPr lang="en-US" smtClean="0"/>
+              <a:t>13</a:t>
+            </a:fld>
+            <a:endParaRPr lang="en-US"/>
+          </a:p>
+        </p:txBody>
+      </p:sp>
+    </p:spTree>
+    <p:extLst>
+      <p:ext uri="{BB962C8B-B14F-4D97-AF65-F5344CB8AC3E}">
+        <p14:creationId xmlns:p14="http://schemas.microsoft.com/office/powerpoint/2010/main" val="933766974"/>
+      </p:ext>
+    </p:extLst>
+  </p:cSld>
+  <p:clrMapOvr>
+    <a:masterClrMapping/>
+  </p:clrMapOvr>
+</p:notes>
+</file>
+
+<file path=ppt/notesSlides/notesSlide2.xml><?xml version="1.0" encoding="utf-8"?>
+<p:notes xmlns:a="http://schemas.openxmlformats.org/drawingml/2006/main" xmlns:r="http://schemas.openxmlformats.org/officeDocument/2006/relationships" xmlns:p="http://schemas.openxmlformats.org/presentationml/2006/main">
+  <p:cSld>
+    <p:spTree>
+      <p:nvGrpSpPr>
+        <p:cNvPr id="1" name=""/>
+        <p:cNvGrpSpPr/>
+        <p:nvPr/>
+      </p:nvGrpSpPr>
+      <p:grpSpPr>
+        <a:xfrm>
+          <a:off x="0" y="0"/>
+          <a:ext cx="0" cy="0"/>
+          <a:chOff x="0" y="0"/>
+          <a:chExt cx="0" cy="0"/>
+        </a:xfrm>
+      </p:grpSpPr>
+      <p:sp>
+        <p:nvSpPr>
+          <p:cNvPr id="2" name="Slide Image Placeholder 1"/>
+          <p:cNvSpPr>
+            <a:spLocks noGrp="1" noRot="1" noChangeAspect="1"/>
+          </p:cNvSpPr>
+          <p:nvPr>
+            <p:ph type="sldImg"/>
+          </p:nvPr>
+        </p:nvSpPr>
+        <p:spPr/>
+      </p:sp>
+      <p:sp>
+        <p:nvSpPr>
+          <p:cNvPr id="3" name="Notes Placeholder 2"/>
+          <p:cNvSpPr>
+            <a:spLocks noGrp="1"/>
+          </p:cNvSpPr>
+          <p:nvPr>
+            <p:ph type="body" idx="1"/>
+          </p:nvPr>
+        </p:nvSpPr>
+        <p:spPr/>
+        <p:txBody>
+          <a:bodyPr/>
+          <a:lstStyle/>
+          <a:p>
+            <a:pPr marL="171450" indent="-171450">
+              <a:buFont typeface="Arial" panose="020B0604020202020204" pitchFamily="34" charset="0"/>
+              <a:buChar char="•"/>
+            </a:pPr>
+            <a:r>
+              <a:rPr lang="en-US" dirty="0"/>
+              <a:t>I work as an analyst for City Year, an educational nonprofit which enlists thousands of AmeriCorps Members in 29 cities to tutor and mentor students toward high school graduation</a:t>
+            </a:r>
+          </a:p>
+          <a:p>
+            <a:pPr marL="171450" indent="-171450">
+              <a:buFont typeface="Arial" panose="020B0604020202020204" pitchFamily="34" charset="0"/>
+              <a:buChar char="•"/>
+            </a:pPr>
+            <a:r>
+              <a:rPr lang="en-US" dirty="0"/>
+              <a:t>My task at work is to make information available to drive decisions</a:t>
+            </a:r>
+          </a:p>
+          <a:p>
+            <a:pPr marL="171450" indent="-171450">
+              <a:buFont typeface="Arial" panose="020B0604020202020204" pitchFamily="34" charset="0"/>
+              <a:buChar char="•"/>
+            </a:pPr>
+            <a:r>
+              <a:rPr lang="en-US" dirty="0"/>
+              <a:t>Since only a few of our city locations have dedicated analysts, there is great potential for properly built data products to multiply across sites and have large organizational impact</a:t>
+            </a:r>
+          </a:p>
+        </p:txBody>
+      </p:sp>
+      <p:sp>
+        <p:nvSpPr>
+          <p:cNvPr id="4" name="Slide Number Placeholder 3"/>
+          <p:cNvSpPr>
+            <a:spLocks noGrp="1"/>
+          </p:cNvSpPr>
+          <p:nvPr>
+            <p:ph type="sldNum" sz="quarter" idx="10"/>
+          </p:nvPr>
+        </p:nvSpPr>
+        <p:spPr/>
+        <p:txBody>
+          <a:bodyPr/>
+          <a:lstStyle/>
+          <a:p>
+            <a:fld id="{2A022E2E-B9C5-4DDF-9464-9A4F038075AD}" type="slidenum">
+              <a:rPr lang="en-US" smtClean="0"/>
+              <a:t>2</a:t>
+            </a:fld>
+            <a:endParaRPr lang="en-US"/>
+          </a:p>
+        </p:txBody>
+      </p:sp>
+    </p:spTree>
+    <p:extLst>
+      <p:ext uri="{BB962C8B-B14F-4D97-AF65-F5344CB8AC3E}">
+        <p14:creationId xmlns:p14="http://schemas.microsoft.com/office/powerpoint/2010/main" val="4020272848"/>
+      </p:ext>
+    </p:extLst>
+  </p:cSld>
+  <p:clrMapOvr>
+    <a:masterClrMapping/>
+  </p:clrMapOvr>
+</p:notes>
+</file>
+
+<file path=ppt/notesSlides/notesSlide3.xml><?xml version="1.0" encoding="utf-8"?>
+<p:notes xmlns:a="http://schemas.openxmlformats.org/drawingml/2006/main" xmlns:r="http://schemas.openxmlformats.org/officeDocument/2006/relationships" xmlns:p="http://schemas.openxmlformats.org/presentationml/2006/main">
+  <p:cSld>
+    <p:spTree>
+      <p:nvGrpSpPr>
+        <p:cNvPr id="1" name=""/>
+        <p:cNvGrpSpPr/>
+        <p:nvPr/>
+      </p:nvGrpSpPr>
+      <p:grpSpPr>
+        <a:xfrm>
+          <a:off x="0" y="0"/>
+          <a:ext cx="0" cy="0"/>
+          <a:chOff x="0" y="0"/>
+          <a:chExt cx="0" cy="0"/>
+        </a:xfrm>
+      </p:grpSpPr>
+      <p:sp>
+        <p:nvSpPr>
+          <p:cNvPr id="2" name="Slide Image Placeholder 1"/>
+          <p:cNvSpPr>
+            <a:spLocks noGrp="1" noRot="1" noChangeAspect="1"/>
+          </p:cNvSpPr>
+          <p:nvPr>
+            <p:ph type="sldImg"/>
+          </p:nvPr>
+        </p:nvSpPr>
+        <p:spPr/>
+      </p:sp>
+      <p:sp>
+        <p:nvSpPr>
+          <p:cNvPr id="3" name="Notes Placeholder 2"/>
+          <p:cNvSpPr>
+            <a:spLocks noGrp="1"/>
+          </p:cNvSpPr>
+          <p:nvPr>
+            <p:ph type="body" idx="1"/>
+          </p:nvPr>
+        </p:nvSpPr>
+        <p:spPr/>
+        <p:txBody>
+          <a:bodyPr/>
+          <a:lstStyle/>
+          <a:p>
+            <a:endParaRPr lang="en-US"/>
+          </a:p>
+        </p:txBody>
+      </p:sp>
+      <p:sp>
+        <p:nvSpPr>
+          <p:cNvPr id="4" name="Slide Number Placeholder 3"/>
+          <p:cNvSpPr>
+            <a:spLocks noGrp="1"/>
+          </p:cNvSpPr>
+          <p:nvPr>
+            <p:ph type="sldNum" sz="quarter" idx="10"/>
+          </p:nvPr>
+        </p:nvSpPr>
+        <p:spPr/>
+        <p:txBody>
+          <a:bodyPr/>
+          <a:lstStyle/>
+          <a:p>
+            <a:fld id="{2A022E2E-B9C5-4DDF-9464-9A4F038075AD}" type="slidenum">
+              <a:rPr lang="en-US" smtClean="0"/>
+              <a:t>3</a:t>
+            </a:fld>
+            <a:endParaRPr lang="en-US"/>
+          </a:p>
+        </p:txBody>
+      </p:sp>
+    </p:spTree>
+    <p:extLst>
+      <p:ext uri="{BB962C8B-B14F-4D97-AF65-F5344CB8AC3E}">
+        <p14:creationId xmlns:p14="http://schemas.microsoft.com/office/powerpoint/2010/main" val="2610835104"/>
+      </p:ext>
+    </p:extLst>
+  </p:cSld>
+  <p:clrMapOvr>
+    <a:masterClrMapping/>
+  </p:clrMapOvr>
+</p:notes>
+</file>
+
+<file path=ppt/notesSlides/notesSlide4.xml><?xml version="1.0" encoding="utf-8"?>
+<p:notes xmlns:a="http://schemas.openxmlformats.org/drawingml/2006/main" xmlns:r="http://schemas.openxmlformats.org/officeDocument/2006/relationships" xmlns:p="http://schemas.openxmlformats.org/presentationml/2006/main">
+  <p:cSld>
+    <p:spTree>
+      <p:nvGrpSpPr>
+        <p:cNvPr id="1" name=""/>
+        <p:cNvGrpSpPr/>
+        <p:nvPr/>
+      </p:nvGrpSpPr>
+      <p:grpSpPr>
+        <a:xfrm>
+          <a:off x="0" y="0"/>
+          <a:ext cx="0" cy="0"/>
+          <a:chOff x="0" y="0"/>
+          <a:chExt cx="0" cy="0"/>
+        </a:xfrm>
+      </p:grpSpPr>
+      <p:sp>
+        <p:nvSpPr>
+          <p:cNvPr id="2" name="Slide Image Placeholder 1"/>
+          <p:cNvSpPr>
+            <a:spLocks noGrp="1" noRot="1" noChangeAspect="1"/>
+          </p:cNvSpPr>
+          <p:nvPr>
+            <p:ph type="sldImg"/>
+          </p:nvPr>
+        </p:nvSpPr>
+        <p:spPr/>
+      </p:sp>
+      <p:sp>
+        <p:nvSpPr>
+          <p:cNvPr id="3" name="Notes Placeholder 2"/>
+          <p:cNvSpPr>
+            <a:spLocks noGrp="1"/>
+          </p:cNvSpPr>
+          <p:nvPr>
+            <p:ph type="body" idx="1"/>
+          </p:nvPr>
+        </p:nvSpPr>
+        <p:spPr/>
+        <p:txBody>
+          <a:bodyPr/>
+          <a:lstStyle/>
+          <a:p>
+            <a:pPr marL="171450" marR="0" lvl="0" indent="-171450" algn="l" defTabSz="914400" rtl="0" eaLnBrk="1" fontAlgn="auto" latinLnBrk="0" hangingPunct="1">
+              <a:lnSpc>
+                <a:spcPct val="100000"/>
+              </a:lnSpc>
+              <a:spcBef>
+                <a:spcPts val="0"/>
+              </a:spcBef>
+              <a:spcAft>
+                <a:spcPts val="0"/>
+              </a:spcAft>
+              <a:buClrTx/>
+              <a:buSzTx/>
+              <a:buFont typeface="Arial" panose="020B0604020202020204" pitchFamily="34" charset="0"/>
+              <a:buChar char="•"/>
+              <a:tabLst/>
+              <a:defRPr/>
+            </a:pPr>
+            <a:r>
+              <a:rPr lang="en-US" dirty="0"/>
+              <a:t>My organization utilizes Salesforce for data warehousing, so my first revelation in this mentorship was writing Python scripts to manipulate our database through Salesforce's API</a:t>
+            </a:r>
+          </a:p>
+          <a:p>
+            <a:pPr marL="171450" indent="-171450">
+              <a:buFont typeface="Arial" panose="020B0604020202020204" pitchFamily="34" charset="0"/>
+              <a:buChar char="•"/>
+            </a:pPr>
+            <a:r>
+              <a:rPr lang="en-US" dirty="0"/>
+              <a:t>Writing to our Salesforce database has been an enormous pain-point involving manually processing spreadsheet uploads in the best case, or manually clicking through an interface hundreds of times in the worse case. Also prone to error and limited</a:t>
+            </a:r>
+          </a:p>
+          <a:p>
+            <a:pPr marL="171450" indent="-171450">
+              <a:buFont typeface="Arial" panose="020B0604020202020204" pitchFamily="34" charset="0"/>
+              <a:buChar char="•"/>
+            </a:pPr>
+            <a:r>
+              <a:rPr lang="en-US" dirty="0"/>
+              <a:t>I used Python to gather Excel spreadsheets and push them to our database through API commands, requiring mere minutes to complete</a:t>
+            </a:r>
+          </a:p>
+          <a:p>
+            <a:pPr marL="171450" marR="0" lvl="0" indent="-171450" algn="l" defTabSz="914400" rtl="0" eaLnBrk="1" fontAlgn="auto" latinLnBrk="0" hangingPunct="1">
+              <a:lnSpc>
+                <a:spcPct val="100000"/>
+              </a:lnSpc>
+              <a:spcBef>
+                <a:spcPts val="0"/>
+              </a:spcBef>
+              <a:spcAft>
+                <a:spcPts val="0"/>
+              </a:spcAft>
+              <a:buClrTx/>
+              <a:buSzTx/>
+              <a:buFont typeface="Arial" panose="020B0604020202020204" pitchFamily="34" charset="0"/>
+              <a:buChar char="•"/>
+              <a:tabLst/>
+              <a:defRPr/>
+            </a:pPr>
+            <a:r>
+              <a:rPr lang="en-US" dirty="0"/>
+              <a:t>Our Salesforce database fields are heavily permissioned down terms of field writing permissions</a:t>
+            </a:r>
+          </a:p>
+        </p:txBody>
+      </p:sp>
+      <p:sp>
+        <p:nvSpPr>
+          <p:cNvPr id="4" name="Slide Number Placeholder 3"/>
+          <p:cNvSpPr>
+            <a:spLocks noGrp="1"/>
+          </p:cNvSpPr>
+          <p:nvPr>
+            <p:ph type="sldNum" sz="quarter" idx="10"/>
+          </p:nvPr>
+        </p:nvSpPr>
+        <p:spPr/>
+        <p:txBody>
+          <a:bodyPr/>
+          <a:lstStyle/>
+          <a:p>
+            <a:fld id="{2A022E2E-B9C5-4DDF-9464-9A4F038075AD}" type="slidenum">
+              <a:rPr lang="en-US" smtClean="0"/>
+              <a:t>4</a:t>
+            </a:fld>
+            <a:endParaRPr lang="en-US"/>
+          </a:p>
+        </p:txBody>
+      </p:sp>
+    </p:spTree>
+    <p:extLst>
+      <p:ext uri="{BB962C8B-B14F-4D97-AF65-F5344CB8AC3E}">
+        <p14:creationId xmlns:p14="http://schemas.microsoft.com/office/powerpoint/2010/main" val="773005643"/>
+      </p:ext>
+    </p:extLst>
+  </p:cSld>
+  <p:clrMapOvr>
+    <a:masterClrMapping/>
+  </p:clrMapOvr>
+</p:notes>
+</file>
+
+<file path=ppt/notesSlides/notesSlide5.xml><?xml version="1.0" encoding="utf-8"?>
+<p:notes xmlns:a="http://schemas.openxmlformats.org/drawingml/2006/main" xmlns:r="http://schemas.openxmlformats.org/officeDocument/2006/relationships" xmlns:p="http://schemas.openxmlformats.org/presentationml/2006/main">
+  <p:cSld>
+    <p:spTree>
+      <p:nvGrpSpPr>
+        <p:cNvPr id="1" name=""/>
+        <p:cNvGrpSpPr/>
+        <p:nvPr/>
+      </p:nvGrpSpPr>
+      <p:grpSpPr>
+        <a:xfrm>
+          <a:off x="0" y="0"/>
+          <a:ext cx="0" cy="0"/>
+          <a:chOff x="0" y="0"/>
+          <a:chExt cx="0" cy="0"/>
+        </a:xfrm>
+      </p:grpSpPr>
+      <p:sp>
+        <p:nvSpPr>
+          <p:cNvPr id="2" name="Slide Image Placeholder 1"/>
+          <p:cNvSpPr>
+            <a:spLocks noGrp="1" noRot="1" noChangeAspect="1"/>
+          </p:cNvSpPr>
+          <p:nvPr>
+            <p:ph type="sldImg"/>
+          </p:nvPr>
+        </p:nvSpPr>
+        <p:spPr/>
+      </p:sp>
+      <p:sp>
+        <p:nvSpPr>
+          <p:cNvPr id="3" name="Notes Placeholder 2"/>
+          <p:cNvSpPr>
+            <a:spLocks noGrp="1"/>
+          </p:cNvSpPr>
+          <p:nvPr>
+            <p:ph type="body" idx="1"/>
+          </p:nvPr>
+        </p:nvSpPr>
+        <p:spPr/>
+        <p:txBody>
+          <a:bodyPr/>
+          <a:lstStyle/>
+          <a:p>
+            <a:pPr marL="171450" indent="-171450">
+              <a:buFont typeface="Arial" panose="020B0604020202020204" pitchFamily="34" charset="0"/>
+              <a:buChar char="•"/>
+            </a:pPr>
+            <a:r>
+              <a:rPr lang="en-US" dirty="0"/>
+              <a:t>While Excel and Power BI are sufficient and often powerful tools for continuous data flow and visuals, querying Salesforce through Python allows for complete control over publishing and file management, and exposes the data to more powerful analytic tools.</a:t>
+            </a:r>
+          </a:p>
+          <a:p>
+            <a:pPr marL="171450" indent="-171450">
+              <a:buFont typeface="Arial" panose="020B0604020202020204" pitchFamily="34" charset="0"/>
+              <a:buChar char="•"/>
+            </a:pPr>
+            <a:r>
+              <a:rPr lang="en-US" dirty="0"/>
+              <a:t>For example, Service Tracker PDFs</a:t>
+            </a:r>
+          </a:p>
+        </p:txBody>
+      </p:sp>
+      <p:sp>
+        <p:nvSpPr>
+          <p:cNvPr id="4" name="Slide Number Placeholder 3"/>
+          <p:cNvSpPr>
+            <a:spLocks noGrp="1"/>
+          </p:cNvSpPr>
+          <p:nvPr>
+            <p:ph type="sldNum" sz="quarter" idx="10"/>
+          </p:nvPr>
+        </p:nvSpPr>
+        <p:spPr/>
+        <p:txBody>
+          <a:bodyPr/>
+          <a:lstStyle/>
+          <a:p>
+            <a:fld id="{2A022E2E-B9C5-4DDF-9464-9A4F038075AD}" type="slidenum">
+              <a:rPr lang="en-US" smtClean="0"/>
+              <a:t>5</a:t>
+            </a:fld>
+            <a:endParaRPr lang="en-US"/>
+          </a:p>
+        </p:txBody>
+      </p:sp>
+    </p:spTree>
+    <p:extLst>
+      <p:ext uri="{BB962C8B-B14F-4D97-AF65-F5344CB8AC3E}">
+        <p14:creationId xmlns:p14="http://schemas.microsoft.com/office/powerpoint/2010/main" val="1249106369"/>
+      </p:ext>
+    </p:extLst>
+  </p:cSld>
+  <p:clrMapOvr>
+    <a:masterClrMapping/>
+  </p:clrMapOvr>
+</p:notes>
+</file>
+
+<file path=ppt/notesSlides/notesSlide6.xml><?xml version="1.0" encoding="utf-8"?>
+<p:notes xmlns:a="http://schemas.openxmlformats.org/drawingml/2006/main" xmlns:r="http://schemas.openxmlformats.org/officeDocument/2006/relationships" xmlns:p="http://schemas.openxmlformats.org/presentationml/2006/main">
+  <p:cSld>
+    <p:spTree>
+      <p:nvGrpSpPr>
+        <p:cNvPr id="1" name=""/>
+        <p:cNvGrpSpPr/>
+        <p:nvPr/>
+      </p:nvGrpSpPr>
+      <p:grpSpPr>
+        <a:xfrm>
+          <a:off x="0" y="0"/>
+          <a:ext cx="0" cy="0"/>
+          <a:chOff x="0" y="0"/>
+          <a:chExt cx="0" cy="0"/>
+        </a:xfrm>
+      </p:grpSpPr>
+      <p:sp>
+        <p:nvSpPr>
+          <p:cNvPr id="2" name="Slide Image Placeholder 1"/>
+          <p:cNvSpPr>
+            <a:spLocks noGrp="1" noRot="1" noChangeAspect="1"/>
+          </p:cNvSpPr>
+          <p:nvPr>
+            <p:ph type="sldImg"/>
+          </p:nvPr>
+        </p:nvSpPr>
+        <p:spPr/>
+      </p:sp>
+      <p:sp>
+        <p:nvSpPr>
+          <p:cNvPr id="3" name="Notes Placeholder 2"/>
+          <p:cNvSpPr>
+            <a:spLocks noGrp="1"/>
+          </p:cNvSpPr>
+          <p:nvPr>
+            <p:ph type="body" idx="1"/>
+          </p:nvPr>
+        </p:nvSpPr>
+        <p:spPr/>
+        <p:txBody>
+          <a:bodyPr/>
+          <a:lstStyle/>
+          <a:p>
+            <a:pPr marL="171450" marR="0" lvl="0" indent="-171450" algn="l" defTabSz="914400" rtl="0" eaLnBrk="1" fontAlgn="auto" latinLnBrk="0" hangingPunct="1">
+              <a:lnSpc>
+                <a:spcPct val="100000"/>
+              </a:lnSpc>
+              <a:spcBef>
+                <a:spcPts val="0"/>
+              </a:spcBef>
+              <a:spcAft>
+                <a:spcPts val="0"/>
+              </a:spcAft>
+              <a:buClrTx/>
+              <a:buSzTx/>
+              <a:buFont typeface="Arial" panose="020B0604020202020204" pitchFamily="34" charset="0"/>
+              <a:buChar char="•"/>
+              <a:tabLst/>
+              <a:defRPr/>
+            </a:pPr>
+            <a:r>
+              <a:rPr lang="en-US" dirty="0"/>
+              <a:t>I wrote a system of analysis notebooks to gather all our data sources, investigate themes, and visualize uncommon comparisons across datasets.</a:t>
+            </a:r>
+          </a:p>
+          <a:p>
+            <a:endParaRPr lang="en-US" dirty="0"/>
+          </a:p>
+        </p:txBody>
+      </p:sp>
+      <p:sp>
+        <p:nvSpPr>
+          <p:cNvPr id="4" name="Slide Number Placeholder 3"/>
+          <p:cNvSpPr>
+            <a:spLocks noGrp="1"/>
+          </p:cNvSpPr>
+          <p:nvPr>
+            <p:ph type="sldNum" sz="quarter" idx="10"/>
+          </p:nvPr>
+        </p:nvSpPr>
+        <p:spPr/>
+        <p:txBody>
+          <a:bodyPr/>
+          <a:lstStyle/>
+          <a:p>
+            <a:fld id="{2A022E2E-B9C5-4DDF-9464-9A4F038075AD}" type="slidenum">
+              <a:rPr lang="en-US" smtClean="0"/>
+              <a:t>6</a:t>
+            </a:fld>
+            <a:endParaRPr lang="en-US"/>
+          </a:p>
+        </p:txBody>
+      </p:sp>
+    </p:spTree>
+    <p:extLst>
+      <p:ext uri="{BB962C8B-B14F-4D97-AF65-F5344CB8AC3E}">
+        <p14:creationId xmlns:p14="http://schemas.microsoft.com/office/powerpoint/2010/main" val="3148140779"/>
+      </p:ext>
+    </p:extLst>
+  </p:cSld>
+  <p:clrMapOvr>
+    <a:masterClrMapping/>
+  </p:clrMapOvr>
+</p:notes>
+</file>
+
+<file path=ppt/notesSlides/notesSlide7.xml><?xml version="1.0" encoding="utf-8"?>
+<p:notes xmlns:a="http://schemas.openxmlformats.org/drawingml/2006/main" xmlns:r="http://schemas.openxmlformats.org/officeDocument/2006/relationships" xmlns:p="http://schemas.openxmlformats.org/presentationml/2006/main">
+  <p:cSld>
+    <p:spTree>
+      <p:nvGrpSpPr>
+        <p:cNvPr id="1" name=""/>
+        <p:cNvGrpSpPr/>
+        <p:nvPr/>
+      </p:nvGrpSpPr>
+      <p:grpSpPr>
+        <a:xfrm>
+          <a:off x="0" y="0"/>
+          <a:ext cx="0" cy="0"/>
+          <a:chOff x="0" y="0"/>
+          <a:chExt cx="0" cy="0"/>
+        </a:xfrm>
+      </p:grpSpPr>
+      <p:sp>
+        <p:nvSpPr>
+          <p:cNvPr id="2" name="Slide Image Placeholder 1"/>
+          <p:cNvSpPr>
+            <a:spLocks noGrp="1" noRot="1" noChangeAspect="1"/>
+          </p:cNvSpPr>
+          <p:nvPr>
+            <p:ph type="sldImg"/>
+          </p:nvPr>
+        </p:nvSpPr>
+        <p:spPr/>
+      </p:sp>
+      <p:sp>
+        <p:nvSpPr>
+          <p:cNvPr id="3" name="Notes Placeholder 2"/>
+          <p:cNvSpPr>
+            <a:spLocks noGrp="1"/>
+          </p:cNvSpPr>
+          <p:nvPr>
+            <p:ph type="body" idx="1"/>
+          </p:nvPr>
+        </p:nvSpPr>
+        <p:spPr/>
+        <p:txBody>
+          <a:bodyPr/>
+          <a:lstStyle/>
+          <a:p>
+            <a:pPr marL="171450" marR="0" lvl="0" indent="-171450" algn="l" defTabSz="914400" rtl="0" eaLnBrk="1" fontAlgn="auto" latinLnBrk="0" hangingPunct="1">
+              <a:lnSpc>
+                <a:spcPct val="100000"/>
+              </a:lnSpc>
+              <a:spcBef>
+                <a:spcPts val="0"/>
+              </a:spcBef>
+              <a:spcAft>
+                <a:spcPts val="0"/>
+              </a:spcAft>
+              <a:buClrTx/>
+              <a:buSzTx/>
+              <a:buFont typeface="Arial" panose="020B0604020202020204" pitchFamily="34" charset="0"/>
+              <a:buChar char="•"/>
+              <a:tabLst/>
+              <a:defRPr/>
+            </a:pPr>
+            <a:endParaRPr lang="en-US" dirty="0"/>
+          </a:p>
+        </p:txBody>
+      </p:sp>
+      <p:sp>
+        <p:nvSpPr>
+          <p:cNvPr id="4" name="Slide Number Placeholder 3"/>
+          <p:cNvSpPr>
+            <a:spLocks noGrp="1"/>
+          </p:cNvSpPr>
+          <p:nvPr>
+            <p:ph type="sldNum" sz="quarter" idx="10"/>
+          </p:nvPr>
+        </p:nvSpPr>
+        <p:spPr/>
+        <p:txBody>
+          <a:bodyPr/>
+          <a:lstStyle/>
+          <a:p>
+            <a:fld id="{2A022E2E-B9C5-4DDF-9464-9A4F038075AD}" type="slidenum">
+              <a:rPr lang="en-US" smtClean="0"/>
+              <a:t>7</a:t>
+            </a:fld>
+            <a:endParaRPr lang="en-US"/>
+          </a:p>
+        </p:txBody>
+      </p:sp>
+    </p:spTree>
+    <p:extLst>
+      <p:ext uri="{BB962C8B-B14F-4D97-AF65-F5344CB8AC3E}">
+        <p14:creationId xmlns:p14="http://schemas.microsoft.com/office/powerpoint/2010/main" val="2980619990"/>
+      </p:ext>
+    </p:extLst>
+  </p:cSld>
+  <p:clrMapOvr>
+    <a:masterClrMapping/>
+  </p:clrMapOvr>
+</p:notes>
+</file>
+
+<file path=ppt/notesSlides/notesSlide8.xml><?xml version="1.0" encoding="utf-8"?>
+<p:notes xmlns:a="http://schemas.openxmlformats.org/drawingml/2006/main" xmlns:r="http://schemas.openxmlformats.org/officeDocument/2006/relationships" xmlns:p="http://schemas.openxmlformats.org/presentationml/2006/main">
+  <p:cSld>
+    <p:spTree>
+      <p:nvGrpSpPr>
+        <p:cNvPr id="1" name=""/>
+        <p:cNvGrpSpPr/>
+        <p:nvPr/>
+      </p:nvGrpSpPr>
+      <p:grpSpPr>
+        <a:xfrm>
+          <a:off x="0" y="0"/>
+          <a:ext cx="0" cy="0"/>
+          <a:chOff x="0" y="0"/>
+          <a:chExt cx="0" cy="0"/>
+        </a:xfrm>
+      </p:grpSpPr>
+      <p:sp>
+        <p:nvSpPr>
+          <p:cNvPr id="2" name="Slide Image Placeholder 1"/>
+          <p:cNvSpPr>
+            <a:spLocks noGrp="1" noRot="1" noChangeAspect="1"/>
+          </p:cNvSpPr>
+          <p:nvPr>
+            <p:ph type="sldImg"/>
+          </p:nvPr>
+        </p:nvSpPr>
+        <p:spPr/>
+      </p:sp>
+      <p:sp>
+        <p:nvSpPr>
+          <p:cNvPr id="3" name="Notes Placeholder 2"/>
+          <p:cNvSpPr>
+            <a:spLocks noGrp="1"/>
+          </p:cNvSpPr>
+          <p:nvPr>
+            <p:ph type="body" idx="1"/>
+          </p:nvPr>
+        </p:nvSpPr>
+        <p:spPr/>
+        <p:txBody>
+          <a:bodyPr/>
+          <a:lstStyle/>
+          <a:p>
+            <a:pPr marL="171450" indent="-171450">
+              <a:buFont typeface="Arial" panose="020B0604020202020204" pitchFamily="34" charset="0"/>
+              <a:buChar char="•"/>
+            </a:pPr>
+            <a:r>
+              <a:rPr lang="en-US" dirty="0"/>
+              <a:t>For example, this analysis of tutor observation scores and tutor’s student performance</a:t>
+            </a:r>
+          </a:p>
+          <a:p>
+            <a:pPr marL="171450" indent="-171450">
+              <a:buFont typeface="Arial" panose="020B0604020202020204" pitchFamily="34" charset="0"/>
+              <a:buChar char="•"/>
+            </a:pPr>
+            <a:r>
+              <a:rPr lang="en-US" dirty="0"/>
+              <a:t>Each dot represents a tutor</a:t>
+            </a:r>
+          </a:p>
+          <a:p>
+            <a:pPr marL="171450" indent="-171450">
+              <a:buFont typeface="Arial" panose="020B0604020202020204" pitchFamily="34" charset="0"/>
+              <a:buChar char="•"/>
+            </a:pPr>
+            <a:r>
+              <a:rPr lang="en-US" dirty="0"/>
+              <a:t>Y axis</a:t>
+            </a:r>
+          </a:p>
+          <a:p>
+            <a:pPr marL="171450" indent="-171450">
+              <a:buFont typeface="Arial" panose="020B0604020202020204" pitchFamily="34" charset="0"/>
+              <a:buChar char="•"/>
+            </a:pPr>
+            <a:r>
+              <a:rPr lang="en-US" dirty="0"/>
+              <a:t>X axis</a:t>
+            </a:r>
+          </a:p>
+          <a:p>
+            <a:pPr marL="171450" indent="-171450">
+              <a:buFont typeface="Arial" panose="020B0604020202020204" pitchFamily="34" charset="0"/>
+              <a:buChar char="•"/>
+            </a:pPr>
+            <a:r>
+              <a:rPr lang="en-US" dirty="0"/>
+              <a:t>Low correlation, but when split by coach, some correlations emerge</a:t>
+            </a:r>
+          </a:p>
+          <a:p>
+            <a:pPr marL="171450" indent="-171450">
+              <a:buFont typeface="Arial" panose="020B0604020202020204" pitchFamily="34" charset="0"/>
+              <a:buChar char="•"/>
+            </a:pPr>
+            <a:r>
+              <a:rPr lang="en-US" dirty="0"/>
+              <a:t>Keep in mind this is only half a year’s data</a:t>
+            </a:r>
+          </a:p>
+        </p:txBody>
+      </p:sp>
+      <p:sp>
+        <p:nvSpPr>
+          <p:cNvPr id="4" name="Slide Number Placeholder 3"/>
+          <p:cNvSpPr>
+            <a:spLocks noGrp="1"/>
+          </p:cNvSpPr>
+          <p:nvPr>
+            <p:ph type="sldNum" sz="quarter" idx="10"/>
+          </p:nvPr>
+        </p:nvSpPr>
+        <p:spPr/>
+        <p:txBody>
+          <a:bodyPr/>
+          <a:lstStyle/>
+          <a:p>
+            <a:fld id="{2A022E2E-B9C5-4DDF-9464-9A4F038075AD}" type="slidenum">
+              <a:rPr lang="en-US" smtClean="0"/>
+              <a:t>8</a:t>
             </a:fld>
             <a:endParaRPr lang="en-US"/>
           </a:p>
@@ -6802,6 +8014,153 @@
     <p:extLst>
       <p:ext uri="{BB962C8B-B14F-4D97-AF65-F5344CB8AC3E}">
         <p14:creationId xmlns:p14="http://schemas.microsoft.com/office/powerpoint/2010/main" val="716092823"/>
+      </p:ext>
+    </p:extLst>
+  </p:cSld>
+  <p:clrMapOvr>
+    <a:masterClrMapping/>
+  </p:clrMapOvr>
+</p:notes>
+</file>
+
+<file path=ppt/notesSlides/notesSlide9.xml><?xml version="1.0" encoding="utf-8"?>
+<p:notes xmlns:a="http://schemas.openxmlformats.org/drawingml/2006/main" xmlns:r="http://schemas.openxmlformats.org/officeDocument/2006/relationships" xmlns:p="http://schemas.openxmlformats.org/presentationml/2006/main">
+  <p:cSld>
+    <p:spTree>
+      <p:nvGrpSpPr>
+        <p:cNvPr id="1" name=""/>
+        <p:cNvGrpSpPr/>
+        <p:nvPr/>
+      </p:nvGrpSpPr>
+      <p:grpSpPr>
+        <a:xfrm>
+          <a:off x="0" y="0"/>
+          <a:ext cx="0" cy="0"/>
+          <a:chOff x="0" y="0"/>
+          <a:chExt cx="0" cy="0"/>
+        </a:xfrm>
+      </p:grpSpPr>
+      <p:sp>
+        <p:nvSpPr>
+          <p:cNvPr id="2" name="Slide Image Placeholder 1"/>
+          <p:cNvSpPr>
+            <a:spLocks noGrp="1" noRot="1" noChangeAspect="1"/>
+          </p:cNvSpPr>
+          <p:nvPr>
+            <p:ph type="sldImg"/>
+          </p:nvPr>
+        </p:nvSpPr>
+        <p:spPr/>
+      </p:sp>
+      <p:sp>
+        <p:nvSpPr>
+          <p:cNvPr id="3" name="Notes Placeholder 2"/>
+          <p:cNvSpPr>
+            <a:spLocks noGrp="1"/>
+          </p:cNvSpPr>
+          <p:nvPr>
+            <p:ph type="body" idx="1"/>
+          </p:nvPr>
+        </p:nvSpPr>
+        <p:spPr/>
+        <p:txBody>
+          <a:bodyPr/>
+          <a:lstStyle/>
+          <a:p>
+            <a:pPr marL="171450" marR="0" lvl="0" indent="-171450" algn="l" defTabSz="914400" rtl="0" eaLnBrk="1" fontAlgn="auto" latinLnBrk="0" hangingPunct="1">
+              <a:lnSpc>
+                <a:spcPct val="100000"/>
+              </a:lnSpc>
+              <a:spcBef>
+                <a:spcPts val="0"/>
+              </a:spcBef>
+              <a:spcAft>
+                <a:spcPts val="0"/>
+              </a:spcAft>
+              <a:buClrTx/>
+              <a:buSzTx/>
+              <a:buFont typeface="Arial" panose="020B0604020202020204" pitchFamily="34" charset="0"/>
+              <a:buChar char="•"/>
+              <a:tabLst/>
+              <a:defRPr/>
+            </a:pPr>
+            <a:r>
+              <a:rPr lang="en-US" dirty="0"/>
+              <a:t>While I haven’t satisfied my investigation, I know what resources are likely to get me there</a:t>
+            </a:r>
+          </a:p>
+          <a:p>
+            <a:pPr marL="171450" marR="0" lvl="0" indent="-171450" algn="l" defTabSz="914400" rtl="0" eaLnBrk="1" fontAlgn="auto" latinLnBrk="0" hangingPunct="1">
+              <a:lnSpc>
+                <a:spcPct val="100000"/>
+              </a:lnSpc>
+              <a:spcBef>
+                <a:spcPts val="0"/>
+              </a:spcBef>
+              <a:spcAft>
+                <a:spcPts val="0"/>
+              </a:spcAft>
+              <a:buClrTx/>
+              <a:buSzTx/>
+              <a:buFont typeface="Arial" panose="020B0604020202020204" pitchFamily="34" charset="0"/>
+              <a:buChar char="•"/>
+              <a:tabLst/>
+              <a:defRPr/>
+            </a:pPr>
+            <a:r>
+              <a:rPr lang="en-US" dirty="0"/>
+              <a:t>With this infrastructure and the personal intuition I've built for the data, I can quickly incorporate end-of-year data this summer</a:t>
+            </a:r>
+          </a:p>
+          <a:p>
+            <a:pPr marL="171450" indent="-171450">
+              <a:buFont typeface="Arial" panose="020B0604020202020204" pitchFamily="34" charset="0"/>
+              <a:buChar char="•"/>
+            </a:pPr>
+            <a:r>
+              <a:rPr lang="en-US" dirty="0"/>
+              <a:t>The context of an entire year of programming will inform which attributes to extract from prior years, adding power to my analysis</a:t>
+            </a:r>
+          </a:p>
+          <a:p>
+            <a:pPr marL="171450" indent="-171450">
+              <a:buFont typeface="Arial" panose="020B0604020202020204" pitchFamily="34" charset="0"/>
+              <a:buChar char="•"/>
+            </a:pPr>
+            <a:r>
+              <a:rPr lang="en-US" dirty="0"/>
+              <a:t>Due to our manual processes, data quality is a challenge in my analysis, but next year we are implementing a data sharing agreement with CPS</a:t>
+            </a:r>
+          </a:p>
+        </p:txBody>
+      </p:sp>
+      <p:sp>
+        <p:nvSpPr>
+          <p:cNvPr id="4" name="Slide Number Placeholder 3"/>
+          <p:cNvSpPr>
+            <a:spLocks noGrp="1"/>
+          </p:cNvSpPr>
+          <p:nvPr>
+            <p:ph type="sldNum" sz="quarter" idx="10"/>
+          </p:nvPr>
+        </p:nvSpPr>
+        <p:spPr/>
+        <p:txBody>
+          <a:bodyPr/>
+          <a:lstStyle/>
+          <a:p>
+            <a:fld id="{2A022E2E-B9C5-4DDF-9464-9A4F038075AD}" type="slidenum">
+              <a:rPr lang="en-US" smtClean="0"/>
+              <a:t>9</a:t>
+            </a:fld>
+            <a:endParaRPr lang="en-US"/>
+          </a:p>
+        </p:txBody>
+      </p:sp>
+    </p:spTree>
+    <p:extLst>
+      <p:ext uri="{BB962C8B-B14F-4D97-AF65-F5344CB8AC3E}">
+        <p14:creationId xmlns:p14="http://schemas.microsoft.com/office/powerpoint/2010/main" val="2302082706"/>
       </p:ext>
     </p:extLst>
   </p:cSld>
@@ -6958,7 +8317,7 @@
           <a:p>
             <a:fld id="{EDD89B22-A068-4CBA-8252-CF19AF47419C}" type="datetimeFigureOut">
               <a:rPr lang="en-US" smtClean="0"/>
-              <a:t>6/10/2018</a:t>
+              <a:t>6/12/2018</a:t>
             </a:fld>
             <a:endParaRPr lang="en-US"/>
           </a:p>
@@ -7156,7 +8515,7 @@
           <a:p>
             <a:fld id="{EDD89B22-A068-4CBA-8252-CF19AF47419C}" type="datetimeFigureOut">
               <a:rPr lang="en-US" smtClean="0"/>
-              <a:t>6/10/2018</a:t>
+              <a:t>6/12/2018</a:t>
             </a:fld>
             <a:endParaRPr lang="en-US"/>
           </a:p>
@@ -7364,7 +8723,7 @@
           <a:p>
             <a:fld id="{EDD89B22-A068-4CBA-8252-CF19AF47419C}" type="datetimeFigureOut">
               <a:rPr lang="en-US" smtClean="0"/>
-              <a:t>6/10/2018</a:t>
+              <a:t>6/12/2018</a:t>
             </a:fld>
             <a:endParaRPr lang="en-US"/>
           </a:p>
@@ -7562,7 +8921,7 @@
           <a:p>
             <a:fld id="{EDD89B22-A068-4CBA-8252-CF19AF47419C}" type="datetimeFigureOut">
               <a:rPr lang="en-US" smtClean="0"/>
-              <a:t>6/10/2018</a:t>
+              <a:t>6/12/2018</a:t>
             </a:fld>
             <a:endParaRPr lang="en-US"/>
           </a:p>
@@ -7837,7 +9196,7 @@
           <a:p>
             <a:fld id="{EDD89B22-A068-4CBA-8252-CF19AF47419C}" type="datetimeFigureOut">
               <a:rPr lang="en-US" smtClean="0"/>
-              <a:t>6/10/2018</a:t>
+              <a:t>6/12/2018</a:t>
             </a:fld>
             <a:endParaRPr lang="en-US"/>
           </a:p>
@@ -8102,7 +9461,7 @@
           <a:p>
             <a:fld id="{EDD89B22-A068-4CBA-8252-CF19AF47419C}" type="datetimeFigureOut">
               <a:rPr lang="en-US" smtClean="0"/>
-              <a:t>6/10/2018</a:t>
+              <a:t>6/12/2018</a:t>
             </a:fld>
             <a:endParaRPr lang="en-US"/>
           </a:p>
@@ -8514,7 +9873,7 @@
           <a:p>
             <a:fld id="{EDD89B22-A068-4CBA-8252-CF19AF47419C}" type="datetimeFigureOut">
               <a:rPr lang="en-US" smtClean="0"/>
-              <a:t>6/10/2018</a:t>
+              <a:t>6/12/2018</a:t>
             </a:fld>
             <a:endParaRPr lang="en-US"/>
           </a:p>
@@ -8655,7 +10014,7 @@
           <a:p>
             <a:fld id="{EDD89B22-A068-4CBA-8252-CF19AF47419C}" type="datetimeFigureOut">
               <a:rPr lang="en-US" smtClean="0"/>
-              <a:t>6/10/2018</a:t>
+              <a:t>6/12/2018</a:t>
             </a:fld>
             <a:endParaRPr lang="en-US"/>
           </a:p>
@@ -8768,7 +10127,7 @@
           <a:p>
             <a:fld id="{EDD89B22-A068-4CBA-8252-CF19AF47419C}" type="datetimeFigureOut">
               <a:rPr lang="en-US" smtClean="0"/>
-              <a:t>6/10/2018</a:t>
+              <a:t>6/12/2018</a:t>
             </a:fld>
             <a:endParaRPr lang="en-US"/>
           </a:p>
@@ -9079,7 +10438,7 @@
           <a:p>
             <a:fld id="{EDD89B22-A068-4CBA-8252-CF19AF47419C}" type="datetimeFigureOut">
               <a:rPr lang="en-US" smtClean="0"/>
-              <a:t>6/10/2018</a:t>
+              <a:t>6/12/2018</a:t>
             </a:fld>
             <a:endParaRPr lang="en-US"/>
           </a:p>
@@ -9367,7 +10726,7 @@
           <a:p>
             <a:fld id="{EDD89B22-A068-4CBA-8252-CF19AF47419C}" type="datetimeFigureOut">
               <a:rPr lang="en-US" smtClean="0"/>
-              <a:t>6/10/2018</a:t>
+              <a:t>6/12/2018</a:t>
             </a:fld>
             <a:endParaRPr lang="en-US"/>
           </a:p>
@@ -9608,7 +10967,7 @@
           <a:p>
             <a:fld id="{EDD89B22-A068-4CBA-8252-CF19AF47419C}" type="datetimeFigureOut">
               <a:rPr lang="en-US" smtClean="0"/>
-              <a:t>6/10/2018</a:t>
+              <a:t>6/12/2018</a:t>
             </a:fld>
             <a:endParaRPr lang="en-US"/>
           </a:p>
@@ -10102,7 +11461,7 @@
           <p:nvPr/>
         </p:nvPicPr>
         <p:blipFill>
-          <a:blip r:embed="rId2">
+          <a:blip r:embed="rId3">
             <a:extLst>
               <a:ext uri="{28A0092B-C50C-407E-A947-70E740481C1C}">
                 <a14:useLocalDpi xmlns:a14="http://schemas.microsoft.com/office/drawing/2010/main" val="0"/>
@@ -10172,20 +11531,12 @@
           <a:lstStyle/>
           <a:p>
             <a:r>
-              <a:rPr lang="en-US" sz="4000">
-                <a:solidFill>
-                  <a:srgbClr val="404040"/>
-                </a:solidFill>
-              </a:rPr>
-              <a:t>Double </a:t>
-            </a:r>
-            <a:r>
               <a:rPr lang="en-US" sz="4000" dirty="0">
                 <a:solidFill>
                   <a:srgbClr val="404040"/>
                 </a:solidFill>
               </a:rPr>
-              <a:t>Down on Python</a:t>
+              <a:t>Python in an Educational Nonprofit</a:t>
             </a:r>
           </a:p>
         </p:txBody>
@@ -10361,52 +11712,17 @@
                 </a:solidFill>
                 <a:latin typeface="+mj-lt"/>
               </a:rPr>
-              <a:t>Data Analysis</a:t>
+              <a:t>Web App</a:t>
             </a:r>
           </a:p>
         </p:txBody>
       </p:sp>
-      <p:pic>
-        <p:nvPicPr>
-          <p:cNvPr id="3" name="Picture 2">
+      <p:sp>
+        <p:nvSpPr>
+          <p:cNvPr id="4" name="TextBox 3">
             <a:extLst>
               <a:ext uri="{FF2B5EF4-FFF2-40B4-BE49-F238E27FC236}">
-                <a16:creationId xmlns:a16="http://schemas.microsoft.com/office/drawing/2014/main" id="{F3791E40-31BB-45E3-B5AD-2FEF8716F057}"/>
-              </a:ext>
-            </a:extLst>
-          </p:cNvPr>
-          <p:cNvPicPr>
-            <a:picLocks noChangeAspect="1"/>
-          </p:cNvPicPr>
-          <p:nvPr/>
-        </p:nvPicPr>
-        <p:blipFill rotWithShape="1">
-          <a:blip r:embed="rId2">
-            <a:extLst>
-              <a:ext uri="{28A0092B-C50C-407E-A947-70E740481C1C}">
-                <a14:useLocalDpi xmlns:a14="http://schemas.microsoft.com/office/drawing/2010/main" val="0"/>
-              </a:ext>
-            </a:extLst>
-          </a:blip>
-          <a:srcRect l="985" r="1" b="4709"/>
-          <a:stretch/>
-        </p:blipFill>
-        <p:spPr>
-          <a:xfrm>
-            <a:off x="64656" y="3021029"/>
-            <a:ext cx="12071927" cy="2308350"/>
-          </a:xfrm>
-          <a:prstGeom prst="rect">
-            <a:avLst/>
-          </a:prstGeom>
-        </p:spPr>
-      </p:pic>
-      <p:sp>
-        <p:nvSpPr>
-          <p:cNvPr id="13" name="TextBox 12">
-            <a:extLst>
-              <a:ext uri="{FF2B5EF4-FFF2-40B4-BE49-F238E27FC236}">
-                <a16:creationId xmlns:a16="http://schemas.microsoft.com/office/drawing/2014/main" id="{C4DEBAAB-AB0B-4890-BD54-75CD5458641C}"/>
+                <a16:creationId xmlns:a16="http://schemas.microsoft.com/office/drawing/2014/main" id="{E3360AF1-34A5-479A-B560-F6EB817F0DDD}"/>
               </a:ext>
             </a:extLst>
           </p:cNvPr>
@@ -10415,8 +11731,8 @@
         </p:nvSpPr>
         <p:spPr>
           <a:xfrm>
-            <a:off x="184729" y="5357098"/>
-            <a:ext cx="2272145" cy="369332"/>
+            <a:off x="738168" y="1993557"/>
+            <a:ext cx="10737552" cy="1569660"/>
           </a:xfrm>
           <a:prstGeom prst="rect">
             <a:avLst/>
@@ -10429,22 +11745,51 @@
           </a:bodyPr>
           <a:lstStyle/>
           <a:p>
-            <a:pPr algn="ctr"/>
             <a:r>
-              <a:rPr lang="en-US" dirty="0">
-                <a:latin typeface="+mj-lt"/>
+              <a:rPr lang="en-US" sz="3200" u="sng" dirty="0">
+                <a:solidFill>
+                  <a:srgbClr val="404040"/>
+                </a:solidFill>
               </a:rPr>
-              <a:t>Planning</a:t>
+              <a:t>Placement Algorithm</a:t>
+            </a:r>
+          </a:p>
+          <a:p>
+            <a:pPr marL="285750" indent="-285750">
+              <a:buFont typeface="Arial" panose="020B0604020202020204" pitchFamily="34" charset="0"/>
+              <a:buChar char="•"/>
+            </a:pPr>
+            <a:r>
+              <a:rPr lang="en-US" sz="3200" dirty="0">
+                <a:solidFill>
+                  <a:srgbClr val="404040"/>
+                </a:solidFill>
+              </a:rPr>
+              <a:t>Place tutors into schools at start of year</a:t>
+            </a:r>
+          </a:p>
+          <a:p>
+            <a:pPr marL="285750" indent="-285750">
+              <a:buFont typeface="Arial" panose="020B0604020202020204" pitchFamily="34" charset="0"/>
+              <a:buChar char="•"/>
+            </a:pPr>
+            <a:r>
+              <a:rPr lang="en-US" sz="3200" dirty="0">
+                <a:solidFill>
+                  <a:srgbClr val="404040"/>
+                </a:solidFill>
+              </a:rPr>
+              <a:t>Balance for diversity, commuting, language speaking ability</a:t>
             </a:r>
           </a:p>
         </p:txBody>
       </p:sp>
       <p:sp>
         <p:nvSpPr>
-          <p:cNvPr id="14" name="TextBox 13">
+          <p:cNvPr id="9" name="TextBox 8">
             <a:extLst>
               <a:ext uri="{FF2B5EF4-FFF2-40B4-BE49-F238E27FC236}">
-                <a16:creationId xmlns:a16="http://schemas.microsoft.com/office/drawing/2014/main" id="{34DE7A78-35B2-45A2-9FBB-874DC849A95D}"/>
+                <a16:creationId xmlns:a16="http://schemas.microsoft.com/office/drawing/2014/main" id="{3AEE66F6-ADB9-42B0-B480-11637126DEED}"/>
               </a:ext>
             </a:extLst>
           </p:cNvPr>
@@ -10453,8 +11798,8 @@
         </p:nvSpPr>
         <p:spPr>
           <a:xfrm>
-            <a:off x="2590802" y="5357098"/>
-            <a:ext cx="2272145" cy="369332"/>
+            <a:off x="1977117" y="6384463"/>
+            <a:ext cx="3722254" cy="369332"/>
           </a:xfrm>
           <a:prstGeom prst="rect">
             <a:avLst/>
@@ -10472,166 +11817,407 @@
               <a:rPr lang="en-US" dirty="0">
                 <a:latin typeface="+mj-lt"/>
               </a:rPr>
-              <a:t>Tutoring Strategy</a:t>
+              <a:t>One-Way Commute (mins)</a:t>
             </a:r>
           </a:p>
         </p:txBody>
       </p:sp>
-      <p:sp>
-        <p:nvSpPr>
-          <p:cNvPr id="15" name="TextBox 14">
+      <p:pic>
+        <p:nvPicPr>
+          <p:cNvPr id="14" name="Picture 13">
             <a:extLst>
               <a:ext uri="{FF2B5EF4-FFF2-40B4-BE49-F238E27FC236}">
-                <a16:creationId xmlns:a16="http://schemas.microsoft.com/office/drawing/2014/main" id="{A75D4FF4-E3A4-4510-8788-7B0C12B0B02B}"/>
+                <a16:creationId xmlns:a16="http://schemas.microsoft.com/office/drawing/2014/main" id="{69C6FD22-712B-4865-A5F0-1E379E254187}"/>
               </a:ext>
             </a:extLst>
           </p:cNvPr>
-          <p:cNvSpPr txBox="1"/>
+          <p:cNvPicPr>
+            <a:picLocks noChangeAspect="1"/>
+          </p:cNvPicPr>
           <p:nvPr/>
-        </p:nvSpPr>
+        </p:nvPicPr>
+        <p:blipFill>
+          <a:blip r:embed="rId3">
+            <a:extLst>
+              <a:ext uri="{28A0092B-C50C-407E-A947-70E740481C1C}">
+                <a14:useLocalDpi xmlns:a14="http://schemas.microsoft.com/office/drawing/2010/main" val="0"/>
+              </a:ext>
+            </a:extLst>
+          </a:blip>
+          <a:stretch>
+            <a:fillRect/>
+          </a:stretch>
+        </p:blipFill>
         <p:spPr>
           <a:xfrm>
-            <a:off x="4996875" y="5357098"/>
-            <a:ext cx="2274009" cy="369332"/>
+            <a:off x="7027317" y="4105297"/>
+            <a:ext cx="3249212" cy="2485736"/>
+          </a:xfrm>
+          <a:prstGeom prst="rect">
+            <a:avLst/>
+          </a:prstGeom>
+        </p:spPr>
+      </p:pic>
+      <p:pic>
+        <p:nvPicPr>
+          <p:cNvPr id="5122" name="Picture 2" descr="R">
+            <a:extLst>
+              <a:ext uri="{FF2B5EF4-FFF2-40B4-BE49-F238E27FC236}">
+                <a16:creationId xmlns:a16="http://schemas.microsoft.com/office/drawing/2014/main" id="{EC957812-507F-4407-93FF-64BFC562FCDD}"/>
+              </a:ext>
+            </a:extLst>
+          </p:cNvPr>
+          <p:cNvPicPr>
+            <a:picLocks noChangeAspect="1" noChangeArrowheads="1"/>
+          </p:cNvPicPr>
+          <p:nvPr/>
+        </p:nvPicPr>
+        <p:blipFill>
+          <a:blip r:embed="rId4">
+            <a:extLst>
+              <a:ext uri="{28A0092B-C50C-407E-A947-70E740481C1C}">
+                <a14:useLocalDpi xmlns:a14="http://schemas.microsoft.com/office/drawing/2010/main" val="0"/>
+              </a:ext>
+            </a:extLst>
+          </a:blip>
+          <a:srcRect/>
+          <a:stretch>
+            <a:fillRect/>
+          </a:stretch>
+        </p:blipFill>
+        <p:spPr bwMode="auto">
+          <a:xfrm>
+            <a:off x="7148334" y="3669041"/>
+            <a:ext cx="947786" cy="734534"/>
           </a:xfrm>
           <a:prstGeom prst="rect">
             <a:avLst/>
           </a:prstGeom>
           <a:noFill/>
+          <a:extLst>
+            <a:ext uri="{909E8E84-426E-40DD-AFC4-6F175D3DCCD1}">
+              <a14:hiddenFill xmlns:a14="http://schemas.microsoft.com/office/drawing/2010/main">
+                <a:solidFill>
+                  <a:srgbClr val="FFFFFF"/>
+                </a:solidFill>
+              </a14:hiddenFill>
+            </a:ext>
+          </a:extLst>
         </p:spPr>
-        <p:txBody>
-          <a:bodyPr wrap="square" rtlCol="0">
-            <a:spAutoFit/>
-          </a:bodyPr>
-          <a:lstStyle/>
-          <a:p>
-            <a:pPr algn="ctr"/>
-            <a:r>
-              <a:rPr lang="en-US" dirty="0">
-                <a:latin typeface="+mj-lt"/>
-              </a:rPr>
-              <a:t>Student Engagement</a:t>
-            </a:r>
-          </a:p>
-        </p:txBody>
-      </p:sp>
-      <p:sp>
-        <p:nvSpPr>
-          <p:cNvPr id="16" name="TextBox 15">
+      </p:pic>
+      <p:pic>
+        <p:nvPicPr>
+          <p:cNvPr id="5" name="Picture 4">
             <a:extLst>
               <a:ext uri="{FF2B5EF4-FFF2-40B4-BE49-F238E27FC236}">
-                <a16:creationId xmlns:a16="http://schemas.microsoft.com/office/drawing/2014/main" id="{35CEDA90-5EE1-498F-94C0-4C505E741D61}"/>
+                <a16:creationId xmlns:a16="http://schemas.microsoft.com/office/drawing/2014/main" id="{43F1F162-015C-4AC1-A774-AF88EB12A789}"/>
               </a:ext>
             </a:extLst>
           </p:cNvPr>
-          <p:cNvSpPr txBox="1"/>
+          <p:cNvPicPr>
+            <a:picLocks noChangeAspect="1"/>
+          </p:cNvPicPr>
           <p:nvPr/>
-        </p:nvSpPr>
+        </p:nvPicPr>
+        <p:blipFill rotWithShape="1">
+          <a:blip r:embed="rId5">
+            <a:extLst>
+              <a:ext uri="{28A0092B-C50C-407E-A947-70E740481C1C}">
+                <a14:useLocalDpi xmlns:a14="http://schemas.microsoft.com/office/drawing/2010/main" val="0"/>
+              </a:ext>
+            </a:extLst>
+          </a:blip>
+          <a:srcRect t="4874" r="4198"/>
+          <a:stretch/>
+        </p:blipFill>
         <p:spPr>
           <a:xfrm>
-            <a:off x="7478703" y="5357098"/>
-            <a:ext cx="2272145" cy="369332"/>
+            <a:off x="1463662" y="3620314"/>
+            <a:ext cx="4235709" cy="2764149"/>
           </a:xfrm>
           <a:prstGeom prst="rect">
             <a:avLst/>
           </a:prstGeom>
-          <a:noFill/>
         </p:spPr>
-        <p:txBody>
-          <a:bodyPr wrap="square" rtlCol="0">
-            <a:spAutoFit/>
-          </a:bodyPr>
-          <a:lstStyle/>
-          <a:p>
-            <a:pPr algn="ctr"/>
-            <a:r>
-              <a:rPr lang="en-US" dirty="0">
-                <a:latin typeface="+mj-lt"/>
-              </a:rPr>
-              <a:t>Progress Monitoring</a:t>
-            </a:r>
-          </a:p>
-        </p:txBody>
-      </p:sp>
-      <p:sp>
-        <p:nvSpPr>
-          <p:cNvPr id="17" name="TextBox 16">
+      </p:pic>
+      <p:grpSp>
+        <p:nvGrpSpPr>
+          <p:cNvPr id="15" name="Group 14">
             <a:extLst>
               <a:ext uri="{FF2B5EF4-FFF2-40B4-BE49-F238E27FC236}">
-                <a16:creationId xmlns:a16="http://schemas.microsoft.com/office/drawing/2014/main" id="{29B096D1-52BA-4BAC-A28F-9062792430A1}"/>
+                <a16:creationId xmlns:a16="http://schemas.microsoft.com/office/drawing/2014/main" id="{26D1F4AC-1489-4C15-8E12-D75BD21A7BC7}"/>
               </a:ext>
             </a:extLst>
           </p:cNvPr>
-          <p:cNvSpPr txBox="1"/>
+          <p:cNvGrpSpPr/>
           <p:nvPr/>
-        </p:nvSpPr>
-        <p:spPr>
+        </p:nvGrpSpPr>
+        <p:grpSpPr>
           <a:xfrm>
-            <a:off x="9845967" y="5357098"/>
-            <a:ext cx="2290618" cy="646331"/>
+            <a:off x="3860411" y="3800785"/>
+            <a:ext cx="2129230" cy="902970"/>
+            <a:chOff x="4257040" y="3928110"/>
+            <a:chExt cx="2129230" cy="902970"/>
           </a:xfrm>
-          <a:prstGeom prst="rect">
-            <a:avLst/>
-          </a:prstGeom>
-          <a:noFill/>
-        </p:spPr>
-        <p:txBody>
-          <a:bodyPr wrap="square" rtlCol="0">
-            <a:spAutoFit/>
-          </a:bodyPr>
-          <a:lstStyle/>
-          <a:p>
-            <a:pPr algn="ctr"/>
-            <a:r>
-              <a:rPr lang="en-US" dirty="0">
-                <a:latin typeface="+mj-lt"/>
-              </a:rPr>
-              <a:t>Implementation of Training</a:t>
-            </a:r>
-          </a:p>
-        </p:txBody>
-      </p:sp>
-      <p:sp>
-        <p:nvSpPr>
-          <p:cNvPr id="18" name="TextBox 17">
-            <a:extLst>
-              <a:ext uri="{FF2B5EF4-FFF2-40B4-BE49-F238E27FC236}">
-                <a16:creationId xmlns:a16="http://schemas.microsoft.com/office/drawing/2014/main" id="{4EC5A6EE-4C4E-46D0-982F-590120F9956C}"/>
-              </a:ext>
-            </a:extLst>
-          </p:cNvPr>
-          <p:cNvSpPr txBox="1"/>
-          <p:nvPr/>
-        </p:nvSpPr>
-        <p:spPr>
-          <a:xfrm>
-            <a:off x="387926" y="2127353"/>
-            <a:ext cx="11804073" cy="584775"/>
-          </a:xfrm>
-          <a:prstGeom prst="rect">
-            <a:avLst/>
-          </a:prstGeom>
-          <a:noFill/>
-        </p:spPr>
-        <p:txBody>
-          <a:bodyPr wrap="square" rtlCol="0">
-            <a:spAutoFit/>
-          </a:bodyPr>
-          <a:lstStyle/>
-          <a:p>
-            <a:r>
-              <a:rPr lang="en-US" sz="3200" dirty="0">
-                <a:latin typeface="+mj-lt"/>
-              </a:rPr>
-              <a:t>Tutoring Quality and Student Performance</a:t>
-            </a:r>
-          </a:p>
-        </p:txBody>
-      </p:sp>
+        </p:grpSpPr>
+        <p:sp>
+          <p:nvSpPr>
+            <p:cNvPr id="10" name="Rectangle 9">
+              <a:extLst>
+                <a:ext uri="{FF2B5EF4-FFF2-40B4-BE49-F238E27FC236}">
+                  <a16:creationId xmlns:a16="http://schemas.microsoft.com/office/drawing/2014/main" id="{911A8E46-E979-4CCF-A0D8-0F4AED0CD5F9}"/>
+                </a:ext>
+              </a:extLst>
+            </p:cNvPr>
+            <p:cNvSpPr/>
+            <p:nvPr/>
+          </p:nvSpPr>
+          <p:spPr>
+            <a:xfrm>
+              <a:off x="4257040" y="3928110"/>
+              <a:ext cx="1960880" cy="902970"/>
+            </a:xfrm>
+            <a:prstGeom prst="rect">
+              <a:avLst/>
+            </a:prstGeom>
+            <a:solidFill>
+              <a:schemeClr val="bg1"/>
+            </a:solidFill>
+            <a:ln>
+              <a:solidFill>
+                <a:srgbClr val="D4D4D4"/>
+              </a:solidFill>
+            </a:ln>
+          </p:spPr>
+          <p:style>
+            <a:lnRef idx="2">
+              <a:schemeClr val="accent1">
+                <a:shade val="50000"/>
+              </a:schemeClr>
+            </a:lnRef>
+            <a:fillRef idx="1">
+              <a:schemeClr val="accent1"/>
+            </a:fillRef>
+            <a:effectRef idx="0">
+              <a:schemeClr val="accent1"/>
+            </a:effectRef>
+            <a:fontRef idx="minor">
+              <a:schemeClr val="lt1"/>
+            </a:fontRef>
+          </p:style>
+          <p:txBody>
+            <a:bodyPr rtlCol="0" anchor="ctr"/>
+            <a:lstStyle/>
+            <a:p>
+              <a:pPr algn="ctr"/>
+              <a:endParaRPr lang="en-US" dirty="0"/>
+            </a:p>
+          </p:txBody>
+        </p:sp>
+        <p:grpSp>
+          <p:nvGrpSpPr>
+            <p:cNvPr id="6" name="Group 5">
+              <a:extLst>
+                <a:ext uri="{FF2B5EF4-FFF2-40B4-BE49-F238E27FC236}">
+                  <a16:creationId xmlns:a16="http://schemas.microsoft.com/office/drawing/2014/main" id="{ECC46EAD-5B3D-40A4-A670-E20AB2DF095C}"/>
+                </a:ext>
+              </a:extLst>
+            </p:cNvPr>
+            <p:cNvGrpSpPr/>
+            <p:nvPr/>
+          </p:nvGrpSpPr>
+          <p:grpSpPr>
+            <a:xfrm>
+              <a:off x="4391215" y="4047956"/>
+              <a:ext cx="1995055" cy="662777"/>
+              <a:chOff x="5137500" y="4700423"/>
+              <a:chExt cx="1995055" cy="662777"/>
+            </a:xfrm>
+          </p:grpSpPr>
+          <p:sp>
+            <p:nvSpPr>
+              <p:cNvPr id="7" name="Rectangle 6">
+                <a:extLst>
+                  <a:ext uri="{FF2B5EF4-FFF2-40B4-BE49-F238E27FC236}">
+                    <a16:creationId xmlns:a16="http://schemas.microsoft.com/office/drawing/2014/main" id="{7A3EE16F-824D-40C6-B292-CB4FD5474400}"/>
+                  </a:ext>
+                </a:extLst>
+              </p:cNvPr>
+              <p:cNvSpPr/>
+              <p:nvPr/>
+            </p:nvSpPr>
+            <p:spPr>
+              <a:xfrm>
+                <a:off x="5137500" y="5080003"/>
+                <a:ext cx="230910" cy="258618"/>
+              </a:xfrm>
+              <a:prstGeom prst="rect">
+                <a:avLst/>
+              </a:prstGeom>
+              <a:solidFill>
+                <a:srgbClr val="FFB26E"/>
+              </a:solidFill>
+              <a:ln>
+                <a:noFill/>
+              </a:ln>
+            </p:spPr>
+            <p:style>
+              <a:lnRef idx="2">
+                <a:schemeClr val="accent1">
+                  <a:shade val="50000"/>
+                </a:schemeClr>
+              </a:lnRef>
+              <a:fillRef idx="1">
+                <a:schemeClr val="accent1"/>
+              </a:fillRef>
+              <a:effectRef idx="0">
+                <a:schemeClr val="accent1"/>
+              </a:effectRef>
+              <a:fontRef idx="minor">
+                <a:schemeClr val="lt1"/>
+              </a:fontRef>
+            </p:style>
+            <p:txBody>
+              <a:bodyPr rtlCol="0" anchor="ctr"/>
+              <a:lstStyle/>
+              <a:p>
+                <a:pPr algn="ctr"/>
+                <a:endParaRPr lang="en-US"/>
+              </a:p>
+            </p:txBody>
+          </p:sp>
+          <p:sp>
+            <p:nvSpPr>
+              <p:cNvPr id="11" name="Rectangle 10">
+                <a:extLst>
+                  <a:ext uri="{FF2B5EF4-FFF2-40B4-BE49-F238E27FC236}">
+                    <a16:creationId xmlns:a16="http://schemas.microsoft.com/office/drawing/2014/main" id="{21EAC6C0-F75B-445C-BF23-88BC2C16F851}"/>
+                  </a:ext>
+                </a:extLst>
+              </p:cNvPr>
+              <p:cNvSpPr/>
+              <p:nvPr/>
+            </p:nvSpPr>
+            <p:spPr>
+              <a:xfrm>
+                <a:off x="5137500" y="4755780"/>
+                <a:ext cx="230910" cy="258618"/>
+              </a:xfrm>
+              <a:prstGeom prst="rect">
+                <a:avLst/>
+              </a:prstGeom>
+              <a:solidFill>
+                <a:srgbClr val="1F77B4"/>
+              </a:solidFill>
+              <a:ln>
+                <a:noFill/>
+              </a:ln>
+            </p:spPr>
+            <p:style>
+              <a:lnRef idx="2">
+                <a:schemeClr val="accent1">
+                  <a:shade val="50000"/>
+                </a:schemeClr>
+              </a:lnRef>
+              <a:fillRef idx="1">
+                <a:schemeClr val="accent1"/>
+              </a:fillRef>
+              <a:effectRef idx="0">
+                <a:schemeClr val="accent1"/>
+              </a:effectRef>
+              <a:fontRef idx="minor">
+                <a:schemeClr val="lt1"/>
+              </a:fontRef>
+            </p:style>
+            <p:txBody>
+              <a:bodyPr rtlCol="0" anchor="ctr"/>
+              <a:lstStyle/>
+              <a:p>
+                <a:pPr algn="ctr"/>
+                <a:endParaRPr lang="en-US" dirty="0"/>
+              </a:p>
+            </p:txBody>
+          </p:sp>
+          <p:sp>
+            <p:nvSpPr>
+              <p:cNvPr id="12" name="TextBox 11">
+                <a:extLst>
+                  <a:ext uri="{FF2B5EF4-FFF2-40B4-BE49-F238E27FC236}">
+                    <a16:creationId xmlns:a16="http://schemas.microsoft.com/office/drawing/2014/main" id="{B67C4ED8-7BCD-4CFB-854E-513AA96EC00A}"/>
+                  </a:ext>
+                </a:extLst>
+              </p:cNvPr>
+              <p:cNvSpPr txBox="1"/>
+              <p:nvPr/>
+            </p:nvSpPr>
+            <p:spPr>
+              <a:xfrm>
+                <a:off x="5368410" y="5024646"/>
+                <a:ext cx="1764145" cy="338554"/>
+              </a:xfrm>
+              <a:prstGeom prst="rect">
+                <a:avLst/>
+              </a:prstGeom>
+              <a:noFill/>
+            </p:spPr>
+            <p:txBody>
+              <a:bodyPr wrap="square" rtlCol="0">
+                <a:spAutoFit/>
+              </a:bodyPr>
+              <a:lstStyle/>
+              <a:p>
+                <a:r>
+                  <a:rPr lang="en-US" sz="1600" dirty="0">
+                    <a:latin typeface="+mj-lt"/>
+                  </a:rPr>
+                  <a:t>School Year 2018</a:t>
+                </a:r>
+              </a:p>
+            </p:txBody>
+          </p:sp>
+          <p:sp>
+            <p:nvSpPr>
+              <p:cNvPr id="13" name="TextBox 12">
+                <a:extLst>
+                  <a:ext uri="{FF2B5EF4-FFF2-40B4-BE49-F238E27FC236}">
+                    <a16:creationId xmlns:a16="http://schemas.microsoft.com/office/drawing/2014/main" id="{B0D3EB4E-7003-4407-87E6-A706D08CCC9A}"/>
+                  </a:ext>
+                </a:extLst>
+              </p:cNvPr>
+              <p:cNvSpPr txBox="1"/>
+              <p:nvPr/>
+            </p:nvSpPr>
+            <p:spPr>
+              <a:xfrm>
+                <a:off x="5368410" y="4700423"/>
+                <a:ext cx="1764145" cy="338554"/>
+              </a:xfrm>
+              <a:prstGeom prst="rect">
+                <a:avLst/>
+              </a:prstGeom>
+              <a:noFill/>
+            </p:spPr>
+            <p:txBody>
+              <a:bodyPr wrap="square" rtlCol="0">
+                <a:spAutoFit/>
+              </a:bodyPr>
+              <a:lstStyle/>
+              <a:p>
+                <a:r>
+                  <a:rPr lang="en-US" sz="1600" dirty="0">
+                    <a:latin typeface="+mj-lt"/>
+                  </a:rPr>
+                  <a:t>School Year 2017</a:t>
+                </a:r>
+              </a:p>
+            </p:txBody>
+          </p:sp>
+        </p:grpSp>
+      </p:grpSp>
     </p:spTree>
     <p:extLst>
       <p:ext uri="{BB962C8B-B14F-4D97-AF65-F5344CB8AC3E}">
-        <p14:creationId xmlns:p14="http://schemas.microsoft.com/office/powerpoint/2010/main" val="549830037"/>
+        <p14:creationId xmlns:p14="http://schemas.microsoft.com/office/powerpoint/2010/main" val="3523406383"/>
       </p:ext>
     </p:extLst>
   </p:cSld>
@@ -10741,992 +12327,6 @@
           <a:lstStyle/>
           <a:p>
             <a:r>
-              <a:rPr lang="en-US" sz="4400">
-                <a:solidFill>
-                  <a:schemeClr val="bg1"/>
-                </a:solidFill>
-                <a:latin typeface="+mj-lt"/>
-              </a:rPr>
-              <a:t>Data Analysis</a:t>
-            </a:r>
-            <a:endParaRPr lang="en-US" sz="4400" dirty="0">
-              <a:solidFill>
-                <a:schemeClr val="bg1"/>
-              </a:solidFill>
-              <a:latin typeface="+mj-lt"/>
-            </a:endParaRPr>
-          </a:p>
-        </p:txBody>
-      </p:sp>
-      <p:grpSp>
-        <p:nvGrpSpPr>
-          <p:cNvPr id="5" name="Group 4">
-            <a:extLst>
-              <a:ext uri="{FF2B5EF4-FFF2-40B4-BE49-F238E27FC236}">
-                <a16:creationId xmlns:a16="http://schemas.microsoft.com/office/drawing/2014/main" id="{43E696BB-1B00-426D-90F5-3D03C7E8BCB2}"/>
-              </a:ext>
-            </a:extLst>
-          </p:cNvPr>
-          <p:cNvGrpSpPr/>
-          <p:nvPr/>
-        </p:nvGrpSpPr>
-        <p:grpSpPr>
-          <a:xfrm>
-            <a:off x="4135490" y="2712129"/>
-            <a:ext cx="3904492" cy="3899006"/>
-            <a:chOff x="3527765" y="2177637"/>
-            <a:chExt cx="4288178" cy="4282153"/>
-          </a:xfrm>
-        </p:grpSpPr>
-        <p:pic>
-          <p:nvPicPr>
-            <p:cNvPr id="1026" name="Picture 2" descr="https://attachment.outlook.office.net/owa/CLuedtke@cityyear.org/service.svc/s/GetFileAttachment?id=AAMkADFhM2QwYTVkLWQ5OTItNGVhZC05OWIyLWQyZDg4YTk4ZTBkNABGAAAAAABplpEPW9SqTrn9Pjs051S3BwAo1NcU7syeQKGYibt8JRuFAAAAAAEMAAAo1NcU7syeQKGYibt8JRuFAAEkDUZ1AAABEgAQAFeVW6AKbEBJnIBqmGcZGf4%3D&amp;X-OWA-CANARY=Dq4My72dFk6A3RAjM5bT37CkD_LzztUYdGt3P_iOvewrB4MRqpiROfygkVNe3EZr85jvnt4Q-dU.&amp;token=eyJhbGciOiJSUzI1NiIsImtpZCI6IjA2MDBGOUY2NzQ2MjA3MzdFNzM0MDRFMjg3QzQ1QTgxOENCN0NFQjgiLCJ4NXQiOiJCZ0Q1OW5SaUJ6Zm5OQVRpaDhSYWdZeTN6cmciLCJ0eXAiOiJKV1QifQ.eyJ2ZXIiOiJFeGNoYW5nZS5DYWxsYmFjay5WMSIsImFwcGN0eHNlbmRlciI6Ik93YURvd25sb2FkQGE1Yzc4OTlmLWQxMjktNDhmNi1hYzg4LThmOTdmMzY2ZGE3NCIsImFwcGN0eCI6IntcIm1zZXhjaHByb3RcIjpcIm93YVwiLFwicHJpbWFyeXNpZFwiOlwiUy0xLTUtMjEtMjUwMzYxMzY1MS01NTYyOTE2ODItMzgxNzI3MDA0LTE0OTExOTg2XCIsXCJwdWlkXCI6XCIxMTUzOTA2NjYxMDg0NDgwMjkyXCIsXCJvaWRcIjpcImY3YzNjYTY1LTg4ZWYtNGY5Ny04ZjE5LWQ5ZmZhMzUyMGYxMlwiLFwic2NvcGVcIjpcIk93YURvd25sb2FkXCJ9IiwibmJmIjoxNTI4NjUwMTI2LCJleHAiOjE1Mjg2NTA3MjYsImlzcyI6IjAwMDAwMDAyLTAwMDAtMGZmMS1jZTAwLTAwMDAwMDAwMDAwMEBhNWM3ODk5Zi1kMTI5LTQ4ZjYtYWM4OC04Zjk3ZjM2NmRhNzQiLCJhdWQiOiIwMDAwMDAwMi0wMDAwLTBmZjEtY2UwMC0wMDAwMDAwMDAwMDAvYXR0YWNobWVudC5vdXRsb29rLm9mZmljZS5uZXRAYTVjNzg5OWYtZDEyOS00OGY2LWFjODgtOGY5N2YzNjZkYTc0In0.O0myewv0EHM0-Y2Ws8-pdVvAXrFTmIAJnvfNCbByH7jT-PL1ahI98kNnQuu2BkIQ3rlhZdWdfZyqwFBQwuQ5iqrfN1yDYabFcv0zYm7F3EKBiddm1UrOB4GzRDI5SPR_p9DxRT-d13XiKQGyJ7vPC202KpDKJIyzKKkWSjl6649CJRzSiS1l0J6pYihDEEdudJBt1tZCWSUMvjPZQpblhjusjCm79Oq-py1SDktg9_zuh9zBi35S7WEOBCZZCaCVQMBn7mmw0w_aeXC5XIH7GyCxr_qo7h95zHiLpfdK_xbrgqr2CafGBHe_azLrTRqsadXoC0QtbGqG1IGVwtCMhw&amp;owa=outlook.office.com&amp;isImagePreview=True">
-              <a:extLst>
-                <a:ext uri="{FF2B5EF4-FFF2-40B4-BE49-F238E27FC236}">
-                  <a16:creationId xmlns:a16="http://schemas.microsoft.com/office/drawing/2014/main" id="{ED12235C-FA94-4657-8600-11B96C26DF2A}"/>
-                </a:ext>
-              </a:extLst>
-            </p:cNvPr>
-            <p:cNvPicPr>
-              <a:picLocks noChangeAspect="1" noChangeArrowheads="1"/>
-            </p:cNvPicPr>
-            <p:nvPr/>
-          </p:nvPicPr>
-          <p:blipFill rotWithShape="1">
-            <a:blip r:embed="rId2">
-              <a:extLst>
-                <a:ext uri="{28A0092B-C50C-407E-A947-70E740481C1C}">
-                  <a14:useLocalDpi xmlns:a14="http://schemas.microsoft.com/office/drawing/2010/main" val="0"/>
-                </a:ext>
-              </a:extLst>
-            </a:blip>
-            <a:srcRect l="4152" r="2315" b="5942"/>
-            <a:stretch/>
-          </p:blipFill>
-          <p:spPr bwMode="auto">
-            <a:xfrm>
-              <a:off x="4027715" y="2188523"/>
-              <a:ext cx="3788228" cy="3820576"/>
-            </a:xfrm>
-            <a:prstGeom prst="rect">
-              <a:avLst/>
-            </a:prstGeom>
-            <a:noFill/>
-            <a:extLst>
-              <a:ext uri="{909E8E84-426E-40DD-AFC4-6F175D3DCCD1}">
-                <a14:hiddenFill xmlns:a14="http://schemas.microsoft.com/office/drawing/2010/main">
-                  <a:solidFill>
-                    <a:srgbClr val="FFFFFF"/>
-                  </a:solidFill>
-                </a14:hiddenFill>
-              </a:ext>
-            </a:extLst>
-          </p:spPr>
-        </p:pic>
-        <p:sp>
-          <p:nvSpPr>
-            <p:cNvPr id="2" name="TextBox 1">
-              <a:extLst>
-                <a:ext uri="{FF2B5EF4-FFF2-40B4-BE49-F238E27FC236}">
-                  <a16:creationId xmlns:a16="http://schemas.microsoft.com/office/drawing/2014/main" id="{89D91BBD-59B2-48AB-A82F-18C945F886C9}"/>
-                </a:ext>
-              </a:extLst>
-            </p:cNvPr>
-            <p:cNvSpPr txBox="1"/>
-            <p:nvPr/>
-          </p:nvSpPr>
-          <p:spPr>
-            <a:xfrm rot="16200000">
-              <a:off x="1934682" y="3770720"/>
-              <a:ext cx="3591792" cy="405625"/>
-            </a:xfrm>
-            <a:prstGeom prst="rect">
-              <a:avLst/>
-            </a:prstGeom>
-            <a:noFill/>
-          </p:spPr>
-          <p:txBody>
-            <a:bodyPr wrap="square" rtlCol="0">
-              <a:spAutoFit/>
-            </a:bodyPr>
-            <a:lstStyle/>
-            <a:p>
-              <a:pPr algn="ctr"/>
-              <a:r>
-                <a:rPr lang="en-US" dirty="0">
-                  <a:latin typeface="+mj-lt"/>
-                </a:rPr>
-                <a:t>Challenge Likelihood</a:t>
-              </a:r>
-            </a:p>
-          </p:txBody>
-        </p:sp>
-        <p:sp>
-          <p:nvSpPr>
-            <p:cNvPr id="7" name="TextBox 6">
-              <a:extLst>
-                <a:ext uri="{FF2B5EF4-FFF2-40B4-BE49-F238E27FC236}">
-                  <a16:creationId xmlns:a16="http://schemas.microsoft.com/office/drawing/2014/main" id="{26385E5E-272C-427D-B286-85B243BDCD37}"/>
-                </a:ext>
-              </a:extLst>
-            </p:cNvPr>
-            <p:cNvSpPr txBox="1"/>
-            <p:nvPr/>
-          </p:nvSpPr>
-          <p:spPr>
-            <a:xfrm>
-              <a:off x="4343400" y="6090458"/>
-              <a:ext cx="3472543" cy="369332"/>
-            </a:xfrm>
-            <a:prstGeom prst="rect">
-              <a:avLst/>
-            </a:prstGeom>
-            <a:noFill/>
-          </p:spPr>
-          <p:txBody>
-            <a:bodyPr wrap="square" rtlCol="0">
-              <a:spAutoFit/>
-            </a:bodyPr>
-            <a:lstStyle/>
-            <a:p>
-              <a:pPr algn="ctr"/>
-              <a:r>
-                <a:rPr lang="en-US" dirty="0">
-                  <a:latin typeface="+mj-lt"/>
-                </a:rPr>
-                <a:t>One-Way Commute (mins)</a:t>
-              </a:r>
-            </a:p>
-          </p:txBody>
-        </p:sp>
-      </p:grpSp>
-      <p:sp>
-        <p:nvSpPr>
-          <p:cNvPr id="11" name="TextBox 10">
-            <a:extLst>
-              <a:ext uri="{FF2B5EF4-FFF2-40B4-BE49-F238E27FC236}">
-                <a16:creationId xmlns:a16="http://schemas.microsoft.com/office/drawing/2014/main" id="{57455065-EEB1-48AA-BBF3-BA429374FD46}"/>
-              </a:ext>
-            </a:extLst>
-          </p:cNvPr>
-          <p:cNvSpPr txBox="1"/>
-          <p:nvPr/>
-        </p:nvSpPr>
-        <p:spPr>
-          <a:xfrm>
-            <a:off x="0" y="2127353"/>
-            <a:ext cx="12191999" cy="584775"/>
-          </a:xfrm>
-          <a:prstGeom prst="rect">
-            <a:avLst/>
-          </a:prstGeom>
-          <a:noFill/>
-        </p:spPr>
-        <p:txBody>
-          <a:bodyPr wrap="square" rtlCol="0">
-            <a:spAutoFit/>
-          </a:bodyPr>
-          <a:lstStyle/>
-          <a:p>
-            <a:pPr algn="ctr"/>
-            <a:r>
-              <a:rPr lang="en-US" sz="3200" dirty="0">
-                <a:latin typeface="+mj-lt"/>
-              </a:rPr>
-              <a:t>Commuting Challenge</a:t>
-            </a:r>
-          </a:p>
-        </p:txBody>
-      </p:sp>
-    </p:spTree>
-    <p:extLst>
-      <p:ext uri="{BB962C8B-B14F-4D97-AF65-F5344CB8AC3E}">
-        <p14:creationId xmlns:p14="http://schemas.microsoft.com/office/powerpoint/2010/main" val="952486940"/>
-      </p:ext>
-    </p:extLst>
-  </p:cSld>
-  <p:clrMapOvr>
-    <a:masterClrMapping/>
-  </p:clrMapOvr>
-</p:sld>
-</file>
-
-<file path=ppt/slides/slide12.xml><?xml version="1.0" encoding="utf-8"?>
-<p:sld xmlns:a="http://schemas.openxmlformats.org/drawingml/2006/main" xmlns:r="http://schemas.openxmlformats.org/officeDocument/2006/relationships" xmlns:p="http://schemas.openxmlformats.org/presentationml/2006/main">
-  <p:cSld>
-    <p:spTree>
-      <p:nvGrpSpPr>
-        <p:cNvPr id="1" name=""/>
-        <p:cNvGrpSpPr/>
-        <p:nvPr/>
-      </p:nvGrpSpPr>
-      <p:grpSpPr>
-        <a:xfrm>
-          <a:off x="0" y="0"/>
-          <a:ext cx="0" cy="0"/>
-          <a:chOff x="0" y="0"/>
-          <a:chExt cx="0" cy="0"/>
-        </a:xfrm>
-      </p:grpSpPr>
-      <p:sp>
-        <p:nvSpPr>
-          <p:cNvPr id="5" name="Rectangle 4">
-            <a:extLst>
-              <a:ext uri="{FF2B5EF4-FFF2-40B4-BE49-F238E27FC236}">
-                <a16:creationId xmlns:a16="http://schemas.microsoft.com/office/drawing/2014/main" id="{321B3E3A-83CC-4829-903B-6A862DBF9C13}"/>
-              </a:ext>
-            </a:extLst>
-          </p:cNvPr>
-          <p:cNvSpPr/>
-          <p:nvPr/>
-        </p:nvSpPr>
-        <p:spPr>
-          <a:xfrm>
-            <a:off x="0" y="0"/>
-            <a:ext cx="4175761" cy="6858000"/>
-          </a:xfrm>
-          <a:prstGeom prst="rect">
-            <a:avLst/>
-          </a:prstGeom>
-          <a:solidFill>
-            <a:srgbClr val="404040"/>
-          </a:solidFill>
-        </p:spPr>
-        <p:style>
-          <a:lnRef idx="2">
-            <a:schemeClr val="accent1">
-              <a:shade val="50000"/>
-            </a:schemeClr>
-          </a:lnRef>
-          <a:fillRef idx="1">
-            <a:schemeClr val="accent1"/>
-          </a:fillRef>
-          <a:effectRef idx="0">
-            <a:schemeClr val="accent1"/>
-          </a:effectRef>
-          <a:fontRef idx="minor">
-            <a:schemeClr val="lt1"/>
-          </a:fontRef>
-        </p:style>
-        <p:txBody>
-          <a:bodyPr rtlCol="0" anchor="ctr"/>
-          <a:lstStyle/>
-          <a:p>
-            <a:pPr algn="ctr"/>
-            <a:endParaRPr lang="en-US" dirty="0"/>
-          </a:p>
-        </p:txBody>
-      </p:sp>
-      <p:sp>
-        <p:nvSpPr>
-          <p:cNvPr id="9" name="Title 1">
-            <a:extLst>
-              <a:ext uri="{FF2B5EF4-FFF2-40B4-BE49-F238E27FC236}">
-                <a16:creationId xmlns:a16="http://schemas.microsoft.com/office/drawing/2014/main" id="{F43340BE-D77F-4EB8-85CB-1C0D2E2178FF}"/>
-              </a:ext>
-            </a:extLst>
-          </p:cNvPr>
-          <p:cNvSpPr>
-            <a:spLocks noGrp="1"/>
-          </p:cNvSpPr>
-          <p:nvPr>
-            <p:ph type="title"/>
-          </p:nvPr>
-        </p:nvSpPr>
-        <p:spPr>
-          <a:xfrm>
-            <a:off x="325447" y="727315"/>
-            <a:ext cx="3524865" cy="5403370"/>
-          </a:xfrm>
-        </p:spPr>
-        <p:txBody>
-          <a:bodyPr>
-            <a:normAutofit/>
-          </a:bodyPr>
-          <a:lstStyle/>
-          <a:p>
-            <a:pPr algn="ctr"/>
-            <a:r>
-              <a:rPr lang="en-US" dirty="0">
-                <a:solidFill>
-                  <a:srgbClr val="FFFFFF"/>
-                </a:solidFill>
-              </a:rPr>
-              <a:t>Next Steps</a:t>
-            </a:r>
-          </a:p>
-        </p:txBody>
-      </p:sp>
-      <p:graphicFrame>
-        <p:nvGraphicFramePr>
-          <p:cNvPr id="8" name="Content Placeholder 2">
-            <a:extLst>
-              <a:ext uri="{FF2B5EF4-FFF2-40B4-BE49-F238E27FC236}">
-                <a16:creationId xmlns:a16="http://schemas.microsoft.com/office/drawing/2014/main" id="{D8D63603-368A-4333-AD84-53F1457DB024}"/>
-              </a:ext>
-            </a:extLst>
-          </p:cNvPr>
-          <p:cNvGraphicFramePr>
-            <a:graphicFrameLocks noGrp="1"/>
-          </p:cNvGraphicFramePr>
-          <p:nvPr>
-            <p:ph idx="1"/>
-            <p:extLst>
-              <p:ext uri="{D42A27DB-BD31-4B8C-83A1-F6EECF244321}">
-                <p14:modId xmlns:p14="http://schemas.microsoft.com/office/powerpoint/2010/main" val="3538957919"/>
-              </p:ext>
-            </p:extLst>
-          </p:nvPr>
-        </p:nvGraphicFramePr>
-        <p:xfrm>
-          <a:off x="4972455" y="1463649"/>
-          <a:ext cx="6457284" cy="5164085"/>
-        </p:xfrm>
-        <a:graphic>
-          <a:graphicData uri="http://schemas.openxmlformats.org/drawingml/2006/diagram">
-            <dgm:relIds xmlns:dgm="http://schemas.openxmlformats.org/drawingml/2006/diagram" xmlns:r="http://schemas.openxmlformats.org/officeDocument/2006/relationships" r:dm="rId2" r:lo="rId3" r:qs="rId4" r:cs="rId5"/>
-          </a:graphicData>
-        </a:graphic>
-      </p:graphicFrame>
-    </p:spTree>
-    <p:extLst>
-      <p:ext uri="{BB962C8B-B14F-4D97-AF65-F5344CB8AC3E}">
-        <p14:creationId xmlns:p14="http://schemas.microsoft.com/office/powerpoint/2010/main" val="2805341445"/>
-      </p:ext>
-    </p:extLst>
-  </p:cSld>
-  <p:clrMapOvr>
-    <a:masterClrMapping/>
-  </p:clrMapOvr>
-</p:sld>
-</file>
-
-<file path=ppt/slides/slide13.xml><?xml version="1.0" encoding="utf-8"?>
-<p:sld xmlns:a="http://schemas.openxmlformats.org/drawingml/2006/main" xmlns:r="http://schemas.openxmlformats.org/officeDocument/2006/relationships" xmlns:p="http://schemas.openxmlformats.org/presentationml/2006/main">
-  <p:cSld>
-    <p:spTree>
-      <p:nvGrpSpPr>
-        <p:cNvPr id="1" name=""/>
-        <p:cNvGrpSpPr/>
-        <p:nvPr/>
-      </p:nvGrpSpPr>
-      <p:grpSpPr>
-        <a:xfrm>
-          <a:off x="0" y="0"/>
-          <a:ext cx="0" cy="0"/>
-          <a:chOff x="0" y="0"/>
-          <a:chExt cx="0" cy="0"/>
-        </a:xfrm>
-      </p:grpSpPr>
-      <p:sp>
-        <p:nvSpPr>
-          <p:cNvPr id="29" name="Rectangle 28">
-            <a:extLst>
-              <a:ext uri="{FF2B5EF4-FFF2-40B4-BE49-F238E27FC236}">
-                <a16:creationId xmlns:a16="http://schemas.microsoft.com/office/drawing/2014/main" id="{3A6EED04-84B6-4C41-88FB-B2A903AA4914}"/>
-              </a:ext>
-            </a:extLst>
-          </p:cNvPr>
-          <p:cNvSpPr/>
-          <p:nvPr/>
-        </p:nvSpPr>
-        <p:spPr>
-          <a:xfrm>
-            <a:off x="0" y="0"/>
-            <a:ext cx="12192000" cy="1809135"/>
-          </a:xfrm>
-          <a:prstGeom prst="rect">
-            <a:avLst/>
-          </a:prstGeom>
-          <a:solidFill>
-            <a:srgbClr val="404040"/>
-          </a:solidFill>
-          <a:ln>
-            <a:solidFill>
-              <a:srgbClr val="404040"/>
-            </a:solidFill>
-          </a:ln>
-        </p:spPr>
-        <p:style>
-          <a:lnRef idx="2">
-            <a:schemeClr val="accent1">
-              <a:shade val="50000"/>
-            </a:schemeClr>
-          </a:lnRef>
-          <a:fillRef idx="1">
-            <a:schemeClr val="accent1"/>
-          </a:fillRef>
-          <a:effectRef idx="0">
-            <a:schemeClr val="accent1"/>
-          </a:effectRef>
-          <a:fontRef idx="minor">
-            <a:schemeClr val="lt1"/>
-          </a:fontRef>
-        </p:style>
-        <p:txBody>
-          <a:bodyPr rtlCol="0" anchor="ctr"/>
-          <a:lstStyle/>
-          <a:p>
-            <a:pPr algn="ctr"/>
-            <a:endParaRPr lang="en-US" dirty="0"/>
-          </a:p>
-        </p:txBody>
-      </p:sp>
-      <p:sp>
-        <p:nvSpPr>
-          <p:cNvPr id="8" name="TextBox 7">
-            <a:extLst>
-              <a:ext uri="{FF2B5EF4-FFF2-40B4-BE49-F238E27FC236}">
-                <a16:creationId xmlns:a16="http://schemas.microsoft.com/office/drawing/2014/main" id="{F3A98BF4-466C-43BA-A663-15CFFE076340}"/>
-              </a:ext>
-            </a:extLst>
-          </p:cNvPr>
-          <p:cNvSpPr txBox="1"/>
-          <p:nvPr/>
-        </p:nvSpPr>
-        <p:spPr>
-          <a:xfrm>
-            <a:off x="738168" y="519846"/>
-            <a:ext cx="7412774" cy="769441"/>
-          </a:xfrm>
-          <a:prstGeom prst="rect">
-            <a:avLst/>
-          </a:prstGeom>
-          <a:noFill/>
-        </p:spPr>
-        <p:txBody>
-          <a:bodyPr wrap="square" rtlCol="0">
-            <a:spAutoFit/>
-          </a:bodyPr>
-          <a:lstStyle/>
-          <a:p>
-            <a:r>
-              <a:rPr lang="en-US" sz="4400" dirty="0">
-                <a:solidFill>
-                  <a:schemeClr val="bg1"/>
-                </a:solidFill>
-                <a:latin typeface="+mj-lt"/>
-              </a:rPr>
-              <a:t>Web App</a:t>
-            </a:r>
-          </a:p>
-        </p:txBody>
-      </p:sp>
-      <p:sp>
-        <p:nvSpPr>
-          <p:cNvPr id="4" name="TextBox 3">
-            <a:extLst>
-              <a:ext uri="{FF2B5EF4-FFF2-40B4-BE49-F238E27FC236}">
-                <a16:creationId xmlns:a16="http://schemas.microsoft.com/office/drawing/2014/main" id="{E3360AF1-34A5-479A-B560-F6EB817F0DDD}"/>
-              </a:ext>
-            </a:extLst>
-          </p:cNvPr>
-          <p:cNvSpPr txBox="1"/>
-          <p:nvPr/>
-        </p:nvSpPr>
-        <p:spPr>
-          <a:xfrm>
-            <a:off x="738168" y="2090542"/>
-            <a:ext cx="10737552" cy="1569660"/>
-          </a:xfrm>
-          <a:prstGeom prst="rect">
-            <a:avLst/>
-          </a:prstGeom>
-          <a:noFill/>
-        </p:spPr>
-        <p:txBody>
-          <a:bodyPr wrap="square" rtlCol="0">
-            <a:spAutoFit/>
-          </a:bodyPr>
-          <a:lstStyle/>
-          <a:p>
-            <a:r>
-              <a:rPr lang="en-US" sz="3200" u="sng" dirty="0">
-                <a:solidFill>
-                  <a:srgbClr val="404040"/>
-                </a:solidFill>
-              </a:rPr>
-              <a:t>Placement Algorithm</a:t>
-            </a:r>
-          </a:p>
-          <a:p>
-            <a:pPr marL="285750" indent="-285750">
-              <a:buFont typeface="Arial" panose="020B0604020202020204" pitchFamily="34" charset="0"/>
-              <a:buChar char="•"/>
-            </a:pPr>
-            <a:r>
-              <a:rPr lang="en-US" sz="3200" dirty="0">
-                <a:solidFill>
-                  <a:srgbClr val="404040"/>
-                </a:solidFill>
-              </a:rPr>
-              <a:t>Place tutors into schools at start of year</a:t>
-            </a:r>
-          </a:p>
-          <a:p>
-            <a:pPr marL="285750" indent="-285750">
-              <a:buFont typeface="Arial" panose="020B0604020202020204" pitchFamily="34" charset="0"/>
-              <a:buChar char="•"/>
-            </a:pPr>
-            <a:r>
-              <a:rPr lang="en-US" sz="3200" dirty="0">
-                <a:solidFill>
-                  <a:srgbClr val="404040"/>
-                </a:solidFill>
-              </a:rPr>
-              <a:t>Balance for diversity, commuting, language speaking ability</a:t>
-            </a:r>
-          </a:p>
-        </p:txBody>
-      </p:sp>
-      <p:pic>
-        <p:nvPicPr>
-          <p:cNvPr id="3" name="Picture 2">
-            <a:extLst>
-              <a:ext uri="{FF2B5EF4-FFF2-40B4-BE49-F238E27FC236}">
-                <a16:creationId xmlns:a16="http://schemas.microsoft.com/office/drawing/2014/main" id="{91B4E7AF-51D7-40BB-B63F-81E8AADF191C}"/>
-              </a:ext>
-            </a:extLst>
-          </p:cNvPr>
-          <p:cNvPicPr>
-            <a:picLocks noChangeAspect="1"/>
-          </p:cNvPicPr>
-          <p:nvPr/>
-        </p:nvPicPr>
-        <p:blipFill>
-          <a:blip r:embed="rId2">
-            <a:extLst>
-              <a:ext uri="{28A0092B-C50C-407E-A947-70E740481C1C}">
-                <a14:useLocalDpi xmlns:a14="http://schemas.microsoft.com/office/drawing/2010/main" val="0"/>
-              </a:ext>
-            </a:extLst>
-          </a:blip>
-          <a:stretch>
-            <a:fillRect/>
-          </a:stretch>
-        </p:blipFill>
-        <p:spPr>
-          <a:xfrm>
-            <a:off x="877456" y="3693004"/>
-            <a:ext cx="4288223" cy="2818290"/>
-          </a:xfrm>
-          <a:prstGeom prst="rect">
-            <a:avLst/>
-          </a:prstGeom>
-        </p:spPr>
-      </p:pic>
-      <p:sp>
-        <p:nvSpPr>
-          <p:cNvPr id="9" name="TextBox 8">
-            <a:extLst>
-              <a:ext uri="{FF2B5EF4-FFF2-40B4-BE49-F238E27FC236}">
-                <a16:creationId xmlns:a16="http://schemas.microsoft.com/office/drawing/2014/main" id="{3AEE66F6-ADB9-42B0-B480-11637126DEED}"/>
-              </a:ext>
-            </a:extLst>
-          </p:cNvPr>
-          <p:cNvSpPr txBox="1"/>
-          <p:nvPr/>
-        </p:nvSpPr>
-        <p:spPr>
-          <a:xfrm>
-            <a:off x="1339273" y="6428937"/>
-            <a:ext cx="3722254" cy="369332"/>
-          </a:xfrm>
-          <a:prstGeom prst="rect">
-            <a:avLst/>
-          </a:prstGeom>
-          <a:noFill/>
-        </p:spPr>
-        <p:txBody>
-          <a:bodyPr wrap="square" rtlCol="0">
-            <a:spAutoFit/>
-          </a:bodyPr>
-          <a:lstStyle/>
-          <a:p>
-            <a:pPr algn="ctr"/>
-            <a:r>
-              <a:rPr lang="en-US" dirty="0">
-                <a:latin typeface="+mj-lt"/>
-              </a:rPr>
-              <a:t>One-Way Commute (mins)</a:t>
-            </a:r>
-          </a:p>
-        </p:txBody>
-      </p:sp>
-      <p:sp>
-        <p:nvSpPr>
-          <p:cNvPr id="7" name="Rectangle 6">
-            <a:extLst>
-              <a:ext uri="{FF2B5EF4-FFF2-40B4-BE49-F238E27FC236}">
-                <a16:creationId xmlns:a16="http://schemas.microsoft.com/office/drawing/2014/main" id="{7A3EE16F-824D-40C6-B292-CB4FD5474400}"/>
-              </a:ext>
-            </a:extLst>
-          </p:cNvPr>
-          <p:cNvSpPr/>
-          <p:nvPr/>
-        </p:nvSpPr>
-        <p:spPr>
-          <a:xfrm>
-            <a:off x="5190840" y="4359564"/>
-            <a:ext cx="230910" cy="258618"/>
-          </a:xfrm>
-          <a:prstGeom prst="rect">
-            <a:avLst/>
-          </a:prstGeom>
-          <a:solidFill>
-            <a:srgbClr val="FFB26E"/>
-          </a:solidFill>
-          <a:ln>
-            <a:noFill/>
-          </a:ln>
-        </p:spPr>
-        <p:style>
-          <a:lnRef idx="2">
-            <a:schemeClr val="accent1">
-              <a:shade val="50000"/>
-            </a:schemeClr>
-          </a:lnRef>
-          <a:fillRef idx="1">
-            <a:schemeClr val="accent1"/>
-          </a:fillRef>
-          <a:effectRef idx="0">
-            <a:schemeClr val="accent1"/>
-          </a:effectRef>
-          <a:fontRef idx="minor">
-            <a:schemeClr val="lt1"/>
-          </a:fontRef>
-        </p:style>
-        <p:txBody>
-          <a:bodyPr rtlCol="0" anchor="ctr"/>
-          <a:lstStyle/>
-          <a:p>
-            <a:pPr algn="ctr"/>
-            <a:endParaRPr lang="en-US"/>
-          </a:p>
-        </p:txBody>
-      </p:sp>
-      <p:sp>
-        <p:nvSpPr>
-          <p:cNvPr id="11" name="Rectangle 10">
-            <a:extLst>
-              <a:ext uri="{FF2B5EF4-FFF2-40B4-BE49-F238E27FC236}">
-                <a16:creationId xmlns:a16="http://schemas.microsoft.com/office/drawing/2014/main" id="{21EAC6C0-F75B-445C-BF23-88BC2C16F851}"/>
-              </a:ext>
-            </a:extLst>
-          </p:cNvPr>
-          <p:cNvSpPr/>
-          <p:nvPr/>
-        </p:nvSpPr>
-        <p:spPr>
-          <a:xfrm>
-            <a:off x="5190840" y="4880475"/>
-            <a:ext cx="230910" cy="258618"/>
-          </a:xfrm>
-          <a:prstGeom prst="rect">
-            <a:avLst/>
-          </a:prstGeom>
-          <a:solidFill>
-            <a:srgbClr val="1F77B4"/>
-          </a:solidFill>
-          <a:ln>
-            <a:noFill/>
-          </a:ln>
-        </p:spPr>
-        <p:style>
-          <a:lnRef idx="2">
-            <a:schemeClr val="accent1">
-              <a:shade val="50000"/>
-            </a:schemeClr>
-          </a:lnRef>
-          <a:fillRef idx="1">
-            <a:schemeClr val="accent1"/>
-          </a:fillRef>
-          <a:effectRef idx="0">
-            <a:schemeClr val="accent1"/>
-          </a:effectRef>
-          <a:fontRef idx="minor">
-            <a:schemeClr val="lt1"/>
-          </a:fontRef>
-        </p:style>
-        <p:txBody>
-          <a:bodyPr rtlCol="0" anchor="ctr"/>
-          <a:lstStyle/>
-          <a:p>
-            <a:pPr algn="ctr"/>
-            <a:endParaRPr lang="en-US" dirty="0"/>
-          </a:p>
-        </p:txBody>
-      </p:sp>
-      <p:sp>
-        <p:nvSpPr>
-          <p:cNvPr id="12" name="TextBox 11">
-            <a:extLst>
-              <a:ext uri="{FF2B5EF4-FFF2-40B4-BE49-F238E27FC236}">
-                <a16:creationId xmlns:a16="http://schemas.microsoft.com/office/drawing/2014/main" id="{B67C4ED8-7BCD-4CFB-854E-513AA96EC00A}"/>
-              </a:ext>
-            </a:extLst>
-          </p:cNvPr>
-          <p:cNvSpPr txBox="1"/>
-          <p:nvPr/>
-        </p:nvSpPr>
-        <p:spPr>
-          <a:xfrm>
-            <a:off x="5421750" y="4304207"/>
-            <a:ext cx="1764145" cy="369332"/>
-          </a:xfrm>
-          <a:prstGeom prst="rect">
-            <a:avLst/>
-          </a:prstGeom>
-          <a:noFill/>
-        </p:spPr>
-        <p:txBody>
-          <a:bodyPr wrap="square" rtlCol="0">
-            <a:spAutoFit/>
-          </a:bodyPr>
-          <a:lstStyle/>
-          <a:p>
-            <a:r>
-              <a:rPr lang="en-US" dirty="0">
-                <a:latin typeface="+mj-lt"/>
-              </a:rPr>
-              <a:t>School Year 2017</a:t>
-            </a:r>
-          </a:p>
-        </p:txBody>
-      </p:sp>
-      <p:sp>
-        <p:nvSpPr>
-          <p:cNvPr id="13" name="TextBox 12">
-            <a:extLst>
-              <a:ext uri="{FF2B5EF4-FFF2-40B4-BE49-F238E27FC236}">
-                <a16:creationId xmlns:a16="http://schemas.microsoft.com/office/drawing/2014/main" id="{B0D3EB4E-7003-4407-87E6-A706D08CCC9A}"/>
-              </a:ext>
-            </a:extLst>
-          </p:cNvPr>
-          <p:cNvSpPr txBox="1"/>
-          <p:nvPr/>
-        </p:nvSpPr>
-        <p:spPr>
-          <a:xfrm>
-            <a:off x="5421750" y="4825118"/>
-            <a:ext cx="1764145" cy="369332"/>
-          </a:xfrm>
-          <a:prstGeom prst="rect">
-            <a:avLst/>
-          </a:prstGeom>
-          <a:noFill/>
-        </p:spPr>
-        <p:txBody>
-          <a:bodyPr wrap="square" rtlCol="0">
-            <a:spAutoFit/>
-          </a:bodyPr>
-          <a:lstStyle/>
-          <a:p>
-            <a:r>
-              <a:rPr lang="en-US" dirty="0">
-                <a:latin typeface="+mj-lt"/>
-              </a:rPr>
-              <a:t>School Year 2018</a:t>
-            </a:r>
-          </a:p>
-        </p:txBody>
-      </p:sp>
-      <p:pic>
-        <p:nvPicPr>
-          <p:cNvPr id="14" name="Picture 13">
-            <a:extLst>
-              <a:ext uri="{FF2B5EF4-FFF2-40B4-BE49-F238E27FC236}">
-                <a16:creationId xmlns:a16="http://schemas.microsoft.com/office/drawing/2014/main" id="{69C6FD22-712B-4865-A5F0-1E379E254187}"/>
-              </a:ext>
-            </a:extLst>
-          </p:cNvPr>
-          <p:cNvPicPr>
-            <a:picLocks noChangeAspect="1"/>
-          </p:cNvPicPr>
-          <p:nvPr/>
-        </p:nvPicPr>
-        <p:blipFill>
-          <a:blip r:embed="rId3">
-            <a:extLst>
-              <a:ext uri="{28A0092B-C50C-407E-A947-70E740481C1C}">
-                <a14:useLocalDpi xmlns:a14="http://schemas.microsoft.com/office/drawing/2010/main" val="0"/>
-              </a:ext>
-            </a:extLst>
-          </a:blip>
-          <a:stretch>
-            <a:fillRect/>
-          </a:stretch>
-        </p:blipFill>
-        <p:spPr>
-          <a:xfrm>
-            <a:off x="8026401" y="4261639"/>
-            <a:ext cx="3249212" cy="2485736"/>
-          </a:xfrm>
-          <a:prstGeom prst="rect">
-            <a:avLst/>
-          </a:prstGeom>
-        </p:spPr>
-      </p:pic>
-      <p:pic>
-        <p:nvPicPr>
-          <p:cNvPr id="5122" name="Picture 2" descr="R">
-            <a:extLst>
-              <a:ext uri="{FF2B5EF4-FFF2-40B4-BE49-F238E27FC236}">
-                <a16:creationId xmlns:a16="http://schemas.microsoft.com/office/drawing/2014/main" id="{EC957812-507F-4407-93FF-64BFC562FCDD}"/>
-              </a:ext>
-            </a:extLst>
-          </p:cNvPr>
-          <p:cNvPicPr>
-            <a:picLocks noChangeAspect="1" noChangeArrowheads="1"/>
-          </p:cNvPicPr>
-          <p:nvPr/>
-        </p:nvPicPr>
-        <p:blipFill>
-          <a:blip r:embed="rId4">
-            <a:extLst>
-              <a:ext uri="{28A0092B-C50C-407E-A947-70E740481C1C}">
-                <a14:useLocalDpi xmlns:a14="http://schemas.microsoft.com/office/drawing/2010/main" val="0"/>
-              </a:ext>
-            </a:extLst>
-          </a:blip>
-          <a:srcRect/>
-          <a:stretch>
-            <a:fillRect/>
-          </a:stretch>
-        </p:blipFill>
-        <p:spPr bwMode="auto">
-          <a:xfrm>
-            <a:off x="8026401" y="3754339"/>
-            <a:ext cx="947786" cy="734534"/>
-          </a:xfrm>
-          <a:prstGeom prst="rect">
-            <a:avLst/>
-          </a:prstGeom>
-          <a:noFill/>
-          <a:extLst>
-            <a:ext uri="{909E8E84-426E-40DD-AFC4-6F175D3DCCD1}">
-              <a14:hiddenFill xmlns:a14="http://schemas.microsoft.com/office/drawing/2010/main">
-                <a:solidFill>
-                  <a:srgbClr val="FFFFFF"/>
-                </a:solidFill>
-              </a14:hiddenFill>
-            </a:ext>
-          </a:extLst>
-        </p:spPr>
-      </p:pic>
-    </p:spTree>
-    <p:extLst>
-      <p:ext uri="{BB962C8B-B14F-4D97-AF65-F5344CB8AC3E}">
-        <p14:creationId xmlns:p14="http://schemas.microsoft.com/office/powerpoint/2010/main" val="3523406383"/>
-      </p:ext>
-    </p:extLst>
-  </p:cSld>
-  <p:clrMapOvr>
-    <a:masterClrMapping/>
-  </p:clrMapOvr>
-</p:sld>
-</file>
-
-<file path=ppt/slides/slide14.xml><?xml version="1.0" encoding="utf-8"?>
-<p:sld xmlns:a="http://schemas.openxmlformats.org/drawingml/2006/main" xmlns:r="http://schemas.openxmlformats.org/officeDocument/2006/relationships" xmlns:p="http://schemas.openxmlformats.org/presentationml/2006/main">
-  <p:cSld>
-    <p:spTree>
-      <p:nvGrpSpPr>
-        <p:cNvPr id="1" name=""/>
-        <p:cNvGrpSpPr/>
-        <p:nvPr/>
-      </p:nvGrpSpPr>
-      <p:grpSpPr>
-        <a:xfrm>
-          <a:off x="0" y="0"/>
-          <a:ext cx="0" cy="0"/>
-          <a:chOff x="0" y="0"/>
-          <a:chExt cx="0" cy="0"/>
-        </a:xfrm>
-      </p:grpSpPr>
-      <p:sp>
-        <p:nvSpPr>
-          <p:cNvPr id="29" name="Rectangle 28">
-            <a:extLst>
-              <a:ext uri="{FF2B5EF4-FFF2-40B4-BE49-F238E27FC236}">
-                <a16:creationId xmlns:a16="http://schemas.microsoft.com/office/drawing/2014/main" id="{3A6EED04-84B6-4C41-88FB-B2A903AA4914}"/>
-              </a:ext>
-            </a:extLst>
-          </p:cNvPr>
-          <p:cNvSpPr/>
-          <p:nvPr/>
-        </p:nvSpPr>
-        <p:spPr>
-          <a:xfrm>
-            <a:off x="0" y="0"/>
-            <a:ext cx="12192000" cy="1809135"/>
-          </a:xfrm>
-          <a:prstGeom prst="rect">
-            <a:avLst/>
-          </a:prstGeom>
-          <a:solidFill>
-            <a:srgbClr val="404040"/>
-          </a:solidFill>
-          <a:ln>
-            <a:solidFill>
-              <a:srgbClr val="404040"/>
-            </a:solidFill>
-          </a:ln>
-        </p:spPr>
-        <p:style>
-          <a:lnRef idx="2">
-            <a:schemeClr val="accent1">
-              <a:shade val="50000"/>
-            </a:schemeClr>
-          </a:lnRef>
-          <a:fillRef idx="1">
-            <a:schemeClr val="accent1"/>
-          </a:fillRef>
-          <a:effectRef idx="0">
-            <a:schemeClr val="accent1"/>
-          </a:effectRef>
-          <a:fontRef idx="minor">
-            <a:schemeClr val="lt1"/>
-          </a:fontRef>
-        </p:style>
-        <p:txBody>
-          <a:bodyPr rtlCol="0" anchor="ctr"/>
-          <a:lstStyle/>
-          <a:p>
-            <a:pPr algn="ctr"/>
-            <a:endParaRPr lang="en-US" dirty="0"/>
-          </a:p>
-        </p:txBody>
-      </p:sp>
-      <p:sp>
-        <p:nvSpPr>
-          <p:cNvPr id="8" name="TextBox 7">
-            <a:extLst>
-              <a:ext uri="{FF2B5EF4-FFF2-40B4-BE49-F238E27FC236}">
-                <a16:creationId xmlns:a16="http://schemas.microsoft.com/office/drawing/2014/main" id="{F3A98BF4-466C-43BA-A663-15CFFE076340}"/>
-              </a:ext>
-            </a:extLst>
-          </p:cNvPr>
-          <p:cNvSpPr txBox="1"/>
-          <p:nvPr/>
-        </p:nvSpPr>
-        <p:spPr>
-          <a:xfrm>
-            <a:off x="738168" y="519846"/>
-            <a:ext cx="7412774" cy="769441"/>
-          </a:xfrm>
-          <a:prstGeom prst="rect">
-            <a:avLst/>
-          </a:prstGeom>
-          <a:noFill/>
-        </p:spPr>
-        <p:txBody>
-          <a:bodyPr wrap="square" rtlCol="0">
-            <a:spAutoFit/>
-          </a:bodyPr>
-          <a:lstStyle/>
-          <a:p>
-            <a:r>
               <a:rPr lang="en-US" sz="4400" dirty="0">
                 <a:solidFill>
                   <a:schemeClr val="bg1"/>
@@ -11753,7 +12353,7 @@
           <p:nvPr/>
         </p:nvPicPr>
         <p:blipFill>
-          <a:blip r:embed="rId2">
+          <a:blip r:embed="rId3">
             <a:extLst>
               <a:ext uri="{28A0092B-C50C-407E-A947-70E740481C1C}">
                 <a14:useLocalDpi xmlns:a14="http://schemas.microsoft.com/office/drawing/2010/main" val="0"/>
@@ -11800,7 +12400,7 @@
           <p:nvPr/>
         </p:nvPicPr>
         <p:blipFill>
-          <a:blip r:embed="rId3">
+          <a:blip r:embed="rId4">
             <a:extLst>
               <a:ext uri="{28A0092B-C50C-407E-A947-70E740481C1C}">
                 <a14:useLocalDpi xmlns:a14="http://schemas.microsoft.com/office/drawing/2010/main" val="0"/>
@@ -11847,14 +12447,14 @@
           <p:nvPr/>
         </p:nvPicPr>
         <p:blipFill>
-          <a:blip r:embed="rId4"/>
+          <a:blip r:embed="rId5"/>
           <a:stretch>
             <a:fillRect/>
           </a:stretch>
         </p:blipFill>
         <p:spPr>
           <a:xfrm>
-            <a:off x="8289489" y="3757481"/>
+            <a:off x="8183947" y="3621147"/>
             <a:ext cx="3459167" cy="991069"/>
           </a:xfrm>
           <a:prstGeom prst="rect">
@@ -11877,7 +12477,7 @@
           <p:nvPr/>
         </p:nvPicPr>
         <p:blipFill rotWithShape="1">
-          <a:blip r:embed="rId5">
+          <a:blip r:embed="rId6">
             <a:extLst>
               <a:ext uri="{28A0092B-C50C-407E-A947-70E740481C1C}">
                 <a14:useLocalDpi xmlns:a14="http://schemas.microsoft.com/office/drawing/2010/main" val="0"/>
@@ -12046,7 +12646,7 @@
             <p:nvPr/>
           </p:nvPicPr>
           <p:blipFill>
-            <a:blip r:embed="rId6"/>
+            <a:blip r:embed="rId7"/>
             <a:stretch>
               <a:fillRect/>
             </a:stretch>
@@ -12076,7 +12676,7 @@
             <p:nvPr/>
           </p:nvPicPr>
           <p:blipFill>
-            <a:blip r:embed="rId7"/>
+            <a:blip r:embed="rId8"/>
             <a:stretch>
               <a:fillRect/>
             </a:stretch>
@@ -12107,7 +12707,7 @@
           <p:nvPr/>
         </p:nvPicPr>
         <p:blipFill>
-          <a:blip r:embed="rId8">
+          <a:blip r:embed="rId9">
             <a:extLst>
               <a:ext uri="{28A0092B-C50C-407E-A947-70E740481C1C}">
                 <a14:useLocalDpi xmlns:a14="http://schemas.microsoft.com/office/drawing/2010/main" val="0"/>
@@ -12152,7 +12752,7 @@
 </p:sld>
 </file>
 
-<file path=ppt/slides/slide15.xml><?xml version="1.0" encoding="utf-8"?>
+<file path=ppt/slides/slide12.xml><?xml version="1.0" encoding="utf-8"?>
 <p:sld xmlns:a="http://schemas.openxmlformats.org/drawingml/2006/main" xmlns:r="http://schemas.openxmlformats.org/officeDocument/2006/relationships" xmlns:p="http://schemas.openxmlformats.org/presentationml/2006/main">
   <p:cSld>
     <p:spTree>
@@ -12250,10 +12850,10 @@
             <a:r>
               <a:rPr lang="en-US" dirty="0">
                 <a:solidFill>
-                  <a:srgbClr val="FFFFFF"/>
+                  <a:schemeClr val="bg1"/>
                 </a:solidFill>
               </a:rPr>
-              <a:t>Demo</a:t>
+              <a:t>Voilà!</a:t>
             </a:r>
           </a:p>
         </p:txBody>
@@ -12273,7 +12873,7 @@
           <p:nvPr/>
         </p:nvPicPr>
         <p:blipFill>
-          <a:blip r:embed="rId2">
+          <a:blip r:embed="rId3">
             <a:extLst>
               <a:ext uri="{28A0092B-C50C-407E-A947-70E740481C1C}">
                 <a14:useLocalDpi xmlns:a14="http://schemas.microsoft.com/office/drawing/2010/main" val="0"/>
@@ -12307,7 +12907,7 @@
 </p:sld>
 </file>
 
-<file path=ppt/slides/slide16.xml><?xml version="1.0" encoding="utf-8"?>
+<file path=ppt/slides/slide13.xml><?xml version="1.0" encoding="utf-8"?>
 <p:sld xmlns:a="http://schemas.openxmlformats.org/drawingml/2006/main" xmlns:r="http://schemas.openxmlformats.org/officeDocument/2006/relationships" xmlns:p="http://schemas.openxmlformats.org/presentationml/2006/main">
   <p:cSld>
     <p:spTree>
@@ -12449,7 +13049,7 @@
           <p:nvPr/>
         </p:nvPicPr>
         <p:blipFill>
-          <a:blip r:embed="rId2">
+          <a:blip r:embed="rId3">
             <a:extLst>
               <a:ext uri="{28A0092B-C50C-407E-A947-70E740481C1C}">
                 <a14:useLocalDpi xmlns:a14="http://schemas.microsoft.com/office/drawing/2010/main" val="0"/>
@@ -12583,7 +13183,7 @@
           <p:nvPr/>
         </p:nvPicPr>
         <p:blipFill>
-          <a:blip r:embed="rId2">
+          <a:blip r:embed="rId3">
             <a:extLst>
               <a:ext uri="{28A0092B-C50C-407E-A947-70E740481C1C}">
                 <a14:useLocalDpi xmlns:a14="http://schemas.microsoft.com/office/drawing/2010/main" val="0"/>
@@ -12631,7 +13231,7 @@
           <p:nvPr/>
         </p:nvPicPr>
         <p:blipFill rotWithShape="1">
-          <a:blip r:embed="rId3">
+          <a:blip r:embed="rId4">
             <a:extLst/>
           </a:blip>
           <a:srcRect l="2059" t="1561"/>
@@ -12830,7 +13430,7 @@
           <p:nvPr/>
         </p:nvPicPr>
         <p:blipFill rotWithShape="1">
-          <a:blip r:embed="rId2">
+          <a:blip r:embed="rId3">
             <a:extLst>
               <a:ext uri="{28A0092B-C50C-407E-A947-70E740481C1C}">
                 <a14:useLocalDpi xmlns:a14="http://schemas.microsoft.com/office/drawing/2010/main" val="0"/>
@@ -12942,7 +13542,7 @@
         </p:xfrm>
         <a:graphic>
           <a:graphicData uri="http://schemas.openxmlformats.org/drawingml/2006/diagram">
-            <dgm:relIds xmlns:dgm="http://schemas.openxmlformats.org/drawingml/2006/diagram" xmlns:r="http://schemas.openxmlformats.org/officeDocument/2006/relationships" r:dm="rId3" r:lo="rId4" r:qs="rId5" r:cs="rId6"/>
+            <dgm:relIds xmlns:dgm="http://schemas.openxmlformats.org/drawingml/2006/diagram" xmlns:r="http://schemas.openxmlformats.org/officeDocument/2006/relationships" r:dm="rId4" r:lo="rId5" r:qs="rId6" r:cs="rId7"/>
           </a:graphicData>
         </a:graphic>
       </p:graphicFrame>
@@ -12960,435 +13560,6 @@
 </file>
 
 <file path=ppt/slides/slide4.xml><?xml version="1.0" encoding="utf-8"?>
-<p:sld xmlns:a="http://schemas.openxmlformats.org/drawingml/2006/main" xmlns:r="http://schemas.openxmlformats.org/officeDocument/2006/relationships" xmlns:p="http://schemas.openxmlformats.org/presentationml/2006/main">
-  <p:cSld>
-    <p:bg>
-      <p:bgPr>
-        <a:solidFill>
-          <a:schemeClr val="bg1"/>
-        </a:solidFill>
-        <a:effectLst/>
-      </p:bgPr>
-    </p:bg>
-    <p:spTree>
-      <p:nvGrpSpPr>
-        <p:cNvPr id="1" name=""/>
-        <p:cNvGrpSpPr/>
-        <p:nvPr/>
-      </p:nvGrpSpPr>
-      <p:grpSpPr>
-        <a:xfrm>
-          <a:off x="0" y="0"/>
-          <a:ext cx="0" cy="0"/>
-          <a:chOff x="0" y="0"/>
-          <a:chExt cx="0" cy="0"/>
-        </a:xfrm>
-      </p:grpSpPr>
-      <p:sp>
-        <p:nvSpPr>
-          <p:cNvPr id="29" name="Rectangle 28">
-            <a:extLst>
-              <a:ext uri="{FF2B5EF4-FFF2-40B4-BE49-F238E27FC236}">
-                <a16:creationId xmlns:a16="http://schemas.microsoft.com/office/drawing/2014/main" id="{3A6EED04-84B6-4C41-88FB-B2A903AA4914}"/>
-              </a:ext>
-            </a:extLst>
-          </p:cNvPr>
-          <p:cNvSpPr/>
-          <p:nvPr/>
-        </p:nvSpPr>
-        <p:spPr>
-          <a:xfrm>
-            <a:off x="0" y="0"/>
-            <a:ext cx="12192000" cy="1809135"/>
-          </a:xfrm>
-          <a:prstGeom prst="rect">
-            <a:avLst/>
-          </a:prstGeom>
-          <a:solidFill>
-            <a:srgbClr val="404040"/>
-          </a:solidFill>
-          <a:ln>
-            <a:solidFill>
-              <a:srgbClr val="404040"/>
-            </a:solidFill>
-          </a:ln>
-        </p:spPr>
-        <p:style>
-          <a:lnRef idx="2">
-            <a:schemeClr val="accent1">
-              <a:shade val="50000"/>
-            </a:schemeClr>
-          </a:lnRef>
-          <a:fillRef idx="1">
-            <a:schemeClr val="accent1"/>
-          </a:fillRef>
-          <a:effectRef idx="0">
-            <a:schemeClr val="accent1"/>
-          </a:effectRef>
-          <a:fontRef idx="minor">
-            <a:schemeClr val="lt1"/>
-          </a:fontRef>
-        </p:style>
-        <p:txBody>
-          <a:bodyPr rtlCol="0" anchor="ctr"/>
-          <a:lstStyle/>
-          <a:p>
-            <a:pPr algn="ctr"/>
-            <a:endParaRPr lang="en-US" dirty="0"/>
-          </a:p>
-        </p:txBody>
-      </p:sp>
-      <p:pic>
-        <p:nvPicPr>
-          <p:cNvPr id="1036" name="Picture 12" descr="File:Salesforce.svg">
-            <a:extLst>
-              <a:ext uri="{FF2B5EF4-FFF2-40B4-BE49-F238E27FC236}">
-                <a16:creationId xmlns:a16="http://schemas.microsoft.com/office/drawing/2014/main" id="{FC63F90B-40B7-4C90-8C40-6111AB66CA45}"/>
-              </a:ext>
-            </a:extLst>
-          </p:cNvPr>
-          <p:cNvPicPr>
-            <a:picLocks noChangeAspect="1" noChangeArrowheads="1"/>
-          </p:cNvPicPr>
-          <p:nvPr/>
-        </p:nvPicPr>
-        <p:blipFill>
-          <a:blip r:embed="rId2">
-            <a:extLst>
-              <a:ext uri="{28A0092B-C50C-407E-A947-70E740481C1C}">
-                <a14:useLocalDpi xmlns:a14="http://schemas.microsoft.com/office/drawing/2010/main" val="0"/>
-              </a:ext>
-            </a:extLst>
-          </a:blip>
-          <a:srcRect/>
-          <a:stretch>
-            <a:fillRect/>
-          </a:stretch>
-        </p:blipFill>
-        <p:spPr bwMode="auto">
-          <a:xfrm>
-            <a:off x="1630404" y="3006083"/>
-            <a:ext cx="2814151" cy="1969906"/>
-          </a:xfrm>
-          <a:prstGeom prst="rect">
-            <a:avLst/>
-          </a:prstGeom>
-          <a:noFill/>
-          <a:extLst>
-            <a:ext uri="{909E8E84-426E-40DD-AFC4-6F175D3DCCD1}">
-              <a14:hiddenFill xmlns:a14="http://schemas.microsoft.com/office/drawing/2010/main">
-                <a:solidFill>
-                  <a:srgbClr val="FFFFFF"/>
-                </a:solidFill>
-              </a14:hiddenFill>
-            </a:ext>
-          </a:extLst>
-        </p:spPr>
-      </p:pic>
-      <p:grpSp>
-        <p:nvGrpSpPr>
-          <p:cNvPr id="9" name="Group 8">
-            <a:extLst>
-              <a:ext uri="{FF2B5EF4-FFF2-40B4-BE49-F238E27FC236}">
-                <a16:creationId xmlns:a16="http://schemas.microsoft.com/office/drawing/2014/main" id="{ECE22578-868E-43A4-BE65-C46DFA94D6B8}"/>
-              </a:ext>
-            </a:extLst>
-          </p:cNvPr>
-          <p:cNvGrpSpPr/>
-          <p:nvPr/>
-        </p:nvGrpSpPr>
-        <p:grpSpPr>
-          <a:xfrm>
-            <a:off x="7297011" y="2453516"/>
-            <a:ext cx="3563611" cy="3345648"/>
-            <a:chOff x="6476519" y="2306962"/>
-            <a:chExt cx="3770574" cy="3470183"/>
-          </a:xfrm>
-        </p:grpSpPr>
-        <p:pic>
-          <p:nvPicPr>
-            <p:cNvPr id="1040" name="Picture 16" descr="Image result for sharepoint logo">
-              <a:extLst>
-                <a:ext uri="{FF2B5EF4-FFF2-40B4-BE49-F238E27FC236}">
-                  <a16:creationId xmlns:a16="http://schemas.microsoft.com/office/drawing/2014/main" id="{55DF44B0-6F62-46EC-95E3-83412BB513B5}"/>
-                </a:ext>
-              </a:extLst>
-            </p:cNvPr>
-            <p:cNvPicPr>
-              <a:picLocks noChangeAspect="1" noChangeArrowheads="1"/>
-            </p:cNvPicPr>
-            <p:nvPr/>
-          </p:nvPicPr>
-          <p:blipFill>
-            <a:blip r:embed="rId3">
-              <a:extLst>
-                <a:ext uri="{28A0092B-C50C-407E-A947-70E740481C1C}">
-                  <a14:useLocalDpi xmlns:a14="http://schemas.microsoft.com/office/drawing/2010/main" val="0"/>
-                </a:ext>
-              </a:extLst>
-            </a:blip>
-            <a:srcRect/>
-            <a:stretch>
-              <a:fillRect/>
-            </a:stretch>
-          </p:blipFill>
-          <p:spPr bwMode="auto">
-            <a:xfrm>
-              <a:off x="6938635" y="3318296"/>
-              <a:ext cx="3308458" cy="658383"/>
-            </a:xfrm>
-            <a:prstGeom prst="rect">
-              <a:avLst/>
-            </a:prstGeom>
-            <a:noFill/>
-            <a:extLst>
-              <a:ext uri="{909E8E84-426E-40DD-AFC4-6F175D3DCCD1}">
-                <a14:hiddenFill xmlns:a14="http://schemas.microsoft.com/office/drawing/2010/main">
-                  <a:solidFill>
-                    <a:srgbClr val="FFFFFF"/>
-                  </a:solidFill>
-                </a14:hiddenFill>
-              </a:ext>
-            </a:extLst>
-          </p:spPr>
-        </p:pic>
-        <p:pic>
-          <p:nvPicPr>
-            <p:cNvPr id="1042" name="Picture 18" descr="Image result for excel logo">
-              <a:extLst>
-                <a:ext uri="{FF2B5EF4-FFF2-40B4-BE49-F238E27FC236}">
-                  <a16:creationId xmlns:a16="http://schemas.microsoft.com/office/drawing/2014/main" id="{153D1226-E582-4B16-A4CF-631E17B5FB84}"/>
-                </a:ext>
-              </a:extLst>
-            </p:cNvPr>
-            <p:cNvPicPr>
-              <a:picLocks noChangeAspect="1" noChangeArrowheads="1"/>
-            </p:cNvPicPr>
-            <p:nvPr/>
-          </p:nvPicPr>
-          <p:blipFill>
-            <a:blip r:embed="rId4">
-              <a:extLst>
-                <a:ext uri="{28A0092B-C50C-407E-A947-70E740481C1C}">
-                  <a14:useLocalDpi xmlns:a14="http://schemas.microsoft.com/office/drawing/2010/main" val="0"/>
-                </a:ext>
-              </a:extLst>
-            </a:blip>
-            <a:srcRect/>
-            <a:stretch>
-              <a:fillRect/>
-            </a:stretch>
-          </p:blipFill>
-          <p:spPr bwMode="auto">
-            <a:xfrm>
-              <a:off x="6938634" y="4140277"/>
-              <a:ext cx="1886768" cy="683140"/>
-            </a:xfrm>
-            <a:prstGeom prst="rect">
-              <a:avLst/>
-            </a:prstGeom>
-            <a:noFill/>
-            <a:extLst>
-              <a:ext uri="{909E8E84-426E-40DD-AFC4-6F175D3DCCD1}">
-                <a14:hiddenFill xmlns:a14="http://schemas.microsoft.com/office/drawing/2010/main">
-                  <a:solidFill>
-                    <a:srgbClr val="FFFFFF"/>
-                  </a:solidFill>
-                </a14:hiddenFill>
-              </a:ext>
-            </a:extLst>
-          </p:spPr>
-        </p:pic>
-        <p:pic>
-          <p:nvPicPr>
-            <p:cNvPr id="1046" name="Picture 22" descr="Image result for power bi logo">
-              <a:extLst>
-                <a:ext uri="{FF2B5EF4-FFF2-40B4-BE49-F238E27FC236}">
-                  <a16:creationId xmlns:a16="http://schemas.microsoft.com/office/drawing/2014/main" id="{7A81418D-81CF-44B6-9512-04749489209F}"/>
-                </a:ext>
-              </a:extLst>
-            </p:cNvPr>
-            <p:cNvPicPr>
-              <a:picLocks noChangeAspect="1" noChangeArrowheads="1"/>
-            </p:cNvPicPr>
-            <p:nvPr/>
-          </p:nvPicPr>
-          <p:blipFill rotWithShape="1">
-            <a:blip r:embed="rId5">
-              <a:extLst>
-                <a:ext uri="{28A0092B-C50C-407E-A947-70E740481C1C}">
-                  <a14:useLocalDpi xmlns:a14="http://schemas.microsoft.com/office/drawing/2010/main" val="0"/>
-                </a:ext>
-              </a:extLst>
-            </a:blip>
-            <a:srcRect l="1905"/>
-            <a:stretch/>
-          </p:blipFill>
-          <p:spPr bwMode="auto">
-            <a:xfrm>
-              <a:off x="6938634" y="4987015"/>
-              <a:ext cx="2922213" cy="790130"/>
-            </a:xfrm>
-            <a:prstGeom prst="rect">
-              <a:avLst/>
-            </a:prstGeom>
-            <a:noFill/>
-            <a:extLst>
-              <a:ext uri="{909E8E84-426E-40DD-AFC4-6F175D3DCCD1}">
-                <a14:hiddenFill xmlns:a14="http://schemas.microsoft.com/office/drawing/2010/main">
-                  <a:solidFill>
-                    <a:srgbClr val="FFFFFF"/>
-                  </a:solidFill>
-                </a14:hiddenFill>
-              </a:ext>
-            </a:extLst>
-          </p:spPr>
-        </p:pic>
-        <p:pic>
-          <p:nvPicPr>
-            <p:cNvPr id="1048" name="Picture 24" descr="Image result for office 365 logo">
-              <a:extLst>
-                <a:ext uri="{FF2B5EF4-FFF2-40B4-BE49-F238E27FC236}">
-                  <a16:creationId xmlns:a16="http://schemas.microsoft.com/office/drawing/2014/main" id="{0437B1EB-C4A4-4FF1-99A5-DDCE19AE3FCF}"/>
-                </a:ext>
-              </a:extLst>
-            </p:cNvPr>
-            <p:cNvPicPr>
-              <a:picLocks noChangeAspect="1" noChangeArrowheads="1"/>
-            </p:cNvPicPr>
-            <p:nvPr/>
-          </p:nvPicPr>
-          <p:blipFill>
-            <a:blip r:embed="rId6">
-              <a:extLst>
-                <a:ext uri="{28A0092B-C50C-407E-A947-70E740481C1C}">
-                  <a14:useLocalDpi xmlns:a14="http://schemas.microsoft.com/office/drawing/2010/main" val="0"/>
-                </a:ext>
-              </a:extLst>
-            </a:blip>
-            <a:srcRect/>
-            <a:stretch>
-              <a:fillRect/>
-            </a:stretch>
-          </p:blipFill>
-          <p:spPr bwMode="auto">
-            <a:xfrm>
-              <a:off x="6476519" y="2306962"/>
-              <a:ext cx="2922212" cy="672718"/>
-            </a:xfrm>
-            <a:prstGeom prst="rect">
-              <a:avLst/>
-            </a:prstGeom>
-            <a:noFill/>
-            <a:extLst>
-              <a:ext uri="{909E8E84-426E-40DD-AFC4-6F175D3DCCD1}">
-                <a14:hiddenFill xmlns:a14="http://schemas.microsoft.com/office/drawing/2010/main">
-                  <a:solidFill>
-                    <a:srgbClr val="FFFFFF"/>
-                  </a:solidFill>
-                </a14:hiddenFill>
-              </a:ext>
-            </a:extLst>
-          </p:spPr>
-        </p:pic>
-      </p:grpSp>
-      <p:sp>
-        <p:nvSpPr>
-          <p:cNvPr id="8" name="TextBox 7">
-            <a:extLst>
-              <a:ext uri="{FF2B5EF4-FFF2-40B4-BE49-F238E27FC236}">
-                <a16:creationId xmlns:a16="http://schemas.microsoft.com/office/drawing/2014/main" id="{F3A98BF4-466C-43BA-A663-15CFFE076340}"/>
-              </a:ext>
-            </a:extLst>
-          </p:cNvPr>
-          <p:cNvSpPr txBox="1"/>
-          <p:nvPr/>
-        </p:nvSpPr>
-        <p:spPr>
-          <a:xfrm>
-            <a:off x="738168" y="519846"/>
-            <a:ext cx="7412774" cy="769441"/>
-          </a:xfrm>
-          <a:prstGeom prst="rect">
-            <a:avLst/>
-          </a:prstGeom>
-          <a:noFill/>
-        </p:spPr>
-        <p:txBody>
-          <a:bodyPr wrap="square" rtlCol="0">
-            <a:spAutoFit/>
-          </a:bodyPr>
-          <a:lstStyle/>
-          <a:p>
-            <a:r>
-              <a:rPr lang="en-US" sz="4400" dirty="0">
-                <a:solidFill>
-                  <a:schemeClr val="bg1"/>
-                </a:solidFill>
-                <a:latin typeface="+mj-lt"/>
-              </a:rPr>
-              <a:t>Software Ecosystem</a:t>
-            </a:r>
-          </a:p>
-        </p:txBody>
-      </p:sp>
-      <p:cxnSp>
-        <p:nvCxnSpPr>
-          <p:cNvPr id="34" name="Straight Connector 33">
-            <a:extLst>
-              <a:ext uri="{FF2B5EF4-FFF2-40B4-BE49-F238E27FC236}">
-                <a16:creationId xmlns:a16="http://schemas.microsoft.com/office/drawing/2014/main" id="{B86C66D9-DF8D-4133-B672-AEEC0720E3AC}"/>
-              </a:ext>
-            </a:extLst>
-          </p:cNvPr>
-          <p:cNvCxnSpPr>
-            <a:cxnSpLocks/>
-          </p:cNvCxnSpPr>
-          <p:nvPr/>
-        </p:nvCxnSpPr>
-        <p:spPr>
-          <a:xfrm>
-            <a:off x="6053721" y="2453516"/>
-            <a:ext cx="0" cy="3165987"/>
-          </a:xfrm>
-          <a:prstGeom prst="line">
-            <a:avLst/>
-          </a:prstGeom>
-          <a:ln w="38100">
-            <a:solidFill>
-              <a:srgbClr val="404040"/>
-            </a:solidFill>
-          </a:ln>
-        </p:spPr>
-        <p:style>
-          <a:lnRef idx="1">
-            <a:schemeClr val="dk1"/>
-          </a:lnRef>
-          <a:fillRef idx="0">
-            <a:schemeClr val="dk1"/>
-          </a:fillRef>
-          <a:effectRef idx="0">
-            <a:schemeClr val="dk1"/>
-          </a:effectRef>
-          <a:fontRef idx="minor">
-            <a:schemeClr val="tx1"/>
-          </a:fontRef>
-        </p:style>
-      </p:cxnSp>
-    </p:spTree>
-    <p:extLst>
-      <p:ext uri="{BB962C8B-B14F-4D97-AF65-F5344CB8AC3E}">
-        <p14:creationId xmlns:p14="http://schemas.microsoft.com/office/powerpoint/2010/main" val="1644225230"/>
-      </p:ext>
-    </p:extLst>
-  </p:cSld>
-  <p:clrMapOvr>
-    <a:masterClrMapping/>
-  </p:clrMapOvr>
-</p:sld>
-</file>
-
-<file path=ppt/slides/slide5.xml><?xml version="1.0" encoding="utf-8"?>
 <p:sld xmlns:a="http://schemas.openxmlformats.org/drawingml/2006/main" xmlns:r="http://schemas.openxmlformats.org/officeDocument/2006/relationships" xmlns:p="http://schemas.openxmlformats.org/presentationml/2006/main">
   <p:cSld>
     <p:spTree>
@@ -13597,7 +13768,7 @@
               <p:nvPr/>
             </p:nvPicPr>
             <p:blipFill rotWithShape="1">
-              <a:blip r:embed="rId2">
+              <a:blip r:embed="rId3">
                 <a:extLst>
                   <a:ext uri="{28A0092B-C50C-407E-A947-70E740481C1C}">
                     <a14:useLocalDpi xmlns:a14="http://schemas.microsoft.com/office/drawing/2010/main" val="0"/>
@@ -13642,11 +13813,11 @@
               <p:nvPr/>
             </p:nvPicPr>
             <p:blipFill>
-              <a:blip r:embed="rId3">
+              <a:blip r:embed="rId4">
                 <a:extLst>
                   <a:ext uri="{BEBA8EAE-BF5A-486C-A8C5-ECC9F3942E4B}">
                     <a14:imgProps xmlns:a14="http://schemas.microsoft.com/office/drawing/2010/main">
-                      <a14:imgLayer r:embed="rId4">
+                      <a14:imgLayer r:embed="rId5">
                         <a14:imgEffect>
                           <a14:backgroundRemoval t="9961" b="95508" l="586" r="95703">
                             <a14:foregroundMark x1="6836" y1="66211" x2="5469" y2="30859"/>
@@ -13777,7 +13948,7 @@
         <p:spPr>
           <a:xfrm>
             <a:off x="3286765" y="3663710"/>
-            <a:ext cx="3670226" cy="1384995"/>
+            <a:ext cx="2766956" cy="1384995"/>
           </a:xfrm>
           <a:prstGeom prst="rect">
             <a:avLst/>
@@ -13791,7 +13962,7 @@
           <a:lstStyle/>
           <a:p>
             <a:r>
-              <a:rPr lang="en-US" sz="2800" b="1" dirty="0">
+              <a:rPr lang="en-US" sz="2800" dirty="0">
                 <a:solidFill>
                   <a:srgbClr val="404040"/>
                 </a:solidFill>
@@ -13801,7 +13972,7 @@
           </a:p>
           <a:p>
             <a:r>
-              <a:rPr lang="en-US" sz="2800" b="1" dirty="0">
+              <a:rPr lang="en-US" sz="2800" dirty="0">
                 <a:solidFill>
                   <a:srgbClr val="404040"/>
                 </a:solidFill>
@@ -13811,7 +13982,7 @@
           </a:p>
           <a:p>
             <a:r>
-              <a:rPr lang="en-US" sz="2800" b="1" dirty="0">
+              <a:rPr lang="en-US" sz="2800" dirty="0">
                 <a:solidFill>
                   <a:srgbClr val="404040"/>
                 </a:solidFill>
@@ -14060,7 +14231,7 @@
             <p:nvPr/>
           </p:nvPicPr>
           <p:blipFill>
-            <a:blip r:embed="rId5">
+            <a:blip r:embed="rId6">
               <a:extLst>
                 <a:ext uri="{28A0092B-C50C-407E-A947-70E740481C1C}">
                   <a14:useLocalDpi xmlns:a14="http://schemas.microsoft.com/office/drawing/2010/main" val="0"/>
@@ -14127,7 +14298,7 @@
               <p:nvPr/>
             </p:nvPicPr>
             <p:blipFill rotWithShape="1">
-              <a:blip r:embed="rId2">
+              <a:blip r:embed="rId3">
                 <a:extLst>
                   <a:ext uri="{28A0092B-C50C-407E-A947-70E740481C1C}">
                     <a14:useLocalDpi xmlns:a14="http://schemas.microsoft.com/office/drawing/2010/main" val="0"/>
@@ -14172,11 +14343,11 @@
               <p:nvPr/>
             </p:nvPicPr>
             <p:blipFill>
-              <a:blip r:embed="rId3">
+              <a:blip r:embed="rId4">
                 <a:extLst>
                   <a:ext uri="{BEBA8EAE-BF5A-486C-A8C5-ECC9F3942E4B}">
                     <a14:imgProps xmlns:a14="http://schemas.microsoft.com/office/drawing/2010/main">
-                      <a14:imgLayer r:embed="rId4">
+                      <a14:imgLayer r:embed="rId5">
                         <a14:imgEffect>
                           <a14:backgroundRemoval t="9961" b="95508" l="586" r="95703">
                             <a14:foregroundMark x1="6836" y1="66211" x2="5469" y2="30859"/>
@@ -14300,7 +14471,7 @@
             <p:nvPr/>
           </p:nvPicPr>
           <p:blipFill>
-            <a:blip r:embed="rId6">
+            <a:blip r:embed="rId7">
               <a:extLst>
                 <a:ext uri="{28A0092B-C50C-407E-A947-70E740481C1C}">
                   <a14:useLocalDpi xmlns:a14="http://schemas.microsoft.com/office/drawing/2010/main" val="0"/>
@@ -14387,7 +14558,7 @@
           <p:nvPr/>
         </p:nvPicPr>
         <p:blipFill rotWithShape="1">
-          <a:blip r:embed="rId7">
+          <a:blip r:embed="rId8">
             <a:extLst>
               <a:ext uri="{28A0092B-C50C-407E-A947-70E740481C1C}">
                 <a14:useLocalDpi xmlns:a14="http://schemas.microsoft.com/office/drawing/2010/main" val="0"/>
@@ -14487,7 +14658,7 @@
 </p:sld>
 </file>
 
-<file path=ppt/slides/slide6.xml><?xml version="1.0" encoding="utf-8"?>
+<file path=ppt/slides/slide5.xml><?xml version="1.0" encoding="utf-8"?>
 <p:sld xmlns:a="http://schemas.openxmlformats.org/drawingml/2006/main" xmlns:r="http://schemas.openxmlformats.org/officeDocument/2006/relationships" xmlns:p="http://schemas.openxmlformats.org/presentationml/2006/main">
   <p:cSld>
     <p:bg>
@@ -14664,7 +14835,7 @@
           <p:nvPr/>
         </p:nvPicPr>
         <p:blipFill rotWithShape="1">
-          <a:blip r:embed="rId2">
+          <a:blip r:embed="rId3">
             <a:extLst>
               <a:ext uri="{28A0092B-C50C-407E-A947-70E740481C1C}">
                 <a14:useLocalDpi xmlns:a14="http://schemas.microsoft.com/office/drawing/2010/main" val="0"/>
@@ -14729,7 +14900,7 @@
             <p:nvPr/>
           </p:nvPicPr>
           <p:blipFill>
-            <a:blip r:embed="rId3">
+            <a:blip r:embed="rId4">
               <a:extLst>
                 <a:ext uri="{28A0092B-C50C-407E-A947-70E740481C1C}">
                   <a14:useLocalDpi xmlns:a14="http://schemas.microsoft.com/office/drawing/2010/main" val="0"/>
@@ -15051,7 +15222,7 @@
             <p:nvPr/>
           </p:nvPicPr>
           <p:blipFill rotWithShape="1">
-            <a:blip r:embed="rId4">
+            <a:blip r:embed="rId5">
               <a:extLst>
                 <a:ext uri="{28A0092B-C50C-407E-A947-70E740481C1C}">
                   <a14:useLocalDpi xmlns:a14="http://schemas.microsoft.com/office/drawing/2010/main" val="0"/>
@@ -15148,7 +15319,7 @@
             <p:nvPr/>
           </p:nvPicPr>
           <p:blipFill>
-            <a:blip r:embed="rId5">
+            <a:blip r:embed="rId6">
               <a:extLst>
                 <a:ext uri="{28A0092B-C50C-407E-A947-70E740481C1C}">
                   <a14:useLocalDpi xmlns:a14="http://schemas.microsoft.com/office/drawing/2010/main" val="0"/>
@@ -15242,6 +15413,480 @@
     <p:extLst>
       <p:ext uri="{BB962C8B-B14F-4D97-AF65-F5344CB8AC3E}">
         <p14:creationId xmlns:p14="http://schemas.microsoft.com/office/powerpoint/2010/main" val="224124944"/>
+      </p:ext>
+    </p:extLst>
+  </p:cSld>
+  <p:clrMapOvr>
+    <a:masterClrMapping/>
+  </p:clrMapOvr>
+</p:sld>
+</file>
+
+<file path=ppt/slides/slide6.xml><?xml version="1.0" encoding="utf-8"?>
+<p:sld xmlns:a="http://schemas.openxmlformats.org/drawingml/2006/main" xmlns:r="http://schemas.openxmlformats.org/officeDocument/2006/relationships" xmlns:p="http://schemas.openxmlformats.org/presentationml/2006/main">
+  <p:cSld>
+    <p:spTree>
+      <p:nvGrpSpPr>
+        <p:cNvPr id="1" name=""/>
+        <p:cNvGrpSpPr/>
+        <p:nvPr/>
+      </p:nvGrpSpPr>
+      <p:grpSpPr>
+        <a:xfrm>
+          <a:off x="0" y="0"/>
+          <a:ext cx="0" cy="0"/>
+          <a:chOff x="0" y="0"/>
+          <a:chExt cx="0" cy="0"/>
+        </a:xfrm>
+      </p:grpSpPr>
+      <p:sp>
+        <p:nvSpPr>
+          <p:cNvPr id="29" name="Rectangle 28">
+            <a:extLst>
+              <a:ext uri="{FF2B5EF4-FFF2-40B4-BE49-F238E27FC236}">
+                <a16:creationId xmlns:a16="http://schemas.microsoft.com/office/drawing/2014/main" id="{3A6EED04-84B6-4C41-88FB-B2A903AA4914}"/>
+              </a:ext>
+            </a:extLst>
+          </p:cNvPr>
+          <p:cNvSpPr/>
+          <p:nvPr/>
+        </p:nvSpPr>
+        <p:spPr>
+          <a:xfrm>
+            <a:off x="0" y="0"/>
+            <a:ext cx="12192000" cy="1809135"/>
+          </a:xfrm>
+          <a:prstGeom prst="rect">
+            <a:avLst/>
+          </a:prstGeom>
+          <a:solidFill>
+            <a:srgbClr val="404040"/>
+          </a:solidFill>
+          <a:ln>
+            <a:solidFill>
+              <a:srgbClr val="404040"/>
+            </a:solidFill>
+          </a:ln>
+        </p:spPr>
+        <p:style>
+          <a:lnRef idx="2">
+            <a:schemeClr val="accent1">
+              <a:shade val="50000"/>
+            </a:schemeClr>
+          </a:lnRef>
+          <a:fillRef idx="1">
+            <a:schemeClr val="accent1"/>
+          </a:fillRef>
+          <a:effectRef idx="0">
+            <a:schemeClr val="accent1"/>
+          </a:effectRef>
+          <a:fontRef idx="minor">
+            <a:schemeClr val="lt1"/>
+          </a:fontRef>
+        </p:style>
+        <p:txBody>
+          <a:bodyPr rtlCol="0" anchor="ctr"/>
+          <a:lstStyle/>
+          <a:p>
+            <a:pPr algn="ctr"/>
+            <a:endParaRPr lang="en-US" dirty="0"/>
+          </a:p>
+        </p:txBody>
+      </p:sp>
+      <p:sp>
+        <p:nvSpPr>
+          <p:cNvPr id="8" name="TextBox 7">
+            <a:extLst>
+              <a:ext uri="{FF2B5EF4-FFF2-40B4-BE49-F238E27FC236}">
+                <a16:creationId xmlns:a16="http://schemas.microsoft.com/office/drawing/2014/main" id="{F3A98BF4-466C-43BA-A663-15CFFE076340}"/>
+              </a:ext>
+            </a:extLst>
+          </p:cNvPr>
+          <p:cNvSpPr txBox="1"/>
+          <p:nvPr/>
+        </p:nvSpPr>
+        <p:spPr>
+          <a:xfrm>
+            <a:off x="738168" y="519846"/>
+            <a:ext cx="7412774" cy="769441"/>
+          </a:xfrm>
+          <a:prstGeom prst="rect">
+            <a:avLst/>
+          </a:prstGeom>
+          <a:noFill/>
+        </p:spPr>
+        <p:txBody>
+          <a:bodyPr wrap="square" rtlCol="0">
+            <a:spAutoFit/>
+          </a:bodyPr>
+          <a:lstStyle/>
+          <a:p>
+            <a:r>
+              <a:rPr lang="en-US" sz="4400" dirty="0">
+                <a:solidFill>
+                  <a:schemeClr val="bg1"/>
+                </a:solidFill>
+                <a:latin typeface="+mj-lt"/>
+              </a:rPr>
+              <a:t>Data Analysis</a:t>
+            </a:r>
+          </a:p>
+        </p:txBody>
+      </p:sp>
+      <p:pic>
+        <p:nvPicPr>
+          <p:cNvPr id="6" name="Picture 2" descr="IPython 3.0 Released">
+            <a:extLst>
+              <a:ext uri="{FF2B5EF4-FFF2-40B4-BE49-F238E27FC236}">
+                <a16:creationId xmlns:a16="http://schemas.microsoft.com/office/drawing/2014/main" id="{7D25AF2E-4D72-4D25-BEC2-AF60813F0A20}"/>
+              </a:ext>
+            </a:extLst>
+          </p:cNvPr>
+          <p:cNvPicPr>
+            <a:picLocks noChangeAspect="1" noChangeArrowheads="1"/>
+          </p:cNvPicPr>
+          <p:nvPr/>
+        </p:nvPicPr>
+        <p:blipFill>
+          <a:blip r:embed="rId3">
+            <a:extLst>
+              <a:ext uri="{28A0092B-C50C-407E-A947-70E740481C1C}">
+                <a14:useLocalDpi xmlns:a14="http://schemas.microsoft.com/office/drawing/2010/main" val="0"/>
+              </a:ext>
+            </a:extLst>
+          </a:blip>
+          <a:srcRect/>
+          <a:stretch>
+            <a:fillRect/>
+          </a:stretch>
+        </p:blipFill>
+        <p:spPr bwMode="auto">
+          <a:xfrm>
+            <a:off x="1443032" y="2328981"/>
+            <a:ext cx="2170546" cy="2027076"/>
+          </a:xfrm>
+          <a:prstGeom prst="rect">
+            <a:avLst/>
+          </a:prstGeom>
+          <a:noFill/>
+          <a:extLst>
+            <a:ext uri="{909E8E84-426E-40DD-AFC4-6F175D3DCCD1}">
+              <a14:hiddenFill xmlns:a14="http://schemas.microsoft.com/office/drawing/2010/main">
+                <a:solidFill>
+                  <a:srgbClr val="FFFFFF"/>
+                </a:solidFill>
+              </a14:hiddenFill>
+            </a:ext>
+          </a:extLst>
+        </p:spPr>
+      </p:pic>
+      <p:grpSp>
+        <p:nvGrpSpPr>
+          <p:cNvPr id="9" name="Group 8">
+            <a:extLst>
+              <a:ext uri="{FF2B5EF4-FFF2-40B4-BE49-F238E27FC236}">
+                <a16:creationId xmlns:a16="http://schemas.microsoft.com/office/drawing/2014/main" id="{D315A586-ACA6-49CA-933F-F76D36FE551A}"/>
+              </a:ext>
+            </a:extLst>
+          </p:cNvPr>
+          <p:cNvGrpSpPr/>
+          <p:nvPr/>
+        </p:nvGrpSpPr>
+        <p:grpSpPr>
+          <a:xfrm>
+            <a:off x="8132470" y="2328981"/>
+            <a:ext cx="1774331" cy="2038942"/>
+            <a:chOff x="3055158" y="1697965"/>
+            <a:chExt cx="1774331" cy="2038942"/>
+          </a:xfrm>
+        </p:grpSpPr>
+        <p:pic>
+          <p:nvPicPr>
+            <p:cNvPr id="2" name="Picture 1">
+              <a:extLst>
+                <a:ext uri="{FF2B5EF4-FFF2-40B4-BE49-F238E27FC236}">
+                  <a16:creationId xmlns:a16="http://schemas.microsoft.com/office/drawing/2014/main" id="{3ED92313-6560-4E8A-8467-BC10AB099A9D}"/>
+                </a:ext>
+              </a:extLst>
+            </p:cNvPr>
+            <p:cNvPicPr>
+              <a:picLocks noChangeAspect="1"/>
+            </p:cNvPicPr>
+            <p:nvPr/>
+          </p:nvPicPr>
+          <p:blipFill>
+            <a:blip r:embed="rId4"/>
+            <a:stretch>
+              <a:fillRect/>
+            </a:stretch>
+          </p:blipFill>
+          <p:spPr>
+            <a:xfrm>
+              <a:off x="3055158" y="1697965"/>
+              <a:ext cx="1774331" cy="513134"/>
+            </a:xfrm>
+            <a:prstGeom prst="rect">
+              <a:avLst/>
+            </a:prstGeom>
+          </p:spPr>
+        </p:pic>
+        <p:pic>
+          <p:nvPicPr>
+            <p:cNvPr id="2056" name="Picture 8" descr="https://seaborn.pydata.org/_static/multiple_regression_thumb.png">
+              <a:extLst>
+                <a:ext uri="{FF2B5EF4-FFF2-40B4-BE49-F238E27FC236}">
+                  <a16:creationId xmlns:a16="http://schemas.microsoft.com/office/drawing/2014/main" id="{633FC0F0-98FF-46AE-9929-EDB5865B3151}"/>
+                </a:ext>
+              </a:extLst>
+            </p:cNvPr>
+            <p:cNvPicPr>
+              <a:picLocks noChangeAspect="1" noChangeArrowheads="1"/>
+            </p:cNvPicPr>
+            <p:nvPr/>
+          </p:nvPicPr>
+          <p:blipFill>
+            <a:blip r:embed="rId5">
+              <a:extLst>
+                <a:ext uri="{28A0092B-C50C-407E-A947-70E740481C1C}">
+                  <a14:useLocalDpi xmlns:a14="http://schemas.microsoft.com/office/drawing/2010/main" val="0"/>
+                </a:ext>
+              </a:extLst>
+            </a:blip>
+            <a:srcRect/>
+            <a:stretch>
+              <a:fillRect/>
+            </a:stretch>
+          </p:blipFill>
+          <p:spPr bwMode="auto">
+            <a:xfrm>
+              <a:off x="3248042" y="2301059"/>
+              <a:ext cx="1435848" cy="1435848"/>
+            </a:xfrm>
+            <a:prstGeom prst="rect">
+              <a:avLst/>
+            </a:prstGeom>
+            <a:noFill/>
+            <a:extLst>
+              <a:ext uri="{909E8E84-426E-40DD-AFC4-6F175D3DCCD1}">
+                <a14:hiddenFill xmlns:a14="http://schemas.microsoft.com/office/drawing/2010/main">
+                  <a:solidFill>
+                    <a:srgbClr val="FFFFFF"/>
+                  </a:solidFill>
+                </a14:hiddenFill>
+              </a:ext>
+            </a:extLst>
+          </p:spPr>
+        </p:pic>
+      </p:grpSp>
+      <p:pic>
+        <p:nvPicPr>
+          <p:cNvPr id="2058" name="Picture 10" descr="Related image">
+            <a:extLst>
+              <a:ext uri="{FF2B5EF4-FFF2-40B4-BE49-F238E27FC236}">
+                <a16:creationId xmlns:a16="http://schemas.microsoft.com/office/drawing/2014/main" id="{317AACBD-28D6-4D70-A675-03F7E23E02E0}"/>
+              </a:ext>
+            </a:extLst>
+          </p:cNvPr>
+          <p:cNvPicPr>
+            <a:picLocks noChangeAspect="1" noChangeArrowheads="1"/>
+          </p:cNvPicPr>
+          <p:nvPr/>
+        </p:nvPicPr>
+        <p:blipFill>
+          <a:blip r:embed="rId6">
+            <a:extLst>
+              <a:ext uri="{28A0092B-C50C-407E-A947-70E740481C1C}">
+                <a14:useLocalDpi xmlns:a14="http://schemas.microsoft.com/office/drawing/2010/main" val="0"/>
+              </a:ext>
+            </a:extLst>
+          </a:blip>
+          <a:srcRect/>
+          <a:stretch>
+            <a:fillRect/>
+          </a:stretch>
+        </p:blipFill>
+        <p:spPr bwMode="auto">
+          <a:xfrm>
+            <a:off x="2344829" y="4356057"/>
+            <a:ext cx="3048000" cy="2286000"/>
+          </a:xfrm>
+          <a:prstGeom prst="rect">
+            <a:avLst/>
+          </a:prstGeom>
+          <a:noFill/>
+          <a:extLst>
+            <a:ext uri="{909E8E84-426E-40DD-AFC4-6F175D3DCCD1}">
+              <a14:hiddenFill xmlns:a14="http://schemas.microsoft.com/office/drawing/2010/main">
+                <a:solidFill>
+                  <a:srgbClr val="FFFFFF"/>
+                </a:solidFill>
+              </a14:hiddenFill>
+            </a:ext>
+          </a:extLst>
+        </p:spPr>
+      </p:pic>
+      <p:pic>
+        <p:nvPicPr>
+          <p:cNvPr id="2064" name="Picture 16" descr="Logo">
+            <a:extLst>
+              <a:ext uri="{FF2B5EF4-FFF2-40B4-BE49-F238E27FC236}">
+                <a16:creationId xmlns:a16="http://schemas.microsoft.com/office/drawing/2014/main" id="{415496CC-3C3F-40A8-A731-6011096CBEA0}"/>
+              </a:ext>
+            </a:extLst>
+          </p:cNvPr>
+          <p:cNvPicPr>
+            <a:picLocks noChangeAspect="1" noChangeArrowheads="1"/>
+          </p:cNvPicPr>
+          <p:nvPr/>
+        </p:nvPicPr>
+        <p:blipFill>
+          <a:blip r:embed="rId7">
+            <a:extLst>
+              <a:ext uri="{28A0092B-C50C-407E-A947-70E740481C1C}">
+                <a14:useLocalDpi xmlns:a14="http://schemas.microsoft.com/office/drawing/2010/main" val="0"/>
+              </a:ext>
+            </a:extLst>
+          </a:blip>
+          <a:srcRect/>
+          <a:stretch>
+            <a:fillRect/>
+          </a:stretch>
+        </p:blipFill>
+        <p:spPr bwMode="auto">
+          <a:xfrm>
+            <a:off x="6059866" y="4577780"/>
+            <a:ext cx="3069143" cy="1722582"/>
+          </a:xfrm>
+          <a:prstGeom prst="rect">
+            <a:avLst/>
+          </a:prstGeom>
+          <a:noFill/>
+          <a:extLst>
+            <a:ext uri="{909E8E84-426E-40DD-AFC4-6F175D3DCCD1}">
+              <a14:hiddenFill xmlns:a14="http://schemas.microsoft.com/office/drawing/2010/main">
+                <a:solidFill>
+                  <a:srgbClr val="FFFFFF"/>
+                </a:solidFill>
+              </a14:hiddenFill>
+            </a:ext>
+          </a:extLst>
+        </p:spPr>
+      </p:pic>
+      <p:grpSp>
+        <p:nvGrpSpPr>
+          <p:cNvPr id="7" name="Group 6">
+            <a:extLst>
+              <a:ext uri="{FF2B5EF4-FFF2-40B4-BE49-F238E27FC236}">
+                <a16:creationId xmlns:a16="http://schemas.microsoft.com/office/drawing/2014/main" id="{46633722-F882-4A9D-A76F-4016064A50F6}"/>
+              </a:ext>
+            </a:extLst>
+          </p:cNvPr>
+          <p:cNvGrpSpPr/>
+          <p:nvPr/>
+        </p:nvGrpSpPr>
+        <p:grpSpPr>
+          <a:xfrm>
+            <a:off x="4520848" y="2416466"/>
+            <a:ext cx="2451960" cy="1792167"/>
+            <a:chOff x="4540827" y="346880"/>
+            <a:chExt cx="2451960" cy="1792167"/>
+          </a:xfrm>
+        </p:grpSpPr>
+        <p:pic>
+          <p:nvPicPr>
+            <p:cNvPr id="2054" name="Picture 6" descr="Logo">
+              <a:extLst>
+                <a:ext uri="{FF2B5EF4-FFF2-40B4-BE49-F238E27FC236}">
+                  <a16:creationId xmlns:a16="http://schemas.microsoft.com/office/drawing/2014/main" id="{1836CEE1-7FB4-4E0B-9F09-9DF449ECF3A9}"/>
+                </a:ext>
+              </a:extLst>
+            </p:cNvPr>
+            <p:cNvPicPr>
+              <a:picLocks noChangeAspect="1" noChangeArrowheads="1"/>
+            </p:cNvPicPr>
+            <p:nvPr/>
+          </p:nvPicPr>
+          <p:blipFill rotWithShape="1">
+            <a:blip r:embed="rId8">
+              <a:extLst>
+                <a:ext uri="{28A0092B-C50C-407E-A947-70E740481C1C}">
+                  <a14:useLocalDpi xmlns:a14="http://schemas.microsoft.com/office/drawing/2010/main" val="0"/>
+                </a:ext>
+              </a:extLst>
+            </a:blip>
+            <a:srcRect r="57096"/>
+            <a:stretch/>
+          </p:blipFill>
+          <p:spPr bwMode="auto">
+            <a:xfrm>
+              <a:off x="4540827" y="346880"/>
+              <a:ext cx="2451960" cy="1190625"/>
+            </a:xfrm>
+            <a:prstGeom prst="rect">
+              <a:avLst/>
+            </a:prstGeom>
+            <a:noFill/>
+            <a:extLst>
+              <a:ext uri="{909E8E84-426E-40DD-AFC4-6F175D3DCCD1}">
+                <a14:hiddenFill xmlns:a14="http://schemas.microsoft.com/office/drawing/2010/main">
+                  <a:solidFill>
+                    <a:srgbClr val="FFFFFF"/>
+                  </a:solidFill>
+                </a14:hiddenFill>
+              </a:ext>
+            </a:extLst>
+          </p:spPr>
+        </p:pic>
+        <p:pic>
+          <p:nvPicPr>
+            <p:cNvPr id="15" name="Picture 6" descr="Logo">
+              <a:extLst>
+                <a:ext uri="{FF2B5EF4-FFF2-40B4-BE49-F238E27FC236}">
+                  <a16:creationId xmlns:a16="http://schemas.microsoft.com/office/drawing/2014/main" id="{E78BA7F2-DF8A-4EE8-994C-2E1A288035B9}"/>
+                </a:ext>
+              </a:extLst>
+            </p:cNvPr>
+            <p:cNvPicPr>
+              <a:picLocks noChangeAspect="1" noChangeArrowheads="1"/>
+            </p:cNvPicPr>
+            <p:nvPr/>
+          </p:nvPicPr>
+          <p:blipFill rotWithShape="1">
+            <a:blip r:embed="rId8">
+              <a:extLst>
+                <a:ext uri="{28A0092B-C50C-407E-A947-70E740481C1C}">
+                  <a14:useLocalDpi xmlns:a14="http://schemas.microsoft.com/office/drawing/2010/main" val="0"/>
+                </a:ext>
+              </a:extLst>
+            </a:blip>
+            <a:srcRect l="42086"/>
+            <a:stretch/>
+          </p:blipFill>
+          <p:spPr bwMode="auto">
+            <a:xfrm>
+              <a:off x="4670134" y="1317569"/>
+              <a:ext cx="2283612" cy="821478"/>
+            </a:xfrm>
+            <a:prstGeom prst="rect">
+              <a:avLst/>
+            </a:prstGeom>
+            <a:noFill/>
+            <a:extLst>
+              <a:ext uri="{909E8E84-426E-40DD-AFC4-6F175D3DCCD1}">
+                <a14:hiddenFill xmlns:a14="http://schemas.microsoft.com/office/drawing/2010/main">
+                  <a:solidFill>
+                    <a:srgbClr val="FFFFFF"/>
+                  </a:solidFill>
+                </a14:hiddenFill>
+              </a:ext>
+            </a:extLst>
+          </p:spPr>
+        </p:pic>
+      </p:grpSp>
+    </p:spTree>
+    <p:extLst>
+      <p:ext uri="{BB962C8B-B14F-4D97-AF65-F5344CB8AC3E}">
+        <p14:creationId xmlns:p14="http://schemas.microsoft.com/office/powerpoint/2010/main" val="96547170"/>
       </p:ext>
     </p:extLst>
   </p:cSld>
@@ -15362,360 +16007,77 @@
           </a:p>
         </p:txBody>
       </p:sp>
-      <p:pic>
-        <p:nvPicPr>
-          <p:cNvPr id="6" name="Picture 2" descr="IPython 3.0 Released">
+      <p:sp>
+        <p:nvSpPr>
+          <p:cNvPr id="3" name="TextBox 2">
             <a:extLst>
               <a:ext uri="{FF2B5EF4-FFF2-40B4-BE49-F238E27FC236}">
-                <a16:creationId xmlns:a16="http://schemas.microsoft.com/office/drawing/2014/main" id="{7D25AF2E-4D72-4D25-BEC2-AF60813F0A20}"/>
+                <a16:creationId xmlns:a16="http://schemas.microsoft.com/office/drawing/2014/main" id="{5CDA026E-6567-4215-B7D3-FE89F9C847A3}"/>
               </a:ext>
             </a:extLst>
           </p:cNvPr>
-          <p:cNvPicPr>
-            <a:picLocks noChangeAspect="1" noChangeArrowheads="1"/>
-          </p:cNvPicPr>
+          <p:cNvSpPr txBox="1"/>
           <p:nvPr/>
-        </p:nvPicPr>
-        <p:blipFill>
-          <a:blip r:embed="rId2">
-            <a:extLst>
-              <a:ext uri="{28A0092B-C50C-407E-A947-70E740481C1C}">
-                <a14:useLocalDpi xmlns:a14="http://schemas.microsoft.com/office/drawing/2010/main" val="0"/>
-              </a:ext>
-            </a:extLst>
-          </a:blip>
-          <a:srcRect/>
-          <a:stretch>
-            <a:fillRect/>
-          </a:stretch>
-        </p:blipFill>
-        <p:spPr bwMode="auto">
+        </p:nvSpPr>
+        <p:spPr>
           <a:xfrm>
-            <a:off x="1443032" y="2328981"/>
-            <a:ext cx="2170546" cy="2027076"/>
+            <a:off x="738167" y="2296882"/>
+            <a:ext cx="11058721" cy="2554545"/>
           </a:xfrm>
           <a:prstGeom prst="rect">
             <a:avLst/>
           </a:prstGeom>
           <a:noFill/>
-          <a:extLst>
-            <a:ext uri="{909E8E84-426E-40DD-AFC4-6F175D3DCCD1}">
-              <a14:hiddenFill xmlns:a14="http://schemas.microsoft.com/office/drawing/2010/main">
+        </p:spPr>
+        <p:txBody>
+          <a:bodyPr wrap="square" rtlCol="0">
+            <a:spAutoFit/>
+          </a:bodyPr>
+          <a:lstStyle/>
+          <a:p>
+            <a:r>
+              <a:rPr lang="en-US" sz="3200" u="sng" dirty="0">
                 <a:solidFill>
-                  <a:srgbClr val="FFFFFF"/>
+                  <a:srgbClr val="404040"/>
                 </a:solidFill>
-              </a14:hiddenFill>
-            </a:ext>
-          </a:extLst>
-        </p:spPr>
-      </p:pic>
-      <p:grpSp>
-        <p:nvGrpSpPr>
-          <p:cNvPr id="9" name="Group 8">
-            <a:extLst>
-              <a:ext uri="{FF2B5EF4-FFF2-40B4-BE49-F238E27FC236}">
-                <a16:creationId xmlns:a16="http://schemas.microsoft.com/office/drawing/2014/main" id="{D315A586-ACA6-49CA-933F-F76D36FE551A}"/>
-              </a:ext>
-            </a:extLst>
-          </p:cNvPr>
-          <p:cNvGrpSpPr/>
-          <p:nvPr/>
-        </p:nvGrpSpPr>
-        <p:grpSpPr>
-          <a:xfrm>
-            <a:off x="8132470" y="2328981"/>
-            <a:ext cx="1774331" cy="2038942"/>
-            <a:chOff x="3055158" y="1697965"/>
-            <a:chExt cx="1774331" cy="2038942"/>
-          </a:xfrm>
-        </p:grpSpPr>
-        <p:pic>
-          <p:nvPicPr>
-            <p:cNvPr id="2" name="Picture 1">
-              <a:extLst>
-                <a:ext uri="{FF2B5EF4-FFF2-40B4-BE49-F238E27FC236}">
-                  <a16:creationId xmlns:a16="http://schemas.microsoft.com/office/drawing/2014/main" id="{3ED92313-6560-4E8A-8467-BC10AB099A9D}"/>
-                </a:ext>
-              </a:extLst>
-            </p:cNvPr>
-            <p:cNvPicPr>
-              <a:picLocks noChangeAspect="1"/>
-            </p:cNvPicPr>
-            <p:nvPr/>
-          </p:nvPicPr>
-          <p:blipFill>
-            <a:blip r:embed="rId3"/>
-            <a:stretch>
-              <a:fillRect/>
-            </a:stretch>
-          </p:blipFill>
-          <p:spPr>
-            <a:xfrm>
-              <a:off x="3055158" y="1697965"/>
-              <a:ext cx="1774331" cy="513134"/>
-            </a:xfrm>
-            <a:prstGeom prst="rect">
-              <a:avLst/>
-            </a:prstGeom>
-          </p:spPr>
-        </p:pic>
-        <p:pic>
-          <p:nvPicPr>
-            <p:cNvPr id="2056" name="Picture 8" descr="https://seaborn.pydata.org/_static/multiple_regression_thumb.png">
-              <a:extLst>
-                <a:ext uri="{FF2B5EF4-FFF2-40B4-BE49-F238E27FC236}">
-                  <a16:creationId xmlns:a16="http://schemas.microsoft.com/office/drawing/2014/main" id="{633FC0F0-98FF-46AE-9929-EDB5865B3151}"/>
-                </a:ext>
-              </a:extLst>
-            </p:cNvPr>
-            <p:cNvPicPr>
-              <a:picLocks noChangeAspect="1" noChangeArrowheads="1"/>
-            </p:cNvPicPr>
-            <p:nvPr/>
-          </p:nvPicPr>
-          <p:blipFill>
-            <a:blip r:embed="rId4">
-              <a:extLst>
-                <a:ext uri="{28A0092B-C50C-407E-A947-70E740481C1C}">
-                  <a14:useLocalDpi xmlns:a14="http://schemas.microsoft.com/office/drawing/2010/main" val="0"/>
-                </a:ext>
-              </a:extLst>
-            </a:blip>
-            <a:srcRect/>
-            <a:stretch>
-              <a:fillRect/>
-            </a:stretch>
-          </p:blipFill>
-          <p:spPr bwMode="auto">
-            <a:xfrm>
-              <a:off x="3248042" y="2301059"/>
-              <a:ext cx="1435848" cy="1435848"/>
-            </a:xfrm>
-            <a:prstGeom prst="rect">
-              <a:avLst/>
-            </a:prstGeom>
-            <a:noFill/>
-            <a:extLst>
-              <a:ext uri="{909E8E84-426E-40DD-AFC4-6F175D3DCCD1}">
-                <a14:hiddenFill xmlns:a14="http://schemas.microsoft.com/office/drawing/2010/main">
-                  <a:solidFill>
-                    <a:srgbClr val="FFFFFF"/>
-                  </a:solidFill>
-                </a14:hiddenFill>
-              </a:ext>
-            </a:extLst>
-          </p:spPr>
-        </p:pic>
-      </p:grpSp>
-      <p:pic>
-        <p:nvPicPr>
-          <p:cNvPr id="2058" name="Picture 10" descr="Related image">
-            <a:extLst>
-              <a:ext uri="{FF2B5EF4-FFF2-40B4-BE49-F238E27FC236}">
-                <a16:creationId xmlns:a16="http://schemas.microsoft.com/office/drawing/2014/main" id="{317AACBD-28D6-4D70-A675-03F7E23E02E0}"/>
-              </a:ext>
-            </a:extLst>
-          </p:cNvPr>
-          <p:cNvPicPr>
-            <a:picLocks noChangeAspect="1" noChangeArrowheads="1"/>
-          </p:cNvPicPr>
-          <p:nvPr/>
-        </p:nvPicPr>
-        <p:blipFill>
-          <a:blip r:embed="rId5">
-            <a:extLst>
-              <a:ext uri="{28A0092B-C50C-407E-A947-70E740481C1C}">
-                <a14:useLocalDpi xmlns:a14="http://schemas.microsoft.com/office/drawing/2010/main" val="0"/>
-              </a:ext>
-            </a:extLst>
-          </a:blip>
-          <a:srcRect/>
-          <a:stretch>
-            <a:fillRect/>
-          </a:stretch>
-        </p:blipFill>
-        <p:spPr bwMode="auto">
-          <a:xfrm>
-            <a:off x="2344829" y="4356057"/>
-            <a:ext cx="3048000" cy="2286000"/>
-          </a:xfrm>
-          <a:prstGeom prst="rect">
-            <a:avLst/>
-          </a:prstGeom>
-          <a:noFill/>
-          <a:extLst>
-            <a:ext uri="{909E8E84-426E-40DD-AFC4-6F175D3DCCD1}">
-              <a14:hiddenFill xmlns:a14="http://schemas.microsoft.com/office/drawing/2010/main">
+              </a:rPr>
+              <a:t>Investigative Themes</a:t>
+            </a:r>
+          </a:p>
+          <a:p>
+            <a:pPr marL="285750" indent="-285750">
+              <a:buFont typeface="Arial" panose="020B0604020202020204" pitchFamily="34" charset="0"/>
+              <a:buChar char="•"/>
+            </a:pPr>
+            <a:r>
+              <a:rPr lang="en-US" sz="3200" dirty="0">
                 <a:solidFill>
-                  <a:srgbClr val="FFFFFF"/>
+                  <a:srgbClr val="404040"/>
                 </a:solidFill>
-              </a14:hiddenFill>
-            </a:ext>
-          </a:extLst>
-        </p:spPr>
-      </p:pic>
-      <p:pic>
-        <p:nvPicPr>
-          <p:cNvPr id="2064" name="Picture 16" descr="Logo">
-            <a:extLst>
-              <a:ext uri="{FF2B5EF4-FFF2-40B4-BE49-F238E27FC236}">
-                <a16:creationId xmlns:a16="http://schemas.microsoft.com/office/drawing/2014/main" id="{415496CC-3C3F-40A8-A731-6011096CBEA0}"/>
-              </a:ext>
-            </a:extLst>
-          </p:cNvPr>
-          <p:cNvPicPr>
-            <a:picLocks noChangeAspect="1" noChangeArrowheads="1"/>
-          </p:cNvPicPr>
-          <p:nvPr/>
-        </p:nvPicPr>
-        <p:blipFill>
-          <a:blip r:embed="rId6">
-            <a:extLst>
-              <a:ext uri="{28A0092B-C50C-407E-A947-70E740481C1C}">
-                <a14:useLocalDpi xmlns:a14="http://schemas.microsoft.com/office/drawing/2010/main" val="0"/>
-              </a:ext>
-            </a:extLst>
-          </a:blip>
-          <a:srcRect/>
-          <a:stretch>
-            <a:fillRect/>
-          </a:stretch>
-        </p:blipFill>
-        <p:spPr bwMode="auto">
-          <a:xfrm>
-            <a:off x="6059866" y="4577780"/>
-            <a:ext cx="3069143" cy="1722582"/>
-          </a:xfrm>
-          <a:prstGeom prst="rect">
-            <a:avLst/>
-          </a:prstGeom>
-          <a:noFill/>
-          <a:extLst>
-            <a:ext uri="{909E8E84-426E-40DD-AFC4-6F175D3DCCD1}">
-              <a14:hiddenFill xmlns:a14="http://schemas.microsoft.com/office/drawing/2010/main">
+              </a:rPr>
+              <a:t>Which attributes of tutors and schools relate to success metrics like student growth targets and tutor satisfaction?</a:t>
+            </a:r>
+          </a:p>
+          <a:p>
+            <a:pPr marL="285750" indent="-285750">
+              <a:buFont typeface="Arial" panose="020B0604020202020204" pitchFamily="34" charset="0"/>
+              <a:buChar char="•"/>
+            </a:pPr>
+            <a:r>
+              <a:rPr lang="en-US" sz="3200" dirty="0">
                 <a:solidFill>
-                  <a:srgbClr val="FFFFFF"/>
+                  <a:srgbClr val="404040"/>
                 </a:solidFill>
-              </a14:hiddenFill>
-            </a:ext>
-          </a:extLst>
-        </p:spPr>
-      </p:pic>
-      <p:grpSp>
-        <p:nvGrpSpPr>
-          <p:cNvPr id="7" name="Group 6">
-            <a:extLst>
-              <a:ext uri="{FF2B5EF4-FFF2-40B4-BE49-F238E27FC236}">
-                <a16:creationId xmlns:a16="http://schemas.microsoft.com/office/drawing/2014/main" id="{46633722-F882-4A9D-A76F-4016064A50F6}"/>
-              </a:ext>
-            </a:extLst>
-          </p:cNvPr>
-          <p:cNvGrpSpPr/>
-          <p:nvPr/>
-        </p:nvGrpSpPr>
-        <p:grpSpPr>
-          <a:xfrm>
-            <a:off x="4520848" y="2416466"/>
-            <a:ext cx="2451960" cy="1792167"/>
-            <a:chOff x="4540827" y="346880"/>
-            <a:chExt cx="2451960" cy="1792167"/>
-          </a:xfrm>
-        </p:grpSpPr>
-        <p:pic>
-          <p:nvPicPr>
-            <p:cNvPr id="2054" name="Picture 6" descr="Logo">
-              <a:extLst>
-                <a:ext uri="{FF2B5EF4-FFF2-40B4-BE49-F238E27FC236}">
-                  <a16:creationId xmlns:a16="http://schemas.microsoft.com/office/drawing/2014/main" id="{1836CEE1-7FB4-4E0B-9F09-9DF449ECF3A9}"/>
-                </a:ext>
-              </a:extLst>
-            </p:cNvPr>
-            <p:cNvPicPr>
-              <a:picLocks noChangeAspect="1" noChangeArrowheads="1"/>
-            </p:cNvPicPr>
-            <p:nvPr/>
-          </p:nvPicPr>
-          <p:blipFill rotWithShape="1">
-            <a:blip r:embed="rId7">
-              <a:extLst>
-                <a:ext uri="{28A0092B-C50C-407E-A947-70E740481C1C}">
-                  <a14:useLocalDpi xmlns:a14="http://schemas.microsoft.com/office/drawing/2010/main" val="0"/>
-                </a:ext>
-              </a:extLst>
-            </a:blip>
-            <a:srcRect r="57096"/>
-            <a:stretch/>
-          </p:blipFill>
-          <p:spPr bwMode="auto">
-            <a:xfrm>
-              <a:off x="4540827" y="346880"/>
-              <a:ext cx="2451960" cy="1190625"/>
-            </a:xfrm>
-            <a:prstGeom prst="rect">
-              <a:avLst/>
-            </a:prstGeom>
-            <a:noFill/>
-            <a:extLst>
-              <a:ext uri="{909E8E84-426E-40DD-AFC4-6F175D3DCCD1}">
-                <a14:hiddenFill xmlns:a14="http://schemas.microsoft.com/office/drawing/2010/main">
-                  <a:solidFill>
-                    <a:srgbClr val="FFFFFF"/>
-                  </a:solidFill>
-                </a14:hiddenFill>
-              </a:ext>
-            </a:extLst>
-          </p:spPr>
-        </p:pic>
-        <p:pic>
-          <p:nvPicPr>
-            <p:cNvPr id="15" name="Picture 6" descr="Logo">
-              <a:extLst>
-                <a:ext uri="{FF2B5EF4-FFF2-40B4-BE49-F238E27FC236}">
-                  <a16:creationId xmlns:a16="http://schemas.microsoft.com/office/drawing/2014/main" id="{E78BA7F2-DF8A-4EE8-994C-2E1A288035B9}"/>
-                </a:ext>
-              </a:extLst>
-            </p:cNvPr>
-            <p:cNvPicPr>
-              <a:picLocks noChangeAspect="1" noChangeArrowheads="1"/>
-            </p:cNvPicPr>
-            <p:nvPr/>
-          </p:nvPicPr>
-          <p:blipFill rotWithShape="1">
-            <a:blip r:embed="rId7">
-              <a:extLst>
-                <a:ext uri="{28A0092B-C50C-407E-A947-70E740481C1C}">
-                  <a14:useLocalDpi xmlns:a14="http://schemas.microsoft.com/office/drawing/2010/main" val="0"/>
-                </a:ext>
-              </a:extLst>
-            </a:blip>
-            <a:srcRect l="42086"/>
-            <a:stretch/>
-          </p:blipFill>
-          <p:spPr bwMode="auto">
-            <a:xfrm>
-              <a:off x="4670134" y="1317569"/>
-              <a:ext cx="2283612" cy="821478"/>
-            </a:xfrm>
-            <a:prstGeom prst="rect">
-              <a:avLst/>
-            </a:prstGeom>
-            <a:noFill/>
-            <a:extLst>
-              <a:ext uri="{909E8E84-426E-40DD-AFC4-6F175D3DCCD1}">
-                <a14:hiddenFill xmlns:a14="http://schemas.microsoft.com/office/drawing/2010/main">
-                  <a:solidFill>
-                    <a:srgbClr val="FFFFFF"/>
-                  </a:solidFill>
-                </a14:hiddenFill>
-              </a:ext>
-            </a:extLst>
-          </p:spPr>
-        </p:pic>
-      </p:grpSp>
+              </a:rPr>
+              <a:t>Can we better model program implementation to set expectations and inform actionable intervention?</a:t>
+            </a:r>
+          </a:p>
+        </p:txBody>
+      </p:sp>
     </p:spTree>
     <p:extLst>
       <p:ext uri="{BB962C8B-B14F-4D97-AF65-F5344CB8AC3E}">
-        <p14:creationId xmlns:p14="http://schemas.microsoft.com/office/powerpoint/2010/main" val="96547170"/>
+        <p14:creationId xmlns:p14="http://schemas.microsoft.com/office/powerpoint/2010/main" val="1220724579"/>
       </p:ext>
     </p:extLst>
   </p:cSld>
@@ -15836,12 +16198,47 @@
           </a:p>
         </p:txBody>
       </p:sp>
+      <p:pic>
+        <p:nvPicPr>
+          <p:cNvPr id="4" name="Picture 3">
+            <a:extLst>
+              <a:ext uri="{FF2B5EF4-FFF2-40B4-BE49-F238E27FC236}">
+                <a16:creationId xmlns:a16="http://schemas.microsoft.com/office/drawing/2014/main" id="{7F09085F-8522-4094-8B44-E337797F63C0}"/>
+              </a:ext>
+            </a:extLst>
+          </p:cNvPr>
+          <p:cNvPicPr>
+            <a:picLocks noChangeAspect="1"/>
+          </p:cNvPicPr>
+          <p:nvPr/>
+        </p:nvPicPr>
+        <p:blipFill rotWithShape="1">
+          <a:blip r:embed="rId3">
+            <a:extLst>
+              <a:ext uri="{28A0092B-C50C-407E-A947-70E740481C1C}">
+                <a14:useLocalDpi xmlns:a14="http://schemas.microsoft.com/office/drawing/2010/main" val="0"/>
+              </a:ext>
+            </a:extLst>
+          </a:blip>
+          <a:srcRect l="1136" b="4515"/>
+          <a:stretch/>
+        </p:blipFill>
+        <p:spPr>
+          <a:xfrm>
+            <a:off x="589547" y="2327704"/>
+            <a:ext cx="10599821" cy="2021776"/>
+          </a:xfrm>
+          <a:prstGeom prst="rect">
+            <a:avLst/>
+          </a:prstGeom>
+        </p:spPr>
+      </p:pic>
       <p:sp>
         <p:nvSpPr>
-          <p:cNvPr id="3" name="TextBox 2">
+          <p:cNvPr id="9" name="TextBox 8">
             <a:extLst>
               <a:ext uri="{FF2B5EF4-FFF2-40B4-BE49-F238E27FC236}">
-                <a16:creationId xmlns:a16="http://schemas.microsoft.com/office/drawing/2014/main" id="{5CDA026E-6567-4215-B7D3-FE89F9C847A3}"/>
+                <a16:creationId xmlns:a16="http://schemas.microsoft.com/office/drawing/2014/main" id="{2F43362B-16AC-499C-8004-05535DD8C104}"/>
               </a:ext>
             </a:extLst>
           </p:cNvPr>
@@ -15850,8 +16247,8 @@
         </p:nvSpPr>
         <p:spPr>
           <a:xfrm>
-            <a:off x="738168" y="2296882"/>
-            <a:ext cx="10737552" cy="2554545"/>
+            <a:off x="231842" y="1819888"/>
+            <a:ext cx="11804073" cy="523220"/>
           </a:xfrm>
           <a:prstGeom prst="rect">
             <a:avLst/>
@@ -15865,40 +16262,235 @@
           <a:lstStyle/>
           <a:p>
             <a:r>
-              <a:rPr lang="en-US" sz="3200" u="sng" dirty="0">
-                <a:solidFill>
-                  <a:srgbClr val="404040"/>
-                </a:solidFill>
+              <a:rPr lang="en-US" sz="2800" dirty="0">
+                <a:latin typeface="+mj-lt"/>
               </a:rPr>
-              <a:t>Investigative Themes</a:t>
+              <a:t>Observation Scores and the Tutor’s Student Performance</a:t>
             </a:r>
           </a:p>
-          <a:p>
-            <a:pPr marL="285750" indent="-285750">
-              <a:buFont typeface="Arial" panose="020B0604020202020204" pitchFamily="34" charset="0"/>
-              <a:buChar char="•"/>
-            </a:pPr>
+        </p:txBody>
+      </p:sp>
+      <p:pic>
+        <p:nvPicPr>
+          <p:cNvPr id="15" name="Picture 14">
+            <a:extLst>
+              <a:ext uri="{FF2B5EF4-FFF2-40B4-BE49-F238E27FC236}">
+                <a16:creationId xmlns:a16="http://schemas.microsoft.com/office/drawing/2014/main" id="{3E01ADE6-F2A3-4197-8D4D-2F2B4C983540}"/>
+              </a:ext>
+            </a:extLst>
+          </p:cNvPr>
+          <p:cNvPicPr>
+            <a:picLocks noChangeAspect="1"/>
+          </p:cNvPicPr>
+          <p:nvPr/>
+        </p:nvPicPr>
+        <p:blipFill rotWithShape="1">
+          <a:blip r:embed="rId4">
+            <a:extLst>
+              <a:ext uri="{28A0092B-C50C-407E-A947-70E740481C1C}">
+                <a14:useLocalDpi xmlns:a14="http://schemas.microsoft.com/office/drawing/2010/main" val="0"/>
+              </a:ext>
+            </a:extLst>
+          </a:blip>
+          <a:srcRect l="985" r="1" b="4709"/>
+          <a:stretch/>
+        </p:blipFill>
+        <p:spPr>
+          <a:xfrm>
+            <a:off x="589547" y="4335351"/>
+            <a:ext cx="10599821" cy="2026859"/>
+          </a:xfrm>
+          <a:prstGeom prst="rect">
+            <a:avLst/>
+          </a:prstGeom>
+        </p:spPr>
+      </p:pic>
+      <p:sp>
+        <p:nvSpPr>
+          <p:cNvPr id="16" name="TextBox 15">
+            <a:extLst>
+              <a:ext uri="{FF2B5EF4-FFF2-40B4-BE49-F238E27FC236}">
+                <a16:creationId xmlns:a16="http://schemas.microsoft.com/office/drawing/2014/main" id="{E9E8262D-C20C-407A-817D-BC021FEE0C44}"/>
+              </a:ext>
+            </a:extLst>
+          </p:cNvPr>
+          <p:cNvSpPr txBox="1"/>
+          <p:nvPr/>
+        </p:nvSpPr>
+        <p:spPr>
+          <a:xfrm>
+            <a:off x="738169" y="6362209"/>
+            <a:ext cx="2017064" cy="338553"/>
+          </a:xfrm>
+          <a:prstGeom prst="rect">
+            <a:avLst/>
+          </a:prstGeom>
+          <a:noFill/>
+        </p:spPr>
+        <p:txBody>
+          <a:bodyPr wrap="square" rtlCol="0">
+            <a:spAutoFit/>
+          </a:bodyPr>
+          <a:lstStyle/>
+          <a:p>
+            <a:pPr algn="ctr"/>
             <a:r>
-              <a:rPr lang="en-US" sz="3200" dirty="0">
-                <a:solidFill>
-                  <a:srgbClr val="404040"/>
-                </a:solidFill>
+              <a:rPr lang="en-US" sz="1600" dirty="0">
+                <a:latin typeface="+mj-lt"/>
               </a:rPr>
-              <a:t>Which attributes of tutors and schools relate to our many success metrics?</a:t>
+              <a:t>Planning</a:t>
             </a:r>
           </a:p>
-          <a:p>
-            <a:pPr marL="285750" indent="-285750">
-              <a:buFont typeface="Arial" panose="020B0604020202020204" pitchFamily="34" charset="0"/>
-              <a:buChar char="•"/>
-            </a:pPr>
+        </p:txBody>
+      </p:sp>
+      <p:sp>
+        <p:nvSpPr>
+          <p:cNvPr id="17" name="TextBox 16">
+            <a:extLst>
+              <a:ext uri="{FF2B5EF4-FFF2-40B4-BE49-F238E27FC236}">
+                <a16:creationId xmlns:a16="http://schemas.microsoft.com/office/drawing/2014/main" id="{F0968F69-B106-4E66-8EF3-05DBFF955F09}"/>
+              </a:ext>
+            </a:extLst>
+          </p:cNvPr>
+          <p:cNvSpPr txBox="1"/>
+          <p:nvPr/>
+        </p:nvSpPr>
+        <p:spPr>
+          <a:xfrm>
+            <a:off x="2850352" y="6362209"/>
+            <a:ext cx="1950734" cy="338552"/>
+          </a:xfrm>
+          <a:prstGeom prst="rect">
+            <a:avLst/>
+          </a:prstGeom>
+          <a:noFill/>
+        </p:spPr>
+        <p:txBody>
+          <a:bodyPr wrap="square" rtlCol="0">
+            <a:spAutoFit/>
+          </a:bodyPr>
+          <a:lstStyle/>
+          <a:p>
+            <a:pPr algn="ctr"/>
             <a:r>
-              <a:rPr lang="en-US" sz="3200" dirty="0">
-                <a:solidFill>
-                  <a:srgbClr val="404040"/>
-                </a:solidFill>
+              <a:rPr lang="en-US" sz="1600" dirty="0">
+                <a:latin typeface="+mj-lt"/>
               </a:rPr>
-              <a:t>How can we better model program implementation to set realistic expectations and inform actionable intervention</a:t>
+              <a:t>Tutoring Strategy</a:t>
+            </a:r>
+          </a:p>
+        </p:txBody>
+      </p:sp>
+      <p:sp>
+        <p:nvSpPr>
+          <p:cNvPr id="18" name="TextBox 17">
+            <a:extLst>
+              <a:ext uri="{FF2B5EF4-FFF2-40B4-BE49-F238E27FC236}">
+                <a16:creationId xmlns:a16="http://schemas.microsoft.com/office/drawing/2014/main" id="{7CACBBE3-0D9F-45E8-9DA4-5BEB915F4697}"/>
+              </a:ext>
+            </a:extLst>
+          </p:cNvPr>
+          <p:cNvSpPr txBox="1"/>
+          <p:nvPr/>
+        </p:nvSpPr>
+        <p:spPr>
+          <a:xfrm>
+            <a:off x="4922458" y="6362208"/>
+            <a:ext cx="2019764" cy="338554"/>
+          </a:xfrm>
+          <a:prstGeom prst="rect">
+            <a:avLst/>
+          </a:prstGeom>
+          <a:noFill/>
+        </p:spPr>
+        <p:txBody>
+          <a:bodyPr wrap="square" rtlCol="0">
+            <a:spAutoFit/>
+          </a:bodyPr>
+          <a:lstStyle/>
+          <a:p>
+            <a:pPr algn="ctr"/>
+            <a:r>
+              <a:rPr lang="en-US" sz="1600" dirty="0">
+                <a:latin typeface="+mj-lt"/>
+              </a:rPr>
+              <a:t>Student Engagement</a:t>
+            </a:r>
+          </a:p>
+        </p:txBody>
+      </p:sp>
+      <p:sp>
+        <p:nvSpPr>
+          <p:cNvPr id="19" name="TextBox 18">
+            <a:extLst>
+              <a:ext uri="{FF2B5EF4-FFF2-40B4-BE49-F238E27FC236}">
+                <a16:creationId xmlns:a16="http://schemas.microsoft.com/office/drawing/2014/main" id="{62A551B6-1B1C-458E-9F97-32C0B65A42AE}"/>
+              </a:ext>
+            </a:extLst>
+          </p:cNvPr>
+          <p:cNvSpPr txBox="1"/>
+          <p:nvPr/>
+        </p:nvSpPr>
+        <p:spPr>
+          <a:xfrm>
+            <a:off x="7051199" y="6362208"/>
+            <a:ext cx="2045853" cy="338554"/>
+          </a:xfrm>
+          <a:prstGeom prst="rect">
+            <a:avLst/>
+          </a:prstGeom>
+          <a:noFill/>
+        </p:spPr>
+        <p:txBody>
+          <a:bodyPr wrap="square" rtlCol="0">
+            <a:spAutoFit/>
+          </a:bodyPr>
+          <a:lstStyle/>
+          <a:p>
+            <a:pPr algn="ctr"/>
+            <a:r>
+              <a:rPr lang="en-US" sz="1600" dirty="0">
+                <a:latin typeface="+mj-lt"/>
+              </a:rPr>
+              <a:t>Progress Monitoring</a:t>
+            </a:r>
+          </a:p>
+        </p:txBody>
+      </p:sp>
+      <p:sp>
+        <p:nvSpPr>
+          <p:cNvPr id="20" name="TextBox 19">
+            <a:extLst>
+              <a:ext uri="{FF2B5EF4-FFF2-40B4-BE49-F238E27FC236}">
+                <a16:creationId xmlns:a16="http://schemas.microsoft.com/office/drawing/2014/main" id="{2EF88B37-58E3-4FF3-A1CC-BC8DBA418D2A}"/>
+              </a:ext>
+            </a:extLst>
+          </p:cNvPr>
+          <p:cNvSpPr txBox="1"/>
+          <p:nvPr/>
+        </p:nvSpPr>
+        <p:spPr>
+          <a:xfrm>
+            <a:off x="9047982" y="6362208"/>
+            <a:ext cx="2308639" cy="338554"/>
+          </a:xfrm>
+          <a:prstGeom prst="rect">
+            <a:avLst/>
+          </a:prstGeom>
+          <a:noFill/>
+        </p:spPr>
+        <p:txBody>
+          <a:bodyPr wrap="square" rtlCol="0">
+            <a:spAutoFit/>
+          </a:bodyPr>
+          <a:lstStyle/>
+          <a:p>
+            <a:pPr algn="ctr"/>
+            <a:r>
+              <a:rPr lang="en-US" sz="1600" dirty="0">
+                <a:latin typeface="+mj-lt"/>
+              </a:rPr>
+              <a:t>Training Implementation</a:t>
             </a:r>
           </a:p>
         </p:txBody>
@@ -15906,7 +16498,7 @@
     </p:spTree>
     <p:extLst>
       <p:ext uri="{BB962C8B-B14F-4D97-AF65-F5344CB8AC3E}">
-        <p14:creationId xmlns:p14="http://schemas.microsoft.com/office/powerpoint/2010/main" val="1220724579"/>
+        <p14:creationId xmlns:p14="http://schemas.microsoft.com/office/powerpoint/2010/main" val="2804440800"/>
       </p:ext>
     </p:extLst>
   </p:cSld>
@@ -15935,10 +16527,10 @@
       </p:grpSpPr>
       <p:sp>
         <p:nvSpPr>
-          <p:cNvPr id="29" name="Rectangle 28">
+          <p:cNvPr id="5" name="Rectangle 4">
             <a:extLst>
               <a:ext uri="{FF2B5EF4-FFF2-40B4-BE49-F238E27FC236}">
-                <a16:creationId xmlns:a16="http://schemas.microsoft.com/office/drawing/2014/main" id="{3A6EED04-84B6-4C41-88FB-B2A903AA4914}"/>
+                <a16:creationId xmlns:a16="http://schemas.microsoft.com/office/drawing/2014/main" id="{321B3E3A-83CC-4829-903B-6A862DBF9C13}"/>
               </a:ext>
             </a:extLst>
           </p:cNvPr>
@@ -15948,7 +16540,7 @@
         <p:spPr>
           <a:xfrm>
             <a:off x="0" y="0"/>
-            <a:ext cx="12192000" cy="1809135"/>
+            <a:ext cx="4175761" cy="6858000"/>
           </a:xfrm>
           <a:prstGeom prst="rect">
             <a:avLst/>
@@ -15956,11 +16548,6 @@
           <a:solidFill>
             <a:srgbClr val="404040"/>
           </a:solidFill>
-          <a:ln>
-            <a:solidFill>
-              <a:srgbClr val="404040"/>
-            </a:solidFill>
-          </a:ln>
         </p:spPr>
         <p:style>
           <a:lnRef idx="2">
@@ -15989,310 +16576,79 @@
       </p:sp>
       <p:sp>
         <p:nvSpPr>
-          <p:cNvPr id="8" name="TextBox 7">
+          <p:cNvPr id="9" name="Title 1">
             <a:extLst>
               <a:ext uri="{FF2B5EF4-FFF2-40B4-BE49-F238E27FC236}">
-                <a16:creationId xmlns:a16="http://schemas.microsoft.com/office/drawing/2014/main" id="{F3A98BF4-466C-43BA-A663-15CFFE076340}"/>
+                <a16:creationId xmlns:a16="http://schemas.microsoft.com/office/drawing/2014/main" id="{F43340BE-D77F-4EB8-85CB-1C0D2E2178FF}"/>
               </a:ext>
             </a:extLst>
           </p:cNvPr>
-          <p:cNvSpPr txBox="1"/>
-          <p:nvPr/>
+          <p:cNvSpPr>
+            <a:spLocks noGrp="1"/>
+          </p:cNvSpPr>
+          <p:nvPr>
+            <p:ph type="title"/>
+          </p:nvPr>
         </p:nvSpPr>
         <p:spPr>
           <a:xfrm>
-            <a:off x="738168" y="519846"/>
-            <a:ext cx="7412774" cy="769441"/>
+            <a:off x="325447" y="727315"/>
+            <a:ext cx="3524865" cy="5403370"/>
           </a:xfrm>
-          <a:prstGeom prst="rect">
-            <a:avLst/>
-          </a:prstGeom>
-          <a:noFill/>
         </p:spPr>
         <p:txBody>
-          <a:bodyPr wrap="square" rtlCol="0">
-            <a:spAutoFit/>
+          <a:bodyPr>
+            <a:normAutofit/>
           </a:bodyPr>
           <a:lstStyle/>
           <a:p>
+            <a:pPr algn="ctr"/>
             <a:r>
-              <a:rPr lang="en-US" sz="4400" dirty="0">
+              <a:rPr lang="en-US" dirty="0">
                 <a:solidFill>
-                  <a:schemeClr val="bg1"/>
+                  <a:srgbClr val="FFFFFF"/>
                 </a:solidFill>
-                <a:latin typeface="+mj-lt"/>
               </a:rPr>
-              <a:t>Data Analysis</a:t>
+              <a:t>Next Steps</a:t>
             </a:r>
           </a:p>
         </p:txBody>
       </p:sp>
-      <p:pic>
-        <p:nvPicPr>
-          <p:cNvPr id="4" name="Picture 3">
+      <p:graphicFrame>
+        <p:nvGraphicFramePr>
+          <p:cNvPr id="8" name="Content Placeholder 2">
             <a:extLst>
               <a:ext uri="{FF2B5EF4-FFF2-40B4-BE49-F238E27FC236}">
-                <a16:creationId xmlns:a16="http://schemas.microsoft.com/office/drawing/2014/main" id="{7F09085F-8522-4094-8B44-E337797F63C0}"/>
+                <a16:creationId xmlns:a16="http://schemas.microsoft.com/office/drawing/2014/main" id="{D8D63603-368A-4333-AD84-53F1457DB024}"/>
               </a:ext>
             </a:extLst>
           </p:cNvPr>
-          <p:cNvPicPr>
-            <a:picLocks noChangeAspect="1"/>
-          </p:cNvPicPr>
-          <p:nvPr/>
-        </p:nvPicPr>
-        <p:blipFill rotWithShape="1">
-          <a:blip r:embed="rId3">
-            <a:extLst>
-              <a:ext uri="{28A0092B-C50C-407E-A947-70E740481C1C}">
-                <a14:useLocalDpi xmlns:a14="http://schemas.microsoft.com/office/drawing/2010/main" val="0"/>
-              </a:ext>
-            </a:extLst>
-          </a:blip>
-          <a:srcRect l="1136" b="4515"/>
-          <a:stretch/>
-        </p:blipFill>
-        <p:spPr>
-          <a:xfrm>
-            <a:off x="83128" y="3030347"/>
-            <a:ext cx="12053455" cy="2299038"/>
-          </a:xfrm>
-          <a:prstGeom prst="rect">
-            <a:avLst/>
-          </a:prstGeom>
-        </p:spPr>
-      </p:pic>
-      <p:sp>
-        <p:nvSpPr>
-          <p:cNvPr id="6" name="TextBox 5">
-            <a:extLst>
-              <a:ext uri="{FF2B5EF4-FFF2-40B4-BE49-F238E27FC236}">
-                <a16:creationId xmlns:a16="http://schemas.microsoft.com/office/drawing/2014/main" id="{AC17D07B-9B93-484A-ABEB-14339AD4F0E3}"/>
-              </a:ext>
-            </a:extLst>
-          </p:cNvPr>
-          <p:cNvSpPr txBox="1"/>
-          <p:nvPr/>
-        </p:nvSpPr>
-        <p:spPr>
-          <a:xfrm>
-            <a:off x="184729" y="5357098"/>
-            <a:ext cx="2272145" cy="369332"/>
-          </a:xfrm>
-          <a:prstGeom prst="rect">
-            <a:avLst/>
-          </a:prstGeom>
-          <a:noFill/>
-        </p:spPr>
-        <p:txBody>
-          <a:bodyPr wrap="square" rtlCol="0">
-            <a:spAutoFit/>
-          </a:bodyPr>
-          <a:lstStyle/>
-          <a:p>
-            <a:pPr algn="ctr"/>
-            <a:r>
-              <a:rPr lang="en-US" dirty="0">
-                <a:latin typeface="+mj-lt"/>
-              </a:rPr>
-              <a:t>Planning</a:t>
-            </a:r>
-          </a:p>
-        </p:txBody>
-      </p:sp>
-      <p:sp>
-        <p:nvSpPr>
-          <p:cNvPr id="11" name="TextBox 10">
-            <a:extLst>
-              <a:ext uri="{FF2B5EF4-FFF2-40B4-BE49-F238E27FC236}">
-                <a16:creationId xmlns:a16="http://schemas.microsoft.com/office/drawing/2014/main" id="{389D3E4C-8F24-4C74-BE66-4F367B0202B9}"/>
-              </a:ext>
-            </a:extLst>
-          </p:cNvPr>
-          <p:cNvSpPr txBox="1"/>
-          <p:nvPr/>
-        </p:nvSpPr>
-        <p:spPr>
-          <a:xfrm>
-            <a:off x="2590802" y="5357098"/>
-            <a:ext cx="2272145" cy="369332"/>
-          </a:xfrm>
-          <a:prstGeom prst="rect">
-            <a:avLst/>
-          </a:prstGeom>
-          <a:noFill/>
-        </p:spPr>
-        <p:txBody>
-          <a:bodyPr wrap="square" rtlCol="0">
-            <a:spAutoFit/>
-          </a:bodyPr>
-          <a:lstStyle/>
-          <a:p>
-            <a:pPr algn="ctr"/>
-            <a:r>
-              <a:rPr lang="en-US" dirty="0">
-                <a:latin typeface="+mj-lt"/>
-              </a:rPr>
-              <a:t>Tutoring Strategy</a:t>
-            </a:r>
-          </a:p>
-        </p:txBody>
-      </p:sp>
-      <p:sp>
-        <p:nvSpPr>
-          <p:cNvPr id="12" name="TextBox 11">
-            <a:extLst>
-              <a:ext uri="{FF2B5EF4-FFF2-40B4-BE49-F238E27FC236}">
-                <a16:creationId xmlns:a16="http://schemas.microsoft.com/office/drawing/2014/main" id="{B3A348BF-CE04-4EAD-AD48-1BBE096A2852}"/>
-              </a:ext>
-            </a:extLst>
-          </p:cNvPr>
-          <p:cNvSpPr txBox="1"/>
-          <p:nvPr/>
-        </p:nvSpPr>
-        <p:spPr>
-          <a:xfrm>
-            <a:off x="4996875" y="5357098"/>
-            <a:ext cx="2274009" cy="369332"/>
-          </a:xfrm>
-          <a:prstGeom prst="rect">
-            <a:avLst/>
-          </a:prstGeom>
-          <a:noFill/>
-        </p:spPr>
-        <p:txBody>
-          <a:bodyPr wrap="square" rtlCol="0">
-            <a:spAutoFit/>
-          </a:bodyPr>
-          <a:lstStyle/>
-          <a:p>
-            <a:pPr algn="ctr"/>
-            <a:r>
-              <a:rPr lang="en-US" dirty="0">
-                <a:latin typeface="+mj-lt"/>
-              </a:rPr>
-              <a:t>Student Engagement</a:t>
-            </a:r>
-          </a:p>
-        </p:txBody>
-      </p:sp>
-      <p:sp>
-        <p:nvSpPr>
-          <p:cNvPr id="13" name="TextBox 12">
-            <a:extLst>
-              <a:ext uri="{FF2B5EF4-FFF2-40B4-BE49-F238E27FC236}">
-                <a16:creationId xmlns:a16="http://schemas.microsoft.com/office/drawing/2014/main" id="{25661A74-E48E-4778-B8FA-2F65CD2272BF}"/>
-              </a:ext>
-            </a:extLst>
-          </p:cNvPr>
-          <p:cNvSpPr txBox="1"/>
-          <p:nvPr/>
-        </p:nvSpPr>
-        <p:spPr>
-          <a:xfrm>
-            <a:off x="7478703" y="5357098"/>
-            <a:ext cx="2272145" cy="369332"/>
-          </a:xfrm>
-          <a:prstGeom prst="rect">
-            <a:avLst/>
-          </a:prstGeom>
-          <a:noFill/>
-        </p:spPr>
-        <p:txBody>
-          <a:bodyPr wrap="square" rtlCol="0">
-            <a:spAutoFit/>
-          </a:bodyPr>
-          <a:lstStyle/>
-          <a:p>
-            <a:pPr algn="ctr"/>
-            <a:r>
-              <a:rPr lang="en-US" dirty="0">
-                <a:latin typeface="+mj-lt"/>
-              </a:rPr>
-              <a:t>Progress Monitoring</a:t>
-            </a:r>
-          </a:p>
-        </p:txBody>
-      </p:sp>
-      <p:sp>
-        <p:nvSpPr>
-          <p:cNvPr id="14" name="TextBox 13">
-            <a:extLst>
-              <a:ext uri="{FF2B5EF4-FFF2-40B4-BE49-F238E27FC236}">
-                <a16:creationId xmlns:a16="http://schemas.microsoft.com/office/drawing/2014/main" id="{CCF77B1B-6994-4DE3-B84F-7E3265E8294D}"/>
-              </a:ext>
-            </a:extLst>
-          </p:cNvPr>
-          <p:cNvSpPr txBox="1"/>
-          <p:nvPr/>
-        </p:nvSpPr>
-        <p:spPr>
-          <a:xfrm>
-            <a:off x="9845967" y="5357098"/>
-            <a:ext cx="2290618" cy="646331"/>
-          </a:xfrm>
-          <a:prstGeom prst="rect">
-            <a:avLst/>
-          </a:prstGeom>
-          <a:noFill/>
-        </p:spPr>
-        <p:txBody>
-          <a:bodyPr wrap="square" rtlCol="0">
-            <a:spAutoFit/>
-          </a:bodyPr>
-          <a:lstStyle/>
-          <a:p>
-            <a:pPr algn="ctr"/>
-            <a:r>
-              <a:rPr lang="en-US" dirty="0">
-                <a:latin typeface="+mj-lt"/>
-              </a:rPr>
-              <a:t>Implementation of Training</a:t>
-            </a:r>
-          </a:p>
-        </p:txBody>
-      </p:sp>
-      <p:sp>
-        <p:nvSpPr>
-          <p:cNvPr id="9" name="TextBox 8">
-            <a:extLst>
-              <a:ext uri="{FF2B5EF4-FFF2-40B4-BE49-F238E27FC236}">
-                <a16:creationId xmlns:a16="http://schemas.microsoft.com/office/drawing/2014/main" id="{2F43362B-16AC-499C-8004-05535DD8C104}"/>
-              </a:ext>
-            </a:extLst>
-          </p:cNvPr>
-          <p:cNvSpPr txBox="1"/>
-          <p:nvPr/>
-        </p:nvSpPr>
-        <p:spPr>
-          <a:xfrm>
-            <a:off x="387926" y="2127353"/>
-            <a:ext cx="11804073" cy="584775"/>
-          </a:xfrm>
-          <a:prstGeom prst="rect">
-            <a:avLst/>
-          </a:prstGeom>
-          <a:noFill/>
-        </p:spPr>
-        <p:txBody>
-          <a:bodyPr wrap="square" rtlCol="0">
-            <a:spAutoFit/>
-          </a:bodyPr>
-          <a:lstStyle/>
-          <a:p>
-            <a:r>
-              <a:rPr lang="en-US" sz="3200" dirty="0">
-                <a:latin typeface="+mj-lt"/>
-              </a:rPr>
-              <a:t>Tutoring Quality and Student Performance</a:t>
-            </a:r>
-          </a:p>
-        </p:txBody>
-      </p:sp>
+          <p:cNvGraphicFramePr>
+            <a:graphicFrameLocks noGrp="1"/>
+          </p:cNvGraphicFramePr>
+          <p:nvPr>
+            <p:ph idx="1"/>
+            <p:extLst>
+              <p:ext uri="{D42A27DB-BD31-4B8C-83A1-F6EECF244321}">
+                <p14:modId xmlns:p14="http://schemas.microsoft.com/office/powerpoint/2010/main" val="3538957919"/>
+              </p:ext>
+            </p:extLst>
+          </p:nvPr>
+        </p:nvGraphicFramePr>
+        <p:xfrm>
+          <a:off x="4972455" y="1463649"/>
+          <a:ext cx="6457284" cy="5164085"/>
+        </p:xfrm>
+        <a:graphic>
+          <a:graphicData uri="http://schemas.openxmlformats.org/drawingml/2006/diagram">
+            <dgm:relIds xmlns:dgm="http://schemas.openxmlformats.org/drawingml/2006/diagram" xmlns:r="http://schemas.openxmlformats.org/officeDocument/2006/relationships" r:dm="rId3" r:lo="rId4" r:qs="rId5" r:cs="rId6"/>
+          </a:graphicData>
+        </a:graphic>
+      </p:graphicFrame>
     </p:spTree>
     <p:extLst>
       <p:ext uri="{BB962C8B-B14F-4D97-AF65-F5344CB8AC3E}">
-        <p14:creationId xmlns:p14="http://schemas.microsoft.com/office/powerpoint/2010/main" val="2804440800"/>
+        <p14:creationId xmlns:p14="http://schemas.microsoft.com/office/powerpoint/2010/main" val="2805341445"/>
       </p:ext>
     </p:extLst>
   </p:cSld>

--- a/2018-06-14-ChiPy/Presentation.pptx
+++ b/2018-06-14-ChiPy/Presentation.pptx
@@ -1780,7 +1780,7 @@
                 <a:srgbClr val="404040"/>
               </a:solidFill>
             </a:rPr>
-            <a:t>Web app for machine learning</a:t>
+            <a:t>Web app machine learning tool</a:t>
           </a:r>
         </a:p>
       </dgm:t>
@@ -2322,12 +2322,12 @@
         <a:fontRef idx="minor"/>
       </dsp:style>
       <dsp:txBody>
-        <a:bodyPr spcFirstLastPara="0" vert="horz" wrap="square" lIns="148590" tIns="148590" rIns="148590" bIns="148590" numCol="1" spcCol="1270" anchor="t" anchorCtr="0">
+        <a:bodyPr spcFirstLastPara="0" vert="horz" wrap="square" lIns="144780" tIns="144780" rIns="144780" bIns="144780" numCol="1" spcCol="1270" anchor="t" anchorCtr="0">
           <a:noAutofit/>
         </a:bodyPr>
         <a:lstStyle/>
         <a:p>
-          <a:pPr marL="0" lvl="0" indent="0" algn="l" defTabSz="1733550">
+          <a:pPr marL="0" lvl="0" indent="0" algn="l" defTabSz="1689100">
             <a:lnSpc>
               <a:spcPct val="90000"/>
             </a:lnSpc>
@@ -2340,7 +2340,7 @@
             <a:buNone/>
           </a:pPr>
           <a:r>
-            <a:rPr lang="en-US" sz="3900" kern="1200" dirty="0">
+            <a:rPr lang="en-US" sz="3800" kern="1200" dirty="0">
               <a:solidFill>
                 <a:srgbClr val="404040"/>
               </a:solidFill>
@@ -2466,12 +2466,12 @@
         <a:fontRef idx="minor"/>
       </dsp:style>
       <dsp:txBody>
-        <a:bodyPr spcFirstLastPara="0" vert="horz" wrap="square" lIns="148590" tIns="148590" rIns="148590" bIns="148590" numCol="1" spcCol="1270" anchor="t" anchorCtr="0">
+        <a:bodyPr spcFirstLastPara="0" vert="horz" wrap="square" lIns="144780" tIns="144780" rIns="144780" bIns="144780" numCol="1" spcCol="1270" anchor="t" anchorCtr="0">
           <a:noAutofit/>
         </a:bodyPr>
         <a:lstStyle/>
         <a:p>
-          <a:pPr marL="0" lvl="0" indent="0" algn="l" defTabSz="1733550">
+          <a:pPr marL="0" lvl="0" indent="0" algn="l" defTabSz="1689100">
             <a:lnSpc>
               <a:spcPct val="90000"/>
             </a:lnSpc>
@@ -2484,7 +2484,7 @@
             <a:buNone/>
           </a:pPr>
           <a:r>
-            <a:rPr lang="en-US" sz="3900" kern="1200" dirty="0">
+            <a:rPr lang="en-US" sz="3800" kern="1200" dirty="0">
               <a:solidFill>
                 <a:srgbClr val="404040"/>
               </a:solidFill>
@@ -2610,12 +2610,12 @@
         <a:fontRef idx="minor"/>
       </dsp:style>
       <dsp:txBody>
-        <a:bodyPr spcFirstLastPara="0" vert="horz" wrap="square" lIns="148590" tIns="148590" rIns="148590" bIns="148590" numCol="1" spcCol="1270" anchor="t" anchorCtr="0">
+        <a:bodyPr spcFirstLastPara="0" vert="horz" wrap="square" lIns="144780" tIns="144780" rIns="144780" bIns="144780" numCol="1" spcCol="1270" anchor="t" anchorCtr="0">
           <a:noAutofit/>
         </a:bodyPr>
         <a:lstStyle/>
         <a:p>
-          <a:pPr marL="0" lvl="0" indent="0" algn="l" defTabSz="1733550">
+          <a:pPr marL="0" lvl="0" indent="0" algn="l" defTabSz="1689100">
             <a:lnSpc>
               <a:spcPct val="90000"/>
             </a:lnSpc>
@@ -2628,7 +2628,7 @@
             <a:buNone/>
           </a:pPr>
           <a:r>
-            <a:rPr lang="en-US" sz="3900" kern="1200" dirty="0">
+            <a:rPr lang="en-US" sz="3800" kern="1200" dirty="0">
               <a:solidFill>
                 <a:srgbClr val="404040"/>
               </a:solidFill>
@@ -2754,12 +2754,12 @@
         <a:fontRef idx="minor"/>
       </dsp:style>
       <dsp:txBody>
-        <a:bodyPr spcFirstLastPara="0" vert="horz" wrap="square" lIns="148590" tIns="148590" rIns="148590" bIns="148590" numCol="1" spcCol="1270" anchor="t" anchorCtr="0">
+        <a:bodyPr spcFirstLastPara="0" vert="horz" wrap="square" lIns="144780" tIns="144780" rIns="144780" bIns="144780" numCol="1" spcCol="1270" anchor="t" anchorCtr="0">
           <a:noAutofit/>
         </a:bodyPr>
         <a:lstStyle/>
         <a:p>
-          <a:pPr marL="0" lvl="0" indent="0" algn="l" defTabSz="1733550">
+          <a:pPr marL="0" lvl="0" indent="0" algn="l" defTabSz="1689100">
             <a:lnSpc>
               <a:spcPct val="90000"/>
             </a:lnSpc>
@@ -2772,12 +2772,12 @@
             <a:buNone/>
           </a:pPr>
           <a:r>
-            <a:rPr lang="en-US" sz="3900" kern="1200" dirty="0">
+            <a:rPr lang="en-US" sz="3800" kern="1200" dirty="0">
               <a:solidFill>
                 <a:srgbClr val="404040"/>
               </a:solidFill>
             </a:rPr>
-            <a:t>Web app for machine learning</a:t>
+            <a:t>Web app machine learning tool</a:t>
           </a:r>
         </a:p>
       </dsp:txBody>
@@ -6457,7 +6457,7 @@
           <a:p>
             <a:fld id="{8F51CBC3-C0B7-4EA1-B810-2B3BBDE8021F}" type="datetimeFigureOut">
               <a:rPr lang="en-US" smtClean="0"/>
-              <a:t>6/12/2018</a:t>
+              <a:t>6/14/2018</a:t>
             </a:fld>
             <a:endParaRPr lang="en-US"/>
           </a:p>
@@ -6858,7 +6858,7 @@
             </a:pPr>
             <a:r>
               <a:rPr lang="en-US" dirty="0"/>
-              <a:t>With the remainder of my mentorship I built a </a:t>
+              <a:t>I also built a </a:t>
             </a:r>
             <a:r>
               <a:rPr lang="en-US" dirty="0" err="1"/>
@@ -6894,13 +6894,26 @@
                 <a:ea typeface="+mn-ea"/>
                 <a:cs typeface="+mn-cs"/>
               </a:rPr>
-              <a:t>Without this tool, 30% of tutors commuted 60 mins or more one way. That number is just 10% this year</a:t>
+              <a:t>Using this tool in Chicago, the average tutor commutes 90 hours fewer than in the previous year</a:t>
             </a:r>
           </a:p>
           <a:p>
-            <a:pPr marL="171450" indent="-171450">
+            <a:pPr marL="171450" marR="0" lvl="0" indent="-171450" algn="l" defTabSz="914400" rtl="0" eaLnBrk="1" fontAlgn="auto" latinLnBrk="0" hangingPunct="1">
+              <a:lnSpc>
+                <a:spcPct val="100000"/>
+              </a:lnSpc>
+              <a:spcBef>
+                <a:spcPts val="0"/>
+              </a:spcBef>
+              <a:spcAft>
+                <a:spcPts val="0"/>
+              </a:spcAft>
+              <a:buClrTx/>
+              <a:buSzTx/>
               <a:buFont typeface="Arial" panose="020B0604020202020204" pitchFamily="34" charset="0"/>
               <a:buChar char="•"/>
+              <a:tabLst/>
+              <a:defRPr/>
             </a:pPr>
             <a:r>
               <a:rPr lang="en-US" sz="1200" b="0" i="0" kern="1200" dirty="0">
@@ -6912,7 +6925,7 @@
                 <a:ea typeface="+mn-ea"/>
                 <a:cs typeface="+mn-cs"/>
               </a:rPr>
-              <a:t>In other words the average tutor commutes 90 hours less this year because of this tool</a:t>
+              <a:t>This year only 10% of Chicago’s tutors commute 60 mins or more one way</a:t>
             </a:r>
             <a:endParaRPr lang="en-US" dirty="0"/>
           </a:p>
@@ -7107,7 +7120,37 @@
           <a:bodyPr/>
           <a:lstStyle/>
           <a:p>
-            <a:endParaRPr lang="en-US"/>
+            <a:pPr marL="171450" indent="-171450">
+              <a:buFont typeface="Arial" panose="020B0604020202020204" pitchFamily="34" charset="0"/>
+              <a:buChar char="•"/>
+            </a:pPr>
+            <a:r>
+              <a:rPr lang="en-US" dirty="0"/>
+              <a:t>Next step is to incorporate a dashboard to communicate the quality of results</a:t>
+            </a:r>
+          </a:p>
+          <a:p>
+            <a:pPr marL="171450" marR="0" lvl="0" indent="-171450" algn="l" defTabSz="914400" rtl="0" eaLnBrk="1" fontAlgn="auto" latinLnBrk="0" hangingPunct="1">
+              <a:lnSpc>
+                <a:spcPct val="100000"/>
+              </a:lnSpc>
+              <a:spcBef>
+                <a:spcPts val="0"/>
+              </a:spcBef>
+              <a:spcAft>
+                <a:spcPts val="0"/>
+              </a:spcAft>
+              <a:buClrTx/>
+              <a:buSzTx/>
+              <a:buFont typeface="Arial" panose="020B0604020202020204" pitchFamily="34" charset="0"/>
+              <a:buChar char="•"/>
+              <a:tabLst/>
+              <a:defRPr/>
+            </a:pPr>
+            <a:r>
+              <a:rPr lang="en-US" dirty="0"/>
+              <a:t>I have only scratched the surface of what Python can do – there is so much opportunity for technical folks to support the important work organization is doing</a:t>
+            </a:r>
           </a:p>
         </p:txBody>
       </p:sp>
@@ -7191,7 +7234,11 @@
           <a:bodyPr/>
           <a:lstStyle/>
           <a:p>
-            <a:endParaRPr lang="en-US"/>
+            <a:pPr marL="171450" indent="-171450">
+              <a:buFont typeface="Arial" panose="020B0604020202020204" pitchFamily="34" charset="0"/>
+              <a:buChar char="•"/>
+            </a:pPr>
+            <a:endParaRPr lang="en-US" dirty="0"/>
           </a:p>
         </p:txBody>
       </p:sp>
@@ -7280,8 +7327,8 @@
               <a:buChar char="•"/>
             </a:pPr>
             <a:r>
-              <a:rPr lang="en-US" dirty="0"/>
-              <a:t>I work as an analyst for City Year, an educational nonprofit which enlists thousands of AmeriCorps Members in 29 cities to tutor and mentor students toward high school graduation</a:t>
+              <a:rPr lang="en-US" sz="1200" dirty="0"/>
+              <a:t>I’m an analyst at City Year, an educational nonprofit that believes in equitable access to quality education</a:t>
             </a:r>
           </a:p>
           <a:p>
@@ -7290,8 +7337,8 @@
               <a:buChar char="•"/>
             </a:pPr>
             <a:r>
-              <a:rPr lang="en-US" dirty="0"/>
-              <a:t>My task at work is to make information available to drive decisions</a:t>
+              <a:rPr lang="en-US" sz="1200" dirty="0"/>
+              <a:t>Each year we enlist thousands of AmeriCorps Members in 29 cities to tutor and mentor students most at risk of dropping out</a:t>
             </a:r>
           </a:p>
           <a:p>
@@ -7300,8 +7347,28 @@
               <a:buChar char="•"/>
             </a:pPr>
             <a:r>
-              <a:rPr lang="en-US" dirty="0"/>
-              <a:t>Since only a few of our city locations have dedicated analysts, there is great potential for properly built data products to multiply across sites and have large organizational impact</a:t>
+              <a:rPr lang="en-US" sz="1200" dirty="0"/>
+              <a:t>Each tutor has a cohort of students they are responsible for moving</a:t>
+            </a:r>
+          </a:p>
+          <a:p>
+            <a:pPr marL="171450" indent="-171450">
+              <a:buFont typeface="Arial" panose="020B0604020202020204" pitchFamily="34" charset="0"/>
+              <a:buChar char="•"/>
+            </a:pPr>
+            <a:r>
+              <a:rPr lang="en-US" sz="1200" dirty="0"/>
+              <a:t>In my mentorship, I wanted to implement Python where few had done so before</a:t>
+            </a:r>
+          </a:p>
+          <a:p>
+            <a:pPr marL="171450" indent="-171450">
+              <a:buFont typeface="Arial" panose="020B0604020202020204" pitchFamily="34" charset="0"/>
+              <a:buChar char="•"/>
+            </a:pPr>
+            <a:r>
+              <a:rPr lang="en-US" sz="1200" dirty="0"/>
+              <a:t>Only a few of our city locations have analyst staff, so properly built data products may multiply across sites and have large organizational impact</a:t>
             </a:r>
           </a:p>
         </p:txBody>
@@ -7386,7 +7453,11 @@
           <a:bodyPr/>
           <a:lstStyle/>
           <a:p>
-            <a:endParaRPr lang="en-US"/>
+            <a:pPr marL="171450" indent="-171450">
+              <a:buFont typeface="Arial" panose="020B0604020202020204" pitchFamily="34" charset="0"/>
+              <a:buChar char="•"/>
+            </a:pPr>
+            <a:endParaRPr lang="en-US" dirty="0"/>
           </a:p>
         </p:txBody>
       </p:sp>
@@ -7470,6 +7541,16 @@
           <a:bodyPr/>
           <a:lstStyle/>
           <a:p>
+            <a:pPr marL="171450" indent="-171450">
+              <a:buFont typeface="Arial" panose="020B0604020202020204" pitchFamily="34" charset="0"/>
+              <a:buChar char="•"/>
+            </a:pPr>
+            <a:r>
+              <a:rPr lang="en-US" dirty="0"/>
+              <a:t>Our data are housed in Salesforce, and without Python, uploading data required manually processing and submitting spreadsheets or clicking through interfaces hundreds of times</a:t>
+            </a:r>
+          </a:p>
+          <a:p>
             <a:pPr marL="171450" marR="0" lvl="0" indent="-171450" algn="l" defTabSz="914400" rtl="0" eaLnBrk="1" fontAlgn="auto" latinLnBrk="0" hangingPunct="1">
               <a:lnSpc>
                 <a:spcPct val="100000"/>
@@ -7489,7 +7570,7 @@
             </a:pPr>
             <a:r>
               <a:rPr lang="en-US" dirty="0"/>
-              <a:t>My organization utilizes Salesforce for data warehousing, so my first revelation in this mentorship was writing Python scripts to manipulate our database through Salesforce's API</a:t>
+              <a:t>My first revelation in this mentorship was writing Python scripts to communicate with the Salesforce API</a:t>
             </a:r>
           </a:p>
           <a:p>
@@ -7499,17 +7580,7 @@
             </a:pPr>
             <a:r>
               <a:rPr lang="en-US" dirty="0"/>
-              <a:t>Writing to our Salesforce database has been an enormous pain-point involving manually processing spreadsheet uploads in the best case, or manually clicking through an interface hundreds of times in the worse case. Also prone to error and limited</a:t>
-            </a:r>
-          </a:p>
-          <a:p>
-            <a:pPr marL="171450" indent="-171450">
-              <a:buFont typeface="Arial" panose="020B0604020202020204" pitchFamily="34" charset="0"/>
-              <a:buChar char="•"/>
-            </a:pPr>
-            <a:r>
-              <a:rPr lang="en-US" dirty="0"/>
-              <a:t>I used Python to gather Excel spreadsheets and push them to our database through API commands, requiring mere minutes to complete</a:t>
+              <a:t>I used Python to update and gather Excel spreadsheets and push them to our database through API commands, requiring just minutes to complete</a:t>
             </a:r>
           </a:p>
           <a:p>
@@ -7532,7 +7603,7 @@
             </a:pPr>
             <a:r>
               <a:rPr lang="en-US" dirty="0"/>
-              <a:t>Our Salesforce database fields are heavily permissioned down terms of field writing permissions</a:t>
+              <a:t>In cases where database permissions wouldn’t allow edits, I used Selenium to submit repetitive forms in the browser interface </a:t>
             </a:r>
           </a:p>
         </p:txBody>
@@ -7623,7 +7694,7 @@
             </a:pPr>
             <a:r>
               <a:rPr lang="en-US" dirty="0"/>
-              <a:t>While Excel and Power BI are sufficient and often powerful tools for continuous data flow and visuals, querying Salesforce through Python allows for complete control over publishing and file management, and exposes the data to more powerful analytic tools.</a:t>
+              <a:t>In terms of reporting, while Excel and Power BI provide continuous data flow and visuals, querying Salesforce through Python allows complete control over publishing and file management</a:t>
             </a:r>
           </a:p>
           <a:p>
@@ -7634,6 +7705,29 @@
             <a:r>
               <a:rPr lang="en-US" dirty="0"/>
               <a:t>For example, Service Tracker PDFs</a:t>
+            </a:r>
+          </a:p>
+          <a:p>
+            <a:pPr marL="171450" marR="0" lvl="0" indent="-171450" algn="l" defTabSz="914400" rtl="0" eaLnBrk="1" fontAlgn="auto" latinLnBrk="0" hangingPunct="1">
+              <a:lnSpc>
+                <a:spcPct val="100000"/>
+              </a:lnSpc>
+              <a:spcBef>
+                <a:spcPts val="0"/>
+              </a:spcBef>
+              <a:spcAft>
+                <a:spcPts val="0"/>
+              </a:spcAft>
+              <a:buClrTx/>
+              <a:buSzTx/>
+              <a:buFont typeface="Arial" panose="020B0604020202020204" pitchFamily="34" charset="0"/>
+              <a:buChar char="•"/>
+              <a:tabLst/>
+              <a:defRPr/>
+            </a:pPr>
+            <a:r>
+              <a:rPr lang="en-US" dirty="0"/>
+              <a:t>Pythonic queries also expose the data to more powerful analytic tools</a:t>
             </a:r>
           </a:p>
         </p:txBody>
@@ -7737,11 +7831,8 @@
             </a:pPr>
             <a:r>
               <a:rPr lang="en-US" dirty="0"/>
-              <a:t>I wrote a system of analysis notebooks to gather all our data sources, investigate themes, and visualize uncommon comparisons across datasets.</a:t>
+              <a:t>I also wrote a system of analysis notebooks to gather all our data sources, investigate themes, and visualize uncommon comparisons across datasets.</a:t>
             </a:r>
-          </a:p>
-          <a:p>
-            <a:endParaRPr lang="en-US" dirty="0"/>
           </a:p>
         </p:txBody>
       </p:sp>
@@ -7952,7 +8043,7 @@
             </a:pPr>
             <a:r>
               <a:rPr lang="en-US" dirty="0"/>
-              <a:t>Y axis</a:t>
+              <a:t>Low correlation, but when split by coach, some correlations emerge.</a:t>
             </a:r>
           </a:p>
           <a:p>
@@ -7962,17 +8053,7 @@
             </a:pPr>
             <a:r>
               <a:rPr lang="en-US" dirty="0"/>
-              <a:t>X axis</a:t>
-            </a:r>
-          </a:p>
-          <a:p>
-            <a:pPr marL="171450" indent="-171450">
-              <a:buFont typeface="Arial" panose="020B0604020202020204" pitchFamily="34" charset="0"/>
-              <a:buChar char="•"/>
-            </a:pPr>
-            <a:r>
-              <a:rPr lang="en-US" dirty="0"/>
-              <a:t>Low correlation, but when split by coach, some correlations emerge</a:t>
+              <a:t>This analysis is the start to building analytic tools that enable us to act – for example to provide better training</a:t>
             </a:r>
           </a:p>
           <a:p>
@@ -8109,7 +8190,7 @@
             </a:pPr>
             <a:r>
               <a:rPr lang="en-US" dirty="0"/>
-              <a:t>With this infrastructure and the personal intuition I've built for the data, I can quickly incorporate end-of-year data this summer</a:t>
+              <a:t>With this infrastructure and the intuition I've built for the data, I will quickly incorporate end-of-year data this summer</a:t>
             </a:r>
           </a:p>
           <a:p>
@@ -8119,7 +8200,7 @@
             </a:pPr>
             <a:r>
               <a:rPr lang="en-US" dirty="0"/>
-              <a:t>The context of an entire year of programming will inform which attributes to extract from prior years, adding power to my analysis</a:t>
+              <a:t>The context of an entire year will inform which attributes to extract from prior years, adding power to my analysis</a:t>
             </a:r>
           </a:p>
           <a:p>
@@ -8129,7 +8210,7 @@
             </a:pPr>
             <a:r>
               <a:rPr lang="en-US" dirty="0"/>
-              <a:t>Due to our manual processes, data quality is a challenge in my analysis, but next year we are implementing a data sharing agreement with CPS</a:t>
+              <a:t>Due to our manual processes, data quality challenges the analyses I run, but next year we are implementing a data sharing agreement with CPS</a:t>
             </a:r>
           </a:p>
         </p:txBody>
@@ -8317,7 +8398,7 @@
           <a:p>
             <a:fld id="{EDD89B22-A068-4CBA-8252-CF19AF47419C}" type="datetimeFigureOut">
               <a:rPr lang="en-US" smtClean="0"/>
-              <a:t>6/12/2018</a:t>
+              <a:t>6/14/2018</a:t>
             </a:fld>
             <a:endParaRPr lang="en-US"/>
           </a:p>
@@ -8515,7 +8596,7 @@
           <a:p>
             <a:fld id="{EDD89B22-A068-4CBA-8252-CF19AF47419C}" type="datetimeFigureOut">
               <a:rPr lang="en-US" smtClean="0"/>
-              <a:t>6/12/2018</a:t>
+              <a:t>6/14/2018</a:t>
             </a:fld>
             <a:endParaRPr lang="en-US"/>
           </a:p>
@@ -8723,7 +8804,7 @@
           <a:p>
             <a:fld id="{EDD89B22-A068-4CBA-8252-CF19AF47419C}" type="datetimeFigureOut">
               <a:rPr lang="en-US" smtClean="0"/>
-              <a:t>6/12/2018</a:t>
+              <a:t>6/14/2018</a:t>
             </a:fld>
             <a:endParaRPr lang="en-US"/>
           </a:p>
@@ -8921,7 +9002,7 @@
           <a:p>
             <a:fld id="{EDD89B22-A068-4CBA-8252-CF19AF47419C}" type="datetimeFigureOut">
               <a:rPr lang="en-US" smtClean="0"/>
-              <a:t>6/12/2018</a:t>
+              <a:t>6/14/2018</a:t>
             </a:fld>
             <a:endParaRPr lang="en-US"/>
           </a:p>
@@ -9196,7 +9277,7 @@
           <a:p>
             <a:fld id="{EDD89B22-A068-4CBA-8252-CF19AF47419C}" type="datetimeFigureOut">
               <a:rPr lang="en-US" smtClean="0"/>
-              <a:t>6/12/2018</a:t>
+              <a:t>6/14/2018</a:t>
             </a:fld>
             <a:endParaRPr lang="en-US"/>
           </a:p>
@@ -9461,7 +9542,7 @@
           <a:p>
             <a:fld id="{EDD89B22-A068-4CBA-8252-CF19AF47419C}" type="datetimeFigureOut">
               <a:rPr lang="en-US" smtClean="0"/>
-              <a:t>6/12/2018</a:t>
+              <a:t>6/14/2018</a:t>
             </a:fld>
             <a:endParaRPr lang="en-US"/>
           </a:p>
@@ -9873,7 +9954,7 @@
           <a:p>
             <a:fld id="{EDD89B22-A068-4CBA-8252-CF19AF47419C}" type="datetimeFigureOut">
               <a:rPr lang="en-US" smtClean="0"/>
-              <a:t>6/12/2018</a:t>
+              <a:t>6/14/2018</a:t>
             </a:fld>
             <a:endParaRPr lang="en-US"/>
           </a:p>
@@ -10014,7 +10095,7 @@
           <a:p>
             <a:fld id="{EDD89B22-A068-4CBA-8252-CF19AF47419C}" type="datetimeFigureOut">
               <a:rPr lang="en-US" smtClean="0"/>
-              <a:t>6/12/2018</a:t>
+              <a:t>6/14/2018</a:t>
             </a:fld>
             <a:endParaRPr lang="en-US"/>
           </a:p>
@@ -10127,7 +10208,7 @@
           <a:p>
             <a:fld id="{EDD89B22-A068-4CBA-8252-CF19AF47419C}" type="datetimeFigureOut">
               <a:rPr lang="en-US" smtClean="0"/>
-              <a:t>6/12/2018</a:t>
+              <a:t>6/14/2018</a:t>
             </a:fld>
             <a:endParaRPr lang="en-US"/>
           </a:p>
@@ -10438,7 +10519,7 @@
           <a:p>
             <a:fld id="{EDD89B22-A068-4CBA-8252-CF19AF47419C}" type="datetimeFigureOut">
               <a:rPr lang="en-US" smtClean="0"/>
-              <a:t>6/12/2018</a:t>
+              <a:t>6/14/2018</a:t>
             </a:fld>
             <a:endParaRPr lang="en-US"/>
           </a:p>
@@ -10726,7 +10807,7 @@
           <a:p>
             <a:fld id="{EDD89B22-A068-4CBA-8252-CF19AF47419C}" type="datetimeFigureOut">
               <a:rPr lang="en-US" smtClean="0"/>
-              <a:t>6/12/2018</a:t>
+              <a:t>6/14/2018</a:t>
             </a:fld>
             <a:endParaRPr lang="en-US"/>
           </a:p>
@@ -10967,7 +11048,7 @@
           <a:p>
             <a:fld id="{EDD89B22-A068-4CBA-8252-CF19AF47419C}" type="datetimeFigureOut">
               <a:rPr lang="en-US" smtClean="0"/>
-              <a:t>6/12/2018</a:t>
+              <a:t>6/14/2018</a:t>
             </a:fld>
             <a:endParaRPr lang="en-US"/>
           </a:p>
@@ -11475,8 +11556,8 @@
         </p:blipFill>
         <p:spPr bwMode="auto">
           <a:xfrm>
-            <a:off x="734907" y="626366"/>
-            <a:ext cx="10929788" cy="3224287"/>
+            <a:off x="1536192" y="1378417"/>
+            <a:ext cx="6937714" cy="2046625"/>
           </a:xfrm>
           <a:prstGeom prst="rect">
             <a:avLst/>
@@ -11536,7 +11617,22 @@
                   <a:srgbClr val="404040"/>
                 </a:solidFill>
               </a:rPr>
-              <a:t>Python in an Educational Nonprofit</a:t>
+              <a:t>Implementing Python at an </a:t>
+            </a:r>
+            <a:br>
+              <a:rPr lang="en-US" sz="4000" dirty="0">
+                <a:solidFill>
+                  <a:srgbClr val="404040"/>
+                </a:solidFill>
+              </a:rPr>
+            </a:br>
+            <a:r>
+              <a:rPr lang="en-US" sz="4000" dirty="0">
+                <a:solidFill>
+                  <a:srgbClr val="404040"/>
+                </a:solidFill>
+              </a:rPr>
+              <a:t>AmeriCorps Nonprofit</a:t>
             </a:r>
           </a:p>
         </p:txBody>
@@ -11559,7 +11655,7 @@
         </p:nvSpPr>
         <p:spPr>
           <a:xfrm>
-            <a:off x="2695194" y="5688535"/>
+            <a:off x="2695194" y="5798263"/>
             <a:ext cx="6801612" cy="536125"/>
           </a:xfrm>
         </p:spPr>
@@ -11570,29 +11666,127 @@
           <a:lstStyle/>
           <a:p>
             <a:r>
-              <a:rPr lang="en-US" sz="1800" dirty="0">
+              <a:rPr lang="en-US" sz="3200" dirty="0">
                 <a:solidFill>
                   <a:srgbClr val="FFFFFF"/>
                 </a:solidFill>
+                <a:latin typeface="+mj-lt"/>
               </a:rPr>
-              <a:t>Chris Luedtke, Mentored by Aly </a:t>
+              <a:t>Chris Luedtke, mentored by Aly </a:t>
             </a:r>
             <a:r>
-              <a:rPr lang="en-US" sz="1800" dirty="0" err="1">
+              <a:rPr lang="en-US" sz="3200" dirty="0" err="1">
                 <a:solidFill>
                   <a:srgbClr val="FFFFFF"/>
                 </a:solidFill>
+                <a:latin typeface="+mj-lt"/>
               </a:rPr>
               <a:t>Sivji</a:t>
             </a:r>
-            <a:endParaRPr lang="en-US" sz="1800" dirty="0">
+            <a:endParaRPr lang="en-US" sz="3200" dirty="0">
               <a:solidFill>
                 <a:srgbClr val="FFFFFF"/>
               </a:solidFill>
+              <a:latin typeface="+mj-lt"/>
             </a:endParaRPr>
           </a:p>
         </p:txBody>
       </p:sp>
+      <p:pic>
+        <p:nvPicPr>
+          <p:cNvPr id="1030" name="Picture 6" descr="https://duckduckgo.com/i/57d21067.jpg">
+            <a:extLst>
+              <a:ext uri="{FF2B5EF4-FFF2-40B4-BE49-F238E27FC236}">
+                <a16:creationId xmlns:a16="http://schemas.microsoft.com/office/drawing/2014/main" id="{71ACC490-A0A4-4FE4-A397-E22929913E7D}"/>
+              </a:ext>
+            </a:extLst>
+          </p:cNvPr>
+          <p:cNvPicPr>
+            <a:picLocks noChangeAspect="1" noChangeArrowheads="1"/>
+          </p:cNvPicPr>
+          <p:nvPr/>
+        </p:nvPicPr>
+        <p:blipFill>
+          <a:blip r:embed="rId4">
+            <a:extLst>
+              <a:ext uri="{28A0092B-C50C-407E-A947-70E740481C1C}">
+                <a14:useLocalDpi xmlns:a14="http://schemas.microsoft.com/office/drawing/2010/main" val="0"/>
+              </a:ext>
+            </a:extLst>
+          </a:blip>
+          <a:srcRect/>
+          <a:stretch>
+            <a:fillRect/>
+          </a:stretch>
+        </p:blipFill>
+        <p:spPr bwMode="auto">
+          <a:xfrm>
+            <a:off x="8547057" y="656699"/>
+            <a:ext cx="1520487" cy="1520487"/>
+          </a:xfrm>
+          <a:prstGeom prst="rect">
+            <a:avLst/>
+          </a:prstGeom>
+          <a:noFill/>
+          <a:extLst>
+            <a:ext uri="{909E8E84-426E-40DD-AFC4-6F175D3DCCD1}">
+              <a14:hiddenFill xmlns:a14="http://schemas.microsoft.com/office/drawing/2010/main">
+                <a:solidFill>
+                  <a:srgbClr val="FFFFFF"/>
+                </a:solidFill>
+              </a14:hiddenFill>
+            </a:ext>
+          </a:extLst>
+        </p:spPr>
+      </p:pic>
+      <p:pic>
+        <p:nvPicPr>
+          <p:cNvPr id="10" name="Picture 2" descr="Home">
+            <a:extLst>
+              <a:ext uri="{FF2B5EF4-FFF2-40B4-BE49-F238E27FC236}">
+                <a16:creationId xmlns:a16="http://schemas.microsoft.com/office/drawing/2014/main" id="{324E80C8-6188-4489-BB5A-FF08C2DF77BF}"/>
+              </a:ext>
+            </a:extLst>
+          </p:cNvPr>
+          <p:cNvPicPr>
+            <a:picLocks noChangeAspect="1" noChangeArrowheads="1"/>
+          </p:cNvPicPr>
+          <p:nvPr/>
+        </p:nvPicPr>
+        <p:blipFill>
+          <a:blip r:embed="rId5">
+            <a:extLst>
+              <a:ext uri="{28A0092B-C50C-407E-A947-70E740481C1C}">
+                <a14:useLocalDpi xmlns:a14="http://schemas.microsoft.com/office/drawing/2010/main" val="0"/>
+              </a:ext>
+            </a:extLst>
+          </a:blip>
+          <a:srcRect/>
+          <a:stretch>
+            <a:fillRect/>
+          </a:stretch>
+        </p:blipFill>
+        <p:spPr bwMode="auto">
+          <a:xfrm>
+            <a:off x="9004024" y="2382398"/>
+            <a:ext cx="1459992" cy="1448311"/>
+          </a:xfrm>
+          <a:prstGeom prst="rect">
+            <a:avLst/>
+          </a:prstGeom>
+          <a:noFill/>
+          <a:effectLst/>
+          <a:extLst>
+            <a:ext uri="{909E8E84-426E-40DD-AFC4-6F175D3DCCD1}">
+              <a14:hiddenFill xmlns:a14="http://schemas.microsoft.com/office/drawing/2010/main">
+                <a:solidFill>
+                  <a:srgbClr val="FFFFFF"/>
+                </a:solidFill>
+              </a14:hiddenFill>
+            </a:ext>
+          </a:extLst>
+        </p:spPr>
+      </p:pic>
     </p:spTree>
     <p:extLst>
       <p:ext uri="{BB962C8B-B14F-4D97-AF65-F5344CB8AC3E}">
@@ -11850,8 +12044,8 @@
         </p:blipFill>
         <p:spPr>
           <a:xfrm>
-            <a:off x="7027317" y="4105297"/>
-            <a:ext cx="3249212" cy="2485736"/>
+            <a:off x="7087374" y="4109031"/>
+            <a:ext cx="3092043" cy="2365497"/>
           </a:xfrm>
           <a:prstGeom prst="rect">
             <a:avLst/>
@@ -11887,7 +12081,7 @@
         </p:blipFill>
         <p:spPr bwMode="auto">
           <a:xfrm>
-            <a:off x="7148334" y="3669041"/>
+            <a:off x="7417381" y="3701345"/>
             <a:ext cx="947786" cy="734534"/>
           </a:xfrm>
           <a:prstGeom prst="rect">
@@ -11954,10 +12148,10 @@
         </p:nvGrpSpPr>
         <p:grpSpPr>
           <a:xfrm>
-            <a:off x="3860411" y="3800785"/>
-            <a:ext cx="2129230" cy="902970"/>
-            <a:chOff x="4257040" y="3928110"/>
-            <a:chExt cx="2129230" cy="902970"/>
+            <a:off x="4594351" y="3815078"/>
+            <a:ext cx="1326267" cy="876303"/>
+            <a:chOff x="4257041" y="3941029"/>
+            <a:chExt cx="1326267" cy="869266"/>
           </a:xfrm>
         </p:grpSpPr>
         <p:sp>
@@ -11974,8 +12168,8 @@
           </p:nvSpPr>
           <p:spPr>
             <a:xfrm>
-              <a:off x="4257040" y="3928110"/>
-              <a:ext cx="1960880" cy="902970"/>
+              <a:off x="4257041" y="3941029"/>
+              <a:ext cx="1107513" cy="869266"/>
             </a:xfrm>
             <a:prstGeom prst="rect">
               <a:avLst/>
@@ -11983,11 +12177,16 @@
             <a:solidFill>
               <a:schemeClr val="bg1"/>
             </a:solidFill>
-            <a:ln>
-              <a:solidFill>
-                <a:srgbClr val="D4D4D4"/>
-              </a:solidFill>
+            <a:ln w="19050">
+              <a:noFill/>
             </a:ln>
+            <a:effectLst>
+              <a:outerShdw blurRad="63500" sx="102000" sy="102000" algn="ctr" rotWithShape="0">
+                <a:prstClr val="black">
+                  <a:alpha val="40000"/>
+                </a:prstClr>
+              </a:outerShdw>
+            </a:effectLst>
           </p:spPr>
           <p:style>
             <a:lnRef idx="2">
@@ -12028,10 +12227,10 @@
           </p:nvGrpSpPr>
           <p:grpSpPr>
             <a:xfrm>
-              <a:off x="4391215" y="4047956"/>
-              <a:ext cx="1995055" cy="662777"/>
-              <a:chOff x="5137500" y="4700423"/>
-              <a:chExt cx="1995055" cy="662777"/>
+              <a:off x="4411535" y="4047956"/>
+              <a:ext cx="1171773" cy="662777"/>
+              <a:chOff x="5157820" y="4700423"/>
+              <a:chExt cx="1171773" cy="662777"/>
             </a:xfrm>
           </p:grpSpPr>
           <p:sp>
@@ -12048,7 +12247,7 @@
             </p:nvSpPr>
             <p:spPr>
               <a:xfrm>
-                <a:off x="5137500" y="5080003"/>
+                <a:off x="5157820" y="5080003"/>
                 <a:ext cx="230910" cy="258618"/>
               </a:xfrm>
               <a:prstGeom prst="rect">
@@ -12100,7 +12299,7 @@
             </p:nvSpPr>
             <p:spPr>
               <a:xfrm>
-                <a:off x="5137500" y="4755780"/>
+                <a:off x="5157820" y="4755780"/>
                 <a:ext cx="230910" cy="258618"/>
               </a:xfrm>
               <a:prstGeom prst="rect">
@@ -12152,8 +12351,8 @@
             </p:nvSpPr>
             <p:spPr>
               <a:xfrm>
-                <a:off x="5368410" y="5024646"/>
-                <a:ext cx="1764145" cy="338554"/>
+                <a:off x="5388731" y="5024646"/>
+                <a:ext cx="813864" cy="338554"/>
               </a:xfrm>
               <a:prstGeom prst="rect">
                 <a:avLst/>
@@ -12170,7 +12369,7 @@
                   <a:rPr lang="en-US" sz="1600" dirty="0">
                     <a:latin typeface="+mj-lt"/>
                   </a:rPr>
-                  <a:t>School Year 2018</a:t>
+                  <a:t>2018</a:t>
                 </a:r>
               </a:p>
             </p:txBody>
@@ -12189,8 +12388,8 @@
             </p:nvSpPr>
             <p:spPr>
               <a:xfrm>
-                <a:off x="5368410" y="4700423"/>
-                <a:ext cx="1764145" cy="338554"/>
+                <a:off x="5388730" y="4700423"/>
+                <a:ext cx="940863" cy="335836"/>
               </a:xfrm>
               <a:prstGeom prst="rect">
                 <a:avLst/>
@@ -12207,7 +12406,7 @@
                   <a:rPr lang="en-US" sz="1600" dirty="0">
                     <a:latin typeface="+mj-lt"/>
                   </a:rPr>
-                  <a:t>School Year 2017</a:t>
+                  <a:t>2017</a:t>
                 </a:r>
               </a:p>
             </p:txBody>
@@ -12784,7 +12983,7 @@
         <p:spPr>
           <a:xfrm>
             <a:off x="0" y="0"/>
-            <a:ext cx="4175761" cy="6858000"/>
+            <a:ext cx="12192000" cy="6858000"/>
           </a:xfrm>
           <a:prstGeom prst="rect">
             <a:avLst/>
@@ -12860,10 +13059,10 @@
       </p:sp>
       <p:pic>
         <p:nvPicPr>
-          <p:cNvPr id="6" name="Picture 5">
+          <p:cNvPr id="7" name="Picture 6">
             <a:extLst>
               <a:ext uri="{FF2B5EF4-FFF2-40B4-BE49-F238E27FC236}">
-                <a16:creationId xmlns:a16="http://schemas.microsoft.com/office/drawing/2014/main" id="{C60EE107-7CCE-4F43-922E-4D9196703517}"/>
+                <a16:creationId xmlns:a16="http://schemas.microsoft.com/office/drawing/2014/main" id="{0FB3DF5D-9EDC-43F8-8C59-B97651B50221}"/>
               </a:ext>
             </a:extLst>
           </p:cNvPr>
@@ -12886,12 +13085,19 @@
         </p:blipFill>
         <p:spPr>
           <a:xfrm>
-            <a:off x="4750589" y="139710"/>
-            <a:ext cx="6711737" cy="6607458"/>
+            <a:off x="4175759" y="124198"/>
+            <a:ext cx="6106015" cy="6609604"/>
           </a:xfrm>
           <a:prstGeom prst="rect">
             <a:avLst/>
           </a:prstGeom>
+          <a:effectLst>
+            <a:outerShdw blurRad="63500" sx="102000" sy="102000" algn="ctr" rotWithShape="0">
+              <a:prstClr val="black">
+                <a:alpha val="26000"/>
+              </a:prstClr>
+            </a:outerShdw>
+          </a:effectLst>
         </p:spPr>
       </p:pic>
     </p:spTree>
@@ -13286,7 +13492,7 @@
                   <a:schemeClr val="bg1"/>
                 </a:solidFill>
               </a:rPr>
-              <a:t>1,500+ AmeriCorps Members yearly</a:t>
+              <a:t>3,000+ AmeriCorps Members yearly</a:t>
             </a:r>
           </a:p>
           <a:p>
@@ -13531,7 +13737,7 @@
             <p:ph idx="1"/>
             <p:extLst>
               <p:ext uri="{D42A27DB-BD31-4B8C-83A1-F6EECF244321}">
-                <p14:modId xmlns:p14="http://schemas.microsoft.com/office/powerpoint/2010/main" val="200004914"/>
+                <p14:modId xmlns:p14="http://schemas.microsoft.com/office/powerpoint/2010/main" val="538317486"/>
               </p:ext>
             </p:extLst>
           </p:nvPr>
@@ -13977,7 +14183,7 @@
                   <a:srgbClr val="404040"/>
                 </a:solidFill>
               </a:rPr>
-              <a:t>x 250 staff</a:t>
+              <a:t>x 250 tutors</a:t>
             </a:r>
           </a:p>
           <a:p>
@@ -13987,7 +14193,7 @@
                   <a:srgbClr val="404040"/>
                 </a:solidFill>
               </a:rPr>
-              <a:t>x 2,000 students</a:t>
+              <a:t>x 3,000 students</a:t>
             </a:r>
           </a:p>
         </p:txBody>
@@ -14603,7 +14809,7 @@
         <p:spPr>
           <a:xfrm>
             <a:off x="6975637" y="4136113"/>
-            <a:ext cx="4531023" cy="954107"/>
+            <a:ext cx="4531023" cy="1384995"/>
           </a:xfrm>
           <a:prstGeom prst="rect">
             <a:avLst/>
@@ -14626,7 +14832,7 @@
                   <a:srgbClr val="404040"/>
                 </a:solidFill>
               </a:rPr>
-              <a:t>Automated Publishing</a:t>
+              <a:t>Automated</a:t>
             </a:r>
           </a:p>
           <a:p>
@@ -14640,8 +14846,21 @@
                   <a:srgbClr val="404040"/>
                 </a:solidFill>
               </a:rPr>
-              <a:t>Selenium WebDriver</a:t>
+              <a:t>Selenium </a:t>
             </a:r>
+            <a:r>
+              <a:rPr lang="en-US" sz="2800" dirty="0" err="1">
+                <a:solidFill>
+                  <a:srgbClr val="404040"/>
+                </a:solidFill>
+              </a:rPr>
+              <a:t>WebDPublishingriver</a:t>
+            </a:r>
+            <a:endParaRPr lang="en-US" sz="2800" dirty="0">
+              <a:solidFill>
+                <a:srgbClr val="404040"/>
+              </a:solidFill>
+            </a:endParaRPr>
           </a:p>
         </p:txBody>
       </p:sp>
@@ -16225,7 +16444,7 @@
         </p:blipFill>
         <p:spPr>
           <a:xfrm>
-            <a:off x="589547" y="2327704"/>
+            <a:off x="601739" y="2388664"/>
             <a:ext cx="10599821" cy="2021776"/>
           </a:xfrm>
           <a:prstGeom prst="rect">
@@ -16247,7 +16466,7 @@
         </p:nvSpPr>
         <p:spPr>
           <a:xfrm>
-            <a:off x="231842" y="1819888"/>
+            <a:off x="231842" y="1832080"/>
             <a:ext cx="11804073" cy="523220"/>
           </a:xfrm>
           <a:prstGeom prst="rect">
@@ -16265,7 +16484,7 @@
               <a:rPr lang="en-US" sz="2800" dirty="0">
                 <a:latin typeface="+mj-lt"/>
               </a:rPr>
-              <a:t>Observation Scores and the Tutor’s Student Performance</a:t>
+              <a:t>Tutor’s Student Performance vs. Tutoring Quality</a:t>
             </a:r>
           </a:p>
         </p:txBody>

--- a/2018-06-14-ChiPy/Presentation.pptx
+++ b/2018-06-14-ChiPy/Presentation.pptx
@@ -125,10 +125,6 @@
     </p:ext>
   </p:extLst>
 </p:presentation>
-</file>
-
-<file path=ppt/revisionInfo.xml><?xml version="1.0" encoding="utf-8"?>
-<p1510:revInfo xmlns:a="http://schemas.openxmlformats.org/drawingml/2006/main" xmlns:r="http://schemas.openxmlformats.org/officeDocument/2006/relationships" xmlns:p1510="http://schemas.microsoft.com/office/powerpoint/2015/10/main"/>
 </file>
 
 <file path=ppt/diagrams/colors1.xml><?xml version="1.0" encoding="utf-8"?>
@@ -6457,7 +6453,7 @@
           <a:p>
             <a:fld id="{8F51CBC3-C0B7-4EA1-B810-2B3BBDE8021F}" type="datetimeFigureOut">
               <a:rPr lang="en-US" smtClean="0"/>
-              <a:t>6/14/2018</a:t>
+              <a:t>8/24/2018</a:t>
             </a:fld>
             <a:endParaRPr lang="en-US"/>
           </a:p>
@@ -6768,7 +6764,10 @@
           <a:bodyPr/>
           <a:lstStyle/>
           <a:p>
-            <a:endParaRPr lang="en-US"/>
+            <a:r>
+              <a:rPr lang="en-US" dirty="0"/>
+              <a:t>Until 0:09</a:t>
+            </a:r>
           </a:p>
         </p:txBody>
       </p:sp>
@@ -6852,6 +6851,23 @@
           <a:bodyPr/>
           <a:lstStyle/>
           <a:p>
+            <a:pPr marL="0" indent="0">
+              <a:buFont typeface="Arial" panose="020B0604020202020204" pitchFamily="34" charset="0"/>
+              <a:buNone/>
+            </a:pPr>
+            <a:r>
+              <a:rPr lang="en-US" dirty="0"/>
+              <a:t>Until 4:01</a:t>
+            </a:r>
+          </a:p>
+          <a:p>
+            <a:pPr marL="171450" indent="-171450">
+              <a:buFont typeface="Arial" panose="020B0604020202020204" pitchFamily="34" charset="0"/>
+              <a:buChar char="•"/>
+            </a:pPr>
+            <a:endParaRPr lang="en-US" dirty="0"/>
+          </a:p>
+          <a:p>
             <a:pPr marL="171450" indent="-171450">
               <a:buFont typeface="Arial" panose="020B0604020202020204" pitchFamily="34" charset="0"/>
               <a:buChar char="•"/>
@@ -7021,6 +7037,23 @@
           <a:bodyPr/>
           <a:lstStyle/>
           <a:p>
+            <a:pPr marL="0" indent="0">
+              <a:buFont typeface="Arial" panose="020B0604020202020204" pitchFamily="34" charset="0"/>
+              <a:buNone/>
+            </a:pPr>
+            <a:r>
+              <a:rPr lang="en-US" dirty="0"/>
+              <a:t>Until 4:10</a:t>
+            </a:r>
+          </a:p>
+          <a:p>
+            <a:pPr marL="171450" indent="-171450">
+              <a:buFont typeface="Arial" panose="020B0604020202020204" pitchFamily="34" charset="0"/>
+              <a:buChar char="•"/>
+            </a:pPr>
+            <a:endParaRPr lang="en-US" dirty="0"/>
+          </a:p>
+          <a:p>
             <a:pPr marL="171450" indent="-171450">
               <a:buFont typeface="Arial" panose="020B0604020202020204" pitchFamily="34" charset="0"/>
               <a:buChar char="•"/>
@@ -7120,6 +7153,23 @@
           <a:bodyPr/>
           <a:lstStyle/>
           <a:p>
+            <a:pPr marL="0" indent="0">
+              <a:buFont typeface="Arial" panose="020B0604020202020204" pitchFamily="34" charset="0"/>
+              <a:buNone/>
+            </a:pPr>
+            <a:r>
+              <a:rPr lang="en-US" dirty="0"/>
+              <a:t>Until 4:40</a:t>
+            </a:r>
+          </a:p>
+          <a:p>
+            <a:pPr marL="171450" indent="-171450">
+              <a:buFont typeface="Arial" panose="020B0604020202020204" pitchFamily="34" charset="0"/>
+              <a:buChar char="•"/>
+            </a:pPr>
+            <a:endParaRPr lang="en-US" dirty="0"/>
+          </a:p>
+          <a:p>
             <a:pPr marL="171450" indent="-171450">
               <a:buFont typeface="Arial" panose="020B0604020202020204" pitchFamily="34" charset="0"/>
               <a:buChar char="•"/>
@@ -7149,7 +7199,7 @@
             </a:pPr>
             <a:r>
               <a:rPr lang="en-US" dirty="0"/>
-              <a:t>I have only scratched the surface of what Python can do – there is so much opportunity for technical folks to support the important work organization is doing</a:t>
+              <a:t>I have only scratched the surface of what Python can do – there is so much opportunity for technical folks to support the important work organizations like City Year and AmeriCorps are doing</a:t>
             </a:r>
           </a:p>
         </p:txBody>
@@ -7322,13 +7372,43 @@
           <a:bodyPr/>
           <a:lstStyle/>
           <a:p>
+            <a:pPr marL="0" marR="0" lvl="0" indent="0" algn="l" defTabSz="914400" rtl="0" eaLnBrk="1" fontAlgn="auto" latinLnBrk="0" hangingPunct="1">
+              <a:lnSpc>
+                <a:spcPct val="100000"/>
+              </a:lnSpc>
+              <a:spcBef>
+                <a:spcPts val="0"/>
+              </a:spcBef>
+              <a:spcAft>
+                <a:spcPts val="0"/>
+              </a:spcAft>
+              <a:buClrTx/>
+              <a:buSzTx/>
+              <a:buFont typeface="Arial" panose="020B0604020202020204" pitchFamily="34" charset="0"/>
+              <a:buNone/>
+              <a:tabLst/>
+              <a:defRPr/>
+            </a:pPr>
+            <a:r>
+              <a:rPr lang="en-US" dirty="0"/>
+              <a:t>Until 0:36</a:t>
+            </a:r>
+          </a:p>
+          <a:p>
+            <a:pPr marL="0" indent="0">
+              <a:buFont typeface="Arial" panose="020B0604020202020204" pitchFamily="34" charset="0"/>
+              <a:buNone/>
+            </a:pPr>
+            <a:endParaRPr lang="en-US" sz="1200" dirty="0"/>
+          </a:p>
+          <a:p>
             <a:pPr marL="171450" indent="-171450">
               <a:buFont typeface="Arial" panose="020B0604020202020204" pitchFamily="34" charset="0"/>
               <a:buChar char="•"/>
             </a:pPr>
             <a:r>
               <a:rPr lang="en-US" sz="1200" dirty="0"/>
-              <a:t>I’m an analyst at City Year, an educational nonprofit that believes in equitable access to quality education</a:t>
+              <a:t>I’m an analyst at City Year, an educational nonprofit that works toward equitable access to quality education</a:t>
             </a:r>
           </a:p>
           <a:p>
@@ -7453,9 +7533,32 @@
           <a:bodyPr/>
           <a:lstStyle/>
           <a:p>
-            <a:pPr marL="171450" indent="-171450">
+            <a:pPr marL="0" marR="0" lvl="0" indent="0" algn="l" defTabSz="914400" rtl="0" eaLnBrk="1" fontAlgn="auto" latinLnBrk="0" hangingPunct="1">
+              <a:lnSpc>
+                <a:spcPct val="100000"/>
+              </a:lnSpc>
+              <a:spcBef>
+                <a:spcPts val="0"/>
+              </a:spcBef>
+              <a:spcAft>
+                <a:spcPts val="0"/>
+              </a:spcAft>
+              <a:buClrTx/>
+              <a:buSzTx/>
               <a:buFont typeface="Arial" panose="020B0604020202020204" pitchFamily="34" charset="0"/>
-              <a:buChar char="•"/>
+              <a:buNone/>
+              <a:tabLst/>
+              <a:defRPr/>
+            </a:pPr>
+            <a:r>
+              <a:rPr lang="en-US" dirty="0"/>
+              <a:t>Until 00:48</a:t>
+            </a:r>
+          </a:p>
+          <a:p>
+            <a:pPr marL="0" indent="0">
+              <a:buFont typeface="Arial" panose="020B0604020202020204" pitchFamily="34" charset="0"/>
+              <a:buNone/>
             </a:pPr>
             <a:endParaRPr lang="en-US" dirty="0"/>
           </a:p>
@@ -7541,6 +7644,36 @@
           <a:bodyPr/>
           <a:lstStyle/>
           <a:p>
+            <a:pPr marL="0" marR="0" lvl="0" indent="0" algn="l" defTabSz="914400" rtl="0" eaLnBrk="1" fontAlgn="auto" latinLnBrk="0" hangingPunct="1">
+              <a:lnSpc>
+                <a:spcPct val="100000"/>
+              </a:lnSpc>
+              <a:spcBef>
+                <a:spcPts val="0"/>
+              </a:spcBef>
+              <a:spcAft>
+                <a:spcPts val="0"/>
+              </a:spcAft>
+              <a:buClrTx/>
+              <a:buSzTx/>
+              <a:buFont typeface="Arial" panose="020B0604020202020204" pitchFamily="34" charset="0"/>
+              <a:buNone/>
+              <a:tabLst/>
+              <a:defRPr/>
+            </a:pPr>
+            <a:r>
+              <a:rPr lang="en-US" dirty="0"/>
+              <a:t>Until 01:29</a:t>
+            </a:r>
+          </a:p>
+          <a:p>
+            <a:pPr marL="171450" indent="-171450">
+              <a:buFont typeface="Arial" panose="020B0604020202020204" pitchFamily="34" charset="0"/>
+              <a:buChar char="•"/>
+            </a:pPr>
+            <a:endParaRPr lang="en-US" dirty="0"/>
+          </a:p>
+          <a:p>
             <a:pPr marL="171450" indent="-171450">
               <a:buFont typeface="Arial" panose="020B0604020202020204" pitchFamily="34" charset="0"/>
               <a:buChar char="•"/>
@@ -7688,6 +7821,36 @@
           <a:bodyPr/>
           <a:lstStyle/>
           <a:p>
+            <a:pPr marL="0" marR="0" lvl="0" indent="0" algn="l" defTabSz="914400" rtl="0" eaLnBrk="1" fontAlgn="auto" latinLnBrk="0" hangingPunct="1">
+              <a:lnSpc>
+                <a:spcPct val="100000"/>
+              </a:lnSpc>
+              <a:spcBef>
+                <a:spcPts val="0"/>
+              </a:spcBef>
+              <a:spcAft>
+                <a:spcPts val="0"/>
+              </a:spcAft>
+              <a:buClrTx/>
+              <a:buSzTx/>
+              <a:buFont typeface="Arial" panose="020B0604020202020204" pitchFamily="34" charset="0"/>
+              <a:buNone/>
+              <a:tabLst/>
+              <a:defRPr/>
+            </a:pPr>
+            <a:r>
+              <a:rPr lang="en-US" dirty="0"/>
+              <a:t>Until 02:00</a:t>
+            </a:r>
+          </a:p>
+          <a:p>
+            <a:pPr marL="0" indent="0">
+              <a:buFont typeface="Arial" panose="020B0604020202020204" pitchFamily="34" charset="0"/>
+              <a:buNone/>
+            </a:pPr>
+            <a:endParaRPr lang="en-US" dirty="0"/>
+          </a:p>
+          <a:p>
             <a:pPr marL="171450" indent="-171450">
               <a:buFont typeface="Arial" panose="020B0604020202020204" pitchFamily="34" charset="0"/>
               <a:buChar char="•"/>
@@ -7812,6 +7975,49 @@
           <a:bodyPr/>
           <a:lstStyle/>
           <a:p>
+            <a:pPr marL="0" marR="0" lvl="0" indent="0" algn="l" defTabSz="914400" rtl="0" eaLnBrk="1" fontAlgn="auto" latinLnBrk="0" hangingPunct="1">
+              <a:lnSpc>
+                <a:spcPct val="100000"/>
+              </a:lnSpc>
+              <a:spcBef>
+                <a:spcPts val="0"/>
+              </a:spcBef>
+              <a:spcAft>
+                <a:spcPts val="0"/>
+              </a:spcAft>
+              <a:buClrTx/>
+              <a:buSzTx/>
+              <a:buFont typeface="Arial" panose="020B0604020202020204" pitchFamily="34" charset="0"/>
+              <a:buNone/>
+              <a:tabLst/>
+              <a:defRPr/>
+            </a:pPr>
+            <a:r>
+              <a:rPr lang="en-US" dirty="0"/>
+              <a:t>Until 2:12</a:t>
+            </a:r>
+          </a:p>
+          <a:p>
+            <a:pPr marL="171450" marR="0" lvl="0" indent="-171450" algn="l" defTabSz="914400" rtl="0" eaLnBrk="1" fontAlgn="auto" latinLnBrk="0" hangingPunct="1">
+              <a:lnSpc>
+                <a:spcPct val="100000"/>
+              </a:lnSpc>
+              <a:spcBef>
+                <a:spcPts val="0"/>
+              </a:spcBef>
+              <a:spcAft>
+                <a:spcPts val="0"/>
+              </a:spcAft>
+              <a:buClrTx/>
+              <a:buSzTx/>
+              <a:buFont typeface="Arial" panose="020B0604020202020204" pitchFamily="34" charset="0"/>
+              <a:buChar char="•"/>
+              <a:tabLst/>
+              <a:defRPr/>
+            </a:pPr>
+            <a:endParaRPr lang="en-US" dirty="0"/>
+          </a:p>
+          <a:p>
             <a:pPr marL="171450" marR="0" lvl="0" indent="-171450" algn="l" defTabSz="914400" rtl="0" eaLnBrk="1" fontAlgn="auto" latinLnBrk="0" hangingPunct="1">
               <a:lnSpc>
                 <a:spcPct val="100000"/>
@@ -7916,7 +8122,7 @@
           <a:bodyPr/>
           <a:lstStyle/>
           <a:p>
-            <a:pPr marL="171450" marR="0" lvl="0" indent="-171450" algn="l" defTabSz="914400" rtl="0" eaLnBrk="1" fontAlgn="auto" latinLnBrk="0" hangingPunct="1">
+            <a:pPr marL="0" marR="0" lvl="0" indent="0" algn="l" defTabSz="914400" rtl="0" eaLnBrk="1" fontAlgn="auto" latinLnBrk="0" hangingPunct="1">
               <a:lnSpc>
                 <a:spcPct val="100000"/>
               </a:lnSpc>
@@ -7929,11 +8135,14 @@
               <a:buClrTx/>
               <a:buSzTx/>
               <a:buFont typeface="Arial" panose="020B0604020202020204" pitchFamily="34" charset="0"/>
-              <a:buChar char="•"/>
+              <a:buNone/>
               <a:tabLst/>
               <a:defRPr/>
             </a:pPr>
-            <a:endParaRPr lang="en-US" dirty="0"/>
+            <a:r>
+              <a:rPr lang="en-US" dirty="0"/>
+              <a:t>Until 2:29</a:t>
+            </a:r>
           </a:p>
         </p:txBody>
       </p:sp>
@@ -8017,6 +8226,23 @@
           <a:bodyPr/>
           <a:lstStyle/>
           <a:p>
+            <a:pPr marL="0" indent="0">
+              <a:buFont typeface="Arial" panose="020B0604020202020204" pitchFamily="34" charset="0"/>
+              <a:buNone/>
+            </a:pPr>
+            <a:r>
+              <a:rPr lang="en-US" dirty="0"/>
+              <a:t>Until 2:54</a:t>
+            </a:r>
+          </a:p>
+          <a:p>
+            <a:pPr marL="171450" indent="-171450">
+              <a:buFont typeface="Arial" panose="020B0604020202020204" pitchFamily="34" charset="0"/>
+              <a:buChar char="•"/>
+            </a:pPr>
+            <a:endParaRPr lang="en-US" dirty="0"/>
+          </a:p>
+          <a:p>
             <a:pPr marL="171450" indent="-171450">
               <a:buFont typeface="Arial" panose="020B0604020202020204" pitchFamily="34" charset="0"/>
               <a:buChar char="•"/>
@@ -8147,6 +8373,49 @@
         <p:txBody>
           <a:bodyPr/>
           <a:lstStyle/>
+          <a:p>
+            <a:pPr marL="0" marR="0" lvl="0" indent="0" algn="l" defTabSz="914400" rtl="0" eaLnBrk="1" fontAlgn="auto" latinLnBrk="0" hangingPunct="1">
+              <a:lnSpc>
+                <a:spcPct val="100000"/>
+              </a:lnSpc>
+              <a:spcBef>
+                <a:spcPts val="0"/>
+              </a:spcBef>
+              <a:spcAft>
+                <a:spcPts val="0"/>
+              </a:spcAft>
+              <a:buClrTx/>
+              <a:buSzTx/>
+              <a:buFont typeface="Arial" panose="020B0604020202020204" pitchFamily="34" charset="0"/>
+              <a:buNone/>
+              <a:tabLst/>
+              <a:defRPr/>
+            </a:pPr>
+            <a:r>
+              <a:rPr lang="en-US" dirty="0"/>
+              <a:t>Until 3:25</a:t>
+            </a:r>
+          </a:p>
+          <a:p>
+            <a:pPr marL="171450" marR="0" lvl="0" indent="-171450" algn="l" defTabSz="914400" rtl="0" eaLnBrk="1" fontAlgn="auto" latinLnBrk="0" hangingPunct="1">
+              <a:lnSpc>
+                <a:spcPct val="100000"/>
+              </a:lnSpc>
+              <a:spcBef>
+                <a:spcPts val="0"/>
+              </a:spcBef>
+              <a:spcAft>
+                <a:spcPts val="0"/>
+              </a:spcAft>
+              <a:buClrTx/>
+              <a:buSzTx/>
+              <a:buFont typeface="Arial" panose="020B0604020202020204" pitchFamily="34" charset="0"/>
+              <a:buChar char="•"/>
+              <a:tabLst/>
+              <a:defRPr/>
+            </a:pPr>
+            <a:endParaRPr lang="en-US" dirty="0"/>
+          </a:p>
           <a:p>
             <a:pPr marL="171450" marR="0" lvl="0" indent="-171450" algn="l" defTabSz="914400" rtl="0" eaLnBrk="1" fontAlgn="auto" latinLnBrk="0" hangingPunct="1">
               <a:lnSpc>
@@ -8398,7 +8667,7 @@
           <a:p>
             <a:fld id="{EDD89B22-A068-4CBA-8252-CF19AF47419C}" type="datetimeFigureOut">
               <a:rPr lang="en-US" smtClean="0"/>
-              <a:t>6/14/2018</a:t>
+              <a:t>8/24/2018</a:t>
             </a:fld>
             <a:endParaRPr lang="en-US"/>
           </a:p>
@@ -8596,7 +8865,7 @@
           <a:p>
             <a:fld id="{EDD89B22-A068-4CBA-8252-CF19AF47419C}" type="datetimeFigureOut">
               <a:rPr lang="en-US" smtClean="0"/>
-              <a:t>6/14/2018</a:t>
+              <a:t>8/24/2018</a:t>
             </a:fld>
             <a:endParaRPr lang="en-US"/>
           </a:p>
@@ -8804,7 +9073,7 @@
           <a:p>
             <a:fld id="{EDD89B22-A068-4CBA-8252-CF19AF47419C}" type="datetimeFigureOut">
               <a:rPr lang="en-US" smtClean="0"/>
-              <a:t>6/14/2018</a:t>
+              <a:t>8/24/2018</a:t>
             </a:fld>
             <a:endParaRPr lang="en-US"/>
           </a:p>
@@ -9002,7 +9271,7 @@
           <a:p>
             <a:fld id="{EDD89B22-A068-4CBA-8252-CF19AF47419C}" type="datetimeFigureOut">
               <a:rPr lang="en-US" smtClean="0"/>
-              <a:t>6/14/2018</a:t>
+              <a:t>8/24/2018</a:t>
             </a:fld>
             <a:endParaRPr lang="en-US"/>
           </a:p>
@@ -9277,7 +9546,7 @@
           <a:p>
             <a:fld id="{EDD89B22-A068-4CBA-8252-CF19AF47419C}" type="datetimeFigureOut">
               <a:rPr lang="en-US" smtClean="0"/>
-              <a:t>6/14/2018</a:t>
+              <a:t>8/24/2018</a:t>
             </a:fld>
             <a:endParaRPr lang="en-US"/>
           </a:p>
@@ -9542,7 +9811,7 @@
           <a:p>
             <a:fld id="{EDD89B22-A068-4CBA-8252-CF19AF47419C}" type="datetimeFigureOut">
               <a:rPr lang="en-US" smtClean="0"/>
-              <a:t>6/14/2018</a:t>
+              <a:t>8/24/2018</a:t>
             </a:fld>
             <a:endParaRPr lang="en-US"/>
           </a:p>
@@ -9954,7 +10223,7 @@
           <a:p>
             <a:fld id="{EDD89B22-A068-4CBA-8252-CF19AF47419C}" type="datetimeFigureOut">
               <a:rPr lang="en-US" smtClean="0"/>
-              <a:t>6/14/2018</a:t>
+              <a:t>8/24/2018</a:t>
             </a:fld>
             <a:endParaRPr lang="en-US"/>
           </a:p>
@@ -10095,7 +10364,7 @@
           <a:p>
             <a:fld id="{EDD89B22-A068-4CBA-8252-CF19AF47419C}" type="datetimeFigureOut">
               <a:rPr lang="en-US" smtClean="0"/>
-              <a:t>6/14/2018</a:t>
+              <a:t>8/24/2018</a:t>
             </a:fld>
             <a:endParaRPr lang="en-US"/>
           </a:p>
@@ -10208,7 +10477,7 @@
           <a:p>
             <a:fld id="{EDD89B22-A068-4CBA-8252-CF19AF47419C}" type="datetimeFigureOut">
               <a:rPr lang="en-US" smtClean="0"/>
-              <a:t>6/14/2018</a:t>
+              <a:t>8/24/2018</a:t>
             </a:fld>
             <a:endParaRPr lang="en-US"/>
           </a:p>
@@ -10519,7 +10788,7 @@
           <a:p>
             <a:fld id="{EDD89B22-A068-4CBA-8252-CF19AF47419C}" type="datetimeFigureOut">
               <a:rPr lang="en-US" smtClean="0"/>
-              <a:t>6/14/2018</a:t>
+              <a:t>8/24/2018</a:t>
             </a:fld>
             <a:endParaRPr lang="en-US"/>
           </a:p>
@@ -10807,7 +11076,7 @@
           <a:p>
             <a:fld id="{EDD89B22-A068-4CBA-8252-CF19AF47419C}" type="datetimeFigureOut">
               <a:rPr lang="en-US" smtClean="0"/>
-              <a:t>6/14/2018</a:t>
+              <a:t>8/24/2018</a:t>
             </a:fld>
             <a:endParaRPr lang="en-US"/>
           </a:p>
@@ -11048,7 +11317,7 @@
           <a:p>
             <a:fld id="{EDD89B22-A068-4CBA-8252-CF19AF47419C}" type="datetimeFigureOut">
               <a:rPr lang="en-US" smtClean="0"/>
-              <a:t>6/14/2018</a:t>
+              <a:t>8/24/2018</a:t>
             </a:fld>
             <a:endParaRPr lang="en-US"/>
           </a:p>
@@ -14809,7 +15078,7 @@
         <p:spPr>
           <a:xfrm>
             <a:off x="6975637" y="4136113"/>
-            <a:ext cx="4531023" cy="1384995"/>
+            <a:ext cx="4531023" cy="954107"/>
           </a:xfrm>
           <a:prstGeom prst="rect">
             <a:avLst/>
@@ -14832,7 +15101,7 @@
                   <a:srgbClr val="404040"/>
                 </a:solidFill>
               </a:rPr>
-              <a:t>Automated</a:t>
+              <a:t>Automated publishing</a:t>
             </a:r>
           </a:p>
           <a:p>
@@ -14846,21 +15115,8 @@
                   <a:srgbClr val="404040"/>
                 </a:solidFill>
               </a:rPr>
-              <a:t>Selenium </a:t>
+              <a:t>Selenium WebDriver</a:t>
             </a:r>
-            <a:r>
-              <a:rPr lang="en-US" sz="2800" dirty="0" err="1">
-                <a:solidFill>
-                  <a:srgbClr val="404040"/>
-                </a:solidFill>
-              </a:rPr>
-              <a:t>WebDPublishingriver</a:t>
-            </a:r>
-            <a:endParaRPr lang="en-US" sz="2800" dirty="0">
-              <a:solidFill>
-                <a:srgbClr val="404040"/>
-              </a:solidFill>
-            </a:endParaRPr>
           </a:p>
         </p:txBody>
       </p:sp>
